--- a/Lec-13-16-firmware-architecture.pptx
+++ b/Lec-13-16-firmware-architecture.pptx
@@ -5,7 +5,7 @@
     <p:sldMasterId id="2147483648" r:id="rId1"/>
   </p:sldMasterIdLst>
   <p:notesMasterIdLst>
-    <p:notesMasterId r:id="rId31"/>
+    <p:notesMasterId r:id="rId37"/>
   </p:notesMasterIdLst>
   <p:sldIdLst>
     <p:sldId id="337" r:id="rId2"/>
@@ -27,16 +27,22 @@
     <p:sldId id="367" r:id="rId18"/>
     <p:sldId id="369" r:id="rId19"/>
     <p:sldId id="368" r:id="rId20"/>
-    <p:sldId id="370" r:id="rId21"/>
-    <p:sldId id="365" r:id="rId22"/>
-    <p:sldId id="342" r:id="rId23"/>
-    <p:sldId id="343" r:id="rId24"/>
-    <p:sldId id="344" r:id="rId25"/>
-    <p:sldId id="345" r:id="rId26"/>
-    <p:sldId id="341" r:id="rId27"/>
-    <p:sldId id="347" r:id="rId28"/>
-    <p:sldId id="348" r:id="rId29"/>
-    <p:sldId id="349" r:id="rId30"/>
+    <p:sldId id="371" r:id="rId21"/>
+    <p:sldId id="372" r:id="rId22"/>
+    <p:sldId id="373" r:id="rId23"/>
+    <p:sldId id="374" r:id="rId24"/>
+    <p:sldId id="375" r:id="rId25"/>
+    <p:sldId id="376" r:id="rId26"/>
+    <p:sldId id="370" r:id="rId27"/>
+    <p:sldId id="365" r:id="rId28"/>
+    <p:sldId id="342" r:id="rId29"/>
+    <p:sldId id="343" r:id="rId30"/>
+    <p:sldId id="344" r:id="rId31"/>
+    <p:sldId id="345" r:id="rId32"/>
+    <p:sldId id="341" r:id="rId33"/>
+    <p:sldId id="347" r:id="rId34"/>
+    <p:sldId id="348" r:id="rId35"/>
+    <p:sldId id="349" r:id="rId36"/>
   </p:sldIdLst>
   <p:sldSz cx="9144000" cy="6858000" type="screen4x3"/>
   <p:notesSz cx="6858000" cy="9144000"/>
@@ -318,7 +324,7 @@
               <a:pPr>
                 <a:defRPr/>
               </a:pPr>
-              <a:t>2/6/2026</a:t>
+              <a:t>2/10/2026</a:t>
             </a:fld>
             <a:endParaRPr lang="en-US"/>
           </a:p>
@@ -7624,7 +7630,7 @@
         </p:blipFill>
         <p:spPr>
           <a:xfrm>
-            <a:off x="5925331" y="0"/>
+            <a:off x="5925331" y="914401"/>
             <a:ext cx="3210560" cy="1572768"/>
           </a:xfrm>
           <a:prstGeom prst="rect">
@@ -7653,7 +7659,7 @@
         </p:blipFill>
         <p:spPr>
           <a:xfrm>
-            <a:off x="5925331" y="0"/>
+            <a:off x="5925331" y="914401"/>
             <a:ext cx="3210560" cy="2819400"/>
           </a:xfrm>
           <a:prstGeom prst="rect">
@@ -7682,7 +7688,7 @@
         </p:blipFill>
         <p:spPr>
           <a:xfrm>
-            <a:off x="5936488" y="-1"/>
+            <a:off x="5936488" y="914400"/>
             <a:ext cx="3210560" cy="4038601"/>
           </a:xfrm>
           <a:prstGeom prst="rect">
@@ -7712,7 +7718,7 @@
         </p:blipFill>
         <p:spPr>
           <a:xfrm>
-            <a:off x="5939536" y="4149334"/>
+            <a:off x="5939536" y="5063735"/>
             <a:ext cx="3052066" cy="1426510"/>
           </a:xfrm>
           <a:prstGeom prst="rect">
@@ -8850,9 +8856,9 @@
         <p:grpSpPr>
           <a:xfrm>
             <a:off x="2362200" y="4096897"/>
-            <a:ext cx="3594654" cy="1726688"/>
+            <a:ext cx="3594654" cy="1922903"/>
             <a:chOff x="2959608" y="4366419"/>
-            <a:chExt cx="3594654" cy="1726688"/>
+            <a:chExt cx="3594654" cy="1922903"/>
           </a:xfrm>
         </p:grpSpPr>
         <p:sp>
@@ -8921,7 +8927,7 @@
           </p:nvSpPr>
           <p:spPr>
             <a:xfrm>
-              <a:off x="4343400" y="5446776"/>
+              <a:off x="4343400" y="5642991"/>
               <a:ext cx="2210862" cy="646331"/>
             </a:xfrm>
             <a:prstGeom prst="rect">
@@ -9642,6 +9648,51 @@
                                               <p:pRg st="2" end="2"/>
                                             </p:txEl>
                                           </p:spTgt>
+                                        </p:tgtEl>
+                                        <p:attrNameLst>
+                                          <p:attrName>style.visibility</p:attrName>
+                                        </p:attrNameLst>
+                                      </p:cBhvr>
+                                      <p:to>
+                                        <p:strVal val="visible"/>
+                                      </p:to>
+                                    </p:set>
+                                  </p:childTnLst>
+                                </p:cTn>
+                              </p:par>
+                            </p:childTnLst>
+                          </p:cTn>
+                        </p:par>
+                      </p:childTnLst>
+                    </p:cTn>
+                  </p:par>
+                  <p:par>
+                    <p:cTn id="13" fill="hold">
+                      <p:stCondLst>
+                        <p:cond delay="indefinite"/>
+                      </p:stCondLst>
+                      <p:childTnLst>
+                        <p:par>
+                          <p:cTn id="14" fill="hold">
+                            <p:stCondLst>
+                              <p:cond delay="0"/>
+                            </p:stCondLst>
+                            <p:childTnLst>
+                              <p:par>
+                                <p:cTn id="15" presetID="1" presetClass="entr" presetSubtype="0" fill="hold" nodeType="clickEffect">
+                                  <p:stCondLst>
+                                    <p:cond delay="0"/>
+                                  </p:stCondLst>
+                                  <p:childTnLst>
+                                    <p:set>
+                                      <p:cBhvr>
+                                        <p:cTn id="16" dur="1" fill="hold">
+                                          <p:stCondLst>
+                                            <p:cond delay="0"/>
+                                          </p:stCondLst>
+                                        </p:cTn>
+                                        <p:tgtEl>
+                                          <p:spTgt spid="7"/>
                                         </p:tgtEl>
                                         <p:attrNameLst>
                                           <p:attrName>style.visibility</p:attrName>
@@ -11942,7 +11993,7 @@
           <a:p>
             <a:r>
               <a:rPr lang="en-US" dirty="0"/>
-              <a:t>Building interfaces</a:t>
+              <a:t>Encapsulating modules and building interfaces</a:t>
             </a:r>
           </a:p>
         </p:txBody>
@@ -11963,12 +12014,83 @@
             <p:ph idx="1"/>
           </p:nvPr>
         </p:nvSpPr>
-        <p:spPr/>
+        <p:spPr>
+          <a:xfrm>
+            <a:off x="152400" y="1446211"/>
+            <a:ext cx="5465824" cy="5014912"/>
+          </a:xfrm>
+        </p:spPr>
         <p:txBody>
-          <a:bodyPr/>
+          <a:bodyPr>
+            <a:normAutofit fontScale="85000" lnSpcReduction="20000"/>
+          </a:bodyPr>
           <a:lstStyle/>
           <a:p>
-            <a:endParaRPr lang="en-US"/>
+            <a:pPr marL="0" indent="0">
+              <a:buNone/>
+            </a:pPr>
+            <a:r>
+              <a:rPr lang="en-US" dirty="0">
+                <a:solidFill>
+                  <a:srgbClr val="72C3E8"/>
+                </a:solidFill>
+              </a:rPr>
+              <a:t>Making interfaces between modules that do not depend specifically on what is inside the modules</a:t>
+            </a:r>
+          </a:p>
+          <a:p>
+            <a:r>
+              <a:rPr lang="en-US" dirty="0"/>
+              <a:t>POSIX / Unix driver standard</a:t>
+            </a:r>
+          </a:p>
+          <a:p>
+            <a:pPr lvl="1"/>
+            <a:r>
+              <a:rPr lang="en-US" dirty="0"/>
+              <a:t>open() and close(): initialize and clean up</a:t>
+            </a:r>
+          </a:p>
+          <a:p>
+            <a:pPr marL="457200" lvl="1" indent="0">
+              <a:buNone/>
+            </a:pPr>
+            <a:r>
+              <a:rPr lang="en-US" dirty="0"/>
+              <a:t>	open() is often replaced by </a:t>
+            </a:r>
+            <a:r>
+              <a:rPr lang="en-US" dirty="0" err="1"/>
+              <a:t>init</a:t>
+            </a:r>
+            <a:r>
+              <a:rPr lang="en-US" dirty="0"/>
+              <a:t>()</a:t>
+            </a:r>
+          </a:p>
+          <a:p>
+            <a:pPr lvl="1"/>
+            <a:r>
+              <a:rPr lang="en-US" dirty="0"/>
+              <a:t>read() and write(): move data</a:t>
+            </a:r>
+          </a:p>
+          <a:p>
+            <a:pPr lvl="1"/>
+            <a:r>
+              <a:rPr lang="en-US" dirty="0" err="1"/>
+              <a:t>ioctl</a:t>
+            </a:r>
+            <a:r>
+              <a:rPr lang="en-US" dirty="0"/>
+              <a:t>(): handle device-specific features</a:t>
+            </a:r>
+          </a:p>
+          <a:p>
+            <a:r>
+              <a:rPr lang="en-US" dirty="0"/>
+              <a:t>Convert ungainly hardware interfaces into consistent software APIs for higher level clients</a:t>
+            </a:r>
           </a:p>
         </p:txBody>
       </p:sp>
@@ -12038,6 +12160,36 @@
           </a:p>
         </p:txBody>
       </p:sp>
+      <p:pic>
+        <p:nvPicPr>
+          <p:cNvPr id="7" name="Picture 6">
+            <a:extLst>
+              <a:ext uri="{FF2B5EF4-FFF2-40B4-BE49-F238E27FC236}">
+                <a16:creationId xmlns:a16="http://schemas.microsoft.com/office/drawing/2014/main" id="{C2BCC69F-CD5A-4C13-A7B4-0609B56C13BC}"/>
+              </a:ext>
+            </a:extLst>
+          </p:cNvPr>
+          <p:cNvPicPr>
+            <a:picLocks noChangeAspect="1"/>
+          </p:cNvPicPr>
+          <p:nvPr/>
+        </p:nvPicPr>
+        <p:blipFill>
+          <a:blip r:embed="rId2"/>
+          <a:stretch>
+            <a:fillRect/>
+          </a:stretch>
+        </p:blipFill>
+        <p:spPr>
+          <a:xfrm>
+            <a:off x="5587744" y="1446211"/>
+            <a:ext cx="3391664" cy="3615167"/>
+          </a:xfrm>
+          <a:prstGeom prst="rect">
+            <a:avLst/>
+          </a:prstGeom>
+        </p:spPr>
+      </p:pic>
     </p:spTree>
     <p:extLst>
       <p:ext uri="{BB962C8B-B14F-4D97-AF65-F5344CB8AC3E}">
@@ -12048,6 +12200,427 @@
   <p:clrMapOvr>
     <a:masterClrMapping/>
   </p:clrMapOvr>
+  <p:timing>
+    <p:tnLst>
+      <p:par>
+        <p:cTn id="1" dur="indefinite" restart="never" nodeType="tmRoot">
+          <p:childTnLst>
+            <p:seq concurrent="1" nextAc="seek">
+              <p:cTn id="2" dur="indefinite" nodeType="mainSeq">
+                <p:childTnLst>
+                  <p:par>
+                    <p:cTn id="3" fill="hold">
+                      <p:stCondLst>
+                        <p:cond delay="indefinite"/>
+                      </p:stCondLst>
+                      <p:childTnLst>
+                        <p:par>
+                          <p:cTn id="4" fill="hold">
+                            <p:stCondLst>
+                              <p:cond delay="0"/>
+                            </p:stCondLst>
+                            <p:childTnLst>
+                              <p:par>
+                                <p:cTn id="5" presetID="1" presetClass="entr" presetSubtype="0" fill="hold" grpId="0" nodeType="clickEffect">
+                                  <p:stCondLst>
+                                    <p:cond delay="0"/>
+                                  </p:stCondLst>
+                                  <p:childTnLst>
+                                    <p:set>
+                                      <p:cBhvr>
+                                        <p:cTn id="6" dur="1" fill="hold">
+                                          <p:stCondLst>
+                                            <p:cond delay="0"/>
+                                          </p:stCondLst>
+                                        </p:cTn>
+                                        <p:tgtEl>
+                                          <p:spTgt spid="3">
+                                            <p:txEl>
+                                              <p:pRg st="0" end="0"/>
+                                            </p:txEl>
+                                          </p:spTgt>
+                                        </p:tgtEl>
+                                        <p:attrNameLst>
+                                          <p:attrName>style.visibility</p:attrName>
+                                        </p:attrNameLst>
+                                      </p:cBhvr>
+                                      <p:to>
+                                        <p:strVal val="visible"/>
+                                      </p:to>
+                                    </p:set>
+                                  </p:childTnLst>
+                                </p:cTn>
+                              </p:par>
+                            </p:childTnLst>
+                          </p:cTn>
+                        </p:par>
+                      </p:childTnLst>
+                    </p:cTn>
+                  </p:par>
+                  <p:par>
+                    <p:cTn id="7" fill="hold">
+                      <p:stCondLst>
+                        <p:cond delay="indefinite"/>
+                      </p:stCondLst>
+                      <p:childTnLst>
+                        <p:par>
+                          <p:cTn id="8" fill="hold">
+                            <p:stCondLst>
+                              <p:cond delay="0"/>
+                            </p:stCondLst>
+                            <p:childTnLst>
+                              <p:par>
+                                <p:cTn id="9" presetID="1" presetClass="entr" presetSubtype="0" fill="hold" grpId="0" nodeType="clickEffect">
+                                  <p:stCondLst>
+                                    <p:cond delay="0"/>
+                                  </p:stCondLst>
+                                  <p:childTnLst>
+                                    <p:set>
+                                      <p:cBhvr>
+                                        <p:cTn id="10" dur="1" fill="hold">
+                                          <p:stCondLst>
+                                            <p:cond delay="0"/>
+                                          </p:stCondLst>
+                                        </p:cTn>
+                                        <p:tgtEl>
+                                          <p:spTgt spid="3">
+                                            <p:txEl>
+                                              <p:pRg st="1" end="1"/>
+                                            </p:txEl>
+                                          </p:spTgt>
+                                        </p:tgtEl>
+                                        <p:attrNameLst>
+                                          <p:attrName>style.visibility</p:attrName>
+                                        </p:attrNameLst>
+                                      </p:cBhvr>
+                                      <p:to>
+                                        <p:strVal val="visible"/>
+                                      </p:to>
+                                    </p:set>
+                                  </p:childTnLst>
+                                </p:cTn>
+                              </p:par>
+                            </p:childTnLst>
+                          </p:cTn>
+                        </p:par>
+                      </p:childTnLst>
+                    </p:cTn>
+                  </p:par>
+                  <p:par>
+                    <p:cTn id="11" fill="hold">
+                      <p:stCondLst>
+                        <p:cond delay="indefinite"/>
+                      </p:stCondLst>
+                      <p:childTnLst>
+                        <p:par>
+                          <p:cTn id="12" fill="hold">
+                            <p:stCondLst>
+                              <p:cond delay="0"/>
+                            </p:stCondLst>
+                            <p:childTnLst>
+                              <p:par>
+                                <p:cTn id="13" presetID="1" presetClass="entr" presetSubtype="0" fill="hold" grpId="0" nodeType="clickEffect">
+                                  <p:stCondLst>
+                                    <p:cond delay="0"/>
+                                  </p:stCondLst>
+                                  <p:childTnLst>
+                                    <p:set>
+                                      <p:cBhvr>
+                                        <p:cTn id="14" dur="1" fill="hold">
+                                          <p:stCondLst>
+                                            <p:cond delay="0"/>
+                                          </p:stCondLst>
+                                        </p:cTn>
+                                        <p:tgtEl>
+                                          <p:spTgt spid="3">
+                                            <p:txEl>
+                                              <p:pRg st="2" end="2"/>
+                                            </p:txEl>
+                                          </p:spTgt>
+                                        </p:tgtEl>
+                                        <p:attrNameLst>
+                                          <p:attrName>style.visibility</p:attrName>
+                                        </p:attrNameLst>
+                                      </p:cBhvr>
+                                      <p:to>
+                                        <p:strVal val="visible"/>
+                                      </p:to>
+                                    </p:set>
+                                  </p:childTnLst>
+                                </p:cTn>
+                              </p:par>
+                            </p:childTnLst>
+                          </p:cTn>
+                        </p:par>
+                      </p:childTnLst>
+                    </p:cTn>
+                  </p:par>
+                  <p:par>
+                    <p:cTn id="15" fill="hold">
+                      <p:stCondLst>
+                        <p:cond delay="indefinite"/>
+                      </p:stCondLst>
+                      <p:childTnLst>
+                        <p:par>
+                          <p:cTn id="16" fill="hold">
+                            <p:stCondLst>
+                              <p:cond delay="0"/>
+                            </p:stCondLst>
+                            <p:childTnLst>
+                              <p:par>
+                                <p:cTn id="17" presetID="1" presetClass="entr" presetSubtype="0" fill="hold" grpId="0" nodeType="clickEffect">
+                                  <p:stCondLst>
+                                    <p:cond delay="0"/>
+                                  </p:stCondLst>
+                                  <p:childTnLst>
+                                    <p:set>
+                                      <p:cBhvr>
+                                        <p:cTn id="18" dur="1" fill="hold">
+                                          <p:stCondLst>
+                                            <p:cond delay="0"/>
+                                          </p:stCondLst>
+                                        </p:cTn>
+                                        <p:tgtEl>
+                                          <p:spTgt spid="3">
+                                            <p:txEl>
+                                              <p:pRg st="3" end="3"/>
+                                            </p:txEl>
+                                          </p:spTgt>
+                                        </p:tgtEl>
+                                        <p:attrNameLst>
+                                          <p:attrName>style.visibility</p:attrName>
+                                        </p:attrNameLst>
+                                      </p:cBhvr>
+                                      <p:to>
+                                        <p:strVal val="visible"/>
+                                      </p:to>
+                                    </p:set>
+                                  </p:childTnLst>
+                                </p:cTn>
+                              </p:par>
+                            </p:childTnLst>
+                          </p:cTn>
+                        </p:par>
+                      </p:childTnLst>
+                    </p:cTn>
+                  </p:par>
+                  <p:par>
+                    <p:cTn id="19" fill="hold">
+                      <p:stCondLst>
+                        <p:cond delay="indefinite"/>
+                      </p:stCondLst>
+                      <p:childTnLst>
+                        <p:par>
+                          <p:cTn id="20" fill="hold">
+                            <p:stCondLst>
+                              <p:cond delay="0"/>
+                            </p:stCondLst>
+                            <p:childTnLst>
+                              <p:par>
+                                <p:cTn id="21" presetID="1" presetClass="entr" presetSubtype="0" fill="hold" grpId="0" nodeType="clickEffect">
+                                  <p:stCondLst>
+                                    <p:cond delay="0"/>
+                                  </p:stCondLst>
+                                  <p:childTnLst>
+                                    <p:set>
+                                      <p:cBhvr>
+                                        <p:cTn id="22" dur="1" fill="hold">
+                                          <p:stCondLst>
+                                            <p:cond delay="0"/>
+                                          </p:stCondLst>
+                                        </p:cTn>
+                                        <p:tgtEl>
+                                          <p:spTgt spid="3">
+                                            <p:txEl>
+                                              <p:pRg st="4" end="4"/>
+                                            </p:txEl>
+                                          </p:spTgt>
+                                        </p:tgtEl>
+                                        <p:attrNameLst>
+                                          <p:attrName>style.visibility</p:attrName>
+                                        </p:attrNameLst>
+                                      </p:cBhvr>
+                                      <p:to>
+                                        <p:strVal val="visible"/>
+                                      </p:to>
+                                    </p:set>
+                                  </p:childTnLst>
+                                </p:cTn>
+                              </p:par>
+                            </p:childTnLst>
+                          </p:cTn>
+                        </p:par>
+                      </p:childTnLst>
+                    </p:cTn>
+                  </p:par>
+                  <p:par>
+                    <p:cTn id="23" fill="hold">
+                      <p:stCondLst>
+                        <p:cond delay="indefinite"/>
+                      </p:stCondLst>
+                      <p:childTnLst>
+                        <p:par>
+                          <p:cTn id="24" fill="hold">
+                            <p:stCondLst>
+                              <p:cond delay="0"/>
+                            </p:stCondLst>
+                            <p:childTnLst>
+                              <p:par>
+                                <p:cTn id="25" presetID="1" presetClass="entr" presetSubtype="0" fill="hold" grpId="0" nodeType="clickEffect">
+                                  <p:stCondLst>
+                                    <p:cond delay="0"/>
+                                  </p:stCondLst>
+                                  <p:childTnLst>
+                                    <p:set>
+                                      <p:cBhvr>
+                                        <p:cTn id="26" dur="1" fill="hold">
+                                          <p:stCondLst>
+                                            <p:cond delay="0"/>
+                                          </p:stCondLst>
+                                        </p:cTn>
+                                        <p:tgtEl>
+                                          <p:spTgt spid="3">
+                                            <p:txEl>
+                                              <p:pRg st="5" end="5"/>
+                                            </p:txEl>
+                                          </p:spTgt>
+                                        </p:tgtEl>
+                                        <p:attrNameLst>
+                                          <p:attrName>style.visibility</p:attrName>
+                                        </p:attrNameLst>
+                                      </p:cBhvr>
+                                      <p:to>
+                                        <p:strVal val="visible"/>
+                                      </p:to>
+                                    </p:set>
+                                  </p:childTnLst>
+                                </p:cTn>
+                              </p:par>
+                            </p:childTnLst>
+                          </p:cTn>
+                        </p:par>
+                      </p:childTnLst>
+                    </p:cTn>
+                  </p:par>
+                  <p:par>
+                    <p:cTn id="27" fill="hold">
+                      <p:stCondLst>
+                        <p:cond delay="indefinite"/>
+                      </p:stCondLst>
+                      <p:childTnLst>
+                        <p:par>
+                          <p:cTn id="28" fill="hold">
+                            <p:stCondLst>
+                              <p:cond delay="0"/>
+                            </p:stCondLst>
+                            <p:childTnLst>
+                              <p:par>
+                                <p:cTn id="29" presetID="1" presetClass="entr" presetSubtype="0" fill="hold" grpId="0" nodeType="clickEffect">
+                                  <p:stCondLst>
+                                    <p:cond delay="0"/>
+                                  </p:stCondLst>
+                                  <p:childTnLst>
+                                    <p:set>
+                                      <p:cBhvr>
+                                        <p:cTn id="30" dur="1" fill="hold">
+                                          <p:stCondLst>
+                                            <p:cond delay="0"/>
+                                          </p:stCondLst>
+                                        </p:cTn>
+                                        <p:tgtEl>
+                                          <p:spTgt spid="3">
+                                            <p:txEl>
+                                              <p:pRg st="6" end="6"/>
+                                            </p:txEl>
+                                          </p:spTgt>
+                                        </p:tgtEl>
+                                        <p:attrNameLst>
+                                          <p:attrName>style.visibility</p:attrName>
+                                        </p:attrNameLst>
+                                      </p:cBhvr>
+                                      <p:to>
+                                        <p:strVal val="visible"/>
+                                      </p:to>
+                                    </p:set>
+                                  </p:childTnLst>
+                                </p:cTn>
+                              </p:par>
+                            </p:childTnLst>
+                          </p:cTn>
+                        </p:par>
+                      </p:childTnLst>
+                    </p:cTn>
+                  </p:par>
+                  <p:par>
+                    <p:cTn id="31" fill="hold">
+                      <p:stCondLst>
+                        <p:cond delay="indefinite"/>
+                      </p:stCondLst>
+                      <p:childTnLst>
+                        <p:par>
+                          <p:cTn id="32" fill="hold">
+                            <p:stCondLst>
+                              <p:cond delay="0"/>
+                            </p:stCondLst>
+                            <p:childTnLst>
+                              <p:par>
+                                <p:cTn id="33" presetID="1" presetClass="entr" presetSubtype="0" fill="hold" nodeType="clickEffect">
+                                  <p:stCondLst>
+                                    <p:cond delay="0"/>
+                                  </p:stCondLst>
+                                  <p:childTnLst>
+                                    <p:set>
+                                      <p:cBhvr>
+                                        <p:cTn id="34" dur="1" fill="hold">
+                                          <p:stCondLst>
+                                            <p:cond delay="0"/>
+                                          </p:stCondLst>
+                                        </p:cTn>
+                                        <p:tgtEl>
+                                          <p:spTgt spid="7"/>
+                                        </p:tgtEl>
+                                        <p:attrNameLst>
+                                          <p:attrName>style.visibility</p:attrName>
+                                        </p:attrNameLst>
+                                      </p:cBhvr>
+                                      <p:to>
+                                        <p:strVal val="visible"/>
+                                      </p:to>
+                                    </p:set>
+                                  </p:childTnLst>
+                                </p:cTn>
+                              </p:par>
+                            </p:childTnLst>
+                          </p:cTn>
+                        </p:par>
+                      </p:childTnLst>
+                    </p:cTn>
+                  </p:par>
+                </p:childTnLst>
+              </p:cTn>
+              <p:prevCondLst>
+                <p:cond evt="onPrev" delay="0">
+                  <p:tgtEl>
+                    <p:sldTgt/>
+                  </p:tgtEl>
+                </p:cond>
+              </p:prevCondLst>
+              <p:nextCondLst>
+                <p:cond evt="onNext" delay="0">
+                  <p:tgtEl>
+                    <p:sldTgt/>
+                  </p:tgtEl>
+                </p:cond>
+              </p:nextCondLst>
+            </p:seq>
+          </p:childTnLst>
+        </p:cTn>
+      </p:par>
+    </p:tnLst>
+    <p:bldLst>
+      <p:bldP spid="3" grpId="0" uiExpand="1" build="p"/>
+    </p:bldLst>
+  </p:timing>
 </p:sld>
 </file>
 
@@ -12645,7 +13218,7 @@
           <p:cNvPr id="2" name="Title 1">
             <a:extLst>
               <a:ext uri="{FF2B5EF4-FFF2-40B4-BE49-F238E27FC236}">
-                <a16:creationId xmlns:a16="http://schemas.microsoft.com/office/drawing/2014/main" id="{AA045828-B82B-44E1-A9B1-0AC83E3F7A22}"/>
+                <a16:creationId xmlns:a16="http://schemas.microsoft.com/office/drawing/2014/main" id="{FD2D52E1-BC02-4622-BFD9-E668CF99441F}"/>
               </a:ext>
             </a:extLst>
           </p:cNvPr>
@@ -12661,7 +13234,10 @@
           <a:bodyPr/>
           <a:lstStyle/>
           <a:p>
-            <a:endParaRPr lang="en-US"/>
+            <a:r>
+              <a:rPr lang="en-US" dirty="0"/>
+              <a:t>Driver interface example</a:t>
+            </a:r>
           </a:p>
         </p:txBody>
       </p:sp>
@@ -12670,7 +13246,7 @@
           <p:cNvPr id="3" name="Content Placeholder 2">
             <a:extLst>
               <a:ext uri="{FF2B5EF4-FFF2-40B4-BE49-F238E27FC236}">
-                <a16:creationId xmlns:a16="http://schemas.microsoft.com/office/drawing/2014/main" id="{FA6E88B2-3B2E-4F6C-A817-E26E54A1D1D6}"/>
+                <a16:creationId xmlns:a16="http://schemas.microsoft.com/office/drawing/2014/main" id="{806C472C-4EA2-4FE5-A494-38A242183587}"/>
               </a:ext>
             </a:extLst>
           </p:cNvPr>
@@ -12683,10 +13259,102 @@
         </p:nvSpPr>
         <p:spPr/>
         <p:txBody>
-          <a:bodyPr/>
+          <a:bodyPr>
+            <a:normAutofit fontScale="92500"/>
+          </a:bodyPr>
           <a:lstStyle/>
           <a:p>
-            <a:endParaRPr lang="en-US"/>
+            <a:r>
+              <a:rPr lang="en-US" dirty="0" err="1"/>
+              <a:t>spi.open</a:t>
+            </a:r>
+            <a:r>
+              <a:rPr lang="en-US" dirty="0"/>
+              <a:t>()</a:t>
+            </a:r>
+          </a:p>
+          <a:p>
+            <a:r>
+              <a:rPr lang="en-US" dirty="0" err="1"/>
+              <a:t>spi_open</a:t>
+            </a:r>
+            <a:r>
+              <a:rPr lang="en-US" dirty="0"/>
+              <a:t>()</a:t>
+            </a:r>
+          </a:p>
+          <a:p>
+            <a:r>
+              <a:rPr lang="en-US" dirty="0" err="1"/>
+              <a:t>SpiOpen</a:t>
+            </a:r>
+            <a:r>
+              <a:rPr lang="en-US" dirty="0"/>
+              <a:t>(WITH_LOCK)</a:t>
+            </a:r>
+          </a:p>
+          <a:p>
+            <a:r>
+              <a:rPr lang="en-US" dirty="0" err="1"/>
+              <a:t>spi.ioctl_change_frequency</a:t>
+            </a:r>
+            <a:r>
+              <a:rPr lang="en-US" dirty="0"/>
+              <a:t>(</a:t>
+            </a:r>
+            <a:r>
+              <a:rPr lang="en-US" dirty="0" err="1"/>
+              <a:t>THIRTY_MHz</a:t>
+            </a:r>
+            <a:r>
+              <a:rPr lang="en-US" dirty="0"/>
+              <a:t>)</a:t>
+            </a:r>
+          </a:p>
+          <a:p>
+            <a:r>
+              <a:rPr lang="en-US" dirty="0" err="1"/>
+              <a:t>SpiIoctl</a:t>
+            </a:r>
+            <a:r>
+              <a:rPr lang="en-US" dirty="0"/>
+              <a:t>(</a:t>
+            </a:r>
+            <a:r>
+              <a:rPr lang="en-US" dirty="0" err="1"/>
+              <a:t>kChangeFrequency</a:t>
+            </a:r>
+            <a:r>
+              <a:rPr lang="en-US" dirty="0"/>
+              <a:t>, </a:t>
+            </a:r>
+            <a:r>
+              <a:rPr lang="en-US" dirty="0" err="1"/>
+              <a:t>THIRTY_MHz</a:t>
+            </a:r>
+            <a:r>
+              <a:rPr lang="en-US" dirty="0"/>
+              <a:t>)</a:t>
+            </a:r>
+          </a:p>
+          <a:p>
+            <a:endParaRPr lang="en-US" dirty="0"/>
+          </a:p>
+          <a:p>
+            <a:pPr marL="0" indent="0">
+              <a:buNone/>
+            </a:pPr>
+            <a:r>
+              <a:rPr lang="en-US" dirty="0"/>
+              <a:t>These are a few representative coding styles. BUT they are very important (save time debugging by following a consistent style). See </a:t>
+            </a:r>
+            <a:r>
+              <a:rPr lang="en-US" dirty="0">
+                <a:hlinkClick r:id="rId2"/>
+              </a:rPr>
+              <a:t>Google’s suggestions.</a:t>
+            </a:r>
+            <a:endParaRPr lang="en-US" dirty="0"/>
           </a:p>
         </p:txBody>
       </p:sp>
@@ -12695,7 +13363,7 @@
           <p:cNvPr id="4" name="Date Placeholder 3">
             <a:extLst>
               <a:ext uri="{FF2B5EF4-FFF2-40B4-BE49-F238E27FC236}">
-                <a16:creationId xmlns:a16="http://schemas.microsoft.com/office/drawing/2014/main" id="{205F6088-9C95-4574-AB7D-62D692727744}"/>
+                <a16:creationId xmlns:a16="http://schemas.microsoft.com/office/drawing/2014/main" id="{E4C092CD-9940-42B6-A154-CB2D0535323A}"/>
               </a:ext>
             </a:extLst>
           </p:cNvPr>
@@ -12726,7 +13394,7 @@
           <p:cNvPr id="5" name="Slide Number Placeholder 4">
             <a:extLst>
               <a:ext uri="{FF2B5EF4-FFF2-40B4-BE49-F238E27FC236}">
-                <a16:creationId xmlns:a16="http://schemas.microsoft.com/office/drawing/2014/main" id="{46B67A67-80D3-4FAF-A68C-EAC1126E10AE}"/>
+                <a16:creationId xmlns:a16="http://schemas.microsoft.com/office/drawing/2014/main" id="{FC69E19C-7280-4CAE-BE44-2A8E30E585A4}"/>
               </a:ext>
             </a:extLst>
           </p:cNvPr>
@@ -12759,13 +13427,340 @@
     </p:spTree>
     <p:extLst>
       <p:ext uri="{BB962C8B-B14F-4D97-AF65-F5344CB8AC3E}">
-        <p14:creationId xmlns:p14="http://schemas.microsoft.com/office/powerpoint/2010/main" val="2623485503"/>
+        <p14:creationId xmlns:p14="http://schemas.microsoft.com/office/powerpoint/2010/main" val="3435208317"/>
       </p:ext>
     </p:extLst>
   </p:cSld>
   <p:clrMapOvr>
     <a:masterClrMapping/>
   </p:clrMapOvr>
+  <p:timing>
+    <p:tnLst>
+      <p:par>
+        <p:cTn id="1" dur="indefinite" restart="never" nodeType="tmRoot">
+          <p:childTnLst>
+            <p:seq concurrent="1" nextAc="seek">
+              <p:cTn id="2" dur="indefinite" nodeType="mainSeq">
+                <p:childTnLst>
+                  <p:par>
+                    <p:cTn id="3" fill="hold">
+                      <p:stCondLst>
+                        <p:cond delay="indefinite"/>
+                      </p:stCondLst>
+                      <p:childTnLst>
+                        <p:par>
+                          <p:cTn id="4" fill="hold">
+                            <p:stCondLst>
+                              <p:cond delay="0"/>
+                            </p:stCondLst>
+                            <p:childTnLst>
+                              <p:par>
+                                <p:cTn id="5" presetID="1" presetClass="entr" presetSubtype="0" fill="hold" grpId="0" nodeType="clickEffect">
+                                  <p:stCondLst>
+                                    <p:cond delay="0"/>
+                                  </p:stCondLst>
+                                  <p:childTnLst>
+                                    <p:set>
+                                      <p:cBhvr>
+                                        <p:cTn id="6" dur="1" fill="hold">
+                                          <p:stCondLst>
+                                            <p:cond delay="0"/>
+                                          </p:stCondLst>
+                                        </p:cTn>
+                                        <p:tgtEl>
+                                          <p:spTgt spid="3">
+                                            <p:txEl>
+                                              <p:pRg st="0" end="0"/>
+                                            </p:txEl>
+                                          </p:spTgt>
+                                        </p:tgtEl>
+                                        <p:attrNameLst>
+                                          <p:attrName>style.visibility</p:attrName>
+                                        </p:attrNameLst>
+                                      </p:cBhvr>
+                                      <p:to>
+                                        <p:strVal val="visible"/>
+                                      </p:to>
+                                    </p:set>
+                                  </p:childTnLst>
+                                </p:cTn>
+                              </p:par>
+                            </p:childTnLst>
+                          </p:cTn>
+                        </p:par>
+                      </p:childTnLst>
+                    </p:cTn>
+                  </p:par>
+                  <p:par>
+                    <p:cTn id="7" fill="hold">
+                      <p:stCondLst>
+                        <p:cond delay="indefinite"/>
+                      </p:stCondLst>
+                      <p:childTnLst>
+                        <p:par>
+                          <p:cTn id="8" fill="hold">
+                            <p:stCondLst>
+                              <p:cond delay="0"/>
+                            </p:stCondLst>
+                            <p:childTnLst>
+                              <p:par>
+                                <p:cTn id="9" presetID="1" presetClass="entr" presetSubtype="0" fill="hold" grpId="0" nodeType="clickEffect">
+                                  <p:stCondLst>
+                                    <p:cond delay="0"/>
+                                  </p:stCondLst>
+                                  <p:childTnLst>
+                                    <p:set>
+                                      <p:cBhvr>
+                                        <p:cTn id="10" dur="1" fill="hold">
+                                          <p:stCondLst>
+                                            <p:cond delay="0"/>
+                                          </p:stCondLst>
+                                        </p:cTn>
+                                        <p:tgtEl>
+                                          <p:spTgt spid="3">
+                                            <p:txEl>
+                                              <p:pRg st="1" end="1"/>
+                                            </p:txEl>
+                                          </p:spTgt>
+                                        </p:tgtEl>
+                                        <p:attrNameLst>
+                                          <p:attrName>style.visibility</p:attrName>
+                                        </p:attrNameLst>
+                                      </p:cBhvr>
+                                      <p:to>
+                                        <p:strVal val="visible"/>
+                                      </p:to>
+                                    </p:set>
+                                  </p:childTnLst>
+                                </p:cTn>
+                              </p:par>
+                            </p:childTnLst>
+                          </p:cTn>
+                        </p:par>
+                      </p:childTnLst>
+                    </p:cTn>
+                  </p:par>
+                  <p:par>
+                    <p:cTn id="11" fill="hold">
+                      <p:stCondLst>
+                        <p:cond delay="indefinite"/>
+                      </p:stCondLst>
+                      <p:childTnLst>
+                        <p:par>
+                          <p:cTn id="12" fill="hold">
+                            <p:stCondLst>
+                              <p:cond delay="0"/>
+                            </p:stCondLst>
+                            <p:childTnLst>
+                              <p:par>
+                                <p:cTn id="13" presetID="1" presetClass="entr" presetSubtype="0" fill="hold" grpId="0" nodeType="clickEffect">
+                                  <p:stCondLst>
+                                    <p:cond delay="0"/>
+                                  </p:stCondLst>
+                                  <p:childTnLst>
+                                    <p:set>
+                                      <p:cBhvr>
+                                        <p:cTn id="14" dur="1" fill="hold">
+                                          <p:stCondLst>
+                                            <p:cond delay="0"/>
+                                          </p:stCondLst>
+                                        </p:cTn>
+                                        <p:tgtEl>
+                                          <p:spTgt spid="3">
+                                            <p:txEl>
+                                              <p:pRg st="2" end="2"/>
+                                            </p:txEl>
+                                          </p:spTgt>
+                                        </p:tgtEl>
+                                        <p:attrNameLst>
+                                          <p:attrName>style.visibility</p:attrName>
+                                        </p:attrNameLst>
+                                      </p:cBhvr>
+                                      <p:to>
+                                        <p:strVal val="visible"/>
+                                      </p:to>
+                                    </p:set>
+                                  </p:childTnLst>
+                                </p:cTn>
+                              </p:par>
+                            </p:childTnLst>
+                          </p:cTn>
+                        </p:par>
+                      </p:childTnLst>
+                    </p:cTn>
+                  </p:par>
+                  <p:par>
+                    <p:cTn id="15" fill="hold">
+                      <p:stCondLst>
+                        <p:cond delay="indefinite"/>
+                      </p:stCondLst>
+                      <p:childTnLst>
+                        <p:par>
+                          <p:cTn id="16" fill="hold">
+                            <p:stCondLst>
+                              <p:cond delay="0"/>
+                            </p:stCondLst>
+                            <p:childTnLst>
+                              <p:par>
+                                <p:cTn id="17" presetID="1" presetClass="entr" presetSubtype="0" fill="hold" grpId="0" nodeType="clickEffect">
+                                  <p:stCondLst>
+                                    <p:cond delay="0"/>
+                                  </p:stCondLst>
+                                  <p:childTnLst>
+                                    <p:set>
+                                      <p:cBhvr>
+                                        <p:cTn id="18" dur="1" fill="hold">
+                                          <p:stCondLst>
+                                            <p:cond delay="0"/>
+                                          </p:stCondLst>
+                                        </p:cTn>
+                                        <p:tgtEl>
+                                          <p:spTgt spid="3">
+                                            <p:txEl>
+                                              <p:pRg st="3" end="3"/>
+                                            </p:txEl>
+                                          </p:spTgt>
+                                        </p:tgtEl>
+                                        <p:attrNameLst>
+                                          <p:attrName>style.visibility</p:attrName>
+                                        </p:attrNameLst>
+                                      </p:cBhvr>
+                                      <p:to>
+                                        <p:strVal val="visible"/>
+                                      </p:to>
+                                    </p:set>
+                                  </p:childTnLst>
+                                </p:cTn>
+                              </p:par>
+                            </p:childTnLst>
+                          </p:cTn>
+                        </p:par>
+                      </p:childTnLst>
+                    </p:cTn>
+                  </p:par>
+                  <p:par>
+                    <p:cTn id="19" fill="hold">
+                      <p:stCondLst>
+                        <p:cond delay="indefinite"/>
+                      </p:stCondLst>
+                      <p:childTnLst>
+                        <p:par>
+                          <p:cTn id="20" fill="hold">
+                            <p:stCondLst>
+                              <p:cond delay="0"/>
+                            </p:stCondLst>
+                            <p:childTnLst>
+                              <p:par>
+                                <p:cTn id="21" presetID="1" presetClass="entr" presetSubtype="0" fill="hold" grpId="0" nodeType="clickEffect">
+                                  <p:stCondLst>
+                                    <p:cond delay="0"/>
+                                  </p:stCondLst>
+                                  <p:childTnLst>
+                                    <p:set>
+                                      <p:cBhvr>
+                                        <p:cTn id="22" dur="1" fill="hold">
+                                          <p:stCondLst>
+                                            <p:cond delay="0"/>
+                                          </p:stCondLst>
+                                        </p:cTn>
+                                        <p:tgtEl>
+                                          <p:spTgt spid="3">
+                                            <p:txEl>
+                                              <p:pRg st="4" end="4"/>
+                                            </p:txEl>
+                                          </p:spTgt>
+                                        </p:tgtEl>
+                                        <p:attrNameLst>
+                                          <p:attrName>style.visibility</p:attrName>
+                                        </p:attrNameLst>
+                                      </p:cBhvr>
+                                      <p:to>
+                                        <p:strVal val="visible"/>
+                                      </p:to>
+                                    </p:set>
+                                  </p:childTnLst>
+                                </p:cTn>
+                              </p:par>
+                            </p:childTnLst>
+                          </p:cTn>
+                        </p:par>
+                      </p:childTnLst>
+                    </p:cTn>
+                  </p:par>
+                  <p:par>
+                    <p:cTn id="23" fill="hold">
+                      <p:stCondLst>
+                        <p:cond delay="indefinite"/>
+                      </p:stCondLst>
+                      <p:childTnLst>
+                        <p:par>
+                          <p:cTn id="24" fill="hold">
+                            <p:stCondLst>
+                              <p:cond delay="0"/>
+                            </p:stCondLst>
+                            <p:childTnLst>
+                              <p:par>
+                                <p:cTn id="25" presetID="1" presetClass="entr" presetSubtype="0" fill="hold" grpId="0" nodeType="clickEffect">
+                                  <p:stCondLst>
+                                    <p:cond delay="0"/>
+                                  </p:stCondLst>
+                                  <p:childTnLst>
+                                    <p:set>
+                                      <p:cBhvr>
+                                        <p:cTn id="26" dur="1" fill="hold">
+                                          <p:stCondLst>
+                                            <p:cond delay="0"/>
+                                          </p:stCondLst>
+                                        </p:cTn>
+                                        <p:tgtEl>
+                                          <p:spTgt spid="3">
+                                            <p:txEl>
+                                              <p:pRg st="6" end="6"/>
+                                            </p:txEl>
+                                          </p:spTgt>
+                                        </p:tgtEl>
+                                        <p:attrNameLst>
+                                          <p:attrName>style.visibility</p:attrName>
+                                        </p:attrNameLst>
+                                      </p:cBhvr>
+                                      <p:to>
+                                        <p:strVal val="visible"/>
+                                      </p:to>
+                                    </p:set>
+                                  </p:childTnLst>
+                                </p:cTn>
+                              </p:par>
+                            </p:childTnLst>
+                          </p:cTn>
+                        </p:par>
+                      </p:childTnLst>
+                    </p:cTn>
+                  </p:par>
+                </p:childTnLst>
+              </p:cTn>
+              <p:prevCondLst>
+                <p:cond evt="onPrev" delay="0">
+                  <p:tgtEl>
+                    <p:sldTgt/>
+                  </p:tgtEl>
+                </p:cond>
+              </p:prevCondLst>
+              <p:nextCondLst>
+                <p:cond evt="onNext" delay="0">
+                  <p:tgtEl>
+                    <p:sldTgt/>
+                  </p:tgtEl>
+                </p:cond>
+              </p:nextCondLst>
+            </p:seq>
+          </p:childTnLst>
+        </p:cTn>
+      </p:par>
+    </p:tnLst>
+    <p:bldLst>
+      <p:bldP spid="3" grpId="0" build="p"/>
+    </p:bldLst>
+  </p:timing>
 </p:sld>
 </file>
 
@@ -12791,7 +13786,7 @@
           <p:cNvPr id="2" name="Title 1">
             <a:extLst>
               <a:ext uri="{FF2B5EF4-FFF2-40B4-BE49-F238E27FC236}">
-                <a16:creationId xmlns:a16="http://schemas.microsoft.com/office/drawing/2014/main" id="{C9A7AB5D-D1EF-4D24-AAF6-174B5003C9A4}"/>
+                <a16:creationId xmlns:a16="http://schemas.microsoft.com/office/drawing/2014/main" id="{95628329-E9F1-4704-9E04-B2D93ACA57DC}"/>
               </a:ext>
             </a:extLst>
           </p:cNvPr>
@@ -12809,42 +13804,46 @@
           <a:p>
             <a:r>
               <a:rPr lang="en-US" dirty="0"/>
-              <a:t>From diagrams to file structures</a:t>
+              <a:t>Drivers can (and should) be stackable</a:t>
             </a:r>
           </a:p>
         </p:txBody>
       </p:sp>
-      <p:sp>
-        <p:nvSpPr>
-          <p:cNvPr id="3" name="Content Placeholder 2">
+      <p:pic>
+        <p:nvPicPr>
+          <p:cNvPr id="7" name="Content Placeholder 6">
             <a:extLst>
               <a:ext uri="{FF2B5EF4-FFF2-40B4-BE49-F238E27FC236}">
-                <a16:creationId xmlns:a16="http://schemas.microsoft.com/office/drawing/2014/main" id="{567EB26E-359F-4C3A-BB1D-DE45F07505B3}"/>
+                <a16:creationId xmlns:a16="http://schemas.microsoft.com/office/drawing/2014/main" id="{262502B3-2275-47E2-B7CA-680497DC71E4}"/>
               </a:ext>
             </a:extLst>
           </p:cNvPr>
-          <p:cNvSpPr>
-            <a:spLocks noGrp="1"/>
-          </p:cNvSpPr>
+          <p:cNvPicPr>
+            <a:picLocks noGrp="1" noChangeAspect="1"/>
+          </p:cNvPicPr>
           <p:nvPr>
             <p:ph idx="1"/>
           </p:nvPr>
-        </p:nvSpPr>
-        <p:spPr/>
-        <p:txBody>
-          <a:bodyPr/>
-          <a:lstStyle/>
-          <a:p>
-            <a:endParaRPr lang="en-US"/>
-          </a:p>
-        </p:txBody>
-      </p:sp>
+        </p:nvPicPr>
+        <p:blipFill>
+          <a:blip r:embed="rId2"/>
+          <a:stretch>
+            <a:fillRect/>
+          </a:stretch>
+        </p:blipFill>
+        <p:spPr>
+          <a:xfrm>
+            <a:off x="5392331" y="1418779"/>
+            <a:ext cx="3620605" cy="5014912"/>
+          </a:xfrm>
+        </p:spPr>
+      </p:pic>
       <p:sp>
         <p:nvSpPr>
           <p:cNvPr id="4" name="Date Placeholder 3">
             <a:extLst>
               <a:ext uri="{FF2B5EF4-FFF2-40B4-BE49-F238E27FC236}">
-                <a16:creationId xmlns:a16="http://schemas.microsoft.com/office/drawing/2014/main" id="{51C922FA-89D7-46E4-8040-F0F0FCF95C0A}"/>
+                <a16:creationId xmlns:a16="http://schemas.microsoft.com/office/drawing/2014/main" id="{29B07669-3FDA-4FEA-9461-AF4E2D18A43B}"/>
               </a:ext>
             </a:extLst>
           </p:cNvPr>
@@ -12875,7 +13874,7 @@
           <p:cNvPr id="5" name="Slide Number Placeholder 4">
             <a:extLst>
               <a:ext uri="{FF2B5EF4-FFF2-40B4-BE49-F238E27FC236}">
-                <a16:creationId xmlns:a16="http://schemas.microsoft.com/office/drawing/2014/main" id="{9F73F040-6F26-4420-941B-4564D793A61E}"/>
+                <a16:creationId xmlns:a16="http://schemas.microsoft.com/office/drawing/2014/main" id="{341F8FB6-06B4-4A7C-AD76-19D82846811C}"/>
               </a:ext>
             </a:extLst>
           </p:cNvPr>
@@ -12905,16 +13904,748 @@
           </a:p>
         </p:txBody>
       </p:sp>
+      <p:sp>
+        <p:nvSpPr>
+          <p:cNvPr id="8" name="Content Placeholder 2">
+            <a:extLst>
+              <a:ext uri="{FF2B5EF4-FFF2-40B4-BE49-F238E27FC236}">
+                <a16:creationId xmlns:a16="http://schemas.microsoft.com/office/drawing/2014/main" id="{6D4CD53B-B0F6-44CE-AF36-B7C249B82D11}"/>
+              </a:ext>
+            </a:extLst>
+          </p:cNvPr>
+          <p:cNvSpPr txBox="1">
+            <a:spLocks/>
+          </p:cNvSpPr>
+          <p:nvPr/>
+        </p:nvSpPr>
+        <p:spPr bwMode="auto">
+          <a:xfrm>
+            <a:off x="152399" y="1446211"/>
+            <a:ext cx="5239931" cy="5014912"/>
+          </a:xfrm>
+          <a:prstGeom prst="rect">
+            <a:avLst/>
+          </a:prstGeom>
+          <a:noFill/>
+          <a:ln>
+            <a:noFill/>
+          </a:ln>
+          <a:extLst>
+            <a:ext uri="{909E8E84-426E-40DD-AFC4-6F175D3DCCD1}">
+              <a14:hiddenFill xmlns:a14="http://schemas.microsoft.com/office/drawing/2010/main">
+                <a:solidFill>
+                  <a:srgbClr val="FFFFFF"/>
+                </a:solidFill>
+              </a14:hiddenFill>
+            </a:ext>
+            <a:ext uri="{91240B29-F687-4F45-9708-019B960494DF}">
+              <a14:hiddenLine xmlns:a14="http://schemas.microsoft.com/office/drawing/2010/main" w="9525">
+                <a:solidFill>
+                  <a:srgbClr val="000000"/>
+                </a:solidFill>
+                <a:miter lim="800000"/>
+                <a:headEnd/>
+                <a:tailEnd/>
+              </a14:hiddenLine>
+            </a:ext>
+          </a:extLst>
+        </p:spPr>
+        <p:txBody>
+          <a:bodyPr vert="horz" wrap="square" lIns="91440" tIns="45720" rIns="91440" bIns="45720" numCol="1" anchor="t" anchorCtr="0" compatLnSpc="1">
+            <a:prstTxWarp prst="textNoShape">
+              <a:avLst/>
+            </a:prstTxWarp>
+            <a:normAutofit fontScale="77500" lnSpcReduction="20000"/>
+          </a:bodyPr>
+          <a:lstStyle>
+            <a:lvl1pPr marL="342900" indent="-342900" algn="l" rtl="0" eaLnBrk="0" fontAlgn="base" hangingPunct="0">
+              <a:spcBef>
+                <a:spcPct val="20000"/>
+              </a:spcBef>
+              <a:spcAft>
+                <a:spcPct val="0"/>
+              </a:spcAft>
+              <a:buFont typeface="Arial" panose="020B0604020202020204" pitchFamily="34" charset="0"/>
+              <a:buChar char="•"/>
+              <a:defRPr sz="3200" kern="1200">
+                <a:solidFill>
+                  <a:schemeClr val="tx1">
+                    <a:lumMod val="50000"/>
+                    <a:lumOff val="50000"/>
+                  </a:schemeClr>
+                </a:solidFill>
+                <a:latin typeface="+mn-lt"/>
+                <a:ea typeface="+mn-ea"/>
+                <a:cs typeface="+mn-cs"/>
+              </a:defRPr>
+            </a:lvl1pPr>
+            <a:lvl2pPr marL="742950" indent="-285750" algn="l" rtl="0" eaLnBrk="0" fontAlgn="base" hangingPunct="0">
+              <a:spcBef>
+                <a:spcPct val="20000"/>
+              </a:spcBef>
+              <a:spcAft>
+                <a:spcPct val="0"/>
+              </a:spcAft>
+              <a:buFont typeface="Arial" panose="020B0604020202020204" pitchFamily="34" charset="0"/>
+              <a:buChar char="–"/>
+              <a:defRPr sz="2800" kern="1200">
+                <a:solidFill>
+                  <a:schemeClr val="tx1">
+                    <a:lumMod val="50000"/>
+                    <a:lumOff val="50000"/>
+                  </a:schemeClr>
+                </a:solidFill>
+                <a:latin typeface="+mn-lt"/>
+                <a:ea typeface="+mn-ea"/>
+                <a:cs typeface="+mn-cs"/>
+              </a:defRPr>
+            </a:lvl2pPr>
+            <a:lvl3pPr marL="1143000" indent="-228600" algn="l" rtl="0" eaLnBrk="0" fontAlgn="base" hangingPunct="0">
+              <a:spcBef>
+                <a:spcPct val="20000"/>
+              </a:spcBef>
+              <a:spcAft>
+                <a:spcPct val="0"/>
+              </a:spcAft>
+              <a:buFont typeface="Arial" panose="020B0604020202020204" pitchFamily="34" charset="0"/>
+              <a:buChar char="•"/>
+              <a:defRPr sz="2400" kern="1200">
+                <a:solidFill>
+                  <a:schemeClr val="tx1">
+                    <a:lumMod val="50000"/>
+                    <a:lumOff val="50000"/>
+                  </a:schemeClr>
+                </a:solidFill>
+                <a:latin typeface="+mn-lt"/>
+                <a:ea typeface="+mn-ea"/>
+                <a:cs typeface="+mn-cs"/>
+              </a:defRPr>
+            </a:lvl3pPr>
+            <a:lvl4pPr marL="1600200" indent="-228600" algn="l" rtl="0" eaLnBrk="0" fontAlgn="base" hangingPunct="0">
+              <a:spcBef>
+                <a:spcPct val="20000"/>
+              </a:spcBef>
+              <a:spcAft>
+                <a:spcPct val="0"/>
+              </a:spcAft>
+              <a:buFont typeface="Arial" panose="020B0604020202020204" pitchFamily="34" charset="0"/>
+              <a:buChar char="–"/>
+              <a:defRPr sz="2000" kern="1200">
+                <a:solidFill>
+                  <a:schemeClr val="tx1">
+                    <a:lumMod val="50000"/>
+                    <a:lumOff val="50000"/>
+                  </a:schemeClr>
+                </a:solidFill>
+                <a:latin typeface="+mn-lt"/>
+                <a:ea typeface="+mn-ea"/>
+                <a:cs typeface="+mn-cs"/>
+              </a:defRPr>
+            </a:lvl4pPr>
+            <a:lvl5pPr marL="2057400" indent="-228600" algn="l" rtl="0" eaLnBrk="0" fontAlgn="base" hangingPunct="0">
+              <a:spcBef>
+                <a:spcPct val="20000"/>
+              </a:spcBef>
+              <a:spcAft>
+                <a:spcPct val="0"/>
+              </a:spcAft>
+              <a:buFont typeface="Arial" panose="020B0604020202020204" pitchFamily="34" charset="0"/>
+              <a:buChar char="»"/>
+              <a:defRPr sz="2000" kern="1200">
+                <a:solidFill>
+                  <a:schemeClr val="tx1">
+                    <a:lumMod val="50000"/>
+                    <a:lumOff val="50000"/>
+                  </a:schemeClr>
+                </a:solidFill>
+                <a:latin typeface="+mn-lt"/>
+                <a:ea typeface="+mn-ea"/>
+                <a:cs typeface="+mn-cs"/>
+              </a:defRPr>
+            </a:lvl5pPr>
+            <a:lvl6pPr marL="2514600" indent="-228600" algn="l" defTabSz="914400" rtl="0" eaLnBrk="1" latinLnBrk="0" hangingPunct="1">
+              <a:spcBef>
+                <a:spcPct val="20000"/>
+              </a:spcBef>
+              <a:buFont typeface="Arial" pitchFamily="34" charset="0"/>
+              <a:buChar char="•"/>
+              <a:defRPr sz="2000" kern="1200">
+                <a:solidFill>
+                  <a:schemeClr val="tx1"/>
+                </a:solidFill>
+                <a:latin typeface="+mn-lt"/>
+                <a:ea typeface="+mn-ea"/>
+                <a:cs typeface="+mn-cs"/>
+              </a:defRPr>
+            </a:lvl6pPr>
+            <a:lvl7pPr marL="2971800" indent="-228600" algn="l" defTabSz="914400" rtl="0" eaLnBrk="1" latinLnBrk="0" hangingPunct="1">
+              <a:spcBef>
+                <a:spcPct val="20000"/>
+              </a:spcBef>
+              <a:buFont typeface="Arial" pitchFamily="34" charset="0"/>
+              <a:buChar char="•"/>
+              <a:defRPr sz="2000" kern="1200">
+                <a:solidFill>
+                  <a:schemeClr val="tx1"/>
+                </a:solidFill>
+                <a:latin typeface="+mn-lt"/>
+                <a:ea typeface="+mn-ea"/>
+                <a:cs typeface="+mn-cs"/>
+              </a:defRPr>
+            </a:lvl7pPr>
+            <a:lvl8pPr marL="3429000" indent="-228600" algn="l" defTabSz="914400" rtl="0" eaLnBrk="1" latinLnBrk="0" hangingPunct="1">
+              <a:spcBef>
+                <a:spcPct val="20000"/>
+              </a:spcBef>
+              <a:buFont typeface="Arial" pitchFamily="34" charset="0"/>
+              <a:buChar char="•"/>
+              <a:defRPr sz="2000" kern="1200">
+                <a:solidFill>
+                  <a:schemeClr val="tx1"/>
+                </a:solidFill>
+                <a:latin typeface="+mn-lt"/>
+                <a:ea typeface="+mn-ea"/>
+                <a:cs typeface="+mn-cs"/>
+              </a:defRPr>
+            </a:lvl8pPr>
+            <a:lvl9pPr marL="3886200" indent="-228600" algn="l" defTabSz="914400" rtl="0" eaLnBrk="1" latinLnBrk="0" hangingPunct="1">
+              <a:spcBef>
+                <a:spcPct val="20000"/>
+              </a:spcBef>
+              <a:buFont typeface="Arial" pitchFamily="34" charset="0"/>
+              <a:buChar char="•"/>
+              <a:defRPr sz="2000" kern="1200">
+                <a:solidFill>
+                  <a:schemeClr val="tx1"/>
+                </a:solidFill>
+                <a:latin typeface="+mn-lt"/>
+                <a:ea typeface="+mn-ea"/>
+                <a:cs typeface="+mn-cs"/>
+              </a:defRPr>
+            </a:lvl9pPr>
+          </a:lstStyle>
+          <a:p>
+            <a:pPr marL="0" indent="0">
+              <a:buNone/>
+            </a:pPr>
+            <a:r>
+              <a:rPr lang="en-US" dirty="0"/>
+              <a:t>Each interface offered by a lower layer contains:</a:t>
+            </a:r>
+          </a:p>
+          <a:p>
+            <a:r>
+              <a:rPr lang="en-US" dirty="0" err="1"/>
+              <a:t>init</a:t>
+            </a:r>
+            <a:r>
+              <a:rPr lang="en-US" dirty="0"/>
+              <a:t>() or open(), close(), read(), write()</a:t>
+            </a:r>
+          </a:p>
+          <a:p>
+            <a:r>
+              <a:rPr lang="en-US" dirty="0"/>
+              <a:t>Or equivalently, </a:t>
+            </a:r>
+            <a:r>
+              <a:rPr lang="en-US" dirty="0" err="1"/>
+              <a:t>get_image_data</a:t>
+            </a:r>
+            <a:r>
+              <a:rPr lang="en-US" dirty="0"/>
+              <a:t>() etc.</a:t>
+            </a:r>
+          </a:p>
+          <a:p>
+            <a:r>
+              <a:rPr lang="en-US" b="1" dirty="0"/>
+              <a:t>test()</a:t>
+            </a:r>
+            <a:endParaRPr lang="en-US" dirty="0"/>
+          </a:p>
+          <a:p>
+            <a:pPr marL="0" indent="0">
+              <a:buNone/>
+            </a:pPr>
+            <a:endParaRPr lang="en-US" dirty="0"/>
+          </a:p>
+          <a:p>
+            <a:pPr marL="0" indent="0">
+              <a:buNone/>
+            </a:pPr>
+            <a:r>
+              <a:rPr lang="en-US" dirty="0"/>
+              <a:t>What should a good </a:t>
+            </a:r>
+            <a:r>
+              <a:rPr lang="en-US" i="1" dirty="0" err="1"/>
+              <a:t>init</a:t>
+            </a:r>
+            <a:r>
+              <a:rPr lang="en-US" i="1" dirty="0"/>
+              <a:t>()</a:t>
+            </a:r>
+            <a:r>
+              <a:rPr lang="en-US" dirty="0"/>
+              <a:t> be like / do?</a:t>
+            </a:r>
+          </a:p>
+          <a:p>
+            <a:r>
+              <a:rPr lang="en-US" dirty="0"/>
+              <a:t>Initialize all modules below it in the hierarchy</a:t>
+            </a:r>
+          </a:p>
+          <a:p>
+            <a:r>
+              <a:rPr lang="en-US" dirty="0"/>
+              <a:t>OK to be called multiple times</a:t>
+            </a:r>
+          </a:p>
+          <a:p>
+            <a:r>
+              <a:rPr lang="en-US" dirty="0"/>
+              <a:t>Resets system to a known state in case of partial failure</a:t>
+            </a:r>
+          </a:p>
+        </p:txBody>
+      </p:sp>
     </p:spTree>
     <p:extLst>
       <p:ext uri="{BB962C8B-B14F-4D97-AF65-F5344CB8AC3E}">
-        <p14:creationId xmlns:p14="http://schemas.microsoft.com/office/powerpoint/2010/main" val="3799535117"/>
+        <p14:creationId xmlns:p14="http://schemas.microsoft.com/office/powerpoint/2010/main" val="1276809278"/>
       </p:ext>
     </p:extLst>
   </p:cSld>
   <p:clrMapOvr>
     <a:masterClrMapping/>
   </p:clrMapOvr>
+  <p:timing>
+    <p:tnLst>
+      <p:par>
+        <p:cTn id="1" dur="indefinite" restart="never" nodeType="tmRoot">
+          <p:childTnLst>
+            <p:seq concurrent="1" nextAc="seek">
+              <p:cTn id="2" dur="indefinite" nodeType="mainSeq">
+                <p:childTnLst>
+                  <p:par>
+                    <p:cTn id="3" fill="hold">
+                      <p:stCondLst>
+                        <p:cond delay="indefinite"/>
+                      </p:stCondLst>
+                      <p:childTnLst>
+                        <p:par>
+                          <p:cTn id="4" fill="hold">
+                            <p:stCondLst>
+                              <p:cond delay="0"/>
+                            </p:stCondLst>
+                            <p:childTnLst>
+                              <p:par>
+                                <p:cTn id="5" presetID="1" presetClass="entr" presetSubtype="0" fill="hold" grpId="0" nodeType="clickEffect">
+                                  <p:stCondLst>
+                                    <p:cond delay="0"/>
+                                  </p:stCondLst>
+                                  <p:childTnLst>
+                                    <p:set>
+                                      <p:cBhvr>
+                                        <p:cTn id="6" dur="1" fill="hold">
+                                          <p:stCondLst>
+                                            <p:cond delay="0"/>
+                                          </p:stCondLst>
+                                        </p:cTn>
+                                        <p:tgtEl>
+                                          <p:spTgt spid="8">
+                                            <p:txEl>
+                                              <p:pRg st="0" end="0"/>
+                                            </p:txEl>
+                                          </p:spTgt>
+                                        </p:tgtEl>
+                                        <p:attrNameLst>
+                                          <p:attrName>style.visibility</p:attrName>
+                                        </p:attrNameLst>
+                                      </p:cBhvr>
+                                      <p:to>
+                                        <p:strVal val="visible"/>
+                                      </p:to>
+                                    </p:set>
+                                  </p:childTnLst>
+                                </p:cTn>
+                              </p:par>
+                            </p:childTnLst>
+                          </p:cTn>
+                        </p:par>
+                      </p:childTnLst>
+                    </p:cTn>
+                  </p:par>
+                  <p:par>
+                    <p:cTn id="7" fill="hold">
+                      <p:stCondLst>
+                        <p:cond delay="indefinite"/>
+                      </p:stCondLst>
+                      <p:childTnLst>
+                        <p:par>
+                          <p:cTn id="8" fill="hold">
+                            <p:stCondLst>
+                              <p:cond delay="0"/>
+                            </p:stCondLst>
+                            <p:childTnLst>
+                              <p:par>
+                                <p:cTn id="9" presetID="1" presetClass="entr" presetSubtype="0" fill="hold" grpId="0" nodeType="clickEffect">
+                                  <p:stCondLst>
+                                    <p:cond delay="0"/>
+                                  </p:stCondLst>
+                                  <p:childTnLst>
+                                    <p:set>
+                                      <p:cBhvr>
+                                        <p:cTn id="10" dur="1" fill="hold">
+                                          <p:stCondLst>
+                                            <p:cond delay="0"/>
+                                          </p:stCondLst>
+                                        </p:cTn>
+                                        <p:tgtEl>
+                                          <p:spTgt spid="8">
+                                            <p:txEl>
+                                              <p:pRg st="1" end="1"/>
+                                            </p:txEl>
+                                          </p:spTgt>
+                                        </p:tgtEl>
+                                        <p:attrNameLst>
+                                          <p:attrName>style.visibility</p:attrName>
+                                        </p:attrNameLst>
+                                      </p:cBhvr>
+                                      <p:to>
+                                        <p:strVal val="visible"/>
+                                      </p:to>
+                                    </p:set>
+                                  </p:childTnLst>
+                                </p:cTn>
+                              </p:par>
+                            </p:childTnLst>
+                          </p:cTn>
+                        </p:par>
+                      </p:childTnLst>
+                    </p:cTn>
+                  </p:par>
+                  <p:par>
+                    <p:cTn id="11" fill="hold">
+                      <p:stCondLst>
+                        <p:cond delay="indefinite"/>
+                      </p:stCondLst>
+                      <p:childTnLst>
+                        <p:par>
+                          <p:cTn id="12" fill="hold">
+                            <p:stCondLst>
+                              <p:cond delay="0"/>
+                            </p:stCondLst>
+                            <p:childTnLst>
+                              <p:par>
+                                <p:cTn id="13" presetID="1" presetClass="entr" presetSubtype="0" fill="hold" grpId="0" nodeType="clickEffect">
+                                  <p:stCondLst>
+                                    <p:cond delay="0"/>
+                                  </p:stCondLst>
+                                  <p:childTnLst>
+                                    <p:set>
+                                      <p:cBhvr>
+                                        <p:cTn id="14" dur="1" fill="hold">
+                                          <p:stCondLst>
+                                            <p:cond delay="0"/>
+                                          </p:stCondLst>
+                                        </p:cTn>
+                                        <p:tgtEl>
+                                          <p:spTgt spid="8">
+                                            <p:txEl>
+                                              <p:pRg st="2" end="2"/>
+                                            </p:txEl>
+                                          </p:spTgt>
+                                        </p:tgtEl>
+                                        <p:attrNameLst>
+                                          <p:attrName>style.visibility</p:attrName>
+                                        </p:attrNameLst>
+                                      </p:cBhvr>
+                                      <p:to>
+                                        <p:strVal val="visible"/>
+                                      </p:to>
+                                    </p:set>
+                                  </p:childTnLst>
+                                </p:cTn>
+                              </p:par>
+                            </p:childTnLst>
+                          </p:cTn>
+                        </p:par>
+                      </p:childTnLst>
+                    </p:cTn>
+                  </p:par>
+                  <p:par>
+                    <p:cTn id="15" fill="hold">
+                      <p:stCondLst>
+                        <p:cond delay="indefinite"/>
+                      </p:stCondLst>
+                      <p:childTnLst>
+                        <p:par>
+                          <p:cTn id="16" fill="hold">
+                            <p:stCondLst>
+                              <p:cond delay="0"/>
+                            </p:stCondLst>
+                            <p:childTnLst>
+                              <p:par>
+                                <p:cTn id="17" presetID="1" presetClass="entr" presetSubtype="0" fill="hold" grpId="0" nodeType="clickEffect">
+                                  <p:stCondLst>
+                                    <p:cond delay="0"/>
+                                  </p:stCondLst>
+                                  <p:childTnLst>
+                                    <p:set>
+                                      <p:cBhvr>
+                                        <p:cTn id="18" dur="1" fill="hold">
+                                          <p:stCondLst>
+                                            <p:cond delay="0"/>
+                                          </p:stCondLst>
+                                        </p:cTn>
+                                        <p:tgtEl>
+                                          <p:spTgt spid="8">
+                                            <p:txEl>
+                                              <p:pRg st="3" end="3"/>
+                                            </p:txEl>
+                                          </p:spTgt>
+                                        </p:tgtEl>
+                                        <p:attrNameLst>
+                                          <p:attrName>style.visibility</p:attrName>
+                                        </p:attrNameLst>
+                                      </p:cBhvr>
+                                      <p:to>
+                                        <p:strVal val="visible"/>
+                                      </p:to>
+                                    </p:set>
+                                  </p:childTnLst>
+                                </p:cTn>
+                              </p:par>
+                            </p:childTnLst>
+                          </p:cTn>
+                        </p:par>
+                      </p:childTnLst>
+                    </p:cTn>
+                  </p:par>
+                  <p:par>
+                    <p:cTn id="19" fill="hold">
+                      <p:stCondLst>
+                        <p:cond delay="indefinite"/>
+                      </p:stCondLst>
+                      <p:childTnLst>
+                        <p:par>
+                          <p:cTn id="20" fill="hold">
+                            <p:stCondLst>
+                              <p:cond delay="0"/>
+                            </p:stCondLst>
+                            <p:childTnLst>
+                              <p:par>
+                                <p:cTn id="21" presetID="1" presetClass="entr" presetSubtype="0" fill="hold" grpId="0" nodeType="clickEffect">
+                                  <p:stCondLst>
+                                    <p:cond delay="0"/>
+                                  </p:stCondLst>
+                                  <p:childTnLst>
+                                    <p:set>
+                                      <p:cBhvr>
+                                        <p:cTn id="22" dur="1" fill="hold">
+                                          <p:stCondLst>
+                                            <p:cond delay="0"/>
+                                          </p:stCondLst>
+                                        </p:cTn>
+                                        <p:tgtEl>
+                                          <p:spTgt spid="8">
+                                            <p:txEl>
+                                              <p:pRg st="5" end="5"/>
+                                            </p:txEl>
+                                          </p:spTgt>
+                                        </p:tgtEl>
+                                        <p:attrNameLst>
+                                          <p:attrName>style.visibility</p:attrName>
+                                        </p:attrNameLst>
+                                      </p:cBhvr>
+                                      <p:to>
+                                        <p:strVal val="visible"/>
+                                      </p:to>
+                                    </p:set>
+                                  </p:childTnLst>
+                                </p:cTn>
+                              </p:par>
+                            </p:childTnLst>
+                          </p:cTn>
+                        </p:par>
+                      </p:childTnLst>
+                    </p:cTn>
+                  </p:par>
+                  <p:par>
+                    <p:cTn id="23" fill="hold">
+                      <p:stCondLst>
+                        <p:cond delay="indefinite"/>
+                      </p:stCondLst>
+                      <p:childTnLst>
+                        <p:par>
+                          <p:cTn id="24" fill="hold">
+                            <p:stCondLst>
+                              <p:cond delay="0"/>
+                            </p:stCondLst>
+                            <p:childTnLst>
+                              <p:par>
+                                <p:cTn id="25" presetID="1" presetClass="entr" presetSubtype="0" fill="hold" grpId="0" nodeType="clickEffect">
+                                  <p:stCondLst>
+                                    <p:cond delay="0"/>
+                                  </p:stCondLst>
+                                  <p:childTnLst>
+                                    <p:set>
+                                      <p:cBhvr>
+                                        <p:cTn id="26" dur="1" fill="hold">
+                                          <p:stCondLst>
+                                            <p:cond delay="0"/>
+                                          </p:stCondLst>
+                                        </p:cTn>
+                                        <p:tgtEl>
+                                          <p:spTgt spid="8">
+                                            <p:txEl>
+                                              <p:pRg st="6" end="6"/>
+                                            </p:txEl>
+                                          </p:spTgt>
+                                        </p:tgtEl>
+                                        <p:attrNameLst>
+                                          <p:attrName>style.visibility</p:attrName>
+                                        </p:attrNameLst>
+                                      </p:cBhvr>
+                                      <p:to>
+                                        <p:strVal val="visible"/>
+                                      </p:to>
+                                    </p:set>
+                                  </p:childTnLst>
+                                </p:cTn>
+                              </p:par>
+                            </p:childTnLst>
+                          </p:cTn>
+                        </p:par>
+                      </p:childTnLst>
+                    </p:cTn>
+                  </p:par>
+                  <p:par>
+                    <p:cTn id="27" fill="hold">
+                      <p:stCondLst>
+                        <p:cond delay="indefinite"/>
+                      </p:stCondLst>
+                      <p:childTnLst>
+                        <p:par>
+                          <p:cTn id="28" fill="hold">
+                            <p:stCondLst>
+                              <p:cond delay="0"/>
+                            </p:stCondLst>
+                            <p:childTnLst>
+                              <p:par>
+                                <p:cTn id="29" presetID="1" presetClass="entr" presetSubtype="0" fill="hold" grpId="0" nodeType="clickEffect">
+                                  <p:stCondLst>
+                                    <p:cond delay="0"/>
+                                  </p:stCondLst>
+                                  <p:childTnLst>
+                                    <p:set>
+                                      <p:cBhvr>
+                                        <p:cTn id="30" dur="1" fill="hold">
+                                          <p:stCondLst>
+                                            <p:cond delay="0"/>
+                                          </p:stCondLst>
+                                        </p:cTn>
+                                        <p:tgtEl>
+                                          <p:spTgt spid="8">
+                                            <p:txEl>
+                                              <p:pRg st="7" end="7"/>
+                                            </p:txEl>
+                                          </p:spTgt>
+                                        </p:tgtEl>
+                                        <p:attrNameLst>
+                                          <p:attrName>style.visibility</p:attrName>
+                                        </p:attrNameLst>
+                                      </p:cBhvr>
+                                      <p:to>
+                                        <p:strVal val="visible"/>
+                                      </p:to>
+                                    </p:set>
+                                  </p:childTnLst>
+                                </p:cTn>
+                              </p:par>
+                            </p:childTnLst>
+                          </p:cTn>
+                        </p:par>
+                      </p:childTnLst>
+                    </p:cTn>
+                  </p:par>
+                  <p:par>
+                    <p:cTn id="31" fill="hold">
+                      <p:stCondLst>
+                        <p:cond delay="indefinite"/>
+                      </p:stCondLst>
+                      <p:childTnLst>
+                        <p:par>
+                          <p:cTn id="32" fill="hold">
+                            <p:stCondLst>
+                              <p:cond delay="0"/>
+                            </p:stCondLst>
+                            <p:childTnLst>
+                              <p:par>
+                                <p:cTn id="33" presetID="1" presetClass="entr" presetSubtype="0" fill="hold" grpId="0" nodeType="clickEffect">
+                                  <p:stCondLst>
+                                    <p:cond delay="0"/>
+                                  </p:stCondLst>
+                                  <p:childTnLst>
+                                    <p:set>
+                                      <p:cBhvr>
+                                        <p:cTn id="34" dur="1" fill="hold">
+                                          <p:stCondLst>
+                                            <p:cond delay="0"/>
+                                          </p:stCondLst>
+                                        </p:cTn>
+                                        <p:tgtEl>
+                                          <p:spTgt spid="8">
+                                            <p:txEl>
+                                              <p:pRg st="8" end="8"/>
+                                            </p:txEl>
+                                          </p:spTgt>
+                                        </p:tgtEl>
+                                        <p:attrNameLst>
+                                          <p:attrName>style.visibility</p:attrName>
+                                        </p:attrNameLst>
+                                      </p:cBhvr>
+                                      <p:to>
+                                        <p:strVal val="visible"/>
+                                      </p:to>
+                                    </p:set>
+                                  </p:childTnLst>
+                                </p:cTn>
+                              </p:par>
+                            </p:childTnLst>
+                          </p:cTn>
+                        </p:par>
+                      </p:childTnLst>
+                    </p:cTn>
+                  </p:par>
+                </p:childTnLst>
+              </p:cTn>
+              <p:prevCondLst>
+                <p:cond evt="onPrev" delay="0">
+                  <p:tgtEl>
+                    <p:sldTgt/>
+                  </p:tgtEl>
+                </p:cond>
+              </p:prevCondLst>
+              <p:nextCondLst>
+                <p:cond evt="onNext" delay="0">
+                  <p:tgtEl>
+                    <p:sldTgt/>
+                  </p:tgtEl>
+                </p:cond>
+              </p:nextCondLst>
+            </p:seq>
+          </p:childTnLst>
+        </p:cTn>
+      </p:par>
+    </p:tnLst>
+    <p:bldLst>
+      <p:bldP spid="8" grpId="0" build="p"/>
+    </p:bldLst>
+  </p:timing>
 </p:sld>
 </file>
 
@@ -12940,6 +14671,2751 @@
           <p:cNvPr id="2" name="Title 1">
             <a:extLst>
               <a:ext uri="{FF2B5EF4-FFF2-40B4-BE49-F238E27FC236}">
+                <a16:creationId xmlns:a16="http://schemas.microsoft.com/office/drawing/2014/main" id="{1AF7751C-871B-4448-B966-1FE5195C1813}"/>
+              </a:ext>
+            </a:extLst>
+          </p:cNvPr>
+          <p:cNvSpPr>
+            <a:spLocks noGrp="1"/>
+          </p:cNvSpPr>
+          <p:nvPr>
+            <p:ph type="title"/>
+          </p:nvPr>
+        </p:nvSpPr>
+        <p:spPr/>
+        <p:txBody>
+          <a:bodyPr/>
+          <a:lstStyle/>
+          <a:p>
+            <a:r>
+              <a:rPr lang="en-US" dirty="0"/>
+              <a:t>The Model-View-Controller (MVC) pattern</a:t>
+            </a:r>
+          </a:p>
+        </p:txBody>
+      </p:sp>
+      <p:sp>
+        <p:nvSpPr>
+          <p:cNvPr id="3" name="Content Placeholder 2">
+            <a:extLst>
+              <a:ext uri="{FF2B5EF4-FFF2-40B4-BE49-F238E27FC236}">
+                <a16:creationId xmlns:a16="http://schemas.microsoft.com/office/drawing/2014/main" id="{902EAB79-75AB-47E4-8AFB-46113EE21B12}"/>
+              </a:ext>
+            </a:extLst>
+          </p:cNvPr>
+          <p:cNvSpPr>
+            <a:spLocks noGrp="1"/>
+          </p:cNvSpPr>
+          <p:nvPr>
+            <p:ph idx="1"/>
+          </p:nvPr>
+        </p:nvSpPr>
+        <p:spPr/>
+        <p:txBody>
+          <a:bodyPr>
+            <a:normAutofit lnSpcReduction="10000"/>
+          </a:bodyPr>
+          <a:lstStyle/>
+          <a:p>
+            <a:pPr marL="0" indent="0">
+              <a:buNone/>
+            </a:pPr>
+            <a:r>
+              <a:rPr lang="en-US" sz="2500" dirty="0"/>
+              <a:t>Purpose: isolate the algorithm (the gooey center of the application) from the UI for independent development and testing</a:t>
+            </a:r>
+          </a:p>
+          <a:p>
+            <a:r>
+              <a:rPr lang="en-US" sz="2500" dirty="0"/>
+              <a:t>View: interface to the user (or other hardware), including input from sensors or output to actuators</a:t>
+            </a:r>
+          </a:p>
+          <a:p>
+            <a:r>
+              <a:rPr lang="en-US" sz="2500" dirty="0"/>
+              <a:t>Model: domain-specific data and logic</a:t>
+            </a:r>
+          </a:p>
+          <a:p>
+            <a:r>
+              <a:rPr lang="en-US" sz="2500" dirty="0"/>
+              <a:t>Controller: glue between Model and View</a:t>
+            </a:r>
+          </a:p>
+          <a:p>
+            <a:pPr lvl="1"/>
+            <a:r>
+              <a:rPr lang="en-US" sz="2100" dirty="0"/>
+              <a:t>Handles how to get the inputs to the model for processing and outputs from the model for display / communication</a:t>
+            </a:r>
+          </a:p>
+          <a:p>
+            <a:pPr marL="0" indent="0">
+              <a:buNone/>
+            </a:pPr>
+            <a:r>
+              <a:rPr lang="en-US" sz="2500" dirty="0"/>
+              <a:t>Why?</a:t>
+            </a:r>
+          </a:p>
+          <a:p>
+            <a:r>
+              <a:rPr lang="en-US" sz="2500" dirty="0"/>
+              <a:t>Replace views with virtual / file-based inputs and outputs</a:t>
+            </a:r>
+          </a:p>
+          <a:p>
+            <a:r>
+              <a:rPr lang="en-US" sz="2500" dirty="0"/>
+              <a:t>Test the core (model) under a variety of conditions</a:t>
+            </a:r>
+          </a:p>
+          <a:p>
+            <a:r>
+              <a:rPr lang="en-US" sz="2500" dirty="0"/>
+              <a:t>Portability – application core is independent of externals</a:t>
+            </a:r>
+          </a:p>
+        </p:txBody>
+      </p:sp>
+      <p:sp>
+        <p:nvSpPr>
+          <p:cNvPr id="4" name="Date Placeholder 3">
+            <a:extLst>
+              <a:ext uri="{FF2B5EF4-FFF2-40B4-BE49-F238E27FC236}">
+                <a16:creationId xmlns:a16="http://schemas.microsoft.com/office/drawing/2014/main" id="{DE329707-944C-421E-8421-85448B8819E6}"/>
+              </a:ext>
+            </a:extLst>
+          </p:cNvPr>
+          <p:cNvSpPr>
+            <a:spLocks noGrp="1"/>
+          </p:cNvSpPr>
+          <p:nvPr>
+            <p:ph type="dt" sz="half" idx="10"/>
+          </p:nvPr>
+        </p:nvSpPr>
+        <p:spPr/>
+        <p:txBody>
+          <a:bodyPr/>
+          <a:lstStyle/>
+          <a:p>
+            <a:pPr>
+              <a:defRPr/>
+            </a:pPr>
+            <a:r>
+              <a:rPr lang="en-US"/>
+              <a:t>21/12/2020</a:t>
+            </a:r>
+          </a:p>
+        </p:txBody>
+      </p:sp>
+      <p:sp>
+        <p:nvSpPr>
+          <p:cNvPr id="5" name="Slide Number Placeholder 4">
+            <a:extLst>
+              <a:ext uri="{FF2B5EF4-FFF2-40B4-BE49-F238E27FC236}">
+                <a16:creationId xmlns:a16="http://schemas.microsoft.com/office/drawing/2014/main" id="{9F317A7D-4955-4640-A7BB-93941BB52D54}"/>
+              </a:ext>
+            </a:extLst>
+          </p:cNvPr>
+          <p:cNvSpPr>
+            <a:spLocks noGrp="1"/>
+          </p:cNvSpPr>
+          <p:nvPr>
+            <p:ph type="sldNum" sz="quarter" idx="12"/>
+          </p:nvPr>
+        </p:nvSpPr>
+        <p:spPr/>
+        <p:txBody>
+          <a:bodyPr/>
+          <a:lstStyle/>
+          <a:p>
+            <a:pPr>
+              <a:defRPr/>
+            </a:pPr>
+            <a:fld id="{CA887A73-1AE0-46F8-856A-18EA1CF30A1B}" type="slidenum">
+              <a:rPr lang="en-US" altLang="en-US" smtClean="0"/>
+              <a:pPr>
+                <a:defRPr/>
+              </a:pPr>
+              <a:t>22</a:t>
+            </a:fld>
+            <a:endParaRPr lang="en-US" altLang="en-US"/>
+          </a:p>
+        </p:txBody>
+      </p:sp>
+    </p:spTree>
+    <p:extLst>
+      <p:ext uri="{BB962C8B-B14F-4D97-AF65-F5344CB8AC3E}">
+        <p14:creationId xmlns:p14="http://schemas.microsoft.com/office/powerpoint/2010/main" val="214933647"/>
+      </p:ext>
+    </p:extLst>
+  </p:cSld>
+  <p:clrMapOvr>
+    <a:masterClrMapping/>
+  </p:clrMapOvr>
+  <p:timing>
+    <p:tnLst>
+      <p:par>
+        <p:cTn id="1" dur="indefinite" restart="never" nodeType="tmRoot">
+          <p:childTnLst>
+            <p:seq concurrent="1" nextAc="seek">
+              <p:cTn id="2" dur="indefinite" nodeType="mainSeq">
+                <p:childTnLst>
+                  <p:par>
+                    <p:cTn id="3" fill="hold">
+                      <p:stCondLst>
+                        <p:cond delay="indefinite"/>
+                      </p:stCondLst>
+                      <p:childTnLst>
+                        <p:par>
+                          <p:cTn id="4" fill="hold">
+                            <p:stCondLst>
+                              <p:cond delay="0"/>
+                            </p:stCondLst>
+                            <p:childTnLst>
+                              <p:par>
+                                <p:cTn id="5" presetID="1" presetClass="entr" presetSubtype="0" fill="hold" grpId="0" nodeType="clickEffect">
+                                  <p:stCondLst>
+                                    <p:cond delay="0"/>
+                                  </p:stCondLst>
+                                  <p:childTnLst>
+                                    <p:set>
+                                      <p:cBhvr>
+                                        <p:cTn id="6" dur="1" fill="hold">
+                                          <p:stCondLst>
+                                            <p:cond delay="0"/>
+                                          </p:stCondLst>
+                                        </p:cTn>
+                                        <p:tgtEl>
+                                          <p:spTgt spid="3">
+                                            <p:txEl>
+                                              <p:pRg st="0" end="0"/>
+                                            </p:txEl>
+                                          </p:spTgt>
+                                        </p:tgtEl>
+                                        <p:attrNameLst>
+                                          <p:attrName>style.visibility</p:attrName>
+                                        </p:attrNameLst>
+                                      </p:cBhvr>
+                                      <p:to>
+                                        <p:strVal val="visible"/>
+                                      </p:to>
+                                    </p:set>
+                                  </p:childTnLst>
+                                </p:cTn>
+                              </p:par>
+                            </p:childTnLst>
+                          </p:cTn>
+                        </p:par>
+                      </p:childTnLst>
+                    </p:cTn>
+                  </p:par>
+                  <p:par>
+                    <p:cTn id="7" fill="hold">
+                      <p:stCondLst>
+                        <p:cond delay="indefinite"/>
+                      </p:stCondLst>
+                      <p:childTnLst>
+                        <p:par>
+                          <p:cTn id="8" fill="hold">
+                            <p:stCondLst>
+                              <p:cond delay="0"/>
+                            </p:stCondLst>
+                            <p:childTnLst>
+                              <p:par>
+                                <p:cTn id="9" presetID="1" presetClass="entr" presetSubtype="0" fill="hold" grpId="0" nodeType="clickEffect">
+                                  <p:stCondLst>
+                                    <p:cond delay="0"/>
+                                  </p:stCondLst>
+                                  <p:childTnLst>
+                                    <p:set>
+                                      <p:cBhvr>
+                                        <p:cTn id="10" dur="1" fill="hold">
+                                          <p:stCondLst>
+                                            <p:cond delay="0"/>
+                                          </p:stCondLst>
+                                        </p:cTn>
+                                        <p:tgtEl>
+                                          <p:spTgt spid="3">
+                                            <p:txEl>
+                                              <p:pRg st="1" end="1"/>
+                                            </p:txEl>
+                                          </p:spTgt>
+                                        </p:tgtEl>
+                                        <p:attrNameLst>
+                                          <p:attrName>style.visibility</p:attrName>
+                                        </p:attrNameLst>
+                                      </p:cBhvr>
+                                      <p:to>
+                                        <p:strVal val="visible"/>
+                                      </p:to>
+                                    </p:set>
+                                  </p:childTnLst>
+                                </p:cTn>
+                              </p:par>
+                            </p:childTnLst>
+                          </p:cTn>
+                        </p:par>
+                      </p:childTnLst>
+                    </p:cTn>
+                  </p:par>
+                  <p:par>
+                    <p:cTn id="11" fill="hold">
+                      <p:stCondLst>
+                        <p:cond delay="indefinite"/>
+                      </p:stCondLst>
+                      <p:childTnLst>
+                        <p:par>
+                          <p:cTn id="12" fill="hold">
+                            <p:stCondLst>
+                              <p:cond delay="0"/>
+                            </p:stCondLst>
+                            <p:childTnLst>
+                              <p:par>
+                                <p:cTn id="13" presetID="1" presetClass="entr" presetSubtype="0" fill="hold" grpId="0" nodeType="clickEffect">
+                                  <p:stCondLst>
+                                    <p:cond delay="0"/>
+                                  </p:stCondLst>
+                                  <p:childTnLst>
+                                    <p:set>
+                                      <p:cBhvr>
+                                        <p:cTn id="14" dur="1" fill="hold">
+                                          <p:stCondLst>
+                                            <p:cond delay="0"/>
+                                          </p:stCondLst>
+                                        </p:cTn>
+                                        <p:tgtEl>
+                                          <p:spTgt spid="3">
+                                            <p:txEl>
+                                              <p:pRg st="2" end="2"/>
+                                            </p:txEl>
+                                          </p:spTgt>
+                                        </p:tgtEl>
+                                        <p:attrNameLst>
+                                          <p:attrName>style.visibility</p:attrName>
+                                        </p:attrNameLst>
+                                      </p:cBhvr>
+                                      <p:to>
+                                        <p:strVal val="visible"/>
+                                      </p:to>
+                                    </p:set>
+                                  </p:childTnLst>
+                                </p:cTn>
+                              </p:par>
+                            </p:childTnLst>
+                          </p:cTn>
+                        </p:par>
+                      </p:childTnLst>
+                    </p:cTn>
+                  </p:par>
+                  <p:par>
+                    <p:cTn id="15" fill="hold">
+                      <p:stCondLst>
+                        <p:cond delay="indefinite"/>
+                      </p:stCondLst>
+                      <p:childTnLst>
+                        <p:par>
+                          <p:cTn id="16" fill="hold">
+                            <p:stCondLst>
+                              <p:cond delay="0"/>
+                            </p:stCondLst>
+                            <p:childTnLst>
+                              <p:par>
+                                <p:cTn id="17" presetID="1" presetClass="entr" presetSubtype="0" fill="hold" grpId="0" nodeType="clickEffect">
+                                  <p:stCondLst>
+                                    <p:cond delay="0"/>
+                                  </p:stCondLst>
+                                  <p:childTnLst>
+                                    <p:set>
+                                      <p:cBhvr>
+                                        <p:cTn id="18" dur="1" fill="hold">
+                                          <p:stCondLst>
+                                            <p:cond delay="0"/>
+                                          </p:stCondLst>
+                                        </p:cTn>
+                                        <p:tgtEl>
+                                          <p:spTgt spid="3">
+                                            <p:txEl>
+                                              <p:pRg st="3" end="3"/>
+                                            </p:txEl>
+                                          </p:spTgt>
+                                        </p:tgtEl>
+                                        <p:attrNameLst>
+                                          <p:attrName>style.visibility</p:attrName>
+                                        </p:attrNameLst>
+                                      </p:cBhvr>
+                                      <p:to>
+                                        <p:strVal val="visible"/>
+                                      </p:to>
+                                    </p:set>
+                                  </p:childTnLst>
+                                </p:cTn>
+                              </p:par>
+                            </p:childTnLst>
+                          </p:cTn>
+                        </p:par>
+                      </p:childTnLst>
+                    </p:cTn>
+                  </p:par>
+                  <p:par>
+                    <p:cTn id="19" fill="hold">
+                      <p:stCondLst>
+                        <p:cond delay="indefinite"/>
+                      </p:stCondLst>
+                      <p:childTnLst>
+                        <p:par>
+                          <p:cTn id="20" fill="hold">
+                            <p:stCondLst>
+                              <p:cond delay="0"/>
+                            </p:stCondLst>
+                            <p:childTnLst>
+                              <p:par>
+                                <p:cTn id="21" presetID="1" presetClass="entr" presetSubtype="0" fill="hold" grpId="0" nodeType="clickEffect">
+                                  <p:stCondLst>
+                                    <p:cond delay="0"/>
+                                  </p:stCondLst>
+                                  <p:childTnLst>
+                                    <p:set>
+                                      <p:cBhvr>
+                                        <p:cTn id="22" dur="1" fill="hold">
+                                          <p:stCondLst>
+                                            <p:cond delay="0"/>
+                                          </p:stCondLst>
+                                        </p:cTn>
+                                        <p:tgtEl>
+                                          <p:spTgt spid="3">
+                                            <p:txEl>
+                                              <p:pRg st="4" end="4"/>
+                                            </p:txEl>
+                                          </p:spTgt>
+                                        </p:tgtEl>
+                                        <p:attrNameLst>
+                                          <p:attrName>style.visibility</p:attrName>
+                                        </p:attrNameLst>
+                                      </p:cBhvr>
+                                      <p:to>
+                                        <p:strVal val="visible"/>
+                                      </p:to>
+                                    </p:set>
+                                  </p:childTnLst>
+                                </p:cTn>
+                              </p:par>
+                            </p:childTnLst>
+                          </p:cTn>
+                        </p:par>
+                      </p:childTnLst>
+                    </p:cTn>
+                  </p:par>
+                  <p:par>
+                    <p:cTn id="23" fill="hold">
+                      <p:stCondLst>
+                        <p:cond delay="indefinite"/>
+                      </p:stCondLst>
+                      <p:childTnLst>
+                        <p:par>
+                          <p:cTn id="24" fill="hold">
+                            <p:stCondLst>
+                              <p:cond delay="0"/>
+                            </p:stCondLst>
+                            <p:childTnLst>
+                              <p:par>
+                                <p:cTn id="25" presetID="1" presetClass="entr" presetSubtype="0" fill="hold" grpId="0" nodeType="clickEffect">
+                                  <p:stCondLst>
+                                    <p:cond delay="0"/>
+                                  </p:stCondLst>
+                                  <p:childTnLst>
+                                    <p:set>
+                                      <p:cBhvr>
+                                        <p:cTn id="26" dur="1" fill="hold">
+                                          <p:stCondLst>
+                                            <p:cond delay="0"/>
+                                          </p:stCondLst>
+                                        </p:cTn>
+                                        <p:tgtEl>
+                                          <p:spTgt spid="3">
+                                            <p:txEl>
+                                              <p:pRg st="5" end="5"/>
+                                            </p:txEl>
+                                          </p:spTgt>
+                                        </p:tgtEl>
+                                        <p:attrNameLst>
+                                          <p:attrName>style.visibility</p:attrName>
+                                        </p:attrNameLst>
+                                      </p:cBhvr>
+                                      <p:to>
+                                        <p:strVal val="visible"/>
+                                      </p:to>
+                                    </p:set>
+                                  </p:childTnLst>
+                                </p:cTn>
+                              </p:par>
+                            </p:childTnLst>
+                          </p:cTn>
+                        </p:par>
+                      </p:childTnLst>
+                    </p:cTn>
+                  </p:par>
+                  <p:par>
+                    <p:cTn id="27" fill="hold">
+                      <p:stCondLst>
+                        <p:cond delay="indefinite"/>
+                      </p:stCondLst>
+                      <p:childTnLst>
+                        <p:par>
+                          <p:cTn id="28" fill="hold">
+                            <p:stCondLst>
+                              <p:cond delay="0"/>
+                            </p:stCondLst>
+                            <p:childTnLst>
+                              <p:par>
+                                <p:cTn id="29" presetID="1" presetClass="entr" presetSubtype="0" fill="hold" grpId="0" nodeType="clickEffect">
+                                  <p:stCondLst>
+                                    <p:cond delay="0"/>
+                                  </p:stCondLst>
+                                  <p:childTnLst>
+                                    <p:set>
+                                      <p:cBhvr>
+                                        <p:cTn id="30" dur="1" fill="hold">
+                                          <p:stCondLst>
+                                            <p:cond delay="0"/>
+                                          </p:stCondLst>
+                                        </p:cTn>
+                                        <p:tgtEl>
+                                          <p:spTgt spid="3">
+                                            <p:txEl>
+                                              <p:pRg st="6" end="6"/>
+                                            </p:txEl>
+                                          </p:spTgt>
+                                        </p:tgtEl>
+                                        <p:attrNameLst>
+                                          <p:attrName>style.visibility</p:attrName>
+                                        </p:attrNameLst>
+                                      </p:cBhvr>
+                                      <p:to>
+                                        <p:strVal val="visible"/>
+                                      </p:to>
+                                    </p:set>
+                                  </p:childTnLst>
+                                </p:cTn>
+                              </p:par>
+                            </p:childTnLst>
+                          </p:cTn>
+                        </p:par>
+                      </p:childTnLst>
+                    </p:cTn>
+                  </p:par>
+                  <p:par>
+                    <p:cTn id="31" fill="hold">
+                      <p:stCondLst>
+                        <p:cond delay="indefinite"/>
+                      </p:stCondLst>
+                      <p:childTnLst>
+                        <p:par>
+                          <p:cTn id="32" fill="hold">
+                            <p:stCondLst>
+                              <p:cond delay="0"/>
+                            </p:stCondLst>
+                            <p:childTnLst>
+                              <p:par>
+                                <p:cTn id="33" presetID="1" presetClass="entr" presetSubtype="0" fill="hold" grpId="0" nodeType="clickEffect">
+                                  <p:stCondLst>
+                                    <p:cond delay="0"/>
+                                  </p:stCondLst>
+                                  <p:childTnLst>
+                                    <p:set>
+                                      <p:cBhvr>
+                                        <p:cTn id="34" dur="1" fill="hold">
+                                          <p:stCondLst>
+                                            <p:cond delay="0"/>
+                                          </p:stCondLst>
+                                        </p:cTn>
+                                        <p:tgtEl>
+                                          <p:spTgt spid="3">
+                                            <p:txEl>
+                                              <p:pRg st="7" end="7"/>
+                                            </p:txEl>
+                                          </p:spTgt>
+                                        </p:tgtEl>
+                                        <p:attrNameLst>
+                                          <p:attrName>style.visibility</p:attrName>
+                                        </p:attrNameLst>
+                                      </p:cBhvr>
+                                      <p:to>
+                                        <p:strVal val="visible"/>
+                                      </p:to>
+                                    </p:set>
+                                  </p:childTnLst>
+                                </p:cTn>
+                              </p:par>
+                            </p:childTnLst>
+                          </p:cTn>
+                        </p:par>
+                      </p:childTnLst>
+                    </p:cTn>
+                  </p:par>
+                  <p:par>
+                    <p:cTn id="35" fill="hold">
+                      <p:stCondLst>
+                        <p:cond delay="indefinite"/>
+                      </p:stCondLst>
+                      <p:childTnLst>
+                        <p:par>
+                          <p:cTn id="36" fill="hold">
+                            <p:stCondLst>
+                              <p:cond delay="0"/>
+                            </p:stCondLst>
+                            <p:childTnLst>
+                              <p:par>
+                                <p:cTn id="37" presetID="1" presetClass="entr" presetSubtype="0" fill="hold" grpId="0" nodeType="clickEffect">
+                                  <p:stCondLst>
+                                    <p:cond delay="0"/>
+                                  </p:stCondLst>
+                                  <p:childTnLst>
+                                    <p:set>
+                                      <p:cBhvr>
+                                        <p:cTn id="38" dur="1" fill="hold">
+                                          <p:stCondLst>
+                                            <p:cond delay="0"/>
+                                          </p:stCondLst>
+                                        </p:cTn>
+                                        <p:tgtEl>
+                                          <p:spTgt spid="3">
+                                            <p:txEl>
+                                              <p:pRg st="8" end="8"/>
+                                            </p:txEl>
+                                          </p:spTgt>
+                                        </p:tgtEl>
+                                        <p:attrNameLst>
+                                          <p:attrName>style.visibility</p:attrName>
+                                        </p:attrNameLst>
+                                      </p:cBhvr>
+                                      <p:to>
+                                        <p:strVal val="visible"/>
+                                      </p:to>
+                                    </p:set>
+                                  </p:childTnLst>
+                                </p:cTn>
+                              </p:par>
+                            </p:childTnLst>
+                          </p:cTn>
+                        </p:par>
+                      </p:childTnLst>
+                    </p:cTn>
+                  </p:par>
+                </p:childTnLst>
+              </p:cTn>
+              <p:prevCondLst>
+                <p:cond evt="onPrev" delay="0">
+                  <p:tgtEl>
+                    <p:sldTgt/>
+                  </p:tgtEl>
+                </p:cond>
+              </p:prevCondLst>
+              <p:nextCondLst>
+                <p:cond evt="onNext" delay="0">
+                  <p:tgtEl>
+                    <p:sldTgt/>
+                  </p:tgtEl>
+                </p:cond>
+              </p:nextCondLst>
+            </p:seq>
+          </p:childTnLst>
+        </p:cTn>
+      </p:par>
+    </p:tnLst>
+    <p:bldLst>
+      <p:bldP spid="3" grpId="0" build="p"/>
+    </p:bldLst>
+  </p:timing>
+</p:sld>
+</file>
+
+<file path=ppt/slides/slide23.xml><?xml version="1.0" encoding="utf-8"?>
+<p:sld xmlns:a="http://schemas.openxmlformats.org/drawingml/2006/main" xmlns:r="http://schemas.openxmlformats.org/officeDocument/2006/relationships" xmlns:p="http://schemas.openxmlformats.org/presentationml/2006/main">
+  <p:cSld>
+    <p:spTree>
+      <p:nvGrpSpPr>
+        <p:cNvPr id="1" name=""/>
+        <p:cNvGrpSpPr/>
+        <p:nvPr/>
+      </p:nvGrpSpPr>
+      <p:grpSpPr>
+        <a:xfrm>
+          <a:off x="0" y="0"/>
+          <a:ext cx="0" cy="0"/>
+          <a:chOff x="0" y="0"/>
+          <a:chExt cx="0" cy="0"/>
+        </a:xfrm>
+      </p:grpSpPr>
+      <p:sp>
+        <p:nvSpPr>
+          <p:cNvPr id="2" name="Title 1">
+            <a:extLst>
+              <a:ext uri="{FF2B5EF4-FFF2-40B4-BE49-F238E27FC236}">
+                <a16:creationId xmlns:a16="http://schemas.microsoft.com/office/drawing/2014/main" id="{E71CC8E0-77E1-4549-8E57-C94EE679BB0B}"/>
+              </a:ext>
+            </a:extLst>
+          </p:cNvPr>
+          <p:cNvSpPr>
+            <a:spLocks noGrp="1"/>
+          </p:cNvSpPr>
+          <p:nvPr>
+            <p:ph type="title"/>
+          </p:nvPr>
+        </p:nvSpPr>
+        <p:spPr/>
+        <p:txBody>
+          <a:bodyPr/>
+          <a:lstStyle/>
+          <a:p>
+            <a:r>
+              <a:rPr lang="en-US" dirty="0"/>
+              <a:t>MVC in your projects</a:t>
+            </a:r>
+          </a:p>
+        </p:txBody>
+      </p:sp>
+      <p:sp>
+        <p:nvSpPr>
+          <p:cNvPr id="3" name="Content Placeholder 2">
+            <a:extLst>
+              <a:ext uri="{FF2B5EF4-FFF2-40B4-BE49-F238E27FC236}">
+                <a16:creationId xmlns:a16="http://schemas.microsoft.com/office/drawing/2014/main" id="{9BEC1EDC-08AD-4077-8A18-1D652B0CCBE8}"/>
+              </a:ext>
+            </a:extLst>
+          </p:cNvPr>
+          <p:cNvSpPr>
+            <a:spLocks noGrp="1"/>
+          </p:cNvSpPr>
+          <p:nvPr>
+            <p:ph idx="1"/>
+          </p:nvPr>
+        </p:nvSpPr>
+        <p:spPr>
+          <a:xfrm>
+            <a:off x="0" y="1446211"/>
+            <a:ext cx="9144000" cy="5014912"/>
+          </a:xfrm>
+        </p:spPr>
+        <p:txBody>
+          <a:bodyPr/>
+          <a:lstStyle/>
+          <a:p>
+            <a:r>
+              <a:rPr lang="en-US" sz="2400" dirty="0"/>
+              <a:t>View is the UART (interface to the user)</a:t>
+            </a:r>
+          </a:p>
+          <a:p>
+            <a:r>
+              <a:rPr lang="en-US" sz="2400" dirty="0"/>
+              <a:t>Controller: a small module that you will write to supply UART inputs to the core logic and extract logic outputs over UART to your PC</a:t>
+            </a:r>
+          </a:p>
+        </p:txBody>
+      </p:sp>
+      <p:sp>
+        <p:nvSpPr>
+          <p:cNvPr id="4" name="Date Placeholder 3">
+            <a:extLst>
+              <a:ext uri="{FF2B5EF4-FFF2-40B4-BE49-F238E27FC236}">
+                <a16:creationId xmlns:a16="http://schemas.microsoft.com/office/drawing/2014/main" id="{4245A948-3D66-4D3D-8A49-94D324216E01}"/>
+              </a:ext>
+            </a:extLst>
+          </p:cNvPr>
+          <p:cNvSpPr>
+            <a:spLocks noGrp="1"/>
+          </p:cNvSpPr>
+          <p:nvPr>
+            <p:ph type="dt" sz="half" idx="10"/>
+          </p:nvPr>
+        </p:nvSpPr>
+        <p:spPr/>
+        <p:txBody>
+          <a:bodyPr/>
+          <a:lstStyle/>
+          <a:p>
+            <a:pPr>
+              <a:defRPr/>
+            </a:pPr>
+            <a:r>
+              <a:rPr lang="en-US"/>
+              <a:t>21/12/2020</a:t>
+            </a:r>
+          </a:p>
+        </p:txBody>
+      </p:sp>
+      <p:sp>
+        <p:nvSpPr>
+          <p:cNvPr id="5" name="Slide Number Placeholder 4">
+            <a:extLst>
+              <a:ext uri="{FF2B5EF4-FFF2-40B4-BE49-F238E27FC236}">
+                <a16:creationId xmlns:a16="http://schemas.microsoft.com/office/drawing/2014/main" id="{47F83720-9613-4976-B95F-9D455AECB270}"/>
+              </a:ext>
+            </a:extLst>
+          </p:cNvPr>
+          <p:cNvSpPr>
+            <a:spLocks noGrp="1"/>
+          </p:cNvSpPr>
+          <p:nvPr>
+            <p:ph type="sldNum" sz="quarter" idx="12"/>
+          </p:nvPr>
+        </p:nvSpPr>
+        <p:spPr/>
+        <p:txBody>
+          <a:bodyPr/>
+          <a:lstStyle/>
+          <a:p>
+            <a:pPr>
+              <a:defRPr/>
+            </a:pPr>
+            <a:fld id="{CA887A73-1AE0-46F8-856A-18EA1CF30A1B}" type="slidenum">
+              <a:rPr lang="en-US" altLang="en-US" smtClean="0"/>
+              <a:pPr>
+                <a:defRPr/>
+              </a:pPr>
+              <a:t>23</a:t>
+            </a:fld>
+            <a:endParaRPr lang="en-US" altLang="en-US"/>
+          </a:p>
+        </p:txBody>
+      </p:sp>
+      <p:pic>
+        <p:nvPicPr>
+          <p:cNvPr id="7" name="Picture 6">
+            <a:extLst>
+              <a:ext uri="{FF2B5EF4-FFF2-40B4-BE49-F238E27FC236}">
+                <a16:creationId xmlns:a16="http://schemas.microsoft.com/office/drawing/2014/main" id="{2168DAFD-A14E-4715-B289-2D6360C80AB9}"/>
+              </a:ext>
+            </a:extLst>
+          </p:cNvPr>
+          <p:cNvPicPr>
+            <a:picLocks noChangeAspect="1"/>
+          </p:cNvPicPr>
+          <p:nvPr/>
+        </p:nvPicPr>
+        <p:blipFill>
+          <a:blip r:embed="rId2"/>
+          <a:stretch>
+            <a:fillRect/>
+          </a:stretch>
+        </p:blipFill>
+        <p:spPr>
+          <a:xfrm>
+            <a:off x="304800" y="2895600"/>
+            <a:ext cx="8198780" cy="1066800"/>
+          </a:xfrm>
+          <a:prstGeom prst="rect">
+            <a:avLst/>
+          </a:prstGeom>
+        </p:spPr>
+      </p:pic>
+      <p:pic>
+        <p:nvPicPr>
+          <p:cNvPr id="9" name="Picture 8">
+            <a:extLst>
+              <a:ext uri="{FF2B5EF4-FFF2-40B4-BE49-F238E27FC236}">
+                <a16:creationId xmlns:a16="http://schemas.microsoft.com/office/drawing/2014/main" id="{43E26EF6-8C34-474D-9E86-14B8E174CEE8}"/>
+              </a:ext>
+            </a:extLst>
+          </p:cNvPr>
+          <p:cNvPicPr>
+            <a:picLocks noChangeAspect="1"/>
+          </p:cNvPicPr>
+          <p:nvPr/>
+        </p:nvPicPr>
+        <p:blipFill>
+          <a:blip r:embed="rId3"/>
+          <a:stretch>
+            <a:fillRect/>
+          </a:stretch>
+        </p:blipFill>
+        <p:spPr>
+          <a:xfrm>
+            <a:off x="1697355" y="4724400"/>
+            <a:ext cx="7239381" cy="1122482"/>
+          </a:xfrm>
+          <a:prstGeom prst="rect">
+            <a:avLst/>
+          </a:prstGeom>
+        </p:spPr>
+      </p:pic>
+      <p:sp>
+        <p:nvSpPr>
+          <p:cNvPr id="10" name="Arrow: Bent-Up 9">
+            <a:extLst>
+              <a:ext uri="{FF2B5EF4-FFF2-40B4-BE49-F238E27FC236}">
+                <a16:creationId xmlns:a16="http://schemas.microsoft.com/office/drawing/2014/main" id="{91F1E4DB-0C51-40FA-BBA8-90E29E4A0FC2}"/>
+              </a:ext>
+            </a:extLst>
+          </p:cNvPr>
+          <p:cNvSpPr/>
+          <p:nvPr/>
+        </p:nvSpPr>
+        <p:spPr>
+          <a:xfrm rot="5400000">
+            <a:off x="686943" y="4218686"/>
+            <a:ext cx="850392" cy="731520"/>
+          </a:xfrm>
+          <a:prstGeom prst="bentUpArrow">
+            <a:avLst/>
+          </a:prstGeom>
+        </p:spPr>
+        <p:style>
+          <a:lnRef idx="1">
+            <a:schemeClr val="dk1"/>
+          </a:lnRef>
+          <a:fillRef idx="2">
+            <a:schemeClr val="dk1"/>
+          </a:fillRef>
+          <a:effectRef idx="1">
+            <a:schemeClr val="dk1"/>
+          </a:effectRef>
+          <a:fontRef idx="minor">
+            <a:schemeClr val="dk1"/>
+          </a:fontRef>
+        </p:style>
+        <p:txBody>
+          <a:bodyPr rtlCol="0" anchor="ctr"/>
+          <a:lstStyle/>
+          <a:p>
+            <a:pPr algn="ctr"/>
+            <a:endParaRPr lang="en-US"/>
+          </a:p>
+        </p:txBody>
+      </p:sp>
+    </p:spTree>
+    <p:extLst>
+      <p:ext uri="{BB962C8B-B14F-4D97-AF65-F5344CB8AC3E}">
+        <p14:creationId xmlns:p14="http://schemas.microsoft.com/office/powerpoint/2010/main" val="3733035167"/>
+      </p:ext>
+    </p:extLst>
+  </p:cSld>
+  <p:clrMapOvr>
+    <a:masterClrMapping/>
+  </p:clrMapOvr>
+  <p:timing>
+    <p:tnLst>
+      <p:par>
+        <p:cTn id="1" dur="indefinite" restart="never" nodeType="tmRoot">
+          <p:childTnLst>
+            <p:seq concurrent="1" nextAc="seek">
+              <p:cTn id="2" dur="indefinite" nodeType="mainSeq">
+                <p:childTnLst>
+                  <p:par>
+                    <p:cTn id="3" fill="hold">
+                      <p:stCondLst>
+                        <p:cond delay="indefinite"/>
+                      </p:stCondLst>
+                      <p:childTnLst>
+                        <p:par>
+                          <p:cTn id="4" fill="hold">
+                            <p:stCondLst>
+                              <p:cond delay="0"/>
+                            </p:stCondLst>
+                            <p:childTnLst>
+                              <p:par>
+                                <p:cTn id="5" presetID="1" presetClass="entr" presetSubtype="0" fill="hold" grpId="0" nodeType="clickEffect">
+                                  <p:stCondLst>
+                                    <p:cond delay="0"/>
+                                  </p:stCondLst>
+                                  <p:childTnLst>
+                                    <p:set>
+                                      <p:cBhvr>
+                                        <p:cTn id="6" dur="1" fill="hold">
+                                          <p:stCondLst>
+                                            <p:cond delay="0"/>
+                                          </p:stCondLst>
+                                        </p:cTn>
+                                        <p:tgtEl>
+                                          <p:spTgt spid="3">
+                                            <p:txEl>
+                                              <p:pRg st="0" end="0"/>
+                                            </p:txEl>
+                                          </p:spTgt>
+                                        </p:tgtEl>
+                                        <p:attrNameLst>
+                                          <p:attrName>style.visibility</p:attrName>
+                                        </p:attrNameLst>
+                                      </p:cBhvr>
+                                      <p:to>
+                                        <p:strVal val="visible"/>
+                                      </p:to>
+                                    </p:set>
+                                  </p:childTnLst>
+                                </p:cTn>
+                              </p:par>
+                            </p:childTnLst>
+                          </p:cTn>
+                        </p:par>
+                      </p:childTnLst>
+                    </p:cTn>
+                  </p:par>
+                  <p:par>
+                    <p:cTn id="7" fill="hold">
+                      <p:stCondLst>
+                        <p:cond delay="indefinite"/>
+                      </p:stCondLst>
+                      <p:childTnLst>
+                        <p:par>
+                          <p:cTn id="8" fill="hold">
+                            <p:stCondLst>
+                              <p:cond delay="0"/>
+                            </p:stCondLst>
+                            <p:childTnLst>
+                              <p:par>
+                                <p:cTn id="9" presetID="1" presetClass="entr" presetSubtype="0" fill="hold" grpId="0" nodeType="clickEffect">
+                                  <p:stCondLst>
+                                    <p:cond delay="0"/>
+                                  </p:stCondLst>
+                                  <p:childTnLst>
+                                    <p:set>
+                                      <p:cBhvr>
+                                        <p:cTn id="10" dur="1" fill="hold">
+                                          <p:stCondLst>
+                                            <p:cond delay="0"/>
+                                          </p:stCondLst>
+                                        </p:cTn>
+                                        <p:tgtEl>
+                                          <p:spTgt spid="3">
+                                            <p:txEl>
+                                              <p:pRg st="1" end="1"/>
+                                            </p:txEl>
+                                          </p:spTgt>
+                                        </p:tgtEl>
+                                        <p:attrNameLst>
+                                          <p:attrName>style.visibility</p:attrName>
+                                        </p:attrNameLst>
+                                      </p:cBhvr>
+                                      <p:to>
+                                        <p:strVal val="visible"/>
+                                      </p:to>
+                                    </p:set>
+                                  </p:childTnLst>
+                                </p:cTn>
+                              </p:par>
+                            </p:childTnLst>
+                          </p:cTn>
+                        </p:par>
+                      </p:childTnLst>
+                    </p:cTn>
+                  </p:par>
+                  <p:par>
+                    <p:cTn id="11" fill="hold">
+                      <p:stCondLst>
+                        <p:cond delay="indefinite"/>
+                      </p:stCondLst>
+                      <p:childTnLst>
+                        <p:par>
+                          <p:cTn id="12" fill="hold">
+                            <p:stCondLst>
+                              <p:cond delay="0"/>
+                            </p:stCondLst>
+                            <p:childTnLst>
+                              <p:par>
+                                <p:cTn id="13" presetID="1" presetClass="entr" presetSubtype="0" fill="hold" nodeType="clickEffect">
+                                  <p:stCondLst>
+                                    <p:cond delay="0"/>
+                                  </p:stCondLst>
+                                  <p:childTnLst>
+                                    <p:set>
+                                      <p:cBhvr>
+                                        <p:cTn id="14" dur="1" fill="hold">
+                                          <p:stCondLst>
+                                            <p:cond delay="0"/>
+                                          </p:stCondLst>
+                                        </p:cTn>
+                                        <p:tgtEl>
+                                          <p:spTgt spid="7"/>
+                                        </p:tgtEl>
+                                        <p:attrNameLst>
+                                          <p:attrName>style.visibility</p:attrName>
+                                        </p:attrNameLst>
+                                      </p:cBhvr>
+                                      <p:to>
+                                        <p:strVal val="visible"/>
+                                      </p:to>
+                                    </p:set>
+                                  </p:childTnLst>
+                                </p:cTn>
+                              </p:par>
+                            </p:childTnLst>
+                          </p:cTn>
+                        </p:par>
+                      </p:childTnLst>
+                    </p:cTn>
+                  </p:par>
+                  <p:par>
+                    <p:cTn id="15" fill="hold">
+                      <p:stCondLst>
+                        <p:cond delay="indefinite"/>
+                      </p:stCondLst>
+                      <p:childTnLst>
+                        <p:par>
+                          <p:cTn id="16" fill="hold">
+                            <p:stCondLst>
+                              <p:cond delay="0"/>
+                            </p:stCondLst>
+                            <p:childTnLst>
+                              <p:par>
+                                <p:cTn id="17" presetID="1" presetClass="entr" presetSubtype="0" fill="hold" grpId="0" nodeType="clickEffect">
+                                  <p:stCondLst>
+                                    <p:cond delay="0"/>
+                                  </p:stCondLst>
+                                  <p:childTnLst>
+                                    <p:set>
+                                      <p:cBhvr>
+                                        <p:cTn id="18" dur="1" fill="hold">
+                                          <p:stCondLst>
+                                            <p:cond delay="0"/>
+                                          </p:stCondLst>
+                                        </p:cTn>
+                                        <p:tgtEl>
+                                          <p:spTgt spid="10"/>
+                                        </p:tgtEl>
+                                        <p:attrNameLst>
+                                          <p:attrName>style.visibility</p:attrName>
+                                        </p:attrNameLst>
+                                      </p:cBhvr>
+                                      <p:to>
+                                        <p:strVal val="visible"/>
+                                      </p:to>
+                                    </p:set>
+                                  </p:childTnLst>
+                                </p:cTn>
+                              </p:par>
+                            </p:childTnLst>
+                          </p:cTn>
+                        </p:par>
+                      </p:childTnLst>
+                    </p:cTn>
+                  </p:par>
+                  <p:par>
+                    <p:cTn id="19" fill="hold">
+                      <p:stCondLst>
+                        <p:cond delay="indefinite"/>
+                      </p:stCondLst>
+                      <p:childTnLst>
+                        <p:par>
+                          <p:cTn id="20" fill="hold">
+                            <p:stCondLst>
+                              <p:cond delay="0"/>
+                            </p:stCondLst>
+                            <p:childTnLst>
+                              <p:par>
+                                <p:cTn id="21" presetID="1" presetClass="entr" presetSubtype="0" fill="hold" nodeType="clickEffect">
+                                  <p:stCondLst>
+                                    <p:cond delay="0"/>
+                                  </p:stCondLst>
+                                  <p:childTnLst>
+                                    <p:set>
+                                      <p:cBhvr>
+                                        <p:cTn id="22" dur="1" fill="hold">
+                                          <p:stCondLst>
+                                            <p:cond delay="0"/>
+                                          </p:stCondLst>
+                                        </p:cTn>
+                                        <p:tgtEl>
+                                          <p:spTgt spid="9"/>
+                                        </p:tgtEl>
+                                        <p:attrNameLst>
+                                          <p:attrName>style.visibility</p:attrName>
+                                        </p:attrNameLst>
+                                      </p:cBhvr>
+                                      <p:to>
+                                        <p:strVal val="visible"/>
+                                      </p:to>
+                                    </p:set>
+                                  </p:childTnLst>
+                                </p:cTn>
+                              </p:par>
+                            </p:childTnLst>
+                          </p:cTn>
+                        </p:par>
+                      </p:childTnLst>
+                    </p:cTn>
+                  </p:par>
+                </p:childTnLst>
+              </p:cTn>
+              <p:prevCondLst>
+                <p:cond evt="onPrev" delay="0">
+                  <p:tgtEl>
+                    <p:sldTgt/>
+                  </p:tgtEl>
+                </p:cond>
+              </p:prevCondLst>
+              <p:nextCondLst>
+                <p:cond evt="onNext" delay="0">
+                  <p:tgtEl>
+                    <p:sldTgt/>
+                  </p:tgtEl>
+                </p:cond>
+              </p:nextCondLst>
+            </p:seq>
+          </p:childTnLst>
+        </p:cTn>
+      </p:par>
+    </p:tnLst>
+    <p:bldLst>
+      <p:bldP spid="3" grpId="0" build="p"/>
+      <p:bldP spid="10" grpId="0" animBg="1"/>
+    </p:bldLst>
+  </p:timing>
+</p:sld>
+</file>
+
+<file path=ppt/slides/slide24.xml><?xml version="1.0" encoding="utf-8"?>
+<p:sld xmlns:a="http://schemas.openxmlformats.org/drawingml/2006/main" xmlns:r="http://schemas.openxmlformats.org/officeDocument/2006/relationships" xmlns:p="http://schemas.openxmlformats.org/presentationml/2006/main">
+  <p:cSld>
+    <p:spTree>
+      <p:nvGrpSpPr>
+        <p:cNvPr id="1" name=""/>
+        <p:cNvGrpSpPr/>
+        <p:nvPr/>
+      </p:nvGrpSpPr>
+      <p:grpSpPr>
+        <a:xfrm>
+          <a:off x="0" y="0"/>
+          <a:ext cx="0" cy="0"/>
+          <a:chOff x="0" y="0"/>
+          <a:chExt cx="0" cy="0"/>
+        </a:xfrm>
+      </p:grpSpPr>
+      <p:sp>
+        <p:nvSpPr>
+          <p:cNvPr id="2" name="Title 1">
+            <a:extLst>
+              <a:ext uri="{FF2B5EF4-FFF2-40B4-BE49-F238E27FC236}">
+                <a16:creationId xmlns:a16="http://schemas.microsoft.com/office/drawing/2014/main" id="{F85CA19D-CB9F-421A-9F7A-F5449892AFA4}"/>
+              </a:ext>
+            </a:extLst>
+          </p:cNvPr>
+          <p:cNvSpPr>
+            <a:spLocks noGrp="1"/>
+          </p:cNvSpPr>
+          <p:nvPr>
+            <p:ph type="title"/>
+          </p:nvPr>
+        </p:nvSpPr>
+        <p:spPr/>
+        <p:txBody>
+          <a:bodyPr/>
+          <a:lstStyle/>
+          <a:p>
+            <a:r>
+              <a:rPr lang="en-US" dirty="0"/>
+              <a:t>The many ways to blink an LED</a:t>
+            </a:r>
+          </a:p>
+        </p:txBody>
+      </p:sp>
+      <p:pic>
+        <p:nvPicPr>
+          <p:cNvPr id="7" name="Content Placeholder 6">
+            <a:extLst>
+              <a:ext uri="{FF2B5EF4-FFF2-40B4-BE49-F238E27FC236}">
+                <a16:creationId xmlns:a16="http://schemas.microsoft.com/office/drawing/2014/main" id="{6265DC40-4AC0-4D08-A612-9590942DDEAE}"/>
+              </a:ext>
+            </a:extLst>
+          </p:cNvPr>
+          <p:cNvPicPr>
+            <a:picLocks noGrp="1" noChangeAspect="1"/>
+          </p:cNvPicPr>
+          <p:nvPr>
+            <p:ph idx="1"/>
+          </p:nvPr>
+        </p:nvPicPr>
+        <p:blipFill rotWithShape="1">
+          <a:blip r:embed="rId2"/>
+          <a:srcRect r="57103" b="89900"/>
+          <a:stretch/>
+        </p:blipFill>
+        <p:spPr>
+          <a:xfrm>
+            <a:off x="170688" y="1908592"/>
+            <a:ext cx="3791712" cy="402830"/>
+          </a:xfrm>
+        </p:spPr>
+      </p:pic>
+      <p:sp>
+        <p:nvSpPr>
+          <p:cNvPr id="4" name="Date Placeholder 3">
+            <a:extLst>
+              <a:ext uri="{FF2B5EF4-FFF2-40B4-BE49-F238E27FC236}">
+                <a16:creationId xmlns:a16="http://schemas.microsoft.com/office/drawing/2014/main" id="{1638B2B8-35BC-483D-9AF9-2288804CB0A1}"/>
+              </a:ext>
+            </a:extLst>
+          </p:cNvPr>
+          <p:cNvSpPr>
+            <a:spLocks noGrp="1"/>
+          </p:cNvSpPr>
+          <p:nvPr>
+            <p:ph type="dt" sz="half" idx="10"/>
+          </p:nvPr>
+        </p:nvSpPr>
+        <p:spPr/>
+        <p:txBody>
+          <a:bodyPr/>
+          <a:lstStyle/>
+          <a:p>
+            <a:pPr>
+              <a:defRPr/>
+            </a:pPr>
+            <a:r>
+              <a:rPr lang="en-US"/>
+              <a:t>21/12/2020</a:t>
+            </a:r>
+          </a:p>
+        </p:txBody>
+      </p:sp>
+      <p:sp>
+        <p:nvSpPr>
+          <p:cNvPr id="5" name="Slide Number Placeholder 4">
+            <a:extLst>
+              <a:ext uri="{FF2B5EF4-FFF2-40B4-BE49-F238E27FC236}">
+                <a16:creationId xmlns:a16="http://schemas.microsoft.com/office/drawing/2014/main" id="{A1108A46-63CC-45A9-A39B-AE0D3B487C18}"/>
+              </a:ext>
+            </a:extLst>
+          </p:cNvPr>
+          <p:cNvSpPr>
+            <a:spLocks noGrp="1"/>
+          </p:cNvSpPr>
+          <p:nvPr>
+            <p:ph type="sldNum" sz="quarter" idx="12"/>
+          </p:nvPr>
+        </p:nvSpPr>
+        <p:spPr/>
+        <p:txBody>
+          <a:bodyPr/>
+          <a:lstStyle/>
+          <a:p>
+            <a:pPr>
+              <a:defRPr/>
+            </a:pPr>
+            <a:fld id="{CA887A73-1AE0-46F8-856A-18EA1CF30A1B}" type="slidenum">
+              <a:rPr lang="en-US" altLang="en-US" smtClean="0"/>
+              <a:pPr>
+                <a:defRPr/>
+              </a:pPr>
+              <a:t>24</a:t>
+            </a:fld>
+            <a:endParaRPr lang="en-US" altLang="en-US"/>
+          </a:p>
+        </p:txBody>
+      </p:sp>
+      <p:pic>
+        <p:nvPicPr>
+          <p:cNvPr id="8" name="Content Placeholder 6">
+            <a:extLst>
+              <a:ext uri="{FF2B5EF4-FFF2-40B4-BE49-F238E27FC236}">
+                <a16:creationId xmlns:a16="http://schemas.microsoft.com/office/drawing/2014/main" id="{2AFBBB58-4F03-4A5F-A31F-F3D035507A26}"/>
+              </a:ext>
+            </a:extLst>
+          </p:cNvPr>
+          <p:cNvPicPr>
+            <a:picLocks noChangeAspect="1"/>
+          </p:cNvPicPr>
+          <p:nvPr/>
+        </p:nvPicPr>
+        <p:blipFill rotWithShape="1">
+          <a:blip r:embed="rId2"/>
+          <a:srcRect b="89900"/>
+          <a:stretch/>
+        </p:blipFill>
+        <p:spPr bwMode="auto">
+          <a:xfrm>
+            <a:off x="152400" y="1914688"/>
+            <a:ext cx="8839200" cy="402830"/>
+          </a:xfrm>
+          <a:prstGeom prst="rect">
+            <a:avLst/>
+          </a:prstGeom>
+          <a:noFill/>
+          <a:ln>
+            <a:noFill/>
+          </a:ln>
+          <a:extLst>
+            <a:ext uri="{909E8E84-426E-40DD-AFC4-6F175D3DCCD1}">
+              <a14:hiddenFill xmlns:a14="http://schemas.microsoft.com/office/drawing/2010/main">
+                <a:solidFill>
+                  <a:srgbClr val="FFFFFF"/>
+                </a:solidFill>
+              </a14:hiddenFill>
+            </a:ext>
+            <a:ext uri="{91240B29-F687-4F45-9708-019B960494DF}">
+              <a14:hiddenLine xmlns:a14="http://schemas.microsoft.com/office/drawing/2010/main" w="9525">
+                <a:solidFill>
+                  <a:srgbClr val="000000"/>
+                </a:solidFill>
+                <a:miter lim="800000"/>
+                <a:headEnd/>
+                <a:tailEnd/>
+              </a14:hiddenLine>
+            </a:ext>
+          </a:extLst>
+        </p:spPr>
+      </p:pic>
+      <p:pic>
+        <p:nvPicPr>
+          <p:cNvPr id="9" name="Content Placeholder 6">
+            <a:extLst>
+              <a:ext uri="{FF2B5EF4-FFF2-40B4-BE49-F238E27FC236}">
+                <a16:creationId xmlns:a16="http://schemas.microsoft.com/office/drawing/2014/main" id="{F17FD713-3275-4629-8D35-2E203C65D2AE}"/>
+              </a:ext>
+            </a:extLst>
+          </p:cNvPr>
+          <p:cNvPicPr>
+            <a:picLocks noChangeAspect="1"/>
+          </p:cNvPicPr>
+          <p:nvPr/>
+        </p:nvPicPr>
+        <p:blipFill rotWithShape="1">
+          <a:blip r:embed="rId2"/>
+          <a:srcRect t="1" b="75099"/>
+          <a:stretch/>
+        </p:blipFill>
+        <p:spPr bwMode="auto">
+          <a:xfrm>
+            <a:off x="152400" y="1902496"/>
+            <a:ext cx="8839200" cy="993104"/>
+          </a:xfrm>
+          <a:prstGeom prst="rect">
+            <a:avLst/>
+          </a:prstGeom>
+          <a:noFill/>
+          <a:ln>
+            <a:noFill/>
+          </a:ln>
+          <a:extLst>
+            <a:ext uri="{909E8E84-426E-40DD-AFC4-6F175D3DCCD1}">
+              <a14:hiddenFill xmlns:a14="http://schemas.microsoft.com/office/drawing/2010/main">
+                <a:solidFill>
+                  <a:srgbClr val="FFFFFF"/>
+                </a:solidFill>
+              </a14:hiddenFill>
+            </a:ext>
+            <a:ext uri="{91240B29-F687-4F45-9708-019B960494DF}">
+              <a14:hiddenLine xmlns:a14="http://schemas.microsoft.com/office/drawing/2010/main" w="9525">
+                <a:solidFill>
+                  <a:srgbClr val="000000"/>
+                </a:solidFill>
+                <a:miter lim="800000"/>
+                <a:headEnd/>
+                <a:tailEnd/>
+              </a14:hiddenLine>
+            </a:ext>
+          </a:extLst>
+        </p:spPr>
+      </p:pic>
+      <p:pic>
+        <p:nvPicPr>
+          <p:cNvPr id="10" name="Content Placeholder 6">
+            <a:extLst>
+              <a:ext uri="{FF2B5EF4-FFF2-40B4-BE49-F238E27FC236}">
+                <a16:creationId xmlns:a16="http://schemas.microsoft.com/office/drawing/2014/main" id="{61E22F8D-4B4D-4D74-BCE6-F3A9BA2F534A}"/>
+              </a:ext>
+            </a:extLst>
+          </p:cNvPr>
+          <p:cNvPicPr>
+            <a:picLocks noChangeAspect="1"/>
+          </p:cNvPicPr>
+          <p:nvPr/>
+        </p:nvPicPr>
+        <p:blipFill rotWithShape="1">
+          <a:blip r:embed="rId2"/>
+          <a:srcRect t="2" b="58875"/>
+          <a:stretch/>
+        </p:blipFill>
+        <p:spPr bwMode="auto">
+          <a:xfrm>
+            <a:off x="176784" y="1908591"/>
+            <a:ext cx="8839200" cy="1640143"/>
+          </a:xfrm>
+          <a:prstGeom prst="rect">
+            <a:avLst/>
+          </a:prstGeom>
+          <a:noFill/>
+          <a:ln>
+            <a:noFill/>
+          </a:ln>
+          <a:extLst>
+            <a:ext uri="{909E8E84-426E-40DD-AFC4-6F175D3DCCD1}">
+              <a14:hiddenFill xmlns:a14="http://schemas.microsoft.com/office/drawing/2010/main">
+                <a:solidFill>
+                  <a:srgbClr val="FFFFFF"/>
+                </a:solidFill>
+              </a14:hiddenFill>
+            </a:ext>
+            <a:ext uri="{91240B29-F687-4F45-9708-019B960494DF}">
+              <a14:hiddenLine xmlns:a14="http://schemas.microsoft.com/office/drawing/2010/main" w="9525">
+                <a:solidFill>
+                  <a:srgbClr val="000000"/>
+                </a:solidFill>
+                <a:miter lim="800000"/>
+                <a:headEnd/>
+                <a:tailEnd/>
+              </a14:hiddenLine>
+            </a:ext>
+          </a:extLst>
+        </p:spPr>
+      </p:pic>
+      <p:pic>
+        <p:nvPicPr>
+          <p:cNvPr id="11" name="Content Placeholder 6">
+            <a:extLst>
+              <a:ext uri="{FF2B5EF4-FFF2-40B4-BE49-F238E27FC236}">
+                <a16:creationId xmlns:a16="http://schemas.microsoft.com/office/drawing/2014/main" id="{D135F828-9547-46D2-B3F8-9BF31F32C73A}"/>
+              </a:ext>
+            </a:extLst>
+          </p:cNvPr>
+          <p:cNvPicPr>
+            <a:picLocks noChangeAspect="1"/>
+          </p:cNvPicPr>
+          <p:nvPr/>
+        </p:nvPicPr>
+        <p:blipFill rotWithShape="1">
+          <a:blip r:embed="rId2"/>
+          <a:srcRect t="1" b="27335"/>
+          <a:stretch/>
+        </p:blipFill>
+        <p:spPr bwMode="auto">
+          <a:xfrm>
+            <a:off x="152400" y="1902496"/>
+            <a:ext cx="8839200" cy="2898104"/>
+          </a:xfrm>
+          <a:prstGeom prst="rect">
+            <a:avLst/>
+          </a:prstGeom>
+          <a:noFill/>
+          <a:ln>
+            <a:noFill/>
+          </a:ln>
+          <a:extLst>
+            <a:ext uri="{909E8E84-426E-40DD-AFC4-6F175D3DCCD1}">
+              <a14:hiddenFill xmlns:a14="http://schemas.microsoft.com/office/drawing/2010/main">
+                <a:solidFill>
+                  <a:srgbClr val="FFFFFF"/>
+                </a:solidFill>
+              </a14:hiddenFill>
+            </a:ext>
+            <a:ext uri="{91240B29-F687-4F45-9708-019B960494DF}">
+              <a14:hiddenLine xmlns:a14="http://schemas.microsoft.com/office/drawing/2010/main" w="9525">
+                <a:solidFill>
+                  <a:srgbClr val="000000"/>
+                </a:solidFill>
+                <a:miter lim="800000"/>
+                <a:headEnd/>
+                <a:tailEnd/>
+              </a14:hiddenLine>
+            </a:ext>
+          </a:extLst>
+        </p:spPr>
+      </p:pic>
+      <p:pic>
+        <p:nvPicPr>
+          <p:cNvPr id="12" name="Content Placeholder 6">
+            <a:extLst>
+              <a:ext uri="{FF2B5EF4-FFF2-40B4-BE49-F238E27FC236}">
+                <a16:creationId xmlns:a16="http://schemas.microsoft.com/office/drawing/2014/main" id="{5A673820-B16E-48E8-938D-B8720ADD5E84}"/>
+              </a:ext>
+            </a:extLst>
+          </p:cNvPr>
+          <p:cNvPicPr>
+            <a:picLocks noChangeAspect="1"/>
+          </p:cNvPicPr>
+          <p:nvPr/>
+        </p:nvPicPr>
+        <p:blipFill rotWithShape="1">
+          <a:blip r:embed="rId2"/>
+          <a:srcRect t="1" b="-3233"/>
+          <a:stretch/>
+        </p:blipFill>
+        <p:spPr bwMode="auto">
+          <a:xfrm>
+            <a:off x="176784" y="1902496"/>
+            <a:ext cx="8839200" cy="4117304"/>
+          </a:xfrm>
+          <a:prstGeom prst="rect">
+            <a:avLst/>
+          </a:prstGeom>
+          <a:noFill/>
+          <a:ln>
+            <a:noFill/>
+          </a:ln>
+          <a:extLst>
+            <a:ext uri="{909E8E84-426E-40DD-AFC4-6F175D3DCCD1}">
+              <a14:hiddenFill xmlns:a14="http://schemas.microsoft.com/office/drawing/2010/main">
+                <a:solidFill>
+                  <a:srgbClr val="FFFFFF"/>
+                </a:solidFill>
+              </a14:hiddenFill>
+            </a:ext>
+            <a:ext uri="{91240B29-F687-4F45-9708-019B960494DF}">
+              <a14:hiddenLine xmlns:a14="http://schemas.microsoft.com/office/drawing/2010/main" w="9525">
+                <a:solidFill>
+                  <a:srgbClr val="000000"/>
+                </a:solidFill>
+                <a:miter lim="800000"/>
+                <a:headEnd/>
+                <a:tailEnd/>
+              </a14:hiddenLine>
+            </a:ext>
+          </a:extLst>
+        </p:spPr>
+      </p:pic>
+      <p:grpSp>
+        <p:nvGrpSpPr>
+          <p:cNvPr id="19" name="Group 18">
+            <a:extLst>
+              <a:ext uri="{FF2B5EF4-FFF2-40B4-BE49-F238E27FC236}">
+                <a16:creationId xmlns:a16="http://schemas.microsoft.com/office/drawing/2014/main" id="{AD806B76-D015-4771-AE35-2EB33A6F17C2}"/>
+              </a:ext>
+            </a:extLst>
+          </p:cNvPr>
+          <p:cNvGrpSpPr/>
+          <p:nvPr/>
+        </p:nvGrpSpPr>
+        <p:grpSpPr>
+          <a:xfrm>
+            <a:off x="5715000" y="2362200"/>
+            <a:ext cx="3252216" cy="2667000"/>
+            <a:chOff x="5715000" y="2362200"/>
+            <a:chExt cx="3252216" cy="2667000"/>
+          </a:xfrm>
+        </p:grpSpPr>
+        <p:sp>
+          <p:nvSpPr>
+            <p:cNvPr id="13" name="Oval 12">
+              <a:extLst>
+                <a:ext uri="{FF2B5EF4-FFF2-40B4-BE49-F238E27FC236}">
+                  <a16:creationId xmlns:a16="http://schemas.microsoft.com/office/drawing/2014/main" id="{26B36A35-9394-4045-B4AD-283E95AB7A32}"/>
+                </a:ext>
+              </a:extLst>
+            </p:cNvPr>
+            <p:cNvSpPr/>
+            <p:nvPr/>
+          </p:nvSpPr>
+          <p:spPr>
+            <a:xfrm>
+              <a:off x="5715000" y="2362200"/>
+              <a:ext cx="3252216" cy="533400"/>
+            </a:xfrm>
+            <a:prstGeom prst="ellipse">
+              <a:avLst/>
+            </a:prstGeom>
+            <a:noFill/>
+            <a:ln>
+              <a:solidFill>
+                <a:srgbClr val="EA3F26"/>
+              </a:solidFill>
+            </a:ln>
+          </p:spPr>
+          <p:style>
+            <a:lnRef idx="2">
+              <a:schemeClr val="accent1">
+                <a:shade val="50000"/>
+              </a:schemeClr>
+            </a:lnRef>
+            <a:fillRef idx="1">
+              <a:schemeClr val="accent1"/>
+            </a:fillRef>
+            <a:effectRef idx="0">
+              <a:schemeClr val="accent1"/>
+            </a:effectRef>
+            <a:fontRef idx="minor">
+              <a:schemeClr val="lt1"/>
+            </a:fontRef>
+          </p:style>
+          <p:txBody>
+            <a:bodyPr rtlCol="0" anchor="ctr"/>
+            <a:lstStyle/>
+            <a:p>
+              <a:pPr algn="ctr"/>
+              <a:endParaRPr lang="en-US"/>
+            </a:p>
+          </p:txBody>
+        </p:sp>
+        <p:cxnSp>
+          <p:nvCxnSpPr>
+            <p:cNvPr id="17" name="Straight Arrow Connector 16">
+              <a:extLst>
+                <a:ext uri="{FF2B5EF4-FFF2-40B4-BE49-F238E27FC236}">
+                  <a16:creationId xmlns:a16="http://schemas.microsoft.com/office/drawing/2014/main" id="{2499F936-9461-46AE-B813-85EDCF203B6E}"/>
+                </a:ext>
+              </a:extLst>
+            </p:cNvPr>
+            <p:cNvCxnSpPr>
+              <a:stCxn id="13" idx="4"/>
+            </p:cNvCxnSpPr>
+            <p:nvPr/>
+          </p:nvCxnSpPr>
+          <p:spPr>
+            <a:xfrm flipH="1">
+              <a:off x="7315200" y="2895600"/>
+              <a:ext cx="25908" cy="2133600"/>
+            </a:xfrm>
+            <a:prstGeom prst="straightConnector1">
+              <a:avLst/>
+            </a:prstGeom>
+            <a:ln w="28575">
+              <a:solidFill>
+                <a:srgbClr val="EA3F26"/>
+              </a:solidFill>
+              <a:tailEnd type="triangle"/>
+            </a:ln>
+          </p:spPr>
+          <p:style>
+            <a:lnRef idx="1">
+              <a:schemeClr val="accent2"/>
+            </a:lnRef>
+            <a:fillRef idx="0">
+              <a:schemeClr val="accent2"/>
+            </a:fillRef>
+            <a:effectRef idx="0">
+              <a:schemeClr val="accent2"/>
+            </a:effectRef>
+            <a:fontRef idx="minor">
+              <a:schemeClr val="tx1"/>
+            </a:fontRef>
+          </p:style>
+        </p:cxnSp>
+      </p:grpSp>
+      <p:sp>
+        <p:nvSpPr>
+          <p:cNvPr id="18" name="TextBox 17">
+            <a:extLst>
+              <a:ext uri="{FF2B5EF4-FFF2-40B4-BE49-F238E27FC236}">
+                <a16:creationId xmlns:a16="http://schemas.microsoft.com/office/drawing/2014/main" id="{BCC0AD16-6AB2-44D9-93A6-349A3AFB84AD}"/>
+              </a:ext>
+            </a:extLst>
+          </p:cNvPr>
+          <p:cNvSpPr txBox="1"/>
+          <p:nvPr/>
+        </p:nvSpPr>
+        <p:spPr>
+          <a:xfrm>
+            <a:off x="4038600" y="5239434"/>
+            <a:ext cx="5105400" cy="923330"/>
+          </a:xfrm>
+          <a:prstGeom prst="rect">
+            <a:avLst/>
+          </a:prstGeom>
+          <a:noFill/>
+        </p:spPr>
+        <p:txBody>
+          <a:bodyPr wrap="square" rtlCol="0">
+            <a:spAutoFit/>
+          </a:bodyPr>
+          <a:lstStyle/>
+          <a:p>
+            <a:r>
+              <a:rPr lang="en-US" dirty="0"/>
+              <a:t>Read – Modify – Write cycle</a:t>
+            </a:r>
+          </a:p>
+          <a:p>
+            <a:pPr marL="285750" indent="-285750">
+              <a:buFont typeface="Arial" panose="020B0604020202020204" pitchFamily="34" charset="0"/>
+              <a:buChar char="•"/>
+            </a:pPr>
+            <a:r>
+              <a:rPr lang="en-US" dirty="0"/>
+              <a:t>Must be atomic, i.e. complete as a single unit</a:t>
+            </a:r>
+          </a:p>
+          <a:p>
+            <a:pPr marL="285750" indent="-285750">
+              <a:buFont typeface="Arial" panose="020B0604020202020204" pitchFamily="34" charset="0"/>
+              <a:buChar char="•"/>
+            </a:pPr>
+            <a:r>
+              <a:rPr lang="en-US" dirty="0"/>
+              <a:t>Otherwise: unintended consequences!</a:t>
+            </a:r>
+          </a:p>
+        </p:txBody>
+      </p:sp>
+    </p:spTree>
+    <p:extLst>
+      <p:ext uri="{BB962C8B-B14F-4D97-AF65-F5344CB8AC3E}">
+        <p14:creationId xmlns:p14="http://schemas.microsoft.com/office/powerpoint/2010/main" val="3854507257"/>
+      </p:ext>
+    </p:extLst>
+  </p:cSld>
+  <p:clrMapOvr>
+    <a:masterClrMapping/>
+  </p:clrMapOvr>
+  <p:timing>
+    <p:tnLst>
+      <p:par>
+        <p:cTn id="1" dur="indefinite" restart="never" nodeType="tmRoot">
+          <p:childTnLst>
+            <p:seq concurrent="1" nextAc="seek">
+              <p:cTn id="2" dur="indefinite" nodeType="mainSeq">
+                <p:childTnLst>
+                  <p:par>
+                    <p:cTn id="3" fill="hold">
+                      <p:stCondLst>
+                        <p:cond delay="indefinite"/>
+                      </p:stCondLst>
+                      <p:childTnLst>
+                        <p:par>
+                          <p:cTn id="4" fill="hold">
+                            <p:stCondLst>
+                              <p:cond delay="0"/>
+                            </p:stCondLst>
+                            <p:childTnLst>
+                              <p:par>
+                                <p:cTn id="5" presetID="1" presetClass="entr" presetSubtype="0" fill="hold" nodeType="clickEffect">
+                                  <p:stCondLst>
+                                    <p:cond delay="0"/>
+                                  </p:stCondLst>
+                                  <p:childTnLst>
+                                    <p:set>
+                                      <p:cBhvr>
+                                        <p:cTn id="6" dur="1" fill="hold">
+                                          <p:stCondLst>
+                                            <p:cond delay="0"/>
+                                          </p:stCondLst>
+                                        </p:cTn>
+                                        <p:tgtEl>
+                                          <p:spTgt spid="7"/>
+                                        </p:tgtEl>
+                                        <p:attrNameLst>
+                                          <p:attrName>style.visibility</p:attrName>
+                                        </p:attrNameLst>
+                                      </p:cBhvr>
+                                      <p:to>
+                                        <p:strVal val="visible"/>
+                                      </p:to>
+                                    </p:set>
+                                  </p:childTnLst>
+                                </p:cTn>
+                              </p:par>
+                            </p:childTnLst>
+                          </p:cTn>
+                        </p:par>
+                      </p:childTnLst>
+                    </p:cTn>
+                  </p:par>
+                  <p:par>
+                    <p:cTn id="7" fill="hold">
+                      <p:stCondLst>
+                        <p:cond delay="indefinite"/>
+                      </p:stCondLst>
+                      <p:childTnLst>
+                        <p:par>
+                          <p:cTn id="8" fill="hold">
+                            <p:stCondLst>
+                              <p:cond delay="0"/>
+                            </p:stCondLst>
+                            <p:childTnLst>
+                              <p:par>
+                                <p:cTn id="9" presetID="1" presetClass="entr" presetSubtype="0" fill="hold" nodeType="clickEffect">
+                                  <p:stCondLst>
+                                    <p:cond delay="0"/>
+                                  </p:stCondLst>
+                                  <p:childTnLst>
+                                    <p:set>
+                                      <p:cBhvr>
+                                        <p:cTn id="10" dur="1" fill="hold">
+                                          <p:stCondLst>
+                                            <p:cond delay="0"/>
+                                          </p:stCondLst>
+                                        </p:cTn>
+                                        <p:tgtEl>
+                                          <p:spTgt spid="8"/>
+                                        </p:tgtEl>
+                                        <p:attrNameLst>
+                                          <p:attrName>style.visibility</p:attrName>
+                                        </p:attrNameLst>
+                                      </p:cBhvr>
+                                      <p:to>
+                                        <p:strVal val="visible"/>
+                                      </p:to>
+                                    </p:set>
+                                  </p:childTnLst>
+                                </p:cTn>
+                              </p:par>
+                            </p:childTnLst>
+                          </p:cTn>
+                        </p:par>
+                      </p:childTnLst>
+                    </p:cTn>
+                  </p:par>
+                  <p:par>
+                    <p:cTn id="11" fill="hold">
+                      <p:stCondLst>
+                        <p:cond delay="indefinite"/>
+                      </p:stCondLst>
+                      <p:childTnLst>
+                        <p:par>
+                          <p:cTn id="12" fill="hold">
+                            <p:stCondLst>
+                              <p:cond delay="0"/>
+                            </p:stCondLst>
+                            <p:childTnLst>
+                              <p:par>
+                                <p:cTn id="13" presetID="1" presetClass="entr" presetSubtype="0" fill="hold" nodeType="clickEffect">
+                                  <p:stCondLst>
+                                    <p:cond delay="0"/>
+                                  </p:stCondLst>
+                                  <p:childTnLst>
+                                    <p:set>
+                                      <p:cBhvr>
+                                        <p:cTn id="14" dur="1" fill="hold">
+                                          <p:stCondLst>
+                                            <p:cond delay="0"/>
+                                          </p:stCondLst>
+                                        </p:cTn>
+                                        <p:tgtEl>
+                                          <p:spTgt spid="9"/>
+                                        </p:tgtEl>
+                                        <p:attrNameLst>
+                                          <p:attrName>style.visibility</p:attrName>
+                                        </p:attrNameLst>
+                                      </p:cBhvr>
+                                      <p:to>
+                                        <p:strVal val="visible"/>
+                                      </p:to>
+                                    </p:set>
+                                  </p:childTnLst>
+                                </p:cTn>
+                              </p:par>
+                            </p:childTnLst>
+                          </p:cTn>
+                        </p:par>
+                      </p:childTnLst>
+                    </p:cTn>
+                  </p:par>
+                  <p:par>
+                    <p:cTn id="15" fill="hold">
+                      <p:stCondLst>
+                        <p:cond delay="indefinite"/>
+                      </p:stCondLst>
+                      <p:childTnLst>
+                        <p:par>
+                          <p:cTn id="16" fill="hold">
+                            <p:stCondLst>
+                              <p:cond delay="0"/>
+                            </p:stCondLst>
+                            <p:childTnLst>
+                              <p:par>
+                                <p:cTn id="17" presetID="1" presetClass="entr" presetSubtype="0" fill="hold" nodeType="clickEffect">
+                                  <p:stCondLst>
+                                    <p:cond delay="0"/>
+                                  </p:stCondLst>
+                                  <p:childTnLst>
+                                    <p:set>
+                                      <p:cBhvr>
+                                        <p:cTn id="18" dur="1" fill="hold">
+                                          <p:stCondLst>
+                                            <p:cond delay="0"/>
+                                          </p:stCondLst>
+                                        </p:cTn>
+                                        <p:tgtEl>
+                                          <p:spTgt spid="19"/>
+                                        </p:tgtEl>
+                                        <p:attrNameLst>
+                                          <p:attrName>style.visibility</p:attrName>
+                                        </p:attrNameLst>
+                                      </p:cBhvr>
+                                      <p:to>
+                                        <p:strVal val="visible"/>
+                                      </p:to>
+                                    </p:set>
+                                  </p:childTnLst>
+                                </p:cTn>
+                              </p:par>
+                            </p:childTnLst>
+                          </p:cTn>
+                        </p:par>
+                      </p:childTnLst>
+                    </p:cTn>
+                  </p:par>
+                  <p:par>
+                    <p:cTn id="19" fill="hold">
+                      <p:stCondLst>
+                        <p:cond delay="indefinite"/>
+                      </p:stCondLst>
+                      <p:childTnLst>
+                        <p:par>
+                          <p:cTn id="20" fill="hold">
+                            <p:stCondLst>
+                              <p:cond delay="0"/>
+                            </p:stCondLst>
+                            <p:childTnLst>
+                              <p:par>
+                                <p:cTn id="21" presetID="1" presetClass="entr" presetSubtype="0" fill="hold" grpId="0" nodeType="clickEffect">
+                                  <p:stCondLst>
+                                    <p:cond delay="0"/>
+                                  </p:stCondLst>
+                                  <p:childTnLst>
+                                    <p:set>
+                                      <p:cBhvr>
+                                        <p:cTn id="22" dur="1" fill="hold">
+                                          <p:stCondLst>
+                                            <p:cond delay="0"/>
+                                          </p:stCondLst>
+                                        </p:cTn>
+                                        <p:tgtEl>
+                                          <p:spTgt spid="18">
+                                            <p:txEl>
+                                              <p:pRg st="0" end="0"/>
+                                            </p:txEl>
+                                          </p:spTgt>
+                                        </p:tgtEl>
+                                        <p:attrNameLst>
+                                          <p:attrName>style.visibility</p:attrName>
+                                        </p:attrNameLst>
+                                      </p:cBhvr>
+                                      <p:to>
+                                        <p:strVal val="visible"/>
+                                      </p:to>
+                                    </p:set>
+                                  </p:childTnLst>
+                                </p:cTn>
+                              </p:par>
+                            </p:childTnLst>
+                          </p:cTn>
+                        </p:par>
+                      </p:childTnLst>
+                    </p:cTn>
+                  </p:par>
+                  <p:par>
+                    <p:cTn id="23" fill="hold">
+                      <p:stCondLst>
+                        <p:cond delay="indefinite"/>
+                      </p:stCondLst>
+                      <p:childTnLst>
+                        <p:par>
+                          <p:cTn id="24" fill="hold">
+                            <p:stCondLst>
+                              <p:cond delay="0"/>
+                            </p:stCondLst>
+                            <p:childTnLst>
+                              <p:par>
+                                <p:cTn id="25" presetID="1" presetClass="entr" presetSubtype="0" fill="hold" grpId="0" nodeType="clickEffect">
+                                  <p:stCondLst>
+                                    <p:cond delay="0"/>
+                                  </p:stCondLst>
+                                  <p:childTnLst>
+                                    <p:set>
+                                      <p:cBhvr>
+                                        <p:cTn id="26" dur="1" fill="hold">
+                                          <p:stCondLst>
+                                            <p:cond delay="0"/>
+                                          </p:stCondLst>
+                                        </p:cTn>
+                                        <p:tgtEl>
+                                          <p:spTgt spid="18">
+                                            <p:txEl>
+                                              <p:pRg st="1" end="1"/>
+                                            </p:txEl>
+                                          </p:spTgt>
+                                        </p:tgtEl>
+                                        <p:attrNameLst>
+                                          <p:attrName>style.visibility</p:attrName>
+                                        </p:attrNameLst>
+                                      </p:cBhvr>
+                                      <p:to>
+                                        <p:strVal val="visible"/>
+                                      </p:to>
+                                    </p:set>
+                                  </p:childTnLst>
+                                </p:cTn>
+                              </p:par>
+                            </p:childTnLst>
+                          </p:cTn>
+                        </p:par>
+                      </p:childTnLst>
+                    </p:cTn>
+                  </p:par>
+                  <p:par>
+                    <p:cTn id="27" fill="hold">
+                      <p:stCondLst>
+                        <p:cond delay="indefinite"/>
+                      </p:stCondLst>
+                      <p:childTnLst>
+                        <p:par>
+                          <p:cTn id="28" fill="hold">
+                            <p:stCondLst>
+                              <p:cond delay="0"/>
+                            </p:stCondLst>
+                            <p:childTnLst>
+                              <p:par>
+                                <p:cTn id="29" presetID="1" presetClass="entr" presetSubtype="0" fill="hold" grpId="0" nodeType="clickEffect">
+                                  <p:stCondLst>
+                                    <p:cond delay="0"/>
+                                  </p:stCondLst>
+                                  <p:childTnLst>
+                                    <p:set>
+                                      <p:cBhvr>
+                                        <p:cTn id="30" dur="1" fill="hold">
+                                          <p:stCondLst>
+                                            <p:cond delay="0"/>
+                                          </p:stCondLst>
+                                        </p:cTn>
+                                        <p:tgtEl>
+                                          <p:spTgt spid="18">
+                                            <p:txEl>
+                                              <p:pRg st="2" end="2"/>
+                                            </p:txEl>
+                                          </p:spTgt>
+                                        </p:tgtEl>
+                                        <p:attrNameLst>
+                                          <p:attrName>style.visibility</p:attrName>
+                                        </p:attrNameLst>
+                                      </p:cBhvr>
+                                      <p:to>
+                                        <p:strVal val="visible"/>
+                                      </p:to>
+                                    </p:set>
+                                  </p:childTnLst>
+                                </p:cTn>
+                              </p:par>
+                            </p:childTnLst>
+                          </p:cTn>
+                        </p:par>
+                      </p:childTnLst>
+                    </p:cTn>
+                  </p:par>
+                  <p:par>
+                    <p:cTn id="31" fill="hold">
+                      <p:stCondLst>
+                        <p:cond delay="indefinite"/>
+                      </p:stCondLst>
+                      <p:childTnLst>
+                        <p:par>
+                          <p:cTn id="32" fill="hold">
+                            <p:stCondLst>
+                              <p:cond delay="0"/>
+                            </p:stCondLst>
+                            <p:childTnLst>
+                              <p:par>
+                                <p:cTn id="33" presetID="1" presetClass="entr" presetSubtype="0" fill="hold" nodeType="clickEffect">
+                                  <p:stCondLst>
+                                    <p:cond delay="0"/>
+                                  </p:stCondLst>
+                                  <p:childTnLst>
+                                    <p:set>
+                                      <p:cBhvr>
+                                        <p:cTn id="34" dur="1" fill="hold">
+                                          <p:stCondLst>
+                                            <p:cond delay="0"/>
+                                          </p:stCondLst>
+                                        </p:cTn>
+                                        <p:tgtEl>
+                                          <p:spTgt spid="10"/>
+                                        </p:tgtEl>
+                                        <p:attrNameLst>
+                                          <p:attrName>style.visibility</p:attrName>
+                                        </p:attrNameLst>
+                                      </p:cBhvr>
+                                      <p:to>
+                                        <p:strVal val="visible"/>
+                                      </p:to>
+                                    </p:set>
+                                  </p:childTnLst>
+                                </p:cTn>
+                              </p:par>
+                            </p:childTnLst>
+                          </p:cTn>
+                        </p:par>
+                      </p:childTnLst>
+                    </p:cTn>
+                  </p:par>
+                  <p:par>
+                    <p:cTn id="35" fill="hold">
+                      <p:stCondLst>
+                        <p:cond delay="indefinite"/>
+                      </p:stCondLst>
+                      <p:childTnLst>
+                        <p:par>
+                          <p:cTn id="36" fill="hold">
+                            <p:stCondLst>
+                              <p:cond delay="0"/>
+                            </p:stCondLst>
+                            <p:childTnLst>
+                              <p:par>
+                                <p:cTn id="37" presetID="1" presetClass="entr" presetSubtype="0" fill="hold" nodeType="clickEffect">
+                                  <p:stCondLst>
+                                    <p:cond delay="0"/>
+                                  </p:stCondLst>
+                                  <p:childTnLst>
+                                    <p:set>
+                                      <p:cBhvr>
+                                        <p:cTn id="38" dur="1" fill="hold">
+                                          <p:stCondLst>
+                                            <p:cond delay="0"/>
+                                          </p:stCondLst>
+                                        </p:cTn>
+                                        <p:tgtEl>
+                                          <p:spTgt spid="11"/>
+                                        </p:tgtEl>
+                                        <p:attrNameLst>
+                                          <p:attrName>style.visibility</p:attrName>
+                                        </p:attrNameLst>
+                                      </p:cBhvr>
+                                      <p:to>
+                                        <p:strVal val="visible"/>
+                                      </p:to>
+                                    </p:set>
+                                  </p:childTnLst>
+                                </p:cTn>
+                              </p:par>
+                            </p:childTnLst>
+                          </p:cTn>
+                        </p:par>
+                      </p:childTnLst>
+                    </p:cTn>
+                  </p:par>
+                  <p:par>
+                    <p:cTn id="39" fill="hold">
+                      <p:stCondLst>
+                        <p:cond delay="indefinite"/>
+                      </p:stCondLst>
+                      <p:childTnLst>
+                        <p:par>
+                          <p:cTn id="40" fill="hold">
+                            <p:stCondLst>
+                              <p:cond delay="0"/>
+                            </p:stCondLst>
+                            <p:childTnLst>
+                              <p:par>
+                                <p:cTn id="41" presetID="1" presetClass="entr" presetSubtype="0" fill="hold" nodeType="clickEffect">
+                                  <p:stCondLst>
+                                    <p:cond delay="0"/>
+                                  </p:stCondLst>
+                                  <p:childTnLst>
+                                    <p:set>
+                                      <p:cBhvr>
+                                        <p:cTn id="42" dur="1" fill="hold">
+                                          <p:stCondLst>
+                                            <p:cond delay="0"/>
+                                          </p:stCondLst>
+                                        </p:cTn>
+                                        <p:tgtEl>
+                                          <p:spTgt spid="12"/>
+                                        </p:tgtEl>
+                                        <p:attrNameLst>
+                                          <p:attrName>style.visibility</p:attrName>
+                                        </p:attrNameLst>
+                                      </p:cBhvr>
+                                      <p:to>
+                                        <p:strVal val="visible"/>
+                                      </p:to>
+                                    </p:set>
+                                  </p:childTnLst>
+                                </p:cTn>
+                              </p:par>
+                            </p:childTnLst>
+                          </p:cTn>
+                        </p:par>
+                      </p:childTnLst>
+                    </p:cTn>
+                  </p:par>
+                </p:childTnLst>
+              </p:cTn>
+              <p:prevCondLst>
+                <p:cond evt="onPrev" delay="0">
+                  <p:tgtEl>
+                    <p:sldTgt/>
+                  </p:tgtEl>
+                </p:cond>
+              </p:prevCondLst>
+              <p:nextCondLst>
+                <p:cond evt="onNext" delay="0">
+                  <p:tgtEl>
+                    <p:sldTgt/>
+                  </p:tgtEl>
+                </p:cond>
+              </p:nextCondLst>
+            </p:seq>
+          </p:childTnLst>
+        </p:cTn>
+      </p:par>
+    </p:tnLst>
+    <p:bldLst>
+      <p:bldP spid="18" grpId="0" build="p"/>
+    </p:bldLst>
+  </p:timing>
+</p:sld>
+</file>
+
+<file path=ppt/slides/slide25.xml><?xml version="1.0" encoding="utf-8"?>
+<p:sld xmlns:a="http://schemas.openxmlformats.org/drawingml/2006/main" xmlns:r="http://schemas.openxmlformats.org/officeDocument/2006/relationships" xmlns:p="http://schemas.openxmlformats.org/presentationml/2006/main">
+  <p:cSld>
+    <p:spTree>
+      <p:nvGrpSpPr>
+        <p:cNvPr id="1" name=""/>
+        <p:cNvGrpSpPr/>
+        <p:nvPr/>
+      </p:nvGrpSpPr>
+      <p:grpSpPr>
+        <a:xfrm>
+          <a:off x="0" y="0"/>
+          <a:ext cx="0" cy="0"/>
+          <a:chOff x="0" y="0"/>
+          <a:chExt cx="0" cy="0"/>
+        </a:xfrm>
+      </p:grpSpPr>
+      <p:sp>
+        <p:nvSpPr>
+          <p:cNvPr id="2" name="Title 1">
+            <a:extLst>
+              <a:ext uri="{FF2B5EF4-FFF2-40B4-BE49-F238E27FC236}">
+                <a16:creationId xmlns:a16="http://schemas.microsoft.com/office/drawing/2014/main" id="{66A0BDDA-1801-4090-9813-F56FEC554C3E}"/>
+              </a:ext>
+            </a:extLst>
+          </p:cNvPr>
+          <p:cNvSpPr>
+            <a:spLocks noGrp="1"/>
+          </p:cNvSpPr>
+          <p:nvPr>
+            <p:ph type="title"/>
+          </p:nvPr>
+        </p:nvSpPr>
+        <p:spPr>
+          <a:xfrm>
+            <a:off x="152400" y="53975"/>
+            <a:ext cx="6553200" cy="1195386"/>
+          </a:xfrm>
+        </p:spPr>
+        <p:txBody>
+          <a:bodyPr/>
+          <a:lstStyle/>
+          <a:p>
+            <a:r>
+              <a:rPr lang="en-US" dirty="0"/>
+              <a:t>The many ways to blink an LED! Separating hardware from action</a:t>
+            </a:r>
+          </a:p>
+        </p:txBody>
+      </p:sp>
+      <p:sp>
+        <p:nvSpPr>
+          <p:cNvPr id="3" name="Content Placeholder 2">
+            <a:extLst>
+              <a:ext uri="{FF2B5EF4-FFF2-40B4-BE49-F238E27FC236}">
+                <a16:creationId xmlns:a16="http://schemas.microsoft.com/office/drawing/2014/main" id="{B5FE1C58-FFB1-4177-9EDD-A2BB163D08A0}"/>
+              </a:ext>
+            </a:extLst>
+          </p:cNvPr>
+          <p:cNvSpPr>
+            <a:spLocks noGrp="1"/>
+          </p:cNvSpPr>
+          <p:nvPr>
+            <p:ph idx="1"/>
+          </p:nvPr>
+        </p:nvSpPr>
+        <p:spPr/>
+        <p:txBody>
+          <a:bodyPr/>
+          <a:lstStyle/>
+          <a:p>
+            <a:endParaRPr lang="en-US"/>
+          </a:p>
+        </p:txBody>
+      </p:sp>
+      <p:sp>
+        <p:nvSpPr>
+          <p:cNvPr id="4" name="Date Placeholder 3">
+            <a:extLst>
+              <a:ext uri="{FF2B5EF4-FFF2-40B4-BE49-F238E27FC236}">
+                <a16:creationId xmlns:a16="http://schemas.microsoft.com/office/drawing/2014/main" id="{9EC57498-BE59-4BD0-8C20-7ADEC2E1315E}"/>
+              </a:ext>
+            </a:extLst>
+          </p:cNvPr>
+          <p:cNvSpPr>
+            <a:spLocks noGrp="1"/>
+          </p:cNvSpPr>
+          <p:nvPr>
+            <p:ph type="dt" sz="half" idx="10"/>
+          </p:nvPr>
+        </p:nvSpPr>
+        <p:spPr/>
+        <p:txBody>
+          <a:bodyPr/>
+          <a:lstStyle/>
+          <a:p>
+            <a:pPr>
+              <a:defRPr/>
+            </a:pPr>
+            <a:r>
+              <a:rPr lang="en-US"/>
+              <a:t>21/12/2020</a:t>
+            </a:r>
+          </a:p>
+        </p:txBody>
+      </p:sp>
+      <p:sp>
+        <p:nvSpPr>
+          <p:cNvPr id="5" name="Slide Number Placeholder 4">
+            <a:extLst>
+              <a:ext uri="{FF2B5EF4-FFF2-40B4-BE49-F238E27FC236}">
+                <a16:creationId xmlns:a16="http://schemas.microsoft.com/office/drawing/2014/main" id="{41BF2FFB-B80B-4A70-A44E-8BD79961D647}"/>
+              </a:ext>
+            </a:extLst>
+          </p:cNvPr>
+          <p:cNvSpPr>
+            <a:spLocks noGrp="1"/>
+          </p:cNvSpPr>
+          <p:nvPr>
+            <p:ph type="sldNum" sz="quarter" idx="12"/>
+          </p:nvPr>
+        </p:nvSpPr>
+        <p:spPr/>
+        <p:txBody>
+          <a:bodyPr/>
+          <a:lstStyle/>
+          <a:p>
+            <a:pPr>
+              <a:defRPr/>
+            </a:pPr>
+            <a:fld id="{CA887A73-1AE0-46F8-856A-18EA1CF30A1B}" type="slidenum">
+              <a:rPr lang="en-US" altLang="en-US" smtClean="0"/>
+              <a:pPr>
+                <a:defRPr/>
+              </a:pPr>
+              <a:t>25</a:t>
+            </a:fld>
+            <a:endParaRPr lang="en-US" altLang="en-US"/>
+          </a:p>
+        </p:txBody>
+      </p:sp>
+    </p:spTree>
+    <p:extLst>
+      <p:ext uri="{BB962C8B-B14F-4D97-AF65-F5344CB8AC3E}">
+        <p14:creationId xmlns:p14="http://schemas.microsoft.com/office/powerpoint/2010/main" val="3550277250"/>
+      </p:ext>
+    </p:extLst>
+  </p:cSld>
+  <p:clrMapOvr>
+    <a:masterClrMapping/>
+  </p:clrMapOvr>
+</p:sld>
+</file>
+
+<file path=ppt/slides/slide26.xml><?xml version="1.0" encoding="utf-8"?>
+<p:sld xmlns:a="http://schemas.openxmlformats.org/drawingml/2006/main" xmlns:r="http://schemas.openxmlformats.org/officeDocument/2006/relationships" xmlns:p="http://schemas.openxmlformats.org/presentationml/2006/main">
+  <p:cSld>
+    <p:spTree>
+      <p:nvGrpSpPr>
+        <p:cNvPr id="1" name=""/>
+        <p:cNvGrpSpPr/>
+        <p:nvPr/>
+      </p:nvGrpSpPr>
+      <p:grpSpPr>
+        <a:xfrm>
+          <a:off x="0" y="0"/>
+          <a:ext cx="0" cy="0"/>
+          <a:chOff x="0" y="0"/>
+          <a:chExt cx="0" cy="0"/>
+        </a:xfrm>
+      </p:grpSpPr>
+      <p:sp>
+        <p:nvSpPr>
+          <p:cNvPr id="2" name="Title 1">
+            <a:extLst>
+              <a:ext uri="{FF2B5EF4-FFF2-40B4-BE49-F238E27FC236}">
+                <a16:creationId xmlns:a16="http://schemas.microsoft.com/office/drawing/2014/main" id="{AA045828-B82B-44E1-A9B1-0AC83E3F7A22}"/>
+              </a:ext>
+            </a:extLst>
+          </p:cNvPr>
+          <p:cNvSpPr>
+            <a:spLocks noGrp="1"/>
+          </p:cNvSpPr>
+          <p:nvPr>
+            <p:ph type="title"/>
+          </p:nvPr>
+        </p:nvSpPr>
+        <p:spPr/>
+        <p:txBody>
+          <a:bodyPr/>
+          <a:lstStyle/>
+          <a:p>
+            <a:endParaRPr lang="en-US"/>
+          </a:p>
+        </p:txBody>
+      </p:sp>
+      <p:sp>
+        <p:nvSpPr>
+          <p:cNvPr id="3" name="Content Placeholder 2">
+            <a:extLst>
+              <a:ext uri="{FF2B5EF4-FFF2-40B4-BE49-F238E27FC236}">
+                <a16:creationId xmlns:a16="http://schemas.microsoft.com/office/drawing/2014/main" id="{FA6E88B2-3B2E-4F6C-A817-E26E54A1D1D6}"/>
+              </a:ext>
+            </a:extLst>
+          </p:cNvPr>
+          <p:cNvSpPr>
+            <a:spLocks noGrp="1"/>
+          </p:cNvSpPr>
+          <p:nvPr>
+            <p:ph idx="1"/>
+          </p:nvPr>
+        </p:nvSpPr>
+        <p:spPr/>
+        <p:txBody>
+          <a:bodyPr/>
+          <a:lstStyle/>
+          <a:p>
+            <a:endParaRPr lang="en-US"/>
+          </a:p>
+        </p:txBody>
+      </p:sp>
+      <p:sp>
+        <p:nvSpPr>
+          <p:cNvPr id="4" name="Date Placeholder 3">
+            <a:extLst>
+              <a:ext uri="{FF2B5EF4-FFF2-40B4-BE49-F238E27FC236}">
+                <a16:creationId xmlns:a16="http://schemas.microsoft.com/office/drawing/2014/main" id="{205F6088-9C95-4574-AB7D-62D692727744}"/>
+              </a:ext>
+            </a:extLst>
+          </p:cNvPr>
+          <p:cNvSpPr>
+            <a:spLocks noGrp="1"/>
+          </p:cNvSpPr>
+          <p:nvPr>
+            <p:ph type="dt" sz="half" idx="10"/>
+          </p:nvPr>
+        </p:nvSpPr>
+        <p:spPr/>
+        <p:txBody>
+          <a:bodyPr/>
+          <a:lstStyle/>
+          <a:p>
+            <a:pPr>
+              <a:defRPr/>
+            </a:pPr>
+            <a:r>
+              <a:rPr lang="en-US"/>
+              <a:t>21/12/2020</a:t>
+            </a:r>
+          </a:p>
+        </p:txBody>
+      </p:sp>
+      <p:sp>
+        <p:nvSpPr>
+          <p:cNvPr id="5" name="Slide Number Placeholder 4">
+            <a:extLst>
+              <a:ext uri="{FF2B5EF4-FFF2-40B4-BE49-F238E27FC236}">
+                <a16:creationId xmlns:a16="http://schemas.microsoft.com/office/drawing/2014/main" id="{46B67A67-80D3-4FAF-A68C-EAC1126E10AE}"/>
+              </a:ext>
+            </a:extLst>
+          </p:cNvPr>
+          <p:cNvSpPr>
+            <a:spLocks noGrp="1"/>
+          </p:cNvSpPr>
+          <p:nvPr>
+            <p:ph type="sldNum" sz="quarter" idx="12"/>
+          </p:nvPr>
+        </p:nvSpPr>
+        <p:spPr/>
+        <p:txBody>
+          <a:bodyPr/>
+          <a:lstStyle/>
+          <a:p>
+            <a:pPr>
+              <a:defRPr/>
+            </a:pPr>
+            <a:fld id="{CA887A73-1AE0-46F8-856A-18EA1CF30A1B}" type="slidenum">
+              <a:rPr lang="en-US" altLang="en-US" smtClean="0"/>
+              <a:pPr>
+                <a:defRPr/>
+              </a:pPr>
+              <a:t>26</a:t>
+            </a:fld>
+            <a:endParaRPr lang="en-US" altLang="en-US"/>
+          </a:p>
+        </p:txBody>
+      </p:sp>
+    </p:spTree>
+    <p:extLst>
+      <p:ext uri="{BB962C8B-B14F-4D97-AF65-F5344CB8AC3E}">
+        <p14:creationId xmlns:p14="http://schemas.microsoft.com/office/powerpoint/2010/main" val="2623485503"/>
+      </p:ext>
+    </p:extLst>
+  </p:cSld>
+  <p:clrMapOvr>
+    <a:masterClrMapping/>
+  </p:clrMapOvr>
+</p:sld>
+</file>
+
+<file path=ppt/slides/slide27.xml><?xml version="1.0" encoding="utf-8"?>
+<p:sld xmlns:a="http://schemas.openxmlformats.org/drawingml/2006/main" xmlns:r="http://schemas.openxmlformats.org/officeDocument/2006/relationships" xmlns:p="http://schemas.openxmlformats.org/presentationml/2006/main">
+  <p:cSld>
+    <p:spTree>
+      <p:nvGrpSpPr>
+        <p:cNvPr id="1" name=""/>
+        <p:cNvGrpSpPr/>
+        <p:nvPr/>
+      </p:nvGrpSpPr>
+      <p:grpSpPr>
+        <a:xfrm>
+          <a:off x="0" y="0"/>
+          <a:ext cx="0" cy="0"/>
+          <a:chOff x="0" y="0"/>
+          <a:chExt cx="0" cy="0"/>
+        </a:xfrm>
+      </p:grpSpPr>
+      <p:sp>
+        <p:nvSpPr>
+          <p:cNvPr id="2" name="Title 1">
+            <a:extLst>
+              <a:ext uri="{FF2B5EF4-FFF2-40B4-BE49-F238E27FC236}">
+                <a16:creationId xmlns:a16="http://schemas.microsoft.com/office/drawing/2014/main" id="{C9A7AB5D-D1EF-4D24-AAF6-174B5003C9A4}"/>
+              </a:ext>
+            </a:extLst>
+          </p:cNvPr>
+          <p:cNvSpPr>
+            <a:spLocks noGrp="1"/>
+          </p:cNvSpPr>
+          <p:nvPr>
+            <p:ph type="title"/>
+          </p:nvPr>
+        </p:nvSpPr>
+        <p:spPr/>
+        <p:txBody>
+          <a:bodyPr/>
+          <a:lstStyle/>
+          <a:p>
+            <a:r>
+              <a:rPr lang="en-US" dirty="0"/>
+              <a:t>From diagrams to file structures</a:t>
+            </a:r>
+          </a:p>
+        </p:txBody>
+      </p:sp>
+      <p:sp>
+        <p:nvSpPr>
+          <p:cNvPr id="3" name="Content Placeholder 2">
+            <a:extLst>
+              <a:ext uri="{FF2B5EF4-FFF2-40B4-BE49-F238E27FC236}">
+                <a16:creationId xmlns:a16="http://schemas.microsoft.com/office/drawing/2014/main" id="{567EB26E-359F-4C3A-BB1D-DE45F07505B3}"/>
+              </a:ext>
+            </a:extLst>
+          </p:cNvPr>
+          <p:cNvSpPr>
+            <a:spLocks noGrp="1"/>
+          </p:cNvSpPr>
+          <p:nvPr>
+            <p:ph idx="1"/>
+          </p:nvPr>
+        </p:nvSpPr>
+        <p:spPr/>
+        <p:txBody>
+          <a:bodyPr/>
+          <a:lstStyle/>
+          <a:p>
+            <a:endParaRPr lang="en-US"/>
+          </a:p>
+        </p:txBody>
+      </p:sp>
+      <p:sp>
+        <p:nvSpPr>
+          <p:cNvPr id="4" name="Date Placeholder 3">
+            <a:extLst>
+              <a:ext uri="{FF2B5EF4-FFF2-40B4-BE49-F238E27FC236}">
+                <a16:creationId xmlns:a16="http://schemas.microsoft.com/office/drawing/2014/main" id="{51C922FA-89D7-46E4-8040-F0F0FCF95C0A}"/>
+              </a:ext>
+            </a:extLst>
+          </p:cNvPr>
+          <p:cNvSpPr>
+            <a:spLocks noGrp="1"/>
+          </p:cNvSpPr>
+          <p:nvPr>
+            <p:ph type="dt" sz="half" idx="10"/>
+          </p:nvPr>
+        </p:nvSpPr>
+        <p:spPr/>
+        <p:txBody>
+          <a:bodyPr/>
+          <a:lstStyle/>
+          <a:p>
+            <a:pPr>
+              <a:defRPr/>
+            </a:pPr>
+            <a:r>
+              <a:rPr lang="en-US"/>
+              <a:t>21/12/2020</a:t>
+            </a:r>
+          </a:p>
+        </p:txBody>
+      </p:sp>
+      <p:sp>
+        <p:nvSpPr>
+          <p:cNvPr id="5" name="Slide Number Placeholder 4">
+            <a:extLst>
+              <a:ext uri="{FF2B5EF4-FFF2-40B4-BE49-F238E27FC236}">
+                <a16:creationId xmlns:a16="http://schemas.microsoft.com/office/drawing/2014/main" id="{9F73F040-6F26-4420-941B-4564D793A61E}"/>
+              </a:ext>
+            </a:extLst>
+          </p:cNvPr>
+          <p:cNvSpPr>
+            <a:spLocks noGrp="1"/>
+          </p:cNvSpPr>
+          <p:nvPr>
+            <p:ph type="sldNum" sz="quarter" idx="12"/>
+          </p:nvPr>
+        </p:nvSpPr>
+        <p:spPr/>
+        <p:txBody>
+          <a:bodyPr/>
+          <a:lstStyle/>
+          <a:p>
+            <a:pPr>
+              <a:defRPr/>
+            </a:pPr>
+            <a:fld id="{CA887A73-1AE0-46F8-856A-18EA1CF30A1B}" type="slidenum">
+              <a:rPr lang="en-US" altLang="en-US" smtClean="0"/>
+              <a:pPr>
+                <a:defRPr/>
+              </a:pPr>
+              <a:t>27</a:t>
+            </a:fld>
+            <a:endParaRPr lang="en-US" altLang="en-US"/>
+          </a:p>
+        </p:txBody>
+      </p:sp>
+    </p:spTree>
+    <p:extLst>
+      <p:ext uri="{BB962C8B-B14F-4D97-AF65-F5344CB8AC3E}">
+        <p14:creationId xmlns:p14="http://schemas.microsoft.com/office/powerpoint/2010/main" val="3799535117"/>
+      </p:ext>
+    </p:extLst>
+  </p:cSld>
+  <p:clrMapOvr>
+    <a:masterClrMapping/>
+  </p:clrMapOvr>
+</p:sld>
+</file>
+
+<file path=ppt/slides/slide28.xml><?xml version="1.0" encoding="utf-8"?>
+<p:sld xmlns:a="http://schemas.openxmlformats.org/drawingml/2006/main" xmlns:r="http://schemas.openxmlformats.org/officeDocument/2006/relationships" xmlns:p="http://schemas.openxmlformats.org/presentationml/2006/main">
+  <p:cSld>
+    <p:spTree>
+      <p:nvGrpSpPr>
+        <p:cNvPr id="1" name=""/>
+        <p:cNvGrpSpPr/>
+        <p:nvPr/>
+      </p:nvGrpSpPr>
+      <p:grpSpPr>
+        <a:xfrm>
+          <a:off x="0" y="0"/>
+          <a:ext cx="0" cy="0"/>
+          <a:chOff x="0" y="0"/>
+          <a:chExt cx="0" cy="0"/>
+        </a:xfrm>
+      </p:grpSpPr>
+      <p:sp>
+        <p:nvSpPr>
+          <p:cNvPr id="2" name="Title 1">
+            <a:extLst>
+              <a:ext uri="{FF2B5EF4-FFF2-40B4-BE49-F238E27FC236}">
                 <a16:creationId xmlns:a16="http://schemas.microsoft.com/office/drawing/2014/main" id="{9DCABF7A-37F9-459A-908A-B09DFA75CA30}"/>
               </a:ext>
             </a:extLst>
@@ -13108,7 +17584,7 @@
               <a:pPr>
                 <a:defRPr/>
               </a:pPr>
-              <a:t>22</a:t>
+              <a:t>28</a:t>
             </a:fld>
             <a:endParaRPr lang="en-US" altLang="en-US"/>
           </a:p>
@@ -13484,7 +17960,7 @@
 </p:sld>
 </file>
 
-<file path=ppt/slides/slide23.xml><?xml version="1.0" encoding="utf-8"?>
+<file path=ppt/slides/slide29.xml><?xml version="1.0" encoding="utf-8"?>
 <p:sld xmlns:a="http://schemas.openxmlformats.org/drawingml/2006/main" xmlns:r="http://schemas.openxmlformats.org/officeDocument/2006/relationships" xmlns:p="http://schemas.openxmlformats.org/presentationml/2006/main">
   <p:cSld>
     <p:spTree>
@@ -13667,7 +18143,7 @@
               <a:pPr>
                 <a:defRPr/>
               </a:pPr>
-              <a:t>23</a:t>
+              <a:t>29</a:t>
             </a:fld>
             <a:endParaRPr lang="en-US" altLang="en-US"/>
           </a:p>
@@ -14043,7 +18519,7 @@
 </p:sld>
 </file>
 
-<file path=ppt/slides/slide24.xml><?xml version="1.0" encoding="utf-8"?>
+<file path=ppt/slides/slide3.xml><?xml version="1.0" encoding="utf-8"?>
 <p:sld xmlns:a="http://schemas.openxmlformats.org/drawingml/2006/main" xmlns:r="http://schemas.openxmlformats.org/officeDocument/2006/relationships" xmlns:p="http://schemas.openxmlformats.org/presentationml/2006/main">
   <p:cSld>
     <p:spTree>
@@ -14065,6 +18541,467 @@
           <p:cNvPr id="2" name="Title 1">
             <a:extLst>
               <a:ext uri="{FF2B5EF4-FFF2-40B4-BE49-F238E27FC236}">
+                <a16:creationId xmlns:a16="http://schemas.microsoft.com/office/drawing/2014/main" id="{CECC9D16-4AB8-4F4F-8B63-889D2F128A71}"/>
+              </a:ext>
+            </a:extLst>
+          </p:cNvPr>
+          <p:cNvSpPr>
+            <a:spLocks noGrp="1"/>
+          </p:cNvSpPr>
+          <p:nvPr>
+            <p:ph type="title"/>
+          </p:nvPr>
+        </p:nvSpPr>
+        <p:spPr/>
+        <p:txBody>
+          <a:bodyPr/>
+          <a:lstStyle/>
+          <a:p>
+            <a:r>
+              <a:rPr lang="en-US" dirty="0"/>
+              <a:t>What UML has given us</a:t>
+            </a:r>
+          </a:p>
+        </p:txBody>
+      </p:sp>
+      <p:sp>
+        <p:nvSpPr>
+          <p:cNvPr id="3" name="Content Placeholder 2">
+            <a:extLst>
+              <a:ext uri="{FF2B5EF4-FFF2-40B4-BE49-F238E27FC236}">
+                <a16:creationId xmlns:a16="http://schemas.microsoft.com/office/drawing/2014/main" id="{0472ABE0-D3E0-426A-AFFC-67234E13D5CD}"/>
+              </a:ext>
+            </a:extLst>
+          </p:cNvPr>
+          <p:cNvSpPr>
+            <a:spLocks noGrp="1"/>
+          </p:cNvSpPr>
+          <p:nvPr>
+            <p:ph idx="1"/>
+          </p:nvPr>
+        </p:nvSpPr>
+        <p:spPr/>
+        <p:txBody>
+          <a:bodyPr/>
+          <a:lstStyle/>
+          <a:p>
+            <a:r>
+              <a:rPr lang="en-US" dirty="0"/>
+              <a:t>Functional completeness of system</a:t>
+            </a:r>
+          </a:p>
+          <a:p>
+            <a:r>
+              <a:rPr lang="en-US" dirty="0"/>
+              <a:t>Correct behavioral flow (no missing states or transitions)</a:t>
+            </a:r>
+          </a:p>
+          <a:p>
+            <a:r>
+              <a:rPr lang="en-US" dirty="0"/>
+              <a:t>Explicit safety states</a:t>
+            </a:r>
+          </a:p>
+          <a:p>
+            <a:r>
+              <a:rPr lang="en-US" dirty="0"/>
+              <a:t>Valid and ordered interactions between components</a:t>
+            </a:r>
+          </a:p>
+          <a:p>
+            <a:endParaRPr lang="en-US" dirty="0"/>
+          </a:p>
+          <a:p>
+            <a:r>
+              <a:rPr lang="en-US" dirty="0">
+                <a:solidFill>
+                  <a:srgbClr val="FF0000"/>
+                </a:solidFill>
+              </a:rPr>
+              <a:t>Provided we are able to implement the system that we modeled!</a:t>
+            </a:r>
+          </a:p>
+        </p:txBody>
+      </p:sp>
+      <p:sp>
+        <p:nvSpPr>
+          <p:cNvPr id="4" name="Date Placeholder 3">
+            <a:extLst>
+              <a:ext uri="{FF2B5EF4-FFF2-40B4-BE49-F238E27FC236}">
+                <a16:creationId xmlns:a16="http://schemas.microsoft.com/office/drawing/2014/main" id="{4F00192E-39C4-4BEE-ABA5-50BDF0D8E998}"/>
+              </a:ext>
+            </a:extLst>
+          </p:cNvPr>
+          <p:cNvSpPr>
+            <a:spLocks noGrp="1"/>
+          </p:cNvSpPr>
+          <p:nvPr>
+            <p:ph type="dt" sz="half" idx="10"/>
+          </p:nvPr>
+        </p:nvSpPr>
+        <p:spPr/>
+        <p:txBody>
+          <a:bodyPr/>
+          <a:lstStyle/>
+          <a:p>
+            <a:pPr>
+              <a:defRPr/>
+            </a:pPr>
+            <a:r>
+              <a:rPr lang="en-US"/>
+              <a:t>21/12/2020</a:t>
+            </a:r>
+          </a:p>
+        </p:txBody>
+      </p:sp>
+      <p:sp>
+        <p:nvSpPr>
+          <p:cNvPr id="5" name="Slide Number Placeholder 4">
+            <a:extLst>
+              <a:ext uri="{FF2B5EF4-FFF2-40B4-BE49-F238E27FC236}">
+                <a16:creationId xmlns:a16="http://schemas.microsoft.com/office/drawing/2014/main" id="{33D9FBC6-28A3-43CF-AE5A-7F4D7617ED3D}"/>
+              </a:ext>
+            </a:extLst>
+          </p:cNvPr>
+          <p:cNvSpPr>
+            <a:spLocks noGrp="1"/>
+          </p:cNvSpPr>
+          <p:nvPr>
+            <p:ph type="sldNum" sz="quarter" idx="12"/>
+          </p:nvPr>
+        </p:nvSpPr>
+        <p:spPr/>
+        <p:txBody>
+          <a:bodyPr/>
+          <a:lstStyle/>
+          <a:p>
+            <a:pPr>
+              <a:defRPr/>
+            </a:pPr>
+            <a:fld id="{CA887A73-1AE0-46F8-856A-18EA1CF30A1B}" type="slidenum">
+              <a:rPr lang="en-US" altLang="en-US" smtClean="0"/>
+              <a:pPr>
+                <a:defRPr/>
+              </a:pPr>
+              <a:t>3</a:t>
+            </a:fld>
+            <a:endParaRPr lang="en-US" altLang="en-US"/>
+          </a:p>
+        </p:txBody>
+      </p:sp>
+    </p:spTree>
+    <p:extLst>
+      <p:ext uri="{BB962C8B-B14F-4D97-AF65-F5344CB8AC3E}">
+        <p14:creationId xmlns:p14="http://schemas.microsoft.com/office/powerpoint/2010/main" val="3588795668"/>
+      </p:ext>
+    </p:extLst>
+  </p:cSld>
+  <p:clrMapOvr>
+    <a:masterClrMapping/>
+  </p:clrMapOvr>
+  <p:timing>
+    <p:tnLst>
+      <p:par>
+        <p:cTn id="1" dur="indefinite" restart="never" nodeType="tmRoot">
+          <p:childTnLst>
+            <p:seq concurrent="1" nextAc="seek">
+              <p:cTn id="2" dur="indefinite" nodeType="mainSeq">
+                <p:childTnLst>
+                  <p:par>
+                    <p:cTn id="3" fill="hold">
+                      <p:stCondLst>
+                        <p:cond delay="indefinite"/>
+                      </p:stCondLst>
+                      <p:childTnLst>
+                        <p:par>
+                          <p:cTn id="4" fill="hold">
+                            <p:stCondLst>
+                              <p:cond delay="0"/>
+                            </p:stCondLst>
+                            <p:childTnLst>
+                              <p:par>
+                                <p:cTn id="5" presetID="1" presetClass="entr" presetSubtype="0" fill="hold" grpId="0" nodeType="clickEffect">
+                                  <p:stCondLst>
+                                    <p:cond delay="0"/>
+                                  </p:stCondLst>
+                                  <p:childTnLst>
+                                    <p:set>
+                                      <p:cBhvr>
+                                        <p:cTn id="6" dur="1" fill="hold">
+                                          <p:stCondLst>
+                                            <p:cond delay="0"/>
+                                          </p:stCondLst>
+                                        </p:cTn>
+                                        <p:tgtEl>
+                                          <p:spTgt spid="3">
+                                            <p:txEl>
+                                              <p:pRg st="0" end="0"/>
+                                            </p:txEl>
+                                          </p:spTgt>
+                                        </p:tgtEl>
+                                        <p:attrNameLst>
+                                          <p:attrName>style.visibility</p:attrName>
+                                        </p:attrNameLst>
+                                      </p:cBhvr>
+                                      <p:to>
+                                        <p:strVal val="visible"/>
+                                      </p:to>
+                                    </p:set>
+                                  </p:childTnLst>
+                                </p:cTn>
+                              </p:par>
+                            </p:childTnLst>
+                          </p:cTn>
+                        </p:par>
+                      </p:childTnLst>
+                    </p:cTn>
+                  </p:par>
+                  <p:par>
+                    <p:cTn id="7" fill="hold">
+                      <p:stCondLst>
+                        <p:cond delay="indefinite"/>
+                      </p:stCondLst>
+                      <p:childTnLst>
+                        <p:par>
+                          <p:cTn id="8" fill="hold">
+                            <p:stCondLst>
+                              <p:cond delay="0"/>
+                            </p:stCondLst>
+                            <p:childTnLst>
+                              <p:par>
+                                <p:cTn id="9" presetID="1" presetClass="entr" presetSubtype="0" fill="hold" grpId="0" nodeType="clickEffect">
+                                  <p:stCondLst>
+                                    <p:cond delay="0"/>
+                                  </p:stCondLst>
+                                  <p:childTnLst>
+                                    <p:set>
+                                      <p:cBhvr>
+                                        <p:cTn id="10" dur="1" fill="hold">
+                                          <p:stCondLst>
+                                            <p:cond delay="0"/>
+                                          </p:stCondLst>
+                                        </p:cTn>
+                                        <p:tgtEl>
+                                          <p:spTgt spid="3">
+                                            <p:txEl>
+                                              <p:pRg st="1" end="1"/>
+                                            </p:txEl>
+                                          </p:spTgt>
+                                        </p:tgtEl>
+                                        <p:attrNameLst>
+                                          <p:attrName>style.visibility</p:attrName>
+                                        </p:attrNameLst>
+                                      </p:cBhvr>
+                                      <p:to>
+                                        <p:strVal val="visible"/>
+                                      </p:to>
+                                    </p:set>
+                                  </p:childTnLst>
+                                </p:cTn>
+                              </p:par>
+                            </p:childTnLst>
+                          </p:cTn>
+                        </p:par>
+                      </p:childTnLst>
+                    </p:cTn>
+                  </p:par>
+                  <p:par>
+                    <p:cTn id="11" fill="hold">
+                      <p:stCondLst>
+                        <p:cond delay="indefinite"/>
+                      </p:stCondLst>
+                      <p:childTnLst>
+                        <p:par>
+                          <p:cTn id="12" fill="hold">
+                            <p:stCondLst>
+                              <p:cond delay="0"/>
+                            </p:stCondLst>
+                            <p:childTnLst>
+                              <p:par>
+                                <p:cTn id="13" presetID="1" presetClass="entr" presetSubtype="0" fill="hold" grpId="0" nodeType="clickEffect">
+                                  <p:stCondLst>
+                                    <p:cond delay="0"/>
+                                  </p:stCondLst>
+                                  <p:childTnLst>
+                                    <p:set>
+                                      <p:cBhvr>
+                                        <p:cTn id="14" dur="1" fill="hold">
+                                          <p:stCondLst>
+                                            <p:cond delay="0"/>
+                                          </p:stCondLst>
+                                        </p:cTn>
+                                        <p:tgtEl>
+                                          <p:spTgt spid="3">
+                                            <p:txEl>
+                                              <p:pRg st="2" end="2"/>
+                                            </p:txEl>
+                                          </p:spTgt>
+                                        </p:tgtEl>
+                                        <p:attrNameLst>
+                                          <p:attrName>style.visibility</p:attrName>
+                                        </p:attrNameLst>
+                                      </p:cBhvr>
+                                      <p:to>
+                                        <p:strVal val="visible"/>
+                                      </p:to>
+                                    </p:set>
+                                  </p:childTnLst>
+                                </p:cTn>
+                              </p:par>
+                            </p:childTnLst>
+                          </p:cTn>
+                        </p:par>
+                      </p:childTnLst>
+                    </p:cTn>
+                  </p:par>
+                  <p:par>
+                    <p:cTn id="15" fill="hold">
+                      <p:stCondLst>
+                        <p:cond delay="indefinite"/>
+                      </p:stCondLst>
+                      <p:childTnLst>
+                        <p:par>
+                          <p:cTn id="16" fill="hold">
+                            <p:stCondLst>
+                              <p:cond delay="0"/>
+                            </p:stCondLst>
+                            <p:childTnLst>
+                              <p:par>
+                                <p:cTn id="17" presetID="1" presetClass="entr" presetSubtype="0" fill="hold" grpId="0" nodeType="clickEffect">
+                                  <p:stCondLst>
+                                    <p:cond delay="0"/>
+                                  </p:stCondLst>
+                                  <p:childTnLst>
+                                    <p:set>
+                                      <p:cBhvr>
+                                        <p:cTn id="18" dur="1" fill="hold">
+                                          <p:stCondLst>
+                                            <p:cond delay="0"/>
+                                          </p:stCondLst>
+                                        </p:cTn>
+                                        <p:tgtEl>
+                                          <p:spTgt spid="3">
+                                            <p:txEl>
+                                              <p:pRg st="3" end="3"/>
+                                            </p:txEl>
+                                          </p:spTgt>
+                                        </p:tgtEl>
+                                        <p:attrNameLst>
+                                          <p:attrName>style.visibility</p:attrName>
+                                        </p:attrNameLst>
+                                      </p:cBhvr>
+                                      <p:to>
+                                        <p:strVal val="visible"/>
+                                      </p:to>
+                                    </p:set>
+                                  </p:childTnLst>
+                                </p:cTn>
+                              </p:par>
+                            </p:childTnLst>
+                          </p:cTn>
+                        </p:par>
+                      </p:childTnLst>
+                    </p:cTn>
+                  </p:par>
+                  <p:par>
+                    <p:cTn id="19" fill="hold">
+                      <p:stCondLst>
+                        <p:cond delay="indefinite"/>
+                      </p:stCondLst>
+                      <p:childTnLst>
+                        <p:par>
+                          <p:cTn id="20" fill="hold">
+                            <p:stCondLst>
+                              <p:cond delay="0"/>
+                            </p:stCondLst>
+                            <p:childTnLst>
+                              <p:par>
+                                <p:cTn id="21" presetID="1" presetClass="entr" presetSubtype="0" fill="hold" grpId="0" nodeType="clickEffect">
+                                  <p:stCondLst>
+                                    <p:cond delay="0"/>
+                                  </p:stCondLst>
+                                  <p:childTnLst>
+                                    <p:set>
+                                      <p:cBhvr>
+                                        <p:cTn id="22" dur="1" fill="hold">
+                                          <p:stCondLst>
+                                            <p:cond delay="0"/>
+                                          </p:stCondLst>
+                                        </p:cTn>
+                                        <p:tgtEl>
+                                          <p:spTgt spid="3">
+                                            <p:txEl>
+                                              <p:pRg st="5" end="5"/>
+                                            </p:txEl>
+                                          </p:spTgt>
+                                        </p:tgtEl>
+                                        <p:attrNameLst>
+                                          <p:attrName>style.visibility</p:attrName>
+                                        </p:attrNameLst>
+                                      </p:cBhvr>
+                                      <p:to>
+                                        <p:strVal val="visible"/>
+                                      </p:to>
+                                    </p:set>
+                                  </p:childTnLst>
+                                </p:cTn>
+                              </p:par>
+                            </p:childTnLst>
+                          </p:cTn>
+                        </p:par>
+                      </p:childTnLst>
+                    </p:cTn>
+                  </p:par>
+                </p:childTnLst>
+              </p:cTn>
+              <p:prevCondLst>
+                <p:cond evt="onPrev" delay="0">
+                  <p:tgtEl>
+                    <p:sldTgt/>
+                  </p:tgtEl>
+                </p:cond>
+              </p:prevCondLst>
+              <p:nextCondLst>
+                <p:cond evt="onNext" delay="0">
+                  <p:tgtEl>
+                    <p:sldTgt/>
+                  </p:tgtEl>
+                </p:cond>
+              </p:nextCondLst>
+            </p:seq>
+          </p:childTnLst>
+        </p:cTn>
+      </p:par>
+    </p:tnLst>
+    <p:bldLst>
+      <p:bldP spid="3" grpId="0" build="p"/>
+    </p:bldLst>
+  </p:timing>
+</p:sld>
+</file>
+
+<file path=ppt/slides/slide30.xml><?xml version="1.0" encoding="utf-8"?>
+<p:sld xmlns:a="http://schemas.openxmlformats.org/drawingml/2006/main" xmlns:r="http://schemas.openxmlformats.org/officeDocument/2006/relationships" xmlns:p="http://schemas.openxmlformats.org/presentationml/2006/main">
+  <p:cSld>
+    <p:spTree>
+      <p:nvGrpSpPr>
+        <p:cNvPr id="1" name=""/>
+        <p:cNvGrpSpPr/>
+        <p:nvPr/>
+      </p:nvGrpSpPr>
+      <p:grpSpPr>
+        <a:xfrm>
+          <a:off x="0" y="0"/>
+          <a:ext cx="0" cy="0"/>
+          <a:chOff x="0" y="0"/>
+          <a:chExt cx="0" cy="0"/>
+        </a:xfrm>
+      </p:grpSpPr>
+      <p:sp>
+        <p:nvSpPr>
+          <p:cNvPr id="2" name="Title 1">
+            <a:extLst>
+              <a:ext uri="{FF2B5EF4-FFF2-40B4-BE49-F238E27FC236}">
                 <a16:creationId xmlns:a16="http://schemas.microsoft.com/office/drawing/2014/main" id="{F010418C-916C-4FEF-9C7B-A1674CC36ECF}"/>
               </a:ext>
             </a:extLst>
@@ -14204,7 +19141,7 @@
               <a:pPr>
                 <a:defRPr/>
               </a:pPr>
-              <a:t>24</a:t>
+              <a:t>30</a:t>
             </a:fld>
             <a:endParaRPr lang="en-US" altLang="en-US"/>
           </a:p>
@@ -14482,7 +19419,7 @@
 </p:sld>
 </file>
 
-<file path=ppt/slides/slide25.xml><?xml version="1.0" encoding="utf-8"?>
+<file path=ppt/slides/slide31.xml><?xml version="1.0" encoding="utf-8"?>
 <p:sld xmlns:a="http://schemas.openxmlformats.org/drawingml/2006/main" xmlns:r="http://schemas.openxmlformats.org/officeDocument/2006/relationships" xmlns:p="http://schemas.openxmlformats.org/presentationml/2006/main">
   <p:cSld>
     <p:spTree>
@@ -14634,7 +19571,7 @@
               <a:pPr>
                 <a:defRPr/>
               </a:pPr>
-              <a:t>25</a:t>
+              <a:t>31</a:t>
             </a:fld>
             <a:endParaRPr lang="en-US" altLang="en-US"/>
           </a:p>
@@ -14938,7 +19875,7 @@
 </p:sld>
 </file>
 
-<file path=ppt/slides/slide26.xml><?xml version="1.0" encoding="utf-8"?>
+<file path=ppt/slides/slide32.xml><?xml version="1.0" encoding="utf-8"?>
 <p:sld xmlns:a="http://schemas.openxmlformats.org/drawingml/2006/main" xmlns:r="http://schemas.openxmlformats.org/officeDocument/2006/relationships" xmlns:p="http://schemas.openxmlformats.org/presentationml/2006/main">
   <p:cSld>
     <p:spTree>
@@ -15134,7 +20071,7 @@
               <a:pPr>
                 <a:defRPr/>
               </a:pPr>
-              <a:t>26</a:t>
+              <a:t>32</a:t>
             </a:fld>
             <a:endParaRPr lang="en-US" altLang="en-US"/>
           </a:p>
@@ -15461,7 +20398,7 @@
 </p:sld>
 </file>
 
-<file path=ppt/slides/slide27.xml><?xml version="1.0" encoding="utf-8"?>
+<file path=ppt/slides/slide33.xml><?xml version="1.0" encoding="utf-8"?>
 <p:sld xmlns:a="http://schemas.openxmlformats.org/drawingml/2006/main" xmlns:r="http://schemas.openxmlformats.org/officeDocument/2006/relationships" xmlns:p="http://schemas.openxmlformats.org/presentationml/2006/main">
   <p:cSld>
     <p:spTree>
@@ -15606,7 +20543,7 @@
               <a:pPr>
                 <a:defRPr/>
               </a:pPr>
-              <a:t>27</a:t>
+              <a:t>33</a:t>
             </a:fld>
             <a:endParaRPr lang="en-US" altLang="en-US"/>
           </a:p>
@@ -15655,7 +20592,7 @@
 </p:sld>
 </file>
 
-<file path=ppt/slides/slide28.xml><?xml version="1.0" encoding="utf-8"?>
+<file path=ppt/slides/slide34.xml><?xml version="1.0" encoding="utf-8"?>
 <p:sld xmlns:a="http://schemas.openxmlformats.org/drawingml/2006/main" xmlns:r="http://schemas.openxmlformats.org/officeDocument/2006/relationships" xmlns:p="http://schemas.openxmlformats.org/presentationml/2006/main">
   <p:cSld>
     <p:spTree>
@@ -15800,7 +20737,7 @@
               <a:pPr>
                 <a:defRPr/>
               </a:pPr>
-              <a:t>28</a:t>
+              <a:t>34</a:t>
             </a:fld>
             <a:endParaRPr lang="en-US" altLang="en-US"/>
           </a:p>
@@ -15849,7 +20786,7 @@
 </p:sld>
 </file>
 
-<file path=ppt/slides/slide29.xml><?xml version="1.0" encoding="utf-8"?>
+<file path=ppt/slides/slide35.xml><?xml version="1.0" encoding="utf-8"?>
 <p:sld xmlns:a="http://schemas.openxmlformats.org/drawingml/2006/main" xmlns:r="http://schemas.openxmlformats.org/officeDocument/2006/relationships" xmlns:p="http://schemas.openxmlformats.org/presentationml/2006/main">
   <p:cSld>
     <p:spTree>
@@ -15989,7 +20926,7 @@
               <a:pPr>
                 <a:defRPr/>
               </a:pPr>
-              <a:t>29</a:t>
+              <a:t>35</a:t>
             </a:fld>
             <a:endParaRPr lang="en-US" altLang="en-US"/>
           </a:p>
@@ -16035,467 +20972,6 @@
   <p:clrMapOvr>
     <a:masterClrMapping/>
   </p:clrMapOvr>
-</p:sld>
-</file>
-
-<file path=ppt/slides/slide3.xml><?xml version="1.0" encoding="utf-8"?>
-<p:sld xmlns:a="http://schemas.openxmlformats.org/drawingml/2006/main" xmlns:r="http://schemas.openxmlformats.org/officeDocument/2006/relationships" xmlns:p="http://schemas.openxmlformats.org/presentationml/2006/main">
-  <p:cSld>
-    <p:spTree>
-      <p:nvGrpSpPr>
-        <p:cNvPr id="1" name=""/>
-        <p:cNvGrpSpPr/>
-        <p:nvPr/>
-      </p:nvGrpSpPr>
-      <p:grpSpPr>
-        <a:xfrm>
-          <a:off x="0" y="0"/>
-          <a:ext cx="0" cy="0"/>
-          <a:chOff x="0" y="0"/>
-          <a:chExt cx="0" cy="0"/>
-        </a:xfrm>
-      </p:grpSpPr>
-      <p:sp>
-        <p:nvSpPr>
-          <p:cNvPr id="2" name="Title 1">
-            <a:extLst>
-              <a:ext uri="{FF2B5EF4-FFF2-40B4-BE49-F238E27FC236}">
-                <a16:creationId xmlns:a16="http://schemas.microsoft.com/office/drawing/2014/main" id="{CECC9D16-4AB8-4F4F-8B63-889D2F128A71}"/>
-              </a:ext>
-            </a:extLst>
-          </p:cNvPr>
-          <p:cNvSpPr>
-            <a:spLocks noGrp="1"/>
-          </p:cNvSpPr>
-          <p:nvPr>
-            <p:ph type="title"/>
-          </p:nvPr>
-        </p:nvSpPr>
-        <p:spPr/>
-        <p:txBody>
-          <a:bodyPr/>
-          <a:lstStyle/>
-          <a:p>
-            <a:r>
-              <a:rPr lang="en-US" dirty="0"/>
-              <a:t>What UML has given us</a:t>
-            </a:r>
-          </a:p>
-        </p:txBody>
-      </p:sp>
-      <p:sp>
-        <p:nvSpPr>
-          <p:cNvPr id="3" name="Content Placeholder 2">
-            <a:extLst>
-              <a:ext uri="{FF2B5EF4-FFF2-40B4-BE49-F238E27FC236}">
-                <a16:creationId xmlns:a16="http://schemas.microsoft.com/office/drawing/2014/main" id="{0472ABE0-D3E0-426A-AFFC-67234E13D5CD}"/>
-              </a:ext>
-            </a:extLst>
-          </p:cNvPr>
-          <p:cNvSpPr>
-            <a:spLocks noGrp="1"/>
-          </p:cNvSpPr>
-          <p:nvPr>
-            <p:ph idx="1"/>
-          </p:nvPr>
-        </p:nvSpPr>
-        <p:spPr/>
-        <p:txBody>
-          <a:bodyPr/>
-          <a:lstStyle/>
-          <a:p>
-            <a:r>
-              <a:rPr lang="en-US" dirty="0"/>
-              <a:t>Functional completeness of system</a:t>
-            </a:r>
-          </a:p>
-          <a:p>
-            <a:r>
-              <a:rPr lang="en-US" dirty="0"/>
-              <a:t>Correct behavioral flow (no missing states or transitions)</a:t>
-            </a:r>
-          </a:p>
-          <a:p>
-            <a:r>
-              <a:rPr lang="en-US" dirty="0"/>
-              <a:t>Explicit safety states</a:t>
-            </a:r>
-          </a:p>
-          <a:p>
-            <a:r>
-              <a:rPr lang="en-US" dirty="0"/>
-              <a:t>Valid and ordered interactions between components</a:t>
-            </a:r>
-          </a:p>
-          <a:p>
-            <a:endParaRPr lang="en-US" dirty="0"/>
-          </a:p>
-          <a:p>
-            <a:r>
-              <a:rPr lang="en-US" dirty="0">
-                <a:solidFill>
-                  <a:srgbClr val="FF0000"/>
-                </a:solidFill>
-              </a:rPr>
-              <a:t>Provided we are able to implement the system that we modeled!</a:t>
-            </a:r>
-          </a:p>
-        </p:txBody>
-      </p:sp>
-      <p:sp>
-        <p:nvSpPr>
-          <p:cNvPr id="4" name="Date Placeholder 3">
-            <a:extLst>
-              <a:ext uri="{FF2B5EF4-FFF2-40B4-BE49-F238E27FC236}">
-                <a16:creationId xmlns:a16="http://schemas.microsoft.com/office/drawing/2014/main" id="{4F00192E-39C4-4BEE-ABA5-50BDF0D8E998}"/>
-              </a:ext>
-            </a:extLst>
-          </p:cNvPr>
-          <p:cNvSpPr>
-            <a:spLocks noGrp="1"/>
-          </p:cNvSpPr>
-          <p:nvPr>
-            <p:ph type="dt" sz="half" idx="10"/>
-          </p:nvPr>
-        </p:nvSpPr>
-        <p:spPr/>
-        <p:txBody>
-          <a:bodyPr/>
-          <a:lstStyle/>
-          <a:p>
-            <a:pPr>
-              <a:defRPr/>
-            </a:pPr>
-            <a:r>
-              <a:rPr lang="en-US"/>
-              <a:t>21/12/2020</a:t>
-            </a:r>
-          </a:p>
-        </p:txBody>
-      </p:sp>
-      <p:sp>
-        <p:nvSpPr>
-          <p:cNvPr id="5" name="Slide Number Placeholder 4">
-            <a:extLst>
-              <a:ext uri="{FF2B5EF4-FFF2-40B4-BE49-F238E27FC236}">
-                <a16:creationId xmlns:a16="http://schemas.microsoft.com/office/drawing/2014/main" id="{33D9FBC6-28A3-43CF-AE5A-7F4D7617ED3D}"/>
-              </a:ext>
-            </a:extLst>
-          </p:cNvPr>
-          <p:cNvSpPr>
-            <a:spLocks noGrp="1"/>
-          </p:cNvSpPr>
-          <p:nvPr>
-            <p:ph type="sldNum" sz="quarter" idx="12"/>
-          </p:nvPr>
-        </p:nvSpPr>
-        <p:spPr/>
-        <p:txBody>
-          <a:bodyPr/>
-          <a:lstStyle/>
-          <a:p>
-            <a:pPr>
-              <a:defRPr/>
-            </a:pPr>
-            <a:fld id="{CA887A73-1AE0-46F8-856A-18EA1CF30A1B}" type="slidenum">
-              <a:rPr lang="en-US" altLang="en-US" smtClean="0"/>
-              <a:pPr>
-                <a:defRPr/>
-              </a:pPr>
-              <a:t>3</a:t>
-            </a:fld>
-            <a:endParaRPr lang="en-US" altLang="en-US"/>
-          </a:p>
-        </p:txBody>
-      </p:sp>
-    </p:spTree>
-    <p:extLst>
-      <p:ext uri="{BB962C8B-B14F-4D97-AF65-F5344CB8AC3E}">
-        <p14:creationId xmlns:p14="http://schemas.microsoft.com/office/powerpoint/2010/main" val="3588795668"/>
-      </p:ext>
-    </p:extLst>
-  </p:cSld>
-  <p:clrMapOvr>
-    <a:masterClrMapping/>
-  </p:clrMapOvr>
-  <p:timing>
-    <p:tnLst>
-      <p:par>
-        <p:cTn id="1" dur="indefinite" restart="never" nodeType="tmRoot">
-          <p:childTnLst>
-            <p:seq concurrent="1" nextAc="seek">
-              <p:cTn id="2" dur="indefinite" nodeType="mainSeq">
-                <p:childTnLst>
-                  <p:par>
-                    <p:cTn id="3" fill="hold">
-                      <p:stCondLst>
-                        <p:cond delay="indefinite"/>
-                      </p:stCondLst>
-                      <p:childTnLst>
-                        <p:par>
-                          <p:cTn id="4" fill="hold">
-                            <p:stCondLst>
-                              <p:cond delay="0"/>
-                            </p:stCondLst>
-                            <p:childTnLst>
-                              <p:par>
-                                <p:cTn id="5" presetID="1" presetClass="entr" presetSubtype="0" fill="hold" grpId="0" nodeType="clickEffect">
-                                  <p:stCondLst>
-                                    <p:cond delay="0"/>
-                                  </p:stCondLst>
-                                  <p:childTnLst>
-                                    <p:set>
-                                      <p:cBhvr>
-                                        <p:cTn id="6" dur="1" fill="hold">
-                                          <p:stCondLst>
-                                            <p:cond delay="0"/>
-                                          </p:stCondLst>
-                                        </p:cTn>
-                                        <p:tgtEl>
-                                          <p:spTgt spid="3">
-                                            <p:txEl>
-                                              <p:pRg st="0" end="0"/>
-                                            </p:txEl>
-                                          </p:spTgt>
-                                        </p:tgtEl>
-                                        <p:attrNameLst>
-                                          <p:attrName>style.visibility</p:attrName>
-                                        </p:attrNameLst>
-                                      </p:cBhvr>
-                                      <p:to>
-                                        <p:strVal val="visible"/>
-                                      </p:to>
-                                    </p:set>
-                                  </p:childTnLst>
-                                </p:cTn>
-                              </p:par>
-                            </p:childTnLst>
-                          </p:cTn>
-                        </p:par>
-                      </p:childTnLst>
-                    </p:cTn>
-                  </p:par>
-                  <p:par>
-                    <p:cTn id="7" fill="hold">
-                      <p:stCondLst>
-                        <p:cond delay="indefinite"/>
-                      </p:stCondLst>
-                      <p:childTnLst>
-                        <p:par>
-                          <p:cTn id="8" fill="hold">
-                            <p:stCondLst>
-                              <p:cond delay="0"/>
-                            </p:stCondLst>
-                            <p:childTnLst>
-                              <p:par>
-                                <p:cTn id="9" presetID="1" presetClass="entr" presetSubtype="0" fill="hold" grpId="0" nodeType="clickEffect">
-                                  <p:stCondLst>
-                                    <p:cond delay="0"/>
-                                  </p:stCondLst>
-                                  <p:childTnLst>
-                                    <p:set>
-                                      <p:cBhvr>
-                                        <p:cTn id="10" dur="1" fill="hold">
-                                          <p:stCondLst>
-                                            <p:cond delay="0"/>
-                                          </p:stCondLst>
-                                        </p:cTn>
-                                        <p:tgtEl>
-                                          <p:spTgt spid="3">
-                                            <p:txEl>
-                                              <p:pRg st="1" end="1"/>
-                                            </p:txEl>
-                                          </p:spTgt>
-                                        </p:tgtEl>
-                                        <p:attrNameLst>
-                                          <p:attrName>style.visibility</p:attrName>
-                                        </p:attrNameLst>
-                                      </p:cBhvr>
-                                      <p:to>
-                                        <p:strVal val="visible"/>
-                                      </p:to>
-                                    </p:set>
-                                  </p:childTnLst>
-                                </p:cTn>
-                              </p:par>
-                            </p:childTnLst>
-                          </p:cTn>
-                        </p:par>
-                      </p:childTnLst>
-                    </p:cTn>
-                  </p:par>
-                  <p:par>
-                    <p:cTn id="11" fill="hold">
-                      <p:stCondLst>
-                        <p:cond delay="indefinite"/>
-                      </p:stCondLst>
-                      <p:childTnLst>
-                        <p:par>
-                          <p:cTn id="12" fill="hold">
-                            <p:stCondLst>
-                              <p:cond delay="0"/>
-                            </p:stCondLst>
-                            <p:childTnLst>
-                              <p:par>
-                                <p:cTn id="13" presetID="1" presetClass="entr" presetSubtype="0" fill="hold" grpId="0" nodeType="clickEffect">
-                                  <p:stCondLst>
-                                    <p:cond delay="0"/>
-                                  </p:stCondLst>
-                                  <p:childTnLst>
-                                    <p:set>
-                                      <p:cBhvr>
-                                        <p:cTn id="14" dur="1" fill="hold">
-                                          <p:stCondLst>
-                                            <p:cond delay="0"/>
-                                          </p:stCondLst>
-                                        </p:cTn>
-                                        <p:tgtEl>
-                                          <p:spTgt spid="3">
-                                            <p:txEl>
-                                              <p:pRg st="2" end="2"/>
-                                            </p:txEl>
-                                          </p:spTgt>
-                                        </p:tgtEl>
-                                        <p:attrNameLst>
-                                          <p:attrName>style.visibility</p:attrName>
-                                        </p:attrNameLst>
-                                      </p:cBhvr>
-                                      <p:to>
-                                        <p:strVal val="visible"/>
-                                      </p:to>
-                                    </p:set>
-                                  </p:childTnLst>
-                                </p:cTn>
-                              </p:par>
-                            </p:childTnLst>
-                          </p:cTn>
-                        </p:par>
-                      </p:childTnLst>
-                    </p:cTn>
-                  </p:par>
-                  <p:par>
-                    <p:cTn id="15" fill="hold">
-                      <p:stCondLst>
-                        <p:cond delay="indefinite"/>
-                      </p:stCondLst>
-                      <p:childTnLst>
-                        <p:par>
-                          <p:cTn id="16" fill="hold">
-                            <p:stCondLst>
-                              <p:cond delay="0"/>
-                            </p:stCondLst>
-                            <p:childTnLst>
-                              <p:par>
-                                <p:cTn id="17" presetID="1" presetClass="entr" presetSubtype="0" fill="hold" grpId="0" nodeType="clickEffect">
-                                  <p:stCondLst>
-                                    <p:cond delay="0"/>
-                                  </p:stCondLst>
-                                  <p:childTnLst>
-                                    <p:set>
-                                      <p:cBhvr>
-                                        <p:cTn id="18" dur="1" fill="hold">
-                                          <p:stCondLst>
-                                            <p:cond delay="0"/>
-                                          </p:stCondLst>
-                                        </p:cTn>
-                                        <p:tgtEl>
-                                          <p:spTgt spid="3">
-                                            <p:txEl>
-                                              <p:pRg st="3" end="3"/>
-                                            </p:txEl>
-                                          </p:spTgt>
-                                        </p:tgtEl>
-                                        <p:attrNameLst>
-                                          <p:attrName>style.visibility</p:attrName>
-                                        </p:attrNameLst>
-                                      </p:cBhvr>
-                                      <p:to>
-                                        <p:strVal val="visible"/>
-                                      </p:to>
-                                    </p:set>
-                                  </p:childTnLst>
-                                </p:cTn>
-                              </p:par>
-                            </p:childTnLst>
-                          </p:cTn>
-                        </p:par>
-                      </p:childTnLst>
-                    </p:cTn>
-                  </p:par>
-                  <p:par>
-                    <p:cTn id="19" fill="hold">
-                      <p:stCondLst>
-                        <p:cond delay="indefinite"/>
-                      </p:stCondLst>
-                      <p:childTnLst>
-                        <p:par>
-                          <p:cTn id="20" fill="hold">
-                            <p:stCondLst>
-                              <p:cond delay="0"/>
-                            </p:stCondLst>
-                            <p:childTnLst>
-                              <p:par>
-                                <p:cTn id="21" presetID="1" presetClass="entr" presetSubtype="0" fill="hold" grpId="0" nodeType="clickEffect">
-                                  <p:stCondLst>
-                                    <p:cond delay="0"/>
-                                  </p:stCondLst>
-                                  <p:childTnLst>
-                                    <p:set>
-                                      <p:cBhvr>
-                                        <p:cTn id="22" dur="1" fill="hold">
-                                          <p:stCondLst>
-                                            <p:cond delay="0"/>
-                                          </p:stCondLst>
-                                        </p:cTn>
-                                        <p:tgtEl>
-                                          <p:spTgt spid="3">
-                                            <p:txEl>
-                                              <p:pRg st="5" end="5"/>
-                                            </p:txEl>
-                                          </p:spTgt>
-                                        </p:tgtEl>
-                                        <p:attrNameLst>
-                                          <p:attrName>style.visibility</p:attrName>
-                                        </p:attrNameLst>
-                                      </p:cBhvr>
-                                      <p:to>
-                                        <p:strVal val="visible"/>
-                                      </p:to>
-                                    </p:set>
-                                  </p:childTnLst>
-                                </p:cTn>
-                              </p:par>
-                            </p:childTnLst>
-                          </p:cTn>
-                        </p:par>
-                      </p:childTnLst>
-                    </p:cTn>
-                  </p:par>
-                </p:childTnLst>
-              </p:cTn>
-              <p:prevCondLst>
-                <p:cond evt="onPrev" delay="0">
-                  <p:tgtEl>
-                    <p:sldTgt/>
-                  </p:tgtEl>
-                </p:cond>
-              </p:prevCondLst>
-              <p:nextCondLst>
-                <p:cond evt="onNext" delay="0">
-                  <p:tgtEl>
-                    <p:sldTgt/>
-                  </p:tgtEl>
-                </p:cond>
-              </p:nextCondLst>
-            </p:seq>
-          </p:childTnLst>
-        </p:cTn>
-      </p:par>
-    </p:tnLst>
-    <p:bldLst>
-      <p:bldP spid="3" grpId="0" build="p"/>
-    </p:bldLst>
-  </p:timing>
 </p:sld>
 </file>
 

--- a/Lec-13-16-firmware-architecture.pptx
+++ b/Lec-13-16-firmware-architecture.pptx
@@ -5,7 +5,7 @@
     <p:sldMasterId id="2147483648" r:id="rId1"/>
   </p:sldMasterIdLst>
   <p:notesMasterIdLst>
-    <p:notesMasterId r:id="rId37"/>
+    <p:notesMasterId r:id="rId42"/>
   </p:notesMasterIdLst>
   <p:sldIdLst>
     <p:sldId id="337" r:id="rId2"/>
@@ -31,18 +31,23 @@
     <p:sldId id="372" r:id="rId22"/>
     <p:sldId id="373" r:id="rId23"/>
     <p:sldId id="374" r:id="rId24"/>
-    <p:sldId id="375" r:id="rId25"/>
-    <p:sldId id="376" r:id="rId26"/>
-    <p:sldId id="370" r:id="rId27"/>
-    <p:sldId id="365" r:id="rId28"/>
-    <p:sldId id="342" r:id="rId29"/>
-    <p:sldId id="343" r:id="rId30"/>
-    <p:sldId id="344" r:id="rId31"/>
-    <p:sldId id="345" r:id="rId32"/>
-    <p:sldId id="341" r:id="rId33"/>
-    <p:sldId id="347" r:id="rId34"/>
-    <p:sldId id="348" r:id="rId35"/>
-    <p:sldId id="349" r:id="rId36"/>
+    <p:sldId id="381" r:id="rId25"/>
+    <p:sldId id="375" r:id="rId26"/>
+    <p:sldId id="376" r:id="rId27"/>
+    <p:sldId id="370" r:id="rId28"/>
+    <p:sldId id="377" r:id="rId29"/>
+    <p:sldId id="378" r:id="rId30"/>
+    <p:sldId id="379" r:id="rId31"/>
+    <p:sldId id="380" r:id="rId32"/>
+    <p:sldId id="365" r:id="rId33"/>
+    <p:sldId id="342" r:id="rId34"/>
+    <p:sldId id="343" r:id="rId35"/>
+    <p:sldId id="344" r:id="rId36"/>
+    <p:sldId id="345" r:id="rId37"/>
+    <p:sldId id="341" r:id="rId38"/>
+    <p:sldId id="347" r:id="rId39"/>
+    <p:sldId id="348" r:id="rId40"/>
+    <p:sldId id="349" r:id="rId41"/>
   </p:sldIdLst>
   <p:sldSz cx="9144000" cy="6858000" type="screen4x3"/>
   <p:notesSz cx="6858000" cy="9144000"/>
@@ -324,7 +329,7 @@
               <a:pPr>
                 <a:defRPr/>
               </a:pPr>
-              <a:t>2/10/2026</a:t>
+              <a:t>2/12/2026</a:t>
             </a:fld>
             <a:endParaRPr lang="en-US"/>
           </a:p>
@@ -15888,7 +15893,7 @@
           <p:cNvPr id="2" name="Title 1">
             <a:extLst>
               <a:ext uri="{FF2B5EF4-FFF2-40B4-BE49-F238E27FC236}">
-                <a16:creationId xmlns:a16="http://schemas.microsoft.com/office/drawing/2014/main" id="{F85CA19D-CB9F-421A-9F7A-F5449892AFA4}"/>
+                <a16:creationId xmlns:a16="http://schemas.microsoft.com/office/drawing/2014/main" id="{45D3BAAD-F9BD-40DA-8E0D-D67198789FCD}"/>
               </a:ext>
             </a:extLst>
           </p:cNvPr>
@@ -15906,45 +15911,17 @@
           <a:p>
             <a:r>
               <a:rPr lang="en-US" dirty="0"/>
-              <a:t>The many ways to blink an LED</a:t>
+              <a:t>Organizing your code</a:t>
             </a:r>
           </a:p>
         </p:txBody>
       </p:sp>
-      <p:pic>
-        <p:nvPicPr>
-          <p:cNvPr id="7" name="Content Placeholder 6">
-            <a:extLst>
-              <a:ext uri="{FF2B5EF4-FFF2-40B4-BE49-F238E27FC236}">
-                <a16:creationId xmlns:a16="http://schemas.microsoft.com/office/drawing/2014/main" id="{6265DC40-4AC0-4D08-A612-9590942DDEAE}"/>
-              </a:ext>
-            </a:extLst>
-          </p:cNvPr>
-          <p:cNvPicPr>
-            <a:picLocks noGrp="1" noChangeAspect="1"/>
-          </p:cNvPicPr>
-          <p:nvPr>
-            <p:ph idx="1"/>
-          </p:nvPr>
-        </p:nvPicPr>
-        <p:blipFill rotWithShape="1">
-          <a:blip r:embed="rId2"/>
-          <a:srcRect r="57103" b="89900"/>
-          <a:stretch/>
-        </p:blipFill>
-        <p:spPr>
-          <a:xfrm>
-            <a:off x="170688" y="1908592"/>
-            <a:ext cx="3791712" cy="402830"/>
-          </a:xfrm>
-        </p:spPr>
-      </p:pic>
       <p:sp>
         <p:nvSpPr>
-          <p:cNvPr id="4" name="Date Placeholder 3">
-            <a:extLst>
-              <a:ext uri="{FF2B5EF4-FFF2-40B4-BE49-F238E27FC236}">
-                <a16:creationId xmlns:a16="http://schemas.microsoft.com/office/drawing/2014/main" id="{1638B2B8-35BC-483D-9AF9-2288804CB0A1}"/>
+          <p:cNvPr id="3" name="Date Placeholder 2">
+            <a:extLst>
+              <a:ext uri="{FF2B5EF4-FFF2-40B4-BE49-F238E27FC236}">
+                <a16:creationId xmlns:a16="http://schemas.microsoft.com/office/drawing/2014/main" id="{88BC5826-832E-4DA5-BA23-B8A02115845C}"/>
               </a:ext>
             </a:extLst>
           </p:cNvPr>
@@ -15972,10 +15949,10 @@
       </p:sp>
       <p:sp>
         <p:nvSpPr>
-          <p:cNvPr id="5" name="Slide Number Placeholder 4">
-            <a:extLst>
-              <a:ext uri="{FF2B5EF4-FFF2-40B4-BE49-F238E27FC236}">
-                <a16:creationId xmlns:a16="http://schemas.microsoft.com/office/drawing/2014/main" id="{A1108A46-63CC-45A9-A39B-AE0D3B487C18}"/>
+          <p:cNvPr id="4" name="Slide Number Placeholder 3">
+            <a:extLst>
+              <a:ext uri="{FF2B5EF4-FFF2-40B4-BE49-F238E27FC236}">
+                <a16:creationId xmlns:a16="http://schemas.microsoft.com/office/drawing/2014/main" id="{3514114A-2FEB-4AAF-9C91-2C2C2A522238}"/>
               </a:ext>
             </a:extLst>
           </p:cNvPr>
@@ -15994,7 +15971,7 @@
             <a:pPr>
               <a:defRPr/>
             </a:pPr>
-            <a:fld id="{CA887A73-1AE0-46F8-856A-18EA1CF30A1B}" type="slidenum">
+            <a:fld id="{E79D9D01-1391-45E0-A9C5-C04635A43651}" type="slidenum">
               <a:rPr lang="en-US" altLang="en-US" smtClean="0"/>
               <a:pPr>
                 <a:defRPr/>
@@ -16005,110 +15982,61 @@
           </a:p>
         </p:txBody>
       </p:sp>
-      <p:pic>
-        <p:nvPicPr>
-          <p:cNvPr id="8" name="Content Placeholder 6">
-            <a:extLst>
-              <a:ext uri="{FF2B5EF4-FFF2-40B4-BE49-F238E27FC236}">
-                <a16:creationId xmlns:a16="http://schemas.microsoft.com/office/drawing/2014/main" id="{2AFBBB58-4F03-4A5F-A31F-F3D035507A26}"/>
-              </a:ext>
-            </a:extLst>
-          </p:cNvPr>
-          <p:cNvPicPr>
-            <a:picLocks noChangeAspect="1"/>
-          </p:cNvPicPr>
-          <p:nvPr/>
-        </p:nvPicPr>
-        <p:blipFill rotWithShape="1">
-          <a:blip r:embed="rId2"/>
-          <a:srcRect b="89900"/>
-          <a:stretch/>
-        </p:blipFill>
-        <p:spPr bwMode="auto">
-          <a:xfrm>
-            <a:off x="152400" y="1914688"/>
-            <a:ext cx="8839200" cy="402830"/>
-          </a:xfrm>
-          <a:prstGeom prst="rect">
-            <a:avLst/>
-          </a:prstGeom>
-          <a:noFill/>
-          <a:ln>
-            <a:noFill/>
-          </a:ln>
-          <a:extLst>
-            <a:ext uri="{909E8E84-426E-40DD-AFC4-6F175D3DCCD1}">
-              <a14:hiddenFill xmlns:a14="http://schemas.microsoft.com/office/drawing/2010/main">
-                <a:solidFill>
-                  <a:srgbClr val="FFFFFF"/>
-                </a:solidFill>
-              </a14:hiddenFill>
-            </a:ext>
-            <a:ext uri="{91240B29-F687-4F45-9708-019B960494DF}">
-              <a14:hiddenLine xmlns:a14="http://schemas.microsoft.com/office/drawing/2010/main" w="9525">
-                <a:solidFill>
-                  <a:srgbClr val="000000"/>
-                </a:solidFill>
-                <a:miter lim="800000"/>
-                <a:headEnd/>
-                <a:tailEnd/>
-              </a14:hiddenLine>
-            </a:ext>
-          </a:extLst>
-        </p:spPr>
-      </p:pic>
-      <p:pic>
-        <p:nvPicPr>
-          <p:cNvPr id="9" name="Content Placeholder 6">
-            <a:extLst>
-              <a:ext uri="{FF2B5EF4-FFF2-40B4-BE49-F238E27FC236}">
-                <a16:creationId xmlns:a16="http://schemas.microsoft.com/office/drawing/2014/main" id="{F17FD713-3275-4629-8D35-2E203C65D2AE}"/>
-              </a:ext>
-            </a:extLst>
-          </p:cNvPr>
-          <p:cNvPicPr>
-            <a:picLocks noChangeAspect="1"/>
-          </p:cNvPicPr>
-          <p:nvPr/>
-        </p:nvPicPr>
-        <p:blipFill rotWithShape="1">
-          <a:blip r:embed="rId2"/>
-          <a:srcRect t="1" b="75099"/>
-          <a:stretch/>
-        </p:blipFill>
-        <p:spPr bwMode="auto">
-          <a:xfrm>
-            <a:off x="152400" y="1902496"/>
-            <a:ext cx="8839200" cy="993104"/>
-          </a:xfrm>
-          <a:prstGeom prst="rect">
-            <a:avLst/>
-          </a:prstGeom>
-          <a:noFill/>
-          <a:ln>
-            <a:noFill/>
-          </a:ln>
-          <a:extLst>
-            <a:ext uri="{909E8E84-426E-40DD-AFC4-6F175D3DCCD1}">
-              <a14:hiddenFill xmlns:a14="http://schemas.microsoft.com/office/drawing/2010/main">
-                <a:solidFill>
-                  <a:srgbClr val="FFFFFF"/>
-                </a:solidFill>
-              </a14:hiddenFill>
-            </a:ext>
-            <a:ext uri="{91240B29-F687-4F45-9708-019B960494DF}">
-              <a14:hiddenLine xmlns:a14="http://schemas.microsoft.com/office/drawing/2010/main" w="9525">
-                <a:solidFill>
-                  <a:srgbClr val="000000"/>
-                </a:solidFill>
-                <a:miter lim="800000"/>
-                <a:headEnd/>
-                <a:tailEnd/>
-              </a14:hiddenLine>
-            </a:ext>
-          </a:extLst>
-        </p:spPr>
-      </p:pic>
+      <p:sp>
+        <p:nvSpPr>
+          <p:cNvPr id="5" name="Text Placeholder 4">
+            <a:extLst>
+              <a:ext uri="{FF2B5EF4-FFF2-40B4-BE49-F238E27FC236}">
+                <a16:creationId xmlns:a16="http://schemas.microsoft.com/office/drawing/2014/main" id="{9434F1AF-A082-479E-BD7E-0DD88428458C}"/>
+              </a:ext>
+            </a:extLst>
+          </p:cNvPr>
+          <p:cNvSpPr>
+            <a:spLocks noGrp="1"/>
+          </p:cNvSpPr>
+          <p:nvPr>
+            <p:ph type="body" sz="quarter" idx="13"/>
+          </p:nvPr>
+        </p:nvSpPr>
+        <p:spPr/>
+        <p:txBody>
+          <a:bodyPr/>
+          <a:lstStyle/>
+          <a:p>
+            <a:endParaRPr lang="en-US"/>
+          </a:p>
+        </p:txBody>
+      </p:sp>
+    </p:spTree>
+    <p:extLst>
+      <p:ext uri="{BB962C8B-B14F-4D97-AF65-F5344CB8AC3E}">
+        <p14:creationId xmlns:p14="http://schemas.microsoft.com/office/powerpoint/2010/main" val="788123616"/>
+      </p:ext>
+    </p:extLst>
+  </p:cSld>
+  <p:clrMapOvr>
+    <a:masterClrMapping/>
+  </p:clrMapOvr>
+</p:sld>
+</file>
+
+<file path=ppt/slides/slide25.xml><?xml version="1.0" encoding="utf-8"?>
+<p:sld xmlns:a="http://schemas.openxmlformats.org/drawingml/2006/main" xmlns:r="http://schemas.openxmlformats.org/officeDocument/2006/relationships" xmlns:p="http://schemas.openxmlformats.org/presentationml/2006/main">
+  <p:cSld>
+    <p:spTree>
+      <p:nvGrpSpPr>
+        <p:cNvPr id="1" name=""/>
+        <p:cNvGrpSpPr/>
+        <p:nvPr/>
+      </p:nvGrpSpPr>
+      <p:grpSpPr>
+        <a:xfrm>
+          <a:off x="0" y="0"/>
+          <a:ext cx="0" cy="0"/>
+          <a:chOff x="0" y="0"/>
+          <a:chExt cx="0" cy="0"/>
+        </a:xfrm>
+      </p:grpSpPr>
       <p:pic>
         <p:nvPicPr>
           <p:cNvPr id="10" name="Content Placeholder 6">
@@ -16236,6 +16164,351 @@
           <a:xfrm>
             <a:off x="176784" y="1902496"/>
             <a:ext cx="8839200" cy="4117304"/>
+          </a:xfrm>
+          <a:prstGeom prst="rect">
+            <a:avLst/>
+          </a:prstGeom>
+          <a:noFill/>
+          <a:ln>
+            <a:noFill/>
+          </a:ln>
+          <a:extLst>
+            <a:ext uri="{909E8E84-426E-40DD-AFC4-6F175D3DCCD1}">
+              <a14:hiddenFill xmlns:a14="http://schemas.microsoft.com/office/drawing/2010/main">
+                <a:solidFill>
+                  <a:srgbClr val="FFFFFF"/>
+                </a:solidFill>
+              </a14:hiddenFill>
+            </a:ext>
+            <a:ext uri="{91240B29-F687-4F45-9708-019B960494DF}">
+              <a14:hiddenLine xmlns:a14="http://schemas.microsoft.com/office/drawing/2010/main" w="9525">
+                <a:solidFill>
+                  <a:srgbClr val="000000"/>
+                </a:solidFill>
+                <a:miter lim="800000"/>
+                <a:headEnd/>
+                <a:tailEnd/>
+              </a14:hiddenLine>
+            </a:ext>
+          </a:extLst>
+        </p:spPr>
+      </p:pic>
+      <p:sp>
+        <p:nvSpPr>
+          <p:cNvPr id="2" name="Title 1">
+            <a:extLst>
+              <a:ext uri="{FF2B5EF4-FFF2-40B4-BE49-F238E27FC236}">
+                <a16:creationId xmlns:a16="http://schemas.microsoft.com/office/drawing/2014/main" id="{F85CA19D-CB9F-421A-9F7A-F5449892AFA4}"/>
+              </a:ext>
+            </a:extLst>
+          </p:cNvPr>
+          <p:cNvSpPr>
+            <a:spLocks noGrp="1"/>
+          </p:cNvSpPr>
+          <p:nvPr>
+            <p:ph type="title"/>
+          </p:nvPr>
+        </p:nvSpPr>
+        <p:spPr/>
+        <p:txBody>
+          <a:bodyPr/>
+          <a:lstStyle/>
+          <a:p>
+            <a:r>
+              <a:rPr lang="en-US" dirty="0"/>
+              <a:t>The many ways to blink an LED</a:t>
+            </a:r>
+          </a:p>
+        </p:txBody>
+      </p:sp>
+      <p:pic>
+        <p:nvPicPr>
+          <p:cNvPr id="7" name="Content Placeholder 6">
+            <a:extLst>
+              <a:ext uri="{FF2B5EF4-FFF2-40B4-BE49-F238E27FC236}">
+                <a16:creationId xmlns:a16="http://schemas.microsoft.com/office/drawing/2014/main" id="{6265DC40-4AC0-4D08-A612-9590942DDEAE}"/>
+              </a:ext>
+            </a:extLst>
+          </p:cNvPr>
+          <p:cNvPicPr>
+            <a:picLocks noGrp="1" noChangeAspect="1"/>
+          </p:cNvPicPr>
+          <p:nvPr>
+            <p:ph idx="1"/>
+          </p:nvPr>
+        </p:nvPicPr>
+        <p:blipFill rotWithShape="1">
+          <a:blip r:embed="rId2"/>
+          <a:srcRect r="57103" b="89900"/>
+          <a:stretch/>
+        </p:blipFill>
+        <p:spPr>
+          <a:xfrm>
+            <a:off x="170688" y="1908592"/>
+            <a:ext cx="3791712" cy="402830"/>
+          </a:xfrm>
+        </p:spPr>
+      </p:pic>
+      <p:sp>
+        <p:nvSpPr>
+          <p:cNvPr id="4" name="Date Placeholder 3">
+            <a:extLst>
+              <a:ext uri="{FF2B5EF4-FFF2-40B4-BE49-F238E27FC236}">
+                <a16:creationId xmlns:a16="http://schemas.microsoft.com/office/drawing/2014/main" id="{1638B2B8-35BC-483D-9AF9-2288804CB0A1}"/>
+              </a:ext>
+            </a:extLst>
+          </p:cNvPr>
+          <p:cNvSpPr>
+            <a:spLocks noGrp="1"/>
+          </p:cNvSpPr>
+          <p:nvPr>
+            <p:ph type="dt" sz="half" idx="10"/>
+          </p:nvPr>
+        </p:nvSpPr>
+        <p:spPr/>
+        <p:txBody>
+          <a:bodyPr/>
+          <a:lstStyle/>
+          <a:p>
+            <a:pPr>
+              <a:defRPr/>
+            </a:pPr>
+            <a:r>
+              <a:rPr lang="en-US"/>
+              <a:t>21/12/2020</a:t>
+            </a:r>
+          </a:p>
+        </p:txBody>
+      </p:sp>
+      <p:sp>
+        <p:nvSpPr>
+          <p:cNvPr id="5" name="Slide Number Placeholder 4">
+            <a:extLst>
+              <a:ext uri="{FF2B5EF4-FFF2-40B4-BE49-F238E27FC236}">
+                <a16:creationId xmlns:a16="http://schemas.microsoft.com/office/drawing/2014/main" id="{A1108A46-63CC-45A9-A39B-AE0D3B487C18}"/>
+              </a:ext>
+            </a:extLst>
+          </p:cNvPr>
+          <p:cNvSpPr>
+            <a:spLocks noGrp="1"/>
+          </p:cNvSpPr>
+          <p:nvPr>
+            <p:ph type="sldNum" sz="quarter" idx="12"/>
+          </p:nvPr>
+        </p:nvSpPr>
+        <p:spPr/>
+        <p:txBody>
+          <a:bodyPr/>
+          <a:lstStyle/>
+          <a:p>
+            <a:pPr>
+              <a:defRPr/>
+            </a:pPr>
+            <a:fld id="{CA887A73-1AE0-46F8-856A-18EA1CF30A1B}" type="slidenum">
+              <a:rPr lang="en-US" altLang="en-US" smtClean="0"/>
+              <a:pPr>
+                <a:defRPr/>
+              </a:pPr>
+              <a:t>25</a:t>
+            </a:fld>
+            <a:endParaRPr lang="en-US" altLang="en-US"/>
+          </a:p>
+        </p:txBody>
+      </p:sp>
+      <p:pic>
+        <p:nvPicPr>
+          <p:cNvPr id="9" name="Content Placeholder 6">
+            <a:extLst>
+              <a:ext uri="{FF2B5EF4-FFF2-40B4-BE49-F238E27FC236}">
+                <a16:creationId xmlns:a16="http://schemas.microsoft.com/office/drawing/2014/main" id="{F17FD713-3275-4629-8D35-2E203C65D2AE}"/>
+              </a:ext>
+            </a:extLst>
+          </p:cNvPr>
+          <p:cNvPicPr>
+            <a:picLocks noChangeAspect="1"/>
+          </p:cNvPicPr>
+          <p:nvPr/>
+        </p:nvPicPr>
+        <p:blipFill rotWithShape="1">
+          <a:blip r:embed="rId2"/>
+          <a:srcRect t="10254" r="50276" b="75099"/>
+          <a:stretch/>
+        </p:blipFill>
+        <p:spPr bwMode="auto">
+          <a:xfrm>
+            <a:off x="176784" y="2311422"/>
+            <a:ext cx="4395216" cy="584178"/>
+          </a:xfrm>
+          <a:prstGeom prst="rect">
+            <a:avLst/>
+          </a:prstGeom>
+          <a:noFill/>
+          <a:ln>
+            <a:noFill/>
+          </a:ln>
+          <a:extLst>
+            <a:ext uri="{909E8E84-426E-40DD-AFC4-6F175D3DCCD1}">
+              <a14:hiddenFill xmlns:a14="http://schemas.microsoft.com/office/drawing/2010/main">
+                <a:solidFill>
+                  <a:srgbClr val="FFFFFF"/>
+                </a:solidFill>
+              </a14:hiddenFill>
+            </a:ext>
+            <a:ext uri="{91240B29-F687-4F45-9708-019B960494DF}">
+              <a14:hiddenLine xmlns:a14="http://schemas.microsoft.com/office/drawing/2010/main" w="9525">
+                <a:solidFill>
+                  <a:srgbClr val="000000"/>
+                </a:solidFill>
+                <a:miter lim="800000"/>
+                <a:headEnd/>
+                <a:tailEnd/>
+              </a14:hiddenLine>
+            </a:ext>
+          </a:extLst>
+        </p:spPr>
+      </p:pic>
+      <p:sp>
+        <p:nvSpPr>
+          <p:cNvPr id="18" name="TextBox 17">
+            <a:extLst>
+              <a:ext uri="{FF2B5EF4-FFF2-40B4-BE49-F238E27FC236}">
+                <a16:creationId xmlns:a16="http://schemas.microsoft.com/office/drawing/2014/main" id="{BCC0AD16-6AB2-44D9-93A6-349A3AFB84AD}"/>
+              </a:ext>
+            </a:extLst>
+          </p:cNvPr>
+          <p:cNvSpPr txBox="1"/>
+          <p:nvPr/>
+        </p:nvSpPr>
+        <p:spPr>
+          <a:xfrm>
+            <a:off x="4038600" y="5239434"/>
+            <a:ext cx="5105400" cy="923330"/>
+          </a:xfrm>
+          <a:prstGeom prst="rect">
+            <a:avLst/>
+          </a:prstGeom>
+          <a:noFill/>
+        </p:spPr>
+        <p:txBody>
+          <a:bodyPr wrap="square" rtlCol="0">
+            <a:spAutoFit/>
+          </a:bodyPr>
+          <a:lstStyle/>
+          <a:p>
+            <a:r>
+              <a:rPr lang="en-US" dirty="0">
+                <a:solidFill>
+                  <a:srgbClr val="EA3F26"/>
+                </a:solidFill>
+              </a:rPr>
+              <a:t>Read – Modify – Write cycle</a:t>
+            </a:r>
+          </a:p>
+          <a:p>
+            <a:pPr marL="285750" indent="-285750">
+              <a:buFont typeface="Arial" panose="020B0604020202020204" pitchFamily="34" charset="0"/>
+              <a:buChar char="•"/>
+            </a:pPr>
+            <a:r>
+              <a:rPr lang="en-US" dirty="0">
+                <a:solidFill>
+                  <a:srgbClr val="EA3F26"/>
+                </a:solidFill>
+              </a:rPr>
+              <a:t>Must be atomic, i.e. complete as a single unit</a:t>
+            </a:r>
+          </a:p>
+          <a:p>
+            <a:pPr marL="285750" indent="-285750">
+              <a:buFont typeface="Arial" panose="020B0604020202020204" pitchFamily="34" charset="0"/>
+              <a:buChar char="•"/>
+            </a:pPr>
+            <a:r>
+              <a:rPr lang="en-US" dirty="0">
+                <a:solidFill>
+                  <a:srgbClr val="EA3F26"/>
+                </a:solidFill>
+              </a:rPr>
+              <a:t>Otherwise: unintended consequences!</a:t>
+            </a:r>
+          </a:p>
+        </p:txBody>
+      </p:sp>
+      <p:pic>
+        <p:nvPicPr>
+          <p:cNvPr id="16" name="Content Placeholder 6">
+            <a:extLst>
+              <a:ext uri="{FF2B5EF4-FFF2-40B4-BE49-F238E27FC236}">
+                <a16:creationId xmlns:a16="http://schemas.microsoft.com/office/drawing/2014/main" id="{5A3DF5B2-D1EE-4BF0-A2FB-B930BD6C10F9}"/>
+              </a:ext>
+            </a:extLst>
+          </p:cNvPr>
+          <p:cNvPicPr>
+            <a:picLocks noChangeAspect="1"/>
+          </p:cNvPicPr>
+          <p:nvPr/>
+        </p:nvPicPr>
+        <p:blipFill rotWithShape="1">
+          <a:blip r:embed="rId2"/>
+          <a:srcRect l="35345" b="89686"/>
+          <a:stretch/>
+        </p:blipFill>
+        <p:spPr bwMode="auto">
+          <a:xfrm>
+            <a:off x="3276600" y="1904809"/>
+            <a:ext cx="5715000" cy="411353"/>
+          </a:xfrm>
+          <a:prstGeom prst="rect">
+            <a:avLst/>
+          </a:prstGeom>
+          <a:noFill/>
+          <a:ln>
+            <a:noFill/>
+          </a:ln>
+          <a:extLst>
+            <a:ext uri="{909E8E84-426E-40DD-AFC4-6F175D3DCCD1}">
+              <a14:hiddenFill xmlns:a14="http://schemas.microsoft.com/office/drawing/2010/main">
+                <a:solidFill>
+                  <a:srgbClr val="FFFFFF"/>
+                </a:solidFill>
+              </a14:hiddenFill>
+            </a:ext>
+            <a:ext uri="{91240B29-F687-4F45-9708-019B960494DF}">
+              <a14:hiddenLine xmlns:a14="http://schemas.microsoft.com/office/drawing/2010/main" w="9525">
+                <a:solidFill>
+                  <a:srgbClr val="000000"/>
+                </a:solidFill>
+                <a:miter lim="800000"/>
+                <a:headEnd/>
+                <a:tailEnd/>
+              </a14:hiddenLine>
+            </a:ext>
+          </a:extLst>
+        </p:spPr>
+      </p:pic>
+      <p:pic>
+        <p:nvPicPr>
+          <p:cNvPr id="20" name="Content Placeholder 6">
+            <a:extLst>
+              <a:ext uri="{FF2B5EF4-FFF2-40B4-BE49-F238E27FC236}">
+                <a16:creationId xmlns:a16="http://schemas.microsoft.com/office/drawing/2014/main" id="{1C4FF83A-C28A-41A0-A0CA-FC51934CC0D6}"/>
+              </a:ext>
+            </a:extLst>
+          </p:cNvPr>
+          <p:cNvPicPr>
+            <a:picLocks noChangeAspect="1"/>
+          </p:cNvPicPr>
+          <p:nvPr/>
+        </p:nvPicPr>
+        <p:blipFill rotWithShape="1">
+          <a:blip r:embed="rId2"/>
+          <a:srcRect l="51138" t="465" b="76431"/>
+          <a:stretch/>
+        </p:blipFill>
+        <p:spPr bwMode="auto">
+          <a:xfrm>
+            <a:off x="4672584" y="1923366"/>
+            <a:ext cx="4319016" cy="921455"/>
           </a:xfrm>
           <a:prstGeom prst="rect">
             <a:avLst/>
@@ -16382,65 +16655,967 @@
           </p:style>
         </p:cxnSp>
       </p:grpSp>
+    </p:spTree>
+    <p:extLst>
+      <p:ext uri="{BB962C8B-B14F-4D97-AF65-F5344CB8AC3E}">
+        <p14:creationId xmlns:p14="http://schemas.microsoft.com/office/powerpoint/2010/main" val="3854507257"/>
+      </p:ext>
+    </p:extLst>
+  </p:cSld>
+  <p:clrMapOvr>
+    <a:masterClrMapping/>
+  </p:clrMapOvr>
+  <p:timing>
+    <p:tnLst>
+      <p:par>
+        <p:cTn id="1" dur="indefinite" restart="never" nodeType="tmRoot">
+          <p:childTnLst>
+            <p:seq concurrent="1" nextAc="seek">
+              <p:cTn id="2" dur="indefinite" nodeType="mainSeq">
+                <p:childTnLst>
+                  <p:par>
+                    <p:cTn id="3" fill="hold">
+                      <p:stCondLst>
+                        <p:cond delay="indefinite"/>
+                      </p:stCondLst>
+                      <p:childTnLst>
+                        <p:par>
+                          <p:cTn id="4" fill="hold">
+                            <p:stCondLst>
+                              <p:cond delay="0"/>
+                            </p:stCondLst>
+                            <p:childTnLst>
+                              <p:par>
+                                <p:cTn id="5" presetID="1" presetClass="entr" presetSubtype="0" fill="hold" nodeType="clickEffect">
+                                  <p:stCondLst>
+                                    <p:cond delay="0"/>
+                                  </p:stCondLst>
+                                  <p:childTnLst>
+                                    <p:set>
+                                      <p:cBhvr>
+                                        <p:cTn id="6" dur="1" fill="hold">
+                                          <p:stCondLst>
+                                            <p:cond delay="0"/>
+                                          </p:stCondLst>
+                                        </p:cTn>
+                                        <p:tgtEl>
+                                          <p:spTgt spid="7"/>
+                                        </p:tgtEl>
+                                        <p:attrNameLst>
+                                          <p:attrName>style.visibility</p:attrName>
+                                        </p:attrNameLst>
+                                      </p:cBhvr>
+                                      <p:to>
+                                        <p:strVal val="visible"/>
+                                      </p:to>
+                                    </p:set>
+                                  </p:childTnLst>
+                                </p:cTn>
+                              </p:par>
+                            </p:childTnLst>
+                          </p:cTn>
+                        </p:par>
+                      </p:childTnLst>
+                    </p:cTn>
+                  </p:par>
+                  <p:par>
+                    <p:cTn id="7" fill="hold">
+                      <p:stCondLst>
+                        <p:cond delay="indefinite"/>
+                      </p:stCondLst>
+                      <p:childTnLst>
+                        <p:par>
+                          <p:cTn id="8" fill="hold">
+                            <p:stCondLst>
+                              <p:cond delay="0"/>
+                            </p:stCondLst>
+                            <p:childTnLst>
+                              <p:par>
+                                <p:cTn id="9" presetID="1" presetClass="entr" presetSubtype="0" fill="hold" nodeType="clickEffect">
+                                  <p:stCondLst>
+                                    <p:cond delay="0"/>
+                                  </p:stCondLst>
+                                  <p:childTnLst>
+                                    <p:set>
+                                      <p:cBhvr>
+                                        <p:cTn id="10" dur="1" fill="hold">
+                                          <p:stCondLst>
+                                            <p:cond delay="0"/>
+                                          </p:stCondLst>
+                                        </p:cTn>
+                                        <p:tgtEl>
+                                          <p:spTgt spid="9"/>
+                                        </p:tgtEl>
+                                        <p:attrNameLst>
+                                          <p:attrName>style.visibility</p:attrName>
+                                        </p:attrNameLst>
+                                      </p:cBhvr>
+                                      <p:to>
+                                        <p:strVal val="visible"/>
+                                      </p:to>
+                                    </p:set>
+                                  </p:childTnLst>
+                                </p:cTn>
+                              </p:par>
+                            </p:childTnLst>
+                          </p:cTn>
+                        </p:par>
+                      </p:childTnLst>
+                    </p:cTn>
+                  </p:par>
+                  <p:par>
+                    <p:cTn id="11" fill="hold">
+                      <p:stCondLst>
+                        <p:cond delay="indefinite"/>
+                      </p:stCondLst>
+                      <p:childTnLst>
+                        <p:par>
+                          <p:cTn id="12" fill="hold">
+                            <p:stCondLst>
+                              <p:cond delay="0"/>
+                            </p:stCondLst>
+                            <p:childTnLst>
+                              <p:par>
+                                <p:cTn id="13" presetID="1" presetClass="entr" presetSubtype="0" fill="hold" nodeType="clickEffect">
+                                  <p:stCondLst>
+                                    <p:cond delay="0"/>
+                                  </p:stCondLst>
+                                  <p:childTnLst>
+                                    <p:set>
+                                      <p:cBhvr>
+                                        <p:cTn id="14" dur="1" fill="hold">
+                                          <p:stCondLst>
+                                            <p:cond delay="0"/>
+                                          </p:stCondLst>
+                                        </p:cTn>
+                                        <p:tgtEl>
+                                          <p:spTgt spid="16"/>
+                                        </p:tgtEl>
+                                        <p:attrNameLst>
+                                          <p:attrName>style.visibility</p:attrName>
+                                        </p:attrNameLst>
+                                      </p:cBhvr>
+                                      <p:to>
+                                        <p:strVal val="visible"/>
+                                      </p:to>
+                                    </p:set>
+                                  </p:childTnLst>
+                                </p:cTn>
+                              </p:par>
+                            </p:childTnLst>
+                          </p:cTn>
+                        </p:par>
+                      </p:childTnLst>
+                    </p:cTn>
+                  </p:par>
+                  <p:par>
+                    <p:cTn id="15" fill="hold">
+                      <p:stCondLst>
+                        <p:cond delay="indefinite"/>
+                      </p:stCondLst>
+                      <p:childTnLst>
+                        <p:par>
+                          <p:cTn id="16" fill="hold">
+                            <p:stCondLst>
+                              <p:cond delay="0"/>
+                            </p:stCondLst>
+                            <p:childTnLst>
+                              <p:par>
+                                <p:cTn id="17" presetID="1" presetClass="entr" presetSubtype="0" fill="hold" nodeType="clickEffect">
+                                  <p:stCondLst>
+                                    <p:cond delay="0"/>
+                                  </p:stCondLst>
+                                  <p:childTnLst>
+                                    <p:set>
+                                      <p:cBhvr>
+                                        <p:cTn id="18" dur="1" fill="hold">
+                                          <p:stCondLst>
+                                            <p:cond delay="0"/>
+                                          </p:stCondLst>
+                                        </p:cTn>
+                                        <p:tgtEl>
+                                          <p:spTgt spid="20"/>
+                                        </p:tgtEl>
+                                        <p:attrNameLst>
+                                          <p:attrName>style.visibility</p:attrName>
+                                        </p:attrNameLst>
+                                      </p:cBhvr>
+                                      <p:to>
+                                        <p:strVal val="visible"/>
+                                      </p:to>
+                                    </p:set>
+                                  </p:childTnLst>
+                                </p:cTn>
+                              </p:par>
+                            </p:childTnLst>
+                          </p:cTn>
+                        </p:par>
+                      </p:childTnLst>
+                    </p:cTn>
+                  </p:par>
+                  <p:par>
+                    <p:cTn id="19" fill="hold">
+                      <p:stCondLst>
+                        <p:cond delay="indefinite"/>
+                      </p:stCondLst>
+                      <p:childTnLst>
+                        <p:par>
+                          <p:cTn id="20" fill="hold">
+                            <p:stCondLst>
+                              <p:cond delay="0"/>
+                            </p:stCondLst>
+                            <p:childTnLst>
+                              <p:par>
+                                <p:cTn id="21" presetID="1" presetClass="entr" presetSubtype="0" fill="hold" nodeType="clickEffect">
+                                  <p:stCondLst>
+                                    <p:cond delay="0"/>
+                                  </p:stCondLst>
+                                  <p:childTnLst>
+                                    <p:set>
+                                      <p:cBhvr>
+                                        <p:cTn id="22" dur="1" fill="hold">
+                                          <p:stCondLst>
+                                            <p:cond delay="0"/>
+                                          </p:stCondLst>
+                                        </p:cTn>
+                                        <p:tgtEl>
+                                          <p:spTgt spid="19"/>
+                                        </p:tgtEl>
+                                        <p:attrNameLst>
+                                          <p:attrName>style.visibility</p:attrName>
+                                        </p:attrNameLst>
+                                      </p:cBhvr>
+                                      <p:to>
+                                        <p:strVal val="visible"/>
+                                      </p:to>
+                                    </p:set>
+                                  </p:childTnLst>
+                                </p:cTn>
+                              </p:par>
+                            </p:childTnLst>
+                          </p:cTn>
+                        </p:par>
+                      </p:childTnLst>
+                    </p:cTn>
+                  </p:par>
+                  <p:par>
+                    <p:cTn id="23" fill="hold">
+                      <p:stCondLst>
+                        <p:cond delay="indefinite"/>
+                      </p:stCondLst>
+                      <p:childTnLst>
+                        <p:par>
+                          <p:cTn id="24" fill="hold">
+                            <p:stCondLst>
+                              <p:cond delay="0"/>
+                            </p:stCondLst>
+                            <p:childTnLst>
+                              <p:par>
+                                <p:cTn id="25" presetID="1" presetClass="entr" presetSubtype="0" fill="hold" grpId="0" nodeType="clickEffect">
+                                  <p:stCondLst>
+                                    <p:cond delay="0"/>
+                                  </p:stCondLst>
+                                  <p:childTnLst>
+                                    <p:set>
+                                      <p:cBhvr>
+                                        <p:cTn id="26" dur="1" fill="hold">
+                                          <p:stCondLst>
+                                            <p:cond delay="0"/>
+                                          </p:stCondLst>
+                                        </p:cTn>
+                                        <p:tgtEl>
+                                          <p:spTgt spid="18">
+                                            <p:txEl>
+                                              <p:pRg st="0" end="0"/>
+                                            </p:txEl>
+                                          </p:spTgt>
+                                        </p:tgtEl>
+                                        <p:attrNameLst>
+                                          <p:attrName>style.visibility</p:attrName>
+                                        </p:attrNameLst>
+                                      </p:cBhvr>
+                                      <p:to>
+                                        <p:strVal val="visible"/>
+                                      </p:to>
+                                    </p:set>
+                                  </p:childTnLst>
+                                </p:cTn>
+                              </p:par>
+                            </p:childTnLst>
+                          </p:cTn>
+                        </p:par>
+                      </p:childTnLst>
+                    </p:cTn>
+                  </p:par>
+                  <p:par>
+                    <p:cTn id="27" fill="hold">
+                      <p:stCondLst>
+                        <p:cond delay="indefinite"/>
+                      </p:stCondLst>
+                      <p:childTnLst>
+                        <p:par>
+                          <p:cTn id="28" fill="hold">
+                            <p:stCondLst>
+                              <p:cond delay="0"/>
+                            </p:stCondLst>
+                            <p:childTnLst>
+                              <p:par>
+                                <p:cTn id="29" presetID="1" presetClass="entr" presetSubtype="0" fill="hold" grpId="0" nodeType="clickEffect">
+                                  <p:stCondLst>
+                                    <p:cond delay="0"/>
+                                  </p:stCondLst>
+                                  <p:childTnLst>
+                                    <p:set>
+                                      <p:cBhvr>
+                                        <p:cTn id="30" dur="1" fill="hold">
+                                          <p:stCondLst>
+                                            <p:cond delay="0"/>
+                                          </p:stCondLst>
+                                        </p:cTn>
+                                        <p:tgtEl>
+                                          <p:spTgt spid="18">
+                                            <p:txEl>
+                                              <p:pRg st="1" end="1"/>
+                                            </p:txEl>
+                                          </p:spTgt>
+                                        </p:tgtEl>
+                                        <p:attrNameLst>
+                                          <p:attrName>style.visibility</p:attrName>
+                                        </p:attrNameLst>
+                                      </p:cBhvr>
+                                      <p:to>
+                                        <p:strVal val="visible"/>
+                                      </p:to>
+                                    </p:set>
+                                  </p:childTnLst>
+                                </p:cTn>
+                              </p:par>
+                            </p:childTnLst>
+                          </p:cTn>
+                        </p:par>
+                      </p:childTnLst>
+                    </p:cTn>
+                  </p:par>
+                  <p:par>
+                    <p:cTn id="31" fill="hold">
+                      <p:stCondLst>
+                        <p:cond delay="indefinite"/>
+                      </p:stCondLst>
+                      <p:childTnLst>
+                        <p:par>
+                          <p:cTn id="32" fill="hold">
+                            <p:stCondLst>
+                              <p:cond delay="0"/>
+                            </p:stCondLst>
+                            <p:childTnLst>
+                              <p:par>
+                                <p:cTn id="33" presetID="1" presetClass="entr" presetSubtype="0" fill="hold" grpId="0" nodeType="clickEffect">
+                                  <p:stCondLst>
+                                    <p:cond delay="0"/>
+                                  </p:stCondLst>
+                                  <p:childTnLst>
+                                    <p:set>
+                                      <p:cBhvr>
+                                        <p:cTn id="34" dur="1" fill="hold">
+                                          <p:stCondLst>
+                                            <p:cond delay="0"/>
+                                          </p:stCondLst>
+                                        </p:cTn>
+                                        <p:tgtEl>
+                                          <p:spTgt spid="18">
+                                            <p:txEl>
+                                              <p:pRg st="2" end="2"/>
+                                            </p:txEl>
+                                          </p:spTgt>
+                                        </p:tgtEl>
+                                        <p:attrNameLst>
+                                          <p:attrName>style.visibility</p:attrName>
+                                        </p:attrNameLst>
+                                      </p:cBhvr>
+                                      <p:to>
+                                        <p:strVal val="visible"/>
+                                      </p:to>
+                                    </p:set>
+                                  </p:childTnLst>
+                                </p:cTn>
+                              </p:par>
+                            </p:childTnLst>
+                          </p:cTn>
+                        </p:par>
+                      </p:childTnLst>
+                    </p:cTn>
+                  </p:par>
+                  <p:par>
+                    <p:cTn id="35" fill="hold">
+                      <p:stCondLst>
+                        <p:cond delay="indefinite"/>
+                      </p:stCondLst>
+                      <p:childTnLst>
+                        <p:par>
+                          <p:cTn id="36" fill="hold">
+                            <p:stCondLst>
+                              <p:cond delay="0"/>
+                            </p:stCondLst>
+                            <p:childTnLst>
+                              <p:par>
+                                <p:cTn id="37" presetID="1" presetClass="entr" presetSubtype="0" fill="hold" nodeType="clickEffect">
+                                  <p:stCondLst>
+                                    <p:cond delay="0"/>
+                                  </p:stCondLst>
+                                  <p:childTnLst>
+                                    <p:set>
+                                      <p:cBhvr>
+                                        <p:cTn id="38" dur="1" fill="hold">
+                                          <p:stCondLst>
+                                            <p:cond delay="0"/>
+                                          </p:stCondLst>
+                                        </p:cTn>
+                                        <p:tgtEl>
+                                          <p:spTgt spid="10"/>
+                                        </p:tgtEl>
+                                        <p:attrNameLst>
+                                          <p:attrName>style.visibility</p:attrName>
+                                        </p:attrNameLst>
+                                      </p:cBhvr>
+                                      <p:to>
+                                        <p:strVal val="visible"/>
+                                      </p:to>
+                                    </p:set>
+                                  </p:childTnLst>
+                                </p:cTn>
+                              </p:par>
+                            </p:childTnLst>
+                          </p:cTn>
+                        </p:par>
+                      </p:childTnLst>
+                    </p:cTn>
+                  </p:par>
+                  <p:par>
+                    <p:cTn id="39" fill="hold">
+                      <p:stCondLst>
+                        <p:cond delay="indefinite"/>
+                      </p:stCondLst>
+                      <p:childTnLst>
+                        <p:par>
+                          <p:cTn id="40" fill="hold">
+                            <p:stCondLst>
+                              <p:cond delay="0"/>
+                            </p:stCondLst>
+                            <p:childTnLst>
+                              <p:par>
+                                <p:cTn id="41" presetID="1" presetClass="entr" presetSubtype="0" fill="hold" nodeType="clickEffect">
+                                  <p:stCondLst>
+                                    <p:cond delay="0"/>
+                                  </p:stCondLst>
+                                  <p:childTnLst>
+                                    <p:set>
+                                      <p:cBhvr>
+                                        <p:cTn id="42" dur="1" fill="hold">
+                                          <p:stCondLst>
+                                            <p:cond delay="0"/>
+                                          </p:stCondLst>
+                                        </p:cTn>
+                                        <p:tgtEl>
+                                          <p:spTgt spid="11"/>
+                                        </p:tgtEl>
+                                        <p:attrNameLst>
+                                          <p:attrName>style.visibility</p:attrName>
+                                        </p:attrNameLst>
+                                      </p:cBhvr>
+                                      <p:to>
+                                        <p:strVal val="visible"/>
+                                      </p:to>
+                                    </p:set>
+                                  </p:childTnLst>
+                                </p:cTn>
+                              </p:par>
+                            </p:childTnLst>
+                          </p:cTn>
+                        </p:par>
+                      </p:childTnLst>
+                    </p:cTn>
+                  </p:par>
+                  <p:par>
+                    <p:cTn id="43" fill="hold">
+                      <p:stCondLst>
+                        <p:cond delay="indefinite"/>
+                      </p:stCondLst>
+                      <p:childTnLst>
+                        <p:par>
+                          <p:cTn id="44" fill="hold">
+                            <p:stCondLst>
+                              <p:cond delay="0"/>
+                            </p:stCondLst>
+                            <p:childTnLst>
+                              <p:par>
+                                <p:cTn id="45" presetID="1" presetClass="entr" presetSubtype="0" fill="hold" nodeType="clickEffect">
+                                  <p:stCondLst>
+                                    <p:cond delay="0"/>
+                                  </p:stCondLst>
+                                  <p:childTnLst>
+                                    <p:set>
+                                      <p:cBhvr>
+                                        <p:cTn id="46" dur="1" fill="hold">
+                                          <p:stCondLst>
+                                            <p:cond delay="0"/>
+                                          </p:stCondLst>
+                                        </p:cTn>
+                                        <p:tgtEl>
+                                          <p:spTgt spid="12"/>
+                                        </p:tgtEl>
+                                        <p:attrNameLst>
+                                          <p:attrName>style.visibility</p:attrName>
+                                        </p:attrNameLst>
+                                      </p:cBhvr>
+                                      <p:to>
+                                        <p:strVal val="visible"/>
+                                      </p:to>
+                                    </p:set>
+                                  </p:childTnLst>
+                                </p:cTn>
+                              </p:par>
+                            </p:childTnLst>
+                          </p:cTn>
+                        </p:par>
+                      </p:childTnLst>
+                    </p:cTn>
+                  </p:par>
+                </p:childTnLst>
+              </p:cTn>
+              <p:prevCondLst>
+                <p:cond evt="onPrev" delay="0">
+                  <p:tgtEl>
+                    <p:sldTgt/>
+                  </p:tgtEl>
+                </p:cond>
+              </p:prevCondLst>
+              <p:nextCondLst>
+                <p:cond evt="onNext" delay="0">
+                  <p:tgtEl>
+                    <p:sldTgt/>
+                  </p:tgtEl>
+                </p:cond>
+              </p:nextCondLst>
+            </p:seq>
+          </p:childTnLst>
+        </p:cTn>
+      </p:par>
+    </p:tnLst>
+    <p:bldLst>
+      <p:bldP spid="18" grpId="0" build="p"/>
+    </p:bldLst>
+  </p:timing>
+</p:sld>
+</file>
+
+<file path=ppt/slides/slide26.xml><?xml version="1.0" encoding="utf-8"?>
+<p:sld xmlns:a="http://schemas.openxmlformats.org/drawingml/2006/main" xmlns:r="http://schemas.openxmlformats.org/officeDocument/2006/relationships" xmlns:p="http://schemas.openxmlformats.org/presentationml/2006/main">
+  <p:cSld>
+    <p:spTree>
+      <p:nvGrpSpPr>
+        <p:cNvPr id="1" name=""/>
+        <p:cNvGrpSpPr/>
+        <p:nvPr/>
+      </p:nvGrpSpPr>
+      <p:grpSpPr>
+        <a:xfrm>
+          <a:off x="0" y="0"/>
+          <a:ext cx="0" cy="0"/>
+          <a:chOff x="0" y="0"/>
+          <a:chExt cx="0" cy="0"/>
+        </a:xfrm>
+      </p:grpSpPr>
       <p:sp>
         <p:nvSpPr>
-          <p:cNvPr id="18" name="TextBox 17">
-            <a:extLst>
-              <a:ext uri="{FF2B5EF4-FFF2-40B4-BE49-F238E27FC236}">
-                <a16:creationId xmlns:a16="http://schemas.microsoft.com/office/drawing/2014/main" id="{BCC0AD16-6AB2-44D9-93A6-349A3AFB84AD}"/>
-              </a:ext>
-            </a:extLst>
-          </p:cNvPr>
-          <p:cNvSpPr txBox="1"/>
-          <p:nvPr/>
+          <p:cNvPr id="2" name="Title 1">
+            <a:extLst>
+              <a:ext uri="{FF2B5EF4-FFF2-40B4-BE49-F238E27FC236}">
+                <a16:creationId xmlns:a16="http://schemas.microsoft.com/office/drawing/2014/main" id="{66A0BDDA-1801-4090-9813-F56FEC554C3E}"/>
+              </a:ext>
+            </a:extLst>
+          </p:cNvPr>
+          <p:cNvSpPr>
+            <a:spLocks noGrp="1"/>
+          </p:cNvSpPr>
+          <p:nvPr>
+            <p:ph type="title"/>
+          </p:nvPr>
         </p:nvSpPr>
         <p:spPr>
           <a:xfrm>
-            <a:off x="4038600" y="5239434"/>
-            <a:ext cx="5105400" cy="923330"/>
+            <a:off x="152400" y="53975"/>
+            <a:ext cx="6553200" cy="1195386"/>
+          </a:xfrm>
+        </p:spPr>
+        <p:txBody>
+          <a:bodyPr/>
+          <a:lstStyle/>
+          <a:p>
+            <a:r>
+              <a:rPr lang="en-US" dirty="0"/>
+              <a:t>The many ways to blink an LED! Separating hardware from action</a:t>
+            </a:r>
+          </a:p>
+        </p:txBody>
+      </p:sp>
+      <p:pic>
+        <p:nvPicPr>
+          <p:cNvPr id="7" name="Content Placeholder 6">
+            <a:extLst>
+              <a:ext uri="{FF2B5EF4-FFF2-40B4-BE49-F238E27FC236}">
+                <a16:creationId xmlns:a16="http://schemas.microsoft.com/office/drawing/2014/main" id="{26F35809-6A6E-4C52-A4C0-95751A297469}"/>
+              </a:ext>
+            </a:extLst>
+          </p:cNvPr>
+          <p:cNvPicPr>
+            <a:picLocks noGrp="1" noChangeAspect="1"/>
+          </p:cNvPicPr>
+          <p:nvPr>
+            <p:ph idx="1"/>
+          </p:nvPr>
+        </p:nvPicPr>
+        <p:blipFill rotWithShape="1">
+          <a:blip r:embed="rId2"/>
+          <a:srcRect b="91228"/>
+          <a:stretch/>
+        </p:blipFill>
+        <p:spPr>
+          <a:xfrm>
+            <a:off x="75851" y="1752600"/>
+            <a:ext cx="8992298" cy="381000"/>
+          </a:xfrm>
+        </p:spPr>
+      </p:pic>
+      <p:sp>
+        <p:nvSpPr>
+          <p:cNvPr id="4" name="Date Placeholder 3">
+            <a:extLst>
+              <a:ext uri="{FF2B5EF4-FFF2-40B4-BE49-F238E27FC236}">
+                <a16:creationId xmlns:a16="http://schemas.microsoft.com/office/drawing/2014/main" id="{9EC57498-BE59-4BD0-8C20-7ADEC2E1315E}"/>
+              </a:ext>
+            </a:extLst>
+          </p:cNvPr>
+          <p:cNvSpPr>
+            <a:spLocks noGrp="1"/>
+          </p:cNvSpPr>
+          <p:nvPr>
+            <p:ph type="dt" sz="half" idx="10"/>
+          </p:nvPr>
+        </p:nvSpPr>
+        <p:spPr/>
+        <p:txBody>
+          <a:bodyPr/>
+          <a:lstStyle/>
+          <a:p>
+            <a:pPr>
+              <a:defRPr/>
+            </a:pPr>
+            <a:r>
+              <a:rPr lang="en-US"/>
+              <a:t>21/12/2020</a:t>
+            </a:r>
+          </a:p>
+        </p:txBody>
+      </p:sp>
+      <p:sp>
+        <p:nvSpPr>
+          <p:cNvPr id="5" name="Slide Number Placeholder 4">
+            <a:extLst>
+              <a:ext uri="{FF2B5EF4-FFF2-40B4-BE49-F238E27FC236}">
+                <a16:creationId xmlns:a16="http://schemas.microsoft.com/office/drawing/2014/main" id="{41BF2FFB-B80B-4A70-A44E-8BD79961D647}"/>
+              </a:ext>
+            </a:extLst>
+          </p:cNvPr>
+          <p:cNvSpPr>
+            <a:spLocks noGrp="1"/>
+          </p:cNvSpPr>
+          <p:nvPr>
+            <p:ph type="sldNum" sz="quarter" idx="12"/>
+          </p:nvPr>
+        </p:nvSpPr>
+        <p:spPr/>
+        <p:txBody>
+          <a:bodyPr/>
+          <a:lstStyle/>
+          <a:p>
+            <a:pPr>
+              <a:defRPr/>
+            </a:pPr>
+            <a:fld id="{CA887A73-1AE0-46F8-856A-18EA1CF30A1B}" type="slidenum">
+              <a:rPr lang="en-US" altLang="en-US" smtClean="0"/>
+              <a:pPr>
+                <a:defRPr/>
+              </a:pPr>
+              <a:t>26</a:t>
+            </a:fld>
+            <a:endParaRPr lang="en-US" altLang="en-US"/>
+          </a:p>
+        </p:txBody>
+      </p:sp>
+      <p:pic>
+        <p:nvPicPr>
+          <p:cNvPr id="8" name="Content Placeholder 6">
+            <a:extLst>
+              <a:ext uri="{FF2B5EF4-FFF2-40B4-BE49-F238E27FC236}">
+                <a16:creationId xmlns:a16="http://schemas.microsoft.com/office/drawing/2014/main" id="{6E768695-FBC3-4A59-8F6C-7AB3CA50F1E1}"/>
+              </a:ext>
+            </a:extLst>
+          </p:cNvPr>
+          <p:cNvPicPr>
+            <a:picLocks noChangeAspect="1"/>
+          </p:cNvPicPr>
+          <p:nvPr/>
+        </p:nvPicPr>
+        <p:blipFill rotWithShape="1">
+          <a:blip r:embed="rId2"/>
+          <a:srcRect r="50000" b="56140"/>
+          <a:stretch/>
+        </p:blipFill>
+        <p:spPr bwMode="auto">
+          <a:xfrm>
+            <a:off x="75851" y="1752600"/>
+            <a:ext cx="4496149" cy="1905000"/>
           </a:xfrm>
           <a:prstGeom prst="rect">
             <a:avLst/>
           </a:prstGeom>
           <a:noFill/>
+          <a:ln>
+            <a:noFill/>
+          </a:ln>
+          <a:extLst>
+            <a:ext uri="{909E8E84-426E-40DD-AFC4-6F175D3DCCD1}">
+              <a14:hiddenFill xmlns:a14="http://schemas.microsoft.com/office/drawing/2010/main">
+                <a:solidFill>
+                  <a:srgbClr val="FFFFFF"/>
+                </a:solidFill>
+              </a14:hiddenFill>
+            </a:ext>
+            <a:ext uri="{91240B29-F687-4F45-9708-019B960494DF}">
+              <a14:hiddenLine xmlns:a14="http://schemas.microsoft.com/office/drawing/2010/main" w="9525">
+                <a:solidFill>
+                  <a:srgbClr val="000000"/>
+                </a:solidFill>
+                <a:miter lim="800000"/>
+                <a:headEnd/>
+                <a:tailEnd/>
+              </a14:hiddenLine>
+            </a:ext>
+          </a:extLst>
         </p:spPr>
-        <p:txBody>
-          <a:bodyPr wrap="square" rtlCol="0">
-            <a:spAutoFit/>
-          </a:bodyPr>
-          <a:lstStyle/>
-          <a:p>
-            <a:r>
-              <a:rPr lang="en-US" dirty="0"/>
-              <a:t>Read – Modify – Write cycle</a:t>
-            </a:r>
-          </a:p>
-          <a:p>
-            <a:pPr marL="285750" indent="-285750">
-              <a:buFont typeface="Arial" panose="020B0604020202020204" pitchFamily="34" charset="0"/>
-              <a:buChar char="•"/>
-            </a:pPr>
-            <a:r>
-              <a:rPr lang="en-US" dirty="0"/>
-              <a:t>Must be atomic, i.e. complete as a single unit</a:t>
-            </a:r>
-          </a:p>
-          <a:p>
-            <a:pPr marL="285750" indent="-285750">
-              <a:buFont typeface="Arial" panose="020B0604020202020204" pitchFamily="34" charset="0"/>
-              <a:buChar char="•"/>
-            </a:pPr>
-            <a:r>
-              <a:rPr lang="en-US" dirty="0"/>
-              <a:t>Otherwise: unintended consequences!</a:t>
-            </a:r>
-          </a:p>
-        </p:txBody>
-      </p:sp>
+      </p:pic>
+      <p:pic>
+        <p:nvPicPr>
+          <p:cNvPr id="9" name="Content Placeholder 6">
+            <a:extLst>
+              <a:ext uri="{FF2B5EF4-FFF2-40B4-BE49-F238E27FC236}">
+                <a16:creationId xmlns:a16="http://schemas.microsoft.com/office/drawing/2014/main" id="{E258FAC3-086C-4EDC-B963-8B333F81E4B3}"/>
+              </a:ext>
+            </a:extLst>
+          </p:cNvPr>
+          <p:cNvPicPr>
+            <a:picLocks noChangeAspect="1"/>
+          </p:cNvPicPr>
+          <p:nvPr/>
+        </p:nvPicPr>
+        <p:blipFill rotWithShape="1">
+          <a:blip r:embed="rId2"/>
+          <a:srcRect b="56140"/>
+          <a:stretch/>
+        </p:blipFill>
+        <p:spPr bwMode="auto">
+          <a:xfrm>
+            <a:off x="75851" y="1752600"/>
+            <a:ext cx="8992298" cy="1905000"/>
+          </a:xfrm>
+          <a:prstGeom prst="rect">
+            <a:avLst/>
+          </a:prstGeom>
+          <a:noFill/>
+          <a:ln>
+            <a:noFill/>
+          </a:ln>
+          <a:extLst>
+            <a:ext uri="{909E8E84-426E-40DD-AFC4-6F175D3DCCD1}">
+              <a14:hiddenFill xmlns:a14="http://schemas.microsoft.com/office/drawing/2010/main">
+                <a:solidFill>
+                  <a:srgbClr val="FFFFFF"/>
+                </a:solidFill>
+              </a14:hiddenFill>
+            </a:ext>
+            <a:ext uri="{91240B29-F687-4F45-9708-019B960494DF}">
+              <a14:hiddenLine xmlns:a14="http://schemas.microsoft.com/office/drawing/2010/main" w="9525">
+                <a:solidFill>
+                  <a:srgbClr val="000000"/>
+                </a:solidFill>
+                <a:miter lim="800000"/>
+                <a:headEnd/>
+                <a:tailEnd/>
+              </a14:hiddenLine>
+            </a:ext>
+          </a:extLst>
+        </p:spPr>
+      </p:pic>
+      <p:pic>
+        <p:nvPicPr>
+          <p:cNvPr id="10" name="Content Placeholder 6">
+            <a:extLst>
+              <a:ext uri="{FF2B5EF4-FFF2-40B4-BE49-F238E27FC236}">
+                <a16:creationId xmlns:a16="http://schemas.microsoft.com/office/drawing/2014/main" id="{42802742-8454-416B-9145-2D3C4BF4955F}"/>
+              </a:ext>
+            </a:extLst>
+          </p:cNvPr>
+          <p:cNvPicPr>
+            <a:picLocks noChangeAspect="1"/>
+          </p:cNvPicPr>
+          <p:nvPr/>
+        </p:nvPicPr>
+        <p:blipFill rotWithShape="1">
+          <a:blip r:embed="rId2"/>
+          <a:srcRect t="-1" b="45614"/>
+          <a:stretch/>
+        </p:blipFill>
+        <p:spPr bwMode="auto">
+          <a:xfrm>
+            <a:off x="152400" y="1752600"/>
+            <a:ext cx="8992298" cy="2362200"/>
+          </a:xfrm>
+          <a:prstGeom prst="rect">
+            <a:avLst/>
+          </a:prstGeom>
+          <a:noFill/>
+          <a:ln>
+            <a:noFill/>
+          </a:ln>
+          <a:extLst>
+            <a:ext uri="{909E8E84-426E-40DD-AFC4-6F175D3DCCD1}">
+              <a14:hiddenFill xmlns:a14="http://schemas.microsoft.com/office/drawing/2010/main">
+                <a:solidFill>
+                  <a:srgbClr val="FFFFFF"/>
+                </a:solidFill>
+              </a14:hiddenFill>
+            </a:ext>
+            <a:ext uri="{91240B29-F687-4F45-9708-019B960494DF}">
+              <a14:hiddenLine xmlns:a14="http://schemas.microsoft.com/office/drawing/2010/main" w="9525">
+                <a:solidFill>
+                  <a:srgbClr val="000000"/>
+                </a:solidFill>
+                <a:miter lim="800000"/>
+                <a:headEnd/>
+                <a:tailEnd/>
+              </a14:hiddenLine>
+            </a:ext>
+          </a:extLst>
+        </p:spPr>
+      </p:pic>
+      <p:pic>
+        <p:nvPicPr>
+          <p:cNvPr id="11" name="Content Placeholder 6">
+            <a:extLst>
+              <a:ext uri="{FF2B5EF4-FFF2-40B4-BE49-F238E27FC236}">
+                <a16:creationId xmlns:a16="http://schemas.microsoft.com/office/drawing/2014/main" id="{5493C6F9-01C4-4CD2-86BE-7730CF91D2C3}"/>
+              </a:ext>
+            </a:extLst>
+          </p:cNvPr>
+          <p:cNvPicPr>
+            <a:picLocks noChangeAspect="1"/>
+          </p:cNvPicPr>
+          <p:nvPr/>
+        </p:nvPicPr>
+        <p:blipFill rotWithShape="1">
+          <a:blip r:embed="rId2"/>
+          <a:srcRect t="56140" r="61863" b="-1"/>
+          <a:stretch/>
+        </p:blipFill>
+        <p:spPr bwMode="auto">
+          <a:xfrm>
+            <a:off x="75851" y="4190998"/>
+            <a:ext cx="3429349" cy="1905001"/>
+          </a:xfrm>
+          <a:prstGeom prst="rect">
+            <a:avLst/>
+          </a:prstGeom>
+          <a:noFill/>
+          <a:ln>
+            <a:noFill/>
+          </a:ln>
+          <a:extLst>
+            <a:ext uri="{909E8E84-426E-40DD-AFC4-6F175D3DCCD1}">
+              <a14:hiddenFill xmlns:a14="http://schemas.microsoft.com/office/drawing/2010/main">
+                <a:solidFill>
+                  <a:srgbClr val="FFFFFF"/>
+                </a:solidFill>
+              </a14:hiddenFill>
+            </a:ext>
+            <a:ext uri="{91240B29-F687-4F45-9708-019B960494DF}">
+              <a14:hiddenLine xmlns:a14="http://schemas.microsoft.com/office/drawing/2010/main" w="9525">
+                <a:solidFill>
+                  <a:srgbClr val="000000"/>
+                </a:solidFill>
+                <a:miter lim="800000"/>
+                <a:headEnd/>
+                <a:tailEnd/>
+              </a14:hiddenLine>
+            </a:ext>
+          </a:extLst>
+        </p:spPr>
+      </p:pic>
+      <p:pic>
+        <p:nvPicPr>
+          <p:cNvPr id="12" name="Content Placeholder 6">
+            <a:extLst>
+              <a:ext uri="{FF2B5EF4-FFF2-40B4-BE49-F238E27FC236}">
+                <a16:creationId xmlns:a16="http://schemas.microsoft.com/office/drawing/2014/main" id="{1C85F5AE-3B4F-4D91-9107-6E0BBF277E94}"/>
+              </a:ext>
+            </a:extLst>
+          </p:cNvPr>
+          <p:cNvPicPr>
+            <a:picLocks noChangeAspect="1"/>
+          </p:cNvPicPr>
+          <p:nvPr/>
+        </p:nvPicPr>
+        <p:blipFill rotWithShape="1">
+          <a:blip r:embed="rId2"/>
+          <a:srcRect l="38139" t="56140" r="-3" b="-1"/>
+          <a:stretch/>
+        </p:blipFill>
+        <p:spPr bwMode="auto">
+          <a:xfrm>
+            <a:off x="3505200" y="4190997"/>
+            <a:ext cx="5562948" cy="1905001"/>
+          </a:xfrm>
+          <a:prstGeom prst="rect">
+            <a:avLst/>
+          </a:prstGeom>
+          <a:noFill/>
+          <a:ln>
+            <a:noFill/>
+          </a:ln>
+          <a:extLst>
+            <a:ext uri="{909E8E84-426E-40DD-AFC4-6F175D3DCCD1}">
+              <a14:hiddenFill xmlns:a14="http://schemas.microsoft.com/office/drawing/2010/main">
+                <a:solidFill>
+                  <a:srgbClr val="FFFFFF"/>
+                </a:solidFill>
+              </a14:hiddenFill>
+            </a:ext>
+            <a:ext uri="{91240B29-F687-4F45-9708-019B960494DF}">
+              <a14:hiddenLine xmlns:a14="http://schemas.microsoft.com/office/drawing/2010/main" w="9525">
+                <a:solidFill>
+                  <a:srgbClr val="000000"/>
+                </a:solidFill>
+                <a:miter lim="800000"/>
+                <a:headEnd/>
+                <a:tailEnd/>
+              </a14:hiddenLine>
+            </a:ext>
+          </a:extLst>
+        </p:spPr>
+      </p:pic>
     </p:spTree>
     <p:extLst>
       <p:ext uri="{BB962C8B-B14F-4D97-AF65-F5344CB8AC3E}">
-        <p14:creationId xmlns:p14="http://schemas.microsoft.com/office/powerpoint/2010/main" val="3854507257"/>
+        <p14:creationId xmlns:p14="http://schemas.microsoft.com/office/powerpoint/2010/main" val="3550277250"/>
       </p:ext>
     </p:extLst>
   </p:cSld>
@@ -16616,7 +17791,7 @@
                                           </p:stCondLst>
                                         </p:cTn>
                                         <p:tgtEl>
-                                          <p:spTgt spid="19"/>
+                                          <p:spTgt spid="10"/>
                                         </p:tgtEl>
                                         <p:attrNameLst>
                                           <p:attrName>style.visibility</p:attrName>
@@ -16648,7 +17823,7 @@
                             </p:stCondLst>
                             <p:childTnLst>
                               <p:par>
-                                <p:cTn id="21" presetID="1" presetClass="entr" presetSubtype="0" fill="hold" grpId="0" nodeType="clickEffect">
+                                <p:cTn id="21" presetID="1" presetClass="entr" presetSubtype="0" fill="hold" nodeType="clickEffect">
                                   <p:stCondLst>
                                     <p:cond delay="0"/>
                                   </p:stCondLst>
@@ -16661,11 +17836,7 @@
                                           </p:stCondLst>
                                         </p:cTn>
                                         <p:tgtEl>
-                                          <p:spTgt spid="18">
-                                            <p:txEl>
-                                              <p:pRg st="0" end="0"/>
-                                            </p:txEl>
-                                          </p:spTgt>
+                                          <p:spTgt spid="11"/>
                                         </p:tgtEl>
                                         <p:attrNameLst>
                                           <p:attrName>style.visibility</p:attrName>
@@ -16697,7 +17868,7 @@
                             </p:stCondLst>
                             <p:childTnLst>
                               <p:par>
-                                <p:cTn id="25" presetID="1" presetClass="entr" presetSubtype="0" fill="hold" grpId="0" nodeType="clickEffect">
+                                <p:cTn id="25" presetID="1" presetClass="entr" presetSubtype="0" fill="hold" nodeType="clickEffect">
                                   <p:stCondLst>
                                     <p:cond delay="0"/>
                                   </p:stCondLst>
@@ -16705,194 +17876,6 @@
                                     <p:set>
                                       <p:cBhvr>
                                         <p:cTn id="26" dur="1" fill="hold">
-                                          <p:stCondLst>
-                                            <p:cond delay="0"/>
-                                          </p:stCondLst>
-                                        </p:cTn>
-                                        <p:tgtEl>
-                                          <p:spTgt spid="18">
-                                            <p:txEl>
-                                              <p:pRg st="1" end="1"/>
-                                            </p:txEl>
-                                          </p:spTgt>
-                                        </p:tgtEl>
-                                        <p:attrNameLst>
-                                          <p:attrName>style.visibility</p:attrName>
-                                        </p:attrNameLst>
-                                      </p:cBhvr>
-                                      <p:to>
-                                        <p:strVal val="visible"/>
-                                      </p:to>
-                                    </p:set>
-                                  </p:childTnLst>
-                                </p:cTn>
-                              </p:par>
-                            </p:childTnLst>
-                          </p:cTn>
-                        </p:par>
-                      </p:childTnLst>
-                    </p:cTn>
-                  </p:par>
-                  <p:par>
-                    <p:cTn id="27" fill="hold">
-                      <p:stCondLst>
-                        <p:cond delay="indefinite"/>
-                      </p:stCondLst>
-                      <p:childTnLst>
-                        <p:par>
-                          <p:cTn id="28" fill="hold">
-                            <p:stCondLst>
-                              <p:cond delay="0"/>
-                            </p:stCondLst>
-                            <p:childTnLst>
-                              <p:par>
-                                <p:cTn id="29" presetID="1" presetClass="entr" presetSubtype="0" fill="hold" grpId="0" nodeType="clickEffect">
-                                  <p:stCondLst>
-                                    <p:cond delay="0"/>
-                                  </p:stCondLst>
-                                  <p:childTnLst>
-                                    <p:set>
-                                      <p:cBhvr>
-                                        <p:cTn id="30" dur="1" fill="hold">
-                                          <p:stCondLst>
-                                            <p:cond delay="0"/>
-                                          </p:stCondLst>
-                                        </p:cTn>
-                                        <p:tgtEl>
-                                          <p:spTgt spid="18">
-                                            <p:txEl>
-                                              <p:pRg st="2" end="2"/>
-                                            </p:txEl>
-                                          </p:spTgt>
-                                        </p:tgtEl>
-                                        <p:attrNameLst>
-                                          <p:attrName>style.visibility</p:attrName>
-                                        </p:attrNameLst>
-                                      </p:cBhvr>
-                                      <p:to>
-                                        <p:strVal val="visible"/>
-                                      </p:to>
-                                    </p:set>
-                                  </p:childTnLst>
-                                </p:cTn>
-                              </p:par>
-                            </p:childTnLst>
-                          </p:cTn>
-                        </p:par>
-                      </p:childTnLst>
-                    </p:cTn>
-                  </p:par>
-                  <p:par>
-                    <p:cTn id="31" fill="hold">
-                      <p:stCondLst>
-                        <p:cond delay="indefinite"/>
-                      </p:stCondLst>
-                      <p:childTnLst>
-                        <p:par>
-                          <p:cTn id="32" fill="hold">
-                            <p:stCondLst>
-                              <p:cond delay="0"/>
-                            </p:stCondLst>
-                            <p:childTnLst>
-                              <p:par>
-                                <p:cTn id="33" presetID="1" presetClass="entr" presetSubtype="0" fill="hold" nodeType="clickEffect">
-                                  <p:stCondLst>
-                                    <p:cond delay="0"/>
-                                  </p:stCondLst>
-                                  <p:childTnLst>
-                                    <p:set>
-                                      <p:cBhvr>
-                                        <p:cTn id="34" dur="1" fill="hold">
-                                          <p:stCondLst>
-                                            <p:cond delay="0"/>
-                                          </p:stCondLst>
-                                        </p:cTn>
-                                        <p:tgtEl>
-                                          <p:spTgt spid="10"/>
-                                        </p:tgtEl>
-                                        <p:attrNameLst>
-                                          <p:attrName>style.visibility</p:attrName>
-                                        </p:attrNameLst>
-                                      </p:cBhvr>
-                                      <p:to>
-                                        <p:strVal val="visible"/>
-                                      </p:to>
-                                    </p:set>
-                                  </p:childTnLst>
-                                </p:cTn>
-                              </p:par>
-                            </p:childTnLst>
-                          </p:cTn>
-                        </p:par>
-                      </p:childTnLst>
-                    </p:cTn>
-                  </p:par>
-                  <p:par>
-                    <p:cTn id="35" fill="hold">
-                      <p:stCondLst>
-                        <p:cond delay="indefinite"/>
-                      </p:stCondLst>
-                      <p:childTnLst>
-                        <p:par>
-                          <p:cTn id="36" fill="hold">
-                            <p:stCondLst>
-                              <p:cond delay="0"/>
-                            </p:stCondLst>
-                            <p:childTnLst>
-                              <p:par>
-                                <p:cTn id="37" presetID="1" presetClass="entr" presetSubtype="0" fill="hold" nodeType="clickEffect">
-                                  <p:stCondLst>
-                                    <p:cond delay="0"/>
-                                  </p:stCondLst>
-                                  <p:childTnLst>
-                                    <p:set>
-                                      <p:cBhvr>
-                                        <p:cTn id="38" dur="1" fill="hold">
-                                          <p:stCondLst>
-                                            <p:cond delay="0"/>
-                                          </p:stCondLst>
-                                        </p:cTn>
-                                        <p:tgtEl>
-                                          <p:spTgt spid="11"/>
-                                        </p:tgtEl>
-                                        <p:attrNameLst>
-                                          <p:attrName>style.visibility</p:attrName>
-                                        </p:attrNameLst>
-                                      </p:cBhvr>
-                                      <p:to>
-                                        <p:strVal val="visible"/>
-                                      </p:to>
-                                    </p:set>
-                                  </p:childTnLst>
-                                </p:cTn>
-                              </p:par>
-                            </p:childTnLst>
-                          </p:cTn>
-                        </p:par>
-                      </p:childTnLst>
-                    </p:cTn>
-                  </p:par>
-                  <p:par>
-                    <p:cTn id="39" fill="hold">
-                      <p:stCondLst>
-                        <p:cond delay="indefinite"/>
-                      </p:stCondLst>
-                      <p:childTnLst>
-                        <p:par>
-                          <p:cTn id="40" fill="hold">
-                            <p:stCondLst>
-                              <p:cond delay="0"/>
-                            </p:stCondLst>
-                            <p:childTnLst>
-                              <p:par>
-                                <p:cTn id="41" presetID="1" presetClass="entr" presetSubtype="0" fill="hold" nodeType="clickEffect">
-                                  <p:stCondLst>
-                                    <p:cond delay="0"/>
-                                  </p:stCondLst>
-                                  <p:childTnLst>
-                                    <p:set>
-                                      <p:cBhvr>
-                                        <p:cTn id="42" dur="1" fill="hold">
                                           <p:stCondLst>
                                             <p:cond delay="0"/>
                                           </p:stCondLst>
@@ -16938,310 +17921,7 @@
         </p:cTn>
       </p:par>
     </p:tnLst>
-    <p:bldLst>
-      <p:bldP spid="18" grpId="0" build="p"/>
-    </p:bldLst>
   </p:timing>
-</p:sld>
-</file>
-
-<file path=ppt/slides/slide25.xml><?xml version="1.0" encoding="utf-8"?>
-<p:sld xmlns:a="http://schemas.openxmlformats.org/drawingml/2006/main" xmlns:r="http://schemas.openxmlformats.org/officeDocument/2006/relationships" xmlns:p="http://schemas.openxmlformats.org/presentationml/2006/main">
-  <p:cSld>
-    <p:spTree>
-      <p:nvGrpSpPr>
-        <p:cNvPr id="1" name=""/>
-        <p:cNvGrpSpPr/>
-        <p:nvPr/>
-      </p:nvGrpSpPr>
-      <p:grpSpPr>
-        <a:xfrm>
-          <a:off x="0" y="0"/>
-          <a:ext cx="0" cy="0"/>
-          <a:chOff x="0" y="0"/>
-          <a:chExt cx="0" cy="0"/>
-        </a:xfrm>
-      </p:grpSpPr>
-      <p:sp>
-        <p:nvSpPr>
-          <p:cNvPr id="2" name="Title 1">
-            <a:extLst>
-              <a:ext uri="{FF2B5EF4-FFF2-40B4-BE49-F238E27FC236}">
-                <a16:creationId xmlns:a16="http://schemas.microsoft.com/office/drawing/2014/main" id="{66A0BDDA-1801-4090-9813-F56FEC554C3E}"/>
-              </a:ext>
-            </a:extLst>
-          </p:cNvPr>
-          <p:cNvSpPr>
-            <a:spLocks noGrp="1"/>
-          </p:cNvSpPr>
-          <p:nvPr>
-            <p:ph type="title"/>
-          </p:nvPr>
-        </p:nvSpPr>
-        <p:spPr>
-          <a:xfrm>
-            <a:off x="152400" y="53975"/>
-            <a:ext cx="6553200" cy="1195386"/>
-          </a:xfrm>
-        </p:spPr>
-        <p:txBody>
-          <a:bodyPr/>
-          <a:lstStyle/>
-          <a:p>
-            <a:r>
-              <a:rPr lang="en-US" dirty="0"/>
-              <a:t>The many ways to blink an LED! Separating hardware from action</a:t>
-            </a:r>
-          </a:p>
-        </p:txBody>
-      </p:sp>
-      <p:sp>
-        <p:nvSpPr>
-          <p:cNvPr id="3" name="Content Placeholder 2">
-            <a:extLst>
-              <a:ext uri="{FF2B5EF4-FFF2-40B4-BE49-F238E27FC236}">
-                <a16:creationId xmlns:a16="http://schemas.microsoft.com/office/drawing/2014/main" id="{B5FE1C58-FFB1-4177-9EDD-A2BB163D08A0}"/>
-              </a:ext>
-            </a:extLst>
-          </p:cNvPr>
-          <p:cNvSpPr>
-            <a:spLocks noGrp="1"/>
-          </p:cNvSpPr>
-          <p:nvPr>
-            <p:ph idx="1"/>
-          </p:nvPr>
-        </p:nvSpPr>
-        <p:spPr/>
-        <p:txBody>
-          <a:bodyPr/>
-          <a:lstStyle/>
-          <a:p>
-            <a:endParaRPr lang="en-US"/>
-          </a:p>
-        </p:txBody>
-      </p:sp>
-      <p:sp>
-        <p:nvSpPr>
-          <p:cNvPr id="4" name="Date Placeholder 3">
-            <a:extLst>
-              <a:ext uri="{FF2B5EF4-FFF2-40B4-BE49-F238E27FC236}">
-                <a16:creationId xmlns:a16="http://schemas.microsoft.com/office/drawing/2014/main" id="{9EC57498-BE59-4BD0-8C20-7ADEC2E1315E}"/>
-              </a:ext>
-            </a:extLst>
-          </p:cNvPr>
-          <p:cNvSpPr>
-            <a:spLocks noGrp="1"/>
-          </p:cNvSpPr>
-          <p:nvPr>
-            <p:ph type="dt" sz="half" idx="10"/>
-          </p:nvPr>
-        </p:nvSpPr>
-        <p:spPr/>
-        <p:txBody>
-          <a:bodyPr/>
-          <a:lstStyle/>
-          <a:p>
-            <a:pPr>
-              <a:defRPr/>
-            </a:pPr>
-            <a:r>
-              <a:rPr lang="en-US"/>
-              <a:t>21/12/2020</a:t>
-            </a:r>
-          </a:p>
-        </p:txBody>
-      </p:sp>
-      <p:sp>
-        <p:nvSpPr>
-          <p:cNvPr id="5" name="Slide Number Placeholder 4">
-            <a:extLst>
-              <a:ext uri="{FF2B5EF4-FFF2-40B4-BE49-F238E27FC236}">
-                <a16:creationId xmlns:a16="http://schemas.microsoft.com/office/drawing/2014/main" id="{41BF2FFB-B80B-4A70-A44E-8BD79961D647}"/>
-              </a:ext>
-            </a:extLst>
-          </p:cNvPr>
-          <p:cNvSpPr>
-            <a:spLocks noGrp="1"/>
-          </p:cNvSpPr>
-          <p:nvPr>
-            <p:ph type="sldNum" sz="quarter" idx="12"/>
-          </p:nvPr>
-        </p:nvSpPr>
-        <p:spPr/>
-        <p:txBody>
-          <a:bodyPr/>
-          <a:lstStyle/>
-          <a:p>
-            <a:pPr>
-              <a:defRPr/>
-            </a:pPr>
-            <a:fld id="{CA887A73-1AE0-46F8-856A-18EA1CF30A1B}" type="slidenum">
-              <a:rPr lang="en-US" altLang="en-US" smtClean="0"/>
-              <a:pPr>
-                <a:defRPr/>
-              </a:pPr>
-              <a:t>25</a:t>
-            </a:fld>
-            <a:endParaRPr lang="en-US" altLang="en-US"/>
-          </a:p>
-        </p:txBody>
-      </p:sp>
-    </p:spTree>
-    <p:extLst>
-      <p:ext uri="{BB962C8B-B14F-4D97-AF65-F5344CB8AC3E}">
-        <p14:creationId xmlns:p14="http://schemas.microsoft.com/office/powerpoint/2010/main" val="3550277250"/>
-      </p:ext>
-    </p:extLst>
-  </p:cSld>
-  <p:clrMapOvr>
-    <a:masterClrMapping/>
-  </p:clrMapOvr>
-</p:sld>
-</file>
-
-<file path=ppt/slides/slide26.xml><?xml version="1.0" encoding="utf-8"?>
-<p:sld xmlns:a="http://schemas.openxmlformats.org/drawingml/2006/main" xmlns:r="http://schemas.openxmlformats.org/officeDocument/2006/relationships" xmlns:p="http://schemas.openxmlformats.org/presentationml/2006/main">
-  <p:cSld>
-    <p:spTree>
-      <p:nvGrpSpPr>
-        <p:cNvPr id="1" name=""/>
-        <p:cNvGrpSpPr/>
-        <p:nvPr/>
-      </p:nvGrpSpPr>
-      <p:grpSpPr>
-        <a:xfrm>
-          <a:off x="0" y="0"/>
-          <a:ext cx="0" cy="0"/>
-          <a:chOff x="0" y="0"/>
-          <a:chExt cx="0" cy="0"/>
-        </a:xfrm>
-      </p:grpSpPr>
-      <p:sp>
-        <p:nvSpPr>
-          <p:cNvPr id="2" name="Title 1">
-            <a:extLst>
-              <a:ext uri="{FF2B5EF4-FFF2-40B4-BE49-F238E27FC236}">
-                <a16:creationId xmlns:a16="http://schemas.microsoft.com/office/drawing/2014/main" id="{AA045828-B82B-44E1-A9B1-0AC83E3F7A22}"/>
-              </a:ext>
-            </a:extLst>
-          </p:cNvPr>
-          <p:cNvSpPr>
-            <a:spLocks noGrp="1"/>
-          </p:cNvSpPr>
-          <p:nvPr>
-            <p:ph type="title"/>
-          </p:nvPr>
-        </p:nvSpPr>
-        <p:spPr/>
-        <p:txBody>
-          <a:bodyPr/>
-          <a:lstStyle/>
-          <a:p>
-            <a:endParaRPr lang="en-US"/>
-          </a:p>
-        </p:txBody>
-      </p:sp>
-      <p:sp>
-        <p:nvSpPr>
-          <p:cNvPr id="3" name="Content Placeholder 2">
-            <a:extLst>
-              <a:ext uri="{FF2B5EF4-FFF2-40B4-BE49-F238E27FC236}">
-                <a16:creationId xmlns:a16="http://schemas.microsoft.com/office/drawing/2014/main" id="{FA6E88B2-3B2E-4F6C-A817-E26E54A1D1D6}"/>
-              </a:ext>
-            </a:extLst>
-          </p:cNvPr>
-          <p:cNvSpPr>
-            <a:spLocks noGrp="1"/>
-          </p:cNvSpPr>
-          <p:nvPr>
-            <p:ph idx="1"/>
-          </p:nvPr>
-        </p:nvSpPr>
-        <p:spPr/>
-        <p:txBody>
-          <a:bodyPr/>
-          <a:lstStyle/>
-          <a:p>
-            <a:endParaRPr lang="en-US"/>
-          </a:p>
-        </p:txBody>
-      </p:sp>
-      <p:sp>
-        <p:nvSpPr>
-          <p:cNvPr id="4" name="Date Placeholder 3">
-            <a:extLst>
-              <a:ext uri="{FF2B5EF4-FFF2-40B4-BE49-F238E27FC236}">
-                <a16:creationId xmlns:a16="http://schemas.microsoft.com/office/drawing/2014/main" id="{205F6088-9C95-4574-AB7D-62D692727744}"/>
-              </a:ext>
-            </a:extLst>
-          </p:cNvPr>
-          <p:cNvSpPr>
-            <a:spLocks noGrp="1"/>
-          </p:cNvSpPr>
-          <p:nvPr>
-            <p:ph type="dt" sz="half" idx="10"/>
-          </p:nvPr>
-        </p:nvSpPr>
-        <p:spPr/>
-        <p:txBody>
-          <a:bodyPr/>
-          <a:lstStyle/>
-          <a:p>
-            <a:pPr>
-              <a:defRPr/>
-            </a:pPr>
-            <a:r>
-              <a:rPr lang="en-US"/>
-              <a:t>21/12/2020</a:t>
-            </a:r>
-          </a:p>
-        </p:txBody>
-      </p:sp>
-      <p:sp>
-        <p:nvSpPr>
-          <p:cNvPr id="5" name="Slide Number Placeholder 4">
-            <a:extLst>
-              <a:ext uri="{FF2B5EF4-FFF2-40B4-BE49-F238E27FC236}">
-                <a16:creationId xmlns:a16="http://schemas.microsoft.com/office/drawing/2014/main" id="{46B67A67-80D3-4FAF-A68C-EAC1126E10AE}"/>
-              </a:ext>
-            </a:extLst>
-          </p:cNvPr>
-          <p:cNvSpPr>
-            <a:spLocks noGrp="1"/>
-          </p:cNvSpPr>
-          <p:nvPr>
-            <p:ph type="sldNum" sz="quarter" idx="12"/>
-          </p:nvPr>
-        </p:nvSpPr>
-        <p:spPr/>
-        <p:txBody>
-          <a:bodyPr/>
-          <a:lstStyle/>
-          <a:p>
-            <a:pPr>
-              <a:defRPr/>
-            </a:pPr>
-            <a:fld id="{CA887A73-1AE0-46F8-856A-18EA1CF30A1B}" type="slidenum">
-              <a:rPr lang="en-US" altLang="en-US" smtClean="0"/>
-              <a:pPr>
-                <a:defRPr/>
-              </a:pPr>
-              <a:t>26</a:t>
-            </a:fld>
-            <a:endParaRPr lang="en-US" altLang="en-US"/>
-          </a:p>
-        </p:txBody>
-      </p:sp>
-    </p:spTree>
-    <p:extLst>
-      <p:ext uri="{BB962C8B-B14F-4D97-AF65-F5344CB8AC3E}">
-        <p14:creationId xmlns:p14="http://schemas.microsoft.com/office/powerpoint/2010/main" val="2623485503"/>
-      </p:ext>
-    </p:extLst>
-  </p:cSld>
-  <p:clrMapOvr>
-    <a:masterClrMapping/>
-  </p:clrMapOvr>
 </p:sld>
 </file>
 
@@ -17267,7 +17947,7 @@
           <p:cNvPr id="2" name="Title 1">
             <a:extLst>
               <a:ext uri="{FF2B5EF4-FFF2-40B4-BE49-F238E27FC236}">
-                <a16:creationId xmlns:a16="http://schemas.microsoft.com/office/drawing/2014/main" id="{C9A7AB5D-D1EF-4D24-AAF6-174B5003C9A4}"/>
+                <a16:creationId xmlns:a16="http://schemas.microsoft.com/office/drawing/2014/main" id="{AA045828-B82B-44E1-A9B1-0AC83E3F7A22}"/>
               </a:ext>
             </a:extLst>
           </p:cNvPr>
@@ -17278,14 +17958,19 @@
             <p:ph type="title"/>
           </p:nvPr>
         </p:nvSpPr>
-        <p:spPr/>
+        <p:spPr>
+          <a:xfrm>
+            <a:off x="152400" y="53975"/>
+            <a:ext cx="6934200" cy="1195386"/>
+          </a:xfrm>
+        </p:spPr>
         <p:txBody>
           <a:bodyPr/>
           <a:lstStyle/>
           <a:p>
             <a:r>
               <a:rPr lang="en-US" dirty="0"/>
-              <a:t>From diagrams to file structures</a:t>
+              <a:t>The many ways to blink an LED! Separating hardware from action</a:t>
             </a:r>
           </a:p>
         </p:txBody>
@@ -17295,7 +17980,7 @@
           <p:cNvPr id="3" name="Content Placeholder 2">
             <a:extLst>
               <a:ext uri="{FF2B5EF4-FFF2-40B4-BE49-F238E27FC236}">
-                <a16:creationId xmlns:a16="http://schemas.microsoft.com/office/drawing/2014/main" id="{567EB26E-359F-4C3A-BB1D-DE45F07505B3}"/>
+                <a16:creationId xmlns:a16="http://schemas.microsoft.com/office/drawing/2014/main" id="{FA6E88B2-3B2E-4F6C-A817-E26E54A1D1D6}"/>
               </a:ext>
             </a:extLst>
           </p:cNvPr>
@@ -17311,7 +17996,13 @@
           <a:bodyPr/>
           <a:lstStyle/>
           <a:p>
-            <a:endParaRPr lang="en-US"/>
+            <a:pPr marL="0" indent="0">
+              <a:buNone/>
+            </a:pPr>
+            <a:r>
+              <a:rPr lang="en-US" dirty="0"/>
+              <a:t>Board-specific header files and version reuse</a:t>
+            </a:r>
           </a:p>
         </p:txBody>
       </p:sp>
@@ -17320,7 +18011,7 @@
           <p:cNvPr id="4" name="Date Placeholder 3">
             <a:extLst>
               <a:ext uri="{FF2B5EF4-FFF2-40B4-BE49-F238E27FC236}">
-                <a16:creationId xmlns:a16="http://schemas.microsoft.com/office/drawing/2014/main" id="{51C922FA-89D7-46E4-8040-F0F0FCF95C0A}"/>
+                <a16:creationId xmlns:a16="http://schemas.microsoft.com/office/drawing/2014/main" id="{205F6088-9C95-4574-AB7D-62D692727744}"/>
               </a:ext>
             </a:extLst>
           </p:cNvPr>
@@ -17351,7 +18042,7 @@
           <p:cNvPr id="5" name="Slide Number Placeholder 4">
             <a:extLst>
               <a:ext uri="{FF2B5EF4-FFF2-40B4-BE49-F238E27FC236}">
-                <a16:creationId xmlns:a16="http://schemas.microsoft.com/office/drawing/2014/main" id="{9F73F040-6F26-4420-941B-4564D793A61E}"/>
+                <a16:creationId xmlns:a16="http://schemas.microsoft.com/office/drawing/2014/main" id="{46B67A67-80D3-4FAF-A68C-EAC1126E10AE}"/>
               </a:ext>
             </a:extLst>
           </p:cNvPr>
@@ -17381,16 +18072,218 @@
           </a:p>
         </p:txBody>
       </p:sp>
+      <p:pic>
+        <p:nvPicPr>
+          <p:cNvPr id="7" name="Picture 6">
+            <a:extLst>
+              <a:ext uri="{FF2B5EF4-FFF2-40B4-BE49-F238E27FC236}">
+                <a16:creationId xmlns:a16="http://schemas.microsoft.com/office/drawing/2014/main" id="{85D15B54-BCFF-4023-82CD-F057AADCBE06}"/>
+              </a:ext>
+            </a:extLst>
+          </p:cNvPr>
+          <p:cNvPicPr>
+            <a:picLocks noChangeAspect="1"/>
+          </p:cNvPicPr>
+          <p:nvPr/>
+        </p:nvPicPr>
+        <p:blipFill>
+          <a:blip r:embed="rId2"/>
+          <a:stretch>
+            <a:fillRect/>
+          </a:stretch>
+        </p:blipFill>
+        <p:spPr>
+          <a:xfrm>
+            <a:off x="228599" y="2202852"/>
+            <a:ext cx="6660157" cy="2064347"/>
+          </a:xfrm>
+          <a:prstGeom prst="rect">
+            <a:avLst/>
+          </a:prstGeom>
+        </p:spPr>
+      </p:pic>
+      <p:pic>
+        <p:nvPicPr>
+          <p:cNvPr id="9" name="Content Placeholder 6">
+            <a:extLst>
+              <a:ext uri="{FF2B5EF4-FFF2-40B4-BE49-F238E27FC236}">
+                <a16:creationId xmlns:a16="http://schemas.microsoft.com/office/drawing/2014/main" id="{868618D4-8F5A-4B3E-809C-6C8A82FBF457}"/>
+              </a:ext>
+            </a:extLst>
+          </p:cNvPr>
+          <p:cNvPicPr>
+            <a:picLocks noChangeAspect="1"/>
+          </p:cNvPicPr>
+          <p:nvPr/>
+        </p:nvPicPr>
+        <p:blipFill rotWithShape="1">
+          <a:blip r:embed="rId3"/>
+          <a:srcRect l="55087" t="80702" r="-3" b="-1"/>
+          <a:stretch/>
+        </p:blipFill>
+        <p:spPr bwMode="auto">
+          <a:xfrm>
+            <a:off x="3161466" y="4635895"/>
+            <a:ext cx="5507670" cy="1143000"/>
+          </a:xfrm>
+          <a:prstGeom prst="rect">
+            <a:avLst/>
+          </a:prstGeom>
+          <a:noFill/>
+          <a:ln>
+            <a:noFill/>
+          </a:ln>
+          <a:extLst>
+            <a:ext uri="{909E8E84-426E-40DD-AFC4-6F175D3DCCD1}">
+              <a14:hiddenFill xmlns:a14="http://schemas.microsoft.com/office/drawing/2010/main">
+                <a:solidFill>
+                  <a:srgbClr val="FFFFFF"/>
+                </a:solidFill>
+              </a14:hiddenFill>
+            </a:ext>
+            <a:ext uri="{91240B29-F687-4F45-9708-019B960494DF}">
+              <a14:hiddenLine xmlns:a14="http://schemas.microsoft.com/office/drawing/2010/main" w="9525">
+                <a:solidFill>
+                  <a:srgbClr val="000000"/>
+                </a:solidFill>
+                <a:miter lim="800000"/>
+                <a:headEnd/>
+                <a:tailEnd/>
+              </a14:hiddenLine>
+            </a:ext>
+          </a:extLst>
+        </p:spPr>
+      </p:pic>
     </p:spTree>
     <p:extLst>
       <p:ext uri="{BB962C8B-B14F-4D97-AF65-F5344CB8AC3E}">
-        <p14:creationId xmlns:p14="http://schemas.microsoft.com/office/powerpoint/2010/main" val="3799535117"/>
+        <p14:creationId xmlns:p14="http://schemas.microsoft.com/office/powerpoint/2010/main" val="2623485503"/>
       </p:ext>
     </p:extLst>
   </p:cSld>
   <p:clrMapOvr>
     <a:masterClrMapping/>
   </p:clrMapOvr>
+  <p:timing>
+    <p:tnLst>
+      <p:par>
+        <p:cTn id="1" dur="indefinite" restart="never" nodeType="tmRoot">
+          <p:childTnLst>
+            <p:seq concurrent="1" nextAc="seek">
+              <p:cTn id="2" dur="indefinite" nodeType="mainSeq">
+                <p:childTnLst>
+                  <p:par>
+                    <p:cTn id="3" fill="hold">
+                      <p:stCondLst>
+                        <p:cond delay="indefinite"/>
+                      </p:stCondLst>
+                      <p:childTnLst>
+                        <p:par>
+                          <p:cTn id="4" fill="hold">
+                            <p:stCondLst>
+                              <p:cond delay="0"/>
+                            </p:stCondLst>
+                            <p:childTnLst>
+                              <p:par>
+                                <p:cTn id="5" presetID="1" presetClass="entr" presetSubtype="0" fill="hold" nodeType="clickEffect">
+                                  <p:stCondLst>
+                                    <p:cond delay="0"/>
+                                  </p:stCondLst>
+                                  <p:childTnLst>
+                                    <p:set>
+                                      <p:cBhvr>
+                                        <p:cTn id="6" dur="1" fill="hold">
+                                          <p:stCondLst>
+                                            <p:cond delay="0"/>
+                                          </p:stCondLst>
+                                        </p:cTn>
+                                        <p:tgtEl>
+                                          <p:spTgt spid="7"/>
+                                        </p:tgtEl>
+                                        <p:attrNameLst>
+                                          <p:attrName>style.visibility</p:attrName>
+                                        </p:attrNameLst>
+                                      </p:cBhvr>
+                                      <p:to>
+                                        <p:strVal val="visible"/>
+                                      </p:to>
+                                    </p:set>
+                                  </p:childTnLst>
+                                </p:cTn>
+                              </p:par>
+                            </p:childTnLst>
+                          </p:cTn>
+                        </p:par>
+                      </p:childTnLst>
+                    </p:cTn>
+                  </p:par>
+                  <p:par>
+                    <p:cTn id="7" fill="hold">
+                      <p:stCondLst>
+                        <p:cond delay="indefinite"/>
+                      </p:stCondLst>
+                      <p:childTnLst>
+                        <p:par>
+                          <p:cTn id="8" fill="hold">
+                            <p:stCondLst>
+                              <p:cond delay="0"/>
+                            </p:stCondLst>
+                            <p:childTnLst>
+                              <p:par>
+                                <p:cTn id="9" presetID="1" presetClass="entr" presetSubtype="0" fill="hold" nodeType="clickEffect">
+                                  <p:stCondLst>
+                                    <p:cond delay="0"/>
+                                  </p:stCondLst>
+                                  <p:childTnLst>
+                                    <p:set>
+                                      <p:cBhvr>
+                                        <p:cTn id="10" dur="1" fill="hold">
+                                          <p:stCondLst>
+                                            <p:cond delay="0"/>
+                                          </p:stCondLst>
+                                        </p:cTn>
+                                        <p:tgtEl>
+                                          <p:spTgt spid="9"/>
+                                        </p:tgtEl>
+                                        <p:attrNameLst>
+                                          <p:attrName>style.visibility</p:attrName>
+                                        </p:attrNameLst>
+                                      </p:cBhvr>
+                                      <p:to>
+                                        <p:strVal val="visible"/>
+                                      </p:to>
+                                    </p:set>
+                                  </p:childTnLst>
+                                </p:cTn>
+                              </p:par>
+                            </p:childTnLst>
+                          </p:cTn>
+                        </p:par>
+                      </p:childTnLst>
+                    </p:cTn>
+                  </p:par>
+                </p:childTnLst>
+              </p:cTn>
+              <p:prevCondLst>
+                <p:cond evt="onPrev" delay="0">
+                  <p:tgtEl>
+                    <p:sldTgt/>
+                  </p:tgtEl>
+                </p:cond>
+              </p:prevCondLst>
+              <p:nextCondLst>
+                <p:cond evt="onNext" delay="0">
+                  <p:tgtEl>
+                    <p:sldTgt/>
+                  </p:tgtEl>
+                </p:cond>
+              </p:nextCondLst>
+            </p:seq>
+          </p:childTnLst>
+        </p:cTn>
+      </p:par>
+    </p:tnLst>
+  </p:timing>
 </p:sld>
 </file>
 
@@ -17416,6 +18309,2016 @@
           <p:cNvPr id="2" name="Title 1">
             <a:extLst>
               <a:ext uri="{FF2B5EF4-FFF2-40B4-BE49-F238E27FC236}">
+                <a16:creationId xmlns:a16="http://schemas.microsoft.com/office/drawing/2014/main" id="{5A25314C-970B-440B-869C-F611F519B088}"/>
+              </a:ext>
+            </a:extLst>
+          </p:cNvPr>
+          <p:cNvSpPr>
+            <a:spLocks noGrp="1"/>
+          </p:cNvSpPr>
+          <p:nvPr>
+            <p:ph type="title"/>
+          </p:nvPr>
+        </p:nvSpPr>
+        <p:spPr/>
+        <p:txBody>
+          <a:bodyPr/>
+          <a:lstStyle/>
+          <a:p>
+            <a:r>
+              <a:rPr lang="en-US" dirty="0"/>
+              <a:t>The many ways to blink an LED</a:t>
+            </a:r>
+            <a:br>
+              <a:rPr lang="en-US" dirty="0"/>
+            </a:br>
+            <a:r>
+              <a:rPr lang="en-US" dirty="0"/>
+              <a:t>I/O handling code</a:t>
+            </a:r>
+          </a:p>
+        </p:txBody>
+      </p:sp>
+      <p:pic>
+        <p:nvPicPr>
+          <p:cNvPr id="9" name="Content Placeholder 8">
+            <a:extLst>
+              <a:ext uri="{FF2B5EF4-FFF2-40B4-BE49-F238E27FC236}">
+                <a16:creationId xmlns:a16="http://schemas.microsoft.com/office/drawing/2014/main" id="{E13F63B8-6CCE-4232-A80D-5BBA6B9F045C}"/>
+              </a:ext>
+            </a:extLst>
+          </p:cNvPr>
+          <p:cNvPicPr>
+            <a:picLocks noGrp="1" noChangeAspect="1"/>
+          </p:cNvPicPr>
+          <p:nvPr>
+            <p:ph idx="1"/>
+          </p:nvPr>
+        </p:nvPicPr>
+        <p:blipFill rotWithShape="1">
+          <a:blip r:embed="rId2"/>
+          <a:srcRect b="74787"/>
+          <a:stretch/>
+        </p:blipFill>
+        <p:spPr>
+          <a:xfrm>
+            <a:off x="114300" y="1685226"/>
+            <a:ext cx="8915400" cy="1057974"/>
+          </a:xfrm>
+        </p:spPr>
+      </p:pic>
+      <p:sp>
+        <p:nvSpPr>
+          <p:cNvPr id="4" name="Date Placeholder 3">
+            <a:extLst>
+              <a:ext uri="{FF2B5EF4-FFF2-40B4-BE49-F238E27FC236}">
+                <a16:creationId xmlns:a16="http://schemas.microsoft.com/office/drawing/2014/main" id="{1CF13DAC-0318-4A47-B03F-90E3796EF1B4}"/>
+              </a:ext>
+            </a:extLst>
+          </p:cNvPr>
+          <p:cNvSpPr>
+            <a:spLocks noGrp="1"/>
+          </p:cNvSpPr>
+          <p:nvPr>
+            <p:ph type="dt" sz="half" idx="10"/>
+          </p:nvPr>
+        </p:nvSpPr>
+        <p:spPr/>
+        <p:txBody>
+          <a:bodyPr/>
+          <a:lstStyle/>
+          <a:p>
+            <a:pPr>
+              <a:defRPr/>
+            </a:pPr>
+            <a:r>
+              <a:rPr lang="en-US"/>
+              <a:t>21/12/2020</a:t>
+            </a:r>
+          </a:p>
+        </p:txBody>
+      </p:sp>
+      <p:sp>
+        <p:nvSpPr>
+          <p:cNvPr id="5" name="Slide Number Placeholder 4">
+            <a:extLst>
+              <a:ext uri="{FF2B5EF4-FFF2-40B4-BE49-F238E27FC236}">
+                <a16:creationId xmlns:a16="http://schemas.microsoft.com/office/drawing/2014/main" id="{85C9C1E6-B711-4B68-BC68-5853FA5D64BC}"/>
+              </a:ext>
+            </a:extLst>
+          </p:cNvPr>
+          <p:cNvSpPr>
+            <a:spLocks noGrp="1"/>
+          </p:cNvSpPr>
+          <p:nvPr>
+            <p:ph type="sldNum" sz="quarter" idx="12"/>
+          </p:nvPr>
+        </p:nvSpPr>
+        <p:spPr/>
+        <p:txBody>
+          <a:bodyPr/>
+          <a:lstStyle/>
+          <a:p>
+            <a:pPr>
+              <a:defRPr/>
+            </a:pPr>
+            <a:fld id="{CA887A73-1AE0-46F8-856A-18EA1CF30A1B}" type="slidenum">
+              <a:rPr lang="en-US" altLang="en-US" smtClean="0"/>
+              <a:pPr>
+                <a:defRPr/>
+              </a:pPr>
+              <a:t>28</a:t>
+            </a:fld>
+            <a:endParaRPr lang="en-US" altLang="en-US"/>
+          </a:p>
+        </p:txBody>
+      </p:sp>
+      <p:pic>
+        <p:nvPicPr>
+          <p:cNvPr id="11" name="Content Placeholder 8">
+            <a:extLst>
+              <a:ext uri="{FF2B5EF4-FFF2-40B4-BE49-F238E27FC236}">
+                <a16:creationId xmlns:a16="http://schemas.microsoft.com/office/drawing/2014/main" id="{18BEDDC3-15B4-4762-80F6-8627CE081140}"/>
+              </a:ext>
+            </a:extLst>
+          </p:cNvPr>
+          <p:cNvPicPr>
+            <a:picLocks noChangeAspect="1"/>
+          </p:cNvPicPr>
+          <p:nvPr/>
+        </p:nvPicPr>
+        <p:blipFill rotWithShape="1">
+          <a:blip r:embed="rId2"/>
+          <a:srcRect t="2" b="-1484"/>
+          <a:stretch/>
+        </p:blipFill>
+        <p:spPr bwMode="auto">
+          <a:xfrm>
+            <a:off x="111252" y="1685224"/>
+            <a:ext cx="8915400" cy="4258375"/>
+          </a:xfrm>
+          <a:prstGeom prst="rect">
+            <a:avLst/>
+          </a:prstGeom>
+          <a:noFill/>
+          <a:ln>
+            <a:noFill/>
+          </a:ln>
+          <a:extLst>
+            <a:ext uri="{909E8E84-426E-40DD-AFC4-6F175D3DCCD1}">
+              <a14:hiddenFill xmlns:a14="http://schemas.microsoft.com/office/drawing/2010/main">
+                <a:solidFill>
+                  <a:srgbClr val="FFFFFF"/>
+                </a:solidFill>
+              </a14:hiddenFill>
+            </a:ext>
+            <a:ext uri="{91240B29-F687-4F45-9708-019B960494DF}">
+              <a14:hiddenLine xmlns:a14="http://schemas.microsoft.com/office/drawing/2010/main" w="9525">
+                <a:solidFill>
+                  <a:srgbClr val="000000"/>
+                </a:solidFill>
+                <a:miter lim="800000"/>
+                <a:headEnd/>
+                <a:tailEnd/>
+              </a14:hiddenLine>
+            </a:ext>
+          </a:extLst>
+        </p:spPr>
+      </p:pic>
+      <p:sp>
+        <p:nvSpPr>
+          <p:cNvPr id="10" name="Content Placeholder 2">
+            <a:extLst>
+              <a:ext uri="{FF2B5EF4-FFF2-40B4-BE49-F238E27FC236}">
+                <a16:creationId xmlns:a16="http://schemas.microsoft.com/office/drawing/2014/main" id="{9C2BC368-341C-4EDA-B492-327D795583A3}"/>
+              </a:ext>
+            </a:extLst>
+          </p:cNvPr>
+          <p:cNvSpPr txBox="1">
+            <a:spLocks/>
+          </p:cNvSpPr>
+          <p:nvPr/>
+        </p:nvSpPr>
+        <p:spPr bwMode="auto">
+          <a:xfrm>
+            <a:off x="5833872" y="1565718"/>
+            <a:ext cx="3195828" cy="1296989"/>
+          </a:xfrm>
+          <a:prstGeom prst="rect">
+            <a:avLst/>
+          </a:prstGeom>
+          <a:noFill/>
+          <a:ln>
+            <a:noFill/>
+          </a:ln>
+          <a:extLst>
+            <a:ext uri="{909E8E84-426E-40DD-AFC4-6F175D3DCCD1}">
+              <a14:hiddenFill xmlns:a14="http://schemas.microsoft.com/office/drawing/2010/main">
+                <a:solidFill>
+                  <a:srgbClr val="FFFFFF"/>
+                </a:solidFill>
+              </a14:hiddenFill>
+            </a:ext>
+            <a:ext uri="{91240B29-F687-4F45-9708-019B960494DF}">
+              <a14:hiddenLine xmlns:a14="http://schemas.microsoft.com/office/drawing/2010/main" w="9525">
+                <a:solidFill>
+                  <a:srgbClr val="000000"/>
+                </a:solidFill>
+                <a:miter lim="800000"/>
+                <a:headEnd/>
+                <a:tailEnd/>
+              </a14:hiddenLine>
+            </a:ext>
+          </a:extLst>
+        </p:spPr>
+        <p:txBody>
+          <a:bodyPr vert="horz" wrap="square" lIns="91440" tIns="45720" rIns="91440" bIns="45720" numCol="1" anchor="t" anchorCtr="0" compatLnSpc="1">
+            <a:prstTxWarp prst="textNoShape">
+              <a:avLst/>
+            </a:prstTxWarp>
+          </a:bodyPr>
+          <a:lstStyle>
+            <a:lvl1pPr marL="342900" indent="-342900" algn="l" rtl="0" eaLnBrk="0" fontAlgn="base" hangingPunct="0">
+              <a:spcBef>
+                <a:spcPct val="20000"/>
+              </a:spcBef>
+              <a:spcAft>
+                <a:spcPct val="0"/>
+              </a:spcAft>
+              <a:buFont typeface="Arial" panose="020B0604020202020204" pitchFamily="34" charset="0"/>
+              <a:buChar char="•"/>
+              <a:defRPr sz="3200" kern="1200">
+                <a:solidFill>
+                  <a:schemeClr val="tx1">
+                    <a:lumMod val="50000"/>
+                    <a:lumOff val="50000"/>
+                  </a:schemeClr>
+                </a:solidFill>
+                <a:latin typeface="+mn-lt"/>
+                <a:ea typeface="+mn-ea"/>
+                <a:cs typeface="+mn-cs"/>
+              </a:defRPr>
+            </a:lvl1pPr>
+            <a:lvl2pPr marL="742950" indent="-285750" algn="l" rtl="0" eaLnBrk="0" fontAlgn="base" hangingPunct="0">
+              <a:spcBef>
+                <a:spcPct val="20000"/>
+              </a:spcBef>
+              <a:spcAft>
+                <a:spcPct val="0"/>
+              </a:spcAft>
+              <a:buFont typeface="Arial" panose="020B0604020202020204" pitchFamily="34" charset="0"/>
+              <a:buChar char="–"/>
+              <a:defRPr sz="2800" kern="1200">
+                <a:solidFill>
+                  <a:schemeClr val="tx1">
+                    <a:lumMod val="50000"/>
+                    <a:lumOff val="50000"/>
+                  </a:schemeClr>
+                </a:solidFill>
+                <a:latin typeface="+mn-lt"/>
+                <a:ea typeface="+mn-ea"/>
+                <a:cs typeface="+mn-cs"/>
+              </a:defRPr>
+            </a:lvl2pPr>
+            <a:lvl3pPr marL="1143000" indent="-228600" algn="l" rtl="0" eaLnBrk="0" fontAlgn="base" hangingPunct="0">
+              <a:spcBef>
+                <a:spcPct val="20000"/>
+              </a:spcBef>
+              <a:spcAft>
+                <a:spcPct val="0"/>
+              </a:spcAft>
+              <a:buFont typeface="Arial" panose="020B0604020202020204" pitchFamily="34" charset="0"/>
+              <a:buChar char="•"/>
+              <a:defRPr sz="2400" kern="1200">
+                <a:solidFill>
+                  <a:schemeClr val="tx1">
+                    <a:lumMod val="50000"/>
+                    <a:lumOff val="50000"/>
+                  </a:schemeClr>
+                </a:solidFill>
+                <a:latin typeface="+mn-lt"/>
+                <a:ea typeface="+mn-ea"/>
+                <a:cs typeface="+mn-cs"/>
+              </a:defRPr>
+            </a:lvl3pPr>
+            <a:lvl4pPr marL="1600200" indent="-228600" algn="l" rtl="0" eaLnBrk="0" fontAlgn="base" hangingPunct="0">
+              <a:spcBef>
+                <a:spcPct val="20000"/>
+              </a:spcBef>
+              <a:spcAft>
+                <a:spcPct val="0"/>
+              </a:spcAft>
+              <a:buFont typeface="Arial" panose="020B0604020202020204" pitchFamily="34" charset="0"/>
+              <a:buChar char="–"/>
+              <a:defRPr sz="2000" kern="1200">
+                <a:solidFill>
+                  <a:schemeClr val="tx1">
+                    <a:lumMod val="50000"/>
+                    <a:lumOff val="50000"/>
+                  </a:schemeClr>
+                </a:solidFill>
+                <a:latin typeface="+mn-lt"/>
+                <a:ea typeface="+mn-ea"/>
+                <a:cs typeface="+mn-cs"/>
+              </a:defRPr>
+            </a:lvl4pPr>
+            <a:lvl5pPr marL="2057400" indent="-228600" algn="l" rtl="0" eaLnBrk="0" fontAlgn="base" hangingPunct="0">
+              <a:spcBef>
+                <a:spcPct val="20000"/>
+              </a:spcBef>
+              <a:spcAft>
+                <a:spcPct val="0"/>
+              </a:spcAft>
+              <a:buFont typeface="Arial" panose="020B0604020202020204" pitchFamily="34" charset="0"/>
+              <a:buChar char="»"/>
+              <a:defRPr sz="2000" kern="1200">
+                <a:solidFill>
+                  <a:schemeClr val="tx1">
+                    <a:lumMod val="50000"/>
+                    <a:lumOff val="50000"/>
+                  </a:schemeClr>
+                </a:solidFill>
+                <a:latin typeface="+mn-lt"/>
+                <a:ea typeface="+mn-ea"/>
+                <a:cs typeface="+mn-cs"/>
+              </a:defRPr>
+            </a:lvl5pPr>
+            <a:lvl6pPr marL="2514600" indent="-228600" algn="l" defTabSz="914400" rtl="0" eaLnBrk="1" latinLnBrk="0" hangingPunct="1">
+              <a:spcBef>
+                <a:spcPct val="20000"/>
+              </a:spcBef>
+              <a:buFont typeface="Arial" pitchFamily="34" charset="0"/>
+              <a:buChar char="•"/>
+              <a:defRPr sz="2000" kern="1200">
+                <a:solidFill>
+                  <a:schemeClr val="tx1"/>
+                </a:solidFill>
+                <a:latin typeface="+mn-lt"/>
+                <a:ea typeface="+mn-ea"/>
+                <a:cs typeface="+mn-cs"/>
+              </a:defRPr>
+            </a:lvl6pPr>
+            <a:lvl7pPr marL="2971800" indent="-228600" algn="l" defTabSz="914400" rtl="0" eaLnBrk="1" latinLnBrk="0" hangingPunct="1">
+              <a:spcBef>
+                <a:spcPct val="20000"/>
+              </a:spcBef>
+              <a:buFont typeface="Arial" pitchFamily="34" charset="0"/>
+              <a:buChar char="•"/>
+              <a:defRPr sz="2000" kern="1200">
+                <a:solidFill>
+                  <a:schemeClr val="tx1"/>
+                </a:solidFill>
+                <a:latin typeface="+mn-lt"/>
+                <a:ea typeface="+mn-ea"/>
+                <a:cs typeface="+mn-cs"/>
+              </a:defRPr>
+            </a:lvl7pPr>
+            <a:lvl8pPr marL="3429000" indent="-228600" algn="l" defTabSz="914400" rtl="0" eaLnBrk="1" latinLnBrk="0" hangingPunct="1">
+              <a:spcBef>
+                <a:spcPct val="20000"/>
+              </a:spcBef>
+              <a:buFont typeface="Arial" pitchFamily="34" charset="0"/>
+              <a:buChar char="•"/>
+              <a:defRPr sz="2000" kern="1200">
+                <a:solidFill>
+                  <a:schemeClr val="tx1"/>
+                </a:solidFill>
+                <a:latin typeface="+mn-lt"/>
+                <a:ea typeface="+mn-ea"/>
+                <a:cs typeface="+mn-cs"/>
+              </a:defRPr>
+            </a:lvl8pPr>
+            <a:lvl9pPr marL="3886200" indent="-228600" algn="l" defTabSz="914400" rtl="0" eaLnBrk="1" latinLnBrk="0" hangingPunct="1">
+              <a:spcBef>
+                <a:spcPct val="20000"/>
+              </a:spcBef>
+              <a:buFont typeface="Arial" pitchFamily="34" charset="0"/>
+              <a:buChar char="•"/>
+              <a:defRPr sz="2000" kern="1200">
+                <a:solidFill>
+                  <a:schemeClr val="tx1"/>
+                </a:solidFill>
+                <a:latin typeface="+mn-lt"/>
+                <a:ea typeface="+mn-ea"/>
+                <a:cs typeface="+mn-cs"/>
+              </a:defRPr>
+            </a:lvl9pPr>
+          </a:lstStyle>
+          <a:p>
+            <a:r>
+              <a:rPr lang="en-US" sz="1800" dirty="0" err="1"/>
+              <a:t>IOWrite</a:t>
+            </a:r>
+            <a:r>
+              <a:rPr lang="en-US" sz="1800" dirty="0"/>
+              <a:t>: does everything in one function, so less code space</a:t>
+            </a:r>
+          </a:p>
+          <a:p>
+            <a:r>
+              <a:rPr lang="en-US" sz="1800" dirty="0"/>
+              <a:t>More parameters </a:t>
+            </a:r>
+            <a:r>
+              <a:rPr lang="en-US" sz="1800" dirty="0">
+                <a:sym typeface="Wingdings" panose="05000000000000000000" pitchFamily="2" charset="2"/>
+              </a:rPr>
+              <a:t> more stack</a:t>
+            </a:r>
+          </a:p>
+        </p:txBody>
+      </p:sp>
+    </p:spTree>
+    <p:extLst>
+      <p:ext uri="{BB962C8B-B14F-4D97-AF65-F5344CB8AC3E}">
+        <p14:creationId xmlns:p14="http://schemas.microsoft.com/office/powerpoint/2010/main" val="3246331715"/>
+      </p:ext>
+    </p:extLst>
+  </p:cSld>
+  <p:clrMapOvr>
+    <a:masterClrMapping/>
+  </p:clrMapOvr>
+  <p:timing>
+    <p:tnLst>
+      <p:par>
+        <p:cTn id="1" dur="indefinite" restart="never" nodeType="tmRoot">
+          <p:childTnLst>
+            <p:seq concurrent="1" nextAc="seek">
+              <p:cTn id="2" dur="indefinite" nodeType="mainSeq">
+                <p:childTnLst>
+                  <p:par>
+                    <p:cTn id="3" fill="hold">
+                      <p:stCondLst>
+                        <p:cond delay="indefinite"/>
+                      </p:stCondLst>
+                      <p:childTnLst>
+                        <p:par>
+                          <p:cTn id="4" fill="hold">
+                            <p:stCondLst>
+                              <p:cond delay="0"/>
+                            </p:stCondLst>
+                            <p:childTnLst>
+                              <p:par>
+                                <p:cTn id="5" presetID="1" presetClass="entr" presetSubtype="0" fill="hold" nodeType="clickEffect">
+                                  <p:stCondLst>
+                                    <p:cond delay="0"/>
+                                  </p:stCondLst>
+                                  <p:childTnLst>
+                                    <p:set>
+                                      <p:cBhvr>
+                                        <p:cTn id="6" dur="1" fill="hold">
+                                          <p:stCondLst>
+                                            <p:cond delay="0"/>
+                                          </p:stCondLst>
+                                        </p:cTn>
+                                        <p:tgtEl>
+                                          <p:spTgt spid="9"/>
+                                        </p:tgtEl>
+                                        <p:attrNameLst>
+                                          <p:attrName>style.visibility</p:attrName>
+                                        </p:attrNameLst>
+                                      </p:cBhvr>
+                                      <p:to>
+                                        <p:strVal val="visible"/>
+                                      </p:to>
+                                    </p:set>
+                                  </p:childTnLst>
+                                </p:cTn>
+                              </p:par>
+                            </p:childTnLst>
+                          </p:cTn>
+                        </p:par>
+                      </p:childTnLst>
+                    </p:cTn>
+                  </p:par>
+                  <p:par>
+                    <p:cTn id="7" fill="hold">
+                      <p:stCondLst>
+                        <p:cond delay="indefinite"/>
+                      </p:stCondLst>
+                      <p:childTnLst>
+                        <p:par>
+                          <p:cTn id="8" fill="hold">
+                            <p:stCondLst>
+                              <p:cond delay="0"/>
+                            </p:stCondLst>
+                            <p:childTnLst>
+                              <p:par>
+                                <p:cTn id="9" presetID="1" presetClass="entr" presetSubtype="0" fill="hold" grpId="0" nodeType="clickEffect">
+                                  <p:stCondLst>
+                                    <p:cond delay="0"/>
+                                  </p:stCondLst>
+                                  <p:childTnLst>
+                                    <p:set>
+                                      <p:cBhvr>
+                                        <p:cTn id="10" dur="1" fill="hold">
+                                          <p:stCondLst>
+                                            <p:cond delay="0"/>
+                                          </p:stCondLst>
+                                        </p:cTn>
+                                        <p:tgtEl>
+                                          <p:spTgt spid="10">
+                                            <p:txEl>
+                                              <p:pRg st="0" end="0"/>
+                                            </p:txEl>
+                                          </p:spTgt>
+                                        </p:tgtEl>
+                                        <p:attrNameLst>
+                                          <p:attrName>style.visibility</p:attrName>
+                                        </p:attrNameLst>
+                                      </p:cBhvr>
+                                      <p:to>
+                                        <p:strVal val="visible"/>
+                                      </p:to>
+                                    </p:set>
+                                  </p:childTnLst>
+                                </p:cTn>
+                              </p:par>
+                            </p:childTnLst>
+                          </p:cTn>
+                        </p:par>
+                      </p:childTnLst>
+                    </p:cTn>
+                  </p:par>
+                  <p:par>
+                    <p:cTn id="11" fill="hold">
+                      <p:stCondLst>
+                        <p:cond delay="indefinite"/>
+                      </p:stCondLst>
+                      <p:childTnLst>
+                        <p:par>
+                          <p:cTn id="12" fill="hold">
+                            <p:stCondLst>
+                              <p:cond delay="0"/>
+                            </p:stCondLst>
+                            <p:childTnLst>
+                              <p:par>
+                                <p:cTn id="13" presetID="1" presetClass="entr" presetSubtype="0" fill="hold" grpId="0" nodeType="clickEffect">
+                                  <p:stCondLst>
+                                    <p:cond delay="0"/>
+                                  </p:stCondLst>
+                                  <p:childTnLst>
+                                    <p:set>
+                                      <p:cBhvr>
+                                        <p:cTn id="14" dur="1" fill="hold">
+                                          <p:stCondLst>
+                                            <p:cond delay="0"/>
+                                          </p:stCondLst>
+                                        </p:cTn>
+                                        <p:tgtEl>
+                                          <p:spTgt spid="10">
+                                            <p:txEl>
+                                              <p:pRg st="1" end="1"/>
+                                            </p:txEl>
+                                          </p:spTgt>
+                                        </p:tgtEl>
+                                        <p:attrNameLst>
+                                          <p:attrName>style.visibility</p:attrName>
+                                        </p:attrNameLst>
+                                      </p:cBhvr>
+                                      <p:to>
+                                        <p:strVal val="visible"/>
+                                      </p:to>
+                                    </p:set>
+                                  </p:childTnLst>
+                                </p:cTn>
+                              </p:par>
+                            </p:childTnLst>
+                          </p:cTn>
+                        </p:par>
+                      </p:childTnLst>
+                    </p:cTn>
+                  </p:par>
+                  <p:par>
+                    <p:cTn id="15" fill="hold">
+                      <p:stCondLst>
+                        <p:cond delay="indefinite"/>
+                      </p:stCondLst>
+                      <p:childTnLst>
+                        <p:par>
+                          <p:cTn id="16" fill="hold">
+                            <p:stCondLst>
+                              <p:cond delay="0"/>
+                            </p:stCondLst>
+                            <p:childTnLst>
+                              <p:par>
+                                <p:cTn id="17" presetID="1" presetClass="entr" presetSubtype="0" fill="hold" nodeType="clickEffect">
+                                  <p:stCondLst>
+                                    <p:cond delay="0"/>
+                                  </p:stCondLst>
+                                  <p:childTnLst>
+                                    <p:set>
+                                      <p:cBhvr>
+                                        <p:cTn id="18" dur="1" fill="hold">
+                                          <p:stCondLst>
+                                            <p:cond delay="0"/>
+                                          </p:stCondLst>
+                                        </p:cTn>
+                                        <p:tgtEl>
+                                          <p:spTgt spid="11"/>
+                                        </p:tgtEl>
+                                        <p:attrNameLst>
+                                          <p:attrName>style.visibility</p:attrName>
+                                        </p:attrNameLst>
+                                      </p:cBhvr>
+                                      <p:to>
+                                        <p:strVal val="visible"/>
+                                      </p:to>
+                                    </p:set>
+                                  </p:childTnLst>
+                                </p:cTn>
+                              </p:par>
+                            </p:childTnLst>
+                          </p:cTn>
+                        </p:par>
+                      </p:childTnLst>
+                    </p:cTn>
+                  </p:par>
+                </p:childTnLst>
+              </p:cTn>
+              <p:prevCondLst>
+                <p:cond evt="onPrev" delay="0">
+                  <p:tgtEl>
+                    <p:sldTgt/>
+                  </p:tgtEl>
+                </p:cond>
+              </p:prevCondLst>
+              <p:nextCondLst>
+                <p:cond evt="onNext" delay="0">
+                  <p:tgtEl>
+                    <p:sldTgt/>
+                  </p:tgtEl>
+                </p:cond>
+              </p:nextCondLst>
+            </p:seq>
+          </p:childTnLst>
+        </p:cTn>
+      </p:par>
+    </p:tnLst>
+    <p:bldLst>
+      <p:bldP spid="10" grpId="0" build="p"/>
+    </p:bldLst>
+  </p:timing>
+</p:sld>
+</file>
+
+<file path=ppt/slides/slide29.xml><?xml version="1.0" encoding="utf-8"?>
+<p:sld xmlns:a="http://schemas.openxmlformats.org/drawingml/2006/main" xmlns:r="http://schemas.openxmlformats.org/officeDocument/2006/relationships" xmlns:p="http://schemas.openxmlformats.org/presentationml/2006/main">
+  <p:cSld>
+    <p:spTree>
+      <p:nvGrpSpPr>
+        <p:cNvPr id="1" name=""/>
+        <p:cNvGrpSpPr/>
+        <p:nvPr/>
+      </p:nvGrpSpPr>
+      <p:grpSpPr>
+        <a:xfrm>
+          <a:off x="0" y="0"/>
+          <a:ext cx="0" cy="0"/>
+          <a:chOff x="0" y="0"/>
+          <a:chExt cx="0" cy="0"/>
+        </a:xfrm>
+      </p:grpSpPr>
+      <p:sp>
+        <p:nvSpPr>
+          <p:cNvPr id="2" name="Title 1">
+            <a:extLst>
+              <a:ext uri="{FF2B5EF4-FFF2-40B4-BE49-F238E27FC236}">
+                <a16:creationId xmlns:a16="http://schemas.microsoft.com/office/drawing/2014/main" id="{9F1F16EB-2FA1-43D0-98C5-8CAA83E34002}"/>
+              </a:ext>
+            </a:extLst>
+          </p:cNvPr>
+          <p:cNvSpPr>
+            <a:spLocks noGrp="1"/>
+          </p:cNvSpPr>
+          <p:nvPr>
+            <p:ph type="title"/>
+          </p:nvPr>
+        </p:nvSpPr>
+        <p:spPr>
+          <a:xfrm>
+            <a:off x="152400" y="53975"/>
+            <a:ext cx="8839200" cy="1195386"/>
+          </a:xfrm>
+        </p:spPr>
+        <p:txBody>
+          <a:bodyPr/>
+          <a:lstStyle/>
+          <a:p>
+            <a:r>
+              <a:rPr lang="en-US" dirty="0"/>
+              <a:t>The many ways to blink an LED</a:t>
+            </a:r>
+            <a:br>
+              <a:rPr lang="en-US" dirty="0"/>
+            </a:br>
+            <a:r>
+              <a:rPr lang="en-US" dirty="0"/>
+              <a:t>Simplifying the main interface (façade)</a:t>
+            </a:r>
+          </a:p>
+        </p:txBody>
+      </p:sp>
+      <p:pic>
+        <p:nvPicPr>
+          <p:cNvPr id="7" name="Content Placeholder 6">
+            <a:extLst>
+              <a:ext uri="{FF2B5EF4-FFF2-40B4-BE49-F238E27FC236}">
+                <a16:creationId xmlns:a16="http://schemas.microsoft.com/office/drawing/2014/main" id="{918F41D0-C729-46E4-BE6F-F335E49C5FD7}"/>
+              </a:ext>
+            </a:extLst>
+          </p:cNvPr>
+          <p:cNvPicPr>
+            <a:picLocks noGrp="1" noChangeAspect="1"/>
+          </p:cNvPicPr>
+          <p:nvPr>
+            <p:ph idx="1"/>
+          </p:nvPr>
+        </p:nvPicPr>
+        <p:blipFill rotWithShape="1">
+          <a:blip r:embed="rId2"/>
+          <a:srcRect b="72258"/>
+          <a:stretch/>
+        </p:blipFill>
+        <p:spPr>
+          <a:xfrm>
+            <a:off x="0" y="1546111"/>
+            <a:ext cx="9144000" cy="1044689"/>
+          </a:xfrm>
+        </p:spPr>
+      </p:pic>
+      <p:sp>
+        <p:nvSpPr>
+          <p:cNvPr id="4" name="Date Placeholder 3">
+            <a:extLst>
+              <a:ext uri="{FF2B5EF4-FFF2-40B4-BE49-F238E27FC236}">
+                <a16:creationId xmlns:a16="http://schemas.microsoft.com/office/drawing/2014/main" id="{04F1A825-586A-4667-A60C-12AC3AFB0926}"/>
+              </a:ext>
+            </a:extLst>
+          </p:cNvPr>
+          <p:cNvSpPr>
+            <a:spLocks noGrp="1"/>
+          </p:cNvSpPr>
+          <p:nvPr>
+            <p:ph type="dt" sz="half" idx="10"/>
+          </p:nvPr>
+        </p:nvSpPr>
+        <p:spPr/>
+        <p:txBody>
+          <a:bodyPr/>
+          <a:lstStyle/>
+          <a:p>
+            <a:pPr>
+              <a:defRPr/>
+            </a:pPr>
+            <a:r>
+              <a:rPr lang="en-US"/>
+              <a:t>21/12/2020</a:t>
+            </a:r>
+          </a:p>
+        </p:txBody>
+      </p:sp>
+      <p:sp>
+        <p:nvSpPr>
+          <p:cNvPr id="5" name="Slide Number Placeholder 4">
+            <a:extLst>
+              <a:ext uri="{FF2B5EF4-FFF2-40B4-BE49-F238E27FC236}">
+                <a16:creationId xmlns:a16="http://schemas.microsoft.com/office/drawing/2014/main" id="{DD24F6BC-E6F6-419B-B242-A726F2527360}"/>
+              </a:ext>
+            </a:extLst>
+          </p:cNvPr>
+          <p:cNvSpPr>
+            <a:spLocks noGrp="1"/>
+          </p:cNvSpPr>
+          <p:nvPr>
+            <p:ph type="sldNum" sz="quarter" idx="12"/>
+          </p:nvPr>
+        </p:nvSpPr>
+        <p:spPr/>
+        <p:txBody>
+          <a:bodyPr/>
+          <a:lstStyle/>
+          <a:p>
+            <a:pPr>
+              <a:defRPr/>
+            </a:pPr>
+            <a:fld id="{CA887A73-1AE0-46F8-856A-18EA1CF30A1B}" type="slidenum">
+              <a:rPr lang="en-US" altLang="en-US" smtClean="0"/>
+              <a:pPr>
+                <a:defRPr/>
+              </a:pPr>
+              <a:t>29</a:t>
+            </a:fld>
+            <a:endParaRPr lang="en-US" altLang="en-US"/>
+          </a:p>
+        </p:txBody>
+      </p:sp>
+      <p:pic>
+        <p:nvPicPr>
+          <p:cNvPr id="8" name="Content Placeholder 6">
+            <a:extLst>
+              <a:ext uri="{FF2B5EF4-FFF2-40B4-BE49-F238E27FC236}">
+                <a16:creationId xmlns:a16="http://schemas.microsoft.com/office/drawing/2014/main" id="{A98F45FE-8CCA-4B3C-B08D-0E2FCB936DB7}"/>
+              </a:ext>
+            </a:extLst>
+          </p:cNvPr>
+          <p:cNvPicPr>
+            <a:picLocks noChangeAspect="1"/>
+          </p:cNvPicPr>
+          <p:nvPr/>
+        </p:nvPicPr>
+        <p:blipFill rotWithShape="1">
+          <a:blip r:embed="rId2"/>
+          <a:srcRect b="50970"/>
+          <a:stretch/>
+        </p:blipFill>
+        <p:spPr bwMode="auto">
+          <a:xfrm>
+            <a:off x="0" y="1546110"/>
+            <a:ext cx="9144000" cy="1846314"/>
+          </a:xfrm>
+          <a:prstGeom prst="rect">
+            <a:avLst/>
+          </a:prstGeom>
+          <a:noFill/>
+          <a:ln>
+            <a:noFill/>
+          </a:ln>
+          <a:extLst>
+            <a:ext uri="{909E8E84-426E-40DD-AFC4-6F175D3DCCD1}">
+              <a14:hiddenFill xmlns:a14="http://schemas.microsoft.com/office/drawing/2010/main">
+                <a:solidFill>
+                  <a:srgbClr val="FFFFFF"/>
+                </a:solidFill>
+              </a14:hiddenFill>
+            </a:ext>
+            <a:ext uri="{91240B29-F687-4F45-9708-019B960494DF}">
+              <a14:hiddenLine xmlns:a14="http://schemas.microsoft.com/office/drawing/2010/main" w="9525">
+                <a:solidFill>
+                  <a:srgbClr val="000000"/>
+                </a:solidFill>
+                <a:miter lim="800000"/>
+                <a:headEnd/>
+                <a:tailEnd/>
+              </a14:hiddenLine>
+            </a:ext>
+          </a:extLst>
+        </p:spPr>
+      </p:pic>
+      <p:pic>
+        <p:nvPicPr>
+          <p:cNvPr id="9" name="Content Placeholder 6">
+            <a:extLst>
+              <a:ext uri="{FF2B5EF4-FFF2-40B4-BE49-F238E27FC236}">
+                <a16:creationId xmlns:a16="http://schemas.microsoft.com/office/drawing/2014/main" id="{59D4EE9B-D516-4830-8FCC-DBA0C8506BF7}"/>
+              </a:ext>
+            </a:extLst>
+          </p:cNvPr>
+          <p:cNvPicPr>
+            <a:picLocks noChangeAspect="1"/>
+          </p:cNvPicPr>
+          <p:nvPr/>
+        </p:nvPicPr>
+        <p:blipFill rotWithShape="1">
+          <a:blip r:embed="rId2"/>
+          <a:srcRect b="614"/>
+          <a:stretch/>
+        </p:blipFill>
+        <p:spPr bwMode="auto">
+          <a:xfrm>
+            <a:off x="0" y="1575428"/>
+            <a:ext cx="9144000" cy="3742557"/>
+          </a:xfrm>
+          <a:prstGeom prst="rect">
+            <a:avLst/>
+          </a:prstGeom>
+          <a:noFill/>
+          <a:ln>
+            <a:noFill/>
+          </a:ln>
+          <a:extLst>
+            <a:ext uri="{909E8E84-426E-40DD-AFC4-6F175D3DCCD1}">
+              <a14:hiddenFill xmlns:a14="http://schemas.microsoft.com/office/drawing/2010/main">
+                <a:solidFill>
+                  <a:srgbClr val="FFFFFF"/>
+                </a:solidFill>
+              </a14:hiddenFill>
+            </a:ext>
+            <a:ext uri="{91240B29-F687-4F45-9708-019B960494DF}">
+              <a14:hiddenLine xmlns:a14="http://schemas.microsoft.com/office/drawing/2010/main" w="9525">
+                <a:solidFill>
+                  <a:srgbClr val="000000"/>
+                </a:solidFill>
+                <a:miter lim="800000"/>
+                <a:headEnd/>
+                <a:tailEnd/>
+              </a14:hiddenLine>
+            </a:ext>
+          </a:extLst>
+        </p:spPr>
+      </p:pic>
+    </p:spTree>
+    <p:extLst>
+      <p:ext uri="{BB962C8B-B14F-4D97-AF65-F5344CB8AC3E}">
+        <p14:creationId xmlns:p14="http://schemas.microsoft.com/office/powerpoint/2010/main" val="2443923781"/>
+      </p:ext>
+    </p:extLst>
+  </p:cSld>
+  <p:clrMapOvr>
+    <a:masterClrMapping/>
+  </p:clrMapOvr>
+  <p:timing>
+    <p:tnLst>
+      <p:par>
+        <p:cTn id="1" dur="indefinite" restart="never" nodeType="tmRoot">
+          <p:childTnLst>
+            <p:seq concurrent="1" nextAc="seek">
+              <p:cTn id="2" dur="indefinite" nodeType="mainSeq">
+                <p:childTnLst>
+                  <p:par>
+                    <p:cTn id="3" fill="hold">
+                      <p:stCondLst>
+                        <p:cond delay="indefinite"/>
+                      </p:stCondLst>
+                      <p:childTnLst>
+                        <p:par>
+                          <p:cTn id="4" fill="hold">
+                            <p:stCondLst>
+                              <p:cond delay="0"/>
+                            </p:stCondLst>
+                            <p:childTnLst>
+                              <p:par>
+                                <p:cTn id="5" presetID="1" presetClass="entr" presetSubtype="0" fill="hold" nodeType="clickEffect">
+                                  <p:stCondLst>
+                                    <p:cond delay="0"/>
+                                  </p:stCondLst>
+                                  <p:childTnLst>
+                                    <p:set>
+                                      <p:cBhvr>
+                                        <p:cTn id="6" dur="1" fill="hold">
+                                          <p:stCondLst>
+                                            <p:cond delay="0"/>
+                                          </p:stCondLst>
+                                        </p:cTn>
+                                        <p:tgtEl>
+                                          <p:spTgt spid="7"/>
+                                        </p:tgtEl>
+                                        <p:attrNameLst>
+                                          <p:attrName>style.visibility</p:attrName>
+                                        </p:attrNameLst>
+                                      </p:cBhvr>
+                                      <p:to>
+                                        <p:strVal val="visible"/>
+                                      </p:to>
+                                    </p:set>
+                                  </p:childTnLst>
+                                </p:cTn>
+                              </p:par>
+                            </p:childTnLst>
+                          </p:cTn>
+                        </p:par>
+                      </p:childTnLst>
+                    </p:cTn>
+                  </p:par>
+                  <p:par>
+                    <p:cTn id="7" fill="hold">
+                      <p:stCondLst>
+                        <p:cond delay="indefinite"/>
+                      </p:stCondLst>
+                      <p:childTnLst>
+                        <p:par>
+                          <p:cTn id="8" fill="hold">
+                            <p:stCondLst>
+                              <p:cond delay="0"/>
+                            </p:stCondLst>
+                            <p:childTnLst>
+                              <p:par>
+                                <p:cTn id="9" presetID="1" presetClass="entr" presetSubtype="0" fill="hold" nodeType="clickEffect">
+                                  <p:stCondLst>
+                                    <p:cond delay="0"/>
+                                  </p:stCondLst>
+                                  <p:childTnLst>
+                                    <p:set>
+                                      <p:cBhvr>
+                                        <p:cTn id="10" dur="1" fill="hold">
+                                          <p:stCondLst>
+                                            <p:cond delay="0"/>
+                                          </p:stCondLst>
+                                        </p:cTn>
+                                        <p:tgtEl>
+                                          <p:spTgt spid="8"/>
+                                        </p:tgtEl>
+                                        <p:attrNameLst>
+                                          <p:attrName>style.visibility</p:attrName>
+                                        </p:attrNameLst>
+                                      </p:cBhvr>
+                                      <p:to>
+                                        <p:strVal val="visible"/>
+                                      </p:to>
+                                    </p:set>
+                                  </p:childTnLst>
+                                </p:cTn>
+                              </p:par>
+                            </p:childTnLst>
+                          </p:cTn>
+                        </p:par>
+                      </p:childTnLst>
+                    </p:cTn>
+                  </p:par>
+                  <p:par>
+                    <p:cTn id="11" fill="hold">
+                      <p:stCondLst>
+                        <p:cond delay="indefinite"/>
+                      </p:stCondLst>
+                      <p:childTnLst>
+                        <p:par>
+                          <p:cTn id="12" fill="hold">
+                            <p:stCondLst>
+                              <p:cond delay="0"/>
+                            </p:stCondLst>
+                            <p:childTnLst>
+                              <p:par>
+                                <p:cTn id="13" presetID="1" presetClass="entr" presetSubtype="0" fill="hold" nodeType="clickEffect">
+                                  <p:stCondLst>
+                                    <p:cond delay="0"/>
+                                  </p:stCondLst>
+                                  <p:childTnLst>
+                                    <p:set>
+                                      <p:cBhvr>
+                                        <p:cTn id="14" dur="1" fill="hold">
+                                          <p:stCondLst>
+                                            <p:cond delay="0"/>
+                                          </p:stCondLst>
+                                        </p:cTn>
+                                        <p:tgtEl>
+                                          <p:spTgt spid="9"/>
+                                        </p:tgtEl>
+                                        <p:attrNameLst>
+                                          <p:attrName>style.visibility</p:attrName>
+                                        </p:attrNameLst>
+                                      </p:cBhvr>
+                                      <p:to>
+                                        <p:strVal val="visible"/>
+                                      </p:to>
+                                    </p:set>
+                                  </p:childTnLst>
+                                </p:cTn>
+                              </p:par>
+                            </p:childTnLst>
+                          </p:cTn>
+                        </p:par>
+                      </p:childTnLst>
+                    </p:cTn>
+                  </p:par>
+                </p:childTnLst>
+              </p:cTn>
+              <p:prevCondLst>
+                <p:cond evt="onPrev" delay="0">
+                  <p:tgtEl>
+                    <p:sldTgt/>
+                  </p:tgtEl>
+                </p:cond>
+              </p:prevCondLst>
+              <p:nextCondLst>
+                <p:cond evt="onNext" delay="0">
+                  <p:tgtEl>
+                    <p:sldTgt/>
+                  </p:tgtEl>
+                </p:cond>
+              </p:nextCondLst>
+            </p:seq>
+          </p:childTnLst>
+        </p:cTn>
+      </p:par>
+    </p:tnLst>
+  </p:timing>
+</p:sld>
+</file>
+
+<file path=ppt/slides/slide3.xml><?xml version="1.0" encoding="utf-8"?>
+<p:sld xmlns:a="http://schemas.openxmlformats.org/drawingml/2006/main" xmlns:r="http://schemas.openxmlformats.org/officeDocument/2006/relationships" xmlns:p="http://schemas.openxmlformats.org/presentationml/2006/main">
+  <p:cSld>
+    <p:spTree>
+      <p:nvGrpSpPr>
+        <p:cNvPr id="1" name=""/>
+        <p:cNvGrpSpPr/>
+        <p:nvPr/>
+      </p:nvGrpSpPr>
+      <p:grpSpPr>
+        <a:xfrm>
+          <a:off x="0" y="0"/>
+          <a:ext cx="0" cy="0"/>
+          <a:chOff x="0" y="0"/>
+          <a:chExt cx="0" cy="0"/>
+        </a:xfrm>
+      </p:grpSpPr>
+      <p:sp>
+        <p:nvSpPr>
+          <p:cNvPr id="2" name="Title 1">
+            <a:extLst>
+              <a:ext uri="{FF2B5EF4-FFF2-40B4-BE49-F238E27FC236}">
+                <a16:creationId xmlns:a16="http://schemas.microsoft.com/office/drawing/2014/main" id="{CECC9D16-4AB8-4F4F-8B63-889D2F128A71}"/>
+              </a:ext>
+            </a:extLst>
+          </p:cNvPr>
+          <p:cNvSpPr>
+            <a:spLocks noGrp="1"/>
+          </p:cNvSpPr>
+          <p:nvPr>
+            <p:ph type="title"/>
+          </p:nvPr>
+        </p:nvSpPr>
+        <p:spPr/>
+        <p:txBody>
+          <a:bodyPr/>
+          <a:lstStyle/>
+          <a:p>
+            <a:r>
+              <a:rPr lang="en-US" dirty="0"/>
+              <a:t>What UML has given us</a:t>
+            </a:r>
+          </a:p>
+        </p:txBody>
+      </p:sp>
+      <p:sp>
+        <p:nvSpPr>
+          <p:cNvPr id="3" name="Content Placeholder 2">
+            <a:extLst>
+              <a:ext uri="{FF2B5EF4-FFF2-40B4-BE49-F238E27FC236}">
+                <a16:creationId xmlns:a16="http://schemas.microsoft.com/office/drawing/2014/main" id="{0472ABE0-D3E0-426A-AFFC-67234E13D5CD}"/>
+              </a:ext>
+            </a:extLst>
+          </p:cNvPr>
+          <p:cNvSpPr>
+            <a:spLocks noGrp="1"/>
+          </p:cNvSpPr>
+          <p:nvPr>
+            <p:ph idx="1"/>
+          </p:nvPr>
+        </p:nvSpPr>
+        <p:spPr/>
+        <p:txBody>
+          <a:bodyPr/>
+          <a:lstStyle/>
+          <a:p>
+            <a:r>
+              <a:rPr lang="en-US" dirty="0"/>
+              <a:t>Functional completeness of system</a:t>
+            </a:r>
+          </a:p>
+          <a:p>
+            <a:r>
+              <a:rPr lang="en-US" dirty="0"/>
+              <a:t>Correct behavioral flow (no missing states or transitions)</a:t>
+            </a:r>
+          </a:p>
+          <a:p>
+            <a:r>
+              <a:rPr lang="en-US" dirty="0"/>
+              <a:t>Explicit safety states</a:t>
+            </a:r>
+          </a:p>
+          <a:p>
+            <a:r>
+              <a:rPr lang="en-US" dirty="0"/>
+              <a:t>Valid and ordered interactions between components</a:t>
+            </a:r>
+          </a:p>
+          <a:p>
+            <a:endParaRPr lang="en-US" dirty="0"/>
+          </a:p>
+          <a:p>
+            <a:r>
+              <a:rPr lang="en-US" dirty="0">
+                <a:solidFill>
+                  <a:srgbClr val="FF0000"/>
+                </a:solidFill>
+              </a:rPr>
+              <a:t>Provided we are able to implement the system that we modeled!</a:t>
+            </a:r>
+          </a:p>
+        </p:txBody>
+      </p:sp>
+      <p:sp>
+        <p:nvSpPr>
+          <p:cNvPr id="4" name="Date Placeholder 3">
+            <a:extLst>
+              <a:ext uri="{FF2B5EF4-FFF2-40B4-BE49-F238E27FC236}">
+                <a16:creationId xmlns:a16="http://schemas.microsoft.com/office/drawing/2014/main" id="{4F00192E-39C4-4BEE-ABA5-50BDF0D8E998}"/>
+              </a:ext>
+            </a:extLst>
+          </p:cNvPr>
+          <p:cNvSpPr>
+            <a:spLocks noGrp="1"/>
+          </p:cNvSpPr>
+          <p:nvPr>
+            <p:ph type="dt" sz="half" idx="10"/>
+          </p:nvPr>
+        </p:nvSpPr>
+        <p:spPr/>
+        <p:txBody>
+          <a:bodyPr/>
+          <a:lstStyle/>
+          <a:p>
+            <a:pPr>
+              <a:defRPr/>
+            </a:pPr>
+            <a:r>
+              <a:rPr lang="en-US"/>
+              <a:t>21/12/2020</a:t>
+            </a:r>
+          </a:p>
+        </p:txBody>
+      </p:sp>
+      <p:sp>
+        <p:nvSpPr>
+          <p:cNvPr id="5" name="Slide Number Placeholder 4">
+            <a:extLst>
+              <a:ext uri="{FF2B5EF4-FFF2-40B4-BE49-F238E27FC236}">
+                <a16:creationId xmlns:a16="http://schemas.microsoft.com/office/drawing/2014/main" id="{33D9FBC6-28A3-43CF-AE5A-7F4D7617ED3D}"/>
+              </a:ext>
+            </a:extLst>
+          </p:cNvPr>
+          <p:cNvSpPr>
+            <a:spLocks noGrp="1"/>
+          </p:cNvSpPr>
+          <p:nvPr>
+            <p:ph type="sldNum" sz="quarter" idx="12"/>
+          </p:nvPr>
+        </p:nvSpPr>
+        <p:spPr/>
+        <p:txBody>
+          <a:bodyPr/>
+          <a:lstStyle/>
+          <a:p>
+            <a:pPr>
+              <a:defRPr/>
+            </a:pPr>
+            <a:fld id="{CA887A73-1AE0-46F8-856A-18EA1CF30A1B}" type="slidenum">
+              <a:rPr lang="en-US" altLang="en-US" smtClean="0"/>
+              <a:pPr>
+                <a:defRPr/>
+              </a:pPr>
+              <a:t>3</a:t>
+            </a:fld>
+            <a:endParaRPr lang="en-US" altLang="en-US"/>
+          </a:p>
+        </p:txBody>
+      </p:sp>
+    </p:spTree>
+    <p:extLst>
+      <p:ext uri="{BB962C8B-B14F-4D97-AF65-F5344CB8AC3E}">
+        <p14:creationId xmlns:p14="http://schemas.microsoft.com/office/powerpoint/2010/main" val="3588795668"/>
+      </p:ext>
+    </p:extLst>
+  </p:cSld>
+  <p:clrMapOvr>
+    <a:masterClrMapping/>
+  </p:clrMapOvr>
+  <p:timing>
+    <p:tnLst>
+      <p:par>
+        <p:cTn id="1" dur="indefinite" restart="never" nodeType="tmRoot">
+          <p:childTnLst>
+            <p:seq concurrent="1" nextAc="seek">
+              <p:cTn id="2" dur="indefinite" nodeType="mainSeq">
+                <p:childTnLst>
+                  <p:par>
+                    <p:cTn id="3" fill="hold">
+                      <p:stCondLst>
+                        <p:cond delay="indefinite"/>
+                      </p:stCondLst>
+                      <p:childTnLst>
+                        <p:par>
+                          <p:cTn id="4" fill="hold">
+                            <p:stCondLst>
+                              <p:cond delay="0"/>
+                            </p:stCondLst>
+                            <p:childTnLst>
+                              <p:par>
+                                <p:cTn id="5" presetID="1" presetClass="entr" presetSubtype="0" fill="hold" grpId="0" nodeType="clickEffect">
+                                  <p:stCondLst>
+                                    <p:cond delay="0"/>
+                                  </p:stCondLst>
+                                  <p:childTnLst>
+                                    <p:set>
+                                      <p:cBhvr>
+                                        <p:cTn id="6" dur="1" fill="hold">
+                                          <p:stCondLst>
+                                            <p:cond delay="0"/>
+                                          </p:stCondLst>
+                                        </p:cTn>
+                                        <p:tgtEl>
+                                          <p:spTgt spid="3">
+                                            <p:txEl>
+                                              <p:pRg st="0" end="0"/>
+                                            </p:txEl>
+                                          </p:spTgt>
+                                        </p:tgtEl>
+                                        <p:attrNameLst>
+                                          <p:attrName>style.visibility</p:attrName>
+                                        </p:attrNameLst>
+                                      </p:cBhvr>
+                                      <p:to>
+                                        <p:strVal val="visible"/>
+                                      </p:to>
+                                    </p:set>
+                                  </p:childTnLst>
+                                </p:cTn>
+                              </p:par>
+                            </p:childTnLst>
+                          </p:cTn>
+                        </p:par>
+                      </p:childTnLst>
+                    </p:cTn>
+                  </p:par>
+                  <p:par>
+                    <p:cTn id="7" fill="hold">
+                      <p:stCondLst>
+                        <p:cond delay="indefinite"/>
+                      </p:stCondLst>
+                      <p:childTnLst>
+                        <p:par>
+                          <p:cTn id="8" fill="hold">
+                            <p:stCondLst>
+                              <p:cond delay="0"/>
+                            </p:stCondLst>
+                            <p:childTnLst>
+                              <p:par>
+                                <p:cTn id="9" presetID="1" presetClass="entr" presetSubtype="0" fill="hold" grpId="0" nodeType="clickEffect">
+                                  <p:stCondLst>
+                                    <p:cond delay="0"/>
+                                  </p:stCondLst>
+                                  <p:childTnLst>
+                                    <p:set>
+                                      <p:cBhvr>
+                                        <p:cTn id="10" dur="1" fill="hold">
+                                          <p:stCondLst>
+                                            <p:cond delay="0"/>
+                                          </p:stCondLst>
+                                        </p:cTn>
+                                        <p:tgtEl>
+                                          <p:spTgt spid="3">
+                                            <p:txEl>
+                                              <p:pRg st="1" end="1"/>
+                                            </p:txEl>
+                                          </p:spTgt>
+                                        </p:tgtEl>
+                                        <p:attrNameLst>
+                                          <p:attrName>style.visibility</p:attrName>
+                                        </p:attrNameLst>
+                                      </p:cBhvr>
+                                      <p:to>
+                                        <p:strVal val="visible"/>
+                                      </p:to>
+                                    </p:set>
+                                  </p:childTnLst>
+                                </p:cTn>
+                              </p:par>
+                            </p:childTnLst>
+                          </p:cTn>
+                        </p:par>
+                      </p:childTnLst>
+                    </p:cTn>
+                  </p:par>
+                  <p:par>
+                    <p:cTn id="11" fill="hold">
+                      <p:stCondLst>
+                        <p:cond delay="indefinite"/>
+                      </p:stCondLst>
+                      <p:childTnLst>
+                        <p:par>
+                          <p:cTn id="12" fill="hold">
+                            <p:stCondLst>
+                              <p:cond delay="0"/>
+                            </p:stCondLst>
+                            <p:childTnLst>
+                              <p:par>
+                                <p:cTn id="13" presetID="1" presetClass="entr" presetSubtype="0" fill="hold" grpId="0" nodeType="clickEffect">
+                                  <p:stCondLst>
+                                    <p:cond delay="0"/>
+                                  </p:stCondLst>
+                                  <p:childTnLst>
+                                    <p:set>
+                                      <p:cBhvr>
+                                        <p:cTn id="14" dur="1" fill="hold">
+                                          <p:stCondLst>
+                                            <p:cond delay="0"/>
+                                          </p:stCondLst>
+                                        </p:cTn>
+                                        <p:tgtEl>
+                                          <p:spTgt spid="3">
+                                            <p:txEl>
+                                              <p:pRg st="2" end="2"/>
+                                            </p:txEl>
+                                          </p:spTgt>
+                                        </p:tgtEl>
+                                        <p:attrNameLst>
+                                          <p:attrName>style.visibility</p:attrName>
+                                        </p:attrNameLst>
+                                      </p:cBhvr>
+                                      <p:to>
+                                        <p:strVal val="visible"/>
+                                      </p:to>
+                                    </p:set>
+                                  </p:childTnLst>
+                                </p:cTn>
+                              </p:par>
+                            </p:childTnLst>
+                          </p:cTn>
+                        </p:par>
+                      </p:childTnLst>
+                    </p:cTn>
+                  </p:par>
+                  <p:par>
+                    <p:cTn id="15" fill="hold">
+                      <p:stCondLst>
+                        <p:cond delay="indefinite"/>
+                      </p:stCondLst>
+                      <p:childTnLst>
+                        <p:par>
+                          <p:cTn id="16" fill="hold">
+                            <p:stCondLst>
+                              <p:cond delay="0"/>
+                            </p:stCondLst>
+                            <p:childTnLst>
+                              <p:par>
+                                <p:cTn id="17" presetID="1" presetClass="entr" presetSubtype="0" fill="hold" grpId="0" nodeType="clickEffect">
+                                  <p:stCondLst>
+                                    <p:cond delay="0"/>
+                                  </p:stCondLst>
+                                  <p:childTnLst>
+                                    <p:set>
+                                      <p:cBhvr>
+                                        <p:cTn id="18" dur="1" fill="hold">
+                                          <p:stCondLst>
+                                            <p:cond delay="0"/>
+                                          </p:stCondLst>
+                                        </p:cTn>
+                                        <p:tgtEl>
+                                          <p:spTgt spid="3">
+                                            <p:txEl>
+                                              <p:pRg st="3" end="3"/>
+                                            </p:txEl>
+                                          </p:spTgt>
+                                        </p:tgtEl>
+                                        <p:attrNameLst>
+                                          <p:attrName>style.visibility</p:attrName>
+                                        </p:attrNameLst>
+                                      </p:cBhvr>
+                                      <p:to>
+                                        <p:strVal val="visible"/>
+                                      </p:to>
+                                    </p:set>
+                                  </p:childTnLst>
+                                </p:cTn>
+                              </p:par>
+                            </p:childTnLst>
+                          </p:cTn>
+                        </p:par>
+                      </p:childTnLst>
+                    </p:cTn>
+                  </p:par>
+                  <p:par>
+                    <p:cTn id="19" fill="hold">
+                      <p:stCondLst>
+                        <p:cond delay="indefinite"/>
+                      </p:stCondLst>
+                      <p:childTnLst>
+                        <p:par>
+                          <p:cTn id="20" fill="hold">
+                            <p:stCondLst>
+                              <p:cond delay="0"/>
+                            </p:stCondLst>
+                            <p:childTnLst>
+                              <p:par>
+                                <p:cTn id="21" presetID="1" presetClass="entr" presetSubtype="0" fill="hold" grpId="0" nodeType="clickEffect">
+                                  <p:stCondLst>
+                                    <p:cond delay="0"/>
+                                  </p:stCondLst>
+                                  <p:childTnLst>
+                                    <p:set>
+                                      <p:cBhvr>
+                                        <p:cTn id="22" dur="1" fill="hold">
+                                          <p:stCondLst>
+                                            <p:cond delay="0"/>
+                                          </p:stCondLst>
+                                        </p:cTn>
+                                        <p:tgtEl>
+                                          <p:spTgt spid="3">
+                                            <p:txEl>
+                                              <p:pRg st="5" end="5"/>
+                                            </p:txEl>
+                                          </p:spTgt>
+                                        </p:tgtEl>
+                                        <p:attrNameLst>
+                                          <p:attrName>style.visibility</p:attrName>
+                                        </p:attrNameLst>
+                                      </p:cBhvr>
+                                      <p:to>
+                                        <p:strVal val="visible"/>
+                                      </p:to>
+                                    </p:set>
+                                  </p:childTnLst>
+                                </p:cTn>
+                              </p:par>
+                            </p:childTnLst>
+                          </p:cTn>
+                        </p:par>
+                      </p:childTnLst>
+                    </p:cTn>
+                  </p:par>
+                </p:childTnLst>
+              </p:cTn>
+              <p:prevCondLst>
+                <p:cond evt="onPrev" delay="0">
+                  <p:tgtEl>
+                    <p:sldTgt/>
+                  </p:tgtEl>
+                </p:cond>
+              </p:prevCondLst>
+              <p:nextCondLst>
+                <p:cond evt="onNext" delay="0">
+                  <p:tgtEl>
+                    <p:sldTgt/>
+                  </p:tgtEl>
+                </p:cond>
+              </p:nextCondLst>
+            </p:seq>
+          </p:childTnLst>
+        </p:cTn>
+      </p:par>
+    </p:tnLst>
+    <p:bldLst>
+      <p:bldP spid="3" grpId="0" build="p"/>
+    </p:bldLst>
+  </p:timing>
+</p:sld>
+</file>
+
+<file path=ppt/slides/slide30.xml><?xml version="1.0" encoding="utf-8"?>
+<p:sld xmlns:a="http://schemas.openxmlformats.org/drawingml/2006/main" xmlns:r="http://schemas.openxmlformats.org/officeDocument/2006/relationships" xmlns:p="http://schemas.openxmlformats.org/presentationml/2006/main">
+  <p:cSld>
+    <p:spTree>
+      <p:nvGrpSpPr>
+        <p:cNvPr id="1" name=""/>
+        <p:cNvGrpSpPr/>
+        <p:nvPr/>
+      </p:nvGrpSpPr>
+      <p:grpSpPr>
+        <a:xfrm>
+          <a:off x="0" y="0"/>
+          <a:ext cx="0" cy="0"/>
+          <a:chOff x="0" y="0"/>
+          <a:chExt cx="0" cy="0"/>
+        </a:xfrm>
+      </p:grpSpPr>
+      <p:sp>
+        <p:nvSpPr>
+          <p:cNvPr id="2" name="Title 1">
+            <a:extLst>
+              <a:ext uri="{FF2B5EF4-FFF2-40B4-BE49-F238E27FC236}">
+                <a16:creationId xmlns:a16="http://schemas.microsoft.com/office/drawing/2014/main" id="{A123C1DB-3E97-4779-BE4C-B80A5D3355EF}"/>
+              </a:ext>
+            </a:extLst>
+          </p:cNvPr>
+          <p:cNvSpPr>
+            <a:spLocks noGrp="1"/>
+          </p:cNvSpPr>
+          <p:nvPr>
+            <p:ph type="title"/>
+          </p:nvPr>
+        </p:nvSpPr>
+        <p:spPr/>
+        <p:txBody>
+          <a:bodyPr/>
+          <a:lstStyle/>
+          <a:p>
+            <a:endParaRPr lang="en-US"/>
+          </a:p>
+        </p:txBody>
+      </p:sp>
+      <p:sp>
+        <p:nvSpPr>
+          <p:cNvPr id="3" name="Content Placeholder 2">
+            <a:extLst>
+              <a:ext uri="{FF2B5EF4-FFF2-40B4-BE49-F238E27FC236}">
+                <a16:creationId xmlns:a16="http://schemas.microsoft.com/office/drawing/2014/main" id="{C66E5E16-1485-4B8E-B590-2808AC129899}"/>
+              </a:ext>
+            </a:extLst>
+          </p:cNvPr>
+          <p:cNvSpPr>
+            <a:spLocks noGrp="1"/>
+          </p:cNvSpPr>
+          <p:nvPr>
+            <p:ph idx="1"/>
+          </p:nvPr>
+        </p:nvSpPr>
+        <p:spPr/>
+        <p:txBody>
+          <a:bodyPr/>
+          <a:lstStyle/>
+          <a:p>
+            <a:endParaRPr lang="en-US"/>
+          </a:p>
+        </p:txBody>
+      </p:sp>
+      <p:sp>
+        <p:nvSpPr>
+          <p:cNvPr id="4" name="Date Placeholder 3">
+            <a:extLst>
+              <a:ext uri="{FF2B5EF4-FFF2-40B4-BE49-F238E27FC236}">
+                <a16:creationId xmlns:a16="http://schemas.microsoft.com/office/drawing/2014/main" id="{E31A287D-772B-40E9-987E-731B5389278D}"/>
+              </a:ext>
+            </a:extLst>
+          </p:cNvPr>
+          <p:cNvSpPr>
+            <a:spLocks noGrp="1"/>
+          </p:cNvSpPr>
+          <p:nvPr>
+            <p:ph type="dt" sz="half" idx="10"/>
+          </p:nvPr>
+        </p:nvSpPr>
+        <p:spPr/>
+        <p:txBody>
+          <a:bodyPr/>
+          <a:lstStyle/>
+          <a:p>
+            <a:pPr>
+              <a:defRPr/>
+            </a:pPr>
+            <a:r>
+              <a:rPr lang="en-US"/>
+              <a:t>21/12/2020</a:t>
+            </a:r>
+          </a:p>
+        </p:txBody>
+      </p:sp>
+      <p:sp>
+        <p:nvSpPr>
+          <p:cNvPr id="5" name="Slide Number Placeholder 4">
+            <a:extLst>
+              <a:ext uri="{FF2B5EF4-FFF2-40B4-BE49-F238E27FC236}">
+                <a16:creationId xmlns:a16="http://schemas.microsoft.com/office/drawing/2014/main" id="{2F8B950E-6EC6-43A0-98C8-7AC598CD92D9}"/>
+              </a:ext>
+            </a:extLst>
+          </p:cNvPr>
+          <p:cNvSpPr>
+            <a:spLocks noGrp="1"/>
+          </p:cNvSpPr>
+          <p:nvPr>
+            <p:ph type="sldNum" sz="quarter" idx="12"/>
+          </p:nvPr>
+        </p:nvSpPr>
+        <p:spPr/>
+        <p:txBody>
+          <a:bodyPr/>
+          <a:lstStyle/>
+          <a:p>
+            <a:pPr>
+              <a:defRPr/>
+            </a:pPr>
+            <a:fld id="{CA887A73-1AE0-46F8-856A-18EA1CF30A1B}" type="slidenum">
+              <a:rPr lang="en-US" altLang="en-US" smtClean="0"/>
+              <a:pPr>
+                <a:defRPr/>
+              </a:pPr>
+              <a:t>30</a:t>
+            </a:fld>
+            <a:endParaRPr lang="en-US" altLang="en-US"/>
+          </a:p>
+        </p:txBody>
+      </p:sp>
+    </p:spTree>
+    <p:extLst>
+      <p:ext uri="{BB962C8B-B14F-4D97-AF65-F5344CB8AC3E}">
+        <p14:creationId xmlns:p14="http://schemas.microsoft.com/office/powerpoint/2010/main" val="2377247741"/>
+      </p:ext>
+    </p:extLst>
+  </p:cSld>
+  <p:clrMapOvr>
+    <a:masterClrMapping/>
+  </p:clrMapOvr>
+</p:sld>
+</file>
+
+<file path=ppt/slides/slide31.xml><?xml version="1.0" encoding="utf-8"?>
+<p:sld xmlns:a="http://schemas.openxmlformats.org/drawingml/2006/main" xmlns:r="http://schemas.openxmlformats.org/officeDocument/2006/relationships" xmlns:p="http://schemas.openxmlformats.org/presentationml/2006/main">
+  <p:cSld>
+    <p:spTree>
+      <p:nvGrpSpPr>
+        <p:cNvPr id="1" name=""/>
+        <p:cNvGrpSpPr/>
+        <p:nvPr/>
+      </p:nvGrpSpPr>
+      <p:grpSpPr>
+        <a:xfrm>
+          <a:off x="0" y="0"/>
+          <a:ext cx="0" cy="0"/>
+          <a:chOff x="0" y="0"/>
+          <a:chExt cx="0" cy="0"/>
+        </a:xfrm>
+      </p:grpSpPr>
+      <p:sp>
+        <p:nvSpPr>
+          <p:cNvPr id="2" name="Title 1">
+            <a:extLst>
+              <a:ext uri="{FF2B5EF4-FFF2-40B4-BE49-F238E27FC236}">
+                <a16:creationId xmlns:a16="http://schemas.microsoft.com/office/drawing/2014/main" id="{9FC58972-C25F-4A5B-AB4F-4CC7316FB808}"/>
+              </a:ext>
+            </a:extLst>
+          </p:cNvPr>
+          <p:cNvSpPr>
+            <a:spLocks noGrp="1"/>
+          </p:cNvSpPr>
+          <p:nvPr>
+            <p:ph type="title"/>
+          </p:nvPr>
+        </p:nvSpPr>
+        <p:spPr/>
+        <p:txBody>
+          <a:bodyPr/>
+          <a:lstStyle/>
+          <a:p>
+            <a:endParaRPr lang="en-US"/>
+          </a:p>
+        </p:txBody>
+      </p:sp>
+      <p:sp>
+        <p:nvSpPr>
+          <p:cNvPr id="3" name="Content Placeholder 2">
+            <a:extLst>
+              <a:ext uri="{FF2B5EF4-FFF2-40B4-BE49-F238E27FC236}">
+                <a16:creationId xmlns:a16="http://schemas.microsoft.com/office/drawing/2014/main" id="{A56DA82E-B7E8-4CF3-841B-38B76E13057D}"/>
+              </a:ext>
+            </a:extLst>
+          </p:cNvPr>
+          <p:cNvSpPr>
+            <a:spLocks noGrp="1"/>
+          </p:cNvSpPr>
+          <p:nvPr>
+            <p:ph idx="1"/>
+          </p:nvPr>
+        </p:nvSpPr>
+        <p:spPr/>
+        <p:txBody>
+          <a:bodyPr/>
+          <a:lstStyle/>
+          <a:p>
+            <a:endParaRPr lang="en-US"/>
+          </a:p>
+        </p:txBody>
+      </p:sp>
+      <p:sp>
+        <p:nvSpPr>
+          <p:cNvPr id="4" name="Date Placeholder 3">
+            <a:extLst>
+              <a:ext uri="{FF2B5EF4-FFF2-40B4-BE49-F238E27FC236}">
+                <a16:creationId xmlns:a16="http://schemas.microsoft.com/office/drawing/2014/main" id="{DED9F8D9-8787-4EC5-8299-0443B9B7828E}"/>
+              </a:ext>
+            </a:extLst>
+          </p:cNvPr>
+          <p:cNvSpPr>
+            <a:spLocks noGrp="1"/>
+          </p:cNvSpPr>
+          <p:nvPr>
+            <p:ph type="dt" sz="half" idx="10"/>
+          </p:nvPr>
+        </p:nvSpPr>
+        <p:spPr/>
+        <p:txBody>
+          <a:bodyPr/>
+          <a:lstStyle/>
+          <a:p>
+            <a:pPr>
+              <a:defRPr/>
+            </a:pPr>
+            <a:r>
+              <a:rPr lang="en-US"/>
+              <a:t>21/12/2020</a:t>
+            </a:r>
+          </a:p>
+        </p:txBody>
+      </p:sp>
+      <p:sp>
+        <p:nvSpPr>
+          <p:cNvPr id="5" name="Slide Number Placeholder 4">
+            <a:extLst>
+              <a:ext uri="{FF2B5EF4-FFF2-40B4-BE49-F238E27FC236}">
+                <a16:creationId xmlns:a16="http://schemas.microsoft.com/office/drawing/2014/main" id="{79F91E9D-0487-45A1-B57B-64E94DA6DF27}"/>
+              </a:ext>
+            </a:extLst>
+          </p:cNvPr>
+          <p:cNvSpPr>
+            <a:spLocks noGrp="1"/>
+          </p:cNvSpPr>
+          <p:nvPr>
+            <p:ph type="sldNum" sz="quarter" idx="12"/>
+          </p:nvPr>
+        </p:nvSpPr>
+        <p:spPr/>
+        <p:txBody>
+          <a:bodyPr/>
+          <a:lstStyle/>
+          <a:p>
+            <a:pPr>
+              <a:defRPr/>
+            </a:pPr>
+            <a:fld id="{CA887A73-1AE0-46F8-856A-18EA1CF30A1B}" type="slidenum">
+              <a:rPr lang="en-US" altLang="en-US" smtClean="0"/>
+              <a:pPr>
+                <a:defRPr/>
+              </a:pPr>
+              <a:t>31</a:t>
+            </a:fld>
+            <a:endParaRPr lang="en-US" altLang="en-US"/>
+          </a:p>
+        </p:txBody>
+      </p:sp>
+    </p:spTree>
+    <p:extLst>
+      <p:ext uri="{BB962C8B-B14F-4D97-AF65-F5344CB8AC3E}">
+        <p14:creationId xmlns:p14="http://schemas.microsoft.com/office/powerpoint/2010/main" val="2771278749"/>
+      </p:ext>
+    </p:extLst>
+  </p:cSld>
+  <p:clrMapOvr>
+    <a:masterClrMapping/>
+  </p:clrMapOvr>
+</p:sld>
+</file>
+
+<file path=ppt/slides/slide32.xml><?xml version="1.0" encoding="utf-8"?>
+<p:sld xmlns:a="http://schemas.openxmlformats.org/drawingml/2006/main" xmlns:r="http://schemas.openxmlformats.org/officeDocument/2006/relationships" xmlns:p="http://schemas.openxmlformats.org/presentationml/2006/main">
+  <p:cSld>
+    <p:spTree>
+      <p:nvGrpSpPr>
+        <p:cNvPr id="1" name=""/>
+        <p:cNvGrpSpPr/>
+        <p:nvPr/>
+      </p:nvGrpSpPr>
+      <p:grpSpPr>
+        <a:xfrm>
+          <a:off x="0" y="0"/>
+          <a:ext cx="0" cy="0"/>
+          <a:chOff x="0" y="0"/>
+          <a:chExt cx="0" cy="0"/>
+        </a:xfrm>
+      </p:grpSpPr>
+      <p:sp>
+        <p:nvSpPr>
+          <p:cNvPr id="2" name="Title 1">
+            <a:extLst>
+              <a:ext uri="{FF2B5EF4-FFF2-40B4-BE49-F238E27FC236}">
+                <a16:creationId xmlns:a16="http://schemas.microsoft.com/office/drawing/2014/main" id="{C9A7AB5D-D1EF-4D24-AAF6-174B5003C9A4}"/>
+              </a:ext>
+            </a:extLst>
+          </p:cNvPr>
+          <p:cNvSpPr>
+            <a:spLocks noGrp="1"/>
+          </p:cNvSpPr>
+          <p:nvPr>
+            <p:ph type="title"/>
+          </p:nvPr>
+        </p:nvSpPr>
+        <p:spPr/>
+        <p:txBody>
+          <a:bodyPr/>
+          <a:lstStyle/>
+          <a:p>
+            <a:r>
+              <a:rPr lang="en-US" dirty="0"/>
+              <a:t>From diagrams to file structures</a:t>
+            </a:r>
+          </a:p>
+        </p:txBody>
+      </p:sp>
+      <p:sp>
+        <p:nvSpPr>
+          <p:cNvPr id="3" name="Content Placeholder 2">
+            <a:extLst>
+              <a:ext uri="{FF2B5EF4-FFF2-40B4-BE49-F238E27FC236}">
+                <a16:creationId xmlns:a16="http://schemas.microsoft.com/office/drawing/2014/main" id="{567EB26E-359F-4C3A-BB1D-DE45F07505B3}"/>
+              </a:ext>
+            </a:extLst>
+          </p:cNvPr>
+          <p:cNvSpPr>
+            <a:spLocks noGrp="1"/>
+          </p:cNvSpPr>
+          <p:nvPr>
+            <p:ph idx="1"/>
+          </p:nvPr>
+        </p:nvSpPr>
+        <p:spPr/>
+        <p:txBody>
+          <a:bodyPr/>
+          <a:lstStyle/>
+          <a:p>
+            <a:endParaRPr lang="en-US"/>
+          </a:p>
+        </p:txBody>
+      </p:sp>
+      <p:sp>
+        <p:nvSpPr>
+          <p:cNvPr id="4" name="Date Placeholder 3">
+            <a:extLst>
+              <a:ext uri="{FF2B5EF4-FFF2-40B4-BE49-F238E27FC236}">
+                <a16:creationId xmlns:a16="http://schemas.microsoft.com/office/drawing/2014/main" id="{51C922FA-89D7-46E4-8040-F0F0FCF95C0A}"/>
+              </a:ext>
+            </a:extLst>
+          </p:cNvPr>
+          <p:cNvSpPr>
+            <a:spLocks noGrp="1"/>
+          </p:cNvSpPr>
+          <p:nvPr>
+            <p:ph type="dt" sz="half" idx="10"/>
+          </p:nvPr>
+        </p:nvSpPr>
+        <p:spPr/>
+        <p:txBody>
+          <a:bodyPr/>
+          <a:lstStyle/>
+          <a:p>
+            <a:pPr>
+              <a:defRPr/>
+            </a:pPr>
+            <a:r>
+              <a:rPr lang="en-US"/>
+              <a:t>21/12/2020</a:t>
+            </a:r>
+          </a:p>
+        </p:txBody>
+      </p:sp>
+      <p:sp>
+        <p:nvSpPr>
+          <p:cNvPr id="5" name="Slide Number Placeholder 4">
+            <a:extLst>
+              <a:ext uri="{FF2B5EF4-FFF2-40B4-BE49-F238E27FC236}">
+                <a16:creationId xmlns:a16="http://schemas.microsoft.com/office/drawing/2014/main" id="{9F73F040-6F26-4420-941B-4564D793A61E}"/>
+              </a:ext>
+            </a:extLst>
+          </p:cNvPr>
+          <p:cNvSpPr>
+            <a:spLocks noGrp="1"/>
+          </p:cNvSpPr>
+          <p:nvPr>
+            <p:ph type="sldNum" sz="quarter" idx="12"/>
+          </p:nvPr>
+        </p:nvSpPr>
+        <p:spPr/>
+        <p:txBody>
+          <a:bodyPr/>
+          <a:lstStyle/>
+          <a:p>
+            <a:pPr>
+              <a:defRPr/>
+            </a:pPr>
+            <a:fld id="{CA887A73-1AE0-46F8-856A-18EA1CF30A1B}" type="slidenum">
+              <a:rPr lang="en-US" altLang="en-US" smtClean="0"/>
+              <a:pPr>
+                <a:defRPr/>
+              </a:pPr>
+              <a:t>32</a:t>
+            </a:fld>
+            <a:endParaRPr lang="en-US" altLang="en-US"/>
+          </a:p>
+        </p:txBody>
+      </p:sp>
+    </p:spTree>
+    <p:extLst>
+      <p:ext uri="{BB962C8B-B14F-4D97-AF65-F5344CB8AC3E}">
+        <p14:creationId xmlns:p14="http://schemas.microsoft.com/office/powerpoint/2010/main" val="3799535117"/>
+      </p:ext>
+    </p:extLst>
+  </p:cSld>
+  <p:clrMapOvr>
+    <a:masterClrMapping/>
+  </p:clrMapOvr>
+</p:sld>
+</file>
+
+<file path=ppt/slides/slide33.xml><?xml version="1.0" encoding="utf-8"?>
+<p:sld xmlns:a="http://schemas.openxmlformats.org/drawingml/2006/main" xmlns:r="http://schemas.openxmlformats.org/officeDocument/2006/relationships" xmlns:p="http://schemas.openxmlformats.org/presentationml/2006/main">
+  <p:cSld>
+    <p:spTree>
+      <p:nvGrpSpPr>
+        <p:cNvPr id="1" name=""/>
+        <p:cNvGrpSpPr/>
+        <p:nvPr/>
+      </p:nvGrpSpPr>
+      <p:grpSpPr>
+        <a:xfrm>
+          <a:off x="0" y="0"/>
+          <a:ext cx="0" cy="0"/>
+          <a:chOff x="0" y="0"/>
+          <a:chExt cx="0" cy="0"/>
+        </a:xfrm>
+      </p:grpSpPr>
+      <p:sp>
+        <p:nvSpPr>
+          <p:cNvPr id="2" name="Title 1">
+            <a:extLst>
+              <a:ext uri="{FF2B5EF4-FFF2-40B4-BE49-F238E27FC236}">
                 <a16:creationId xmlns:a16="http://schemas.microsoft.com/office/drawing/2014/main" id="{9DCABF7A-37F9-459A-908A-B09DFA75CA30}"/>
               </a:ext>
             </a:extLst>
@@ -17584,7 +20487,7 @@
               <a:pPr>
                 <a:defRPr/>
               </a:pPr>
-              <a:t>28</a:t>
+              <a:t>33</a:t>
             </a:fld>
             <a:endParaRPr lang="en-US" altLang="en-US"/>
           </a:p>
@@ -17960,7 +20863,7 @@
 </p:sld>
 </file>
 
-<file path=ppt/slides/slide29.xml><?xml version="1.0" encoding="utf-8"?>
+<file path=ppt/slides/slide34.xml><?xml version="1.0" encoding="utf-8"?>
 <p:sld xmlns:a="http://schemas.openxmlformats.org/drawingml/2006/main" xmlns:r="http://schemas.openxmlformats.org/officeDocument/2006/relationships" xmlns:p="http://schemas.openxmlformats.org/presentationml/2006/main">
   <p:cSld>
     <p:spTree>
@@ -18143,7 +21046,7 @@
               <a:pPr>
                 <a:defRPr/>
               </a:pPr>
-              <a:t>29</a:t>
+              <a:t>34</a:t>
             </a:fld>
             <a:endParaRPr lang="en-US" altLang="en-US"/>
           </a:p>
@@ -18519,7 +21422,7 @@
 </p:sld>
 </file>
 
-<file path=ppt/slides/slide3.xml><?xml version="1.0" encoding="utf-8"?>
+<file path=ppt/slides/slide35.xml><?xml version="1.0" encoding="utf-8"?>
 <p:sld xmlns:a="http://schemas.openxmlformats.org/drawingml/2006/main" xmlns:r="http://schemas.openxmlformats.org/officeDocument/2006/relationships" xmlns:p="http://schemas.openxmlformats.org/presentationml/2006/main">
   <p:cSld>
     <p:spTree>
@@ -18541,467 +21444,6 @@
           <p:cNvPr id="2" name="Title 1">
             <a:extLst>
               <a:ext uri="{FF2B5EF4-FFF2-40B4-BE49-F238E27FC236}">
-                <a16:creationId xmlns:a16="http://schemas.microsoft.com/office/drawing/2014/main" id="{CECC9D16-4AB8-4F4F-8B63-889D2F128A71}"/>
-              </a:ext>
-            </a:extLst>
-          </p:cNvPr>
-          <p:cNvSpPr>
-            <a:spLocks noGrp="1"/>
-          </p:cNvSpPr>
-          <p:nvPr>
-            <p:ph type="title"/>
-          </p:nvPr>
-        </p:nvSpPr>
-        <p:spPr/>
-        <p:txBody>
-          <a:bodyPr/>
-          <a:lstStyle/>
-          <a:p>
-            <a:r>
-              <a:rPr lang="en-US" dirty="0"/>
-              <a:t>What UML has given us</a:t>
-            </a:r>
-          </a:p>
-        </p:txBody>
-      </p:sp>
-      <p:sp>
-        <p:nvSpPr>
-          <p:cNvPr id="3" name="Content Placeholder 2">
-            <a:extLst>
-              <a:ext uri="{FF2B5EF4-FFF2-40B4-BE49-F238E27FC236}">
-                <a16:creationId xmlns:a16="http://schemas.microsoft.com/office/drawing/2014/main" id="{0472ABE0-D3E0-426A-AFFC-67234E13D5CD}"/>
-              </a:ext>
-            </a:extLst>
-          </p:cNvPr>
-          <p:cNvSpPr>
-            <a:spLocks noGrp="1"/>
-          </p:cNvSpPr>
-          <p:nvPr>
-            <p:ph idx="1"/>
-          </p:nvPr>
-        </p:nvSpPr>
-        <p:spPr/>
-        <p:txBody>
-          <a:bodyPr/>
-          <a:lstStyle/>
-          <a:p>
-            <a:r>
-              <a:rPr lang="en-US" dirty="0"/>
-              <a:t>Functional completeness of system</a:t>
-            </a:r>
-          </a:p>
-          <a:p>
-            <a:r>
-              <a:rPr lang="en-US" dirty="0"/>
-              <a:t>Correct behavioral flow (no missing states or transitions)</a:t>
-            </a:r>
-          </a:p>
-          <a:p>
-            <a:r>
-              <a:rPr lang="en-US" dirty="0"/>
-              <a:t>Explicit safety states</a:t>
-            </a:r>
-          </a:p>
-          <a:p>
-            <a:r>
-              <a:rPr lang="en-US" dirty="0"/>
-              <a:t>Valid and ordered interactions between components</a:t>
-            </a:r>
-          </a:p>
-          <a:p>
-            <a:endParaRPr lang="en-US" dirty="0"/>
-          </a:p>
-          <a:p>
-            <a:r>
-              <a:rPr lang="en-US" dirty="0">
-                <a:solidFill>
-                  <a:srgbClr val="FF0000"/>
-                </a:solidFill>
-              </a:rPr>
-              <a:t>Provided we are able to implement the system that we modeled!</a:t>
-            </a:r>
-          </a:p>
-        </p:txBody>
-      </p:sp>
-      <p:sp>
-        <p:nvSpPr>
-          <p:cNvPr id="4" name="Date Placeholder 3">
-            <a:extLst>
-              <a:ext uri="{FF2B5EF4-FFF2-40B4-BE49-F238E27FC236}">
-                <a16:creationId xmlns:a16="http://schemas.microsoft.com/office/drawing/2014/main" id="{4F00192E-39C4-4BEE-ABA5-50BDF0D8E998}"/>
-              </a:ext>
-            </a:extLst>
-          </p:cNvPr>
-          <p:cNvSpPr>
-            <a:spLocks noGrp="1"/>
-          </p:cNvSpPr>
-          <p:nvPr>
-            <p:ph type="dt" sz="half" idx="10"/>
-          </p:nvPr>
-        </p:nvSpPr>
-        <p:spPr/>
-        <p:txBody>
-          <a:bodyPr/>
-          <a:lstStyle/>
-          <a:p>
-            <a:pPr>
-              <a:defRPr/>
-            </a:pPr>
-            <a:r>
-              <a:rPr lang="en-US"/>
-              <a:t>21/12/2020</a:t>
-            </a:r>
-          </a:p>
-        </p:txBody>
-      </p:sp>
-      <p:sp>
-        <p:nvSpPr>
-          <p:cNvPr id="5" name="Slide Number Placeholder 4">
-            <a:extLst>
-              <a:ext uri="{FF2B5EF4-FFF2-40B4-BE49-F238E27FC236}">
-                <a16:creationId xmlns:a16="http://schemas.microsoft.com/office/drawing/2014/main" id="{33D9FBC6-28A3-43CF-AE5A-7F4D7617ED3D}"/>
-              </a:ext>
-            </a:extLst>
-          </p:cNvPr>
-          <p:cNvSpPr>
-            <a:spLocks noGrp="1"/>
-          </p:cNvSpPr>
-          <p:nvPr>
-            <p:ph type="sldNum" sz="quarter" idx="12"/>
-          </p:nvPr>
-        </p:nvSpPr>
-        <p:spPr/>
-        <p:txBody>
-          <a:bodyPr/>
-          <a:lstStyle/>
-          <a:p>
-            <a:pPr>
-              <a:defRPr/>
-            </a:pPr>
-            <a:fld id="{CA887A73-1AE0-46F8-856A-18EA1CF30A1B}" type="slidenum">
-              <a:rPr lang="en-US" altLang="en-US" smtClean="0"/>
-              <a:pPr>
-                <a:defRPr/>
-              </a:pPr>
-              <a:t>3</a:t>
-            </a:fld>
-            <a:endParaRPr lang="en-US" altLang="en-US"/>
-          </a:p>
-        </p:txBody>
-      </p:sp>
-    </p:spTree>
-    <p:extLst>
-      <p:ext uri="{BB962C8B-B14F-4D97-AF65-F5344CB8AC3E}">
-        <p14:creationId xmlns:p14="http://schemas.microsoft.com/office/powerpoint/2010/main" val="3588795668"/>
-      </p:ext>
-    </p:extLst>
-  </p:cSld>
-  <p:clrMapOvr>
-    <a:masterClrMapping/>
-  </p:clrMapOvr>
-  <p:timing>
-    <p:tnLst>
-      <p:par>
-        <p:cTn id="1" dur="indefinite" restart="never" nodeType="tmRoot">
-          <p:childTnLst>
-            <p:seq concurrent="1" nextAc="seek">
-              <p:cTn id="2" dur="indefinite" nodeType="mainSeq">
-                <p:childTnLst>
-                  <p:par>
-                    <p:cTn id="3" fill="hold">
-                      <p:stCondLst>
-                        <p:cond delay="indefinite"/>
-                      </p:stCondLst>
-                      <p:childTnLst>
-                        <p:par>
-                          <p:cTn id="4" fill="hold">
-                            <p:stCondLst>
-                              <p:cond delay="0"/>
-                            </p:stCondLst>
-                            <p:childTnLst>
-                              <p:par>
-                                <p:cTn id="5" presetID="1" presetClass="entr" presetSubtype="0" fill="hold" grpId="0" nodeType="clickEffect">
-                                  <p:stCondLst>
-                                    <p:cond delay="0"/>
-                                  </p:stCondLst>
-                                  <p:childTnLst>
-                                    <p:set>
-                                      <p:cBhvr>
-                                        <p:cTn id="6" dur="1" fill="hold">
-                                          <p:stCondLst>
-                                            <p:cond delay="0"/>
-                                          </p:stCondLst>
-                                        </p:cTn>
-                                        <p:tgtEl>
-                                          <p:spTgt spid="3">
-                                            <p:txEl>
-                                              <p:pRg st="0" end="0"/>
-                                            </p:txEl>
-                                          </p:spTgt>
-                                        </p:tgtEl>
-                                        <p:attrNameLst>
-                                          <p:attrName>style.visibility</p:attrName>
-                                        </p:attrNameLst>
-                                      </p:cBhvr>
-                                      <p:to>
-                                        <p:strVal val="visible"/>
-                                      </p:to>
-                                    </p:set>
-                                  </p:childTnLst>
-                                </p:cTn>
-                              </p:par>
-                            </p:childTnLst>
-                          </p:cTn>
-                        </p:par>
-                      </p:childTnLst>
-                    </p:cTn>
-                  </p:par>
-                  <p:par>
-                    <p:cTn id="7" fill="hold">
-                      <p:stCondLst>
-                        <p:cond delay="indefinite"/>
-                      </p:stCondLst>
-                      <p:childTnLst>
-                        <p:par>
-                          <p:cTn id="8" fill="hold">
-                            <p:stCondLst>
-                              <p:cond delay="0"/>
-                            </p:stCondLst>
-                            <p:childTnLst>
-                              <p:par>
-                                <p:cTn id="9" presetID="1" presetClass="entr" presetSubtype="0" fill="hold" grpId="0" nodeType="clickEffect">
-                                  <p:stCondLst>
-                                    <p:cond delay="0"/>
-                                  </p:stCondLst>
-                                  <p:childTnLst>
-                                    <p:set>
-                                      <p:cBhvr>
-                                        <p:cTn id="10" dur="1" fill="hold">
-                                          <p:stCondLst>
-                                            <p:cond delay="0"/>
-                                          </p:stCondLst>
-                                        </p:cTn>
-                                        <p:tgtEl>
-                                          <p:spTgt spid="3">
-                                            <p:txEl>
-                                              <p:pRg st="1" end="1"/>
-                                            </p:txEl>
-                                          </p:spTgt>
-                                        </p:tgtEl>
-                                        <p:attrNameLst>
-                                          <p:attrName>style.visibility</p:attrName>
-                                        </p:attrNameLst>
-                                      </p:cBhvr>
-                                      <p:to>
-                                        <p:strVal val="visible"/>
-                                      </p:to>
-                                    </p:set>
-                                  </p:childTnLst>
-                                </p:cTn>
-                              </p:par>
-                            </p:childTnLst>
-                          </p:cTn>
-                        </p:par>
-                      </p:childTnLst>
-                    </p:cTn>
-                  </p:par>
-                  <p:par>
-                    <p:cTn id="11" fill="hold">
-                      <p:stCondLst>
-                        <p:cond delay="indefinite"/>
-                      </p:stCondLst>
-                      <p:childTnLst>
-                        <p:par>
-                          <p:cTn id="12" fill="hold">
-                            <p:stCondLst>
-                              <p:cond delay="0"/>
-                            </p:stCondLst>
-                            <p:childTnLst>
-                              <p:par>
-                                <p:cTn id="13" presetID="1" presetClass="entr" presetSubtype="0" fill="hold" grpId="0" nodeType="clickEffect">
-                                  <p:stCondLst>
-                                    <p:cond delay="0"/>
-                                  </p:stCondLst>
-                                  <p:childTnLst>
-                                    <p:set>
-                                      <p:cBhvr>
-                                        <p:cTn id="14" dur="1" fill="hold">
-                                          <p:stCondLst>
-                                            <p:cond delay="0"/>
-                                          </p:stCondLst>
-                                        </p:cTn>
-                                        <p:tgtEl>
-                                          <p:spTgt spid="3">
-                                            <p:txEl>
-                                              <p:pRg st="2" end="2"/>
-                                            </p:txEl>
-                                          </p:spTgt>
-                                        </p:tgtEl>
-                                        <p:attrNameLst>
-                                          <p:attrName>style.visibility</p:attrName>
-                                        </p:attrNameLst>
-                                      </p:cBhvr>
-                                      <p:to>
-                                        <p:strVal val="visible"/>
-                                      </p:to>
-                                    </p:set>
-                                  </p:childTnLst>
-                                </p:cTn>
-                              </p:par>
-                            </p:childTnLst>
-                          </p:cTn>
-                        </p:par>
-                      </p:childTnLst>
-                    </p:cTn>
-                  </p:par>
-                  <p:par>
-                    <p:cTn id="15" fill="hold">
-                      <p:stCondLst>
-                        <p:cond delay="indefinite"/>
-                      </p:stCondLst>
-                      <p:childTnLst>
-                        <p:par>
-                          <p:cTn id="16" fill="hold">
-                            <p:stCondLst>
-                              <p:cond delay="0"/>
-                            </p:stCondLst>
-                            <p:childTnLst>
-                              <p:par>
-                                <p:cTn id="17" presetID="1" presetClass="entr" presetSubtype="0" fill="hold" grpId="0" nodeType="clickEffect">
-                                  <p:stCondLst>
-                                    <p:cond delay="0"/>
-                                  </p:stCondLst>
-                                  <p:childTnLst>
-                                    <p:set>
-                                      <p:cBhvr>
-                                        <p:cTn id="18" dur="1" fill="hold">
-                                          <p:stCondLst>
-                                            <p:cond delay="0"/>
-                                          </p:stCondLst>
-                                        </p:cTn>
-                                        <p:tgtEl>
-                                          <p:spTgt spid="3">
-                                            <p:txEl>
-                                              <p:pRg st="3" end="3"/>
-                                            </p:txEl>
-                                          </p:spTgt>
-                                        </p:tgtEl>
-                                        <p:attrNameLst>
-                                          <p:attrName>style.visibility</p:attrName>
-                                        </p:attrNameLst>
-                                      </p:cBhvr>
-                                      <p:to>
-                                        <p:strVal val="visible"/>
-                                      </p:to>
-                                    </p:set>
-                                  </p:childTnLst>
-                                </p:cTn>
-                              </p:par>
-                            </p:childTnLst>
-                          </p:cTn>
-                        </p:par>
-                      </p:childTnLst>
-                    </p:cTn>
-                  </p:par>
-                  <p:par>
-                    <p:cTn id="19" fill="hold">
-                      <p:stCondLst>
-                        <p:cond delay="indefinite"/>
-                      </p:stCondLst>
-                      <p:childTnLst>
-                        <p:par>
-                          <p:cTn id="20" fill="hold">
-                            <p:stCondLst>
-                              <p:cond delay="0"/>
-                            </p:stCondLst>
-                            <p:childTnLst>
-                              <p:par>
-                                <p:cTn id="21" presetID="1" presetClass="entr" presetSubtype="0" fill="hold" grpId="0" nodeType="clickEffect">
-                                  <p:stCondLst>
-                                    <p:cond delay="0"/>
-                                  </p:stCondLst>
-                                  <p:childTnLst>
-                                    <p:set>
-                                      <p:cBhvr>
-                                        <p:cTn id="22" dur="1" fill="hold">
-                                          <p:stCondLst>
-                                            <p:cond delay="0"/>
-                                          </p:stCondLst>
-                                        </p:cTn>
-                                        <p:tgtEl>
-                                          <p:spTgt spid="3">
-                                            <p:txEl>
-                                              <p:pRg st="5" end="5"/>
-                                            </p:txEl>
-                                          </p:spTgt>
-                                        </p:tgtEl>
-                                        <p:attrNameLst>
-                                          <p:attrName>style.visibility</p:attrName>
-                                        </p:attrNameLst>
-                                      </p:cBhvr>
-                                      <p:to>
-                                        <p:strVal val="visible"/>
-                                      </p:to>
-                                    </p:set>
-                                  </p:childTnLst>
-                                </p:cTn>
-                              </p:par>
-                            </p:childTnLst>
-                          </p:cTn>
-                        </p:par>
-                      </p:childTnLst>
-                    </p:cTn>
-                  </p:par>
-                </p:childTnLst>
-              </p:cTn>
-              <p:prevCondLst>
-                <p:cond evt="onPrev" delay="0">
-                  <p:tgtEl>
-                    <p:sldTgt/>
-                  </p:tgtEl>
-                </p:cond>
-              </p:prevCondLst>
-              <p:nextCondLst>
-                <p:cond evt="onNext" delay="0">
-                  <p:tgtEl>
-                    <p:sldTgt/>
-                  </p:tgtEl>
-                </p:cond>
-              </p:nextCondLst>
-            </p:seq>
-          </p:childTnLst>
-        </p:cTn>
-      </p:par>
-    </p:tnLst>
-    <p:bldLst>
-      <p:bldP spid="3" grpId="0" build="p"/>
-    </p:bldLst>
-  </p:timing>
-</p:sld>
-</file>
-
-<file path=ppt/slides/slide30.xml><?xml version="1.0" encoding="utf-8"?>
-<p:sld xmlns:a="http://schemas.openxmlformats.org/drawingml/2006/main" xmlns:r="http://schemas.openxmlformats.org/officeDocument/2006/relationships" xmlns:p="http://schemas.openxmlformats.org/presentationml/2006/main">
-  <p:cSld>
-    <p:spTree>
-      <p:nvGrpSpPr>
-        <p:cNvPr id="1" name=""/>
-        <p:cNvGrpSpPr/>
-        <p:nvPr/>
-      </p:nvGrpSpPr>
-      <p:grpSpPr>
-        <a:xfrm>
-          <a:off x="0" y="0"/>
-          <a:ext cx="0" cy="0"/>
-          <a:chOff x="0" y="0"/>
-          <a:chExt cx="0" cy="0"/>
-        </a:xfrm>
-      </p:grpSpPr>
-      <p:sp>
-        <p:nvSpPr>
-          <p:cNvPr id="2" name="Title 1">
-            <a:extLst>
-              <a:ext uri="{FF2B5EF4-FFF2-40B4-BE49-F238E27FC236}">
                 <a16:creationId xmlns:a16="http://schemas.microsoft.com/office/drawing/2014/main" id="{F010418C-916C-4FEF-9C7B-A1674CC36ECF}"/>
               </a:ext>
             </a:extLst>
@@ -19141,7 +21583,7 @@
               <a:pPr>
                 <a:defRPr/>
               </a:pPr>
-              <a:t>30</a:t>
+              <a:t>35</a:t>
             </a:fld>
             <a:endParaRPr lang="en-US" altLang="en-US"/>
           </a:p>
@@ -19419,7 +21861,7 @@
 </p:sld>
 </file>
 
-<file path=ppt/slides/slide31.xml><?xml version="1.0" encoding="utf-8"?>
+<file path=ppt/slides/slide36.xml><?xml version="1.0" encoding="utf-8"?>
 <p:sld xmlns:a="http://schemas.openxmlformats.org/drawingml/2006/main" xmlns:r="http://schemas.openxmlformats.org/officeDocument/2006/relationships" xmlns:p="http://schemas.openxmlformats.org/presentationml/2006/main">
   <p:cSld>
     <p:spTree>
@@ -19571,7 +22013,7 @@
               <a:pPr>
                 <a:defRPr/>
               </a:pPr>
-              <a:t>31</a:t>
+              <a:t>36</a:t>
             </a:fld>
             <a:endParaRPr lang="en-US" altLang="en-US"/>
           </a:p>
@@ -19875,7 +22317,7 @@
 </p:sld>
 </file>
 
-<file path=ppt/slides/slide32.xml><?xml version="1.0" encoding="utf-8"?>
+<file path=ppt/slides/slide37.xml><?xml version="1.0" encoding="utf-8"?>
 <p:sld xmlns:a="http://schemas.openxmlformats.org/drawingml/2006/main" xmlns:r="http://schemas.openxmlformats.org/officeDocument/2006/relationships" xmlns:p="http://schemas.openxmlformats.org/presentationml/2006/main">
   <p:cSld>
     <p:spTree>
@@ -20071,7 +22513,7 @@
               <a:pPr>
                 <a:defRPr/>
               </a:pPr>
-              <a:t>32</a:t>
+              <a:t>37</a:t>
             </a:fld>
             <a:endParaRPr lang="en-US" altLang="en-US"/>
           </a:p>
@@ -20398,7 +22840,7 @@
 </p:sld>
 </file>
 
-<file path=ppt/slides/slide33.xml><?xml version="1.0" encoding="utf-8"?>
+<file path=ppt/slides/slide38.xml><?xml version="1.0" encoding="utf-8"?>
 <p:sld xmlns:a="http://schemas.openxmlformats.org/drawingml/2006/main" xmlns:r="http://schemas.openxmlformats.org/officeDocument/2006/relationships" xmlns:p="http://schemas.openxmlformats.org/presentationml/2006/main">
   <p:cSld>
     <p:spTree>
@@ -20543,7 +22985,7 @@
               <a:pPr>
                 <a:defRPr/>
               </a:pPr>
-              <a:t>33</a:t>
+              <a:t>38</a:t>
             </a:fld>
             <a:endParaRPr lang="en-US" altLang="en-US"/>
           </a:p>
@@ -20592,7 +23034,7 @@
 </p:sld>
 </file>
 
-<file path=ppt/slides/slide34.xml><?xml version="1.0" encoding="utf-8"?>
+<file path=ppt/slides/slide39.xml><?xml version="1.0" encoding="utf-8"?>
 <p:sld xmlns:a="http://schemas.openxmlformats.org/drawingml/2006/main" xmlns:r="http://schemas.openxmlformats.org/officeDocument/2006/relationships" xmlns:p="http://schemas.openxmlformats.org/presentationml/2006/main">
   <p:cSld>
     <p:spTree>
@@ -20737,7 +23179,7 @@
               <a:pPr>
                 <a:defRPr/>
               </a:pPr>
-              <a:t>34</a:t>
+              <a:t>39</a:t>
             </a:fld>
             <a:endParaRPr lang="en-US" altLang="en-US"/>
           </a:p>
@@ -20777,195 +23219,6 @@
     <p:extLst>
       <p:ext uri="{BB962C8B-B14F-4D97-AF65-F5344CB8AC3E}">
         <p14:creationId xmlns:p14="http://schemas.microsoft.com/office/powerpoint/2010/main" val="3095958432"/>
-      </p:ext>
-    </p:extLst>
-  </p:cSld>
-  <p:clrMapOvr>
-    <a:masterClrMapping/>
-  </p:clrMapOvr>
-</p:sld>
-</file>
-
-<file path=ppt/slides/slide35.xml><?xml version="1.0" encoding="utf-8"?>
-<p:sld xmlns:a="http://schemas.openxmlformats.org/drawingml/2006/main" xmlns:r="http://schemas.openxmlformats.org/officeDocument/2006/relationships" xmlns:p="http://schemas.openxmlformats.org/presentationml/2006/main">
-  <p:cSld>
-    <p:spTree>
-      <p:nvGrpSpPr>
-        <p:cNvPr id="1" name=""/>
-        <p:cNvGrpSpPr/>
-        <p:nvPr/>
-      </p:nvGrpSpPr>
-      <p:grpSpPr>
-        <a:xfrm>
-          <a:off x="0" y="0"/>
-          <a:ext cx="0" cy="0"/>
-          <a:chOff x="0" y="0"/>
-          <a:chExt cx="0" cy="0"/>
-        </a:xfrm>
-      </p:grpSpPr>
-      <p:sp>
-        <p:nvSpPr>
-          <p:cNvPr id="2" name="Title 1">
-            <a:extLst>
-              <a:ext uri="{FF2B5EF4-FFF2-40B4-BE49-F238E27FC236}">
-                <a16:creationId xmlns:a16="http://schemas.microsoft.com/office/drawing/2014/main" id="{EF104277-4811-451D-A5E1-A386353FCDDE}"/>
-              </a:ext>
-            </a:extLst>
-          </p:cNvPr>
-          <p:cNvSpPr>
-            <a:spLocks noGrp="1"/>
-          </p:cNvSpPr>
-          <p:nvPr>
-            <p:ph type="title"/>
-          </p:nvPr>
-        </p:nvSpPr>
-        <p:spPr/>
-        <p:txBody>
-          <a:bodyPr/>
-          <a:lstStyle/>
-          <a:p>
-            <a:r>
-              <a:rPr lang="en-US" dirty="0"/>
-              <a:t>Action hooks: entry/exit/do </a:t>
-            </a:r>
-            <a:r>
-              <a:rPr lang="en-US" dirty="0">
-                <a:sym typeface="Wingdings" panose="05000000000000000000" pitchFamily="2" charset="2"/>
-              </a:rPr>
-              <a:t> hardware commands</a:t>
-            </a:r>
-            <a:endParaRPr lang="en-US" dirty="0"/>
-          </a:p>
-        </p:txBody>
-      </p:sp>
-      <p:sp>
-        <p:nvSpPr>
-          <p:cNvPr id="3" name="Content Placeholder 2">
-            <a:extLst>
-              <a:ext uri="{FF2B5EF4-FFF2-40B4-BE49-F238E27FC236}">
-                <a16:creationId xmlns:a16="http://schemas.microsoft.com/office/drawing/2014/main" id="{C1ADD177-2E41-4DD9-B6D6-96AFB64A4C12}"/>
-              </a:ext>
-            </a:extLst>
-          </p:cNvPr>
-          <p:cNvSpPr>
-            <a:spLocks noGrp="1"/>
-          </p:cNvSpPr>
-          <p:nvPr>
-            <p:ph idx="1"/>
-          </p:nvPr>
-        </p:nvSpPr>
-        <p:spPr/>
-        <p:txBody>
-          <a:bodyPr/>
-          <a:lstStyle/>
-          <a:p>
-            <a:r>
-              <a:rPr lang="en-US" dirty="0"/>
-              <a:t>Ensures hardware is initialized and cleaned up during state changes</a:t>
-            </a:r>
-          </a:p>
-        </p:txBody>
-      </p:sp>
-      <p:sp>
-        <p:nvSpPr>
-          <p:cNvPr id="4" name="Date Placeholder 3">
-            <a:extLst>
-              <a:ext uri="{FF2B5EF4-FFF2-40B4-BE49-F238E27FC236}">
-                <a16:creationId xmlns:a16="http://schemas.microsoft.com/office/drawing/2014/main" id="{2DC216A9-7F47-44DF-9E78-6E3919BFF3E1}"/>
-              </a:ext>
-            </a:extLst>
-          </p:cNvPr>
-          <p:cNvSpPr>
-            <a:spLocks noGrp="1"/>
-          </p:cNvSpPr>
-          <p:nvPr>
-            <p:ph type="dt" sz="half" idx="10"/>
-          </p:nvPr>
-        </p:nvSpPr>
-        <p:spPr/>
-        <p:txBody>
-          <a:bodyPr/>
-          <a:lstStyle/>
-          <a:p>
-            <a:pPr>
-              <a:defRPr/>
-            </a:pPr>
-            <a:r>
-              <a:rPr lang="en-US"/>
-              <a:t>21/12/2020</a:t>
-            </a:r>
-          </a:p>
-        </p:txBody>
-      </p:sp>
-      <p:sp>
-        <p:nvSpPr>
-          <p:cNvPr id="5" name="Slide Number Placeholder 4">
-            <a:extLst>
-              <a:ext uri="{FF2B5EF4-FFF2-40B4-BE49-F238E27FC236}">
-                <a16:creationId xmlns:a16="http://schemas.microsoft.com/office/drawing/2014/main" id="{2F0BB72C-FA7E-4F31-A6A1-7DD73C691E77}"/>
-              </a:ext>
-            </a:extLst>
-          </p:cNvPr>
-          <p:cNvSpPr>
-            <a:spLocks noGrp="1"/>
-          </p:cNvSpPr>
-          <p:nvPr>
-            <p:ph type="sldNum" sz="quarter" idx="12"/>
-          </p:nvPr>
-        </p:nvSpPr>
-        <p:spPr/>
-        <p:txBody>
-          <a:bodyPr/>
-          <a:lstStyle/>
-          <a:p>
-            <a:pPr>
-              <a:defRPr/>
-            </a:pPr>
-            <a:fld id="{CA887A73-1AE0-46F8-856A-18EA1CF30A1B}" type="slidenum">
-              <a:rPr lang="en-US" altLang="en-US" smtClean="0"/>
-              <a:pPr>
-                <a:defRPr/>
-              </a:pPr>
-              <a:t>35</a:t>
-            </a:fld>
-            <a:endParaRPr lang="en-US" altLang="en-US"/>
-          </a:p>
-        </p:txBody>
-      </p:sp>
-      <p:pic>
-        <p:nvPicPr>
-          <p:cNvPr id="7" name="Picture 6">
-            <a:extLst>
-              <a:ext uri="{FF2B5EF4-FFF2-40B4-BE49-F238E27FC236}">
-                <a16:creationId xmlns:a16="http://schemas.microsoft.com/office/drawing/2014/main" id="{F3F59F7B-CA23-4D2B-A81E-B2F49BB2D9B2}"/>
-              </a:ext>
-            </a:extLst>
-          </p:cNvPr>
-          <p:cNvPicPr>
-            <a:picLocks noChangeAspect="1"/>
-          </p:cNvPicPr>
-          <p:nvPr/>
-        </p:nvPicPr>
-        <p:blipFill>
-          <a:blip r:embed="rId2"/>
-          <a:stretch>
-            <a:fillRect/>
-          </a:stretch>
-        </p:blipFill>
-        <p:spPr>
-          <a:xfrm>
-            <a:off x="2639923" y="3109782"/>
-            <a:ext cx="3864154" cy="3351341"/>
-          </a:xfrm>
-          <a:prstGeom prst="rect">
-            <a:avLst/>
-          </a:prstGeom>
-        </p:spPr>
-      </p:pic>
-    </p:spTree>
-    <p:extLst>
-      <p:ext uri="{BB962C8B-B14F-4D97-AF65-F5344CB8AC3E}">
-        <p14:creationId xmlns:p14="http://schemas.microsoft.com/office/powerpoint/2010/main" val="3897562970"/>
       </p:ext>
     </p:extLst>
   </p:cSld>
@@ -21584,6 +23837,195 @@
       <p:bldP spid="3" grpId="0" build="p"/>
     </p:bldLst>
   </p:timing>
+</p:sld>
+</file>
+
+<file path=ppt/slides/slide40.xml><?xml version="1.0" encoding="utf-8"?>
+<p:sld xmlns:a="http://schemas.openxmlformats.org/drawingml/2006/main" xmlns:r="http://schemas.openxmlformats.org/officeDocument/2006/relationships" xmlns:p="http://schemas.openxmlformats.org/presentationml/2006/main">
+  <p:cSld>
+    <p:spTree>
+      <p:nvGrpSpPr>
+        <p:cNvPr id="1" name=""/>
+        <p:cNvGrpSpPr/>
+        <p:nvPr/>
+      </p:nvGrpSpPr>
+      <p:grpSpPr>
+        <a:xfrm>
+          <a:off x="0" y="0"/>
+          <a:ext cx="0" cy="0"/>
+          <a:chOff x="0" y="0"/>
+          <a:chExt cx="0" cy="0"/>
+        </a:xfrm>
+      </p:grpSpPr>
+      <p:sp>
+        <p:nvSpPr>
+          <p:cNvPr id="2" name="Title 1">
+            <a:extLst>
+              <a:ext uri="{FF2B5EF4-FFF2-40B4-BE49-F238E27FC236}">
+                <a16:creationId xmlns:a16="http://schemas.microsoft.com/office/drawing/2014/main" id="{EF104277-4811-451D-A5E1-A386353FCDDE}"/>
+              </a:ext>
+            </a:extLst>
+          </p:cNvPr>
+          <p:cNvSpPr>
+            <a:spLocks noGrp="1"/>
+          </p:cNvSpPr>
+          <p:nvPr>
+            <p:ph type="title"/>
+          </p:nvPr>
+        </p:nvSpPr>
+        <p:spPr/>
+        <p:txBody>
+          <a:bodyPr/>
+          <a:lstStyle/>
+          <a:p>
+            <a:r>
+              <a:rPr lang="en-US" dirty="0"/>
+              <a:t>Action hooks: entry/exit/do </a:t>
+            </a:r>
+            <a:r>
+              <a:rPr lang="en-US" dirty="0">
+                <a:sym typeface="Wingdings" panose="05000000000000000000" pitchFamily="2" charset="2"/>
+              </a:rPr>
+              <a:t> hardware commands</a:t>
+            </a:r>
+            <a:endParaRPr lang="en-US" dirty="0"/>
+          </a:p>
+        </p:txBody>
+      </p:sp>
+      <p:sp>
+        <p:nvSpPr>
+          <p:cNvPr id="3" name="Content Placeholder 2">
+            <a:extLst>
+              <a:ext uri="{FF2B5EF4-FFF2-40B4-BE49-F238E27FC236}">
+                <a16:creationId xmlns:a16="http://schemas.microsoft.com/office/drawing/2014/main" id="{C1ADD177-2E41-4DD9-B6D6-96AFB64A4C12}"/>
+              </a:ext>
+            </a:extLst>
+          </p:cNvPr>
+          <p:cNvSpPr>
+            <a:spLocks noGrp="1"/>
+          </p:cNvSpPr>
+          <p:nvPr>
+            <p:ph idx="1"/>
+          </p:nvPr>
+        </p:nvSpPr>
+        <p:spPr/>
+        <p:txBody>
+          <a:bodyPr/>
+          <a:lstStyle/>
+          <a:p>
+            <a:r>
+              <a:rPr lang="en-US" dirty="0"/>
+              <a:t>Ensures hardware is initialized and cleaned up during state changes</a:t>
+            </a:r>
+          </a:p>
+        </p:txBody>
+      </p:sp>
+      <p:sp>
+        <p:nvSpPr>
+          <p:cNvPr id="4" name="Date Placeholder 3">
+            <a:extLst>
+              <a:ext uri="{FF2B5EF4-FFF2-40B4-BE49-F238E27FC236}">
+                <a16:creationId xmlns:a16="http://schemas.microsoft.com/office/drawing/2014/main" id="{2DC216A9-7F47-44DF-9E78-6E3919BFF3E1}"/>
+              </a:ext>
+            </a:extLst>
+          </p:cNvPr>
+          <p:cNvSpPr>
+            <a:spLocks noGrp="1"/>
+          </p:cNvSpPr>
+          <p:nvPr>
+            <p:ph type="dt" sz="half" idx="10"/>
+          </p:nvPr>
+        </p:nvSpPr>
+        <p:spPr/>
+        <p:txBody>
+          <a:bodyPr/>
+          <a:lstStyle/>
+          <a:p>
+            <a:pPr>
+              <a:defRPr/>
+            </a:pPr>
+            <a:r>
+              <a:rPr lang="en-US"/>
+              <a:t>21/12/2020</a:t>
+            </a:r>
+          </a:p>
+        </p:txBody>
+      </p:sp>
+      <p:sp>
+        <p:nvSpPr>
+          <p:cNvPr id="5" name="Slide Number Placeholder 4">
+            <a:extLst>
+              <a:ext uri="{FF2B5EF4-FFF2-40B4-BE49-F238E27FC236}">
+                <a16:creationId xmlns:a16="http://schemas.microsoft.com/office/drawing/2014/main" id="{2F0BB72C-FA7E-4F31-A6A1-7DD73C691E77}"/>
+              </a:ext>
+            </a:extLst>
+          </p:cNvPr>
+          <p:cNvSpPr>
+            <a:spLocks noGrp="1"/>
+          </p:cNvSpPr>
+          <p:nvPr>
+            <p:ph type="sldNum" sz="quarter" idx="12"/>
+          </p:nvPr>
+        </p:nvSpPr>
+        <p:spPr/>
+        <p:txBody>
+          <a:bodyPr/>
+          <a:lstStyle/>
+          <a:p>
+            <a:pPr>
+              <a:defRPr/>
+            </a:pPr>
+            <a:fld id="{CA887A73-1AE0-46F8-856A-18EA1CF30A1B}" type="slidenum">
+              <a:rPr lang="en-US" altLang="en-US" smtClean="0"/>
+              <a:pPr>
+                <a:defRPr/>
+              </a:pPr>
+              <a:t>40</a:t>
+            </a:fld>
+            <a:endParaRPr lang="en-US" altLang="en-US"/>
+          </a:p>
+        </p:txBody>
+      </p:sp>
+      <p:pic>
+        <p:nvPicPr>
+          <p:cNvPr id="7" name="Picture 6">
+            <a:extLst>
+              <a:ext uri="{FF2B5EF4-FFF2-40B4-BE49-F238E27FC236}">
+                <a16:creationId xmlns:a16="http://schemas.microsoft.com/office/drawing/2014/main" id="{F3F59F7B-CA23-4D2B-A81E-B2F49BB2D9B2}"/>
+              </a:ext>
+            </a:extLst>
+          </p:cNvPr>
+          <p:cNvPicPr>
+            <a:picLocks noChangeAspect="1"/>
+          </p:cNvPicPr>
+          <p:nvPr/>
+        </p:nvPicPr>
+        <p:blipFill>
+          <a:blip r:embed="rId2"/>
+          <a:stretch>
+            <a:fillRect/>
+          </a:stretch>
+        </p:blipFill>
+        <p:spPr>
+          <a:xfrm>
+            <a:off x="2639923" y="3109782"/>
+            <a:ext cx="3864154" cy="3351341"/>
+          </a:xfrm>
+          <a:prstGeom prst="rect">
+            <a:avLst/>
+          </a:prstGeom>
+        </p:spPr>
+      </p:pic>
+    </p:spTree>
+    <p:extLst>
+      <p:ext uri="{BB962C8B-B14F-4D97-AF65-F5344CB8AC3E}">
+        <p14:creationId xmlns:p14="http://schemas.microsoft.com/office/powerpoint/2010/main" val="3897562970"/>
+      </p:ext>
+    </p:extLst>
+  </p:cSld>
+  <p:clrMapOvr>
+    <a:masterClrMapping/>
+  </p:clrMapOvr>
 </p:sld>
 </file>
 

--- a/Lec-13-16-firmware-architecture.pptx
+++ b/Lec-13-16-firmware-architecture.pptx
@@ -5,7 +5,7 @@
     <p:sldMasterId id="2147483648" r:id="rId1"/>
   </p:sldMasterIdLst>
   <p:notesMasterIdLst>
-    <p:notesMasterId r:id="rId42"/>
+    <p:notesMasterId r:id="rId47"/>
   </p:notesMasterIdLst>
   <p:sldIdLst>
     <p:sldId id="337" r:id="rId2"/>
@@ -39,15 +39,20 @@
     <p:sldId id="378" r:id="rId30"/>
     <p:sldId id="379" r:id="rId31"/>
     <p:sldId id="380" r:id="rId32"/>
-    <p:sldId id="365" r:id="rId33"/>
-    <p:sldId id="342" r:id="rId34"/>
-    <p:sldId id="343" r:id="rId35"/>
-    <p:sldId id="344" r:id="rId36"/>
-    <p:sldId id="345" r:id="rId37"/>
-    <p:sldId id="341" r:id="rId38"/>
-    <p:sldId id="347" r:id="rId39"/>
-    <p:sldId id="348" r:id="rId40"/>
-    <p:sldId id="349" r:id="rId41"/>
+    <p:sldId id="382" r:id="rId33"/>
+    <p:sldId id="383" r:id="rId34"/>
+    <p:sldId id="384" r:id="rId35"/>
+    <p:sldId id="385" r:id="rId36"/>
+    <p:sldId id="386" r:id="rId37"/>
+    <p:sldId id="387" r:id="rId38"/>
+    <p:sldId id="388" r:id="rId39"/>
+    <p:sldId id="389" r:id="rId40"/>
+    <p:sldId id="390" r:id="rId41"/>
+    <p:sldId id="391" r:id="rId42"/>
+    <p:sldId id="392" r:id="rId43"/>
+    <p:sldId id="393" r:id="rId44"/>
+    <p:sldId id="394" r:id="rId45"/>
+    <p:sldId id="395" r:id="rId46"/>
   </p:sldIdLst>
   <p:sldSz cx="9144000" cy="6858000" type="screen4x3"/>
   <p:notesSz cx="6858000" cy="9144000"/>
@@ -19894,7 +19899,18 @@
           <a:bodyPr/>
           <a:lstStyle/>
           <a:p>
-            <a:endParaRPr lang="en-US"/>
+            <a:r>
+              <a:rPr lang="en-US" dirty="0"/>
+              <a:t>Integrating 3</a:t>
+            </a:r>
+            <a:r>
+              <a:rPr lang="en-US" baseline="30000" dirty="0"/>
+              <a:t>rd</a:t>
+            </a:r>
+            <a:r>
+              <a:rPr lang="en-US" dirty="0"/>
+              <a:t> party libraries</a:t>
+            </a:r>
           </a:p>
         </p:txBody>
       </p:sp>
@@ -19919,7 +19935,13 @@
           <a:bodyPr/>
           <a:lstStyle/>
           <a:p>
-            <a:endParaRPr lang="en-US"/>
+            <a:pPr marL="0" indent="0">
+              <a:buNone/>
+            </a:pPr>
+            <a:r>
+              <a:rPr lang="en-US" dirty="0"/>
+              <a:t>Example: BME280 sensor from Bosch</a:t>
+            </a:r>
           </a:p>
         </p:txBody>
       </p:sp>
@@ -19989,6 +20011,41 @@
           </a:p>
         </p:txBody>
       </p:sp>
+      <p:pic>
+        <p:nvPicPr>
+          <p:cNvPr id="7" name="Picture 6">
+            <a:extLst>
+              <a:ext uri="{FF2B5EF4-FFF2-40B4-BE49-F238E27FC236}">
+                <a16:creationId xmlns:a16="http://schemas.microsoft.com/office/drawing/2014/main" id="{C0ADCE70-653E-45DE-A27B-3B3657940E83}"/>
+              </a:ext>
+            </a:extLst>
+          </p:cNvPr>
+          <p:cNvPicPr>
+            <a:picLocks noChangeAspect="1"/>
+          </p:cNvPicPr>
+          <p:nvPr/>
+        </p:nvPicPr>
+        <p:blipFill>
+          <a:blip r:embed="rId2">
+            <a:extLst>
+              <a:ext uri="{28A0092B-C50C-407E-A947-70E740481C1C}">
+                <a14:useLocalDpi xmlns:a14="http://schemas.microsoft.com/office/drawing/2010/main" val="0"/>
+              </a:ext>
+            </a:extLst>
+          </a:blip>
+          <a:srcRect/>
+          <a:stretch/>
+        </p:blipFill>
+        <p:spPr>
+          <a:xfrm>
+            <a:off x="1333048" y="2197846"/>
+            <a:ext cx="6477904" cy="4077757"/>
+          </a:xfrm>
+          <a:prstGeom prst="rect">
+            <a:avLst/>
+          </a:prstGeom>
+        </p:spPr>
+      </p:pic>
     </p:spTree>
     <p:extLst>
       <p:ext uri="{BB962C8B-B14F-4D97-AF65-F5344CB8AC3E}">
@@ -20040,32 +20097,17 @@
           <a:bodyPr/>
           <a:lstStyle/>
           <a:p>
-            <a:endParaRPr lang="en-US"/>
-          </a:p>
-        </p:txBody>
-      </p:sp>
-      <p:sp>
-        <p:nvSpPr>
-          <p:cNvPr id="3" name="Content Placeholder 2">
-            <a:extLst>
-              <a:ext uri="{FF2B5EF4-FFF2-40B4-BE49-F238E27FC236}">
-                <a16:creationId xmlns:a16="http://schemas.microsoft.com/office/drawing/2014/main" id="{A56DA82E-B7E8-4CF3-841B-38B76E13057D}"/>
-              </a:ext>
-            </a:extLst>
-          </p:cNvPr>
-          <p:cNvSpPr>
-            <a:spLocks noGrp="1"/>
-          </p:cNvSpPr>
-          <p:nvPr>
-            <p:ph idx="1"/>
-          </p:nvPr>
-        </p:nvSpPr>
-        <p:spPr/>
-        <p:txBody>
-          <a:bodyPr/>
-          <a:lstStyle/>
-          <a:p>
-            <a:endParaRPr lang="en-US"/>
+            <a:r>
+              <a:rPr lang="en-US" dirty="0"/>
+              <a:t>BME280 sensor API:</a:t>
+            </a:r>
+            <a:br>
+              <a:rPr lang="en-US" dirty="0"/>
+            </a:br>
+            <a:r>
+              <a:rPr lang="en-US" dirty="0"/>
+              <a:t>bme280_defs.h</a:t>
+            </a:r>
           </a:p>
         </p:txBody>
       </p:sp>
@@ -20135,6 +20177,138 @@
           </a:p>
         </p:txBody>
       </p:sp>
+      <p:pic>
+        <p:nvPicPr>
+          <p:cNvPr id="7" name="Picture 6">
+            <a:extLst>
+              <a:ext uri="{FF2B5EF4-FFF2-40B4-BE49-F238E27FC236}">
+                <a16:creationId xmlns:a16="http://schemas.microsoft.com/office/drawing/2014/main" id="{B098BF8F-1BB4-4966-8041-2EEF158B7E6D}"/>
+              </a:ext>
+            </a:extLst>
+          </p:cNvPr>
+          <p:cNvPicPr>
+            <a:picLocks noChangeAspect="1"/>
+          </p:cNvPicPr>
+          <p:nvPr/>
+        </p:nvPicPr>
+        <p:blipFill>
+          <a:blip r:embed="rId2"/>
+          <a:stretch>
+            <a:fillRect/>
+          </a:stretch>
+        </p:blipFill>
+        <p:spPr>
+          <a:xfrm>
+            <a:off x="152400" y="1476692"/>
+            <a:ext cx="3657600" cy="2780342"/>
+          </a:xfrm>
+          <a:prstGeom prst="rect">
+            <a:avLst/>
+          </a:prstGeom>
+        </p:spPr>
+      </p:pic>
+      <p:sp>
+        <p:nvSpPr>
+          <p:cNvPr id="9" name="TextBox 8">
+            <a:extLst>
+              <a:ext uri="{FF2B5EF4-FFF2-40B4-BE49-F238E27FC236}">
+                <a16:creationId xmlns:a16="http://schemas.microsoft.com/office/drawing/2014/main" id="{E6309847-3109-4BD6-B629-2F69084D4AB1}"/>
+              </a:ext>
+            </a:extLst>
+          </p:cNvPr>
+          <p:cNvSpPr txBox="1"/>
+          <p:nvPr/>
+        </p:nvSpPr>
+        <p:spPr>
+          <a:xfrm>
+            <a:off x="266700" y="4410920"/>
+            <a:ext cx="3124200" cy="369332"/>
+          </a:xfrm>
+          <a:prstGeom prst="rect">
+            <a:avLst/>
+          </a:prstGeom>
+          <a:noFill/>
+        </p:spPr>
+        <p:txBody>
+          <a:bodyPr wrap="square">
+            <a:spAutoFit/>
+          </a:bodyPr>
+          <a:lstStyle/>
+          <a:p>
+            <a:pPr algn="ctr"/>
+            <a:r>
+              <a:rPr lang="en-US" dirty="0"/>
+              <a:t>Register definitions</a:t>
+            </a:r>
+          </a:p>
+        </p:txBody>
+      </p:sp>
+      <p:pic>
+        <p:nvPicPr>
+          <p:cNvPr id="11" name="Picture 10">
+            <a:extLst>
+              <a:ext uri="{FF2B5EF4-FFF2-40B4-BE49-F238E27FC236}">
+                <a16:creationId xmlns:a16="http://schemas.microsoft.com/office/drawing/2014/main" id="{AB3682BA-8FCD-45E9-9355-A64013DF7595}"/>
+              </a:ext>
+            </a:extLst>
+          </p:cNvPr>
+          <p:cNvPicPr>
+            <a:picLocks noChangeAspect="1"/>
+          </p:cNvPicPr>
+          <p:nvPr/>
+        </p:nvPicPr>
+        <p:blipFill>
+          <a:blip r:embed="rId3"/>
+          <a:stretch>
+            <a:fillRect/>
+          </a:stretch>
+        </p:blipFill>
+        <p:spPr>
+          <a:xfrm>
+            <a:off x="3390900" y="3314050"/>
+            <a:ext cx="5658709" cy="3039585"/>
+          </a:xfrm>
+          <a:prstGeom prst="rect">
+            <a:avLst/>
+          </a:prstGeom>
+        </p:spPr>
+      </p:pic>
+      <p:sp>
+        <p:nvSpPr>
+          <p:cNvPr id="12" name="TextBox 11">
+            <a:extLst>
+              <a:ext uri="{FF2B5EF4-FFF2-40B4-BE49-F238E27FC236}">
+                <a16:creationId xmlns:a16="http://schemas.microsoft.com/office/drawing/2014/main" id="{ED0495E9-0192-43C2-A3C9-B07D101ACFB5}"/>
+              </a:ext>
+            </a:extLst>
+          </p:cNvPr>
+          <p:cNvSpPr txBox="1"/>
+          <p:nvPr/>
+        </p:nvSpPr>
+        <p:spPr>
+          <a:xfrm>
+            <a:off x="4658154" y="2866863"/>
+            <a:ext cx="3124200" cy="369332"/>
+          </a:xfrm>
+          <a:prstGeom prst="rect">
+            <a:avLst/>
+          </a:prstGeom>
+          <a:noFill/>
+        </p:spPr>
+        <p:txBody>
+          <a:bodyPr wrap="square">
+            <a:spAutoFit/>
+          </a:bodyPr>
+          <a:lstStyle/>
+          <a:p>
+            <a:pPr algn="ctr"/>
+            <a:r>
+              <a:rPr lang="en-US" dirty="0"/>
+              <a:t>Utility functions / macros</a:t>
+            </a:r>
+          </a:p>
+        </p:txBody>
+      </p:sp>
     </p:spTree>
     <p:extLst>
       <p:ext uri="{BB962C8B-B14F-4D97-AF65-F5344CB8AC3E}">
@@ -20145,6 +20319,184 @@
   <p:clrMapOvr>
     <a:masterClrMapping/>
   </p:clrMapOvr>
+  <p:timing>
+    <p:tnLst>
+      <p:par>
+        <p:cTn id="1" dur="indefinite" restart="never" nodeType="tmRoot">
+          <p:childTnLst>
+            <p:seq concurrent="1" nextAc="seek">
+              <p:cTn id="2" dur="indefinite" nodeType="mainSeq">
+                <p:childTnLst>
+                  <p:par>
+                    <p:cTn id="3" fill="hold">
+                      <p:stCondLst>
+                        <p:cond delay="indefinite"/>
+                      </p:stCondLst>
+                      <p:childTnLst>
+                        <p:par>
+                          <p:cTn id="4" fill="hold">
+                            <p:stCondLst>
+                              <p:cond delay="0"/>
+                            </p:stCondLst>
+                            <p:childTnLst>
+                              <p:par>
+                                <p:cTn id="5" presetID="1" presetClass="entr" presetSubtype="0" fill="hold" nodeType="clickEffect">
+                                  <p:stCondLst>
+                                    <p:cond delay="0"/>
+                                  </p:stCondLst>
+                                  <p:childTnLst>
+                                    <p:set>
+                                      <p:cBhvr>
+                                        <p:cTn id="6" dur="1" fill="hold">
+                                          <p:stCondLst>
+                                            <p:cond delay="0"/>
+                                          </p:stCondLst>
+                                        </p:cTn>
+                                        <p:tgtEl>
+                                          <p:spTgt spid="7"/>
+                                        </p:tgtEl>
+                                        <p:attrNameLst>
+                                          <p:attrName>style.visibility</p:attrName>
+                                        </p:attrNameLst>
+                                      </p:cBhvr>
+                                      <p:to>
+                                        <p:strVal val="visible"/>
+                                      </p:to>
+                                    </p:set>
+                                  </p:childTnLst>
+                                </p:cTn>
+                              </p:par>
+                              <p:par>
+                                <p:cTn id="7" presetID="1" presetClass="entr" presetSubtype="0" fill="hold" grpId="0" nodeType="withEffect">
+                                  <p:stCondLst>
+                                    <p:cond delay="0"/>
+                                  </p:stCondLst>
+                                  <p:childTnLst>
+                                    <p:set>
+                                      <p:cBhvr>
+                                        <p:cTn id="8" dur="1" fill="hold">
+                                          <p:stCondLst>
+                                            <p:cond delay="0"/>
+                                          </p:stCondLst>
+                                        </p:cTn>
+                                        <p:tgtEl>
+                                          <p:spTgt spid="9"/>
+                                        </p:tgtEl>
+                                        <p:attrNameLst>
+                                          <p:attrName>style.visibility</p:attrName>
+                                        </p:attrNameLst>
+                                      </p:cBhvr>
+                                      <p:to>
+                                        <p:strVal val="visible"/>
+                                      </p:to>
+                                    </p:set>
+                                  </p:childTnLst>
+                                </p:cTn>
+                              </p:par>
+                            </p:childTnLst>
+                          </p:cTn>
+                        </p:par>
+                      </p:childTnLst>
+                    </p:cTn>
+                  </p:par>
+                  <p:par>
+                    <p:cTn id="9" fill="hold">
+                      <p:stCondLst>
+                        <p:cond delay="indefinite"/>
+                      </p:stCondLst>
+                      <p:childTnLst>
+                        <p:par>
+                          <p:cTn id="10" fill="hold">
+                            <p:stCondLst>
+                              <p:cond delay="0"/>
+                            </p:stCondLst>
+                            <p:childTnLst>
+                              <p:par>
+                                <p:cTn id="11" presetID="1" presetClass="entr" presetSubtype="0" fill="hold" grpId="0" nodeType="clickEffect">
+                                  <p:stCondLst>
+                                    <p:cond delay="0"/>
+                                  </p:stCondLst>
+                                  <p:childTnLst>
+                                    <p:set>
+                                      <p:cBhvr>
+                                        <p:cTn id="12" dur="1" fill="hold">
+                                          <p:stCondLst>
+                                            <p:cond delay="0"/>
+                                          </p:stCondLst>
+                                        </p:cTn>
+                                        <p:tgtEl>
+                                          <p:spTgt spid="12"/>
+                                        </p:tgtEl>
+                                        <p:attrNameLst>
+                                          <p:attrName>style.visibility</p:attrName>
+                                        </p:attrNameLst>
+                                      </p:cBhvr>
+                                      <p:to>
+                                        <p:strVal val="visible"/>
+                                      </p:to>
+                                    </p:set>
+                                  </p:childTnLst>
+                                </p:cTn>
+                              </p:par>
+                              <p:par>
+                                <p:cTn id="13" presetID="1" presetClass="entr" presetSubtype="0" fill="hold" nodeType="withEffect">
+                                  <p:stCondLst>
+                                    <p:cond delay="0"/>
+                                  </p:stCondLst>
+                                  <p:childTnLst>
+                                    <p:set>
+                                      <p:cBhvr>
+                                        <p:cTn id="14" dur="1" fill="hold">
+                                          <p:stCondLst>
+                                            <p:cond delay="0"/>
+                                          </p:stCondLst>
+                                        </p:cTn>
+                                        <p:tgtEl>
+                                          <p:spTgt spid="11"/>
+                                        </p:tgtEl>
+                                        <p:attrNameLst>
+                                          <p:attrName>style.visibility</p:attrName>
+                                        </p:attrNameLst>
+                                      </p:cBhvr>
+                                      <p:to>
+                                        <p:strVal val="visible"/>
+                                      </p:to>
+                                    </p:set>
+                                  </p:childTnLst>
+                                </p:cTn>
+                              </p:par>
+                            </p:childTnLst>
+                          </p:cTn>
+                        </p:par>
+                      </p:childTnLst>
+                    </p:cTn>
+                  </p:par>
+                </p:childTnLst>
+              </p:cTn>
+              <p:prevCondLst>
+                <p:cond evt="onPrev" delay="0">
+                  <p:tgtEl>
+                    <p:sldTgt/>
+                  </p:tgtEl>
+                </p:cond>
+              </p:prevCondLst>
+              <p:nextCondLst>
+                <p:cond evt="onNext" delay="0">
+                  <p:tgtEl>
+                    <p:sldTgt/>
+                  </p:tgtEl>
+                </p:cond>
+              </p:nextCondLst>
+            </p:seq>
+          </p:childTnLst>
+        </p:cTn>
+      </p:par>
+    </p:tnLst>
+    <p:bldLst>
+      <p:bldP spid="9" grpId="0"/>
+      <p:bldP spid="12" grpId="0"/>
+    </p:bldLst>
+  </p:timing>
 </p:sld>
 </file>
 
@@ -20170,7 +20522,7 @@
           <p:cNvPr id="2" name="Title 1">
             <a:extLst>
               <a:ext uri="{FF2B5EF4-FFF2-40B4-BE49-F238E27FC236}">
-                <a16:creationId xmlns:a16="http://schemas.microsoft.com/office/drawing/2014/main" id="{C9A7AB5D-D1EF-4D24-AAF6-174B5003C9A4}"/>
+                <a16:creationId xmlns:a16="http://schemas.microsoft.com/office/drawing/2014/main" id="{9FC58972-C25F-4A5B-AB4F-4CC7316FB808}"/>
               </a:ext>
             </a:extLst>
           </p:cNvPr>
@@ -20188,33 +20540,15 @@
           <a:p>
             <a:r>
               <a:rPr lang="en-US" dirty="0"/>
-              <a:t>From diagrams to file structures</a:t>
-            </a:r>
-          </a:p>
-        </p:txBody>
-      </p:sp>
-      <p:sp>
-        <p:nvSpPr>
-          <p:cNvPr id="3" name="Content Placeholder 2">
-            <a:extLst>
-              <a:ext uri="{FF2B5EF4-FFF2-40B4-BE49-F238E27FC236}">
-                <a16:creationId xmlns:a16="http://schemas.microsoft.com/office/drawing/2014/main" id="{567EB26E-359F-4C3A-BB1D-DE45F07505B3}"/>
-              </a:ext>
-            </a:extLst>
-          </p:cNvPr>
-          <p:cNvSpPr>
-            <a:spLocks noGrp="1"/>
-          </p:cNvSpPr>
-          <p:nvPr>
-            <p:ph idx="1"/>
-          </p:nvPr>
-        </p:nvSpPr>
-        <p:spPr/>
-        <p:txBody>
-          <a:bodyPr/>
-          <a:lstStyle/>
-          <a:p>
-            <a:endParaRPr lang="en-US"/>
+              <a:t>BME280 sensor API:</a:t>
+            </a:r>
+            <a:br>
+              <a:rPr lang="en-US" dirty="0"/>
+            </a:br>
+            <a:r>
+              <a:rPr lang="en-US" dirty="0"/>
+              <a:t>bme280.h / bme280.c</a:t>
+            </a:r>
           </a:p>
         </p:txBody>
       </p:sp>
@@ -20223,7 +20557,7 @@
           <p:cNvPr id="4" name="Date Placeholder 3">
             <a:extLst>
               <a:ext uri="{FF2B5EF4-FFF2-40B4-BE49-F238E27FC236}">
-                <a16:creationId xmlns:a16="http://schemas.microsoft.com/office/drawing/2014/main" id="{51C922FA-89D7-46E4-8040-F0F0FCF95C0A}"/>
+                <a16:creationId xmlns:a16="http://schemas.microsoft.com/office/drawing/2014/main" id="{DED9F8D9-8787-4EC5-8299-0443B9B7828E}"/>
               </a:ext>
             </a:extLst>
           </p:cNvPr>
@@ -20254,7 +20588,7 @@
           <p:cNvPr id="5" name="Slide Number Placeholder 4">
             <a:extLst>
               <a:ext uri="{FF2B5EF4-FFF2-40B4-BE49-F238E27FC236}">
-                <a16:creationId xmlns:a16="http://schemas.microsoft.com/office/drawing/2014/main" id="{9F73F040-6F26-4420-941B-4564D793A61E}"/>
+                <a16:creationId xmlns:a16="http://schemas.microsoft.com/office/drawing/2014/main" id="{79F91E9D-0487-45A1-B57B-64E94DA6DF27}"/>
               </a:ext>
             </a:extLst>
           </p:cNvPr>
@@ -20284,16 +20618,805 @@
           </a:p>
         </p:txBody>
       </p:sp>
+      <p:pic>
+        <p:nvPicPr>
+          <p:cNvPr id="7" name="Picture 6">
+            <a:extLst>
+              <a:ext uri="{FF2B5EF4-FFF2-40B4-BE49-F238E27FC236}">
+                <a16:creationId xmlns:a16="http://schemas.microsoft.com/office/drawing/2014/main" id="{B098BF8F-1BB4-4966-8041-2EEF158B7E6D}"/>
+              </a:ext>
+            </a:extLst>
+          </p:cNvPr>
+          <p:cNvPicPr>
+            <a:picLocks noChangeAspect="1"/>
+          </p:cNvPicPr>
+          <p:nvPr/>
+        </p:nvPicPr>
+        <p:blipFill>
+          <a:blip r:embed="rId2">
+            <a:extLst>
+              <a:ext uri="{28A0092B-C50C-407E-A947-70E740481C1C}">
+                <a14:useLocalDpi xmlns:a14="http://schemas.microsoft.com/office/drawing/2010/main" val="0"/>
+              </a:ext>
+            </a:extLst>
+          </a:blip>
+          <a:srcRect/>
+          <a:stretch/>
+        </p:blipFill>
+        <p:spPr>
+          <a:xfrm>
+            <a:off x="152399" y="1441686"/>
+            <a:ext cx="6003174" cy="2969234"/>
+          </a:xfrm>
+          <a:prstGeom prst="rect">
+            <a:avLst/>
+          </a:prstGeom>
+        </p:spPr>
+      </p:pic>
+      <p:sp>
+        <p:nvSpPr>
+          <p:cNvPr id="9" name="TextBox 8">
+            <a:extLst>
+              <a:ext uri="{FF2B5EF4-FFF2-40B4-BE49-F238E27FC236}">
+                <a16:creationId xmlns:a16="http://schemas.microsoft.com/office/drawing/2014/main" id="{E6309847-3109-4BD6-B629-2F69084D4AB1}"/>
+              </a:ext>
+            </a:extLst>
+          </p:cNvPr>
+          <p:cNvSpPr txBox="1"/>
+          <p:nvPr/>
+        </p:nvSpPr>
+        <p:spPr>
+          <a:xfrm>
+            <a:off x="-36576" y="4465961"/>
+            <a:ext cx="3107436" cy="646331"/>
+          </a:xfrm>
+          <a:prstGeom prst="rect">
+            <a:avLst/>
+          </a:prstGeom>
+          <a:noFill/>
+        </p:spPr>
+        <p:txBody>
+          <a:bodyPr wrap="square">
+            <a:spAutoFit/>
+          </a:bodyPr>
+          <a:lstStyle/>
+          <a:p>
+            <a:pPr algn="ctr"/>
+            <a:r>
+              <a:rPr lang="en-US" dirty="0"/>
+              <a:t>Useful functions to manipulate the sensor</a:t>
+            </a:r>
+          </a:p>
+        </p:txBody>
+      </p:sp>
+      <p:sp>
+        <p:nvSpPr>
+          <p:cNvPr id="12" name="TextBox 11">
+            <a:extLst>
+              <a:ext uri="{FF2B5EF4-FFF2-40B4-BE49-F238E27FC236}">
+                <a16:creationId xmlns:a16="http://schemas.microsoft.com/office/drawing/2014/main" id="{ED0495E9-0192-43C2-A3C9-B07D101ACFB5}"/>
+              </a:ext>
+            </a:extLst>
+          </p:cNvPr>
+          <p:cNvSpPr txBox="1"/>
+          <p:nvPr/>
+        </p:nvSpPr>
+        <p:spPr>
+          <a:xfrm>
+            <a:off x="4495800" y="2532587"/>
+            <a:ext cx="3514296" cy="369332"/>
+          </a:xfrm>
+          <a:prstGeom prst="rect">
+            <a:avLst/>
+          </a:prstGeom>
+          <a:solidFill>
+            <a:schemeClr val="bg1"/>
+          </a:solidFill>
+        </p:spPr>
+        <p:txBody>
+          <a:bodyPr wrap="square">
+            <a:spAutoFit/>
+          </a:bodyPr>
+          <a:lstStyle/>
+          <a:p>
+            <a:pPr algn="ctr"/>
+            <a:r>
+              <a:rPr lang="en-US" dirty="0"/>
+              <a:t>How do you talk to the device?</a:t>
+            </a:r>
+          </a:p>
+        </p:txBody>
+      </p:sp>
+      <p:sp>
+        <p:nvSpPr>
+          <p:cNvPr id="10" name="TextBox 9">
+            <a:extLst>
+              <a:ext uri="{FF2B5EF4-FFF2-40B4-BE49-F238E27FC236}">
+                <a16:creationId xmlns:a16="http://schemas.microsoft.com/office/drawing/2014/main" id="{6CD53159-8EAE-4C7E-83A7-8FDF59E54200}"/>
+              </a:ext>
+            </a:extLst>
+          </p:cNvPr>
+          <p:cNvSpPr txBox="1"/>
+          <p:nvPr/>
+        </p:nvSpPr>
+        <p:spPr>
+          <a:xfrm>
+            <a:off x="152399" y="5138066"/>
+            <a:ext cx="4658868" cy="1200329"/>
+          </a:xfrm>
+          <a:prstGeom prst="rect">
+            <a:avLst/>
+          </a:prstGeom>
+          <a:noFill/>
+        </p:spPr>
+        <p:txBody>
+          <a:bodyPr wrap="square">
+            <a:spAutoFit/>
+          </a:bodyPr>
+          <a:lstStyle/>
+          <a:p>
+            <a:r>
+              <a:rPr lang="en-US" dirty="0">
+                <a:solidFill>
+                  <a:schemeClr val="bg1">
+                    <a:lumMod val="65000"/>
+                  </a:schemeClr>
+                </a:solidFill>
+              </a:rPr>
+              <a:t>bme280_get_sensor_settings</a:t>
+            </a:r>
+          </a:p>
+          <a:p>
+            <a:r>
+              <a:rPr lang="en-US" dirty="0">
+                <a:solidFill>
+                  <a:schemeClr val="bg1">
+                    <a:lumMod val="65000"/>
+                  </a:schemeClr>
+                </a:solidFill>
+              </a:rPr>
+              <a:t>bme280_set_sensor_mode</a:t>
+            </a:r>
+          </a:p>
+          <a:p>
+            <a:r>
+              <a:rPr lang="en-US" dirty="0">
+                <a:solidFill>
+                  <a:schemeClr val="bg1">
+                    <a:lumMod val="65000"/>
+                  </a:schemeClr>
+                </a:solidFill>
+              </a:rPr>
+              <a:t>bme280_soft_reset</a:t>
+            </a:r>
+          </a:p>
+          <a:p>
+            <a:r>
+              <a:rPr lang="en-US" dirty="0">
+                <a:solidFill>
+                  <a:schemeClr val="bg1">
+                    <a:lumMod val="65000"/>
+                  </a:schemeClr>
+                </a:solidFill>
+              </a:rPr>
+              <a:t>bme280_get_sensor_data</a:t>
+            </a:r>
+          </a:p>
+        </p:txBody>
+      </p:sp>
+      <p:sp>
+        <p:nvSpPr>
+          <p:cNvPr id="13" name="TextBox 12">
+            <a:extLst>
+              <a:ext uri="{FF2B5EF4-FFF2-40B4-BE49-F238E27FC236}">
+                <a16:creationId xmlns:a16="http://schemas.microsoft.com/office/drawing/2014/main" id="{8EE85616-FDC1-41E5-8272-8F082B02D8A2}"/>
+              </a:ext>
+            </a:extLst>
+          </p:cNvPr>
+          <p:cNvSpPr txBox="1"/>
+          <p:nvPr/>
+        </p:nvSpPr>
+        <p:spPr>
+          <a:xfrm>
+            <a:off x="4340353" y="3075335"/>
+            <a:ext cx="4800599" cy="2554545"/>
+          </a:xfrm>
+          <a:prstGeom prst="rect">
+            <a:avLst/>
+          </a:prstGeom>
+          <a:solidFill>
+            <a:schemeClr val="bg1"/>
+          </a:solidFill>
+        </p:spPr>
+        <p:txBody>
+          <a:bodyPr wrap="square">
+            <a:spAutoFit/>
+          </a:bodyPr>
+          <a:lstStyle/>
+          <a:p>
+            <a:pPr marL="285750" indent="-285750">
+              <a:buFont typeface="Arial" panose="020B0604020202020204" pitchFamily="34" charset="0"/>
+              <a:buChar char="•"/>
+            </a:pPr>
+            <a:r>
+              <a:rPr lang="en-US" sz="2000" dirty="0">
+                <a:solidFill>
+                  <a:schemeClr val="tx1">
+                    <a:lumMod val="50000"/>
+                    <a:lumOff val="50000"/>
+                  </a:schemeClr>
+                </a:solidFill>
+              </a:rPr>
+              <a:t>Suppose we want to use I2C, supported by the peripheral device</a:t>
+            </a:r>
+          </a:p>
+          <a:p>
+            <a:pPr marL="285750" indent="-285750">
+              <a:buFont typeface="Arial" panose="020B0604020202020204" pitchFamily="34" charset="0"/>
+              <a:buChar char="•"/>
+            </a:pPr>
+            <a:r>
+              <a:rPr lang="en-US" sz="2000" dirty="0">
+                <a:solidFill>
+                  <a:schemeClr val="tx1">
+                    <a:lumMod val="50000"/>
+                    <a:lumOff val="50000"/>
+                  </a:schemeClr>
+                </a:solidFill>
+              </a:rPr>
+              <a:t>I2C is processor specific (project specific)</a:t>
+            </a:r>
+          </a:p>
+          <a:p>
+            <a:pPr marL="285750" indent="-285750">
+              <a:buFont typeface="Arial" panose="020B0604020202020204" pitchFamily="34" charset="0"/>
+              <a:buChar char="•"/>
+            </a:pPr>
+            <a:r>
+              <a:rPr lang="en-US" sz="2000" dirty="0">
+                <a:solidFill>
+                  <a:schemeClr val="tx1">
+                    <a:lumMod val="50000"/>
+                    <a:lumOff val="50000"/>
+                  </a:schemeClr>
+                </a:solidFill>
+              </a:rPr>
+              <a:t>Application code is project specific</a:t>
+            </a:r>
+          </a:p>
+          <a:p>
+            <a:pPr marL="285750" indent="-285750">
+              <a:buFont typeface="Arial" panose="020B0604020202020204" pitchFamily="34" charset="0"/>
+              <a:buChar char="•"/>
+            </a:pPr>
+            <a:r>
+              <a:rPr lang="en-US" sz="2000" dirty="0">
+                <a:solidFill>
+                  <a:schemeClr val="tx1">
+                    <a:lumMod val="50000"/>
+                    <a:lumOff val="50000"/>
+                  </a:schemeClr>
+                </a:solidFill>
+              </a:rPr>
+              <a:t>Sandwiched in between is the project agnostic third party library</a:t>
+            </a:r>
+          </a:p>
+          <a:p>
+            <a:pPr marL="285750" indent="-285750">
+              <a:buFont typeface="Arial" panose="020B0604020202020204" pitchFamily="34" charset="0"/>
+              <a:buChar char="•"/>
+            </a:pPr>
+            <a:r>
+              <a:rPr lang="en-US" sz="2000" dirty="0">
+                <a:solidFill>
+                  <a:srgbClr val="72C3E8"/>
+                </a:solidFill>
+              </a:rPr>
+              <a:t>How do we cleanly integrate it?</a:t>
+            </a:r>
+          </a:p>
+        </p:txBody>
+      </p:sp>
     </p:spTree>
     <p:extLst>
       <p:ext uri="{BB962C8B-B14F-4D97-AF65-F5344CB8AC3E}">
-        <p14:creationId xmlns:p14="http://schemas.microsoft.com/office/powerpoint/2010/main" val="3799535117"/>
+        <p14:creationId xmlns:p14="http://schemas.microsoft.com/office/powerpoint/2010/main" val="251890765"/>
       </p:ext>
     </p:extLst>
   </p:cSld>
   <p:clrMapOvr>
     <a:masterClrMapping/>
   </p:clrMapOvr>
+  <p:timing>
+    <p:tnLst>
+      <p:par>
+        <p:cTn id="1" dur="indefinite" restart="never" nodeType="tmRoot">
+          <p:childTnLst>
+            <p:seq concurrent="1" nextAc="seek">
+              <p:cTn id="2" dur="indefinite" nodeType="mainSeq">
+                <p:childTnLst>
+                  <p:par>
+                    <p:cTn id="3" fill="hold">
+                      <p:stCondLst>
+                        <p:cond delay="indefinite"/>
+                      </p:stCondLst>
+                      <p:childTnLst>
+                        <p:par>
+                          <p:cTn id="4" fill="hold">
+                            <p:stCondLst>
+                              <p:cond delay="0"/>
+                            </p:stCondLst>
+                            <p:childTnLst>
+                              <p:par>
+                                <p:cTn id="5" presetID="1" presetClass="entr" presetSubtype="0" fill="hold" nodeType="clickEffect">
+                                  <p:stCondLst>
+                                    <p:cond delay="0"/>
+                                  </p:stCondLst>
+                                  <p:childTnLst>
+                                    <p:set>
+                                      <p:cBhvr>
+                                        <p:cTn id="6" dur="1" fill="hold">
+                                          <p:stCondLst>
+                                            <p:cond delay="0"/>
+                                          </p:stCondLst>
+                                        </p:cTn>
+                                        <p:tgtEl>
+                                          <p:spTgt spid="7"/>
+                                        </p:tgtEl>
+                                        <p:attrNameLst>
+                                          <p:attrName>style.visibility</p:attrName>
+                                        </p:attrNameLst>
+                                      </p:cBhvr>
+                                      <p:to>
+                                        <p:strVal val="visible"/>
+                                      </p:to>
+                                    </p:set>
+                                  </p:childTnLst>
+                                </p:cTn>
+                              </p:par>
+                              <p:par>
+                                <p:cTn id="7" presetID="1" presetClass="entr" presetSubtype="0" fill="hold" grpId="0" nodeType="withEffect">
+                                  <p:stCondLst>
+                                    <p:cond delay="0"/>
+                                  </p:stCondLst>
+                                  <p:childTnLst>
+                                    <p:set>
+                                      <p:cBhvr>
+                                        <p:cTn id="8" dur="1" fill="hold">
+                                          <p:stCondLst>
+                                            <p:cond delay="0"/>
+                                          </p:stCondLst>
+                                        </p:cTn>
+                                        <p:tgtEl>
+                                          <p:spTgt spid="9"/>
+                                        </p:tgtEl>
+                                        <p:attrNameLst>
+                                          <p:attrName>style.visibility</p:attrName>
+                                        </p:attrNameLst>
+                                      </p:cBhvr>
+                                      <p:to>
+                                        <p:strVal val="visible"/>
+                                      </p:to>
+                                    </p:set>
+                                  </p:childTnLst>
+                                </p:cTn>
+                              </p:par>
+                            </p:childTnLst>
+                          </p:cTn>
+                        </p:par>
+                      </p:childTnLst>
+                    </p:cTn>
+                  </p:par>
+                  <p:par>
+                    <p:cTn id="9" fill="hold">
+                      <p:stCondLst>
+                        <p:cond delay="indefinite"/>
+                      </p:stCondLst>
+                      <p:childTnLst>
+                        <p:par>
+                          <p:cTn id="10" fill="hold">
+                            <p:stCondLst>
+                              <p:cond delay="0"/>
+                            </p:stCondLst>
+                            <p:childTnLst>
+                              <p:par>
+                                <p:cTn id="11" presetID="1" presetClass="entr" presetSubtype="0" fill="hold" grpId="0" nodeType="clickEffect">
+                                  <p:stCondLst>
+                                    <p:cond delay="0"/>
+                                  </p:stCondLst>
+                                  <p:childTnLst>
+                                    <p:set>
+                                      <p:cBhvr>
+                                        <p:cTn id="12" dur="1" fill="hold">
+                                          <p:stCondLst>
+                                            <p:cond delay="0"/>
+                                          </p:stCondLst>
+                                        </p:cTn>
+                                        <p:tgtEl>
+                                          <p:spTgt spid="10"/>
+                                        </p:tgtEl>
+                                        <p:attrNameLst>
+                                          <p:attrName>style.visibility</p:attrName>
+                                        </p:attrNameLst>
+                                      </p:cBhvr>
+                                      <p:to>
+                                        <p:strVal val="visible"/>
+                                      </p:to>
+                                    </p:set>
+                                  </p:childTnLst>
+                                </p:cTn>
+                              </p:par>
+                            </p:childTnLst>
+                          </p:cTn>
+                        </p:par>
+                      </p:childTnLst>
+                    </p:cTn>
+                  </p:par>
+                  <p:par>
+                    <p:cTn id="13" fill="hold">
+                      <p:stCondLst>
+                        <p:cond delay="indefinite"/>
+                      </p:stCondLst>
+                      <p:childTnLst>
+                        <p:par>
+                          <p:cTn id="14" fill="hold">
+                            <p:stCondLst>
+                              <p:cond delay="0"/>
+                            </p:stCondLst>
+                            <p:childTnLst>
+                              <p:par>
+                                <p:cTn id="15" presetID="1" presetClass="entr" presetSubtype="0" fill="hold" grpId="0" nodeType="clickEffect">
+                                  <p:stCondLst>
+                                    <p:cond delay="0"/>
+                                  </p:stCondLst>
+                                  <p:childTnLst>
+                                    <p:set>
+                                      <p:cBhvr>
+                                        <p:cTn id="16" dur="1" fill="hold">
+                                          <p:stCondLst>
+                                            <p:cond delay="0"/>
+                                          </p:stCondLst>
+                                        </p:cTn>
+                                        <p:tgtEl>
+                                          <p:spTgt spid="12"/>
+                                        </p:tgtEl>
+                                        <p:attrNameLst>
+                                          <p:attrName>style.visibility</p:attrName>
+                                        </p:attrNameLst>
+                                      </p:cBhvr>
+                                      <p:to>
+                                        <p:strVal val="visible"/>
+                                      </p:to>
+                                    </p:set>
+                                  </p:childTnLst>
+                                </p:cTn>
+                              </p:par>
+                            </p:childTnLst>
+                          </p:cTn>
+                        </p:par>
+                      </p:childTnLst>
+                    </p:cTn>
+                  </p:par>
+                  <p:par>
+                    <p:cTn id="17" fill="hold">
+                      <p:stCondLst>
+                        <p:cond delay="indefinite"/>
+                      </p:stCondLst>
+                      <p:childTnLst>
+                        <p:par>
+                          <p:cTn id="18" fill="hold">
+                            <p:stCondLst>
+                              <p:cond delay="0"/>
+                            </p:stCondLst>
+                            <p:childTnLst>
+                              <p:par>
+                                <p:cTn id="19" presetID="1" presetClass="entr" presetSubtype="0" fill="hold" grpId="0" nodeType="clickEffect">
+                                  <p:stCondLst>
+                                    <p:cond delay="0"/>
+                                  </p:stCondLst>
+                                  <p:childTnLst>
+                                    <p:set>
+                                      <p:cBhvr>
+                                        <p:cTn id="20" dur="1" fill="hold">
+                                          <p:stCondLst>
+                                            <p:cond delay="0"/>
+                                          </p:stCondLst>
+                                        </p:cTn>
+                                        <p:tgtEl>
+                                          <p:spTgt spid="13">
+                                            <p:bg/>
+                                          </p:spTgt>
+                                        </p:tgtEl>
+                                        <p:attrNameLst>
+                                          <p:attrName>style.visibility</p:attrName>
+                                        </p:attrNameLst>
+                                      </p:cBhvr>
+                                      <p:to>
+                                        <p:strVal val="visible"/>
+                                      </p:to>
+                                    </p:set>
+                                  </p:childTnLst>
+                                </p:cTn>
+                              </p:par>
+                            </p:childTnLst>
+                          </p:cTn>
+                        </p:par>
+                      </p:childTnLst>
+                    </p:cTn>
+                  </p:par>
+                  <p:par>
+                    <p:cTn id="21" fill="hold">
+                      <p:stCondLst>
+                        <p:cond delay="indefinite"/>
+                      </p:stCondLst>
+                      <p:childTnLst>
+                        <p:par>
+                          <p:cTn id="22" fill="hold">
+                            <p:stCondLst>
+                              <p:cond delay="0"/>
+                            </p:stCondLst>
+                            <p:childTnLst>
+                              <p:par>
+                                <p:cTn id="23" presetID="1" presetClass="entr" presetSubtype="0" fill="hold" grpId="0" nodeType="clickEffect">
+                                  <p:stCondLst>
+                                    <p:cond delay="0"/>
+                                  </p:stCondLst>
+                                  <p:childTnLst>
+                                    <p:set>
+                                      <p:cBhvr>
+                                        <p:cTn id="24" dur="1" fill="hold">
+                                          <p:stCondLst>
+                                            <p:cond delay="0"/>
+                                          </p:stCondLst>
+                                        </p:cTn>
+                                        <p:tgtEl>
+                                          <p:spTgt spid="13">
+                                            <p:txEl>
+                                              <p:pRg st="0" end="0"/>
+                                            </p:txEl>
+                                          </p:spTgt>
+                                        </p:tgtEl>
+                                        <p:attrNameLst>
+                                          <p:attrName>style.visibility</p:attrName>
+                                        </p:attrNameLst>
+                                      </p:cBhvr>
+                                      <p:to>
+                                        <p:strVal val="visible"/>
+                                      </p:to>
+                                    </p:set>
+                                  </p:childTnLst>
+                                </p:cTn>
+                              </p:par>
+                            </p:childTnLst>
+                          </p:cTn>
+                        </p:par>
+                      </p:childTnLst>
+                    </p:cTn>
+                  </p:par>
+                  <p:par>
+                    <p:cTn id="25" fill="hold">
+                      <p:stCondLst>
+                        <p:cond delay="indefinite"/>
+                      </p:stCondLst>
+                      <p:childTnLst>
+                        <p:par>
+                          <p:cTn id="26" fill="hold">
+                            <p:stCondLst>
+                              <p:cond delay="0"/>
+                            </p:stCondLst>
+                            <p:childTnLst>
+                              <p:par>
+                                <p:cTn id="27" presetID="1" presetClass="entr" presetSubtype="0" fill="hold" grpId="0" nodeType="clickEffect">
+                                  <p:stCondLst>
+                                    <p:cond delay="0"/>
+                                  </p:stCondLst>
+                                  <p:childTnLst>
+                                    <p:set>
+                                      <p:cBhvr>
+                                        <p:cTn id="28" dur="1" fill="hold">
+                                          <p:stCondLst>
+                                            <p:cond delay="0"/>
+                                          </p:stCondLst>
+                                        </p:cTn>
+                                        <p:tgtEl>
+                                          <p:spTgt spid="13">
+                                            <p:txEl>
+                                              <p:pRg st="1" end="1"/>
+                                            </p:txEl>
+                                          </p:spTgt>
+                                        </p:tgtEl>
+                                        <p:attrNameLst>
+                                          <p:attrName>style.visibility</p:attrName>
+                                        </p:attrNameLst>
+                                      </p:cBhvr>
+                                      <p:to>
+                                        <p:strVal val="visible"/>
+                                      </p:to>
+                                    </p:set>
+                                  </p:childTnLst>
+                                </p:cTn>
+                              </p:par>
+                            </p:childTnLst>
+                          </p:cTn>
+                        </p:par>
+                      </p:childTnLst>
+                    </p:cTn>
+                  </p:par>
+                  <p:par>
+                    <p:cTn id="29" fill="hold">
+                      <p:stCondLst>
+                        <p:cond delay="indefinite"/>
+                      </p:stCondLst>
+                      <p:childTnLst>
+                        <p:par>
+                          <p:cTn id="30" fill="hold">
+                            <p:stCondLst>
+                              <p:cond delay="0"/>
+                            </p:stCondLst>
+                            <p:childTnLst>
+                              <p:par>
+                                <p:cTn id="31" presetID="1" presetClass="entr" presetSubtype="0" fill="hold" grpId="0" nodeType="clickEffect">
+                                  <p:stCondLst>
+                                    <p:cond delay="0"/>
+                                  </p:stCondLst>
+                                  <p:childTnLst>
+                                    <p:set>
+                                      <p:cBhvr>
+                                        <p:cTn id="32" dur="1" fill="hold">
+                                          <p:stCondLst>
+                                            <p:cond delay="0"/>
+                                          </p:stCondLst>
+                                        </p:cTn>
+                                        <p:tgtEl>
+                                          <p:spTgt spid="13">
+                                            <p:txEl>
+                                              <p:pRg st="2" end="2"/>
+                                            </p:txEl>
+                                          </p:spTgt>
+                                        </p:tgtEl>
+                                        <p:attrNameLst>
+                                          <p:attrName>style.visibility</p:attrName>
+                                        </p:attrNameLst>
+                                      </p:cBhvr>
+                                      <p:to>
+                                        <p:strVal val="visible"/>
+                                      </p:to>
+                                    </p:set>
+                                  </p:childTnLst>
+                                </p:cTn>
+                              </p:par>
+                            </p:childTnLst>
+                          </p:cTn>
+                        </p:par>
+                      </p:childTnLst>
+                    </p:cTn>
+                  </p:par>
+                  <p:par>
+                    <p:cTn id="33" fill="hold">
+                      <p:stCondLst>
+                        <p:cond delay="indefinite"/>
+                      </p:stCondLst>
+                      <p:childTnLst>
+                        <p:par>
+                          <p:cTn id="34" fill="hold">
+                            <p:stCondLst>
+                              <p:cond delay="0"/>
+                            </p:stCondLst>
+                            <p:childTnLst>
+                              <p:par>
+                                <p:cTn id="35" presetID="1" presetClass="entr" presetSubtype="0" fill="hold" grpId="0" nodeType="clickEffect">
+                                  <p:stCondLst>
+                                    <p:cond delay="0"/>
+                                  </p:stCondLst>
+                                  <p:childTnLst>
+                                    <p:set>
+                                      <p:cBhvr>
+                                        <p:cTn id="36" dur="1" fill="hold">
+                                          <p:stCondLst>
+                                            <p:cond delay="0"/>
+                                          </p:stCondLst>
+                                        </p:cTn>
+                                        <p:tgtEl>
+                                          <p:spTgt spid="13">
+                                            <p:txEl>
+                                              <p:pRg st="3" end="3"/>
+                                            </p:txEl>
+                                          </p:spTgt>
+                                        </p:tgtEl>
+                                        <p:attrNameLst>
+                                          <p:attrName>style.visibility</p:attrName>
+                                        </p:attrNameLst>
+                                      </p:cBhvr>
+                                      <p:to>
+                                        <p:strVal val="visible"/>
+                                      </p:to>
+                                    </p:set>
+                                  </p:childTnLst>
+                                </p:cTn>
+                              </p:par>
+                            </p:childTnLst>
+                          </p:cTn>
+                        </p:par>
+                      </p:childTnLst>
+                    </p:cTn>
+                  </p:par>
+                  <p:par>
+                    <p:cTn id="37" fill="hold">
+                      <p:stCondLst>
+                        <p:cond delay="indefinite"/>
+                      </p:stCondLst>
+                      <p:childTnLst>
+                        <p:par>
+                          <p:cTn id="38" fill="hold">
+                            <p:stCondLst>
+                              <p:cond delay="0"/>
+                            </p:stCondLst>
+                            <p:childTnLst>
+                              <p:par>
+                                <p:cTn id="39" presetID="1" presetClass="entr" presetSubtype="0" fill="hold" grpId="0" nodeType="clickEffect">
+                                  <p:stCondLst>
+                                    <p:cond delay="0"/>
+                                  </p:stCondLst>
+                                  <p:childTnLst>
+                                    <p:set>
+                                      <p:cBhvr>
+                                        <p:cTn id="40" dur="1" fill="hold">
+                                          <p:stCondLst>
+                                            <p:cond delay="0"/>
+                                          </p:stCondLst>
+                                        </p:cTn>
+                                        <p:tgtEl>
+                                          <p:spTgt spid="13">
+                                            <p:txEl>
+                                              <p:pRg st="4" end="4"/>
+                                            </p:txEl>
+                                          </p:spTgt>
+                                        </p:tgtEl>
+                                        <p:attrNameLst>
+                                          <p:attrName>style.visibility</p:attrName>
+                                        </p:attrNameLst>
+                                      </p:cBhvr>
+                                      <p:to>
+                                        <p:strVal val="visible"/>
+                                      </p:to>
+                                    </p:set>
+                                  </p:childTnLst>
+                                </p:cTn>
+                              </p:par>
+                            </p:childTnLst>
+                          </p:cTn>
+                        </p:par>
+                      </p:childTnLst>
+                    </p:cTn>
+                  </p:par>
+                </p:childTnLst>
+              </p:cTn>
+              <p:prevCondLst>
+                <p:cond evt="onPrev" delay="0">
+                  <p:tgtEl>
+                    <p:sldTgt/>
+                  </p:tgtEl>
+                </p:cond>
+              </p:prevCondLst>
+              <p:nextCondLst>
+                <p:cond evt="onNext" delay="0">
+                  <p:tgtEl>
+                    <p:sldTgt/>
+                  </p:tgtEl>
+                </p:cond>
+              </p:nextCondLst>
+            </p:seq>
+          </p:childTnLst>
+        </p:cTn>
+      </p:par>
+    </p:tnLst>
+    <p:bldLst>
+      <p:bldP spid="9" grpId="0"/>
+      <p:bldP spid="12" grpId="0"/>
+      <p:bldP spid="10" grpId="0"/>
+      <p:bldP spid="13" grpId="0" build="p" animBg="1"/>
+    </p:bldLst>
+  </p:timing>
 </p:sld>
 </file>
 
@@ -20319,7 +21442,7 @@
           <p:cNvPr id="2" name="Title 1">
             <a:extLst>
               <a:ext uri="{FF2B5EF4-FFF2-40B4-BE49-F238E27FC236}">
-                <a16:creationId xmlns:a16="http://schemas.microsoft.com/office/drawing/2014/main" id="{9DCABF7A-37F9-459A-908A-B09DFA75CA30}"/>
+                <a16:creationId xmlns:a16="http://schemas.microsoft.com/office/drawing/2014/main" id="{1D96BCAA-6F3E-4001-A0F1-58AED1142C20}"/>
               </a:ext>
             </a:extLst>
           </p:cNvPr>
@@ -20337,102 +21460,53 @@
           <a:p>
             <a:r>
               <a:rPr lang="en-US" dirty="0"/>
-              <a:t>Structural blocks</a:t>
+              <a:t>Integrating third party libraries:</a:t>
+            </a:r>
+            <a:br>
+              <a:rPr lang="en-US" dirty="0"/>
+            </a:br>
+            <a:r>
+              <a:rPr lang="en-US" dirty="0"/>
+              <a:t>the glue for sandwich</a:t>
             </a:r>
           </a:p>
         </p:txBody>
       </p:sp>
-      <p:sp>
-        <p:nvSpPr>
-          <p:cNvPr id="3" name="Content Placeholder 2">
+      <p:pic>
+        <p:nvPicPr>
+          <p:cNvPr id="7" name="Content Placeholder 6">
             <a:extLst>
               <a:ext uri="{FF2B5EF4-FFF2-40B4-BE49-F238E27FC236}">
-                <a16:creationId xmlns:a16="http://schemas.microsoft.com/office/drawing/2014/main" id="{AB5C5B8C-B3AC-4356-B9EF-1E6780C9C64D}"/>
+                <a16:creationId xmlns:a16="http://schemas.microsoft.com/office/drawing/2014/main" id="{F946088B-BE10-484D-9A1C-4B1E1A0CB2E5}"/>
               </a:ext>
             </a:extLst>
           </p:cNvPr>
-          <p:cNvSpPr>
-            <a:spLocks noGrp="1"/>
-          </p:cNvSpPr>
+          <p:cNvPicPr>
+            <a:picLocks noGrp="1" noChangeAspect="1"/>
+          </p:cNvPicPr>
           <p:nvPr>
             <p:ph idx="1"/>
           </p:nvPr>
-        </p:nvSpPr>
+        </p:nvPicPr>
+        <p:blipFill>
+          <a:blip r:embed="rId2"/>
+          <a:stretch>
+            <a:fillRect/>
+          </a:stretch>
+        </p:blipFill>
         <p:spPr>
           <a:xfrm>
-            <a:off x="152400" y="1446211"/>
-            <a:ext cx="5939698" cy="5014912"/>
+            <a:off x="152400" y="1795764"/>
+            <a:ext cx="7842504" cy="1657620"/>
           </a:xfrm>
         </p:spPr>
-        <p:txBody>
-          <a:bodyPr>
-            <a:normAutofit fontScale="92500" lnSpcReduction="10000"/>
-          </a:bodyPr>
-          <a:lstStyle/>
-          <a:p>
-            <a:pPr marL="0" indent="0">
-              <a:buNone/>
-            </a:pPr>
-            <a:r>
-              <a:rPr lang="en-US" dirty="0"/>
-              <a:t>Define where code lives</a:t>
-            </a:r>
-          </a:p>
-          <a:p>
-            <a:r>
-              <a:rPr lang="en-US" dirty="0"/>
-              <a:t>Hardware Abstraction Layer (HAL): the block that wraps registers</a:t>
-            </a:r>
-          </a:p>
-          <a:p>
-            <a:pPr lvl="1"/>
-            <a:r>
-              <a:rPr lang="en-US" dirty="0"/>
-              <a:t>Turns </a:t>
-            </a:r>
-            <a:r>
-              <a:rPr lang="en-US" i="1" dirty="0"/>
-              <a:t>LPC_GPIO0-&gt;FIOPIN |= (1 &lt;&lt; 5)</a:t>
-            </a:r>
-            <a:r>
-              <a:rPr lang="en-US" dirty="0"/>
-              <a:t> into </a:t>
-            </a:r>
-            <a:r>
-              <a:rPr lang="en-US" i="1" dirty="0" err="1"/>
-              <a:t>Led_On</a:t>
-            </a:r>
-            <a:r>
-              <a:rPr lang="en-US" i="1" dirty="0"/>
-              <a:t>()</a:t>
-            </a:r>
-          </a:p>
-          <a:p>
-            <a:r>
-              <a:rPr lang="en-US" dirty="0"/>
-              <a:t>Drivers: Specialized blocks for external actors</a:t>
-            </a:r>
-          </a:p>
-          <a:p>
-            <a:r>
-              <a:rPr lang="en-US" dirty="0"/>
-              <a:t>Middleware: Heavy-duty blocks that provide generic services, such as file system handling</a:t>
-            </a:r>
-          </a:p>
-          <a:p>
-            <a:r>
-              <a:rPr lang="en-US" dirty="0"/>
-              <a:t>Application logic: High level logic</a:t>
-            </a:r>
-          </a:p>
-        </p:txBody>
-      </p:sp>
+      </p:pic>
       <p:sp>
         <p:nvSpPr>
           <p:cNvPr id="4" name="Date Placeholder 3">
             <a:extLst>
               <a:ext uri="{FF2B5EF4-FFF2-40B4-BE49-F238E27FC236}">
-                <a16:creationId xmlns:a16="http://schemas.microsoft.com/office/drawing/2014/main" id="{FE60564C-BF6A-4BC1-BA16-1D866A8E04CE}"/>
+                <a16:creationId xmlns:a16="http://schemas.microsoft.com/office/drawing/2014/main" id="{FF969D96-E92B-465D-8D5F-842AF3D62BB6}"/>
               </a:ext>
             </a:extLst>
           </p:cNvPr>
@@ -20463,7 +21537,7 @@
           <p:cNvPr id="5" name="Slide Number Placeholder 4">
             <a:extLst>
               <a:ext uri="{FF2B5EF4-FFF2-40B4-BE49-F238E27FC236}">
-                <a16:creationId xmlns:a16="http://schemas.microsoft.com/office/drawing/2014/main" id="{93C94FB6-C5D3-46FA-AF2B-0DD7452D1E54}"/>
+                <a16:creationId xmlns:a16="http://schemas.microsoft.com/office/drawing/2014/main" id="{EDC09B9D-2D78-4A61-89B9-65CF99122019}"/>
               </a:ext>
             </a:extLst>
           </p:cNvPr>
@@ -20493,12 +21567,154 @@
           </a:p>
         </p:txBody>
       </p:sp>
+      <p:sp>
+        <p:nvSpPr>
+          <p:cNvPr id="8" name="TextBox 7">
+            <a:extLst>
+              <a:ext uri="{FF2B5EF4-FFF2-40B4-BE49-F238E27FC236}">
+                <a16:creationId xmlns:a16="http://schemas.microsoft.com/office/drawing/2014/main" id="{4AA505C2-1948-4FD9-89E1-DF606E14ADD6}"/>
+              </a:ext>
+            </a:extLst>
+          </p:cNvPr>
+          <p:cNvSpPr txBox="1"/>
+          <p:nvPr/>
+        </p:nvSpPr>
+        <p:spPr>
+          <a:xfrm>
+            <a:off x="0" y="1441821"/>
+            <a:ext cx="8915400" cy="400110"/>
+          </a:xfrm>
+          <a:prstGeom prst="rect">
+            <a:avLst/>
+          </a:prstGeom>
+          <a:noFill/>
+        </p:spPr>
+        <p:txBody>
+          <a:bodyPr wrap="square">
+            <a:spAutoFit/>
+          </a:bodyPr>
+          <a:lstStyle/>
+          <a:p>
+            <a:r>
+              <a:rPr lang="en-US" sz="2000" dirty="0">
+                <a:solidFill>
+                  <a:srgbClr val="72C3E8"/>
+                </a:solidFill>
+              </a:rPr>
+              <a:t>1. </a:t>
+            </a:r>
+            <a:r>
+              <a:rPr lang="en-US" sz="2000" dirty="0" err="1">
+                <a:solidFill>
+                  <a:srgbClr val="72C3E8"/>
+                </a:solidFill>
+              </a:rPr>
+              <a:t>bme</a:t>
+            </a:r>
+            <a:r>
+              <a:rPr lang="en-US" sz="2000" dirty="0">
+                <a:solidFill>
+                  <a:srgbClr val="72C3E8"/>
+                </a:solidFill>
+              </a:rPr>
+              <a:t> library internally defines a </a:t>
+            </a:r>
+            <a:r>
+              <a:rPr lang="en-US" sz="2000" dirty="0" err="1">
+                <a:solidFill>
+                  <a:srgbClr val="72C3E8"/>
+                </a:solidFill>
+              </a:rPr>
+              <a:t>set_regs</a:t>
+            </a:r>
+            <a:r>
+              <a:rPr lang="en-US" sz="2000" dirty="0">
+                <a:solidFill>
+                  <a:srgbClr val="72C3E8"/>
+                </a:solidFill>
+              </a:rPr>
+              <a:t>() function to set register values</a:t>
+            </a:r>
+          </a:p>
+        </p:txBody>
+      </p:sp>
+      <p:sp>
+        <p:nvSpPr>
+          <p:cNvPr id="9" name="TextBox 8">
+            <a:extLst>
+              <a:ext uri="{FF2B5EF4-FFF2-40B4-BE49-F238E27FC236}">
+                <a16:creationId xmlns:a16="http://schemas.microsoft.com/office/drawing/2014/main" id="{F7A669F1-73AC-43BA-809E-B6213A8FCF4A}"/>
+              </a:ext>
+            </a:extLst>
+          </p:cNvPr>
+          <p:cNvSpPr txBox="1"/>
+          <p:nvPr/>
+        </p:nvSpPr>
+        <p:spPr>
+          <a:xfrm>
+            <a:off x="0" y="3505200"/>
+            <a:ext cx="8915400" cy="400110"/>
+          </a:xfrm>
+          <a:prstGeom prst="rect">
+            <a:avLst/>
+          </a:prstGeom>
+          <a:noFill/>
+        </p:spPr>
+        <p:txBody>
+          <a:bodyPr wrap="square">
+            <a:spAutoFit/>
+          </a:bodyPr>
+          <a:lstStyle/>
+          <a:p>
+            <a:r>
+              <a:rPr lang="en-US" sz="2000" dirty="0">
+                <a:solidFill>
+                  <a:srgbClr val="72C3E8"/>
+                </a:solidFill>
+              </a:rPr>
+              <a:t>2. </a:t>
+            </a:r>
+            <a:r>
+              <a:rPr lang="en-US" sz="2000" dirty="0" err="1">
+                <a:solidFill>
+                  <a:srgbClr val="72C3E8"/>
+                </a:solidFill>
+              </a:rPr>
+              <a:t>set_regs</a:t>
+            </a:r>
+            <a:r>
+              <a:rPr lang="en-US" sz="2000" dirty="0">
+                <a:solidFill>
+                  <a:srgbClr val="72C3E8"/>
+                </a:solidFill>
+              </a:rPr>
+              <a:t> uses a user-defined </a:t>
+            </a:r>
+            <a:r>
+              <a:rPr lang="en-US" sz="2000" dirty="0" err="1">
+                <a:solidFill>
+                  <a:srgbClr val="72C3E8"/>
+                </a:solidFill>
+              </a:rPr>
+              <a:t>dev.write</a:t>
+            </a:r>
+            <a:r>
+              <a:rPr lang="en-US" sz="2000" dirty="0">
+                <a:solidFill>
+                  <a:srgbClr val="72C3E8"/>
+                </a:solidFill>
+              </a:rPr>
+              <a:t> (or dev-&gt;write) function</a:t>
+            </a:r>
+          </a:p>
+        </p:txBody>
+      </p:sp>
       <p:pic>
         <p:nvPicPr>
-          <p:cNvPr id="7" name="Picture 6">
+          <p:cNvPr id="11" name="Picture 10">
             <a:extLst>
               <a:ext uri="{FF2B5EF4-FFF2-40B4-BE49-F238E27FC236}">
-                <a16:creationId xmlns:a16="http://schemas.microsoft.com/office/drawing/2014/main" id="{778FB76C-1F82-4FA8-B82A-B770356F99B4}"/>
+                <a16:creationId xmlns:a16="http://schemas.microsoft.com/office/drawing/2014/main" id="{6BE34986-C770-44EA-892C-79ECE5AD712D}"/>
               </a:ext>
             </a:extLst>
           </p:cNvPr>
@@ -20508,15 +21724,15 @@
           <p:nvPr/>
         </p:nvPicPr>
         <p:blipFill>
-          <a:blip r:embed="rId2"/>
+          <a:blip r:embed="rId3"/>
           <a:stretch>
             <a:fillRect/>
           </a:stretch>
         </p:blipFill>
         <p:spPr>
           <a:xfrm>
-            <a:off x="6092098" y="1446209"/>
-            <a:ext cx="2899502" cy="5014913"/>
+            <a:off x="152400" y="3943289"/>
+            <a:ext cx="6416608" cy="2148783"/>
           </a:xfrm>
           <a:prstGeom prst="rect">
             <a:avLst/>
@@ -20526,7 +21742,7 @@
     </p:spTree>
     <p:extLst>
       <p:ext uri="{BB962C8B-B14F-4D97-AF65-F5344CB8AC3E}">
-        <p14:creationId xmlns:p14="http://schemas.microsoft.com/office/powerpoint/2010/main" val="94685257"/>
+        <p14:creationId xmlns:p14="http://schemas.microsoft.com/office/powerpoint/2010/main" val="3458376467"/>
       </p:ext>
     </p:extLst>
   </p:cSld>
@@ -20567,7 +21783,1509 @@
                                           </p:stCondLst>
                                         </p:cTn>
                                         <p:tgtEl>
-                                          <p:spTgt spid="3">
+                                          <p:spTgt spid="8">
+                                            <p:txEl>
+                                              <p:pRg st="0" end="0"/>
+                                            </p:txEl>
+                                          </p:spTgt>
+                                        </p:tgtEl>
+                                        <p:attrNameLst>
+                                          <p:attrName>style.visibility</p:attrName>
+                                        </p:attrNameLst>
+                                      </p:cBhvr>
+                                      <p:to>
+                                        <p:strVal val="visible"/>
+                                      </p:to>
+                                    </p:set>
+                                  </p:childTnLst>
+                                </p:cTn>
+                              </p:par>
+                            </p:childTnLst>
+                          </p:cTn>
+                        </p:par>
+                      </p:childTnLst>
+                    </p:cTn>
+                  </p:par>
+                  <p:par>
+                    <p:cTn id="7" fill="hold">
+                      <p:stCondLst>
+                        <p:cond delay="indefinite"/>
+                      </p:stCondLst>
+                      <p:childTnLst>
+                        <p:par>
+                          <p:cTn id="8" fill="hold">
+                            <p:stCondLst>
+                              <p:cond delay="0"/>
+                            </p:stCondLst>
+                            <p:childTnLst>
+                              <p:par>
+                                <p:cTn id="9" presetID="1" presetClass="entr" presetSubtype="0" fill="hold" nodeType="clickEffect">
+                                  <p:stCondLst>
+                                    <p:cond delay="0"/>
+                                  </p:stCondLst>
+                                  <p:childTnLst>
+                                    <p:set>
+                                      <p:cBhvr>
+                                        <p:cTn id="10" dur="1" fill="hold">
+                                          <p:stCondLst>
+                                            <p:cond delay="0"/>
+                                          </p:stCondLst>
+                                        </p:cTn>
+                                        <p:tgtEl>
+                                          <p:spTgt spid="7"/>
+                                        </p:tgtEl>
+                                        <p:attrNameLst>
+                                          <p:attrName>style.visibility</p:attrName>
+                                        </p:attrNameLst>
+                                      </p:cBhvr>
+                                      <p:to>
+                                        <p:strVal val="visible"/>
+                                      </p:to>
+                                    </p:set>
+                                  </p:childTnLst>
+                                </p:cTn>
+                              </p:par>
+                            </p:childTnLst>
+                          </p:cTn>
+                        </p:par>
+                      </p:childTnLst>
+                    </p:cTn>
+                  </p:par>
+                  <p:par>
+                    <p:cTn id="11" fill="hold">
+                      <p:stCondLst>
+                        <p:cond delay="indefinite"/>
+                      </p:stCondLst>
+                      <p:childTnLst>
+                        <p:par>
+                          <p:cTn id="12" fill="hold">
+                            <p:stCondLst>
+                              <p:cond delay="0"/>
+                            </p:stCondLst>
+                            <p:childTnLst>
+                              <p:par>
+                                <p:cTn id="13" presetID="1" presetClass="entr" presetSubtype="0" fill="hold" grpId="0" nodeType="clickEffect">
+                                  <p:stCondLst>
+                                    <p:cond delay="0"/>
+                                  </p:stCondLst>
+                                  <p:childTnLst>
+                                    <p:set>
+                                      <p:cBhvr>
+                                        <p:cTn id="14" dur="1" fill="hold">
+                                          <p:stCondLst>
+                                            <p:cond delay="0"/>
+                                          </p:stCondLst>
+                                        </p:cTn>
+                                        <p:tgtEl>
+                                          <p:spTgt spid="9">
+                                            <p:txEl>
+                                              <p:pRg st="0" end="0"/>
+                                            </p:txEl>
+                                          </p:spTgt>
+                                        </p:tgtEl>
+                                        <p:attrNameLst>
+                                          <p:attrName>style.visibility</p:attrName>
+                                        </p:attrNameLst>
+                                      </p:cBhvr>
+                                      <p:to>
+                                        <p:strVal val="visible"/>
+                                      </p:to>
+                                    </p:set>
+                                  </p:childTnLst>
+                                </p:cTn>
+                              </p:par>
+                            </p:childTnLst>
+                          </p:cTn>
+                        </p:par>
+                      </p:childTnLst>
+                    </p:cTn>
+                  </p:par>
+                  <p:par>
+                    <p:cTn id="15" fill="hold">
+                      <p:stCondLst>
+                        <p:cond delay="indefinite"/>
+                      </p:stCondLst>
+                      <p:childTnLst>
+                        <p:par>
+                          <p:cTn id="16" fill="hold">
+                            <p:stCondLst>
+                              <p:cond delay="0"/>
+                            </p:stCondLst>
+                            <p:childTnLst>
+                              <p:par>
+                                <p:cTn id="17" presetID="1" presetClass="entr" presetSubtype="0" fill="hold" nodeType="clickEffect">
+                                  <p:stCondLst>
+                                    <p:cond delay="0"/>
+                                  </p:stCondLst>
+                                  <p:childTnLst>
+                                    <p:set>
+                                      <p:cBhvr>
+                                        <p:cTn id="18" dur="1" fill="hold">
+                                          <p:stCondLst>
+                                            <p:cond delay="0"/>
+                                          </p:stCondLst>
+                                        </p:cTn>
+                                        <p:tgtEl>
+                                          <p:spTgt spid="11"/>
+                                        </p:tgtEl>
+                                        <p:attrNameLst>
+                                          <p:attrName>style.visibility</p:attrName>
+                                        </p:attrNameLst>
+                                      </p:cBhvr>
+                                      <p:to>
+                                        <p:strVal val="visible"/>
+                                      </p:to>
+                                    </p:set>
+                                  </p:childTnLst>
+                                </p:cTn>
+                              </p:par>
+                            </p:childTnLst>
+                          </p:cTn>
+                        </p:par>
+                      </p:childTnLst>
+                    </p:cTn>
+                  </p:par>
+                </p:childTnLst>
+              </p:cTn>
+              <p:prevCondLst>
+                <p:cond evt="onPrev" delay="0">
+                  <p:tgtEl>
+                    <p:sldTgt/>
+                  </p:tgtEl>
+                </p:cond>
+              </p:prevCondLst>
+              <p:nextCondLst>
+                <p:cond evt="onNext" delay="0">
+                  <p:tgtEl>
+                    <p:sldTgt/>
+                  </p:tgtEl>
+                </p:cond>
+              </p:nextCondLst>
+            </p:seq>
+          </p:childTnLst>
+        </p:cTn>
+      </p:par>
+    </p:tnLst>
+    <p:bldLst>
+      <p:bldP spid="8" grpId="0" uiExpand="1" build="p"/>
+      <p:bldP spid="9" grpId="0" uiExpand="1" build="p"/>
+    </p:bldLst>
+  </p:timing>
+</p:sld>
+</file>
+
+<file path=ppt/slides/slide34.xml><?xml version="1.0" encoding="utf-8"?>
+<p:sld xmlns:a="http://schemas.openxmlformats.org/drawingml/2006/main" xmlns:r="http://schemas.openxmlformats.org/officeDocument/2006/relationships" xmlns:p="http://schemas.openxmlformats.org/presentationml/2006/main">
+  <p:cSld>
+    <p:spTree>
+      <p:nvGrpSpPr>
+        <p:cNvPr id="1" name=""/>
+        <p:cNvGrpSpPr/>
+        <p:nvPr/>
+      </p:nvGrpSpPr>
+      <p:grpSpPr>
+        <a:xfrm>
+          <a:off x="0" y="0"/>
+          <a:ext cx="0" cy="0"/>
+          <a:chOff x="0" y="0"/>
+          <a:chExt cx="0" cy="0"/>
+        </a:xfrm>
+      </p:grpSpPr>
+      <p:sp>
+        <p:nvSpPr>
+          <p:cNvPr id="2" name="Title 1">
+            <a:extLst>
+              <a:ext uri="{FF2B5EF4-FFF2-40B4-BE49-F238E27FC236}">
+                <a16:creationId xmlns:a16="http://schemas.microsoft.com/office/drawing/2014/main" id="{1D96BCAA-6F3E-4001-A0F1-58AED1142C20}"/>
+              </a:ext>
+            </a:extLst>
+          </p:cNvPr>
+          <p:cNvSpPr>
+            <a:spLocks noGrp="1"/>
+          </p:cNvSpPr>
+          <p:nvPr>
+            <p:ph type="title"/>
+          </p:nvPr>
+        </p:nvSpPr>
+        <p:spPr/>
+        <p:txBody>
+          <a:bodyPr/>
+          <a:lstStyle/>
+          <a:p>
+            <a:r>
+              <a:rPr lang="en-US" dirty="0"/>
+              <a:t>Integrating third party libraries:</a:t>
+            </a:r>
+            <a:br>
+              <a:rPr lang="en-US" dirty="0"/>
+            </a:br>
+            <a:r>
+              <a:rPr lang="en-US" dirty="0"/>
+              <a:t>the glue for sandwich</a:t>
+            </a:r>
+          </a:p>
+        </p:txBody>
+      </p:sp>
+      <p:sp>
+        <p:nvSpPr>
+          <p:cNvPr id="4" name="Date Placeholder 3">
+            <a:extLst>
+              <a:ext uri="{FF2B5EF4-FFF2-40B4-BE49-F238E27FC236}">
+                <a16:creationId xmlns:a16="http://schemas.microsoft.com/office/drawing/2014/main" id="{FF969D96-E92B-465D-8D5F-842AF3D62BB6}"/>
+              </a:ext>
+            </a:extLst>
+          </p:cNvPr>
+          <p:cNvSpPr>
+            <a:spLocks noGrp="1"/>
+          </p:cNvSpPr>
+          <p:nvPr>
+            <p:ph type="dt" sz="half" idx="10"/>
+          </p:nvPr>
+        </p:nvSpPr>
+        <p:spPr/>
+        <p:txBody>
+          <a:bodyPr/>
+          <a:lstStyle/>
+          <a:p>
+            <a:pPr>
+              <a:defRPr/>
+            </a:pPr>
+            <a:r>
+              <a:rPr lang="en-US"/>
+              <a:t>21/12/2020</a:t>
+            </a:r>
+          </a:p>
+        </p:txBody>
+      </p:sp>
+      <p:sp>
+        <p:nvSpPr>
+          <p:cNvPr id="5" name="Slide Number Placeholder 4">
+            <a:extLst>
+              <a:ext uri="{FF2B5EF4-FFF2-40B4-BE49-F238E27FC236}">
+                <a16:creationId xmlns:a16="http://schemas.microsoft.com/office/drawing/2014/main" id="{EDC09B9D-2D78-4A61-89B9-65CF99122019}"/>
+              </a:ext>
+            </a:extLst>
+          </p:cNvPr>
+          <p:cNvSpPr>
+            <a:spLocks noGrp="1"/>
+          </p:cNvSpPr>
+          <p:nvPr>
+            <p:ph type="sldNum" sz="quarter" idx="12"/>
+          </p:nvPr>
+        </p:nvSpPr>
+        <p:spPr/>
+        <p:txBody>
+          <a:bodyPr/>
+          <a:lstStyle/>
+          <a:p>
+            <a:pPr>
+              <a:defRPr/>
+            </a:pPr>
+            <a:fld id="{CA887A73-1AE0-46F8-856A-18EA1CF30A1B}" type="slidenum">
+              <a:rPr lang="en-US" altLang="en-US" smtClean="0"/>
+              <a:pPr>
+                <a:defRPr/>
+              </a:pPr>
+              <a:t>34</a:t>
+            </a:fld>
+            <a:endParaRPr lang="en-US" altLang="en-US"/>
+          </a:p>
+        </p:txBody>
+      </p:sp>
+      <p:sp>
+        <p:nvSpPr>
+          <p:cNvPr id="8" name="TextBox 7">
+            <a:extLst>
+              <a:ext uri="{FF2B5EF4-FFF2-40B4-BE49-F238E27FC236}">
+                <a16:creationId xmlns:a16="http://schemas.microsoft.com/office/drawing/2014/main" id="{4AA505C2-1948-4FD9-89E1-DF606E14ADD6}"/>
+              </a:ext>
+            </a:extLst>
+          </p:cNvPr>
+          <p:cNvSpPr txBox="1"/>
+          <p:nvPr/>
+        </p:nvSpPr>
+        <p:spPr>
+          <a:xfrm>
+            <a:off x="0" y="1441821"/>
+            <a:ext cx="9067800" cy="707886"/>
+          </a:xfrm>
+          <a:prstGeom prst="rect">
+            <a:avLst/>
+          </a:prstGeom>
+          <a:noFill/>
+        </p:spPr>
+        <p:txBody>
+          <a:bodyPr wrap="square">
+            <a:spAutoFit/>
+          </a:bodyPr>
+          <a:lstStyle/>
+          <a:p>
+            <a:r>
+              <a:rPr lang="en-US" sz="2000" dirty="0">
+                <a:solidFill>
+                  <a:srgbClr val="72C3E8"/>
+                </a:solidFill>
+              </a:rPr>
+              <a:t>3. Library will provide a struct / class through which this write function pointer is used by the library</a:t>
+            </a:r>
+          </a:p>
+        </p:txBody>
+      </p:sp>
+      <p:pic>
+        <p:nvPicPr>
+          <p:cNvPr id="13" name="Picture 12">
+            <a:extLst>
+              <a:ext uri="{FF2B5EF4-FFF2-40B4-BE49-F238E27FC236}">
+                <a16:creationId xmlns:a16="http://schemas.microsoft.com/office/drawing/2014/main" id="{2EC7516E-F88A-49E2-81DF-00288259B62C}"/>
+              </a:ext>
+            </a:extLst>
+          </p:cNvPr>
+          <p:cNvPicPr>
+            <a:picLocks noChangeAspect="1"/>
+          </p:cNvPicPr>
+          <p:nvPr/>
+        </p:nvPicPr>
+        <p:blipFill>
+          <a:blip r:embed="rId2"/>
+          <a:stretch>
+            <a:fillRect/>
+          </a:stretch>
+        </p:blipFill>
+        <p:spPr>
+          <a:xfrm>
+            <a:off x="76200" y="2098195"/>
+            <a:ext cx="3785869" cy="4510187"/>
+          </a:xfrm>
+          <a:prstGeom prst="rect">
+            <a:avLst/>
+          </a:prstGeom>
+        </p:spPr>
+      </p:pic>
+      <p:pic>
+        <p:nvPicPr>
+          <p:cNvPr id="12" name="Content Placeholder 6">
+            <a:extLst>
+              <a:ext uri="{FF2B5EF4-FFF2-40B4-BE49-F238E27FC236}">
+                <a16:creationId xmlns:a16="http://schemas.microsoft.com/office/drawing/2014/main" id="{A2469CD8-32F1-4A7C-A7FB-47B793D083C5}"/>
+              </a:ext>
+            </a:extLst>
+          </p:cNvPr>
+          <p:cNvPicPr>
+            <a:picLocks noGrp="1" noChangeAspect="1"/>
+          </p:cNvPicPr>
+          <p:nvPr>
+            <p:ph idx="1"/>
+          </p:nvPr>
+        </p:nvPicPr>
+        <p:blipFill>
+          <a:blip r:embed="rId3"/>
+          <a:stretch>
+            <a:fillRect/>
+          </a:stretch>
+        </p:blipFill>
+        <p:spPr>
+          <a:xfrm>
+            <a:off x="1258824" y="2342167"/>
+            <a:ext cx="7842504" cy="1657620"/>
+          </a:xfrm>
+        </p:spPr>
+      </p:pic>
+      <p:sp>
+        <p:nvSpPr>
+          <p:cNvPr id="14" name="TextBox 13">
+            <a:extLst>
+              <a:ext uri="{FF2B5EF4-FFF2-40B4-BE49-F238E27FC236}">
+                <a16:creationId xmlns:a16="http://schemas.microsoft.com/office/drawing/2014/main" id="{56E6CD14-2181-4492-A3E7-9AB783903F54}"/>
+              </a:ext>
+            </a:extLst>
+          </p:cNvPr>
+          <p:cNvSpPr txBox="1"/>
+          <p:nvPr/>
+        </p:nvSpPr>
+        <p:spPr>
+          <a:xfrm>
+            <a:off x="1905000" y="3999787"/>
+            <a:ext cx="7239000" cy="707886"/>
+          </a:xfrm>
+          <a:prstGeom prst="rect">
+            <a:avLst/>
+          </a:prstGeom>
+          <a:solidFill>
+            <a:schemeClr val="bg1"/>
+          </a:solidFill>
+        </p:spPr>
+        <p:txBody>
+          <a:bodyPr wrap="square">
+            <a:spAutoFit/>
+          </a:bodyPr>
+          <a:lstStyle/>
+          <a:p>
+            <a:r>
+              <a:rPr lang="en-US" sz="2000" dirty="0">
+                <a:solidFill>
+                  <a:srgbClr val="72C3E8"/>
+                </a:solidFill>
+              </a:rPr>
+              <a:t>4. Your code (sensor </a:t>
+            </a:r>
+            <a:r>
+              <a:rPr lang="en-US" sz="2000" dirty="0" err="1">
+                <a:solidFill>
+                  <a:srgbClr val="72C3E8"/>
+                </a:solidFill>
+              </a:rPr>
+              <a:t>init</a:t>
+            </a:r>
+            <a:r>
+              <a:rPr lang="en-US" sz="2000" dirty="0">
+                <a:solidFill>
+                  <a:srgbClr val="72C3E8"/>
+                </a:solidFill>
+              </a:rPr>
+              <a:t> module): define the i2c write function; then initialize the </a:t>
+            </a:r>
+            <a:r>
+              <a:rPr lang="en-US" sz="2000" dirty="0" err="1">
+                <a:solidFill>
+                  <a:srgbClr val="72C3E8"/>
+                </a:solidFill>
+              </a:rPr>
+              <a:t>bme</a:t>
+            </a:r>
+            <a:r>
+              <a:rPr lang="en-US" sz="2000" dirty="0">
+                <a:solidFill>
+                  <a:srgbClr val="72C3E8"/>
+                </a:solidFill>
+              </a:rPr>
+              <a:t> device with pointer to your function</a:t>
+            </a:r>
+          </a:p>
+        </p:txBody>
+      </p:sp>
+      <p:pic>
+        <p:nvPicPr>
+          <p:cNvPr id="10" name="Picture 9">
+            <a:extLst>
+              <a:ext uri="{FF2B5EF4-FFF2-40B4-BE49-F238E27FC236}">
+                <a16:creationId xmlns:a16="http://schemas.microsoft.com/office/drawing/2014/main" id="{6083F31B-499D-4912-8BC4-CDD4C780E628}"/>
+              </a:ext>
+            </a:extLst>
+          </p:cNvPr>
+          <p:cNvPicPr>
+            <a:picLocks noChangeAspect="1"/>
+          </p:cNvPicPr>
+          <p:nvPr/>
+        </p:nvPicPr>
+        <p:blipFill>
+          <a:blip r:embed="rId4"/>
+          <a:stretch>
+            <a:fillRect/>
+          </a:stretch>
+        </p:blipFill>
+        <p:spPr>
+          <a:xfrm>
+            <a:off x="2261869" y="4672563"/>
+            <a:ext cx="6858000" cy="980892"/>
+          </a:xfrm>
+          <a:prstGeom prst="rect">
+            <a:avLst/>
+          </a:prstGeom>
+        </p:spPr>
+      </p:pic>
+      <p:pic>
+        <p:nvPicPr>
+          <p:cNvPr id="16" name="Picture 15">
+            <a:extLst>
+              <a:ext uri="{FF2B5EF4-FFF2-40B4-BE49-F238E27FC236}">
+                <a16:creationId xmlns:a16="http://schemas.microsoft.com/office/drawing/2014/main" id="{1B75EAAB-6563-4337-AEB5-091BF8CE1088}"/>
+              </a:ext>
+            </a:extLst>
+          </p:cNvPr>
+          <p:cNvPicPr>
+            <a:picLocks noChangeAspect="1"/>
+          </p:cNvPicPr>
+          <p:nvPr/>
+        </p:nvPicPr>
+        <p:blipFill>
+          <a:blip r:embed="rId5"/>
+          <a:stretch>
+            <a:fillRect/>
+          </a:stretch>
+        </p:blipFill>
+        <p:spPr>
+          <a:xfrm>
+            <a:off x="5399092" y="6160231"/>
+            <a:ext cx="2694833" cy="697769"/>
+          </a:xfrm>
+          <a:prstGeom prst="rect">
+            <a:avLst/>
+          </a:prstGeom>
+        </p:spPr>
+      </p:pic>
+      <p:pic>
+        <p:nvPicPr>
+          <p:cNvPr id="18" name="Picture 17">
+            <a:extLst>
+              <a:ext uri="{FF2B5EF4-FFF2-40B4-BE49-F238E27FC236}">
+                <a16:creationId xmlns:a16="http://schemas.microsoft.com/office/drawing/2014/main" id="{92460E62-E747-41BC-8E9D-E3ED3A7C4E35}"/>
+              </a:ext>
+            </a:extLst>
+          </p:cNvPr>
+          <p:cNvPicPr>
+            <a:picLocks noChangeAspect="1"/>
+          </p:cNvPicPr>
+          <p:nvPr/>
+        </p:nvPicPr>
+        <p:blipFill>
+          <a:blip r:embed="rId6"/>
+          <a:stretch>
+            <a:fillRect/>
+          </a:stretch>
+        </p:blipFill>
+        <p:spPr>
+          <a:xfrm>
+            <a:off x="3359980" y="5652644"/>
+            <a:ext cx="1930479" cy="980892"/>
+          </a:xfrm>
+          <a:prstGeom prst="rect">
+            <a:avLst/>
+          </a:prstGeom>
+        </p:spPr>
+      </p:pic>
+    </p:spTree>
+    <p:extLst>
+      <p:ext uri="{BB962C8B-B14F-4D97-AF65-F5344CB8AC3E}">
+        <p14:creationId xmlns:p14="http://schemas.microsoft.com/office/powerpoint/2010/main" val="2387097948"/>
+      </p:ext>
+    </p:extLst>
+  </p:cSld>
+  <p:clrMapOvr>
+    <a:masterClrMapping/>
+  </p:clrMapOvr>
+  <p:timing>
+    <p:tnLst>
+      <p:par>
+        <p:cTn id="1" dur="indefinite" restart="never" nodeType="tmRoot">
+          <p:childTnLst>
+            <p:seq concurrent="1" nextAc="seek">
+              <p:cTn id="2" dur="indefinite" nodeType="mainSeq">
+                <p:childTnLst>
+                  <p:par>
+                    <p:cTn id="3" fill="hold">
+                      <p:stCondLst>
+                        <p:cond delay="indefinite"/>
+                      </p:stCondLst>
+                      <p:childTnLst>
+                        <p:par>
+                          <p:cTn id="4" fill="hold">
+                            <p:stCondLst>
+                              <p:cond delay="0"/>
+                            </p:stCondLst>
+                            <p:childTnLst>
+                              <p:par>
+                                <p:cTn id="5" presetID="1" presetClass="entr" presetSubtype="0" fill="hold" grpId="0" nodeType="clickEffect">
+                                  <p:stCondLst>
+                                    <p:cond delay="0"/>
+                                  </p:stCondLst>
+                                  <p:childTnLst>
+                                    <p:set>
+                                      <p:cBhvr>
+                                        <p:cTn id="6" dur="1" fill="hold">
+                                          <p:stCondLst>
+                                            <p:cond delay="0"/>
+                                          </p:stCondLst>
+                                        </p:cTn>
+                                        <p:tgtEl>
+                                          <p:spTgt spid="8">
+                                            <p:txEl>
+                                              <p:pRg st="0" end="0"/>
+                                            </p:txEl>
+                                          </p:spTgt>
+                                        </p:tgtEl>
+                                        <p:attrNameLst>
+                                          <p:attrName>style.visibility</p:attrName>
+                                        </p:attrNameLst>
+                                      </p:cBhvr>
+                                      <p:to>
+                                        <p:strVal val="visible"/>
+                                      </p:to>
+                                    </p:set>
+                                  </p:childTnLst>
+                                </p:cTn>
+                              </p:par>
+                            </p:childTnLst>
+                          </p:cTn>
+                        </p:par>
+                      </p:childTnLst>
+                    </p:cTn>
+                  </p:par>
+                  <p:par>
+                    <p:cTn id="7" fill="hold">
+                      <p:stCondLst>
+                        <p:cond delay="indefinite"/>
+                      </p:stCondLst>
+                      <p:childTnLst>
+                        <p:par>
+                          <p:cTn id="8" fill="hold">
+                            <p:stCondLst>
+                              <p:cond delay="0"/>
+                            </p:stCondLst>
+                            <p:childTnLst>
+                              <p:par>
+                                <p:cTn id="9" presetID="1" presetClass="entr" presetSubtype="0" fill="hold" nodeType="clickEffect">
+                                  <p:stCondLst>
+                                    <p:cond delay="0"/>
+                                  </p:stCondLst>
+                                  <p:childTnLst>
+                                    <p:set>
+                                      <p:cBhvr>
+                                        <p:cTn id="10" dur="1" fill="hold">
+                                          <p:stCondLst>
+                                            <p:cond delay="0"/>
+                                          </p:stCondLst>
+                                        </p:cTn>
+                                        <p:tgtEl>
+                                          <p:spTgt spid="13"/>
+                                        </p:tgtEl>
+                                        <p:attrNameLst>
+                                          <p:attrName>style.visibility</p:attrName>
+                                        </p:attrNameLst>
+                                      </p:cBhvr>
+                                      <p:to>
+                                        <p:strVal val="visible"/>
+                                      </p:to>
+                                    </p:set>
+                                  </p:childTnLst>
+                                </p:cTn>
+                              </p:par>
+                            </p:childTnLst>
+                          </p:cTn>
+                        </p:par>
+                      </p:childTnLst>
+                    </p:cTn>
+                  </p:par>
+                  <p:par>
+                    <p:cTn id="11" fill="hold">
+                      <p:stCondLst>
+                        <p:cond delay="indefinite"/>
+                      </p:stCondLst>
+                      <p:childTnLst>
+                        <p:par>
+                          <p:cTn id="12" fill="hold">
+                            <p:stCondLst>
+                              <p:cond delay="0"/>
+                            </p:stCondLst>
+                            <p:childTnLst>
+                              <p:par>
+                                <p:cTn id="13" presetID="1" presetClass="entr" presetSubtype="0" fill="hold" nodeType="clickEffect">
+                                  <p:stCondLst>
+                                    <p:cond delay="0"/>
+                                  </p:stCondLst>
+                                  <p:childTnLst>
+                                    <p:set>
+                                      <p:cBhvr>
+                                        <p:cTn id="14" dur="1" fill="hold">
+                                          <p:stCondLst>
+                                            <p:cond delay="0"/>
+                                          </p:stCondLst>
+                                        </p:cTn>
+                                        <p:tgtEl>
+                                          <p:spTgt spid="12"/>
+                                        </p:tgtEl>
+                                        <p:attrNameLst>
+                                          <p:attrName>style.visibility</p:attrName>
+                                        </p:attrNameLst>
+                                      </p:cBhvr>
+                                      <p:to>
+                                        <p:strVal val="visible"/>
+                                      </p:to>
+                                    </p:set>
+                                  </p:childTnLst>
+                                </p:cTn>
+                              </p:par>
+                            </p:childTnLst>
+                          </p:cTn>
+                        </p:par>
+                      </p:childTnLst>
+                    </p:cTn>
+                  </p:par>
+                  <p:par>
+                    <p:cTn id="15" fill="hold">
+                      <p:stCondLst>
+                        <p:cond delay="indefinite"/>
+                      </p:stCondLst>
+                      <p:childTnLst>
+                        <p:par>
+                          <p:cTn id="16" fill="hold">
+                            <p:stCondLst>
+                              <p:cond delay="0"/>
+                            </p:stCondLst>
+                            <p:childTnLst>
+                              <p:par>
+                                <p:cTn id="17" presetID="1" presetClass="entr" presetSubtype="0" fill="hold" grpId="0" nodeType="clickEffect">
+                                  <p:stCondLst>
+                                    <p:cond delay="0"/>
+                                  </p:stCondLst>
+                                  <p:childTnLst>
+                                    <p:set>
+                                      <p:cBhvr>
+                                        <p:cTn id="18" dur="1" fill="hold">
+                                          <p:stCondLst>
+                                            <p:cond delay="0"/>
+                                          </p:stCondLst>
+                                        </p:cTn>
+                                        <p:tgtEl>
+                                          <p:spTgt spid="14">
+                                            <p:txEl>
+                                              <p:pRg st="0" end="0"/>
+                                            </p:txEl>
+                                          </p:spTgt>
+                                        </p:tgtEl>
+                                        <p:attrNameLst>
+                                          <p:attrName>style.visibility</p:attrName>
+                                        </p:attrNameLst>
+                                      </p:cBhvr>
+                                      <p:to>
+                                        <p:strVal val="visible"/>
+                                      </p:to>
+                                    </p:set>
+                                  </p:childTnLst>
+                                </p:cTn>
+                              </p:par>
+                            </p:childTnLst>
+                          </p:cTn>
+                        </p:par>
+                      </p:childTnLst>
+                    </p:cTn>
+                  </p:par>
+                  <p:par>
+                    <p:cTn id="19" fill="hold">
+                      <p:stCondLst>
+                        <p:cond delay="indefinite"/>
+                      </p:stCondLst>
+                      <p:childTnLst>
+                        <p:par>
+                          <p:cTn id="20" fill="hold">
+                            <p:stCondLst>
+                              <p:cond delay="0"/>
+                            </p:stCondLst>
+                            <p:childTnLst>
+                              <p:par>
+                                <p:cTn id="21" presetID="1" presetClass="entr" presetSubtype="0" fill="hold" nodeType="clickEffect">
+                                  <p:stCondLst>
+                                    <p:cond delay="0"/>
+                                  </p:stCondLst>
+                                  <p:childTnLst>
+                                    <p:set>
+                                      <p:cBhvr>
+                                        <p:cTn id="22" dur="1" fill="hold">
+                                          <p:stCondLst>
+                                            <p:cond delay="0"/>
+                                          </p:stCondLst>
+                                        </p:cTn>
+                                        <p:tgtEl>
+                                          <p:spTgt spid="10"/>
+                                        </p:tgtEl>
+                                        <p:attrNameLst>
+                                          <p:attrName>style.visibility</p:attrName>
+                                        </p:attrNameLst>
+                                      </p:cBhvr>
+                                      <p:to>
+                                        <p:strVal val="visible"/>
+                                      </p:to>
+                                    </p:set>
+                                  </p:childTnLst>
+                                </p:cTn>
+                              </p:par>
+                            </p:childTnLst>
+                          </p:cTn>
+                        </p:par>
+                      </p:childTnLst>
+                    </p:cTn>
+                  </p:par>
+                  <p:par>
+                    <p:cTn id="23" fill="hold">
+                      <p:stCondLst>
+                        <p:cond delay="indefinite"/>
+                      </p:stCondLst>
+                      <p:childTnLst>
+                        <p:par>
+                          <p:cTn id="24" fill="hold">
+                            <p:stCondLst>
+                              <p:cond delay="0"/>
+                            </p:stCondLst>
+                            <p:childTnLst>
+                              <p:par>
+                                <p:cTn id="25" presetID="1" presetClass="entr" presetSubtype="0" fill="hold" nodeType="clickEffect">
+                                  <p:stCondLst>
+                                    <p:cond delay="0"/>
+                                  </p:stCondLst>
+                                  <p:childTnLst>
+                                    <p:set>
+                                      <p:cBhvr>
+                                        <p:cTn id="26" dur="1" fill="hold">
+                                          <p:stCondLst>
+                                            <p:cond delay="0"/>
+                                          </p:stCondLst>
+                                        </p:cTn>
+                                        <p:tgtEl>
+                                          <p:spTgt spid="18"/>
+                                        </p:tgtEl>
+                                        <p:attrNameLst>
+                                          <p:attrName>style.visibility</p:attrName>
+                                        </p:attrNameLst>
+                                      </p:cBhvr>
+                                      <p:to>
+                                        <p:strVal val="visible"/>
+                                      </p:to>
+                                    </p:set>
+                                  </p:childTnLst>
+                                </p:cTn>
+                              </p:par>
+                            </p:childTnLst>
+                          </p:cTn>
+                        </p:par>
+                      </p:childTnLst>
+                    </p:cTn>
+                  </p:par>
+                  <p:par>
+                    <p:cTn id="27" fill="hold">
+                      <p:stCondLst>
+                        <p:cond delay="indefinite"/>
+                      </p:stCondLst>
+                      <p:childTnLst>
+                        <p:par>
+                          <p:cTn id="28" fill="hold">
+                            <p:stCondLst>
+                              <p:cond delay="0"/>
+                            </p:stCondLst>
+                            <p:childTnLst>
+                              <p:par>
+                                <p:cTn id="29" presetID="1" presetClass="entr" presetSubtype="0" fill="hold" nodeType="clickEffect">
+                                  <p:stCondLst>
+                                    <p:cond delay="0"/>
+                                  </p:stCondLst>
+                                  <p:childTnLst>
+                                    <p:set>
+                                      <p:cBhvr>
+                                        <p:cTn id="30" dur="1" fill="hold">
+                                          <p:stCondLst>
+                                            <p:cond delay="0"/>
+                                          </p:stCondLst>
+                                        </p:cTn>
+                                        <p:tgtEl>
+                                          <p:spTgt spid="16"/>
+                                        </p:tgtEl>
+                                        <p:attrNameLst>
+                                          <p:attrName>style.visibility</p:attrName>
+                                        </p:attrNameLst>
+                                      </p:cBhvr>
+                                      <p:to>
+                                        <p:strVal val="visible"/>
+                                      </p:to>
+                                    </p:set>
+                                  </p:childTnLst>
+                                </p:cTn>
+                              </p:par>
+                            </p:childTnLst>
+                          </p:cTn>
+                        </p:par>
+                      </p:childTnLst>
+                    </p:cTn>
+                  </p:par>
+                </p:childTnLst>
+              </p:cTn>
+              <p:prevCondLst>
+                <p:cond evt="onPrev" delay="0">
+                  <p:tgtEl>
+                    <p:sldTgt/>
+                  </p:tgtEl>
+                </p:cond>
+              </p:prevCondLst>
+              <p:nextCondLst>
+                <p:cond evt="onNext" delay="0">
+                  <p:tgtEl>
+                    <p:sldTgt/>
+                  </p:tgtEl>
+                </p:cond>
+              </p:nextCondLst>
+            </p:seq>
+          </p:childTnLst>
+        </p:cTn>
+      </p:par>
+    </p:tnLst>
+    <p:bldLst>
+      <p:bldP spid="8" grpId="0" uiExpand="1" build="p"/>
+      <p:bldP spid="14" grpId="0" uiExpand="1" build="p"/>
+    </p:bldLst>
+  </p:timing>
+</p:sld>
+</file>
+
+<file path=ppt/slides/slide35.xml><?xml version="1.0" encoding="utf-8"?>
+<p:sld xmlns:a="http://schemas.openxmlformats.org/drawingml/2006/main" xmlns:r="http://schemas.openxmlformats.org/officeDocument/2006/relationships" xmlns:p="http://schemas.openxmlformats.org/presentationml/2006/main">
+  <p:cSld>
+    <p:spTree>
+      <p:nvGrpSpPr>
+        <p:cNvPr id="1" name=""/>
+        <p:cNvGrpSpPr/>
+        <p:nvPr/>
+      </p:nvGrpSpPr>
+      <p:grpSpPr>
+        <a:xfrm>
+          <a:off x="0" y="0"/>
+          <a:ext cx="0" cy="0"/>
+          <a:chOff x="0" y="0"/>
+          <a:chExt cx="0" cy="0"/>
+        </a:xfrm>
+      </p:grpSpPr>
+      <p:sp>
+        <p:nvSpPr>
+          <p:cNvPr id="2" name="Title 1">
+            <a:extLst>
+              <a:ext uri="{FF2B5EF4-FFF2-40B4-BE49-F238E27FC236}">
+                <a16:creationId xmlns:a16="http://schemas.microsoft.com/office/drawing/2014/main" id="{788A6C6C-26BA-4589-B379-D2F196B56147}"/>
+              </a:ext>
+            </a:extLst>
+          </p:cNvPr>
+          <p:cNvSpPr>
+            <a:spLocks noGrp="1"/>
+          </p:cNvSpPr>
+          <p:nvPr>
+            <p:ph type="title"/>
+          </p:nvPr>
+        </p:nvSpPr>
+        <p:spPr/>
+        <p:txBody>
+          <a:bodyPr/>
+          <a:lstStyle/>
+          <a:p>
+            <a:r>
+              <a:rPr lang="en-US" dirty="0"/>
+              <a:t>Where we are</a:t>
+            </a:r>
+          </a:p>
+        </p:txBody>
+      </p:sp>
+      <p:sp>
+        <p:nvSpPr>
+          <p:cNvPr id="5" name="Text Placeholder 4">
+            <a:extLst>
+              <a:ext uri="{FF2B5EF4-FFF2-40B4-BE49-F238E27FC236}">
+                <a16:creationId xmlns:a16="http://schemas.microsoft.com/office/drawing/2014/main" id="{34AFE50A-2F41-42E0-AF97-7F23144A5632}"/>
+              </a:ext>
+            </a:extLst>
+          </p:cNvPr>
+          <p:cNvSpPr>
+            <a:spLocks noGrp="1"/>
+          </p:cNvSpPr>
+          <p:nvPr>
+            <p:ph idx="1"/>
+          </p:nvPr>
+        </p:nvSpPr>
+        <p:spPr>
+          <a:xfrm>
+            <a:off x="152400" y="1446211"/>
+            <a:ext cx="4546173" cy="5014912"/>
+          </a:xfrm>
+        </p:spPr>
+        <p:txBody>
+          <a:bodyPr/>
+          <a:lstStyle/>
+          <a:p>
+            <a:r>
+              <a:rPr lang="en-US" sz="2400" dirty="0"/>
+              <a:t>Modeling </a:t>
+            </a:r>
+            <a:r>
+              <a:rPr lang="en-US" sz="2400" dirty="0">
+                <a:sym typeface="Wingdings" panose="05000000000000000000" pitchFamily="2" charset="2"/>
+              </a:rPr>
+              <a:t> correct behavior by ensuring we have ‘</a:t>
+            </a:r>
+            <a:r>
+              <a:rPr lang="en-US" sz="2400" dirty="0">
+                <a:solidFill>
+                  <a:srgbClr val="72C3E8"/>
+                </a:solidFill>
+                <a:sym typeface="Wingdings" panose="05000000000000000000" pitchFamily="2" charset="2"/>
+              </a:rPr>
+              <a:t>thought</a:t>
+            </a:r>
+            <a:r>
+              <a:rPr lang="en-US" sz="2400" dirty="0">
+                <a:sym typeface="Wingdings" panose="05000000000000000000" pitchFamily="2" charset="2"/>
+              </a:rPr>
+              <a:t>’ of all possibilities</a:t>
+            </a:r>
+          </a:p>
+          <a:p>
+            <a:r>
+              <a:rPr lang="en-US" sz="2400" dirty="0">
+                <a:sym typeface="Wingdings" panose="05000000000000000000" pitchFamily="2" charset="2"/>
+              </a:rPr>
+              <a:t>but </a:t>
+            </a:r>
+            <a:r>
+              <a:rPr lang="en-US" sz="2400" dirty="0">
+                <a:solidFill>
+                  <a:srgbClr val="72C3E8"/>
+                </a:solidFill>
+                <a:sym typeface="Wingdings" panose="05000000000000000000" pitchFamily="2" charset="2"/>
+              </a:rPr>
+              <a:t>not yet implemented</a:t>
+            </a:r>
+            <a:r>
+              <a:rPr lang="en-US" sz="2400" dirty="0">
+                <a:sym typeface="Wingdings" panose="05000000000000000000" pitchFamily="2" charset="2"/>
+              </a:rPr>
+              <a:t>!</a:t>
+            </a:r>
+          </a:p>
+          <a:p>
+            <a:r>
+              <a:rPr lang="en-US" sz="2400" dirty="0">
+                <a:sym typeface="Wingdings" panose="05000000000000000000" pitchFamily="2" charset="2"/>
+              </a:rPr>
+              <a:t>Firmware architecture (so far) </a:t>
+            </a:r>
+          </a:p>
+          <a:p>
+            <a:pPr lvl="1"/>
+            <a:r>
+              <a:rPr lang="en-US" sz="2000" dirty="0">
+                <a:solidFill>
+                  <a:srgbClr val="EA3F26"/>
+                </a:solidFill>
+                <a:sym typeface="Wingdings" panose="05000000000000000000" pitchFamily="2" charset="2"/>
+              </a:rPr>
+              <a:t>what</a:t>
+            </a:r>
+            <a:r>
+              <a:rPr lang="en-US" sz="2000" dirty="0">
+                <a:sym typeface="Wingdings" panose="05000000000000000000" pitchFamily="2" charset="2"/>
+              </a:rPr>
+              <a:t> pieces of code (loosely coupled, modules) do we need</a:t>
+            </a:r>
+          </a:p>
+          <a:p>
+            <a:pPr lvl="1"/>
+            <a:r>
+              <a:rPr lang="en-US" sz="2000" dirty="0">
+                <a:solidFill>
+                  <a:srgbClr val="EA3F26"/>
+                </a:solidFill>
+                <a:sym typeface="Wingdings" panose="05000000000000000000" pitchFamily="2" charset="2"/>
+              </a:rPr>
+              <a:t>how</a:t>
+            </a:r>
+            <a:r>
+              <a:rPr lang="en-US" sz="2000" dirty="0">
+                <a:sym typeface="Wingdings" panose="05000000000000000000" pitchFamily="2" charset="2"/>
+              </a:rPr>
+              <a:t> these pieces control each other</a:t>
+            </a:r>
+          </a:p>
+        </p:txBody>
+      </p:sp>
+      <p:sp>
+        <p:nvSpPr>
+          <p:cNvPr id="3" name="Date Placeholder 2">
+            <a:extLst>
+              <a:ext uri="{FF2B5EF4-FFF2-40B4-BE49-F238E27FC236}">
+                <a16:creationId xmlns:a16="http://schemas.microsoft.com/office/drawing/2014/main" id="{E710D959-B3FA-4F8D-8684-9AA768BF22FE}"/>
+              </a:ext>
+            </a:extLst>
+          </p:cNvPr>
+          <p:cNvSpPr>
+            <a:spLocks noGrp="1"/>
+          </p:cNvSpPr>
+          <p:nvPr>
+            <p:ph type="dt" sz="half" idx="10"/>
+          </p:nvPr>
+        </p:nvSpPr>
+        <p:spPr/>
+        <p:txBody>
+          <a:bodyPr/>
+          <a:lstStyle/>
+          <a:p>
+            <a:pPr>
+              <a:defRPr/>
+            </a:pPr>
+            <a:r>
+              <a:rPr lang="en-US"/>
+              <a:t>21/12/2020</a:t>
+            </a:r>
+          </a:p>
+        </p:txBody>
+      </p:sp>
+      <p:sp>
+        <p:nvSpPr>
+          <p:cNvPr id="4" name="Slide Number Placeholder 3">
+            <a:extLst>
+              <a:ext uri="{FF2B5EF4-FFF2-40B4-BE49-F238E27FC236}">
+                <a16:creationId xmlns:a16="http://schemas.microsoft.com/office/drawing/2014/main" id="{73F35DAB-48D3-4143-83FD-FB11C25BE874}"/>
+              </a:ext>
+            </a:extLst>
+          </p:cNvPr>
+          <p:cNvSpPr>
+            <a:spLocks noGrp="1"/>
+          </p:cNvSpPr>
+          <p:nvPr>
+            <p:ph type="sldNum" sz="quarter" idx="12"/>
+          </p:nvPr>
+        </p:nvSpPr>
+        <p:spPr/>
+        <p:txBody>
+          <a:bodyPr/>
+          <a:lstStyle/>
+          <a:p>
+            <a:pPr>
+              <a:defRPr/>
+            </a:pPr>
+            <a:fld id="{E79D9D01-1391-45E0-A9C5-C04635A43651}" type="slidenum">
+              <a:rPr lang="en-US" altLang="en-US" smtClean="0"/>
+              <a:pPr>
+                <a:defRPr/>
+              </a:pPr>
+              <a:t>35</a:t>
+            </a:fld>
+            <a:endParaRPr lang="en-US" altLang="en-US"/>
+          </a:p>
+        </p:txBody>
+      </p:sp>
+      <p:pic>
+        <p:nvPicPr>
+          <p:cNvPr id="6" name="Picture 5">
+            <a:extLst>
+              <a:ext uri="{FF2B5EF4-FFF2-40B4-BE49-F238E27FC236}">
+                <a16:creationId xmlns:a16="http://schemas.microsoft.com/office/drawing/2014/main" id="{D879CD4A-3BAE-436E-B06C-2E7B3A9042DA}"/>
+              </a:ext>
+            </a:extLst>
+          </p:cNvPr>
+          <p:cNvPicPr>
+            <a:picLocks noChangeAspect="1"/>
+          </p:cNvPicPr>
+          <p:nvPr/>
+        </p:nvPicPr>
+        <p:blipFill>
+          <a:blip r:embed="rId2">
+            <a:alphaModFix/>
+          </a:blip>
+          <a:stretch>
+            <a:fillRect/>
+          </a:stretch>
+        </p:blipFill>
+        <p:spPr>
+          <a:xfrm>
+            <a:off x="4698573" y="1446211"/>
+            <a:ext cx="4293027" cy="3073151"/>
+          </a:xfrm>
+          <a:prstGeom prst="rect">
+            <a:avLst/>
+          </a:prstGeom>
+        </p:spPr>
+      </p:pic>
+      <p:sp>
+        <p:nvSpPr>
+          <p:cNvPr id="9" name="Text Placeholder 4">
+            <a:extLst>
+              <a:ext uri="{FF2B5EF4-FFF2-40B4-BE49-F238E27FC236}">
+                <a16:creationId xmlns:a16="http://schemas.microsoft.com/office/drawing/2014/main" id="{1A5EFE70-BA98-490F-88B2-2C03F1670F81}"/>
+              </a:ext>
+            </a:extLst>
+          </p:cNvPr>
+          <p:cNvSpPr txBox="1">
+            <a:spLocks/>
+          </p:cNvSpPr>
+          <p:nvPr/>
+        </p:nvSpPr>
+        <p:spPr bwMode="auto">
+          <a:xfrm>
+            <a:off x="152400" y="4876799"/>
+            <a:ext cx="8839200" cy="1736723"/>
+          </a:xfrm>
+          <a:prstGeom prst="rect">
+            <a:avLst/>
+          </a:prstGeom>
+          <a:noFill/>
+          <a:ln>
+            <a:noFill/>
+          </a:ln>
+          <a:extLst>
+            <a:ext uri="{909E8E84-426E-40DD-AFC4-6F175D3DCCD1}">
+              <a14:hiddenFill xmlns:a14="http://schemas.microsoft.com/office/drawing/2010/main">
+                <a:solidFill>
+                  <a:srgbClr val="FFFFFF"/>
+                </a:solidFill>
+              </a14:hiddenFill>
+            </a:ext>
+            <a:ext uri="{91240B29-F687-4F45-9708-019B960494DF}">
+              <a14:hiddenLine xmlns:a14="http://schemas.microsoft.com/office/drawing/2010/main" w="9525">
+                <a:solidFill>
+                  <a:srgbClr val="000000"/>
+                </a:solidFill>
+                <a:miter lim="800000"/>
+                <a:headEnd/>
+                <a:tailEnd/>
+              </a14:hiddenLine>
+            </a:ext>
+          </a:extLst>
+        </p:spPr>
+        <p:txBody>
+          <a:bodyPr vert="horz" wrap="square" lIns="91440" tIns="45720" rIns="91440" bIns="45720" numCol="1" anchor="t" anchorCtr="0" compatLnSpc="1">
+            <a:prstTxWarp prst="textNoShape">
+              <a:avLst/>
+            </a:prstTxWarp>
+          </a:bodyPr>
+          <a:lstStyle>
+            <a:lvl1pPr marL="342900" indent="-342900" algn="l" rtl="0" eaLnBrk="0" fontAlgn="base" hangingPunct="0">
+              <a:spcBef>
+                <a:spcPct val="20000"/>
+              </a:spcBef>
+              <a:spcAft>
+                <a:spcPct val="0"/>
+              </a:spcAft>
+              <a:buFont typeface="Arial" panose="020B0604020202020204" pitchFamily="34" charset="0"/>
+              <a:buChar char="•"/>
+              <a:defRPr sz="3200" kern="1200">
+                <a:solidFill>
+                  <a:schemeClr val="tx1">
+                    <a:lumMod val="50000"/>
+                    <a:lumOff val="50000"/>
+                  </a:schemeClr>
+                </a:solidFill>
+                <a:latin typeface="+mn-lt"/>
+                <a:ea typeface="+mn-ea"/>
+                <a:cs typeface="+mn-cs"/>
+              </a:defRPr>
+            </a:lvl1pPr>
+            <a:lvl2pPr marL="742950" indent="-285750" algn="l" rtl="0" eaLnBrk="0" fontAlgn="base" hangingPunct="0">
+              <a:spcBef>
+                <a:spcPct val="20000"/>
+              </a:spcBef>
+              <a:spcAft>
+                <a:spcPct val="0"/>
+              </a:spcAft>
+              <a:buFont typeface="Arial" panose="020B0604020202020204" pitchFamily="34" charset="0"/>
+              <a:buChar char="–"/>
+              <a:defRPr sz="2800" kern="1200">
+                <a:solidFill>
+                  <a:schemeClr val="tx1">
+                    <a:lumMod val="50000"/>
+                    <a:lumOff val="50000"/>
+                  </a:schemeClr>
+                </a:solidFill>
+                <a:latin typeface="+mn-lt"/>
+                <a:ea typeface="+mn-ea"/>
+                <a:cs typeface="+mn-cs"/>
+              </a:defRPr>
+            </a:lvl2pPr>
+            <a:lvl3pPr marL="1143000" indent="-228600" algn="l" rtl="0" eaLnBrk="0" fontAlgn="base" hangingPunct="0">
+              <a:spcBef>
+                <a:spcPct val="20000"/>
+              </a:spcBef>
+              <a:spcAft>
+                <a:spcPct val="0"/>
+              </a:spcAft>
+              <a:buFont typeface="Arial" panose="020B0604020202020204" pitchFamily="34" charset="0"/>
+              <a:buChar char="•"/>
+              <a:defRPr sz="2400" kern="1200">
+                <a:solidFill>
+                  <a:schemeClr val="tx1">
+                    <a:lumMod val="50000"/>
+                    <a:lumOff val="50000"/>
+                  </a:schemeClr>
+                </a:solidFill>
+                <a:latin typeface="+mn-lt"/>
+                <a:ea typeface="+mn-ea"/>
+                <a:cs typeface="+mn-cs"/>
+              </a:defRPr>
+            </a:lvl3pPr>
+            <a:lvl4pPr marL="1600200" indent="-228600" algn="l" rtl="0" eaLnBrk="0" fontAlgn="base" hangingPunct="0">
+              <a:spcBef>
+                <a:spcPct val="20000"/>
+              </a:spcBef>
+              <a:spcAft>
+                <a:spcPct val="0"/>
+              </a:spcAft>
+              <a:buFont typeface="Arial" panose="020B0604020202020204" pitchFamily="34" charset="0"/>
+              <a:buChar char="–"/>
+              <a:defRPr sz="2000" kern="1200">
+                <a:solidFill>
+                  <a:schemeClr val="tx1">
+                    <a:lumMod val="50000"/>
+                    <a:lumOff val="50000"/>
+                  </a:schemeClr>
+                </a:solidFill>
+                <a:latin typeface="+mn-lt"/>
+                <a:ea typeface="+mn-ea"/>
+                <a:cs typeface="+mn-cs"/>
+              </a:defRPr>
+            </a:lvl4pPr>
+            <a:lvl5pPr marL="2057400" indent="-228600" algn="l" rtl="0" eaLnBrk="0" fontAlgn="base" hangingPunct="0">
+              <a:spcBef>
+                <a:spcPct val="20000"/>
+              </a:spcBef>
+              <a:spcAft>
+                <a:spcPct val="0"/>
+              </a:spcAft>
+              <a:buFont typeface="Arial" panose="020B0604020202020204" pitchFamily="34" charset="0"/>
+              <a:buChar char="»"/>
+              <a:defRPr sz="2000" kern="1200">
+                <a:solidFill>
+                  <a:schemeClr val="tx1">
+                    <a:lumMod val="50000"/>
+                    <a:lumOff val="50000"/>
+                  </a:schemeClr>
+                </a:solidFill>
+                <a:latin typeface="+mn-lt"/>
+                <a:ea typeface="+mn-ea"/>
+                <a:cs typeface="+mn-cs"/>
+              </a:defRPr>
+            </a:lvl5pPr>
+            <a:lvl6pPr marL="2514600" indent="-228600" algn="l" defTabSz="914400" rtl="0" eaLnBrk="1" latinLnBrk="0" hangingPunct="1">
+              <a:spcBef>
+                <a:spcPct val="20000"/>
+              </a:spcBef>
+              <a:buFont typeface="Arial" pitchFamily="34" charset="0"/>
+              <a:buChar char="•"/>
+              <a:defRPr sz="2000" kern="1200">
+                <a:solidFill>
+                  <a:schemeClr val="tx1"/>
+                </a:solidFill>
+                <a:latin typeface="+mn-lt"/>
+                <a:ea typeface="+mn-ea"/>
+                <a:cs typeface="+mn-cs"/>
+              </a:defRPr>
+            </a:lvl6pPr>
+            <a:lvl7pPr marL="2971800" indent="-228600" algn="l" defTabSz="914400" rtl="0" eaLnBrk="1" latinLnBrk="0" hangingPunct="1">
+              <a:spcBef>
+                <a:spcPct val="20000"/>
+              </a:spcBef>
+              <a:buFont typeface="Arial" pitchFamily="34" charset="0"/>
+              <a:buChar char="•"/>
+              <a:defRPr sz="2000" kern="1200">
+                <a:solidFill>
+                  <a:schemeClr val="tx1"/>
+                </a:solidFill>
+                <a:latin typeface="+mn-lt"/>
+                <a:ea typeface="+mn-ea"/>
+                <a:cs typeface="+mn-cs"/>
+              </a:defRPr>
+            </a:lvl7pPr>
+            <a:lvl8pPr marL="3429000" indent="-228600" algn="l" defTabSz="914400" rtl="0" eaLnBrk="1" latinLnBrk="0" hangingPunct="1">
+              <a:spcBef>
+                <a:spcPct val="20000"/>
+              </a:spcBef>
+              <a:buFont typeface="Arial" pitchFamily="34" charset="0"/>
+              <a:buChar char="•"/>
+              <a:defRPr sz="2000" kern="1200">
+                <a:solidFill>
+                  <a:schemeClr val="tx1"/>
+                </a:solidFill>
+                <a:latin typeface="+mn-lt"/>
+                <a:ea typeface="+mn-ea"/>
+                <a:cs typeface="+mn-cs"/>
+              </a:defRPr>
+            </a:lvl8pPr>
+            <a:lvl9pPr marL="3886200" indent="-228600" algn="l" defTabSz="914400" rtl="0" eaLnBrk="1" latinLnBrk="0" hangingPunct="1">
+              <a:spcBef>
+                <a:spcPct val="20000"/>
+              </a:spcBef>
+              <a:buFont typeface="Arial" pitchFamily="34" charset="0"/>
+              <a:buChar char="•"/>
+              <a:defRPr sz="2000" kern="1200">
+                <a:solidFill>
+                  <a:schemeClr val="tx1"/>
+                </a:solidFill>
+                <a:latin typeface="+mn-lt"/>
+                <a:ea typeface="+mn-ea"/>
+                <a:cs typeface="+mn-cs"/>
+              </a:defRPr>
+            </a:lvl9pPr>
+          </a:lstStyle>
+          <a:p>
+            <a:r>
+              <a:rPr lang="en-US" sz="2400" dirty="0">
+                <a:sym typeface="Wingdings" panose="05000000000000000000" pitchFamily="2" charset="2"/>
+              </a:rPr>
+              <a:t>What have we still not decided?</a:t>
+            </a:r>
+          </a:p>
+          <a:p>
+            <a:r>
+              <a:rPr lang="en-US" sz="2400" dirty="0">
+                <a:sym typeface="Wingdings" panose="05000000000000000000" pitchFamily="2" charset="2"/>
+              </a:rPr>
+              <a:t>Application layer organization – how is the main logic implemented</a:t>
+            </a:r>
+          </a:p>
+          <a:p>
+            <a:r>
+              <a:rPr lang="en-US" sz="2400" dirty="0">
+                <a:solidFill>
+                  <a:srgbClr val="EA3F26"/>
+                </a:solidFill>
+                <a:sym typeface="Wingdings" panose="05000000000000000000" pitchFamily="2" charset="2"/>
+              </a:rPr>
+              <a:t>When </a:t>
+            </a:r>
+            <a:r>
+              <a:rPr lang="en-US" sz="2400" dirty="0">
+                <a:sym typeface="Wingdings" panose="05000000000000000000" pitchFamily="2" charset="2"/>
+              </a:rPr>
+              <a:t>do these pieces of code run?</a:t>
+            </a:r>
+          </a:p>
+        </p:txBody>
+      </p:sp>
+    </p:spTree>
+    <p:extLst>
+      <p:ext uri="{BB962C8B-B14F-4D97-AF65-F5344CB8AC3E}">
+        <p14:creationId xmlns:p14="http://schemas.microsoft.com/office/powerpoint/2010/main" val="2333167626"/>
+      </p:ext>
+    </p:extLst>
+  </p:cSld>
+  <p:clrMapOvr>
+    <a:masterClrMapping/>
+  </p:clrMapOvr>
+  <p:timing>
+    <p:tnLst>
+      <p:par>
+        <p:cTn id="1" dur="indefinite" restart="never" nodeType="tmRoot">
+          <p:childTnLst>
+            <p:seq concurrent="1" nextAc="seek">
+              <p:cTn id="2" dur="indefinite" nodeType="mainSeq">
+                <p:childTnLst>
+                  <p:par>
+                    <p:cTn id="3" fill="hold">
+                      <p:stCondLst>
+                        <p:cond delay="indefinite"/>
+                      </p:stCondLst>
+                      <p:childTnLst>
+                        <p:par>
+                          <p:cTn id="4" fill="hold">
+                            <p:stCondLst>
+                              <p:cond delay="0"/>
+                            </p:stCondLst>
+                            <p:childTnLst>
+                              <p:par>
+                                <p:cTn id="5" presetID="1" presetClass="entr" presetSubtype="0" fill="hold" grpId="0" nodeType="clickEffect">
+                                  <p:stCondLst>
+                                    <p:cond delay="0"/>
+                                  </p:stCondLst>
+                                  <p:childTnLst>
+                                    <p:set>
+                                      <p:cBhvr>
+                                        <p:cTn id="6" dur="1" fill="hold">
+                                          <p:stCondLst>
+                                            <p:cond delay="0"/>
+                                          </p:stCondLst>
+                                        </p:cTn>
+                                        <p:tgtEl>
+                                          <p:spTgt spid="5">
                                             <p:txEl>
                                               <p:pRg st="0" end="0"/>
                                             </p:txEl>
@@ -20616,7 +23334,7 @@
                                           </p:stCondLst>
                                         </p:cTn>
                                         <p:tgtEl>
-                                          <p:spTgt spid="3">
+                                          <p:spTgt spid="5">
                                             <p:txEl>
                                               <p:pRg st="1" end="1"/>
                                             </p:txEl>
@@ -20665,7 +23383,7 @@
                                           </p:stCondLst>
                                         </p:cTn>
                                         <p:tgtEl>
-                                          <p:spTgt spid="3">
+                                          <p:spTgt spid="5">
                                             <p:txEl>
                                               <p:pRg st="2" end="2"/>
                                             </p:txEl>
@@ -20714,7 +23432,7 @@
                                           </p:stCondLst>
                                         </p:cTn>
                                         <p:tgtEl>
-                                          <p:spTgt spid="3">
+                                          <p:spTgt spid="5">
                                             <p:txEl>
                                               <p:pRg st="3" end="3"/>
                                             </p:txEl>
@@ -20763,7 +23481,7 @@
                                           </p:stCondLst>
                                         </p:cTn>
                                         <p:tgtEl>
-                                          <p:spTgt spid="3">
+                                          <p:spTgt spid="5">
                                             <p:txEl>
                                               <p:pRg st="4" end="4"/>
                                             </p:txEl>
@@ -20799,7 +23517,7 @@
                             </p:stCondLst>
                             <p:childTnLst>
                               <p:par>
-                                <p:cTn id="25" presetID="1" presetClass="entr" presetSubtype="0" fill="hold" grpId="0" nodeType="clickEffect">
+                                <p:cTn id="25" presetID="1" presetClass="entr" presetSubtype="0" fill="hold" nodeType="clickEffect">
                                   <p:stCondLst>
                                     <p:cond delay="0"/>
                                   </p:stCondLst>
@@ -20812,11 +23530,7 @@
                                           </p:stCondLst>
                                         </p:cTn>
                                         <p:tgtEl>
-                                          <p:spTgt spid="3">
-                                            <p:txEl>
-                                              <p:pRg st="5" end="5"/>
-                                            </p:txEl>
-                                          </p:spTgt>
+                                          <p:spTgt spid="6"/>
                                         </p:tgtEl>
                                         <p:attrNameLst>
                                           <p:attrName>style.visibility</p:attrName>
@@ -20835,298 +23549,33 @@
                       </p:childTnLst>
                     </p:cTn>
                   </p:par>
-                </p:childTnLst>
-              </p:cTn>
-              <p:prevCondLst>
-                <p:cond evt="onPrev" delay="0">
-                  <p:tgtEl>
-                    <p:sldTgt/>
-                  </p:tgtEl>
-                </p:cond>
-              </p:prevCondLst>
-              <p:nextCondLst>
-                <p:cond evt="onNext" delay="0">
-                  <p:tgtEl>
-                    <p:sldTgt/>
-                  </p:tgtEl>
-                </p:cond>
-              </p:nextCondLst>
-            </p:seq>
-          </p:childTnLst>
-        </p:cTn>
-      </p:par>
-    </p:tnLst>
-    <p:bldLst>
-      <p:bldP spid="3" grpId="0" build="p"/>
-    </p:bldLst>
-  </p:timing>
-</p:sld>
-</file>
-
-<file path=ppt/slides/slide34.xml><?xml version="1.0" encoding="utf-8"?>
-<p:sld xmlns:a="http://schemas.openxmlformats.org/drawingml/2006/main" xmlns:r="http://schemas.openxmlformats.org/officeDocument/2006/relationships" xmlns:p="http://schemas.openxmlformats.org/presentationml/2006/main">
-  <p:cSld>
-    <p:spTree>
-      <p:nvGrpSpPr>
-        <p:cNvPr id="1" name=""/>
-        <p:cNvGrpSpPr/>
-        <p:nvPr/>
-      </p:nvGrpSpPr>
-      <p:grpSpPr>
-        <a:xfrm>
-          <a:off x="0" y="0"/>
-          <a:ext cx="0" cy="0"/>
-          <a:chOff x="0" y="0"/>
-          <a:chExt cx="0" cy="0"/>
-        </a:xfrm>
-      </p:grpSpPr>
-      <p:sp>
-        <p:nvSpPr>
-          <p:cNvPr id="2" name="Title 1">
-            <a:extLst>
-              <a:ext uri="{FF2B5EF4-FFF2-40B4-BE49-F238E27FC236}">
-                <a16:creationId xmlns:a16="http://schemas.microsoft.com/office/drawing/2014/main" id="{C83207FE-CC82-40E3-96E1-8F67212CDC42}"/>
-              </a:ext>
-            </a:extLst>
-          </p:cNvPr>
-          <p:cNvSpPr>
-            <a:spLocks noGrp="1"/>
-          </p:cNvSpPr>
-          <p:nvPr>
-            <p:ph type="title"/>
-          </p:nvPr>
-        </p:nvSpPr>
-        <p:spPr/>
-        <p:txBody>
-          <a:bodyPr/>
-          <a:lstStyle/>
-          <a:p>
-            <a:r>
-              <a:rPr lang="en-US" dirty="0"/>
-              <a:t>Execution blocks</a:t>
-            </a:r>
-          </a:p>
-        </p:txBody>
-      </p:sp>
-      <p:sp>
-        <p:nvSpPr>
-          <p:cNvPr id="3" name="Content Placeholder 2">
-            <a:extLst>
-              <a:ext uri="{FF2B5EF4-FFF2-40B4-BE49-F238E27FC236}">
-                <a16:creationId xmlns:a16="http://schemas.microsoft.com/office/drawing/2014/main" id="{E5865015-6224-438E-9248-DB98AAB8CC82}"/>
-              </a:ext>
-            </a:extLst>
-          </p:cNvPr>
-          <p:cNvSpPr>
-            <a:spLocks noGrp="1"/>
-          </p:cNvSpPr>
-          <p:nvPr>
-            <p:ph idx="1"/>
-          </p:nvPr>
-        </p:nvSpPr>
-        <p:spPr>
-          <a:xfrm>
-            <a:off x="152400" y="1446211"/>
-            <a:ext cx="6324600" cy="5014912"/>
-          </a:xfrm>
-        </p:spPr>
-        <p:txBody>
-          <a:bodyPr>
-            <a:normAutofit lnSpcReduction="10000"/>
-          </a:bodyPr>
-          <a:lstStyle/>
-          <a:p>
-            <a:pPr marL="0" indent="0">
-              <a:buNone/>
-            </a:pPr>
-            <a:r>
-              <a:rPr lang="en-US" sz="2800" dirty="0"/>
-              <a:t>Define how code runs and how CPU is shared</a:t>
-            </a:r>
-          </a:p>
-          <a:p>
-            <a:r>
-              <a:rPr lang="en-US" sz="2800" dirty="0"/>
-              <a:t>The main loop (</a:t>
-            </a:r>
-            <a:r>
-              <a:rPr lang="en-US" sz="2800" dirty="0" err="1"/>
-              <a:t>superloop</a:t>
-            </a:r>
-            <a:r>
-              <a:rPr lang="en-US" sz="2800" dirty="0"/>
-              <a:t>): simplest execution block that runs every task sequentially</a:t>
-            </a:r>
-          </a:p>
-          <a:p>
-            <a:r>
-              <a:rPr lang="en-US" sz="2800" dirty="0"/>
-              <a:t>Interrupt Service Routines: High priority blocks triggered by hardware events</a:t>
-            </a:r>
-          </a:p>
-          <a:p>
-            <a:pPr lvl="1"/>
-            <a:r>
-              <a:rPr lang="en-US" sz="2400" dirty="0"/>
-              <a:t>Preempt whatever the CPU is doing</a:t>
-            </a:r>
-          </a:p>
-          <a:p>
-            <a:r>
-              <a:rPr lang="en-US" sz="2800" dirty="0"/>
-              <a:t>RTOS tasks / threads: Independent blocks of execution that have their own priority</a:t>
-            </a:r>
-          </a:p>
-          <a:p>
-            <a:pPr lvl="1"/>
-            <a:r>
-              <a:rPr lang="en-US" sz="2400" dirty="0"/>
-              <a:t>A scheduler decides when the tasks run</a:t>
-            </a:r>
-          </a:p>
-        </p:txBody>
-      </p:sp>
-      <p:sp>
-        <p:nvSpPr>
-          <p:cNvPr id="4" name="Date Placeholder 3">
-            <a:extLst>
-              <a:ext uri="{FF2B5EF4-FFF2-40B4-BE49-F238E27FC236}">
-                <a16:creationId xmlns:a16="http://schemas.microsoft.com/office/drawing/2014/main" id="{23AF20A9-E7E1-4D5F-ACE9-1F121493D7E3}"/>
-              </a:ext>
-            </a:extLst>
-          </p:cNvPr>
-          <p:cNvSpPr>
-            <a:spLocks noGrp="1"/>
-          </p:cNvSpPr>
-          <p:nvPr>
-            <p:ph type="dt" sz="half" idx="10"/>
-          </p:nvPr>
-        </p:nvSpPr>
-        <p:spPr/>
-        <p:txBody>
-          <a:bodyPr/>
-          <a:lstStyle/>
-          <a:p>
-            <a:pPr>
-              <a:defRPr/>
-            </a:pPr>
-            <a:r>
-              <a:rPr lang="en-US"/>
-              <a:t>21/12/2020</a:t>
-            </a:r>
-          </a:p>
-        </p:txBody>
-      </p:sp>
-      <p:sp>
-        <p:nvSpPr>
-          <p:cNvPr id="5" name="Slide Number Placeholder 4">
-            <a:extLst>
-              <a:ext uri="{FF2B5EF4-FFF2-40B4-BE49-F238E27FC236}">
-                <a16:creationId xmlns:a16="http://schemas.microsoft.com/office/drawing/2014/main" id="{E58298CA-FD01-4F97-9E49-F23D7CA99937}"/>
-              </a:ext>
-            </a:extLst>
-          </p:cNvPr>
-          <p:cNvSpPr>
-            <a:spLocks noGrp="1"/>
-          </p:cNvSpPr>
-          <p:nvPr>
-            <p:ph type="sldNum" sz="quarter" idx="12"/>
-          </p:nvPr>
-        </p:nvSpPr>
-        <p:spPr/>
-        <p:txBody>
-          <a:bodyPr/>
-          <a:lstStyle/>
-          <a:p>
-            <a:pPr>
-              <a:defRPr/>
-            </a:pPr>
-            <a:fld id="{CA887A73-1AE0-46F8-856A-18EA1CF30A1B}" type="slidenum">
-              <a:rPr lang="en-US" altLang="en-US" smtClean="0"/>
-              <a:pPr>
-                <a:defRPr/>
-              </a:pPr>
-              <a:t>34</a:t>
-            </a:fld>
-            <a:endParaRPr lang="en-US" altLang="en-US"/>
-          </a:p>
-        </p:txBody>
-      </p:sp>
-      <p:pic>
-        <p:nvPicPr>
-          <p:cNvPr id="7" name="Picture 6">
-            <a:extLst>
-              <a:ext uri="{FF2B5EF4-FFF2-40B4-BE49-F238E27FC236}">
-                <a16:creationId xmlns:a16="http://schemas.microsoft.com/office/drawing/2014/main" id="{3C08F533-2FDD-4031-B261-92712268C849}"/>
-              </a:ext>
-            </a:extLst>
-          </p:cNvPr>
-          <p:cNvPicPr>
-            <a:picLocks noChangeAspect="1"/>
-          </p:cNvPicPr>
-          <p:nvPr/>
-        </p:nvPicPr>
-        <p:blipFill>
-          <a:blip r:embed="rId2"/>
-          <a:stretch>
-            <a:fillRect/>
-          </a:stretch>
-        </p:blipFill>
-        <p:spPr>
-          <a:xfrm rot="16200000">
-            <a:off x="5391657" y="2741355"/>
-            <a:ext cx="4895088" cy="2304799"/>
-          </a:xfrm>
-          <a:prstGeom prst="rect">
-            <a:avLst/>
-          </a:prstGeom>
-        </p:spPr>
-      </p:pic>
-    </p:spTree>
-    <p:extLst>
-      <p:ext uri="{BB962C8B-B14F-4D97-AF65-F5344CB8AC3E}">
-        <p14:creationId xmlns:p14="http://schemas.microsoft.com/office/powerpoint/2010/main" val="1857990841"/>
-      </p:ext>
-    </p:extLst>
-  </p:cSld>
-  <p:clrMapOvr>
-    <a:masterClrMapping/>
-  </p:clrMapOvr>
-  <p:timing>
-    <p:tnLst>
-      <p:par>
-        <p:cTn id="1" dur="indefinite" restart="never" nodeType="tmRoot">
-          <p:childTnLst>
-            <p:seq concurrent="1" nextAc="seek">
-              <p:cTn id="2" dur="indefinite" nodeType="mainSeq">
-                <p:childTnLst>
                   <p:par>
-                    <p:cTn id="3" fill="hold">
+                    <p:cTn id="27" fill="hold">
                       <p:stCondLst>
                         <p:cond delay="indefinite"/>
                       </p:stCondLst>
                       <p:childTnLst>
                         <p:par>
-                          <p:cTn id="4" fill="hold">
+                          <p:cTn id="28" fill="hold">
                             <p:stCondLst>
                               <p:cond delay="0"/>
                             </p:stCondLst>
                             <p:childTnLst>
                               <p:par>
-                                <p:cTn id="5" presetID="1" presetClass="entr" presetSubtype="0" fill="hold" grpId="0" nodeType="clickEffect">
+                                <p:cTn id="29" presetID="1" presetClass="entr" presetSubtype="0" fill="hold" grpId="0" nodeType="clickEffect">
                                   <p:stCondLst>
                                     <p:cond delay="0"/>
                                   </p:stCondLst>
                                   <p:childTnLst>
                                     <p:set>
                                       <p:cBhvr>
-                                        <p:cTn id="6" dur="1" fill="hold">
+                                        <p:cTn id="30" dur="1" fill="hold">
                                           <p:stCondLst>
                                             <p:cond delay="0"/>
                                           </p:stCondLst>
                                         </p:cTn>
                                         <p:tgtEl>
-                                          <p:spTgt spid="3">
+                                          <p:spTgt spid="9">
                                             <p:txEl>
                                               <p:pRg st="0" end="0"/>
                                             </p:txEl>
@@ -21150,32 +23599,32 @@
                     </p:cTn>
                   </p:par>
                   <p:par>
-                    <p:cTn id="7" fill="hold">
+                    <p:cTn id="31" fill="hold">
                       <p:stCondLst>
                         <p:cond delay="indefinite"/>
                       </p:stCondLst>
                       <p:childTnLst>
                         <p:par>
-                          <p:cTn id="8" fill="hold">
+                          <p:cTn id="32" fill="hold">
                             <p:stCondLst>
                               <p:cond delay="0"/>
                             </p:stCondLst>
                             <p:childTnLst>
                               <p:par>
-                                <p:cTn id="9" presetID="1" presetClass="entr" presetSubtype="0" fill="hold" grpId="0" nodeType="clickEffect">
+                                <p:cTn id="33" presetID="1" presetClass="entr" presetSubtype="0" fill="hold" grpId="0" nodeType="clickEffect">
                                   <p:stCondLst>
                                     <p:cond delay="0"/>
                                   </p:stCondLst>
                                   <p:childTnLst>
                                     <p:set>
                                       <p:cBhvr>
-                                        <p:cTn id="10" dur="1" fill="hold">
+                                        <p:cTn id="34" dur="1" fill="hold">
                                           <p:stCondLst>
                                             <p:cond delay="0"/>
                                           </p:stCondLst>
                                         </p:cTn>
                                         <p:tgtEl>
-                                          <p:spTgt spid="3">
+                                          <p:spTgt spid="9">
                                             <p:txEl>
                                               <p:pRg st="1" end="1"/>
                                             </p:txEl>
@@ -21199,1074 +23648,32 @@
                     </p:cTn>
                   </p:par>
                   <p:par>
-                    <p:cTn id="11" fill="hold">
+                    <p:cTn id="35" fill="hold">
                       <p:stCondLst>
                         <p:cond delay="indefinite"/>
                       </p:stCondLst>
                       <p:childTnLst>
                         <p:par>
-                          <p:cTn id="12" fill="hold">
+                          <p:cTn id="36" fill="hold">
                             <p:stCondLst>
                               <p:cond delay="0"/>
                             </p:stCondLst>
                             <p:childTnLst>
                               <p:par>
-                                <p:cTn id="13" presetID="1" presetClass="entr" presetSubtype="0" fill="hold" grpId="0" nodeType="clickEffect">
+                                <p:cTn id="37" presetID="1" presetClass="entr" presetSubtype="0" fill="hold" grpId="0" nodeType="clickEffect">
                                   <p:stCondLst>
                                     <p:cond delay="0"/>
                                   </p:stCondLst>
                                   <p:childTnLst>
                                     <p:set>
                                       <p:cBhvr>
-                                        <p:cTn id="14" dur="1" fill="hold">
+                                        <p:cTn id="38" dur="1" fill="hold">
                                           <p:stCondLst>
                                             <p:cond delay="0"/>
                                           </p:stCondLst>
                                         </p:cTn>
                                         <p:tgtEl>
-                                          <p:spTgt spid="3">
-                                            <p:txEl>
-                                              <p:pRg st="2" end="2"/>
-                                            </p:txEl>
-                                          </p:spTgt>
-                                        </p:tgtEl>
-                                        <p:attrNameLst>
-                                          <p:attrName>style.visibility</p:attrName>
-                                        </p:attrNameLst>
-                                      </p:cBhvr>
-                                      <p:to>
-                                        <p:strVal val="visible"/>
-                                      </p:to>
-                                    </p:set>
-                                  </p:childTnLst>
-                                </p:cTn>
-                              </p:par>
-                            </p:childTnLst>
-                          </p:cTn>
-                        </p:par>
-                      </p:childTnLst>
-                    </p:cTn>
-                  </p:par>
-                  <p:par>
-                    <p:cTn id="15" fill="hold">
-                      <p:stCondLst>
-                        <p:cond delay="indefinite"/>
-                      </p:stCondLst>
-                      <p:childTnLst>
-                        <p:par>
-                          <p:cTn id="16" fill="hold">
-                            <p:stCondLst>
-                              <p:cond delay="0"/>
-                            </p:stCondLst>
-                            <p:childTnLst>
-                              <p:par>
-                                <p:cTn id="17" presetID="1" presetClass="entr" presetSubtype="0" fill="hold" grpId="0" nodeType="clickEffect">
-                                  <p:stCondLst>
-                                    <p:cond delay="0"/>
-                                  </p:stCondLst>
-                                  <p:childTnLst>
-                                    <p:set>
-                                      <p:cBhvr>
-                                        <p:cTn id="18" dur="1" fill="hold">
-                                          <p:stCondLst>
-                                            <p:cond delay="0"/>
-                                          </p:stCondLst>
-                                        </p:cTn>
-                                        <p:tgtEl>
-                                          <p:spTgt spid="3">
-                                            <p:txEl>
-                                              <p:pRg st="3" end="3"/>
-                                            </p:txEl>
-                                          </p:spTgt>
-                                        </p:tgtEl>
-                                        <p:attrNameLst>
-                                          <p:attrName>style.visibility</p:attrName>
-                                        </p:attrNameLst>
-                                      </p:cBhvr>
-                                      <p:to>
-                                        <p:strVal val="visible"/>
-                                      </p:to>
-                                    </p:set>
-                                  </p:childTnLst>
-                                </p:cTn>
-                              </p:par>
-                            </p:childTnLst>
-                          </p:cTn>
-                        </p:par>
-                      </p:childTnLst>
-                    </p:cTn>
-                  </p:par>
-                  <p:par>
-                    <p:cTn id="19" fill="hold">
-                      <p:stCondLst>
-                        <p:cond delay="indefinite"/>
-                      </p:stCondLst>
-                      <p:childTnLst>
-                        <p:par>
-                          <p:cTn id="20" fill="hold">
-                            <p:stCondLst>
-                              <p:cond delay="0"/>
-                            </p:stCondLst>
-                            <p:childTnLst>
-                              <p:par>
-                                <p:cTn id="21" presetID="1" presetClass="entr" presetSubtype="0" fill="hold" grpId="0" nodeType="clickEffect">
-                                  <p:stCondLst>
-                                    <p:cond delay="0"/>
-                                  </p:stCondLst>
-                                  <p:childTnLst>
-                                    <p:set>
-                                      <p:cBhvr>
-                                        <p:cTn id="22" dur="1" fill="hold">
-                                          <p:stCondLst>
-                                            <p:cond delay="0"/>
-                                          </p:stCondLst>
-                                        </p:cTn>
-                                        <p:tgtEl>
-                                          <p:spTgt spid="3">
-                                            <p:txEl>
-                                              <p:pRg st="4" end="4"/>
-                                            </p:txEl>
-                                          </p:spTgt>
-                                        </p:tgtEl>
-                                        <p:attrNameLst>
-                                          <p:attrName>style.visibility</p:attrName>
-                                        </p:attrNameLst>
-                                      </p:cBhvr>
-                                      <p:to>
-                                        <p:strVal val="visible"/>
-                                      </p:to>
-                                    </p:set>
-                                  </p:childTnLst>
-                                </p:cTn>
-                              </p:par>
-                            </p:childTnLst>
-                          </p:cTn>
-                        </p:par>
-                      </p:childTnLst>
-                    </p:cTn>
-                  </p:par>
-                  <p:par>
-                    <p:cTn id="23" fill="hold">
-                      <p:stCondLst>
-                        <p:cond delay="indefinite"/>
-                      </p:stCondLst>
-                      <p:childTnLst>
-                        <p:par>
-                          <p:cTn id="24" fill="hold">
-                            <p:stCondLst>
-                              <p:cond delay="0"/>
-                            </p:stCondLst>
-                            <p:childTnLst>
-                              <p:par>
-                                <p:cTn id="25" presetID="1" presetClass="entr" presetSubtype="0" fill="hold" grpId="0" nodeType="clickEffect">
-                                  <p:stCondLst>
-                                    <p:cond delay="0"/>
-                                  </p:stCondLst>
-                                  <p:childTnLst>
-                                    <p:set>
-                                      <p:cBhvr>
-                                        <p:cTn id="26" dur="1" fill="hold">
-                                          <p:stCondLst>
-                                            <p:cond delay="0"/>
-                                          </p:stCondLst>
-                                        </p:cTn>
-                                        <p:tgtEl>
-                                          <p:spTgt spid="3">
-                                            <p:txEl>
-                                              <p:pRg st="5" end="5"/>
-                                            </p:txEl>
-                                          </p:spTgt>
-                                        </p:tgtEl>
-                                        <p:attrNameLst>
-                                          <p:attrName>style.visibility</p:attrName>
-                                        </p:attrNameLst>
-                                      </p:cBhvr>
-                                      <p:to>
-                                        <p:strVal val="visible"/>
-                                      </p:to>
-                                    </p:set>
-                                  </p:childTnLst>
-                                </p:cTn>
-                              </p:par>
-                            </p:childTnLst>
-                          </p:cTn>
-                        </p:par>
-                      </p:childTnLst>
-                    </p:cTn>
-                  </p:par>
-                </p:childTnLst>
-              </p:cTn>
-              <p:prevCondLst>
-                <p:cond evt="onPrev" delay="0">
-                  <p:tgtEl>
-                    <p:sldTgt/>
-                  </p:tgtEl>
-                </p:cond>
-              </p:prevCondLst>
-              <p:nextCondLst>
-                <p:cond evt="onNext" delay="0">
-                  <p:tgtEl>
-                    <p:sldTgt/>
-                  </p:tgtEl>
-                </p:cond>
-              </p:nextCondLst>
-            </p:seq>
-          </p:childTnLst>
-        </p:cTn>
-      </p:par>
-    </p:tnLst>
-    <p:bldLst>
-      <p:bldP spid="3" grpId="0" build="p"/>
-    </p:bldLst>
-  </p:timing>
-</p:sld>
-</file>
-
-<file path=ppt/slides/slide35.xml><?xml version="1.0" encoding="utf-8"?>
-<p:sld xmlns:a="http://schemas.openxmlformats.org/drawingml/2006/main" xmlns:r="http://schemas.openxmlformats.org/officeDocument/2006/relationships" xmlns:p="http://schemas.openxmlformats.org/presentationml/2006/main">
-  <p:cSld>
-    <p:spTree>
-      <p:nvGrpSpPr>
-        <p:cNvPr id="1" name=""/>
-        <p:cNvGrpSpPr/>
-        <p:nvPr/>
-      </p:nvGrpSpPr>
-      <p:grpSpPr>
-        <a:xfrm>
-          <a:off x="0" y="0"/>
-          <a:ext cx="0" cy="0"/>
-          <a:chOff x="0" y="0"/>
-          <a:chExt cx="0" cy="0"/>
-        </a:xfrm>
-      </p:grpSpPr>
-      <p:sp>
-        <p:nvSpPr>
-          <p:cNvPr id="2" name="Title 1">
-            <a:extLst>
-              <a:ext uri="{FF2B5EF4-FFF2-40B4-BE49-F238E27FC236}">
-                <a16:creationId xmlns:a16="http://schemas.microsoft.com/office/drawing/2014/main" id="{F010418C-916C-4FEF-9C7B-A1674CC36ECF}"/>
-              </a:ext>
-            </a:extLst>
-          </p:cNvPr>
-          <p:cNvSpPr>
-            <a:spLocks noGrp="1"/>
-          </p:cNvSpPr>
-          <p:nvPr>
-            <p:ph type="title"/>
-          </p:nvPr>
-        </p:nvSpPr>
-        <p:spPr/>
-        <p:txBody>
-          <a:bodyPr/>
-          <a:lstStyle/>
-          <a:p>
-            <a:r>
-              <a:rPr lang="en-US" dirty="0"/>
-              <a:t>Communication and sync blocks</a:t>
-            </a:r>
-          </a:p>
-        </p:txBody>
-      </p:sp>
-      <p:sp>
-        <p:nvSpPr>
-          <p:cNvPr id="3" name="Content Placeholder 2">
-            <a:extLst>
-              <a:ext uri="{FF2B5EF4-FFF2-40B4-BE49-F238E27FC236}">
-                <a16:creationId xmlns:a16="http://schemas.microsoft.com/office/drawing/2014/main" id="{5296EEA2-CB9E-4B5D-A70A-A7788239CBBE}"/>
-              </a:ext>
-            </a:extLst>
-          </p:cNvPr>
-          <p:cNvSpPr>
-            <a:spLocks noGrp="1"/>
-          </p:cNvSpPr>
-          <p:nvPr>
-            <p:ph idx="1"/>
-          </p:nvPr>
-        </p:nvSpPr>
-        <p:spPr>
-          <a:xfrm>
-            <a:off x="152400" y="1446211"/>
-            <a:ext cx="5181600" cy="5014912"/>
-          </a:xfrm>
-        </p:spPr>
-        <p:txBody>
-          <a:bodyPr>
-            <a:normAutofit fontScale="85000" lnSpcReduction="10000"/>
-          </a:bodyPr>
-          <a:lstStyle/>
-          <a:p>
-            <a:pPr marL="0" indent="0">
-              <a:buNone/>
-            </a:pPr>
-            <a:r>
-              <a:rPr lang="en-US" dirty="0"/>
-              <a:t>These blocks allow the other units to talk to each other without causing data corruption</a:t>
-            </a:r>
-          </a:p>
-          <a:p>
-            <a:r>
-              <a:rPr lang="en-US" dirty="0"/>
-              <a:t>Message queues: A mailbox block (task A drops a message into the queue, task B can pick it up when ready)</a:t>
-            </a:r>
-          </a:p>
-          <a:p>
-            <a:r>
-              <a:rPr lang="en-US" dirty="0"/>
-              <a:t>Semaphores / mutexes: Lock blocks, ensuring proper resource sharing and usage</a:t>
-            </a:r>
-          </a:p>
-          <a:p>
-            <a:r>
-              <a:rPr lang="en-US" dirty="0"/>
-              <a:t>Event flags: Simple signal blocks used to wake up sleeping tasks</a:t>
-            </a:r>
-          </a:p>
-        </p:txBody>
-      </p:sp>
-      <p:sp>
-        <p:nvSpPr>
-          <p:cNvPr id="4" name="Date Placeholder 3">
-            <a:extLst>
-              <a:ext uri="{FF2B5EF4-FFF2-40B4-BE49-F238E27FC236}">
-                <a16:creationId xmlns:a16="http://schemas.microsoft.com/office/drawing/2014/main" id="{24F5AD50-E81F-4ECA-9C07-EE22A5880EB4}"/>
-              </a:ext>
-            </a:extLst>
-          </p:cNvPr>
-          <p:cNvSpPr>
-            <a:spLocks noGrp="1"/>
-          </p:cNvSpPr>
-          <p:nvPr>
-            <p:ph type="dt" sz="half" idx="10"/>
-          </p:nvPr>
-        </p:nvSpPr>
-        <p:spPr/>
-        <p:txBody>
-          <a:bodyPr/>
-          <a:lstStyle/>
-          <a:p>
-            <a:pPr>
-              <a:defRPr/>
-            </a:pPr>
-            <a:r>
-              <a:rPr lang="en-US"/>
-              <a:t>21/12/2020</a:t>
-            </a:r>
-          </a:p>
-        </p:txBody>
-      </p:sp>
-      <p:sp>
-        <p:nvSpPr>
-          <p:cNvPr id="5" name="Slide Number Placeholder 4">
-            <a:extLst>
-              <a:ext uri="{FF2B5EF4-FFF2-40B4-BE49-F238E27FC236}">
-                <a16:creationId xmlns:a16="http://schemas.microsoft.com/office/drawing/2014/main" id="{567BAC86-DB68-4255-9DC7-F059FF4D926D}"/>
-              </a:ext>
-            </a:extLst>
-          </p:cNvPr>
-          <p:cNvSpPr>
-            <a:spLocks noGrp="1"/>
-          </p:cNvSpPr>
-          <p:nvPr>
-            <p:ph type="sldNum" sz="quarter" idx="12"/>
-          </p:nvPr>
-        </p:nvSpPr>
-        <p:spPr/>
-        <p:txBody>
-          <a:bodyPr/>
-          <a:lstStyle/>
-          <a:p>
-            <a:pPr>
-              <a:defRPr/>
-            </a:pPr>
-            <a:fld id="{CA887A73-1AE0-46F8-856A-18EA1CF30A1B}" type="slidenum">
-              <a:rPr lang="en-US" altLang="en-US" smtClean="0"/>
-              <a:pPr>
-                <a:defRPr/>
-              </a:pPr>
-              <a:t>35</a:t>
-            </a:fld>
-            <a:endParaRPr lang="en-US" altLang="en-US"/>
-          </a:p>
-        </p:txBody>
-      </p:sp>
-      <p:pic>
-        <p:nvPicPr>
-          <p:cNvPr id="7" name="Picture 6">
-            <a:extLst>
-              <a:ext uri="{FF2B5EF4-FFF2-40B4-BE49-F238E27FC236}">
-                <a16:creationId xmlns:a16="http://schemas.microsoft.com/office/drawing/2014/main" id="{4AEF2BBA-80F3-4116-9313-2597BA0D70A1}"/>
-              </a:ext>
-            </a:extLst>
-          </p:cNvPr>
-          <p:cNvPicPr>
-            <a:picLocks noChangeAspect="1"/>
-          </p:cNvPicPr>
-          <p:nvPr/>
-        </p:nvPicPr>
-        <p:blipFill>
-          <a:blip r:embed="rId2"/>
-          <a:stretch>
-            <a:fillRect/>
-          </a:stretch>
-        </p:blipFill>
-        <p:spPr>
-          <a:xfrm>
-            <a:off x="5447114" y="1446211"/>
-            <a:ext cx="3591969" cy="5014912"/>
-          </a:xfrm>
-          <a:prstGeom prst="rect">
-            <a:avLst/>
-          </a:prstGeom>
-        </p:spPr>
-      </p:pic>
-    </p:spTree>
-    <p:extLst>
-      <p:ext uri="{BB962C8B-B14F-4D97-AF65-F5344CB8AC3E}">
-        <p14:creationId xmlns:p14="http://schemas.microsoft.com/office/powerpoint/2010/main" val="1283885439"/>
-      </p:ext>
-    </p:extLst>
-  </p:cSld>
-  <p:clrMapOvr>
-    <a:masterClrMapping/>
-  </p:clrMapOvr>
-  <p:timing>
-    <p:tnLst>
-      <p:par>
-        <p:cTn id="1" dur="indefinite" restart="never" nodeType="tmRoot">
-          <p:childTnLst>
-            <p:seq concurrent="1" nextAc="seek">
-              <p:cTn id="2" dur="indefinite" nodeType="mainSeq">
-                <p:childTnLst>
-                  <p:par>
-                    <p:cTn id="3" fill="hold">
-                      <p:stCondLst>
-                        <p:cond delay="indefinite"/>
-                      </p:stCondLst>
-                      <p:childTnLst>
-                        <p:par>
-                          <p:cTn id="4" fill="hold">
-                            <p:stCondLst>
-                              <p:cond delay="0"/>
-                            </p:stCondLst>
-                            <p:childTnLst>
-                              <p:par>
-                                <p:cTn id="5" presetID="1" presetClass="entr" presetSubtype="0" fill="hold" grpId="0" nodeType="clickEffect">
-                                  <p:stCondLst>
-                                    <p:cond delay="0"/>
-                                  </p:stCondLst>
-                                  <p:childTnLst>
-                                    <p:set>
-                                      <p:cBhvr>
-                                        <p:cTn id="6" dur="1" fill="hold">
-                                          <p:stCondLst>
-                                            <p:cond delay="0"/>
-                                          </p:stCondLst>
-                                        </p:cTn>
-                                        <p:tgtEl>
-                                          <p:spTgt spid="3">
-                                            <p:txEl>
-                                              <p:pRg st="0" end="0"/>
-                                            </p:txEl>
-                                          </p:spTgt>
-                                        </p:tgtEl>
-                                        <p:attrNameLst>
-                                          <p:attrName>style.visibility</p:attrName>
-                                        </p:attrNameLst>
-                                      </p:cBhvr>
-                                      <p:to>
-                                        <p:strVal val="visible"/>
-                                      </p:to>
-                                    </p:set>
-                                  </p:childTnLst>
-                                </p:cTn>
-                              </p:par>
-                            </p:childTnLst>
-                          </p:cTn>
-                        </p:par>
-                      </p:childTnLst>
-                    </p:cTn>
-                  </p:par>
-                  <p:par>
-                    <p:cTn id="7" fill="hold">
-                      <p:stCondLst>
-                        <p:cond delay="indefinite"/>
-                      </p:stCondLst>
-                      <p:childTnLst>
-                        <p:par>
-                          <p:cTn id="8" fill="hold">
-                            <p:stCondLst>
-                              <p:cond delay="0"/>
-                            </p:stCondLst>
-                            <p:childTnLst>
-                              <p:par>
-                                <p:cTn id="9" presetID="1" presetClass="entr" presetSubtype="0" fill="hold" grpId="0" nodeType="clickEffect">
-                                  <p:stCondLst>
-                                    <p:cond delay="0"/>
-                                  </p:stCondLst>
-                                  <p:childTnLst>
-                                    <p:set>
-                                      <p:cBhvr>
-                                        <p:cTn id="10" dur="1" fill="hold">
-                                          <p:stCondLst>
-                                            <p:cond delay="0"/>
-                                          </p:stCondLst>
-                                        </p:cTn>
-                                        <p:tgtEl>
-                                          <p:spTgt spid="3">
-                                            <p:txEl>
-                                              <p:pRg st="1" end="1"/>
-                                            </p:txEl>
-                                          </p:spTgt>
-                                        </p:tgtEl>
-                                        <p:attrNameLst>
-                                          <p:attrName>style.visibility</p:attrName>
-                                        </p:attrNameLst>
-                                      </p:cBhvr>
-                                      <p:to>
-                                        <p:strVal val="visible"/>
-                                      </p:to>
-                                    </p:set>
-                                  </p:childTnLst>
-                                </p:cTn>
-                              </p:par>
-                            </p:childTnLst>
-                          </p:cTn>
-                        </p:par>
-                      </p:childTnLst>
-                    </p:cTn>
-                  </p:par>
-                  <p:par>
-                    <p:cTn id="11" fill="hold">
-                      <p:stCondLst>
-                        <p:cond delay="indefinite"/>
-                      </p:stCondLst>
-                      <p:childTnLst>
-                        <p:par>
-                          <p:cTn id="12" fill="hold">
-                            <p:stCondLst>
-                              <p:cond delay="0"/>
-                            </p:stCondLst>
-                            <p:childTnLst>
-                              <p:par>
-                                <p:cTn id="13" presetID="1" presetClass="entr" presetSubtype="0" fill="hold" grpId="0" nodeType="clickEffect">
-                                  <p:stCondLst>
-                                    <p:cond delay="0"/>
-                                  </p:stCondLst>
-                                  <p:childTnLst>
-                                    <p:set>
-                                      <p:cBhvr>
-                                        <p:cTn id="14" dur="1" fill="hold">
-                                          <p:stCondLst>
-                                            <p:cond delay="0"/>
-                                          </p:stCondLst>
-                                        </p:cTn>
-                                        <p:tgtEl>
-                                          <p:spTgt spid="3">
-                                            <p:txEl>
-                                              <p:pRg st="2" end="2"/>
-                                            </p:txEl>
-                                          </p:spTgt>
-                                        </p:tgtEl>
-                                        <p:attrNameLst>
-                                          <p:attrName>style.visibility</p:attrName>
-                                        </p:attrNameLst>
-                                      </p:cBhvr>
-                                      <p:to>
-                                        <p:strVal val="visible"/>
-                                      </p:to>
-                                    </p:set>
-                                  </p:childTnLst>
-                                </p:cTn>
-                              </p:par>
-                            </p:childTnLst>
-                          </p:cTn>
-                        </p:par>
-                      </p:childTnLst>
-                    </p:cTn>
-                  </p:par>
-                  <p:par>
-                    <p:cTn id="15" fill="hold">
-                      <p:stCondLst>
-                        <p:cond delay="indefinite"/>
-                      </p:stCondLst>
-                      <p:childTnLst>
-                        <p:par>
-                          <p:cTn id="16" fill="hold">
-                            <p:stCondLst>
-                              <p:cond delay="0"/>
-                            </p:stCondLst>
-                            <p:childTnLst>
-                              <p:par>
-                                <p:cTn id="17" presetID="1" presetClass="entr" presetSubtype="0" fill="hold" grpId="0" nodeType="clickEffect">
-                                  <p:stCondLst>
-                                    <p:cond delay="0"/>
-                                  </p:stCondLst>
-                                  <p:childTnLst>
-                                    <p:set>
-                                      <p:cBhvr>
-                                        <p:cTn id="18" dur="1" fill="hold">
-                                          <p:stCondLst>
-                                            <p:cond delay="0"/>
-                                          </p:stCondLst>
-                                        </p:cTn>
-                                        <p:tgtEl>
-                                          <p:spTgt spid="3">
-                                            <p:txEl>
-                                              <p:pRg st="3" end="3"/>
-                                            </p:txEl>
-                                          </p:spTgt>
-                                        </p:tgtEl>
-                                        <p:attrNameLst>
-                                          <p:attrName>style.visibility</p:attrName>
-                                        </p:attrNameLst>
-                                      </p:cBhvr>
-                                      <p:to>
-                                        <p:strVal val="visible"/>
-                                      </p:to>
-                                    </p:set>
-                                  </p:childTnLst>
-                                </p:cTn>
-                              </p:par>
-                            </p:childTnLst>
-                          </p:cTn>
-                        </p:par>
-                      </p:childTnLst>
-                    </p:cTn>
-                  </p:par>
-                </p:childTnLst>
-              </p:cTn>
-              <p:prevCondLst>
-                <p:cond evt="onPrev" delay="0">
-                  <p:tgtEl>
-                    <p:sldTgt/>
-                  </p:tgtEl>
-                </p:cond>
-              </p:prevCondLst>
-              <p:nextCondLst>
-                <p:cond evt="onNext" delay="0">
-                  <p:tgtEl>
-                    <p:sldTgt/>
-                  </p:tgtEl>
-                </p:cond>
-              </p:nextCondLst>
-            </p:seq>
-          </p:childTnLst>
-        </p:cTn>
-      </p:par>
-    </p:tnLst>
-    <p:bldLst>
-      <p:bldP spid="3" grpId="0" build="p"/>
-    </p:bldLst>
-  </p:timing>
-</p:sld>
-</file>
-
-<file path=ppt/slides/slide36.xml><?xml version="1.0" encoding="utf-8"?>
-<p:sld xmlns:a="http://schemas.openxmlformats.org/drawingml/2006/main" xmlns:r="http://schemas.openxmlformats.org/officeDocument/2006/relationships" xmlns:p="http://schemas.openxmlformats.org/presentationml/2006/main">
-  <p:cSld>
-    <p:spTree>
-      <p:nvGrpSpPr>
-        <p:cNvPr id="1" name=""/>
-        <p:cNvGrpSpPr/>
-        <p:nvPr/>
-      </p:nvGrpSpPr>
-      <p:grpSpPr>
-        <a:xfrm>
-          <a:off x="0" y="0"/>
-          <a:ext cx="0" cy="0"/>
-          <a:chOff x="0" y="0"/>
-          <a:chExt cx="0" cy="0"/>
-        </a:xfrm>
-      </p:grpSpPr>
-      <p:sp>
-        <p:nvSpPr>
-          <p:cNvPr id="2" name="Title 1">
-            <a:extLst>
-              <a:ext uri="{FF2B5EF4-FFF2-40B4-BE49-F238E27FC236}">
-                <a16:creationId xmlns:a16="http://schemas.microsoft.com/office/drawing/2014/main" id="{C36F8B69-FAE9-4111-BC67-1A7BEBBB4391}"/>
-              </a:ext>
-            </a:extLst>
-          </p:cNvPr>
-          <p:cNvSpPr>
-            <a:spLocks noGrp="1"/>
-          </p:cNvSpPr>
-          <p:nvPr>
-            <p:ph type="title"/>
-          </p:nvPr>
-        </p:nvSpPr>
-        <p:spPr/>
-        <p:txBody>
-          <a:bodyPr/>
-          <a:lstStyle/>
-          <a:p>
-            <a:r>
-              <a:rPr lang="en-US" dirty="0"/>
-              <a:t>Behavioral and interface blocks</a:t>
-            </a:r>
-          </a:p>
-        </p:txBody>
-      </p:sp>
-      <p:sp>
-        <p:nvSpPr>
-          <p:cNvPr id="3" name="Content Placeholder 2">
-            <a:extLst>
-              <a:ext uri="{FF2B5EF4-FFF2-40B4-BE49-F238E27FC236}">
-                <a16:creationId xmlns:a16="http://schemas.microsoft.com/office/drawing/2014/main" id="{93D5286D-0760-4A67-82AE-0538CA26C5E4}"/>
-              </a:ext>
-            </a:extLst>
-          </p:cNvPr>
-          <p:cNvSpPr>
-            <a:spLocks noGrp="1"/>
-          </p:cNvSpPr>
-          <p:nvPr>
-            <p:ph idx="1"/>
-          </p:nvPr>
-        </p:nvSpPr>
-        <p:spPr>
-          <a:xfrm>
-            <a:off x="152400" y="1446211"/>
-            <a:ext cx="6858000" cy="3717748"/>
-          </a:xfrm>
-        </p:spPr>
-        <p:txBody>
-          <a:bodyPr>
-            <a:normAutofit fontScale="92500" lnSpcReduction="10000"/>
-          </a:bodyPr>
-          <a:lstStyle/>
-          <a:p>
-            <a:r>
-              <a:rPr lang="en-US" dirty="0"/>
-              <a:t>State machines: The core logic block. Tracks the ‘state’ of the system and defines what events are allowed etc.</a:t>
-            </a:r>
-          </a:p>
-          <a:p>
-            <a:r>
-              <a:rPr lang="en-US" dirty="0"/>
-              <a:t>Fault handlers: The emergency block; code that runs when things go wrong</a:t>
-            </a:r>
-          </a:p>
-          <a:p>
-            <a:r>
-              <a:rPr lang="en-US" dirty="0"/>
-              <a:t>APIs: The "surface" of a block. It defines the header files and functions that other blocks are allowed to see and call.</a:t>
-            </a:r>
-          </a:p>
-        </p:txBody>
-      </p:sp>
-      <p:sp>
-        <p:nvSpPr>
-          <p:cNvPr id="4" name="Date Placeholder 3">
-            <a:extLst>
-              <a:ext uri="{FF2B5EF4-FFF2-40B4-BE49-F238E27FC236}">
-                <a16:creationId xmlns:a16="http://schemas.microsoft.com/office/drawing/2014/main" id="{AE74C666-B6CB-4266-B63A-4AEABC7760B5}"/>
-              </a:ext>
-            </a:extLst>
-          </p:cNvPr>
-          <p:cNvSpPr>
-            <a:spLocks noGrp="1"/>
-          </p:cNvSpPr>
-          <p:nvPr>
-            <p:ph type="dt" sz="half" idx="10"/>
-          </p:nvPr>
-        </p:nvSpPr>
-        <p:spPr/>
-        <p:txBody>
-          <a:bodyPr/>
-          <a:lstStyle/>
-          <a:p>
-            <a:pPr>
-              <a:defRPr/>
-            </a:pPr>
-            <a:r>
-              <a:rPr lang="en-US"/>
-              <a:t>21/12/2020</a:t>
-            </a:r>
-          </a:p>
-        </p:txBody>
-      </p:sp>
-      <p:sp>
-        <p:nvSpPr>
-          <p:cNvPr id="5" name="Slide Number Placeholder 4">
-            <a:extLst>
-              <a:ext uri="{FF2B5EF4-FFF2-40B4-BE49-F238E27FC236}">
-                <a16:creationId xmlns:a16="http://schemas.microsoft.com/office/drawing/2014/main" id="{B267F9FE-62D3-42E9-A03B-FADFFD606659}"/>
-              </a:ext>
-            </a:extLst>
-          </p:cNvPr>
-          <p:cNvSpPr>
-            <a:spLocks noGrp="1"/>
-          </p:cNvSpPr>
-          <p:nvPr>
-            <p:ph type="sldNum" sz="quarter" idx="12"/>
-          </p:nvPr>
-        </p:nvSpPr>
-        <p:spPr/>
-        <p:txBody>
-          <a:bodyPr/>
-          <a:lstStyle/>
-          <a:p>
-            <a:pPr>
-              <a:defRPr/>
-            </a:pPr>
-            <a:fld id="{CA887A73-1AE0-46F8-856A-18EA1CF30A1B}" type="slidenum">
-              <a:rPr lang="en-US" altLang="en-US" smtClean="0"/>
-              <a:pPr>
-                <a:defRPr/>
-              </a:pPr>
-              <a:t>36</a:t>
-            </a:fld>
-            <a:endParaRPr lang="en-US" altLang="en-US"/>
-          </a:p>
-        </p:txBody>
-      </p:sp>
-      <p:pic>
-        <p:nvPicPr>
-          <p:cNvPr id="7" name="Picture 6">
-            <a:extLst>
-              <a:ext uri="{FF2B5EF4-FFF2-40B4-BE49-F238E27FC236}">
-                <a16:creationId xmlns:a16="http://schemas.microsoft.com/office/drawing/2014/main" id="{2CEBE456-28FD-4440-9199-72039BF2D9B2}"/>
-              </a:ext>
-            </a:extLst>
-          </p:cNvPr>
-          <p:cNvPicPr>
-            <a:picLocks noChangeAspect="1"/>
-          </p:cNvPicPr>
-          <p:nvPr/>
-        </p:nvPicPr>
-        <p:blipFill>
-          <a:blip r:embed="rId2"/>
-          <a:stretch>
-            <a:fillRect/>
-          </a:stretch>
-        </p:blipFill>
-        <p:spPr>
-          <a:xfrm>
-            <a:off x="7091719" y="1249361"/>
-            <a:ext cx="2037041" cy="5181600"/>
-          </a:xfrm>
-          <a:prstGeom prst="rect">
-            <a:avLst/>
-          </a:prstGeom>
-        </p:spPr>
-      </p:pic>
-      <p:pic>
-        <p:nvPicPr>
-          <p:cNvPr id="9" name="Picture 8">
-            <a:extLst>
-              <a:ext uri="{FF2B5EF4-FFF2-40B4-BE49-F238E27FC236}">
-                <a16:creationId xmlns:a16="http://schemas.microsoft.com/office/drawing/2014/main" id="{226D3718-4CAA-486B-AB69-83CB84A66ED5}"/>
-              </a:ext>
-            </a:extLst>
-          </p:cNvPr>
-          <p:cNvPicPr>
-            <a:picLocks noChangeAspect="1"/>
-          </p:cNvPicPr>
-          <p:nvPr/>
-        </p:nvPicPr>
-        <p:blipFill>
-          <a:blip r:embed="rId3"/>
-          <a:stretch>
-            <a:fillRect/>
-          </a:stretch>
-        </p:blipFill>
-        <p:spPr>
-          <a:xfrm>
-            <a:off x="15240" y="5163959"/>
-            <a:ext cx="7516274" cy="1267002"/>
-          </a:xfrm>
-          <a:prstGeom prst="rect">
-            <a:avLst/>
-          </a:prstGeom>
-        </p:spPr>
-      </p:pic>
-    </p:spTree>
-    <p:extLst>
-      <p:ext uri="{BB962C8B-B14F-4D97-AF65-F5344CB8AC3E}">
-        <p14:creationId xmlns:p14="http://schemas.microsoft.com/office/powerpoint/2010/main" val="2794129408"/>
-      </p:ext>
-    </p:extLst>
-  </p:cSld>
-  <p:clrMapOvr>
-    <a:masterClrMapping/>
-  </p:clrMapOvr>
-  <p:timing>
-    <p:tnLst>
-      <p:par>
-        <p:cTn id="1" dur="indefinite" restart="never" nodeType="tmRoot">
-          <p:childTnLst>
-            <p:seq concurrent="1" nextAc="seek">
-              <p:cTn id="2" dur="indefinite" nodeType="mainSeq">
-                <p:childTnLst>
-                  <p:par>
-                    <p:cTn id="3" fill="hold">
-                      <p:stCondLst>
-                        <p:cond delay="indefinite"/>
-                      </p:stCondLst>
-                      <p:childTnLst>
-                        <p:par>
-                          <p:cTn id="4" fill="hold">
-                            <p:stCondLst>
-                              <p:cond delay="0"/>
-                            </p:stCondLst>
-                            <p:childTnLst>
-                              <p:par>
-                                <p:cTn id="5" presetID="1" presetClass="entr" presetSubtype="0" fill="hold" grpId="0" nodeType="clickEffect">
-                                  <p:stCondLst>
-                                    <p:cond delay="0"/>
-                                  </p:stCondLst>
-                                  <p:childTnLst>
-                                    <p:set>
-                                      <p:cBhvr>
-                                        <p:cTn id="6" dur="1" fill="hold">
-                                          <p:stCondLst>
-                                            <p:cond delay="0"/>
-                                          </p:stCondLst>
-                                        </p:cTn>
-                                        <p:tgtEl>
-                                          <p:spTgt spid="3">
-                                            <p:txEl>
-                                              <p:pRg st="0" end="0"/>
-                                            </p:txEl>
-                                          </p:spTgt>
-                                        </p:tgtEl>
-                                        <p:attrNameLst>
-                                          <p:attrName>style.visibility</p:attrName>
-                                        </p:attrNameLst>
-                                      </p:cBhvr>
-                                      <p:to>
-                                        <p:strVal val="visible"/>
-                                      </p:to>
-                                    </p:set>
-                                  </p:childTnLst>
-                                </p:cTn>
-                              </p:par>
-                            </p:childTnLst>
-                          </p:cTn>
-                        </p:par>
-                      </p:childTnLst>
-                    </p:cTn>
-                  </p:par>
-                  <p:par>
-                    <p:cTn id="7" fill="hold">
-                      <p:stCondLst>
-                        <p:cond delay="indefinite"/>
-                      </p:stCondLst>
-                      <p:childTnLst>
-                        <p:par>
-                          <p:cTn id="8" fill="hold">
-                            <p:stCondLst>
-                              <p:cond delay="0"/>
-                            </p:stCondLst>
-                            <p:childTnLst>
-                              <p:par>
-                                <p:cTn id="9" presetID="1" presetClass="entr" presetSubtype="0" fill="hold" grpId="0" nodeType="clickEffect">
-                                  <p:stCondLst>
-                                    <p:cond delay="0"/>
-                                  </p:stCondLst>
-                                  <p:childTnLst>
-                                    <p:set>
-                                      <p:cBhvr>
-                                        <p:cTn id="10" dur="1" fill="hold">
-                                          <p:stCondLst>
-                                            <p:cond delay="0"/>
-                                          </p:stCondLst>
-                                        </p:cTn>
-                                        <p:tgtEl>
-                                          <p:spTgt spid="3">
-                                            <p:txEl>
-                                              <p:pRg st="1" end="1"/>
-                                            </p:txEl>
-                                          </p:spTgt>
-                                        </p:tgtEl>
-                                        <p:attrNameLst>
-                                          <p:attrName>style.visibility</p:attrName>
-                                        </p:attrNameLst>
-                                      </p:cBhvr>
-                                      <p:to>
-                                        <p:strVal val="visible"/>
-                                      </p:to>
-                                    </p:set>
-                                  </p:childTnLst>
-                                </p:cTn>
-                              </p:par>
-                            </p:childTnLst>
-                          </p:cTn>
-                        </p:par>
-                      </p:childTnLst>
-                    </p:cTn>
-                  </p:par>
-                  <p:par>
-                    <p:cTn id="11" fill="hold">
-                      <p:stCondLst>
-                        <p:cond delay="indefinite"/>
-                      </p:stCondLst>
-                      <p:childTnLst>
-                        <p:par>
-                          <p:cTn id="12" fill="hold">
-                            <p:stCondLst>
-                              <p:cond delay="0"/>
-                            </p:stCondLst>
-                            <p:childTnLst>
-                              <p:par>
-                                <p:cTn id="13" presetID="1" presetClass="entr" presetSubtype="0" fill="hold" nodeType="clickEffect">
-                                  <p:stCondLst>
-                                    <p:cond delay="0"/>
-                                  </p:stCondLst>
-                                  <p:childTnLst>
-                                    <p:set>
-                                      <p:cBhvr>
-                                        <p:cTn id="14" dur="1" fill="hold">
-                                          <p:stCondLst>
-                                            <p:cond delay="0"/>
-                                          </p:stCondLst>
-                                        </p:cTn>
-                                        <p:tgtEl>
-                                          <p:spTgt spid="9"/>
-                                        </p:tgtEl>
-                                        <p:attrNameLst>
-                                          <p:attrName>style.visibility</p:attrName>
-                                        </p:attrNameLst>
-                                      </p:cBhvr>
-                                      <p:to>
-                                        <p:strVal val="visible"/>
-                                      </p:to>
-                                    </p:set>
-                                  </p:childTnLst>
-                                </p:cTn>
-                              </p:par>
-                            </p:childTnLst>
-                          </p:cTn>
-                        </p:par>
-                      </p:childTnLst>
-                    </p:cTn>
-                  </p:par>
-                  <p:par>
-                    <p:cTn id="15" fill="hold">
-                      <p:stCondLst>
-                        <p:cond delay="indefinite"/>
-                      </p:stCondLst>
-                      <p:childTnLst>
-                        <p:par>
-                          <p:cTn id="16" fill="hold">
-                            <p:stCondLst>
-                              <p:cond delay="0"/>
-                            </p:stCondLst>
-                            <p:childTnLst>
-                              <p:par>
-                                <p:cTn id="17" presetID="1" presetClass="entr" presetSubtype="0" fill="hold" grpId="0" nodeType="clickEffect">
-                                  <p:stCondLst>
-                                    <p:cond delay="0"/>
-                                  </p:stCondLst>
-                                  <p:childTnLst>
-                                    <p:set>
-                                      <p:cBhvr>
-                                        <p:cTn id="18" dur="1" fill="hold">
-                                          <p:stCondLst>
-                                            <p:cond delay="0"/>
-                                          </p:stCondLst>
-                                        </p:cTn>
-                                        <p:tgtEl>
-                                          <p:spTgt spid="3">
+                                          <p:spTgt spid="9">
                                             <p:txEl>
                                               <p:pRg st="2" end="2"/>
                                             </p:txEl>
@@ -22311,13 +23718,14 @@
       </p:par>
     </p:tnLst>
     <p:bldLst>
-      <p:bldP spid="3" grpId="0" uiExpand="1" build="p"/>
+      <p:bldP spid="5" grpId="0" uiExpand="1" build="p"/>
+      <p:bldP spid="9" grpId="0" uiExpand="1" build="p"/>
     </p:bldLst>
   </p:timing>
 </p:sld>
 </file>
 
-<file path=ppt/slides/slide37.xml><?xml version="1.0" encoding="utf-8"?>
+<file path=ppt/slides/slide36.xml><?xml version="1.0" encoding="utf-8"?>
 <p:sld xmlns:a="http://schemas.openxmlformats.org/drawingml/2006/main" xmlns:r="http://schemas.openxmlformats.org/officeDocument/2006/relationships" xmlns:p="http://schemas.openxmlformats.org/presentationml/2006/main">
   <p:cSld>
     <p:spTree>
@@ -22339,7 +23747,7 @@
           <p:cNvPr id="2" name="Title 1">
             <a:extLst>
               <a:ext uri="{FF2B5EF4-FFF2-40B4-BE49-F238E27FC236}">
-                <a16:creationId xmlns:a16="http://schemas.microsoft.com/office/drawing/2014/main" id="{423F1399-D996-4092-A98C-004D769D70FF}"/>
+                <a16:creationId xmlns:a16="http://schemas.microsoft.com/office/drawing/2014/main" id="{E46EDBBD-7815-4F90-8740-2769965C998F}"/>
               </a:ext>
             </a:extLst>
           </p:cNvPr>
@@ -22350,27 +23758,15 @@
             <p:ph type="title"/>
           </p:nvPr>
         </p:nvSpPr>
-        <p:spPr>
-          <a:xfrm>
-            <a:off x="152400" y="53975"/>
-            <a:ext cx="6477000" cy="1195386"/>
-          </a:xfrm>
-        </p:spPr>
+        <p:spPr/>
         <p:txBody>
           <a:bodyPr/>
           <a:lstStyle/>
           <a:p>
             <a:r>
               <a:rPr lang="en-US" dirty="0"/>
-              <a:t>Encapsulation block: states </a:t>
-            </a:r>
-            <a:r>
-              <a:rPr lang="en-US" dirty="0">
-                <a:sym typeface="Wingdings" panose="05000000000000000000" pitchFamily="2" charset="2"/>
-              </a:rPr>
-              <a:t> modules</a:t>
-            </a:r>
-            <a:endParaRPr lang="en-US" dirty="0"/>
+              <a:t>Organization of the application layer</a:t>
+            </a:r>
           </a:p>
         </p:txBody>
       </p:sp>
@@ -22379,7 +23775,7 @@
           <p:cNvPr id="3" name="Content Placeholder 2">
             <a:extLst>
               <a:ext uri="{FF2B5EF4-FFF2-40B4-BE49-F238E27FC236}">
-                <a16:creationId xmlns:a16="http://schemas.microsoft.com/office/drawing/2014/main" id="{8ABB56B1-7215-48E3-8CED-DE8CC54909D1}"/>
+                <a16:creationId xmlns:a16="http://schemas.microsoft.com/office/drawing/2014/main" id="{B980FDBF-39F5-41B9-94E9-87F94477E8E0}"/>
               </a:ext>
             </a:extLst>
           </p:cNvPr>
@@ -22390,12 +23786,7 @@
             <p:ph idx="1"/>
           </p:nvPr>
         </p:nvSpPr>
-        <p:spPr>
-          <a:xfrm>
-            <a:off x="152400" y="2691605"/>
-            <a:ext cx="8839200" cy="3769518"/>
-          </a:xfrm>
-        </p:spPr>
+        <p:spPr/>
         <p:txBody>
           <a:bodyPr/>
           <a:lstStyle/>
@@ -22405,51 +23796,32 @@
             </a:pPr>
             <a:r>
               <a:rPr lang="en-US" dirty="0"/>
-              <a:t>Each concurrent region in a </a:t>
-            </a:r>
-            <a:r>
-              <a:rPr lang="en-US" dirty="0" err="1"/>
-              <a:t>statechart</a:t>
-            </a:r>
+              <a:t>Application layer is the main (gooey) logic of your system; but within the app layer:</a:t>
+            </a:r>
+          </a:p>
+          <a:p>
             <a:r>
               <a:rPr lang="en-US" dirty="0"/>
-              <a:t> must map to a separate architectural concern.</a:t>
+              <a:t>Is there a single controller that decides what to do next?</a:t>
             </a:r>
           </a:p>
           <a:p>
             <a:r>
               <a:rPr lang="en-US" dirty="0"/>
-              <a:t>Each state owns its own data</a:t>
+              <a:t>Are there multiple controllers?</a:t>
             </a:r>
           </a:p>
           <a:p>
             <a:r>
               <a:rPr lang="en-US" dirty="0"/>
-              <a:t>Flow control </a:t>
-            </a:r>
-            <a:r>
-              <a:rPr lang="en-US" dirty="0">
-                <a:sym typeface="Wingdings" panose="05000000000000000000" pitchFamily="2" charset="2"/>
-              </a:rPr>
-              <a:t> control module</a:t>
-            </a:r>
-          </a:p>
-          <a:p>
-            <a:r>
-              <a:rPr lang="en-US" dirty="0">
-                <a:sym typeface="Wingdings" panose="05000000000000000000" pitchFamily="2" charset="2"/>
-              </a:rPr>
-              <a:t>Safety monitoring  safety module</a:t>
-            </a:r>
-          </a:p>
-          <a:p>
-            <a:r>
-              <a:rPr lang="en-US" dirty="0">
-                <a:sym typeface="Wingdings" panose="05000000000000000000" pitchFamily="2" charset="2"/>
-              </a:rPr>
-              <a:t>Logging  logging module</a:t>
-            </a:r>
-            <a:endParaRPr lang="en-US" dirty="0"/>
+              <a:t>Who receives events from the lower layers?</a:t>
+            </a:r>
+          </a:p>
+          <a:p>
+            <a:r>
+              <a:rPr lang="en-US" dirty="0"/>
+              <a:t>Who decides the mode or ‘state’?</a:t>
+            </a:r>
           </a:p>
         </p:txBody>
       </p:sp>
@@ -22458,7 +23830,7 @@
           <p:cNvPr id="4" name="Date Placeholder 3">
             <a:extLst>
               <a:ext uri="{FF2B5EF4-FFF2-40B4-BE49-F238E27FC236}">
-                <a16:creationId xmlns:a16="http://schemas.microsoft.com/office/drawing/2014/main" id="{BF572DC1-3E3F-486B-B438-61B8CF152089}"/>
+                <a16:creationId xmlns:a16="http://schemas.microsoft.com/office/drawing/2014/main" id="{7EFDA3D6-CF4F-44B5-A015-FA8A179CF292}"/>
               </a:ext>
             </a:extLst>
           </p:cNvPr>
@@ -22489,7 +23861,7 @@
           <p:cNvPr id="5" name="Slide Number Placeholder 4">
             <a:extLst>
               <a:ext uri="{FF2B5EF4-FFF2-40B4-BE49-F238E27FC236}">
-                <a16:creationId xmlns:a16="http://schemas.microsoft.com/office/drawing/2014/main" id="{7A5285FD-324E-48CC-AE13-96D0A7B5C433}"/>
+                <a16:creationId xmlns:a16="http://schemas.microsoft.com/office/drawing/2014/main" id="{0950C85B-39D3-4CAC-AFCE-04BB6E168AA9}"/>
               </a:ext>
             </a:extLst>
           </p:cNvPr>
@@ -22513,46 +23885,16 @@
               <a:pPr>
                 <a:defRPr/>
               </a:pPr>
-              <a:t>37</a:t>
+              <a:t>36</a:t>
             </a:fld>
             <a:endParaRPr lang="en-US" altLang="en-US"/>
           </a:p>
         </p:txBody>
       </p:sp>
-      <p:pic>
-        <p:nvPicPr>
-          <p:cNvPr id="7" name="Picture 6">
-            <a:extLst>
-              <a:ext uri="{FF2B5EF4-FFF2-40B4-BE49-F238E27FC236}">
-                <a16:creationId xmlns:a16="http://schemas.microsoft.com/office/drawing/2014/main" id="{9F167BB5-C809-46A9-A174-A6F899D8B92B}"/>
-              </a:ext>
-            </a:extLst>
-          </p:cNvPr>
-          <p:cNvPicPr>
-            <a:picLocks noChangeAspect="1"/>
-          </p:cNvPicPr>
-          <p:nvPr/>
-        </p:nvPicPr>
-        <p:blipFill>
-          <a:blip r:embed="rId2"/>
-          <a:stretch>
-            <a:fillRect/>
-          </a:stretch>
-        </p:blipFill>
-        <p:spPr>
-          <a:xfrm>
-            <a:off x="990600" y="1417956"/>
-            <a:ext cx="7421011" cy="1105054"/>
-          </a:xfrm>
-          <a:prstGeom prst="rect">
-            <a:avLst/>
-          </a:prstGeom>
-        </p:spPr>
-      </p:pic>
     </p:spTree>
     <p:extLst>
       <p:ext uri="{BB962C8B-B14F-4D97-AF65-F5344CB8AC3E}">
-        <p14:creationId xmlns:p14="http://schemas.microsoft.com/office/powerpoint/2010/main" val="936563434"/>
+        <p14:creationId xmlns:p14="http://schemas.microsoft.com/office/powerpoint/2010/main" val="3111433786"/>
       </p:ext>
     </p:extLst>
   </p:cSld>
@@ -22840,6 +24182,506 @@
 </p:sld>
 </file>
 
+<file path=ppt/slides/slide37.xml><?xml version="1.0" encoding="utf-8"?>
+<p:sld xmlns:a="http://schemas.openxmlformats.org/drawingml/2006/main" xmlns:r="http://schemas.openxmlformats.org/officeDocument/2006/relationships" xmlns:p="http://schemas.openxmlformats.org/presentationml/2006/main">
+  <p:cSld>
+    <p:spTree>
+      <p:nvGrpSpPr>
+        <p:cNvPr id="1" name=""/>
+        <p:cNvGrpSpPr/>
+        <p:nvPr/>
+      </p:nvGrpSpPr>
+      <p:grpSpPr>
+        <a:xfrm>
+          <a:off x="0" y="0"/>
+          <a:ext cx="0" cy="0"/>
+          <a:chOff x="0" y="0"/>
+          <a:chExt cx="0" cy="0"/>
+        </a:xfrm>
+      </p:grpSpPr>
+      <p:sp>
+        <p:nvSpPr>
+          <p:cNvPr id="2" name="Title 1">
+            <a:extLst>
+              <a:ext uri="{FF2B5EF4-FFF2-40B4-BE49-F238E27FC236}">
+                <a16:creationId xmlns:a16="http://schemas.microsoft.com/office/drawing/2014/main" id="{E641468F-25C2-4CAC-9987-DE189BF8B448}"/>
+              </a:ext>
+            </a:extLst>
+          </p:cNvPr>
+          <p:cNvSpPr>
+            <a:spLocks noGrp="1"/>
+          </p:cNvSpPr>
+          <p:nvPr>
+            <p:ph type="title"/>
+          </p:nvPr>
+        </p:nvSpPr>
+        <p:spPr/>
+        <p:txBody>
+          <a:bodyPr/>
+          <a:lstStyle/>
+          <a:p>
+            <a:r>
+              <a:rPr lang="en-US" dirty="0"/>
+              <a:t>Pattern I: Monolithic controller</a:t>
+            </a:r>
+          </a:p>
+        </p:txBody>
+      </p:sp>
+      <p:sp>
+        <p:nvSpPr>
+          <p:cNvPr id="3" name="Content Placeholder 2">
+            <a:extLst>
+              <a:ext uri="{FF2B5EF4-FFF2-40B4-BE49-F238E27FC236}">
+                <a16:creationId xmlns:a16="http://schemas.microsoft.com/office/drawing/2014/main" id="{3D15141B-042C-4406-B6ED-8E5B5D77A051}"/>
+              </a:ext>
+            </a:extLst>
+          </p:cNvPr>
+          <p:cNvSpPr>
+            <a:spLocks noGrp="1"/>
+          </p:cNvSpPr>
+          <p:nvPr>
+            <p:ph idx="1"/>
+          </p:nvPr>
+        </p:nvSpPr>
+        <p:spPr/>
+        <p:txBody>
+          <a:bodyPr/>
+          <a:lstStyle/>
+          <a:p>
+            <a:pPr marL="0" indent="0">
+              <a:buNone/>
+            </a:pPr>
+            <a:r>
+              <a:rPr lang="en-US" dirty="0"/>
+              <a:t>One central state machine that handles all state transitions and events</a:t>
+            </a:r>
+          </a:p>
+        </p:txBody>
+      </p:sp>
+      <p:sp>
+        <p:nvSpPr>
+          <p:cNvPr id="4" name="Date Placeholder 3">
+            <a:extLst>
+              <a:ext uri="{FF2B5EF4-FFF2-40B4-BE49-F238E27FC236}">
+                <a16:creationId xmlns:a16="http://schemas.microsoft.com/office/drawing/2014/main" id="{C705ED3C-AF8F-4D05-A6DE-44E40EA1BD2D}"/>
+              </a:ext>
+            </a:extLst>
+          </p:cNvPr>
+          <p:cNvSpPr>
+            <a:spLocks noGrp="1"/>
+          </p:cNvSpPr>
+          <p:nvPr>
+            <p:ph type="dt" sz="half" idx="10"/>
+          </p:nvPr>
+        </p:nvSpPr>
+        <p:spPr/>
+        <p:txBody>
+          <a:bodyPr/>
+          <a:lstStyle/>
+          <a:p>
+            <a:pPr>
+              <a:defRPr/>
+            </a:pPr>
+            <a:r>
+              <a:rPr lang="en-US"/>
+              <a:t>21/12/2020</a:t>
+            </a:r>
+          </a:p>
+        </p:txBody>
+      </p:sp>
+      <p:sp>
+        <p:nvSpPr>
+          <p:cNvPr id="5" name="Slide Number Placeholder 4">
+            <a:extLst>
+              <a:ext uri="{FF2B5EF4-FFF2-40B4-BE49-F238E27FC236}">
+                <a16:creationId xmlns:a16="http://schemas.microsoft.com/office/drawing/2014/main" id="{AD132ACE-58A5-4406-862B-7A0A696B7D3A}"/>
+              </a:ext>
+            </a:extLst>
+          </p:cNvPr>
+          <p:cNvSpPr>
+            <a:spLocks noGrp="1"/>
+          </p:cNvSpPr>
+          <p:nvPr>
+            <p:ph type="sldNum" sz="quarter" idx="12"/>
+          </p:nvPr>
+        </p:nvSpPr>
+        <p:spPr/>
+        <p:txBody>
+          <a:bodyPr/>
+          <a:lstStyle/>
+          <a:p>
+            <a:pPr>
+              <a:defRPr/>
+            </a:pPr>
+            <a:fld id="{CA887A73-1AE0-46F8-856A-18EA1CF30A1B}" type="slidenum">
+              <a:rPr lang="en-US" altLang="en-US" smtClean="0"/>
+              <a:pPr>
+                <a:defRPr/>
+              </a:pPr>
+              <a:t>37</a:t>
+            </a:fld>
+            <a:endParaRPr lang="en-US" altLang="en-US"/>
+          </a:p>
+        </p:txBody>
+      </p:sp>
+      <p:pic>
+        <p:nvPicPr>
+          <p:cNvPr id="7" name="Picture 6">
+            <a:extLst>
+              <a:ext uri="{FF2B5EF4-FFF2-40B4-BE49-F238E27FC236}">
+                <a16:creationId xmlns:a16="http://schemas.microsoft.com/office/drawing/2014/main" id="{3BD03711-127B-4157-AF46-371842D842C8}"/>
+              </a:ext>
+            </a:extLst>
+          </p:cNvPr>
+          <p:cNvPicPr>
+            <a:picLocks noChangeAspect="1"/>
+          </p:cNvPicPr>
+          <p:nvPr/>
+        </p:nvPicPr>
+        <p:blipFill>
+          <a:blip r:embed="rId2"/>
+          <a:stretch>
+            <a:fillRect/>
+          </a:stretch>
+        </p:blipFill>
+        <p:spPr>
+          <a:xfrm>
+            <a:off x="609600" y="2590800"/>
+            <a:ext cx="1752600" cy="3527960"/>
+          </a:xfrm>
+          <a:prstGeom prst="rect">
+            <a:avLst/>
+          </a:prstGeom>
+        </p:spPr>
+      </p:pic>
+      <p:pic>
+        <p:nvPicPr>
+          <p:cNvPr id="9" name="Picture 8">
+            <a:extLst>
+              <a:ext uri="{FF2B5EF4-FFF2-40B4-BE49-F238E27FC236}">
+                <a16:creationId xmlns:a16="http://schemas.microsoft.com/office/drawing/2014/main" id="{CABEC9AE-0B61-49C7-8A77-1F44051097AC}"/>
+              </a:ext>
+            </a:extLst>
+          </p:cNvPr>
+          <p:cNvPicPr>
+            <a:picLocks noChangeAspect="1"/>
+          </p:cNvPicPr>
+          <p:nvPr/>
+        </p:nvPicPr>
+        <p:blipFill>
+          <a:blip r:embed="rId3"/>
+          <a:stretch>
+            <a:fillRect/>
+          </a:stretch>
+        </p:blipFill>
+        <p:spPr>
+          <a:xfrm>
+            <a:off x="2514600" y="2438400"/>
+            <a:ext cx="4038600" cy="286020"/>
+          </a:xfrm>
+          <a:prstGeom prst="rect">
+            <a:avLst/>
+          </a:prstGeom>
+        </p:spPr>
+      </p:pic>
+      <p:pic>
+        <p:nvPicPr>
+          <p:cNvPr id="11" name="Picture 10">
+            <a:extLst>
+              <a:ext uri="{FF2B5EF4-FFF2-40B4-BE49-F238E27FC236}">
+                <a16:creationId xmlns:a16="http://schemas.microsoft.com/office/drawing/2014/main" id="{8D51DD68-A85B-4172-883C-D391CE573EFD}"/>
+              </a:ext>
+            </a:extLst>
+          </p:cNvPr>
+          <p:cNvPicPr>
+            <a:picLocks noChangeAspect="1"/>
+          </p:cNvPicPr>
+          <p:nvPr/>
+        </p:nvPicPr>
+        <p:blipFill>
+          <a:blip r:embed="rId4"/>
+          <a:stretch>
+            <a:fillRect/>
+          </a:stretch>
+        </p:blipFill>
+        <p:spPr>
+          <a:xfrm>
+            <a:off x="2514600" y="2818475"/>
+            <a:ext cx="4038600" cy="3583053"/>
+          </a:xfrm>
+          <a:prstGeom prst="rect">
+            <a:avLst/>
+          </a:prstGeom>
+        </p:spPr>
+      </p:pic>
+      <p:pic>
+        <p:nvPicPr>
+          <p:cNvPr id="13" name="Picture 12">
+            <a:extLst>
+              <a:ext uri="{FF2B5EF4-FFF2-40B4-BE49-F238E27FC236}">
+                <a16:creationId xmlns:a16="http://schemas.microsoft.com/office/drawing/2014/main" id="{18B26B9D-B287-4400-AA50-DD2785828405}"/>
+              </a:ext>
+            </a:extLst>
+          </p:cNvPr>
+          <p:cNvPicPr>
+            <a:picLocks noChangeAspect="1"/>
+          </p:cNvPicPr>
+          <p:nvPr/>
+        </p:nvPicPr>
+        <p:blipFill>
+          <a:blip r:embed="rId5">
+            <a:extLst>
+              <a:ext uri="{28A0092B-C50C-407E-A947-70E740481C1C}">
+                <a14:useLocalDpi xmlns:a14="http://schemas.microsoft.com/office/drawing/2010/main" val="0"/>
+              </a:ext>
+            </a:extLst>
+          </a:blip>
+          <a:srcRect/>
+          <a:stretch/>
+        </p:blipFill>
+        <p:spPr>
+          <a:xfrm>
+            <a:off x="6223923" y="3429000"/>
+            <a:ext cx="2798157" cy="1530111"/>
+          </a:xfrm>
+          <a:prstGeom prst="rect">
+            <a:avLst/>
+          </a:prstGeom>
+          <a:ln>
+            <a:noFill/>
+          </a:ln>
+          <a:effectLst>
+            <a:outerShdw blurRad="292100" dist="139700" dir="2700000" algn="tl" rotWithShape="0">
+              <a:srgbClr val="333333">
+                <a:alpha val="65000"/>
+              </a:srgbClr>
+            </a:outerShdw>
+          </a:effectLst>
+        </p:spPr>
+      </p:pic>
+    </p:spTree>
+    <p:extLst>
+      <p:ext uri="{BB962C8B-B14F-4D97-AF65-F5344CB8AC3E}">
+        <p14:creationId xmlns:p14="http://schemas.microsoft.com/office/powerpoint/2010/main" val="2215226561"/>
+      </p:ext>
+    </p:extLst>
+  </p:cSld>
+  <p:clrMapOvr>
+    <a:masterClrMapping/>
+  </p:clrMapOvr>
+  <p:timing>
+    <p:tnLst>
+      <p:par>
+        <p:cTn id="1" dur="indefinite" restart="never" nodeType="tmRoot">
+          <p:childTnLst>
+            <p:seq concurrent="1" nextAc="seek">
+              <p:cTn id="2" dur="indefinite" nodeType="mainSeq">
+                <p:childTnLst>
+                  <p:par>
+                    <p:cTn id="3" fill="hold">
+                      <p:stCondLst>
+                        <p:cond delay="indefinite"/>
+                      </p:stCondLst>
+                      <p:childTnLst>
+                        <p:par>
+                          <p:cTn id="4" fill="hold">
+                            <p:stCondLst>
+                              <p:cond delay="0"/>
+                            </p:stCondLst>
+                            <p:childTnLst>
+                              <p:par>
+                                <p:cTn id="5" presetID="1" presetClass="entr" presetSubtype="0" fill="hold" nodeType="clickEffect">
+                                  <p:stCondLst>
+                                    <p:cond delay="0"/>
+                                  </p:stCondLst>
+                                  <p:childTnLst>
+                                    <p:set>
+                                      <p:cBhvr>
+                                        <p:cTn id="6" dur="1" fill="hold">
+                                          <p:stCondLst>
+                                            <p:cond delay="0"/>
+                                          </p:stCondLst>
+                                        </p:cTn>
+                                        <p:tgtEl>
+                                          <p:spTgt spid="7"/>
+                                        </p:tgtEl>
+                                        <p:attrNameLst>
+                                          <p:attrName>style.visibility</p:attrName>
+                                        </p:attrNameLst>
+                                      </p:cBhvr>
+                                      <p:to>
+                                        <p:strVal val="visible"/>
+                                      </p:to>
+                                    </p:set>
+                                  </p:childTnLst>
+                                </p:cTn>
+                              </p:par>
+                            </p:childTnLst>
+                          </p:cTn>
+                        </p:par>
+                      </p:childTnLst>
+                    </p:cTn>
+                  </p:par>
+                  <p:par>
+                    <p:cTn id="7" fill="hold">
+                      <p:stCondLst>
+                        <p:cond delay="indefinite"/>
+                      </p:stCondLst>
+                      <p:childTnLst>
+                        <p:par>
+                          <p:cTn id="8" fill="hold">
+                            <p:stCondLst>
+                              <p:cond delay="0"/>
+                            </p:stCondLst>
+                            <p:childTnLst>
+                              <p:par>
+                                <p:cTn id="9" presetID="1" presetClass="entr" presetSubtype="0" fill="hold" nodeType="clickEffect">
+                                  <p:stCondLst>
+                                    <p:cond delay="0"/>
+                                  </p:stCondLst>
+                                  <p:childTnLst>
+                                    <p:set>
+                                      <p:cBhvr>
+                                        <p:cTn id="10" dur="1" fill="hold">
+                                          <p:stCondLst>
+                                            <p:cond delay="0"/>
+                                          </p:stCondLst>
+                                        </p:cTn>
+                                        <p:tgtEl>
+                                          <p:spTgt spid="9"/>
+                                        </p:tgtEl>
+                                        <p:attrNameLst>
+                                          <p:attrName>style.visibility</p:attrName>
+                                        </p:attrNameLst>
+                                      </p:cBhvr>
+                                      <p:to>
+                                        <p:strVal val="visible"/>
+                                      </p:to>
+                                    </p:set>
+                                  </p:childTnLst>
+                                </p:cTn>
+                              </p:par>
+                            </p:childTnLst>
+                          </p:cTn>
+                        </p:par>
+                      </p:childTnLst>
+                    </p:cTn>
+                  </p:par>
+                  <p:par>
+                    <p:cTn id="11" fill="hold">
+                      <p:stCondLst>
+                        <p:cond delay="indefinite"/>
+                      </p:stCondLst>
+                      <p:childTnLst>
+                        <p:par>
+                          <p:cTn id="12" fill="hold">
+                            <p:stCondLst>
+                              <p:cond delay="0"/>
+                            </p:stCondLst>
+                            <p:childTnLst>
+                              <p:par>
+                                <p:cTn id="13" presetID="1" presetClass="entr" presetSubtype="0" fill="hold" nodeType="clickEffect">
+                                  <p:stCondLst>
+                                    <p:cond delay="0"/>
+                                  </p:stCondLst>
+                                  <p:childTnLst>
+                                    <p:set>
+                                      <p:cBhvr>
+                                        <p:cTn id="14" dur="1" fill="hold">
+                                          <p:stCondLst>
+                                            <p:cond delay="0"/>
+                                          </p:stCondLst>
+                                        </p:cTn>
+                                        <p:tgtEl>
+                                          <p:spTgt spid="11"/>
+                                        </p:tgtEl>
+                                        <p:attrNameLst>
+                                          <p:attrName>style.visibility</p:attrName>
+                                        </p:attrNameLst>
+                                      </p:cBhvr>
+                                      <p:to>
+                                        <p:strVal val="visible"/>
+                                      </p:to>
+                                    </p:set>
+                                  </p:childTnLst>
+                                </p:cTn>
+                              </p:par>
+                            </p:childTnLst>
+                          </p:cTn>
+                        </p:par>
+                      </p:childTnLst>
+                    </p:cTn>
+                  </p:par>
+                  <p:par>
+                    <p:cTn id="15" fill="hold">
+                      <p:stCondLst>
+                        <p:cond delay="indefinite"/>
+                      </p:stCondLst>
+                      <p:childTnLst>
+                        <p:par>
+                          <p:cTn id="16" fill="hold">
+                            <p:stCondLst>
+                              <p:cond delay="0"/>
+                            </p:stCondLst>
+                            <p:childTnLst>
+                              <p:par>
+                                <p:cTn id="17" presetID="1" presetClass="entr" presetSubtype="0" fill="hold" nodeType="clickEffect">
+                                  <p:stCondLst>
+                                    <p:cond delay="0"/>
+                                  </p:stCondLst>
+                                  <p:childTnLst>
+                                    <p:set>
+                                      <p:cBhvr>
+                                        <p:cTn id="18" dur="1" fill="hold">
+                                          <p:stCondLst>
+                                            <p:cond delay="0"/>
+                                          </p:stCondLst>
+                                        </p:cTn>
+                                        <p:tgtEl>
+                                          <p:spTgt spid="13"/>
+                                        </p:tgtEl>
+                                        <p:attrNameLst>
+                                          <p:attrName>style.visibility</p:attrName>
+                                        </p:attrNameLst>
+                                      </p:cBhvr>
+                                      <p:to>
+                                        <p:strVal val="visible"/>
+                                      </p:to>
+                                    </p:set>
+                                  </p:childTnLst>
+                                </p:cTn>
+                              </p:par>
+                            </p:childTnLst>
+                          </p:cTn>
+                        </p:par>
+                      </p:childTnLst>
+                    </p:cTn>
+                  </p:par>
+                </p:childTnLst>
+              </p:cTn>
+              <p:prevCondLst>
+                <p:cond evt="onPrev" delay="0">
+                  <p:tgtEl>
+                    <p:sldTgt/>
+                  </p:tgtEl>
+                </p:cond>
+              </p:prevCondLst>
+              <p:nextCondLst>
+                <p:cond evt="onNext" delay="0">
+                  <p:tgtEl>
+                    <p:sldTgt/>
+                  </p:tgtEl>
+                </p:cond>
+              </p:nextCondLst>
+            </p:seq>
+          </p:childTnLst>
+        </p:cTn>
+      </p:par>
+    </p:tnLst>
+  </p:timing>
+</p:sld>
+</file>
+
 <file path=ppt/slides/slide38.xml><?xml version="1.0" encoding="utf-8"?>
 <p:sld xmlns:a="http://schemas.openxmlformats.org/drawingml/2006/main" xmlns:r="http://schemas.openxmlformats.org/officeDocument/2006/relationships" xmlns:p="http://schemas.openxmlformats.org/presentationml/2006/main">
   <p:cSld>
@@ -22862,7 +24704,7 @@
           <p:cNvPr id="2" name="Title 1">
             <a:extLst>
               <a:ext uri="{FF2B5EF4-FFF2-40B4-BE49-F238E27FC236}">
-                <a16:creationId xmlns:a16="http://schemas.microsoft.com/office/drawing/2014/main" id="{15594296-298E-46F7-A782-376D5EF775E3}"/>
+                <a16:creationId xmlns:a16="http://schemas.microsoft.com/office/drawing/2014/main" id="{DB032BC5-ED82-45AF-98D8-BD4D91FC59B0}"/>
               </a:ext>
             </a:extLst>
           </p:cNvPr>
@@ -22880,15 +24722,8 @@
           <a:p>
             <a:r>
               <a:rPr lang="en-US" dirty="0"/>
-              <a:t>Dispatch block: transitions </a:t>
-            </a:r>
-            <a:r>
-              <a:rPr lang="en-US" dirty="0">
-                <a:sym typeface="Wingdings" panose="05000000000000000000" pitchFamily="2" charset="2"/>
-              </a:rPr>
-              <a:t> executable logic</a:t>
-            </a:r>
-            <a:endParaRPr lang="en-US" dirty="0"/>
+              <a:t>Pattern II: Coordinated controllers</a:t>
+            </a:r>
           </a:p>
         </p:txBody>
       </p:sp>
@@ -22897,7 +24732,7 @@
           <p:cNvPr id="3" name="Content Placeholder 2">
             <a:extLst>
               <a:ext uri="{FF2B5EF4-FFF2-40B4-BE49-F238E27FC236}">
-                <a16:creationId xmlns:a16="http://schemas.microsoft.com/office/drawing/2014/main" id="{66E8545C-3126-421D-B83D-346A6C1FBA48}"/>
+                <a16:creationId xmlns:a16="http://schemas.microsoft.com/office/drawing/2014/main" id="{1D6AD11B-EEBD-4F2C-B90B-CBA80FA8D60C}"/>
               </a:ext>
             </a:extLst>
           </p:cNvPr>
@@ -22908,19 +24743,23 @@
             <p:ph idx="1"/>
           </p:nvPr>
         </p:nvSpPr>
-        <p:spPr>
-          <a:xfrm>
-            <a:off x="152400" y="1446211"/>
-            <a:ext cx="5715000" cy="5014912"/>
-          </a:xfrm>
-        </p:spPr>
+        <p:spPr/>
         <p:txBody>
           <a:bodyPr/>
           <a:lstStyle/>
           <a:p>
-            <a:r>
-              <a:rPr lang="en-US" dirty="0"/>
-              <a:t>Decides which state transition logic to run based on the incoming event and current state</a:t>
+            <a:pPr marL="0" indent="0">
+              <a:buNone/>
+            </a:pPr>
+            <a:r>
+              <a:rPr lang="en-US" sz="2400" dirty="0"/>
+              <a:t>Separate state machines control therapy, alarm and UI</a:t>
+            </a:r>
+          </a:p>
+          <a:p>
+            <a:r>
+              <a:rPr lang="en-US" sz="2400" dirty="0"/>
+              <a:t>Coordination via defined interfaces</a:t>
             </a:r>
           </a:p>
         </p:txBody>
@@ -22930,7 +24769,7 @@
           <p:cNvPr id="4" name="Date Placeholder 3">
             <a:extLst>
               <a:ext uri="{FF2B5EF4-FFF2-40B4-BE49-F238E27FC236}">
-                <a16:creationId xmlns:a16="http://schemas.microsoft.com/office/drawing/2014/main" id="{DA525901-BE07-446C-9CE5-64A68F07D676}"/>
+                <a16:creationId xmlns:a16="http://schemas.microsoft.com/office/drawing/2014/main" id="{AE222A42-6844-4CCF-BBA1-1D79F0A221BF}"/>
               </a:ext>
             </a:extLst>
           </p:cNvPr>
@@ -22961,7 +24800,7 @@
           <p:cNvPr id="5" name="Slide Number Placeholder 4">
             <a:extLst>
               <a:ext uri="{FF2B5EF4-FFF2-40B4-BE49-F238E27FC236}">
-                <a16:creationId xmlns:a16="http://schemas.microsoft.com/office/drawing/2014/main" id="{71D4A564-D809-4121-8EF7-60B78F3440A8}"/>
+                <a16:creationId xmlns:a16="http://schemas.microsoft.com/office/drawing/2014/main" id="{04D871F3-1A09-4CC2-8985-0C6E81ACB7EB}"/>
               </a:ext>
             </a:extLst>
           </p:cNvPr>
@@ -22996,7 +24835,7 @@
           <p:cNvPr id="7" name="Picture 6">
             <a:extLst>
               <a:ext uri="{FF2B5EF4-FFF2-40B4-BE49-F238E27FC236}">
-                <a16:creationId xmlns:a16="http://schemas.microsoft.com/office/drawing/2014/main" id="{53159014-46A2-4581-8434-58ED9138CB7E}"/>
+                <a16:creationId xmlns:a16="http://schemas.microsoft.com/office/drawing/2014/main" id="{F4C2BBA2-6B52-471D-947D-C659A789770F}"/>
               </a:ext>
             </a:extLst>
           </p:cNvPr>
@@ -23013,8 +24852,98 @@
         </p:blipFill>
         <p:spPr>
           <a:xfrm>
-            <a:off x="6019800" y="1387476"/>
-            <a:ext cx="2971800" cy="2925365"/>
+            <a:off x="152400" y="2362200"/>
+            <a:ext cx="3459193" cy="3200400"/>
+          </a:xfrm>
+          <a:prstGeom prst="rect">
+            <a:avLst/>
+          </a:prstGeom>
+        </p:spPr>
+      </p:pic>
+      <p:pic>
+        <p:nvPicPr>
+          <p:cNvPr id="9" name="Picture 8">
+            <a:extLst>
+              <a:ext uri="{FF2B5EF4-FFF2-40B4-BE49-F238E27FC236}">
+                <a16:creationId xmlns:a16="http://schemas.microsoft.com/office/drawing/2014/main" id="{00BA3B1D-0D03-47DF-B117-EAC30870A23A}"/>
+              </a:ext>
+            </a:extLst>
+          </p:cNvPr>
+          <p:cNvPicPr>
+            <a:picLocks noChangeAspect="1"/>
+          </p:cNvPicPr>
+          <p:nvPr/>
+        </p:nvPicPr>
+        <p:blipFill>
+          <a:blip r:embed="rId3"/>
+          <a:stretch>
+            <a:fillRect/>
+          </a:stretch>
+        </p:blipFill>
+        <p:spPr>
+          <a:xfrm>
+            <a:off x="1371600" y="4825313"/>
+            <a:ext cx="3581400" cy="2032687"/>
+          </a:xfrm>
+          <a:prstGeom prst="rect">
+            <a:avLst/>
+          </a:prstGeom>
+        </p:spPr>
+      </p:pic>
+      <p:pic>
+        <p:nvPicPr>
+          <p:cNvPr id="11" name="Picture 10">
+            <a:extLst>
+              <a:ext uri="{FF2B5EF4-FFF2-40B4-BE49-F238E27FC236}">
+                <a16:creationId xmlns:a16="http://schemas.microsoft.com/office/drawing/2014/main" id="{6234F7E5-5E17-4CA3-B7C8-956E64CF78BF}"/>
+              </a:ext>
+            </a:extLst>
+          </p:cNvPr>
+          <p:cNvPicPr>
+            <a:picLocks noChangeAspect="1"/>
+          </p:cNvPicPr>
+          <p:nvPr/>
+        </p:nvPicPr>
+        <p:blipFill>
+          <a:blip r:embed="rId4"/>
+          <a:stretch>
+            <a:fillRect/>
+          </a:stretch>
+        </p:blipFill>
+        <p:spPr>
+          <a:xfrm>
+            <a:off x="3733800" y="2362200"/>
+            <a:ext cx="2895600" cy="1921379"/>
+          </a:xfrm>
+          <a:prstGeom prst="rect">
+            <a:avLst/>
+          </a:prstGeom>
+        </p:spPr>
+      </p:pic>
+      <p:pic>
+        <p:nvPicPr>
+          <p:cNvPr id="13" name="Picture 12">
+            <a:extLst>
+              <a:ext uri="{FF2B5EF4-FFF2-40B4-BE49-F238E27FC236}">
+                <a16:creationId xmlns:a16="http://schemas.microsoft.com/office/drawing/2014/main" id="{8FE243BA-02C8-4253-A33D-E4D2E3F735A8}"/>
+              </a:ext>
+            </a:extLst>
+          </p:cNvPr>
+          <p:cNvPicPr>
+            <a:picLocks noChangeAspect="1"/>
+          </p:cNvPicPr>
+          <p:nvPr/>
+        </p:nvPicPr>
+        <p:blipFill>
+          <a:blip r:embed="rId5"/>
+          <a:stretch>
+            <a:fillRect/>
+          </a:stretch>
+        </p:blipFill>
+        <p:spPr>
+          <a:xfrm>
+            <a:off x="5290924" y="4075461"/>
+            <a:ext cx="3057952" cy="2248214"/>
           </a:xfrm>
           <a:prstGeom prst="rect">
             <a:avLst/>
@@ -23024,13 +24953,223 @@
     </p:spTree>
     <p:extLst>
       <p:ext uri="{BB962C8B-B14F-4D97-AF65-F5344CB8AC3E}">
-        <p14:creationId xmlns:p14="http://schemas.microsoft.com/office/powerpoint/2010/main" val="1902767015"/>
+        <p14:creationId xmlns:p14="http://schemas.microsoft.com/office/powerpoint/2010/main" val="1323942445"/>
       </p:ext>
     </p:extLst>
   </p:cSld>
   <p:clrMapOvr>
     <a:masterClrMapping/>
   </p:clrMapOvr>
+  <p:timing>
+    <p:tnLst>
+      <p:par>
+        <p:cTn id="1" dur="indefinite" restart="never" nodeType="tmRoot">
+          <p:childTnLst>
+            <p:seq concurrent="1" nextAc="seek">
+              <p:cTn id="2" dur="indefinite" nodeType="mainSeq">
+                <p:childTnLst>
+                  <p:par>
+                    <p:cTn id="3" fill="hold">
+                      <p:stCondLst>
+                        <p:cond delay="indefinite"/>
+                      </p:stCondLst>
+                      <p:childTnLst>
+                        <p:par>
+                          <p:cTn id="4" fill="hold">
+                            <p:stCondLst>
+                              <p:cond delay="0"/>
+                            </p:stCondLst>
+                            <p:childTnLst>
+                              <p:par>
+                                <p:cTn id="5" presetID="1" presetClass="entr" presetSubtype="0" fill="hold" nodeType="clickEffect">
+                                  <p:stCondLst>
+                                    <p:cond delay="0"/>
+                                  </p:stCondLst>
+                                  <p:childTnLst>
+                                    <p:set>
+                                      <p:cBhvr>
+                                        <p:cTn id="6" dur="1" fill="hold">
+                                          <p:stCondLst>
+                                            <p:cond delay="0"/>
+                                          </p:stCondLst>
+                                        </p:cTn>
+                                        <p:tgtEl>
+                                          <p:spTgt spid="7"/>
+                                        </p:tgtEl>
+                                        <p:attrNameLst>
+                                          <p:attrName>style.visibility</p:attrName>
+                                        </p:attrNameLst>
+                                      </p:cBhvr>
+                                      <p:to>
+                                        <p:strVal val="visible"/>
+                                      </p:to>
+                                    </p:set>
+                                  </p:childTnLst>
+                                </p:cTn>
+                              </p:par>
+                            </p:childTnLst>
+                          </p:cTn>
+                        </p:par>
+                      </p:childTnLst>
+                    </p:cTn>
+                  </p:par>
+                  <p:par>
+                    <p:cTn id="7" fill="hold">
+                      <p:stCondLst>
+                        <p:cond delay="indefinite"/>
+                      </p:stCondLst>
+                      <p:childTnLst>
+                        <p:par>
+                          <p:cTn id="8" fill="hold">
+                            <p:stCondLst>
+                              <p:cond delay="0"/>
+                            </p:stCondLst>
+                            <p:childTnLst>
+                              <p:par>
+                                <p:cTn id="9" presetID="1" presetClass="entr" presetSubtype="0" fill="hold" nodeType="clickEffect">
+                                  <p:stCondLst>
+                                    <p:cond delay="0"/>
+                                  </p:stCondLst>
+                                  <p:childTnLst>
+                                    <p:set>
+                                      <p:cBhvr>
+                                        <p:cTn id="10" dur="1" fill="hold">
+                                          <p:stCondLst>
+                                            <p:cond delay="0"/>
+                                          </p:stCondLst>
+                                        </p:cTn>
+                                        <p:tgtEl>
+                                          <p:spTgt spid="9"/>
+                                        </p:tgtEl>
+                                        <p:attrNameLst>
+                                          <p:attrName>style.visibility</p:attrName>
+                                        </p:attrNameLst>
+                                      </p:cBhvr>
+                                      <p:to>
+                                        <p:strVal val="visible"/>
+                                      </p:to>
+                                    </p:set>
+                                  </p:childTnLst>
+                                </p:cTn>
+                              </p:par>
+                            </p:childTnLst>
+                          </p:cTn>
+                        </p:par>
+                      </p:childTnLst>
+                    </p:cTn>
+                  </p:par>
+                  <p:par>
+                    <p:cTn id="11" fill="hold">
+                      <p:stCondLst>
+                        <p:cond delay="indefinite"/>
+                      </p:stCondLst>
+                      <p:childTnLst>
+                        <p:par>
+                          <p:cTn id="12" fill="hold">
+                            <p:stCondLst>
+                              <p:cond delay="0"/>
+                            </p:stCondLst>
+                            <p:childTnLst>
+                              <p:par>
+                                <p:cTn id="13" presetID="1" presetClass="entr" presetSubtype="0" fill="hold" nodeType="clickEffect">
+                                  <p:stCondLst>
+                                    <p:cond delay="0"/>
+                                  </p:stCondLst>
+                                  <p:childTnLst>
+                                    <p:set>
+                                      <p:cBhvr>
+                                        <p:cTn id="14" dur="1" fill="hold">
+                                          <p:stCondLst>
+                                            <p:cond delay="0"/>
+                                          </p:stCondLst>
+                                        </p:cTn>
+                                        <p:tgtEl>
+                                          <p:spTgt spid="11"/>
+                                        </p:tgtEl>
+                                        <p:attrNameLst>
+                                          <p:attrName>style.visibility</p:attrName>
+                                        </p:attrNameLst>
+                                      </p:cBhvr>
+                                      <p:to>
+                                        <p:strVal val="visible"/>
+                                      </p:to>
+                                    </p:set>
+                                  </p:childTnLst>
+                                </p:cTn>
+                              </p:par>
+                            </p:childTnLst>
+                          </p:cTn>
+                        </p:par>
+                      </p:childTnLst>
+                    </p:cTn>
+                  </p:par>
+                  <p:par>
+                    <p:cTn id="15" fill="hold">
+                      <p:stCondLst>
+                        <p:cond delay="indefinite"/>
+                      </p:stCondLst>
+                      <p:childTnLst>
+                        <p:par>
+                          <p:cTn id="16" fill="hold">
+                            <p:stCondLst>
+                              <p:cond delay="0"/>
+                            </p:stCondLst>
+                            <p:childTnLst>
+                              <p:par>
+                                <p:cTn id="17" presetID="1" presetClass="entr" presetSubtype="0" fill="hold" nodeType="clickEffect">
+                                  <p:stCondLst>
+                                    <p:cond delay="0"/>
+                                  </p:stCondLst>
+                                  <p:childTnLst>
+                                    <p:set>
+                                      <p:cBhvr>
+                                        <p:cTn id="18" dur="1" fill="hold">
+                                          <p:stCondLst>
+                                            <p:cond delay="0"/>
+                                          </p:stCondLst>
+                                        </p:cTn>
+                                        <p:tgtEl>
+                                          <p:spTgt spid="13"/>
+                                        </p:tgtEl>
+                                        <p:attrNameLst>
+                                          <p:attrName>style.visibility</p:attrName>
+                                        </p:attrNameLst>
+                                      </p:cBhvr>
+                                      <p:to>
+                                        <p:strVal val="visible"/>
+                                      </p:to>
+                                    </p:set>
+                                  </p:childTnLst>
+                                </p:cTn>
+                              </p:par>
+                            </p:childTnLst>
+                          </p:cTn>
+                        </p:par>
+                      </p:childTnLst>
+                    </p:cTn>
+                  </p:par>
+                </p:childTnLst>
+              </p:cTn>
+              <p:prevCondLst>
+                <p:cond evt="onPrev" delay="0">
+                  <p:tgtEl>
+                    <p:sldTgt/>
+                  </p:tgtEl>
+                </p:cond>
+              </p:prevCondLst>
+              <p:nextCondLst>
+                <p:cond evt="onNext" delay="0">
+                  <p:tgtEl>
+                    <p:sldTgt/>
+                  </p:tgtEl>
+                </p:cond>
+              </p:nextCondLst>
+            </p:seq>
+          </p:childTnLst>
+        </p:cTn>
+      </p:par>
+    </p:tnLst>
+  </p:timing>
 </p:sld>
 </file>
 
@@ -23056,7 +25195,7 @@
           <p:cNvPr id="2" name="Title 1">
             <a:extLst>
               <a:ext uri="{FF2B5EF4-FFF2-40B4-BE49-F238E27FC236}">
-                <a16:creationId xmlns:a16="http://schemas.microsoft.com/office/drawing/2014/main" id="{99FC75C6-32DD-45BA-8DD7-5B55F234F9D9}"/>
+                <a16:creationId xmlns:a16="http://schemas.microsoft.com/office/drawing/2014/main" id="{D9C85BBD-20FC-4A42-8589-EF018D7E6DDE}"/>
               </a:ext>
             </a:extLst>
           </p:cNvPr>
@@ -23074,15 +25213,8 @@
           <a:p>
             <a:r>
               <a:rPr lang="en-US" dirty="0"/>
-              <a:t>ISR bridge: signals </a:t>
-            </a:r>
-            <a:r>
-              <a:rPr lang="en-US" dirty="0">
-                <a:sym typeface="Wingdings" panose="05000000000000000000" pitchFamily="2" charset="2"/>
-              </a:rPr>
-              <a:t> events</a:t>
-            </a:r>
-            <a:endParaRPr lang="en-US" dirty="0"/>
+              <a:t>Pattern III: Event dispatcher</a:t>
+            </a:r>
           </a:p>
         </p:txBody>
       </p:sp>
@@ -23091,7 +25223,7 @@
           <p:cNvPr id="3" name="Content Placeholder 2">
             <a:extLst>
               <a:ext uri="{FF2B5EF4-FFF2-40B4-BE49-F238E27FC236}">
-                <a16:creationId xmlns:a16="http://schemas.microsoft.com/office/drawing/2014/main" id="{11D5E549-290A-445C-A301-2319CD15F845}"/>
+                <a16:creationId xmlns:a16="http://schemas.microsoft.com/office/drawing/2014/main" id="{8A84E822-1124-4F9F-98B4-4ED1070C707C}"/>
               </a:ext>
             </a:extLst>
           </p:cNvPr>
@@ -23102,19 +25234,20 @@
             <p:ph idx="1"/>
           </p:nvPr>
         </p:nvSpPr>
-        <p:spPr>
-          <a:xfrm>
-            <a:off x="152400" y="2319429"/>
-            <a:ext cx="8839200" cy="4141693"/>
-          </a:xfrm>
-        </p:spPr>
+        <p:spPr/>
         <p:txBody>
           <a:bodyPr/>
           <a:lstStyle/>
           <a:p>
             <a:r>
-              <a:rPr lang="en-US" dirty="0"/>
-              <a:t>Sanitizes raw hardware pulses and turns them into events that the architecture understands</a:t>
+              <a:rPr lang="en-US" sz="2400" dirty="0"/>
+              <a:t>One central dispatcher receives events</a:t>
+            </a:r>
+          </a:p>
+          <a:p>
+            <a:r>
+              <a:rPr lang="en-US" sz="2400" dirty="0"/>
+              <a:t>Separate controllers subscribe to events</a:t>
             </a:r>
           </a:p>
         </p:txBody>
@@ -23124,7 +25257,7 @@
           <p:cNvPr id="4" name="Date Placeholder 3">
             <a:extLst>
               <a:ext uri="{FF2B5EF4-FFF2-40B4-BE49-F238E27FC236}">
-                <a16:creationId xmlns:a16="http://schemas.microsoft.com/office/drawing/2014/main" id="{17D894BC-17B1-434A-AC92-EAE1F125840E}"/>
+                <a16:creationId xmlns:a16="http://schemas.microsoft.com/office/drawing/2014/main" id="{3FF3D13E-ACCD-43A5-9007-17B879D00FAA}"/>
               </a:ext>
             </a:extLst>
           </p:cNvPr>
@@ -23155,7 +25288,7 @@
           <p:cNvPr id="5" name="Slide Number Placeholder 4">
             <a:extLst>
               <a:ext uri="{FF2B5EF4-FFF2-40B4-BE49-F238E27FC236}">
-                <a16:creationId xmlns:a16="http://schemas.microsoft.com/office/drawing/2014/main" id="{2AFFEFAD-AAF5-483B-A60F-D323744264BA}"/>
+                <a16:creationId xmlns:a16="http://schemas.microsoft.com/office/drawing/2014/main" id="{38E4A240-8AA9-42B5-8214-D6ECED31E14B}"/>
               </a:ext>
             </a:extLst>
           </p:cNvPr>
@@ -23190,7 +25323,7 @@
           <p:cNvPr id="7" name="Picture 6">
             <a:extLst>
               <a:ext uri="{FF2B5EF4-FFF2-40B4-BE49-F238E27FC236}">
-                <a16:creationId xmlns:a16="http://schemas.microsoft.com/office/drawing/2014/main" id="{C3EE7B5E-9E57-4989-8E88-BD154FAD03E2}"/>
+                <a16:creationId xmlns:a16="http://schemas.microsoft.com/office/drawing/2014/main" id="{26F49AEB-5DE4-44ED-B36F-F3FF69834E50}"/>
               </a:ext>
             </a:extLst>
           </p:cNvPr>
@@ -23207,8 +25340,98 @@
         </p:blipFill>
         <p:spPr>
           <a:xfrm>
-            <a:off x="851968" y="1446211"/>
-            <a:ext cx="7440063" cy="676369"/>
+            <a:off x="152400" y="2286000"/>
+            <a:ext cx="3503449" cy="4572000"/>
+          </a:xfrm>
+          <a:prstGeom prst="rect">
+            <a:avLst/>
+          </a:prstGeom>
+        </p:spPr>
+      </p:pic>
+      <p:pic>
+        <p:nvPicPr>
+          <p:cNvPr id="9" name="Picture 8">
+            <a:extLst>
+              <a:ext uri="{FF2B5EF4-FFF2-40B4-BE49-F238E27FC236}">
+                <a16:creationId xmlns:a16="http://schemas.microsoft.com/office/drawing/2014/main" id="{2DB9CFE5-8A71-4FD4-98E9-B1EF1CEF102B}"/>
+              </a:ext>
+            </a:extLst>
+          </p:cNvPr>
+          <p:cNvPicPr>
+            <a:picLocks noChangeAspect="1"/>
+          </p:cNvPicPr>
+          <p:nvPr/>
+        </p:nvPicPr>
+        <p:blipFill>
+          <a:blip r:embed="rId3"/>
+          <a:stretch>
+            <a:fillRect/>
+          </a:stretch>
+        </p:blipFill>
+        <p:spPr>
+          <a:xfrm>
+            <a:off x="2986668" y="2286000"/>
+            <a:ext cx="3873083" cy="4258035"/>
+          </a:xfrm>
+          <a:prstGeom prst="rect">
+            <a:avLst/>
+          </a:prstGeom>
+        </p:spPr>
+      </p:pic>
+      <p:pic>
+        <p:nvPicPr>
+          <p:cNvPr id="11" name="Picture 10">
+            <a:extLst>
+              <a:ext uri="{FF2B5EF4-FFF2-40B4-BE49-F238E27FC236}">
+                <a16:creationId xmlns:a16="http://schemas.microsoft.com/office/drawing/2014/main" id="{377F0001-114D-4571-9FCC-43D4758457F9}"/>
+              </a:ext>
+            </a:extLst>
+          </p:cNvPr>
+          <p:cNvPicPr>
+            <a:picLocks noChangeAspect="1"/>
+          </p:cNvPicPr>
+          <p:nvPr/>
+        </p:nvPicPr>
+        <p:blipFill>
+          <a:blip r:embed="rId4"/>
+          <a:stretch>
+            <a:fillRect/>
+          </a:stretch>
+        </p:blipFill>
+        <p:spPr>
+          <a:xfrm>
+            <a:off x="5019099" y="3429000"/>
+            <a:ext cx="4124901" cy="1352739"/>
+          </a:xfrm>
+          <a:prstGeom prst="rect">
+            <a:avLst/>
+          </a:prstGeom>
+        </p:spPr>
+      </p:pic>
+      <p:pic>
+        <p:nvPicPr>
+          <p:cNvPr id="13" name="Picture 12">
+            <a:extLst>
+              <a:ext uri="{FF2B5EF4-FFF2-40B4-BE49-F238E27FC236}">
+                <a16:creationId xmlns:a16="http://schemas.microsoft.com/office/drawing/2014/main" id="{FE3F157D-41B3-47AD-AE6C-24D8248825AF}"/>
+              </a:ext>
+            </a:extLst>
+          </p:cNvPr>
+          <p:cNvPicPr>
+            <a:picLocks noChangeAspect="1"/>
+          </p:cNvPicPr>
+          <p:nvPr/>
+        </p:nvPicPr>
+        <p:blipFill>
+          <a:blip r:embed="rId5"/>
+          <a:stretch>
+            <a:fillRect/>
+          </a:stretch>
+        </p:blipFill>
+        <p:spPr>
+          <a:xfrm>
+            <a:off x="6247996" y="4865260"/>
+            <a:ext cx="2896004" cy="1752845"/>
           </a:xfrm>
           <a:prstGeom prst="rect">
             <a:avLst/>
@@ -23218,13 +25441,223 @@
     </p:spTree>
     <p:extLst>
       <p:ext uri="{BB962C8B-B14F-4D97-AF65-F5344CB8AC3E}">
-        <p14:creationId xmlns:p14="http://schemas.microsoft.com/office/powerpoint/2010/main" val="3095958432"/>
+        <p14:creationId xmlns:p14="http://schemas.microsoft.com/office/powerpoint/2010/main" val="3793302995"/>
       </p:ext>
     </p:extLst>
   </p:cSld>
   <p:clrMapOvr>
     <a:masterClrMapping/>
   </p:clrMapOvr>
+  <p:timing>
+    <p:tnLst>
+      <p:par>
+        <p:cTn id="1" dur="indefinite" restart="never" nodeType="tmRoot">
+          <p:childTnLst>
+            <p:seq concurrent="1" nextAc="seek">
+              <p:cTn id="2" dur="indefinite" nodeType="mainSeq">
+                <p:childTnLst>
+                  <p:par>
+                    <p:cTn id="3" fill="hold">
+                      <p:stCondLst>
+                        <p:cond delay="indefinite"/>
+                      </p:stCondLst>
+                      <p:childTnLst>
+                        <p:par>
+                          <p:cTn id="4" fill="hold">
+                            <p:stCondLst>
+                              <p:cond delay="0"/>
+                            </p:stCondLst>
+                            <p:childTnLst>
+                              <p:par>
+                                <p:cTn id="5" presetID="1" presetClass="entr" presetSubtype="0" fill="hold" nodeType="clickEffect">
+                                  <p:stCondLst>
+                                    <p:cond delay="0"/>
+                                  </p:stCondLst>
+                                  <p:childTnLst>
+                                    <p:set>
+                                      <p:cBhvr>
+                                        <p:cTn id="6" dur="1" fill="hold">
+                                          <p:stCondLst>
+                                            <p:cond delay="0"/>
+                                          </p:stCondLst>
+                                        </p:cTn>
+                                        <p:tgtEl>
+                                          <p:spTgt spid="7"/>
+                                        </p:tgtEl>
+                                        <p:attrNameLst>
+                                          <p:attrName>style.visibility</p:attrName>
+                                        </p:attrNameLst>
+                                      </p:cBhvr>
+                                      <p:to>
+                                        <p:strVal val="visible"/>
+                                      </p:to>
+                                    </p:set>
+                                  </p:childTnLst>
+                                </p:cTn>
+                              </p:par>
+                            </p:childTnLst>
+                          </p:cTn>
+                        </p:par>
+                      </p:childTnLst>
+                    </p:cTn>
+                  </p:par>
+                  <p:par>
+                    <p:cTn id="7" fill="hold">
+                      <p:stCondLst>
+                        <p:cond delay="indefinite"/>
+                      </p:stCondLst>
+                      <p:childTnLst>
+                        <p:par>
+                          <p:cTn id="8" fill="hold">
+                            <p:stCondLst>
+                              <p:cond delay="0"/>
+                            </p:stCondLst>
+                            <p:childTnLst>
+                              <p:par>
+                                <p:cTn id="9" presetID="1" presetClass="entr" presetSubtype="0" fill="hold" nodeType="clickEffect">
+                                  <p:stCondLst>
+                                    <p:cond delay="0"/>
+                                  </p:stCondLst>
+                                  <p:childTnLst>
+                                    <p:set>
+                                      <p:cBhvr>
+                                        <p:cTn id="10" dur="1" fill="hold">
+                                          <p:stCondLst>
+                                            <p:cond delay="0"/>
+                                          </p:stCondLst>
+                                        </p:cTn>
+                                        <p:tgtEl>
+                                          <p:spTgt spid="9"/>
+                                        </p:tgtEl>
+                                        <p:attrNameLst>
+                                          <p:attrName>style.visibility</p:attrName>
+                                        </p:attrNameLst>
+                                      </p:cBhvr>
+                                      <p:to>
+                                        <p:strVal val="visible"/>
+                                      </p:to>
+                                    </p:set>
+                                  </p:childTnLst>
+                                </p:cTn>
+                              </p:par>
+                            </p:childTnLst>
+                          </p:cTn>
+                        </p:par>
+                      </p:childTnLst>
+                    </p:cTn>
+                  </p:par>
+                  <p:par>
+                    <p:cTn id="11" fill="hold">
+                      <p:stCondLst>
+                        <p:cond delay="indefinite"/>
+                      </p:stCondLst>
+                      <p:childTnLst>
+                        <p:par>
+                          <p:cTn id="12" fill="hold">
+                            <p:stCondLst>
+                              <p:cond delay="0"/>
+                            </p:stCondLst>
+                            <p:childTnLst>
+                              <p:par>
+                                <p:cTn id="13" presetID="1" presetClass="entr" presetSubtype="0" fill="hold" nodeType="clickEffect">
+                                  <p:stCondLst>
+                                    <p:cond delay="0"/>
+                                  </p:stCondLst>
+                                  <p:childTnLst>
+                                    <p:set>
+                                      <p:cBhvr>
+                                        <p:cTn id="14" dur="1" fill="hold">
+                                          <p:stCondLst>
+                                            <p:cond delay="0"/>
+                                          </p:stCondLst>
+                                        </p:cTn>
+                                        <p:tgtEl>
+                                          <p:spTgt spid="11"/>
+                                        </p:tgtEl>
+                                        <p:attrNameLst>
+                                          <p:attrName>style.visibility</p:attrName>
+                                        </p:attrNameLst>
+                                      </p:cBhvr>
+                                      <p:to>
+                                        <p:strVal val="visible"/>
+                                      </p:to>
+                                    </p:set>
+                                  </p:childTnLst>
+                                </p:cTn>
+                              </p:par>
+                            </p:childTnLst>
+                          </p:cTn>
+                        </p:par>
+                      </p:childTnLst>
+                    </p:cTn>
+                  </p:par>
+                  <p:par>
+                    <p:cTn id="15" fill="hold">
+                      <p:stCondLst>
+                        <p:cond delay="indefinite"/>
+                      </p:stCondLst>
+                      <p:childTnLst>
+                        <p:par>
+                          <p:cTn id="16" fill="hold">
+                            <p:stCondLst>
+                              <p:cond delay="0"/>
+                            </p:stCondLst>
+                            <p:childTnLst>
+                              <p:par>
+                                <p:cTn id="17" presetID="1" presetClass="entr" presetSubtype="0" fill="hold" nodeType="clickEffect">
+                                  <p:stCondLst>
+                                    <p:cond delay="0"/>
+                                  </p:stCondLst>
+                                  <p:childTnLst>
+                                    <p:set>
+                                      <p:cBhvr>
+                                        <p:cTn id="18" dur="1" fill="hold">
+                                          <p:stCondLst>
+                                            <p:cond delay="0"/>
+                                          </p:stCondLst>
+                                        </p:cTn>
+                                        <p:tgtEl>
+                                          <p:spTgt spid="13"/>
+                                        </p:tgtEl>
+                                        <p:attrNameLst>
+                                          <p:attrName>style.visibility</p:attrName>
+                                        </p:attrNameLst>
+                                      </p:cBhvr>
+                                      <p:to>
+                                        <p:strVal val="visible"/>
+                                      </p:to>
+                                    </p:set>
+                                  </p:childTnLst>
+                                </p:cTn>
+                              </p:par>
+                            </p:childTnLst>
+                          </p:cTn>
+                        </p:par>
+                      </p:childTnLst>
+                    </p:cTn>
+                  </p:par>
+                </p:childTnLst>
+              </p:cTn>
+              <p:prevCondLst>
+                <p:cond evt="onPrev" delay="0">
+                  <p:tgtEl>
+                    <p:sldTgt/>
+                  </p:tgtEl>
+                </p:cond>
+              </p:prevCondLst>
+              <p:nextCondLst>
+                <p:cond evt="onNext" delay="0">
+                  <p:tgtEl>
+                    <p:sldTgt/>
+                  </p:tgtEl>
+                </p:cond>
+              </p:nextCondLst>
+            </p:seq>
+          </p:childTnLst>
+        </p:cTn>
+      </p:par>
+    </p:tnLst>
+  </p:timing>
 </p:sld>
 </file>
 
@@ -23857,141 +26290,12 @@
           <a:chExt cx="0" cy="0"/>
         </a:xfrm>
       </p:grpSpPr>
-      <p:sp>
-        <p:nvSpPr>
-          <p:cNvPr id="2" name="Title 1">
-            <a:extLst>
-              <a:ext uri="{FF2B5EF4-FFF2-40B4-BE49-F238E27FC236}">
-                <a16:creationId xmlns:a16="http://schemas.microsoft.com/office/drawing/2014/main" id="{EF104277-4811-451D-A5E1-A386353FCDDE}"/>
-              </a:ext>
-            </a:extLst>
-          </p:cNvPr>
-          <p:cNvSpPr>
-            <a:spLocks noGrp="1"/>
-          </p:cNvSpPr>
-          <p:nvPr>
-            <p:ph type="title"/>
-          </p:nvPr>
-        </p:nvSpPr>
-        <p:spPr/>
-        <p:txBody>
-          <a:bodyPr/>
-          <a:lstStyle/>
-          <a:p>
-            <a:r>
-              <a:rPr lang="en-US" dirty="0"/>
-              <a:t>Action hooks: entry/exit/do </a:t>
-            </a:r>
-            <a:r>
-              <a:rPr lang="en-US" dirty="0">
-                <a:sym typeface="Wingdings" panose="05000000000000000000" pitchFamily="2" charset="2"/>
-              </a:rPr>
-              <a:t> hardware commands</a:t>
-            </a:r>
-            <a:endParaRPr lang="en-US" dirty="0"/>
-          </a:p>
-        </p:txBody>
-      </p:sp>
-      <p:sp>
-        <p:nvSpPr>
-          <p:cNvPr id="3" name="Content Placeholder 2">
-            <a:extLst>
-              <a:ext uri="{FF2B5EF4-FFF2-40B4-BE49-F238E27FC236}">
-                <a16:creationId xmlns:a16="http://schemas.microsoft.com/office/drawing/2014/main" id="{C1ADD177-2E41-4DD9-B6D6-96AFB64A4C12}"/>
-              </a:ext>
-            </a:extLst>
-          </p:cNvPr>
-          <p:cNvSpPr>
-            <a:spLocks noGrp="1"/>
-          </p:cNvSpPr>
-          <p:nvPr>
-            <p:ph idx="1"/>
-          </p:nvPr>
-        </p:nvSpPr>
-        <p:spPr/>
-        <p:txBody>
-          <a:bodyPr/>
-          <a:lstStyle/>
-          <a:p>
-            <a:r>
-              <a:rPr lang="en-US" dirty="0"/>
-              <a:t>Ensures hardware is initialized and cleaned up during state changes</a:t>
-            </a:r>
-          </a:p>
-        </p:txBody>
-      </p:sp>
-      <p:sp>
-        <p:nvSpPr>
-          <p:cNvPr id="4" name="Date Placeholder 3">
-            <a:extLst>
-              <a:ext uri="{FF2B5EF4-FFF2-40B4-BE49-F238E27FC236}">
-                <a16:creationId xmlns:a16="http://schemas.microsoft.com/office/drawing/2014/main" id="{2DC216A9-7F47-44DF-9E78-6E3919BFF3E1}"/>
-              </a:ext>
-            </a:extLst>
-          </p:cNvPr>
-          <p:cNvSpPr>
-            <a:spLocks noGrp="1"/>
-          </p:cNvSpPr>
-          <p:nvPr>
-            <p:ph type="dt" sz="half" idx="10"/>
-          </p:nvPr>
-        </p:nvSpPr>
-        <p:spPr/>
-        <p:txBody>
-          <a:bodyPr/>
-          <a:lstStyle/>
-          <a:p>
-            <a:pPr>
-              <a:defRPr/>
-            </a:pPr>
-            <a:r>
-              <a:rPr lang="en-US"/>
-              <a:t>21/12/2020</a:t>
-            </a:r>
-          </a:p>
-        </p:txBody>
-      </p:sp>
-      <p:sp>
-        <p:nvSpPr>
-          <p:cNvPr id="5" name="Slide Number Placeholder 4">
-            <a:extLst>
-              <a:ext uri="{FF2B5EF4-FFF2-40B4-BE49-F238E27FC236}">
-                <a16:creationId xmlns:a16="http://schemas.microsoft.com/office/drawing/2014/main" id="{2F0BB72C-FA7E-4F31-A6A1-7DD73C691E77}"/>
-              </a:ext>
-            </a:extLst>
-          </p:cNvPr>
-          <p:cNvSpPr>
-            <a:spLocks noGrp="1"/>
-          </p:cNvSpPr>
-          <p:nvPr>
-            <p:ph type="sldNum" sz="quarter" idx="12"/>
-          </p:nvPr>
-        </p:nvSpPr>
-        <p:spPr/>
-        <p:txBody>
-          <a:bodyPr/>
-          <a:lstStyle/>
-          <a:p>
-            <a:pPr>
-              <a:defRPr/>
-            </a:pPr>
-            <a:fld id="{CA887A73-1AE0-46F8-856A-18EA1CF30A1B}" type="slidenum">
-              <a:rPr lang="en-US" altLang="en-US" smtClean="0"/>
-              <a:pPr>
-                <a:defRPr/>
-              </a:pPr>
-              <a:t>40</a:t>
-            </a:fld>
-            <a:endParaRPr lang="en-US" altLang="en-US"/>
-          </a:p>
-        </p:txBody>
-      </p:sp>
       <p:pic>
         <p:nvPicPr>
-          <p:cNvPr id="7" name="Picture 6">
+          <p:cNvPr id="8" name="Picture 7">
             <a:extLst>
               <a:ext uri="{FF2B5EF4-FFF2-40B4-BE49-F238E27FC236}">
-                <a16:creationId xmlns:a16="http://schemas.microsoft.com/office/drawing/2014/main" id="{F3F59F7B-CA23-4D2B-A81E-B2F49BB2D9B2}"/>
+                <a16:creationId xmlns:a16="http://schemas.microsoft.com/office/drawing/2014/main" id="{A54CFDEB-D860-495E-92C1-68DF7ABF30C7}"/>
               </a:ext>
             </a:extLst>
           </p:cNvPr>
@@ -24008,8 +26312,490 @@
         </p:blipFill>
         <p:spPr>
           <a:xfrm>
-            <a:off x="2639923" y="3109782"/>
-            <a:ext cx="3864154" cy="3351341"/>
+            <a:off x="131173" y="1368322"/>
+            <a:ext cx="8985395" cy="3432277"/>
+          </a:xfrm>
+          <a:prstGeom prst="rect">
+            <a:avLst/>
+          </a:prstGeom>
+        </p:spPr>
+      </p:pic>
+      <p:sp>
+        <p:nvSpPr>
+          <p:cNvPr id="2" name="Title 1">
+            <a:extLst>
+              <a:ext uri="{FF2B5EF4-FFF2-40B4-BE49-F238E27FC236}">
+                <a16:creationId xmlns:a16="http://schemas.microsoft.com/office/drawing/2014/main" id="{F6B1EA9F-374D-4869-9151-7A70469BC8E0}"/>
+              </a:ext>
+            </a:extLst>
+          </p:cNvPr>
+          <p:cNvSpPr>
+            <a:spLocks noGrp="1"/>
+          </p:cNvSpPr>
+          <p:nvPr>
+            <p:ph type="title"/>
+          </p:nvPr>
+        </p:nvSpPr>
+        <p:spPr/>
+        <p:txBody>
+          <a:bodyPr/>
+          <a:lstStyle/>
+          <a:p>
+            <a:r>
+              <a:rPr lang="en-US" dirty="0"/>
+              <a:t>Event ownership at application level</a:t>
+            </a:r>
+          </a:p>
+        </p:txBody>
+      </p:sp>
+      <p:graphicFrame>
+        <p:nvGraphicFramePr>
+          <p:cNvPr id="6" name="Content Placeholder 5">
+            <a:extLst>
+              <a:ext uri="{FF2B5EF4-FFF2-40B4-BE49-F238E27FC236}">
+                <a16:creationId xmlns:a16="http://schemas.microsoft.com/office/drawing/2014/main" id="{3846B5EC-541D-4406-80C2-69AA0C431413}"/>
+              </a:ext>
+            </a:extLst>
+          </p:cNvPr>
+          <p:cNvGraphicFramePr>
+            <a:graphicFrameLocks noGrp="1"/>
+          </p:cNvGraphicFramePr>
+          <p:nvPr>
+            <p:ph idx="1"/>
+            <p:extLst>
+              <p:ext uri="{D42A27DB-BD31-4B8C-83A1-F6EECF244321}">
+                <p14:modId xmlns:p14="http://schemas.microsoft.com/office/powerpoint/2010/main" val="831083941"/>
+              </p:ext>
+            </p:extLst>
+          </p:nvPr>
+        </p:nvGraphicFramePr>
+        <p:xfrm>
+          <a:off x="152400" y="2523680"/>
+          <a:ext cx="6096000" cy="3193136"/>
+        </p:xfrm>
+        <a:graphic>
+          <a:graphicData uri="http://schemas.openxmlformats.org/drawingml/2006/table">
+            <a:tbl>
+              <a:tblPr/>
+              <a:tblGrid>
+                <a:gridCol w="3048000">
+                  <a:extLst>
+                    <a:ext uri="{9D8B030D-6E8A-4147-A177-3AD203B41FA5}">
+                      <a16:colId xmlns:a16="http://schemas.microsoft.com/office/drawing/2014/main" val="3874867780"/>
+                    </a:ext>
+                  </a:extLst>
+                </a:gridCol>
+                <a:gridCol w="3048000">
+                  <a:extLst>
+                    <a:ext uri="{9D8B030D-6E8A-4147-A177-3AD203B41FA5}">
+                      <a16:colId xmlns:a16="http://schemas.microsoft.com/office/drawing/2014/main" val="139972853"/>
+                    </a:ext>
+                  </a:extLst>
+                </a:gridCol>
+              </a:tblGrid>
+              <a:tr h="638264">
+                <a:tc>
+                  <a:txBody>
+                    <a:bodyPr/>
+                    <a:lstStyle/>
+                    <a:p>
+                      <a:r>
+                        <a:rPr lang="en-US" dirty="0">
+                          <a:solidFill>
+                            <a:schemeClr val="bg1"/>
+                          </a:solidFill>
+                        </a:rPr>
+                        <a:t>Event</a:t>
+                      </a:r>
+                    </a:p>
+                  </a:txBody>
+                  <a:tcPr anchor="ctr">
+                    <a:lnL>
+                      <a:noFill/>
+                    </a:lnL>
+                    <a:lnR>
+                      <a:noFill/>
+                    </a:lnR>
+                    <a:lnT>
+                      <a:noFill/>
+                    </a:lnT>
+                    <a:lnB>
+                      <a:noFill/>
+                    </a:lnB>
+                    <a:solidFill>
+                      <a:srgbClr val="72C3E8"/>
+                    </a:solidFill>
+                  </a:tcPr>
+                </a:tc>
+                <a:tc>
+                  <a:txBody>
+                    <a:bodyPr/>
+                    <a:lstStyle/>
+                    <a:p>
+                      <a:r>
+                        <a:rPr lang="en-US" dirty="0">
+                          <a:solidFill>
+                            <a:schemeClr val="bg1"/>
+                          </a:solidFill>
+                        </a:rPr>
+                        <a:t>Owned By</a:t>
+                      </a:r>
+                    </a:p>
+                  </a:txBody>
+                  <a:tcPr anchor="ctr">
+                    <a:lnL>
+                      <a:noFill/>
+                    </a:lnL>
+                    <a:lnR>
+                      <a:noFill/>
+                    </a:lnR>
+                    <a:lnT>
+                      <a:noFill/>
+                    </a:lnT>
+                    <a:lnB>
+                      <a:noFill/>
+                    </a:lnB>
+                    <a:solidFill>
+                      <a:srgbClr val="72C3E8"/>
+                    </a:solidFill>
+                  </a:tcPr>
+                </a:tc>
+                <a:extLst>
+                  <a:ext uri="{0D108BD9-81ED-4DB2-BD59-A6C34878D82A}">
+                    <a16:rowId xmlns:a16="http://schemas.microsoft.com/office/drawing/2014/main" val="3358616004"/>
+                  </a:ext>
+                </a:extLst>
+              </a:tr>
+              <a:tr h="638264">
+                <a:tc>
+                  <a:txBody>
+                    <a:bodyPr/>
+                    <a:lstStyle/>
+                    <a:p>
+                      <a:r>
+                        <a:rPr lang="en-US"/>
+                        <a:t>Start button</a:t>
+                      </a:r>
+                    </a:p>
+                  </a:txBody>
+                  <a:tcPr anchor="ctr">
+                    <a:lnL>
+                      <a:noFill/>
+                    </a:lnL>
+                    <a:lnR>
+                      <a:noFill/>
+                    </a:lnR>
+                    <a:lnT>
+                      <a:noFill/>
+                    </a:lnT>
+                    <a:lnB>
+                      <a:noFill/>
+                    </a:lnB>
+                  </a:tcPr>
+                </a:tc>
+                <a:tc>
+                  <a:txBody>
+                    <a:bodyPr/>
+                    <a:lstStyle/>
+                    <a:p>
+                      <a:r>
+                        <a:rPr lang="en-US"/>
+                        <a:t>Therapy Controller</a:t>
+                      </a:r>
+                    </a:p>
+                  </a:txBody>
+                  <a:tcPr anchor="ctr">
+                    <a:lnL>
+                      <a:noFill/>
+                    </a:lnL>
+                    <a:lnR>
+                      <a:noFill/>
+                    </a:lnR>
+                    <a:lnT>
+                      <a:noFill/>
+                    </a:lnT>
+                    <a:lnB>
+                      <a:noFill/>
+                    </a:lnB>
+                  </a:tcPr>
+                </a:tc>
+                <a:extLst>
+                  <a:ext uri="{0D108BD9-81ED-4DB2-BD59-A6C34878D82A}">
+                    <a16:rowId xmlns:a16="http://schemas.microsoft.com/office/drawing/2014/main" val="2420623076"/>
+                  </a:ext>
+                </a:extLst>
+              </a:tr>
+              <a:tr h="638264">
+                <a:tc>
+                  <a:txBody>
+                    <a:bodyPr/>
+                    <a:lstStyle/>
+                    <a:p>
+                      <a:r>
+                        <a:rPr lang="en-US" dirty="0"/>
+                        <a:t>Occlusion detected</a:t>
+                      </a:r>
+                    </a:p>
+                  </a:txBody>
+                  <a:tcPr anchor="ctr">
+                    <a:lnL>
+                      <a:noFill/>
+                    </a:lnL>
+                    <a:lnR>
+                      <a:noFill/>
+                    </a:lnR>
+                    <a:lnT>
+                      <a:noFill/>
+                    </a:lnT>
+                    <a:lnB>
+                      <a:noFill/>
+                    </a:lnB>
+                  </a:tcPr>
+                </a:tc>
+                <a:tc>
+                  <a:txBody>
+                    <a:bodyPr/>
+                    <a:lstStyle/>
+                    <a:p>
+                      <a:r>
+                        <a:rPr lang="en-US"/>
+                        <a:t>Alarm Manager (may notify Therapy)</a:t>
+                      </a:r>
+                    </a:p>
+                  </a:txBody>
+                  <a:tcPr anchor="ctr">
+                    <a:lnL>
+                      <a:noFill/>
+                    </a:lnL>
+                    <a:lnR>
+                      <a:noFill/>
+                    </a:lnR>
+                    <a:lnT>
+                      <a:noFill/>
+                    </a:lnT>
+                    <a:lnB>
+                      <a:noFill/>
+                    </a:lnB>
+                  </a:tcPr>
+                </a:tc>
+                <a:extLst>
+                  <a:ext uri="{0D108BD9-81ED-4DB2-BD59-A6C34878D82A}">
+                    <a16:rowId xmlns:a16="http://schemas.microsoft.com/office/drawing/2014/main" val="1419238237"/>
+                  </a:ext>
+                </a:extLst>
+              </a:tr>
+              <a:tr h="638264">
+                <a:tc>
+                  <a:txBody>
+                    <a:bodyPr/>
+                    <a:lstStyle/>
+                    <a:p>
+                      <a:r>
+                        <a:rPr lang="en-US"/>
+                        <a:t>Timer tick</a:t>
+                      </a:r>
+                    </a:p>
+                  </a:txBody>
+                  <a:tcPr anchor="ctr">
+                    <a:lnL>
+                      <a:noFill/>
+                    </a:lnL>
+                    <a:lnR>
+                      <a:noFill/>
+                    </a:lnR>
+                    <a:lnT>
+                      <a:noFill/>
+                    </a:lnT>
+                    <a:lnB>
+                      <a:noFill/>
+                    </a:lnB>
+                  </a:tcPr>
+                </a:tc>
+                <a:tc>
+                  <a:txBody>
+                    <a:bodyPr/>
+                    <a:lstStyle/>
+                    <a:p>
+                      <a:r>
+                        <a:rPr lang="en-US"/>
+                        <a:t>Therapy Controller</a:t>
+                      </a:r>
+                    </a:p>
+                  </a:txBody>
+                  <a:tcPr anchor="ctr">
+                    <a:lnL>
+                      <a:noFill/>
+                    </a:lnL>
+                    <a:lnR>
+                      <a:noFill/>
+                    </a:lnR>
+                    <a:lnT>
+                      <a:noFill/>
+                    </a:lnT>
+                    <a:lnB>
+                      <a:noFill/>
+                    </a:lnB>
+                  </a:tcPr>
+                </a:tc>
+                <a:extLst>
+                  <a:ext uri="{0D108BD9-81ED-4DB2-BD59-A6C34878D82A}">
+                    <a16:rowId xmlns:a16="http://schemas.microsoft.com/office/drawing/2014/main" val="1416226560"/>
+                  </a:ext>
+                </a:extLst>
+              </a:tr>
+              <a:tr h="638264">
+                <a:tc>
+                  <a:txBody>
+                    <a:bodyPr/>
+                    <a:lstStyle/>
+                    <a:p>
+                      <a:r>
+                        <a:rPr lang="en-US" dirty="0"/>
+                        <a:t>Low battery</a:t>
+                      </a:r>
+                    </a:p>
+                  </a:txBody>
+                  <a:tcPr anchor="ctr">
+                    <a:lnL>
+                      <a:noFill/>
+                    </a:lnL>
+                    <a:lnR>
+                      <a:noFill/>
+                    </a:lnR>
+                    <a:lnT>
+                      <a:noFill/>
+                    </a:lnT>
+                    <a:lnB>
+                      <a:noFill/>
+                    </a:lnB>
+                  </a:tcPr>
+                </a:tc>
+                <a:tc>
+                  <a:txBody>
+                    <a:bodyPr/>
+                    <a:lstStyle/>
+                    <a:p>
+                      <a:r>
+                        <a:rPr lang="en-US" dirty="0"/>
+                        <a:t>Alarm Manager</a:t>
+                      </a:r>
+                    </a:p>
+                  </a:txBody>
+                  <a:tcPr anchor="ctr">
+                    <a:lnL>
+                      <a:noFill/>
+                    </a:lnL>
+                    <a:lnR>
+                      <a:noFill/>
+                    </a:lnR>
+                    <a:lnT>
+                      <a:noFill/>
+                    </a:lnT>
+                    <a:lnB>
+                      <a:noFill/>
+                    </a:lnB>
+                  </a:tcPr>
+                </a:tc>
+                <a:extLst>
+                  <a:ext uri="{0D108BD9-81ED-4DB2-BD59-A6C34878D82A}">
+                    <a16:rowId xmlns:a16="http://schemas.microsoft.com/office/drawing/2014/main" val="3005336681"/>
+                  </a:ext>
+                </a:extLst>
+              </a:tr>
+            </a:tbl>
+          </a:graphicData>
+        </a:graphic>
+      </p:graphicFrame>
+      <p:sp>
+        <p:nvSpPr>
+          <p:cNvPr id="4" name="Date Placeholder 3">
+            <a:extLst>
+              <a:ext uri="{FF2B5EF4-FFF2-40B4-BE49-F238E27FC236}">
+                <a16:creationId xmlns:a16="http://schemas.microsoft.com/office/drawing/2014/main" id="{E7D4B0DD-3FAE-4D3F-8E21-7EB22244A7DF}"/>
+              </a:ext>
+            </a:extLst>
+          </p:cNvPr>
+          <p:cNvSpPr>
+            <a:spLocks noGrp="1"/>
+          </p:cNvSpPr>
+          <p:nvPr>
+            <p:ph type="dt" sz="half" idx="10"/>
+          </p:nvPr>
+        </p:nvSpPr>
+        <p:spPr/>
+        <p:txBody>
+          <a:bodyPr/>
+          <a:lstStyle/>
+          <a:p>
+            <a:pPr>
+              <a:defRPr/>
+            </a:pPr>
+            <a:r>
+              <a:rPr lang="en-US"/>
+              <a:t>21/12/2020</a:t>
+            </a:r>
+          </a:p>
+        </p:txBody>
+      </p:sp>
+      <p:sp>
+        <p:nvSpPr>
+          <p:cNvPr id="5" name="Slide Number Placeholder 4">
+            <a:extLst>
+              <a:ext uri="{FF2B5EF4-FFF2-40B4-BE49-F238E27FC236}">
+                <a16:creationId xmlns:a16="http://schemas.microsoft.com/office/drawing/2014/main" id="{7F647277-7852-4306-8684-26084DFF662C}"/>
+              </a:ext>
+            </a:extLst>
+          </p:cNvPr>
+          <p:cNvSpPr>
+            <a:spLocks noGrp="1"/>
+          </p:cNvSpPr>
+          <p:nvPr>
+            <p:ph type="sldNum" sz="quarter" idx="12"/>
+          </p:nvPr>
+        </p:nvSpPr>
+        <p:spPr/>
+        <p:txBody>
+          <a:bodyPr/>
+          <a:lstStyle/>
+          <a:p>
+            <a:pPr>
+              <a:defRPr/>
+            </a:pPr>
+            <a:fld id="{CA887A73-1AE0-46F8-856A-18EA1CF30A1B}" type="slidenum">
+              <a:rPr lang="en-US" altLang="en-US" smtClean="0"/>
+              <a:pPr>
+                <a:defRPr/>
+              </a:pPr>
+              <a:t>40</a:t>
+            </a:fld>
+            <a:endParaRPr lang="en-US" altLang="en-US"/>
+          </a:p>
+        </p:txBody>
+      </p:sp>
+      <p:pic>
+        <p:nvPicPr>
+          <p:cNvPr id="10" name="Picture 9">
+            <a:extLst>
+              <a:ext uri="{FF2B5EF4-FFF2-40B4-BE49-F238E27FC236}">
+                <a16:creationId xmlns:a16="http://schemas.microsoft.com/office/drawing/2014/main" id="{EB0F03B6-3B99-4E1E-89DC-AFD8834B923F}"/>
+              </a:ext>
+            </a:extLst>
+          </p:cNvPr>
+          <p:cNvPicPr>
+            <a:picLocks noChangeAspect="1"/>
+          </p:cNvPicPr>
+          <p:nvPr/>
+        </p:nvPicPr>
+        <p:blipFill>
+          <a:blip r:embed="rId3"/>
+          <a:stretch>
+            <a:fillRect/>
+          </a:stretch>
+        </p:blipFill>
+        <p:spPr>
+          <a:xfrm>
+            <a:off x="6244422" y="4890232"/>
+            <a:ext cx="2872146" cy="1838387"/>
           </a:xfrm>
           <a:prstGeom prst="rect">
             <a:avLst/>
@@ -24019,7 +26805,2669 @@
     </p:spTree>
     <p:extLst>
       <p:ext uri="{BB962C8B-B14F-4D97-AF65-F5344CB8AC3E}">
-        <p14:creationId xmlns:p14="http://schemas.microsoft.com/office/powerpoint/2010/main" val="3897562970"/>
+        <p14:creationId xmlns:p14="http://schemas.microsoft.com/office/powerpoint/2010/main" val="2676738975"/>
+      </p:ext>
+    </p:extLst>
+  </p:cSld>
+  <p:clrMapOvr>
+    <a:masterClrMapping/>
+  </p:clrMapOvr>
+  <p:timing>
+    <p:tnLst>
+      <p:par>
+        <p:cTn id="1" dur="indefinite" restart="never" nodeType="tmRoot">
+          <p:childTnLst>
+            <p:seq concurrent="1" nextAc="seek">
+              <p:cTn id="2" dur="indefinite" nodeType="mainSeq">
+                <p:childTnLst>
+                  <p:par>
+                    <p:cTn id="3" fill="hold">
+                      <p:stCondLst>
+                        <p:cond delay="indefinite"/>
+                      </p:stCondLst>
+                      <p:childTnLst>
+                        <p:par>
+                          <p:cTn id="4" fill="hold">
+                            <p:stCondLst>
+                              <p:cond delay="0"/>
+                            </p:stCondLst>
+                            <p:childTnLst>
+                              <p:par>
+                                <p:cTn id="5" presetID="1" presetClass="entr" presetSubtype="0" fill="hold" nodeType="clickEffect">
+                                  <p:stCondLst>
+                                    <p:cond delay="0"/>
+                                  </p:stCondLst>
+                                  <p:childTnLst>
+                                    <p:set>
+                                      <p:cBhvr>
+                                        <p:cTn id="6" dur="1" fill="hold">
+                                          <p:stCondLst>
+                                            <p:cond delay="0"/>
+                                          </p:stCondLst>
+                                        </p:cTn>
+                                        <p:tgtEl>
+                                          <p:spTgt spid="10"/>
+                                        </p:tgtEl>
+                                        <p:attrNameLst>
+                                          <p:attrName>style.visibility</p:attrName>
+                                        </p:attrNameLst>
+                                      </p:cBhvr>
+                                      <p:to>
+                                        <p:strVal val="visible"/>
+                                      </p:to>
+                                    </p:set>
+                                  </p:childTnLst>
+                                </p:cTn>
+                              </p:par>
+                            </p:childTnLst>
+                          </p:cTn>
+                        </p:par>
+                      </p:childTnLst>
+                    </p:cTn>
+                  </p:par>
+                </p:childTnLst>
+              </p:cTn>
+              <p:prevCondLst>
+                <p:cond evt="onPrev" delay="0">
+                  <p:tgtEl>
+                    <p:sldTgt/>
+                  </p:tgtEl>
+                </p:cond>
+              </p:prevCondLst>
+              <p:nextCondLst>
+                <p:cond evt="onNext" delay="0">
+                  <p:tgtEl>
+                    <p:sldTgt/>
+                  </p:tgtEl>
+                </p:cond>
+              </p:nextCondLst>
+            </p:seq>
+          </p:childTnLst>
+        </p:cTn>
+      </p:par>
+    </p:tnLst>
+  </p:timing>
+</p:sld>
+</file>
+
+<file path=ppt/slides/slide41.xml><?xml version="1.0" encoding="utf-8"?>
+<p:sld xmlns:a="http://schemas.openxmlformats.org/drawingml/2006/main" xmlns:r="http://schemas.openxmlformats.org/officeDocument/2006/relationships" xmlns:p="http://schemas.openxmlformats.org/presentationml/2006/main">
+  <p:cSld>
+    <p:spTree>
+      <p:nvGrpSpPr>
+        <p:cNvPr id="1" name=""/>
+        <p:cNvGrpSpPr/>
+        <p:nvPr/>
+      </p:nvGrpSpPr>
+      <p:grpSpPr>
+        <a:xfrm>
+          <a:off x="0" y="0"/>
+          <a:ext cx="0" cy="0"/>
+          <a:chOff x="0" y="0"/>
+          <a:chExt cx="0" cy="0"/>
+        </a:xfrm>
+      </p:grpSpPr>
+      <p:sp>
+        <p:nvSpPr>
+          <p:cNvPr id="2" name="Title 1">
+            <a:extLst>
+              <a:ext uri="{FF2B5EF4-FFF2-40B4-BE49-F238E27FC236}">
+                <a16:creationId xmlns:a16="http://schemas.microsoft.com/office/drawing/2014/main" id="{926A2980-995A-4B11-AEDE-27165ECD6E9F}"/>
+              </a:ext>
+            </a:extLst>
+          </p:cNvPr>
+          <p:cNvSpPr>
+            <a:spLocks noGrp="1"/>
+          </p:cNvSpPr>
+          <p:nvPr>
+            <p:ph type="title"/>
+          </p:nvPr>
+        </p:nvSpPr>
+        <p:spPr/>
+        <p:txBody>
+          <a:bodyPr/>
+          <a:lstStyle/>
+          <a:p>
+            <a:r>
+              <a:rPr lang="en-US" dirty="0"/>
+              <a:t>Comparison of application level patterns</a:t>
+            </a:r>
+          </a:p>
+        </p:txBody>
+      </p:sp>
+      <p:graphicFrame>
+        <p:nvGraphicFramePr>
+          <p:cNvPr id="6" name="Content Placeholder 5">
+            <a:extLst>
+              <a:ext uri="{FF2B5EF4-FFF2-40B4-BE49-F238E27FC236}">
+                <a16:creationId xmlns:a16="http://schemas.microsoft.com/office/drawing/2014/main" id="{3A6F2883-E492-429F-8299-B27E3B5F0C5B}"/>
+              </a:ext>
+            </a:extLst>
+          </p:cNvPr>
+          <p:cNvGraphicFramePr>
+            <a:graphicFrameLocks noGrp="1"/>
+          </p:cNvGraphicFramePr>
+          <p:nvPr>
+            <p:ph idx="1"/>
+            <p:extLst>
+              <p:ext uri="{D42A27DB-BD31-4B8C-83A1-F6EECF244321}">
+                <p14:modId xmlns:p14="http://schemas.microsoft.com/office/powerpoint/2010/main" val="4294334499"/>
+              </p:ext>
+            </p:extLst>
+          </p:nvPr>
+        </p:nvGraphicFramePr>
+        <p:xfrm>
+          <a:off x="-12192" y="1502366"/>
+          <a:ext cx="7007352" cy="2347504"/>
+        </p:xfrm>
+        <a:graphic>
+          <a:graphicData uri="http://schemas.openxmlformats.org/drawingml/2006/table">
+            <a:tbl>
+              <a:tblPr/>
+              <a:tblGrid>
+                <a:gridCol w="2335784">
+                  <a:extLst>
+                    <a:ext uri="{9D8B030D-6E8A-4147-A177-3AD203B41FA5}">
+                      <a16:colId xmlns:a16="http://schemas.microsoft.com/office/drawing/2014/main" val="2058590319"/>
+                    </a:ext>
+                  </a:extLst>
+                </a:gridCol>
+                <a:gridCol w="2335784">
+                  <a:extLst>
+                    <a:ext uri="{9D8B030D-6E8A-4147-A177-3AD203B41FA5}">
+                      <a16:colId xmlns:a16="http://schemas.microsoft.com/office/drawing/2014/main" val="440336953"/>
+                    </a:ext>
+                  </a:extLst>
+                </a:gridCol>
+                <a:gridCol w="2335784">
+                  <a:extLst>
+                    <a:ext uri="{9D8B030D-6E8A-4147-A177-3AD203B41FA5}">
+                      <a16:colId xmlns:a16="http://schemas.microsoft.com/office/drawing/2014/main" val="781431631"/>
+                    </a:ext>
+                  </a:extLst>
+                </a:gridCol>
+              </a:tblGrid>
+              <a:tr h="315686">
+                <a:tc>
+                  <a:txBody>
+                    <a:bodyPr/>
+                    <a:lstStyle/>
+                    <a:p>
+                      <a:r>
+                        <a:rPr lang="en-US" dirty="0">
+                          <a:solidFill>
+                            <a:schemeClr val="bg1"/>
+                          </a:solidFill>
+                        </a:rPr>
+                        <a:t>Pattern</a:t>
+                      </a:r>
+                    </a:p>
+                  </a:txBody>
+                  <a:tcPr anchor="ctr">
+                    <a:lnL>
+                      <a:noFill/>
+                    </a:lnL>
+                    <a:lnR>
+                      <a:noFill/>
+                    </a:lnR>
+                    <a:lnT>
+                      <a:noFill/>
+                    </a:lnT>
+                    <a:lnB>
+                      <a:noFill/>
+                    </a:lnB>
+                    <a:solidFill>
+                      <a:srgbClr val="72C3E8"/>
+                    </a:solidFill>
+                  </a:tcPr>
+                </a:tc>
+                <a:tc>
+                  <a:txBody>
+                    <a:bodyPr/>
+                    <a:lstStyle/>
+                    <a:p>
+                      <a:r>
+                        <a:rPr lang="en-US" dirty="0">
+                          <a:solidFill>
+                            <a:schemeClr val="bg1"/>
+                          </a:solidFill>
+                        </a:rPr>
+                        <a:t>Strength</a:t>
+                      </a:r>
+                    </a:p>
+                  </a:txBody>
+                  <a:tcPr anchor="ctr">
+                    <a:lnL>
+                      <a:noFill/>
+                    </a:lnL>
+                    <a:lnR>
+                      <a:noFill/>
+                    </a:lnR>
+                    <a:lnT>
+                      <a:noFill/>
+                    </a:lnT>
+                    <a:lnB>
+                      <a:noFill/>
+                    </a:lnB>
+                    <a:solidFill>
+                      <a:srgbClr val="72C3E8"/>
+                    </a:solidFill>
+                  </a:tcPr>
+                </a:tc>
+                <a:tc>
+                  <a:txBody>
+                    <a:bodyPr/>
+                    <a:lstStyle/>
+                    <a:p>
+                      <a:r>
+                        <a:rPr lang="en-US" dirty="0">
+                          <a:solidFill>
+                            <a:schemeClr val="bg1"/>
+                          </a:solidFill>
+                        </a:rPr>
+                        <a:t>Weakness</a:t>
+                      </a:r>
+                    </a:p>
+                  </a:txBody>
+                  <a:tcPr anchor="ctr">
+                    <a:lnL>
+                      <a:noFill/>
+                    </a:lnL>
+                    <a:lnR>
+                      <a:noFill/>
+                    </a:lnR>
+                    <a:lnT>
+                      <a:noFill/>
+                    </a:lnT>
+                    <a:lnB>
+                      <a:noFill/>
+                    </a:lnB>
+                    <a:solidFill>
+                      <a:srgbClr val="72C3E8"/>
+                    </a:solidFill>
+                  </a:tcPr>
+                </a:tc>
+                <a:extLst>
+                  <a:ext uri="{0D108BD9-81ED-4DB2-BD59-A6C34878D82A}">
+                    <a16:rowId xmlns:a16="http://schemas.microsoft.com/office/drawing/2014/main" val="1316884232"/>
+                  </a:ext>
+                </a:extLst>
+              </a:tr>
+              <a:tr h="552450">
+                <a:tc>
+                  <a:txBody>
+                    <a:bodyPr/>
+                    <a:lstStyle/>
+                    <a:p>
+                      <a:r>
+                        <a:rPr lang="en-US"/>
+                        <a:t>Monolithic</a:t>
+                      </a:r>
+                    </a:p>
+                  </a:txBody>
+                  <a:tcPr anchor="ctr">
+                    <a:lnL>
+                      <a:noFill/>
+                    </a:lnL>
+                    <a:lnR>
+                      <a:noFill/>
+                    </a:lnR>
+                    <a:lnT>
+                      <a:noFill/>
+                    </a:lnT>
+                    <a:lnB>
+                      <a:noFill/>
+                    </a:lnB>
+                  </a:tcPr>
+                </a:tc>
+                <a:tc>
+                  <a:txBody>
+                    <a:bodyPr/>
+                    <a:lstStyle/>
+                    <a:p>
+                      <a:r>
+                        <a:rPr lang="en-US"/>
+                        <a:t>Simple</a:t>
+                      </a:r>
+                    </a:p>
+                  </a:txBody>
+                  <a:tcPr anchor="ctr">
+                    <a:lnL>
+                      <a:noFill/>
+                    </a:lnL>
+                    <a:lnR>
+                      <a:noFill/>
+                    </a:lnR>
+                    <a:lnT>
+                      <a:noFill/>
+                    </a:lnT>
+                    <a:lnB>
+                      <a:noFill/>
+                    </a:lnB>
+                  </a:tcPr>
+                </a:tc>
+                <a:tc>
+                  <a:txBody>
+                    <a:bodyPr/>
+                    <a:lstStyle/>
+                    <a:p>
+                      <a:r>
+                        <a:rPr lang="en-US"/>
+                        <a:t>Becomes large, mixed concerns</a:t>
+                      </a:r>
+                    </a:p>
+                  </a:txBody>
+                  <a:tcPr anchor="ctr">
+                    <a:lnL>
+                      <a:noFill/>
+                    </a:lnL>
+                    <a:lnR>
+                      <a:noFill/>
+                    </a:lnR>
+                    <a:lnT>
+                      <a:noFill/>
+                    </a:lnT>
+                    <a:lnB>
+                      <a:noFill/>
+                    </a:lnB>
+                  </a:tcPr>
+                </a:tc>
+                <a:extLst>
+                  <a:ext uri="{0D108BD9-81ED-4DB2-BD59-A6C34878D82A}">
+                    <a16:rowId xmlns:a16="http://schemas.microsoft.com/office/drawing/2014/main" val="1419688604"/>
+                  </a:ext>
+                </a:extLst>
+              </a:tr>
+              <a:tr h="789214">
+                <a:tc>
+                  <a:txBody>
+                    <a:bodyPr/>
+                    <a:lstStyle/>
+                    <a:p>
+                      <a:r>
+                        <a:rPr lang="en-US"/>
+                        <a:t>Coordinated Controllers</a:t>
+                      </a:r>
+                    </a:p>
+                  </a:txBody>
+                  <a:tcPr anchor="ctr">
+                    <a:lnL>
+                      <a:noFill/>
+                    </a:lnL>
+                    <a:lnR>
+                      <a:noFill/>
+                    </a:lnR>
+                    <a:lnT>
+                      <a:noFill/>
+                    </a:lnT>
+                    <a:lnB>
+                      <a:noFill/>
+                    </a:lnB>
+                  </a:tcPr>
+                </a:tc>
+                <a:tc>
+                  <a:txBody>
+                    <a:bodyPr/>
+                    <a:lstStyle/>
+                    <a:p>
+                      <a:r>
+                        <a:rPr lang="en-US"/>
+                        <a:t>Clear separation</a:t>
+                      </a:r>
+                    </a:p>
+                  </a:txBody>
+                  <a:tcPr anchor="ctr">
+                    <a:lnL>
+                      <a:noFill/>
+                    </a:lnL>
+                    <a:lnR>
+                      <a:noFill/>
+                    </a:lnR>
+                    <a:lnT>
+                      <a:noFill/>
+                    </a:lnT>
+                    <a:lnB>
+                      <a:noFill/>
+                    </a:lnB>
+                  </a:tcPr>
+                </a:tc>
+                <a:tc>
+                  <a:txBody>
+                    <a:bodyPr/>
+                    <a:lstStyle/>
+                    <a:p>
+                      <a:r>
+                        <a:rPr lang="en-US" dirty="0"/>
+                        <a:t>Ordering &amp; coupling must be managed</a:t>
+                      </a:r>
+                    </a:p>
+                  </a:txBody>
+                  <a:tcPr anchor="ctr">
+                    <a:lnL>
+                      <a:noFill/>
+                    </a:lnL>
+                    <a:lnR>
+                      <a:noFill/>
+                    </a:lnR>
+                    <a:lnT>
+                      <a:noFill/>
+                    </a:lnT>
+                    <a:lnB>
+                      <a:noFill/>
+                    </a:lnB>
+                  </a:tcPr>
+                </a:tc>
+                <a:extLst>
+                  <a:ext uri="{0D108BD9-81ED-4DB2-BD59-A6C34878D82A}">
+                    <a16:rowId xmlns:a16="http://schemas.microsoft.com/office/drawing/2014/main" val="3029943060"/>
+                  </a:ext>
+                </a:extLst>
+              </a:tr>
+              <a:tr h="552450">
+                <a:tc>
+                  <a:txBody>
+                    <a:bodyPr/>
+                    <a:lstStyle/>
+                    <a:p>
+                      <a:r>
+                        <a:rPr lang="en-US"/>
+                        <a:t>Dispatcher</a:t>
+                      </a:r>
+                    </a:p>
+                  </a:txBody>
+                  <a:tcPr anchor="ctr">
+                    <a:lnL>
+                      <a:noFill/>
+                    </a:lnL>
+                    <a:lnR>
+                      <a:noFill/>
+                    </a:lnR>
+                    <a:lnT>
+                      <a:noFill/>
+                    </a:lnT>
+                    <a:lnB>
+                      <a:noFill/>
+                    </a:lnB>
+                  </a:tcPr>
+                </a:tc>
+                <a:tc>
+                  <a:txBody>
+                    <a:bodyPr/>
+                    <a:lstStyle/>
+                    <a:p>
+                      <a:r>
+                        <a:rPr lang="en-US"/>
+                        <a:t>Modular &amp; scalable</a:t>
+                      </a:r>
+                    </a:p>
+                  </a:txBody>
+                  <a:tcPr anchor="ctr">
+                    <a:lnL>
+                      <a:noFill/>
+                    </a:lnL>
+                    <a:lnR>
+                      <a:noFill/>
+                    </a:lnR>
+                    <a:lnT>
+                      <a:noFill/>
+                    </a:lnT>
+                    <a:lnB>
+                      <a:noFill/>
+                    </a:lnB>
+                  </a:tcPr>
+                </a:tc>
+                <a:tc>
+                  <a:txBody>
+                    <a:bodyPr/>
+                    <a:lstStyle/>
+                    <a:p>
+                      <a:r>
+                        <a:rPr lang="en-US" dirty="0"/>
+                        <a:t>Indirect control flow</a:t>
+                      </a:r>
+                    </a:p>
+                  </a:txBody>
+                  <a:tcPr anchor="ctr">
+                    <a:lnL>
+                      <a:noFill/>
+                    </a:lnL>
+                    <a:lnR>
+                      <a:noFill/>
+                    </a:lnR>
+                    <a:lnT>
+                      <a:noFill/>
+                    </a:lnT>
+                    <a:lnB>
+                      <a:noFill/>
+                    </a:lnB>
+                  </a:tcPr>
+                </a:tc>
+                <a:extLst>
+                  <a:ext uri="{0D108BD9-81ED-4DB2-BD59-A6C34878D82A}">
+                    <a16:rowId xmlns:a16="http://schemas.microsoft.com/office/drawing/2014/main" val="1174313637"/>
+                  </a:ext>
+                </a:extLst>
+              </a:tr>
+            </a:tbl>
+          </a:graphicData>
+        </a:graphic>
+      </p:graphicFrame>
+      <p:sp>
+        <p:nvSpPr>
+          <p:cNvPr id="4" name="Date Placeholder 3">
+            <a:extLst>
+              <a:ext uri="{FF2B5EF4-FFF2-40B4-BE49-F238E27FC236}">
+                <a16:creationId xmlns:a16="http://schemas.microsoft.com/office/drawing/2014/main" id="{F2F09600-D0A9-40B1-A3BC-3D8C4B988374}"/>
+              </a:ext>
+            </a:extLst>
+          </p:cNvPr>
+          <p:cNvSpPr>
+            <a:spLocks noGrp="1"/>
+          </p:cNvSpPr>
+          <p:nvPr>
+            <p:ph type="dt" sz="half" idx="10"/>
+          </p:nvPr>
+        </p:nvSpPr>
+        <p:spPr/>
+        <p:txBody>
+          <a:bodyPr/>
+          <a:lstStyle/>
+          <a:p>
+            <a:pPr>
+              <a:defRPr/>
+            </a:pPr>
+            <a:r>
+              <a:rPr lang="en-US"/>
+              <a:t>21/12/2020</a:t>
+            </a:r>
+          </a:p>
+        </p:txBody>
+      </p:sp>
+      <p:sp>
+        <p:nvSpPr>
+          <p:cNvPr id="5" name="Slide Number Placeholder 4">
+            <a:extLst>
+              <a:ext uri="{FF2B5EF4-FFF2-40B4-BE49-F238E27FC236}">
+                <a16:creationId xmlns:a16="http://schemas.microsoft.com/office/drawing/2014/main" id="{F6F38C47-A017-470F-8557-75F5CE8CD8DB}"/>
+              </a:ext>
+            </a:extLst>
+          </p:cNvPr>
+          <p:cNvSpPr>
+            <a:spLocks noGrp="1"/>
+          </p:cNvSpPr>
+          <p:nvPr>
+            <p:ph type="sldNum" sz="quarter" idx="12"/>
+          </p:nvPr>
+        </p:nvSpPr>
+        <p:spPr/>
+        <p:txBody>
+          <a:bodyPr/>
+          <a:lstStyle/>
+          <a:p>
+            <a:pPr>
+              <a:defRPr/>
+            </a:pPr>
+            <a:fld id="{CA887A73-1AE0-46F8-856A-18EA1CF30A1B}" type="slidenum">
+              <a:rPr lang="en-US" altLang="en-US" smtClean="0"/>
+              <a:pPr>
+                <a:defRPr/>
+              </a:pPr>
+              <a:t>41</a:t>
+            </a:fld>
+            <a:endParaRPr lang="en-US" altLang="en-US"/>
+          </a:p>
+        </p:txBody>
+      </p:sp>
+      <p:graphicFrame>
+        <p:nvGraphicFramePr>
+          <p:cNvPr id="7" name="Table 6">
+            <a:extLst>
+              <a:ext uri="{FF2B5EF4-FFF2-40B4-BE49-F238E27FC236}">
+                <a16:creationId xmlns:a16="http://schemas.microsoft.com/office/drawing/2014/main" id="{BE0C7765-B1CD-46AA-ACDA-3F1DD1F89F71}"/>
+              </a:ext>
+            </a:extLst>
+          </p:cNvPr>
+          <p:cNvGraphicFramePr>
+            <a:graphicFrameLocks noGrp="1"/>
+          </p:cNvGraphicFramePr>
+          <p:nvPr>
+            <p:extLst>
+              <p:ext uri="{D42A27DB-BD31-4B8C-83A1-F6EECF244321}">
+                <p14:modId xmlns:p14="http://schemas.microsoft.com/office/powerpoint/2010/main" val="128998355"/>
+              </p:ext>
+            </p:extLst>
+          </p:nvPr>
+        </p:nvGraphicFramePr>
+        <p:xfrm>
+          <a:off x="1524000" y="3977094"/>
+          <a:ext cx="7620000" cy="2579320"/>
+        </p:xfrm>
+        <a:graphic>
+          <a:graphicData uri="http://schemas.openxmlformats.org/drawingml/2006/table">
+            <a:tbl>
+              <a:tblPr/>
+              <a:tblGrid>
+                <a:gridCol w="2540000">
+                  <a:extLst>
+                    <a:ext uri="{9D8B030D-6E8A-4147-A177-3AD203B41FA5}">
+                      <a16:colId xmlns:a16="http://schemas.microsoft.com/office/drawing/2014/main" val="685407204"/>
+                    </a:ext>
+                  </a:extLst>
+                </a:gridCol>
+                <a:gridCol w="2540000">
+                  <a:extLst>
+                    <a:ext uri="{9D8B030D-6E8A-4147-A177-3AD203B41FA5}">
+                      <a16:colId xmlns:a16="http://schemas.microsoft.com/office/drawing/2014/main" val="1997460324"/>
+                    </a:ext>
+                  </a:extLst>
+                </a:gridCol>
+                <a:gridCol w="2540000">
+                  <a:extLst>
+                    <a:ext uri="{9D8B030D-6E8A-4147-A177-3AD203B41FA5}">
+                      <a16:colId xmlns:a16="http://schemas.microsoft.com/office/drawing/2014/main" val="1674184330"/>
+                    </a:ext>
+                  </a:extLst>
+                </a:gridCol>
+              </a:tblGrid>
+              <a:tr h="408261">
+                <a:tc>
+                  <a:txBody>
+                    <a:bodyPr/>
+                    <a:lstStyle/>
+                    <a:p>
+                      <a:r>
+                        <a:rPr lang="en-US" dirty="0">
+                          <a:solidFill>
+                            <a:schemeClr val="bg1"/>
+                          </a:solidFill>
+                        </a:rPr>
+                        <a:t>Property</a:t>
+                      </a:r>
+                    </a:p>
+                  </a:txBody>
+                  <a:tcPr anchor="ctr">
+                    <a:lnL>
+                      <a:noFill/>
+                    </a:lnL>
+                    <a:lnR>
+                      <a:noFill/>
+                    </a:lnR>
+                    <a:lnT>
+                      <a:noFill/>
+                    </a:lnT>
+                    <a:lnB>
+                      <a:noFill/>
+                    </a:lnB>
+                    <a:solidFill>
+                      <a:srgbClr val="72C3E8"/>
+                    </a:solidFill>
+                  </a:tcPr>
+                </a:tc>
+                <a:tc>
+                  <a:txBody>
+                    <a:bodyPr/>
+                    <a:lstStyle/>
+                    <a:p>
+                      <a:r>
+                        <a:rPr lang="en-US" dirty="0">
+                          <a:solidFill>
+                            <a:schemeClr val="bg1"/>
+                          </a:solidFill>
+                        </a:rPr>
+                        <a:t>Coordinated Controllers</a:t>
+                      </a:r>
+                    </a:p>
+                  </a:txBody>
+                  <a:tcPr anchor="ctr">
+                    <a:lnL>
+                      <a:noFill/>
+                    </a:lnL>
+                    <a:lnR>
+                      <a:noFill/>
+                    </a:lnR>
+                    <a:lnT>
+                      <a:noFill/>
+                    </a:lnT>
+                    <a:lnB>
+                      <a:noFill/>
+                    </a:lnB>
+                    <a:solidFill>
+                      <a:srgbClr val="72C3E8"/>
+                    </a:solidFill>
+                  </a:tcPr>
+                </a:tc>
+                <a:tc>
+                  <a:txBody>
+                    <a:bodyPr/>
+                    <a:lstStyle/>
+                    <a:p>
+                      <a:r>
+                        <a:rPr lang="en-US" dirty="0">
+                          <a:solidFill>
+                            <a:schemeClr val="bg1"/>
+                          </a:solidFill>
+                        </a:rPr>
+                        <a:t>Dispatcher</a:t>
+                      </a:r>
+                    </a:p>
+                  </a:txBody>
+                  <a:tcPr anchor="ctr">
+                    <a:lnL>
+                      <a:noFill/>
+                    </a:lnL>
+                    <a:lnR>
+                      <a:noFill/>
+                    </a:lnR>
+                    <a:lnT>
+                      <a:noFill/>
+                    </a:lnT>
+                    <a:lnB>
+                      <a:noFill/>
+                    </a:lnB>
+                    <a:solidFill>
+                      <a:srgbClr val="72C3E8"/>
+                    </a:solidFill>
+                  </a:tcPr>
+                </a:tc>
+                <a:extLst>
+                  <a:ext uri="{0D108BD9-81ED-4DB2-BD59-A6C34878D82A}">
+                    <a16:rowId xmlns:a16="http://schemas.microsoft.com/office/drawing/2014/main" val="3432783854"/>
+                  </a:ext>
+                </a:extLst>
+              </a:tr>
+              <a:tr h="714457">
+                <a:tc>
+                  <a:txBody>
+                    <a:bodyPr/>
+                    <a:lstStyle/>
+                    <a:p>
+                      <a:r>
+                        <a:rPr lang="en-US"/>
+                        <a:t>Who knows whom?</a:t>
+                      </a:r>
+                    </a:p>
+                  </a:txBody>
+                  <a:tcPr anchor="ctr">
+                    <a:lnL>
+                      <a:noFill/>
+                    </a:lnL>
+                    <a:lnR>
+                      <a:noFill/>
+                    </a:lnR>
+                    <a:lnT>
+                      <a:noFill/>
+                    </a:lnT>
+                    <a:lnB>
+                      <a:noFill/>
+                    </a:lnB>
+                  </a:tcPr>
+                </a:tc>
+                <a:tc>
+                  <a:txBody>
+                    <a:bodyPr/>
+                    <a:lstStyle/>
+                    <a:p>
+                      <a:r>
+                        <a:rPr lang="en-US"/>
+                        <a:t>Controllers know each other</a:t>
+                      </a:r>
+                    </a:p>
+                  </a:txBody>
+                  <a:tcPr anchor="ctr">
+                    <a:lnL>
+                      <a:noFill/>
+                    </a:lnL>
+                    <a:lnR>
+                      <a:noFill/>
+                    </a:lnR>
+                    <a:lnT>
+                      <a:noFill/>
+                    </a:lnT>
+                    <a:lnB>
+                      <a:noFill/>
+                    </a:lnB>
+                  </a:tcPr>
+                </a:tc>
+                <a:tc>
+                  <a:txBody>
+                    <a:bodyPr/>
+                    <a:lstStyle/>
+                    <a:p>
+                      <a:r>
+                        <a:rPr lang="en-US"/>
+                        <a:t>Controllers know only dispatcher</a:t>
+                      </a:r>
+                    </a:p>
+                  </a:txBody>
+                  <a:tcPr anchor="ctr">
+                    <a:lnL>
+                      <a:noFill/>
+                    </a:lnL>
+                    <a:lnR>
+                      <a:noFill/>
+                    </a:lnR>
+                    <a:lnT>
+                      <a:noFill/>
+                    </a:lnT>
+                    <a:lnB>
+                      <a:noFill/>
+                    </a:lnB>
+                  </a:tcPr>
+                </a:tc>
+                <a:extLst>
+                  <a:ext uri="{0D108BD9-81ED-4DB2-BD59-A6C34878D82A}">
+                    <a16:rowId xmlns:a16="http://schemas.microsoft.com/office/drawing/2014/main" val="977242618"/>
+                  </a:ext>
+                </a:extLst>
+              </a:tr>
+              <a:tr h="408261">
+                <a:tc>
+                  <a:txBody>
+                    <a:bodyPr/>
+                    <a:lstStyle/>
+                    <a:p>
+                      <a:r>
+                        <a:rPr lang="en-US"/>
+                        <a:t>Direct function calls?</a:t>
+                      </a:r>
+                    </a:p>
+                  </a:txBody>
+                  <a:tcPr anchor="ctr">
+                    <a:lnL>
+                      <a:noFill/>
+                    </a:lnL>
+                    <a:lnR>
+                      <a:noFill/>
+                    </a:lnR>
+                    <a:lnT>
+                      <a:noFill/>
+                    </a:lnT>
+                    <a:lnB>
+                      <a:noFill/>
+                    </a:lnB>
+                  </a:tcPr>
+                </a:tc>
+                <a:tc>
+                  <a:txBody>
+                    <a:bodyPr/>
+                    <a:lstStyle/>
+                    <a:p>
+                      <a:r>
+                        <a:rPr lang="en-US"/>
+                        <a:t>Yes</a:t>
+                      </a:r>
+                    </a:p>
+                  </a:txBody>
+                  <a:tcPr anchor="ctr">
+                    <a:lnL>
+                      <a:noFill/>
+                    </a:lnL>
+                    <a:lnR>
+                      <a:noFill/>
+                    </a:lnR>
+                    <a:lnT>
+                      <a:noFill/>
+                    </a:lnT>
+                    <a:lnB>
+                      <a:noFill/>
+                    </a:lnB>
+                  </a:tcPr>
+                </a:tc>
+                <a:tc>
+                  <a:txBody>
+                    <a:bodyPr/>
+                    <a:lstStyle/>
+                    <a:p>
+                      <a:r>
+                        <a:rPr lang="en-US"/>
+                        <a:t>No</a:t>
+                      </a:r>
+                    </a:p>
+                  </a:txBody>
+                  <a:tcPr anchor="ctr">
+                    <a:lnL>
+                      <a:noFill/>
+                    </a:lnL>
+                    <a:lnR>
+                      <a:noFill/>
+                    </a:lnR>
+                    <a:lnT>
+                      <a:noFill/>
+                    </a:lnT>
+                    <a:lnB>
+                      <a:noFill/>
+                    </a:lnB>
+                  </a:tcPr>
+                </a:tc>
+                <a:extLst>
+                  <a:ext uri="{0D108BD9-81ED-4DB2-BD59-A6C34878D82A}">
+                    <a16:rowId xmlns:a16="http://schemas.microsoft.com/office/drawing/2014/main" val="1075499702"/>
+                  </a:ext>
+                </a:extLst>
+              </a:tr>
+              <a:tr h="408261">
+                <a:tc>
+                  <a:txBody>
+                    <a:bodyPr/>
+                    <a:lstStyle/>
+                    <a:p>
+                      <a:r>
+                        <a:rPr lang="en-US"/>
+                        <a:t>Coupling</a:t>
+                      </a:r>
+                    </a:p>
+                  </a:txBody>
+                  <a:tcPr anchor="ctr">
+                    <a:lnL>
+                      <a:noFill/>
+                    </a:lnL>
+                    <a:lnR>
+                      <a:noFill/>
+                    </a:lnR>
+                    <a:lnT>
+                      <a:noFill/>
+                    </a:lnT>
+                    <a:lnB>
+                      <a:noFill/>
+                    </a:lnB>
+                  </a:tcPr>
+                </a:tc>
+                <a:tc>
+                  <a:txBody>
+                    <a:bodyPr/>
+                    <a:lstStyle/>
+                    <a:p>
+                      <a:r>
+                        <a:rPr lang="en-US"/>
+                        <a:t>Explicit, directional</a:t>
+                      </a:r>
+                    </a:p>
+                  </a:txBody>
+                  <a:tcPr anchor="ctr">
+                    <a:lnL>
+                      <a:noFill/>
+                    </a:lnL>
+                    <a:lnR>
+                      <a:noFill/>
+                    </a:lnR>
+                    <a:lnT>
+                      <a:noFill/>
+                    </a:lnT>
+                    <a:lnB>
+                      <a:noFill/>
+                    </a:lnB>
+                  </a:tcPr>
+                </a:tc>
+                <a:tc>
+                  <a:txBody>
+                    <a:bodyPr/>
+                    <a:lstStyle/>
+                    <a:p>
+                      <a:r>
+                        <a:rPr lang="en-US"/>
+                        <a:t>Indirect, via event bus</a:t>
+                      </a:r>
+                    </a:p>
+                  </a:txBody>
+                  <a:tcPr anchor="ctr">
+                    <a:lnL>
+                      <a:noFill/>
+                    </a:lnL>
+                    <a:lnR>
+                      <a:noFill/>
+                    </a:lnR>
+                    <a:lnT>
+                      <a:noFill/>
+                    </a:lnT>
+                    <a:lnB>
+                      <a:noFill/>
+                    </a:lnB>
+                  </a:tcPr>
+                </a:tc>
+                <a:extLst>
+                  <a:ext uri="{0D108BD9-81ED-4DB2-BD59-A6C34878D82A}">
+                    <a16:rowId xmlns:a16="http://schemas.microsoft.com/office/drawing/2014/main" val="1705322514"/>
+                  </a:ext>
+                </a:extLst>
+              </a:tr>
+              <a:tr h="408261">
+                <a:tc>
+                  <a:txBody>
+                    <a:bodyPr/>
+                    <a:lstStyle/>
+                    <a:p>
+                      <a:r>
+                        <a:rPr lang="en-US"/>
+                        <a:t>Compile-time dependency</a:t>
+                      </a:r>
+                    </a:p>
+                  </a:txBody>
+                  <a:tcPr anchor="ctr">
+                    <a:lnL>
+                      <a:noFill/>
+                    </a:lnL>
+                    <a:lnR>
+                      <a:noFill/>
+                    </a:lnR>
+                    <a:lnT>
+                      <a:noFill/>
+                    </a:lnT>
+                    <a:lnB>
+                      <a:noFill/>
+                    </a:lnB>
+                  </a:tcPr>
+                </a:tc>
+                <a:tc>
+                  <a:txBody>
+                    <a:bodyPr/>
+                    <a:lstStyle/>
+                    <a:p>
+                      <a:r>
+                        <a:rPr lang="en-US"/>
+                        <a:t>Strong</a:t>
+                      </a:r>
+                    </a:p>
+                  </a:txBody>
+                  <a:tcPr anchor="ctr">
+                    <a:lnL>
+                      <a:noFill/>
+                    </a:lnL>
+                    <a:lnR>
+                      <a:noFill/>
+                    </a:lnR>
+                    <a:lnT>
+                      <a:noFill/>
+                    </a:lnT>
+                    <a:lnB>
+                      <a:noFill/>
+                    </a:lnB>
+                  </a:tcPr>
+                </a:tc>
+                <a:tc>
+                  <a:txBody>
+                    <a:bodyPr/>
+                    <a:lstStyle/>
+                    <a:p>
+                      <a:r>
+                        <a:rPr lang="en-US" dirty="0"/>
+                        <a:t>Weaker</a:t>
+                      </a:r>
+                    </a:p>
+                  </a:txBody>
+                  <a:tcPr anchor="ctr">
+                    <a:lnL>
+                      <a:noFill/>
+                    </a:lnL>
+                    <a:lnR>
+                      <a:noFill/>
+                    </a:lnR>
+                    <a:lnT>
+                      <a:noFill/>
+                    </a:lnT>
+                    <a:lnB>
+                      <a:noFill/>
+                    </a:lnB>
+                  </a:tcPr>
+                </a:tc>
+                <a:extLst>
+                  <a:ext uri="{0D108BD9-81ED-4DB2-BD59-A6C34878D82A}">
+                    <a16:rowId xmlns:a16="http://schemas.microsoft.com/office/drawing/2014/main" val="3888746528"/>
+                  </a:ext>
+                </a:extLst>
+              </a:tr>
+            </a:tbl>
+          </a:graphicData>
+        </a:graphic>
+      </p:graphicFrame>
+    </p:spTree>
+    <p:extLst>
+      <p:ext uri="{BB962C8B-B14F-4D97-AF65-F5344CB8AC3E}">
+        <p14:creationId xmlns:p14="http://schemas.microsoft.com/office/powerpoint/2010/main" val="1109414776"/>
+      </p:ext>
+    </p:extLst>
+  </p:cSld>
+  <p:clrMapOvr>
+    <a:masterClrMapping/>
+  </p:clrMapOvr>
+</p:sld>
+</file>
+
+<file path=ppt/slides/slide42.xml><?xml version="1.0" encoding="utf-8"?>
+<p:sld xmlns:a="http://schemas.openxmlformats.org/drawingml/2006/main" xmlns:r="http://schemas.openxmlformats.org/officeDocument/2006/relationships" xmlns:p="http://schemas.openxmlformats.org/presentationml/2006/main">
+  <p:cSld>
+    <p:spTree>
+      <p:nvGrpSpPr>
+        <p:cNvPr id="1" name=""/>
+        <p:cNvGrpSpPr/>
+        <p:nvPr/>
+      </p:nvGrpSpPr>
+      <p:grpSpPr>
+        <a:xfrm>
+          <a:off x="0" y="0"/>
+          <a:ext cx="0" cy="0"/>
+          <a:chOff x="0" y="0"/>
+          <a:chExt cx="0" cy="0"/>
+        </a:xfrm>
+      </p:grpSpPr>
+      <p:sp>
+        <p:nvSpPr>
+          <p:cNvPr id="2" name="Title 1">
+            <a:extLst>
+              <a:ext uri="{FF2B5EF4-FFF2-40B4-BE49-F238E27FC236}">
+                <a16:creationId xmlns:a16="http://schemas.microsoft.com/office/drawing/2014/main" id="{3098C114-0AFB-4C38-B91B-5C479ECA79FC}"/>
+              </a:ext>
+            </a:extLst>
+          </p:cNvPr>
+          <p:cNvSpPr>
+            <a:spLocks noGrp="1"/>
+          </p:cNvSpPr>
+          <p:nvPr>
+            <p:ph type="title"/>
+          </p:nvPr>
+        </p:nvSpPr>
+        <p:spPr/>
+        <p:txBody>
+          <a:bodyPr/>
+          <a:lstStyle/>
+          <a:p>
+            <a:r>
+              <a:rPr lang="en-US" dirty="0"/>
+              <a:t>Control flow visibility</a:t>
+            </a:r>
+          </a:p>
+        </p:txBody>
+      </p:sp>
+      <p:sp>
+        <p:nvSpPr>
+          <p:cNvPr id="3" name="Content Placeholder 2">
+            <a:extLst>
+              <a:ext uri="{FF2B5EF4-FFF2-40B4-BE49-F238E27FC236}">
+                <a16:creationId xmlns:a16="http://schemas.microsoft.com/office/drawing/2014/main" id="{0E5F108C-556F-4BAA-98CF-9759F8F746B7}"/>
+              </a:ext>
+            </a:extLst>
+          </p:cNvPr>
+          <p:cNvSpPr>
+            <a:spLocks noGrp="1"/>
+          </p:cNvSpPr>
+          <p:nvPr>
+            <p:ph sz="half" idx="1"/>
+          </p:nvPr>
+        </p:nvSpPr>
+        <p:spPr/>
+        <p:txBody>
+          <a:bodyPr/>
+          <a:lstStyle/>
+          <a:p>
+            <a:pPr marL="0" indent="0">
+              <a:buNone/>
+            </a:pPr>
+            <a:r>
+              <a:rPr lang="en-US" dirty="0"/>
+              <a:t>Coordinated Controllers</a:t>
+            </a:r>
+          </a:p>
+          <a:p>
+            <a:r>
+              <a:rPr lang="en-US" dirty="0"/>
+              <a:t>Control flow is explicit.</a:t>
+            </a:r>
+          </a:p>
+          <a:p>
+            <a:r>
+              <a:rPr lang="en-US" dirty="0"/>
+              <a:t>You can trace calls statically.</a:t>
+            </a:r>
+          </a:p>
+          <a:p>
+            <a:r>
+              <a:rPr lang="en-US" dirty="0"/>
+              <a:t>Easier to reason locally.</a:t>
+            </a:r>
+          </a:p>
+          <a:p>
+            <a:r>
+              <a:rPr lang="en-US" dirty="0"/>
+              <a:t>Harder to scale globally.</a:t>
+            </a:r>
+          </a:p>
+        </p:txBody>
+      </p:sp>
+      <p:sp>
+        <p:nvSpPr>
+          <p:cNvPr id="4" name="Content Placeholder 3">
+            <a:extLst>
+              <a:ext uri="{FF2B5EF4-FFF2-40B4-BE49-F238E27FC236}">
+                <a16:creationId xmlns:a16="http://schemas.microsoft.com/office/drawing/2014/main" id="{7C231A8E-401B-436A-9646-7D2BCD015453}"/>
+              </a:ext>
+            </a:extLst>
+          </p:cNvPr>
+          <p:cNvSpPr>
+            <a:spLocks noGrp="1"/>
+          </p:cNvSpPr>
+          <p:nvPr>
+            <p:ph sz="half" idx="2"/>
+          </p:nvPr>
+        </p:nvSpPr>
+        <p:spPr/>
+        <p:txBody>
+          <a:bodyPr/>
+          <a:lstStyle/>
+          <a:p>
+            <a:pPr marL="0" indent="0">
+              <a:buNone/>
+            </a:pPr>
+            <a:r>
+              <a:rPr lang="en-US" dirty="0"/>
+              <a:t>Dispatcher</a:t>
+            </a:r>
+          </a:p>
+          <a:p>
+            <a:r>
+              <a:rPr lang="en-US" dirty="0"/>
+              <a:t>Control flow is indirect.</a:t>
+            </a:r>
+          </a:p>
+          <a:p>
+            <a:r>
+              <a:rPr lang="en-US" dirty="0"/>
+              <a:t>Requires mental model of event routing.</a:t>
+            </a:r>
+          </a:p>
+          <a:p>
+            <a:r>
+              <a:rPr lang="en-US" dirty="0"/>
+              <a:t>Scales better.</a:t>
+            </a:r>
+          </a:p>
+          <a:p>
+            <a:r>
+              <a:rPr lang="en-US" dirty="0"/>
+              <a:t>Harder to trace.</a:t>
+            </a:r>
+          </a:p>
+        </p:txBody>
+      </p:sp>
+      <p:sp>
+        <p:nvSpPr>
+          <p:cNvPr id="5" name="Date Placeholder 4">
+            <a:extLst>
+              <a:ext uri="{FF2B5EF4-FFF2-40B4-BE49-F238E27FC236}">
+                <a16:creationId xmlns:a16="http://schemas.microsoft.com/office/drawing/2014/main" id="{CE9CF816-06E1-423F-B4EE-7B204CBB8D5A}"/>
+              </a:ext>
+            </a:extLst>
+          </p:cNvPr>
+          <p:cNvSpPr>
+            <a:spLocks noGrp="1"/>
+          </p:cNvSpPr>
+          <p:nvPr>
+            <p:ph type="dt" sz="half" idx="10"/>
+          </p:nvPr>
+        </p:nvSpPr>
+        <p:spPr/>
+        <p:txBody>
+          <a:bodyPr/>
+          <a:lstStyle/>
+          <a:p>
+            <a:pPr>
+              <a:defRPr/>
+            </a:pPr>
+            <a:r>
+              <a:rPr lang="en-US"/>
+              <a:t>21/12/2020</a:t>
+            </a:r>
+          </a:p>
+        </p:txBody>
+      </p:sp>
+      <p:sp>
+        <p:nvSpPr>
+          <p:cNvPr id="6" name="Slide Number Placeholder 5">
+            <a:extLst>
+              <a:ext uri="{FF2B5EF4-FFF2-40B4-BE49-F238E27FC236}">
+                <a16:creationId xmlns:a16="http://schemas.microsoft.com/office/drawing/2014/main" id="{EF2562CD-3B9F-4118-A993-418E27DFC722}"/>
+              </a:ext>
+            </a:extLst>
+          </p:cNvPr>
+          <p:cNvSpPr>
+            <a:spLocks noGrp="1"/>
+          </p:cNvSpPr>
+          <p:nvPr>
+            <p:ph type="sldNum" sz="quarter" idx="12"/>
+          </p:nvPr>
+        </p:nvSpPr>
+        <p:spPr/>
+        <p:txBody>
+          <a:bodyPr/>
+          <a:lstStyle/>
+          <a:p>
+            <a:pPr>
+              <a:defRPr/>
+            </a:pPr>
+            <a:fld id="{84877344-E1C7-49F4-9630-5A0F623202D9}" type="slidenum">
+              <a:rPr lang="en-US" altLang="en-US" smtClean="0"/>
+              <a:pPr>
+                <a:defRPr/>
+              </a:pPr>
+              <a:t>42</a:t>
+            </a:fld>
+            <a:endParaRPr lang="en-US" altLang="en-US"/>
+          </a:p>
+        </p:txBody>
+      </p:sp>
+    </p:spTree>
+    <p:extLst>
+      <p:ext uri="{BB962C8B-B14F-4D97-AF65-F5344CB8AC3E}">
+        <p14:creationId xmlns:p14="http://schemas.microsoft.com/office/powerpoint/2010/main" val="748005122"/>
+      </p:ext>
+    </p:extLst>
+  </p:cSld>
+  <p:clrMapOvr>
+    <a:masterClrMapping/>
+  </p:clrMapOvr>
+</p:sld>
+</file>
+
+<file path=ppt/slides/slide43.xml><?xml version="1.0" encoding="utf-8"?>
+<p:sld xmlns:a="http://schemas.openxmlformats.org/drawingml/2006/main" xmlns:r="http://schemas.openxmlformats.org/officeDocument/2006/relationships" xmlns:p="http://schemas.openxmlformats.org/presentationml/2006/main">
+  <p:cSld>
+    <p:spTree>
+      <p:nvGrpSpPr>
+        <p:cNvPr id="1" name=""/>
+        <p:cNvGrpSpPr/>
+        <p:nvPr/>
+      </p:nvGrpSpPr>
+      <p:grpSpPr>
+        <a:xfrm>
+          <a:off x="0" y="0"/>
+          <a:ext cx="0" cy="0"/>
+          <a:chOff x="0" y="0"/>
+          <a:chExt cx="0" cy="0"/>
+        </a:xfrm>
+      </p:grpSpPr>
+      <p:sp>
+        <p:nvSpPr>
+          <p:cNvPr id="2" name="Title 1">
+            <a:extLst>
+              <a:ext uri="{FF2B5EF4-FFF2-40B4-BE49-F238E27FC236}">
+                <a16:creationId xmlns:a16="http://schemas.microsoft.com/office/drawing/2014/main" id="{F493194B-BBFC-4FF4-86FC-526CBA61CF9E}"/>
+              </a:ext>
+            </a:extLst>
+          </p:cNvPr>
+          <p:cNvSpPr>
+            <a:spLocks noGrp="1"/>
+          </p:cNvSpPr>
+          <p:nvPr>
+            <p:ph type="title"/>
+          </p:nvPr>
+        </p:nvSpPr>
+        <p:spPr/>
+        <p:txBody>
+          <a:bodyPr/>
+          <a:lstStyle/>
+          <a:p>
+            <a:r>
+              <a:rPr lang="en-US" dirty="0"/>
+              <a:t>Ease of adding modules</a:t>
+            </a:r>
+          </a:p>
+        </p:txBody>
+      </p:sp>
+      <p:sp>
+        <p:nvSpPr>
+          <p:cNvPr id="3" name="Content Placeholder 2">
+            <a:extLst>
+              <a:ext uri="{FF2B5EF4-FFF2-40B4-BE49-F238E27FC236}">
+                <a16:creationId xmlns:a16="http://schemas.microsoft.com/office/drawing/2014/main" id="{F79863E8-8424-468B-BFBB-6736D502FB48}"/>
+              </a:ext>
+            </a:extLst>
+          </p:cNvPr>
+          <p:cNvSpPr>
+            <a:spLocks noGrp="1"/>
+          </p:cNvSpPr>
+          <p:nvPr>
+            <p:ph sz="half" idx="1"/>
+          </p:nvPr>
+        </p:nvSpPr>
+        <p:spPr>
+          <a:xfrm>
+            <a:off x="457200" y="1951037"/>
+            <a:ext cx="4038600" cy="4525963"/>
+          </a:xfrm>
+        </p:spPr>
+        <p:txBody>
+          <a:bodyPr/>
+          <a:lstStyle/>
+          <a:p>
+            <a:pPr marL="0" indent="0">
+              <a:buNone/>
+            </a:pPr>
+            <a:r>
+              <a:rPr lang="en-US" dirty="0"/>
+              <a:t>Coordinated Controllers</a:t>
+            </a:r>
+          </a:p>
+          <a:p>
+            <a:r>
+              <a:rPr lang="en-US" dirty="0"/>
+              <a:t>Every new controller may require:</a:t>
+            </a:r>
+          </a:p>
+          <a:p>
+            <a:pPr lvl="1"/>
+            <a:r>
+              <a:rPr lang="en-US" dirty="0"/>
+              <a:t>new direct calls</a:t>
+            </a:r>
+          </a:p>
+          <a:p>
+            <a:pPr lvl="1"/>
+            <a:r>
+              <a:rPr lang="en-US" dirty="0"/>
+              <a:t>updated dependencies</a:t>
+            </a:r>
+          </a:p>
+          <a:p>
+            <a:pPr lvl="1"/>
+            <a:r>
+              <a:rPr lang="en-US" dirty="0"/>
+              <a:t>careful ordering</a:t>
+            </a:r>
+          </a:p>
+          <a:p>
+            <a:r>
+              <a:rPr lang="en-US" dirty="0"/>
+              <a:t>The dependency graph grows quadratically.</a:t>
+            </a:r>
+          </a:p>
+        </p:txBody>
+      </p:sp>
+      <p:sp>
+        <p:nvSpPr>
+          <p:cNvPr id="4" name="Content Placeholder 3">
+            <a:extLst>
+              <a:ext uri="{FF2B5EF4-FFF2-40B4-BE49-F238E27FC236}">
+                <a16:creationId xmlns:a16="http://schemas.microsoft.com/office/drawing/2014/main" id="{F774004B-EC70-4BC3-94DB-92C7D7A59E19}"/>
+              </a:ext>
+            </a:extLst>
+          </p:cNvPr>
+          <p:cNvSpPr>
+            <a:spLocks noGrp="1"/>
+          </p:cNvSpPr>
+          <p:nvPr>
+            <p:ph sz="half" idx="2"/>
+          </p:nvPr>
+        </p:nvSpPr>
+        <p:spPr>
+          <a:xfrm>
+            <a:off x="4648200" y="1951037"/>
+            <a:ext cx="4038600" cy="4525963"/>
+          </a:xfrm>
+        </p:spPr>
+        <p:txBody>
+          <a:bodyPr/>
+          <a:lstStyle/>
+          <a:p>
+            <a:pPr marL="0" indent="0">
+              <a:buNone/>
+            </a:pPr>
+            <a:r>
+              <a:rPr lang="en-US" dirty="0"/>
+              <a:t>Dispatcher Pattern</a:t>
+            </a:r>
+          </a:p>
+          <a:p>
+            <a:r>
+              <a:rPr lang="en-US" dirty="0"/>
+              <a:t>New module:</a:t>
+            </a:r>
+          </a:p>
+          <a:p>
+            <a:pPr lvl="1"/>
+            <a:r>
+              <a:rPr lang="en-US" dirty="0"/>
+              <a:t>subscribes to events</a:t>
+            </a:r>
+          </a:p>
+          <a:p>
+            <a:pPr lvl="1"/>
+            <a:r>
+              <a:rPr lang="en-US" dirty="0"/>
+              <a:t>no other controller modified</a:t>
+            </a:r>
+          </a:p>
+          <a:p>
+            <a:r>
+              <a:rPr lang="en-US" dirty="0"/>
+              <a:t>The dependency graph remains star-shaped.</a:t>
+            </a:r>
+          </a:p>
+          <a:p>
+            <a:r>
+              <a:rPr lang="en-US" dirty="0"/>
+              <a:t>That’s the scaling advantage.</a:t>
+            </a:r>
+          </a:p>
+        </p:txBody>
+      </p:sp>
+      <p:sp>
+        <p:nvSpPr>
+          <p:cNvPr id="5" name="Date Placeholder 4">
+            <a:extLst>
+              <a:ext uri="{FF2B5EF4-FFF2-40B4-BE49-F238E27FC236}">
+                <a16:creationId xmlns:a16="http://schemas.microsoft.com/office/drawing/2014/main" id="{E03B022C-3FA9-469B-A3E5-A1199FEE0F51}"/>
+              </a:ext>
+            </a:extLst>
+          </p:cNvPr>
+          <p:cNvSpPr>
+            <a:spLocks noGrp="1"/>
+          </p:cNvSpPr>
+          <p:nvPr>
+            <p:ph type="dt" sz="half" idx="10"/>
+          </p:nvPr>
+        </p:nvSpPr>
+        <p:spPr/>
+        <p:txBody>
+          <a:bodyPr/>
+          <a:lstStyle/>
+          <a:p>
+            <a:pPr>
+              <a:defRPr/>
+            </a:pPr>
+            <a:r>
+              <a:rPr lang="en-US"/>
+              <a:t>21/12/2020</a:t>
+            </a:r>
+          </a:p>
+        </p:txBody>
+      </p:sp>
+      <p:sp>
+        <p:nvSpPr>
+          <p:cNvPr id="6" name="Slide Number Placeholder 5">
+            <a:extLst>
+              <a:ext uri="{FF2B5EF4-FFF2-40B4-BE49-F238E27FC236}">
+                <a16:creationId xmlns:a16="http://schemas.microsoft.com/office/drawing/2014/main" id="{8EC8E159-FAD3-4F92-913F-C745DD2C9396}"/>
+              </a:ext>
+            </a:extLst>
+          </p:cNvPr>
+          <p:cNvSpPr>
+            <a:spLocks noGrp="1"/>
+          </p:cNvSpPr>
+          <p:nvPr>
+            <p:ph type="sldNum" sz="quarter" idx="12"/>
+          </p:nvPr>
+        </p:nvSpPr>
+        <p:spPr/>
+        <p:txBody>
+          <a:bodyPr/>
+          <a:lstStyle/>
+          <a:p>
+            <a:pPr>
+              <a:defRPr/>
+            </a:pPr>
+            <a:fld id="{84877344-E1C7-49F4-9630-5A0F623202D9}" type="slidenum">
+              <a:rPr lang="en-US" altLang="en-US" smtClean="0"/>
+              <a:pPr>
+                <a:defRPr/>
+              </a:pPr>
+              <a:t>43</a:t>
+            </a:fld>
+            <a:endParaRPr lang="en-US" altLang="en-US"/>
+          </a:p>
+        </p:txBody>
+      </p:sp>
+      <p:sp>
+        <p:nvSpPr>
+          <p:cNvPr id="7" name="Content Placeholder 2">
+            <a:extLst>
+              <a:ext uri="{FF2B5EF4-FFF2-40B4-BE49-F238E27FC236}">
+                <a16:creationId xmlns:a16="http://schemas.microsoft.com/office/drawing/2014/main" id="{4DBFF589-E76D-45F2-979E-C8E3DBAF51C5}"/>
+              </a:ext>
+            </a:extLst>
+          </p:cNvPr>
+          <p:cNvSpPr txBox="1">
+            <a:spLocks/>
+          </p:cNvSpPr>
+          <p:nvPr/>
+        </p:nvSpPr>
+        <p:spPr bwMode="auto">
+          <a:xfrm>
+            <a:off x="24384" y="1371601"/>
+            <a:ext cx="9043416" cy="457200"/>
+          </a:xfrm>
+          <a:prstGeom prst="rect">
+            <a:avLst/>
+          </a:prstGeom>
+          <a:noFill/>
+          <a:ln>
+            <a:noFill/>
+          </a:ln>
+          <a:extLst>
+            <a:ext uri="{909E8E84-426E-40DD-AFC4-6F175D3DCCD1}">
+              <a14:hiddenFill xmlns:a14="http://schemas.microsoft.com/office/drawing/2010/main">
+                <a:solidFill>
+                  <a:srgbClr val="FFFFFF"/>
+                </a:solidFill>
+              </a14:hiddenFill>
+            </a:ext>
+            <a:ext uri="{91240B29-F687-4F45-9708-019B960494DF}">
+              <a14:hiddenLine xmlns:a14="http://schemas.microsoft.com/office/drawing/2010/main" w="9525">
+                <a:solidFill>
+                  <a:srgbClr val="000000"/>
+                </a:solidFill>
+                <a:miter lim="800000"/>
+                <a:headEnd/>
+                <a:tailEnd/>
+              </a14:hiddenLine>
+            </a:ext>
+          </a:extLst>
+        </p:spPr>
+        <p:txBody>
+          <a:bodyPr vert="horz" wrap="square" lIns="91440" tIns="45720" rIns="91440" bIns="45720" numCol="1" anchor="t" anchorCtr="0" compatLnSpc="1">
+            <a:prstTxWarp prst="textNoShape">
+              <a:avLst/>
+            </a:prstTxWarp>
+          </a:bodyPr>
+          <a:lstStyle>
+            <a:lvl1pPr marL="342900" indent="-342900" algn="l" rtl="0" eaLnBrk="0" fontAlgn="base" hangingPunct="0">
+              <a:spcBef>
+                <a:spcPct val="20000"/>
+              </a:spcBef>
+              <a:spcAft>
+                <a:spcPct val="0"/>
+              </a:spcAft>
+              <a:buFont typeface="Arial" panose="020B0604020202020204" pitchFamily="34" charset="0"/>
+              <a:buChar char="•"/>
+              <a:defRPr sz="2800" kern="1200">
+                <a:solidFill>
+                  <a:schemeClr val="tx1">
+                    <a:lumMod val="50000"/>
+                    <a:lumOff val="50000"/>
+                  </a:schemeClr>
+                </a:solidFill>
+                <a:latin typeface="+mn-lt"/>
+                <a:ea typeface="+mn-ea"/>
+                <a:cs typeface="+mn-cs"/>
+              </a:defRPr>
+            </a:lvl1pPr>
+            <a:lvl2pPr marL="742950" indent="-285750" algn="l" rtl="0" eaLnBrk="0" fontAlgn="base" hangingPunct="0">
+              <a:spcBef>
+                <a:spcPct val="20000"/>
+              </a:spcBef>
+              <a:spcAft>
+                <a:spcPct val="0"/>
+              </a:spcAft>
+              <a:buFont typeface="Arial" panose="020B0604020202020204" pitchFamily="34" charset="0"/>
+              <a:buChar char="–"/>
+              <a:defRPr sz="2400" kern="1200">
+                <a:solidFill>
+                  <a:schemeClr val="tx1">
+                    <a:lumMod val="50000"/>
+                    <a:lumOff val="50000"/>
+                  </a:schemeClr>
+                </a:solidFill>
+                <a:latin typeface="+mn-lt"/>
+                <a:ea typeface="+mn-ea"/>
+                <a:cs typeface="+mn-cs"/>
+              </a:defRPr>
+            </a:lvl2pPr>
+            <a:lvl3pPr marL="1143000" indent="-228600" algn="l" rtl="0" eaLnBrk="0" fontAlgn="base" hangingPunct="0">
+              <a:spcBef>
+                <a:spcPct val="20000"/>
+              </a:spcBef>
+              <a:spcAft>
+                <a:spcPct val="0"/>
+              </a:spcAft>
+              <a:buFont typeface="Arial" panose="020B0604020202020204" pitchFamily="34" charset="0"/>
+              <a:buChar char="•"/>
+              <a:defRPr sz="2000" kern="1200">
+                <a:solidFill>
+                  <a:schemeClr val="tx1">
+                    <a:lumMod val="50000"/>
+                    <a:lumOff val="50000"/>
+                  </a:schemeClr>
+                </a:solidFill>
+                <a:latin typeface="+mn-lt"/>
+                <a:ea typeface="+mn-ea"/>
+                <a:cs typeface="+mn-cs"/>
+              </a:defRPr>
+            </a:lvl3pPr>
+            <a:lvl4pPr marL="1600200" indent="-228600" algn="l" rtl="0" eaLnBrk="0" fontAlgn="base" hangingPunct="0">
+              <a:spcBef>
+                <a:spcPct val="20000"/>
+              </a:spcBef>
+              <a:spcAft>
+                <a:spcPct val="0"/>
+              </a:spcAft>
+              <a:buFont typeface="Arial" panose="020B0604020202020204" pitchFamily="34" charset="0"/>
+              <a:buChar char="–"/>
+              <a:defRPr sz="1800" kern="1200">
+                <a:solidFill>
+                  <a:schemeClr val="tx1">
+                    <a:lumMod val="50000"/>
+                    <a:lumOff val="50000"/>
+                  </a:schemeClr>
+                </a:solidFill>
+                <a:latin typeface="+mn-lt"/>
+                <a:ea typeface="+mn-ea"/>
+                <a:cs typeface="+mn-cs"/>
+              </a:defRPr>
+            </a:lvl4pPr>
+            <a:lvl5pPr marL="2057400" indent="-228600" algn="l" rtl="0" eaLnBrk="0" fontAlgn="base" hangingPunct="0">
+              <a:spcBef>
+                <a:spcPct val="20000"/>
+              </a:spcBef>
+              <a:spcAft>
+                <a:spcPct val="0"/>
+              </a:spcAft>
+              <a:buFont typeface="Arial" panose="020B0604020202020204" pitchFamily="34" charset="0"/>
+              <a:buChar char="»"/>
+              <a:defRPr sz="1800" kern="1200">
+                <a:solidFill>
+                  <a:schemeClr val="tx1">
+                    <a:lumMod val="50000"/>
+                    <a:lumOff val="50000"/>
+                  </a:schemeClr>
+                </a:solidFill>
+                <a:latin typeface="+mn-lt"/>
+                <a:ea typeface="+mn-ea"/>
+                <a:cs typeface="+mn-cs"/>
+              </a:defRPr>
+            </a:lvl5pPr>
+            <a:lvl6pPr marL="2514600" indent="-228600" algn="l" defTabSz="914400" rtl="0" eaLnBrk="1" latinLnBrk="0" hangingPunct="1">
+              <a:spcBef>
+                <a:spcPct val="20000"/>
+              </a:spcBef>
+              <a:buFont typeface="Arial" pitchFamily="34" charset="0"/>
+              <a:buChar char="•"/>
+              <a:defRPr sz="1800" kern="1200">
+                <a:solidFill>
+                  <a:schemeClr val="tx1"/>
+                </a:solidFill>
+                <a:latin typeface="+mn-lt"/>
+                <a:ea typeface="+mn-ea"/>
+                <a:cs typeface="+mn-cs"/>
+              </a:defRPr>
+            </a:lvl6pPr>
+            <a:lvl7pPr marL="2971800" indent="-228600" algn="l" defTabSz="914400" rtl="0" eaLnBrk="1" latinLnBrk="0" hangingPunct="1">
+              <a:spcBef>
+                <a:spcPct val="20000"/>
+              </a:spcBef>
+              <a:buFont typeface="Arial" pitchFamily="34" charset="0"/>
+              <a:buChar char="•"/>
+              <a:defRPr sz="1800" kern="1200">
+                <a:solidFill>
+                  <a:schemeClr val="tx1"/>
+                </a:solidFill>
+                <a:latin typeface="+mn-lt"/>
+                <a:ea typeface="+mn-ea"/>
+                <a:cs typeface="+mn-cs"/>
+              </a:defRPr>
+            </a:lvl7pPr>
+            <a:lvl8pPr marL="3429000" indent="-228600" algn="l" defTabSz="914400" rtl="0" eaLnBrk="1" latinLnBrk="0" hangingPunct="1">
+              <a:spcBef>
+                <a:spcPct val="20000"/>
+              </a:spcBef>
+              <a:buFont typeface="Arial" pitchFamily="34" charset="0"/>
+              <a:buChar char="•"/>
+              <a:defRPr sz="1800" kern="1200">
+                <a:solidFill>
+                  <a:schemeClr val="tx1"/>
+                </a:solidFill>
+                <a:latin typeface="+mn-lt"/>
+                <a:ea typeface="+mn-ea"/>
+                <a:cs typeface="+mn-cs"/>
+              </a:defRPr>
+            </a:lvl8pPr>
+            <a:lvl9pPr marL="3886200" indent="-228600" algn="l" defTabSz="914400" rtl="0" eaLnBrk="1" latinLnBrk="0" hangingPunct="1">
+              <a:spcBef>
+                <a:spcPct val="20000"/>
+              </a:spcBef>
+              <a:buFont typeface="Arial" pitchFamily="34" charset="0"/>
+              <a:buChar char="•"/>
+              <a:defRPr sz="1800" kern="1200">
+                <a:solidFill>
+                  <a:schemeClr val="tx1"/>
+                </a:solidFill>
+                <a:latin typeface="+mn-lt"/>
+                <a:ea typeface="+mn-ea"/>
+                <a:cs typeface="+mn-cs"/>
+              </a:defRPr>
+            </a:lvl9pPr>
+          </a:lstStyle>
+          <a:p>
+            <a:pPr marL="0" indent="0">
+              <a:buFont typeface="Arial" panose="020B0604020202020204" pitchFamily="34" charset="0"/>
+              <a:buNone/>
+            </a:pPr>
+            <a:r>
+              <a:rPr lang="en-US" dirty="0"/>
+              <a:t>We want to add logging, safety monitor, UI refresh</a:t>
+            </a:r>
+          </a:p>
+        </p:txBody>
+      </p:sp>
+    </p:spTree>
+    <p:extLst>
+      <p:ext uri="{BB962C8B-B14F-4D97-AF65-F5344CB8AC3E}">
+        <p14:creationId xmlns:p14="http://schemas.microsoft.com/office/powerpoint/2010/main" val="194543871"/>
+      </p:ext>
+    </p:extLst>
+  </p:cSld>
+  <p:clrMapOvr>
+    <a:masterClrMapping/>
+  </p:clrMapOvr>
+</p:sld>
+</file>
+
+<file path=ppt/slides/slide44.xml><?xml version="1.0" encoding="utf-8"?>
+<p:sld xmlns:a="http://schemas.openxmlformats.org/drawingml/2006/main" xmlns:r="http://schemas.openxmlformats.org/officeDocument/2006/relationships" xmlns:p="http://schemas.openxmlformats.org/presentationml/2006/main">
+  <p:cSld>
+    <p:spTree>
+      <p:nvGrpSpPr>
+        <p:cNvPr id="1" name=""/>
+        <p:cNvGrpSpPr/>
+        <p:nvPr/>
+      </p:nvGrpSpPr>
+      <p:grpSpPr>
+        <a:xfrm>
+          <a:off x="0" y="0"/>
+          <a:ext cx="0" cy="0"/>
+          <a:chOff x="0" y="0"/>
+          <a:chExt cx="0" cy="0"/>
+        </a:xfrm>
+      </p:grpSpPr>
+      <p:sp>
+        <p:nvSpPr>
+          <p:cNvPr id="2" name="Title 1">
+            <a:extLst>
+              <a:ext uri="{FF2B5EF4-FFF2-40B4-BE49-F238E27FC236}">
+                <a16:creationId xmlns:a16="http://schemas.microsoft.com/office/drawing/2014/main" id="{CCE30A05-5EAE-4E3E-8B73-B967272763F1}"/>
+              </a:ext>
+            </a:extLst>
+          </p:cNvPr>
+          <p:cNvSpPr>
+            <a:spLocks noGrp="1"/>
+          </p:cNvSpPr>
+          <p:nvPr>
+            <p:ph type="title"/>
+          </p:nvPr>
+        </p:nvSpPr>
+        <p:spPr/>
+        <p:txBody>
+          <a:bodyPr/>
+          <a:lstStyle/>
+          <a:p>
+            <a:r>
+              <a:rPr lang="en-US" dirty="0"/>
+              <a:t>Final distinctions</a:t>
+            </a:r>
+          </a:p>
+        </p:txBody>
+      </p:sp>
+      <p:sp>
+        <p:nvSpPr>
+          <p:cNvPr id="3" name="Content Placeholder 2">
+            <a:extLst>
+              <a:ext uri="{FF2B5EF4-FFF2-40B4-BE49-F238E27FC236}">
+                <a16:creationId xmlns:a16="http://schemas.microsoft.com/office/drawing/2014/main" id="{1864B083-2277-4497-A306-E6A6C7CB2F47}"/>
+              </a:ext>
+            </a:extLst>
+          </p:cNvPr>
+          <p:cNvSpPr>
+            <a:spLocks noGrp="1"/>
+          </p:cNvSpPr>
+          <p:nvPr>
+            <p:ph sz="half" idx="1"/>
+          </p:nvPr>
+        </p:nvSpPr>
+        <p:spPr>
+          <a:xfrm>
+            <a:off x="457200" y="2895600"/>
+            <a:ext cx="4038600" cy="3581400"/>
+          </a:xfrm>
+        </p:spPr>
+        <p:txBody>
+          <a:bodyPr/>
+          <a:lstStyle/>
+          <a:p>
+            <a:pPr marL="0" indent="0">
+              <a:buNone/>
+            </a:pPr>
+            <a:r>
+              <a:rPr lang="en-US" dirty="0"/>
+              <a:t>Coordinated Controllers</a:t>
+            </a:r>
+          </a:p>
+          <a:p>
+            <a:r>
+              <a:rPr lang="en-US" dirty="0"/>
+              <a:t>Small system</a:t>
+            </a:r>
+          </a:p>
+          <a:p>
+            <a:r>
+              <a:rPr lang="en-US" dirty="0"/>
+              <a:t>Safety-critical clarity needed</a:t>
+            </a:r>
+          </a:p>
+          <a:p>
+            <a:r>
+              <a:rPr lang="en-US" dirty="0"/>
+              <a:t>Explicit authority required</a:t>
+            </a:r>
+          </a:p>
+        </p:txBody>
+      </p:sp>
+      <p:sp>
+        <p:nvSpPr>
+          <p:cNvPr id="4" name="Content Placeholder 3">
+            <a:extLst>
+              <a:ext uri="{FF2B5EF4-FFF2-40B4-BE49-F238E27FC236}">
+                <a16:creationId xmlns:a16="http://schemas.microsoft.com/office/drawing/2014/main" id="{98FCA36D-D7A8-4E40-9573-EF920E1B2B1C}"/>
+              </a:ext>
+            </a:extLst>
+          </p:cNvPr>
+          <p:cNvSpPr>
+            <a:spLocks noGrp="1"/>
+          </p:cNvSpPr>
+          <p:nvPr>
+            <p:ph sz="half" idx="2"/>
+          </p:nvPr>
+        </p:nvSpPr>
+        <p:spPr>
+          <a:xfrm>
+            <a:off x="4648200" y="2895600"/>
+            <a:ext cx="4038600" cy="3581400"/>
+          </a:xfrm>
+        </p:spPr>
+        <p:txBody>
+          <a:bodyPr/>
+          <a:lstStyle/>
+          <a:p>
+            <a:pPr marL="0" indent="0">
+              <a:buNone/>
+            </a:pPr>
+            <a:r>
+              <a:rPr lang="en-US" dirty="0"/>
+              <a:t>Dispatcher</a:t>
+            </a:r>
+          </a:p>
+          <a:p>
+            <a:r>
+              <a:rPr lang="en-US" dirty="0"/>
+              <a:t>Large system</a:t>
+            </a:r>
+          </a:p>
+          <a:p>
+            <a:r>
+              <a:rPr lang="en-US" dirty="0"/>
+              <a:t>Many loosely coupled modules</a:t>
+            </a:r>
+          </a:p>
+          <a:p>
+            <a:r>
+              <a:rPr lang="en-US" dirty="0"/>
+              <a:t>Plugin-style extensibility</a:t>
+            </a:r>
+          </a:p>
+        </p:txBody>
+      </p:sp>
+      <p:sp>
+        <p:nvSpPr>
+          <p:cNvPr id="5" name="Date Placeholder 4">
+            <a:extLst>
+              <a:ext uri="{FF2B5EF4-FFF2-40B4-BE49-F238E27FC236}">
+                <a16:creationId xmlns:a16="http://schemas.microsoft.com/office/drawing/2014/main" id="{14DB747A-994D-4B46-9502-18713504AD11}"/>
+              </a:ext>
+            </a:extLst>
+          </p:cNvPr>
+          <p:cNvSpPr>
+            <a:spLocks noGrp="1"/>
+          </p:cNvSpPr>
+          <p:nvPr>
+            <p:ph type="dt" sz="half" idx="10"/>
+          </p:nvPr>
+        </p:nvSpPr>
+        <p:spPr/>
+        <p:txBody>
+          <a:bodyPr/>
+          <a:lstStyle/>
+          <a:p>
+            <a:pPr>
+              <a:defRPr/>
+            </a:pPr>
+            <a:r>
+              <a:rPr lang="en-US"/>
+              <a:t>21/12/2020</a:t>
+            </a:r>
+          </a:p>
+        </p:txBody>
+      </p:sp>
+      <p:sp>
+        <p:nvSpPr>
+          <p:cNvPr id="6" name="Slide Number Placeholder 5">
+            <a:extLst>
+              <a:ext uri="{FF2B5EF4-FFF2-40B4-BE49-F238E27FC236}">
+                <a16:creationId xmlns:a16="http://schemas.microsoft.com/office/drawing/2014/main" id="{56FF840B-D707-4CD8-9786-AE347F38CD80}"/>
+              </a:ext>
+            </a:extLst>
+          </p:cNvPr>
+          <p:cNvSpPr>
+            <a:spLocks noGrp="1"/>
+          </p:cNvSpPr>
+          <p:nvPr>
+            <p:ph type="sldNum" sz="quarter" idx="12"/>
+          </p:nvPr>
+        </p:nvSpPr>
+        <p:spPr/>
+        <p:txBody>
+          <a:bodyPr/>
+          <a:lstStyle/>
+          <a:p>
+            <a:pPr>
+              <a:defRPr/>
+            </a:pPr>
+            <a:fld id="{84877344-E1C7-49F4-9630-5A0F623202D9}" type="slidenum">
+              <a:rPr lang="en-US" altLang="en-US" smtClean="0"/>
+              <a:pPr>
+                <a:defRPr/>
+              </a:pPr>
+              <a:t>44</a:t>
+            </a:fld>
+            <a:endParaRPr lang="en-US" altLang="en-US"/>
+          </a:p>
+        </p:txBody>
+      </p:sp>
+      <p:graphicFrame>
+        <p:nvGraphicFramePr>
+          <p:cNvPr id="10" name="Content Placeholder 6">
+            <a:extLst>
+              <a:ext uri="{FF2B5EF4-FFF2-40B4-BE49-F238E27FC236}">
+                <a16:creationId xmlns:a16="http://schemas.microsoft.com/office/drawing/2014/main" id="{272A0F41-7E64-4EB4-A027-C7E84E03225D}"/>
+              </a:ext>
+            </a:extLst>
+          </p:cNvPr>
+          <p:cNvGraphicFramePr>
+            <a:graphicFrameLocks/>
+          </p:cNvGraphicFramePr>
+          <p:nvPr>
+            <p:extLst>
+              <p:ext uri="{D42A27DB-BD31-4B8C-83A1-F6EECF244321}">
+                <p14:modId xmlns:p14="http://schemas.microsoft.com/office/powerpoint/2010/main" val="1098667698"/>
+              </p:ext>
+            </p:extLst>
+          </p:nvPr>
+        </p:nvGraphicFramePr>
+        <p:xfrm>
+          <a:off x="228600" y="1388208"/>
+          <a:ext cx="8610600" cy="1264392"/>
+        </p:xfrm>
+        <a:graphic>
+          <a:graphicData uri="http://schemas.openxmlformats.org/drawingml/2006/table">
+            <a:tbl>
+              <a:tblPr/>
+              <a:tblGrid>
+                <a:gridCol w="2870200">
+                  <a:extLst>
+                    <a:ext uri="{9D8B030D-6E8A-4147-A177-3AD203B41FA5}">
+                      <a16:colId xmlns:a16="http://schemas.microsoft.com/office/drawing/2014/main" val="1370720198"/>
+                    </a:ext>
+                  </a:extLst>
+                </a:gridCol>
+                <a:gridCol w="2870200">
+                  <a:extLst>
+                    <a:ext uri="{9D8B030D-6E8A-4147-A177-3AD203B41FA5}">
+                      <a16:colId xmlns:a16="http://schemas.microsoft.com/office/drawing/2014/main" val="1402076987"/>
+                    </a:ext>
+                  </a:extLst>
+                </a:gridCol>
+                <a:gridCol w="2870200">
+                  <a:extLst>
+                    <a:ext uri="{9D8B030D-6E8A-4147-A177-3AD203B41FA5}">
+                      <a16:colId xmlns:a16="http://schemas.microsoft.com/office/drawing/2014/main" val="26127971"/>
+                    </a:ext>
+                  </a:extLst>
+                </a:gridCol>
+              </a:tblGrid>
+              <a:tr h="262548">
+                <a:tc>
+                  <a:txBody>
+                    <a:bodyPr/>
+                    <a:lstStyle/>
+                    <a:p>
+                      <a:r>
+                        <a:rPr lang="en-US" sz="1800" dirty="0">
+                          <a:solidFill>
+                            <a:schemeClr val="bg1"/>
+                          </a:solidFill>
+                        </a:rPr>
+                        <a:t>Question</a:t>
+                      </a:r>
+                    </a:p>
+                  </a:txBody>
+                  <a:tcPr marL="41779" marR="41779" marT="20889" marB="20889" anchor="ctr">
+                    <a:lnL>
+                      <a:noFill/>
+                    </a:lnL>
+                    <a:lnR>
+                      <a:noFill/>
+                    </a:lnR>
+                    <a:lnT>
+                      <a:noFill/>
+                    </a:lnT>
+                    <a:lnB>
+                      <a:noFill/>
+                    </a:lnB>
+                    <a:solidFill>
+                      <a:srgbClr val="72C3E8"/>
+                    </a:solidFill>
+                  </a:tcPr>
+                </a:tc>
+                <a:tc>
+                  <a:txBody>
+                    <a:bodyPr/>
+                    <a:lstStyle/>
+                    <a:p>
+                      <a:r>
+                        <a:rPr lang="en-US" sz="1800" dirty="0">
+                          <a:solidFill>
+                            <a:schemeClr val="bg1"/>
+                          </a:solidFill>
+                        </a:rPr>
+                        <a:t>Coordinated</a:t>
+                      </a:r>
+                    </a:p>
+                  </a:txBody>
+                  <a:tcPr marL="41779" marR="41779" marT="20889" marB="20889" anchor="ctr">
+                    <a:lnL>
+                      <a:noFill/>
+                    </a:lnL>
+                    <a:lnR>
+                      <a:noFill/>
+                    </a:lnR>
+                    <a:lnT>
+                      <a:noFill/>
+                    </a:lnT>
+                    <a:lnB>
+                      <a:noFill/>
+                    </a:lnB>
+                    <a:solidFill>
+                      <a:srgbClr val="72C3E8"/>
+                    </a:solidFill>
+                  </a:tcPr>
+                </a:tc>
+                <a:tc>
+                  <a:txBody>
+                    <a:bodyPr/>
+                    <a:lstStyle/>
+                    <a:p>
+                      <a:r>
+                        <a:rPr lang="en-US" sz="1800" dirty="0">
+                          <a:solidFill>
+                            <a:schemeClr val="bg1"/>
+                          </a:solidFill>
+                        </a:rPr>
+                        <a:t>Dispatcher</a:t>
+                      </a:r>
+                    </a:p>
+                  </a:txBody>
+                  <a:tcPr marL="41779" marR="41779" marT="20889" marB="20889" anchor="ctr">
+                    <a:lnL>
+                      <a:noFill/>
+                    </a:lnL>
+                    <a:lnR>
+                      <a:noFill/>
+                    </a:lnR>
+                    <a:lnT>
+                      <a:noFill/>
+                    </a:lnT>
+                    <a:lnB>
+                      <a:noFill/>
+                    </a:lnB>
+                    <a:solidFill>
+                      <a:srgbClr val="72C3E8"/>
+                    </a:solidFill>
+                  </a:tcPr>
+                </a:tc>
+                <a:extLst>
+                  <a:ext uri="{0D108BD9-81ED-4DB2-BD59-A6C34878D82A}">
+                    <a16:rowId xmlns:a16="http://schemas.microsoft.com/office/drawing/2014/main" val="2047002841"/>
+                  </a:ext>
+                </a:extLst>
+              </a:tr>
+              <a:tr h="262548">
+                <a:tc>
+                  <a:txBody>
+                    <a:bodyPr/>
+                    <a:lstStyle/>
+                    <a:p>
+                      <a:r>
+                        <a:rPr lang="en-US" sz="1800"/>
+                        <a:t>Who stops infusion?</a:t>
+                      </a:r>
+                    </a:p>
+                  </a:txBody>
+                  <a:tcPr marL="41779" marR="41779" marT="20889" marB="20889" anchor="ctr">
+                    <a:lnL>
+                      <a:noFill/>
+                    </a:lnL>
+                    <a:lnR>
+                      <a:noFill/>
+                    </a:lnR>
+                    <a:lnT>
+                      <a:noFill/>
+                    </a:lnT>
+                    <a:lnB>
+                      <a:noFill/>
+                    </a:lnB>
+                  </a:tcPr>
+                </a:tc>
+                <a:tc>
+                  <a:txBody>
+                    <a:bodyPr/>
+                    <a:lstStyle/>
+                    <a:p>
+                      <a:r>
+                        <a:rPr lang="en-US" sz="1800"/>
+                        <a:t>Alarm calls Therapy directly</a:t>
+                      </a:r>
+                    </a:p>
+                  </a:txBody>
+                  <a:tcPr marL="41779" marR="41779" marT="20889" marB="20889" anchor="ctr">
+                    <a:lnL>
+                      <a:noFill/>
+                    </a:lnL>
+                    <a:lnR>
+                      <a:noFill/>
+                    </a:lnR>
+                    <a:lnT>
+                      <a:noFill/>
+                    </a:lnT>
+                    <a:lnB>
+                      <a:noFill/>
+                    </a:lnB>
+                  </a:tcPr>
+                </a:tc>
+                <a:tc>
+                  <a:txBody>
+                    <a:bodyPr/>
+                    <a:lstStyle/>
+                    <a:p>
+                      <a:r>
+                        <a:rPr lang="en-US" sz="1800"/>
+                        <a:t>Alarm emits STOP event</a:t>
+                      </a:r>
+                    </a:p>
+                  </a:txBody>
+                  <a:tcPr marL="41779" marR="41779" marT="20889" marB="20889" anchor="ctr">
+                    <a:lnL>
+                      <a:noFill/>
+                    </a:lnL>
+                    <a:lnR>
+                      <a:noFill/>
+                    </a:lnR>
+                    <a:lnT>
+                      <a:noFill/>
+                    </a:lnT>
+                    <a:lnB>
+                      <a:noFill/>
+                    </a:lnB>
+                  </a:tcPr>
+                </a:tc>
+                <a:extLst>
+                  <a:ext uri="{0D108BD9-81ED-4DB2-BD59-A6C34878D82A}">
+                    <a16:rowId xmlns:a16="http://schemas.microsoft.com/office/drawing/2014/main" val="2641032997"/>
+                  </a:ext>
+                </a:extLst>
+              </a:tr>
+              <a:tr h="262548">
+                <a:tc>
+                  <a:txBody>
+                    <a:bodyPr/>
+                    <a:lstStyle/>
+                    <a:p>
+                      <a:r>
+                        <a:rPr lang="en-US" sz="1800" dirty="0"/>
+                        <a:t>Who routes events?</a:t>
+                      </a:r>
+                    </a:p>
+                  </a:txBody>
+                  <a:tcPr marL="41779" marR="41779" marT="20889" marB="20889" anchor="ctr">
+                    <a:lnL>
+                      <a:noFill/>
+                    </a:lnL>
+                    <a:lnR>
+                      <a:noFill/>
+                    </a:lnR>
+                    <a:lnT>
+                      <a:noFill/>
+                    </a:lnT>
+                    <a:lnB>
+                      <a:noFill/>
+                    </a:lnB>
+                  </a:tcPr>
+                </a:tc>
+                <a:tc>
+                  <a:txBody>
+                    <a:bodyPr/>
+                    <a:lstStyle/>
+                    <a:p>
+                      <a:r>
+                        <a:rPr lang="en-US" sz="1800"/>
+                        <a:t>Caller</a:t>
+                      </a:r>
+                    </a:p>
+                  </a:txBody>
+                  <a:tcPr marL="41779" marR="41779" marT="20889" marB="20889" anchor="ctr">
+                    <a:lnL>
+                      <a:noFill/>
+                    </a:lnL>
+                    <a:lnR>
+                      <a:noFill/>
+                    </a:lnR>
+                    <a:lnT>
+                      <a:noFill/>
+                    </a:lnT>
+                    <a:lnB>
+                      <a:noFill/>
+                    </a:lnB>
+                  </a:tcPr>
+                </a:tc>
+                <a:tc>
+                  <a:txBody>
+                    <a:bodyPr/>
+                    <a:lstStyle/>
+                    <a:p>
+                      <a:r>
+                        <a:rPr lang="en-US" sz="1800"/>
+                        <a:t>Dispatcher</a:t>
+                      </a:r>
+                    </a:p>
+                  </a:txBody>
+                  <a:tcPr marL="41779" marR="41779" marT="20889" marB="20889" anchor="ctr">
+                    <a:lnL>
+                      <a:noFill/>
+                    </a:lnL>
+                    <a:lnR>
+                      <a:noFill/>
+                    </a:lnR>
+                    <a:lnT>
+                      <a:noFill/>
+                    </a:lnT>
+                    <a:lnB>
+                      <a:noFill/>
+                    </a:lnB>
+                  </a:tcPr>
+                </a:tc>
+                <a:extLst>
+                  <a:ext uri="{0D108BD9-81ED-4DB2-BD59-A6C34878D82A}">
+                    <a16:rowId xmlns:a16="http://schemas.microsoft.com/office/drawing/2014/main" val="633196688"/>
+                  </a:ext>
+                </a:extLst>
+              </a:tr>
+              <a:tr h="262548">
+                <a:tc>
+                  <a:txBody>
+                    <a:bodyPr/>
+                    <a:lstStyle/>
+                    <a:p>
+                      <a:r>
+                        <a:rPr lang="en-US" sz="1800"/>
+                        <a:t>Where is coupling expressed?</a:t>
+                      </a:r>
+                    </a:p>
+                  </a:txBody>
+                  <a:tcPr marL="41779" marR="41779" marT="20889" marB="20889" anchor="ctr">
+                    <a:lnL>
+                      <a:noFill/>
+                    </a:lnL>
+                    <a:lnR>
+                      <a:noFill/>
+                    </a:lnR>
+                    <a:lnT>
+                      <a:noFill/>
+                    </a:lnT>
+                    <a:lnB>
+                      <a:noFill/>
+                    </a:lnB>
+                  </a:tcPr>
+                </a:tc>
+                <a:tc>
+                  <a:txBody>
+                    <a:bodyPr/>
+                    <a:lstStyle/>
+                    <a:p>
+                      <a:r>
+                        <a:rPr lang="en-US" sz="1800"/>
+                        <a:t>Function calls</a:t>
+                      </a:r>
+                    </a:p>
+                  </a:txBody>
+                  <a:tcPr marL="41779" marR="41779" marT="20889" marB="20889" anchor="ctr">
+                    <a:lnL>
+                      <a:noFill/>
+                    </a:lnL>
+                    <a:lnR>
+                      <a:noFill/>
+                    </a:lnR>
+                    <a:lnT>
+                      <a:noFill/>
+                    </a:lnT>
+                    <a:lnB>
+                      <a:noFill/>
+                    </a:lnB>
+                  </a:tcPr>
+                </a:tc>
+                <a:tc>
+                  <a:txBody>
+                    <a:bodyPr/>
+                    <a:lstStyle/>
+                    <a:p>
+                      <a:r>
+                        <a:rPr lang="en-US" sz="1800" dirty="0"/>
+                        <a:t>Subscription list</a:t>
+                      </a:r>
+                    </a:p>
+                  </a:txBody>
+                  <a:tcPr marL="41779" marR="41779" marT="20889" marB="20889" anchor="ctr">
+                    <a:lnL>
+                      <a:noFill/>
+                    </a:lnL>
+                    <a:lnR>
+                      <a:noFill/>
+                    </a:lnR>
+                    <a:lnT>
+                      <a:noFill/>
+                    </a:lnT>
+                    <a:lnB>
+                      <a:noFill/>
+                    </a:lnB>
+                  </a:tcPr>
+                </a:tc>
+                <a:extLst>
+                  <a:ext uri="{0D108BD9-81ED-4DB2-BD59-A6C34878D82A}">
+                    <a16:rowId xmlns:a16="http://schemas.microsoft.com/office/drawing/2014/main" val="811038751"/>
+                  </a:ext>
+                </a:extLst>
+              </a:tr>
+            </a:tbl>
+          </a:graphicData>
+        </a:graphic>
+      </p:graphicFrame>
+    </p:spTree>
+    <p:extLst>
+      <p:ext uri="{BB962C8B-B14F-4D97-AF65-F5344CB8AC3E}">
+        <p14:creationId xmlns:p14="http://schemas.microsoft.com/office/powerpoint/2010/main" val="3438303929"/>
+      </p:ext>
+    </p:extLst>
+  </p:cSld>
+  <p:clrMapOvr>
+    <a:masterClrMapping/>
+  </p:clrMapOvr>
+</p:sld>
+</file>
+
+<file path=ppt/slides/slide45.xml><?xml version="1.0" encoding="utf-8"?>
+<p:sld xmlns:a="http://schemas.openxmlformats.org/drawingml/2006/main" xmlns:r="http://schemas.openxmlformats.org/officeDocument/2006/relationships" xmlns:p="http://schemas.openxmlformats.org/presentationml/2006/main">
+  <p:cSld>
+    <p:spTree>
+      <p:nvGrpSpPr>
+        <p:cNvPr id="1" name=""/>
+        <p:cNvGrpSpPr/>
+        <p:nvPr/>
+      </p:nvGrpSpPr>
+      <p:grpSpPr>
+        <a:xfrm>
+          <a:off x="0" y="0"/>
+          <a:ext cx="0" cy="0"/>
+          <a:chOff x="0" y="0"/>
+          <a:chExt cx="0" cy="0"/>
+        </a:xfrm>
+      </p:grpSpPr>
+      <p:sp>
+        <p:nvSpPr>
+          <p:cNvPr id="2" name="Title 1">
+            <a:extLst>
+              <a:ext uri="{FF2B5EF4-FFF2-40B4-BE49-F238E27FC236}">
+                <a16:creationId xmlns:a16="http://schemas.microsoft.com/office/drawing/2014/main" id="{BC7C2CF1-D179-4E9B-AB23-86FEC0F4C19E}"/>
+              </a:ext>
+            </a:extLst>
+          </p:cNvPr>
+          <p:cNvSpPr>
+            <a:spLocks noGrp="1"/>
+          </p:cNvSpPr>
+          <p:nvPr>
+            <p:ph type="title"/>
+          </p:nvPr>
+        </p:nvSpPr>
+        <p:spPr/>
+        <p:txBody>
+          <a:bodyPr/>
+          <a:lstStyle/>
+          <a:p>
+            <a:endParaRPr lang="en-US"/>
+          </a:p>
+        </p:txBody>
+      </p:sp>
+      <p:sp>
+        <p:nvSpPr>
+          <p:cNvPr id="4" name="Content Placeholder 3">
+            <a:extLst>
+              <a:ext uri="{FF2B5EF4-FFF2-40B4-BE49-F238E27FC236}">
+                <a16:creationId xmlns:a16="http://schemas.microsoft.com/office/drawing/2014/main" id="{17CEB6A9-1427-4AC7-9120-486A0E604CD2}"/>
+              </a:ext>
+            </a:extLst>
+          </p:cNvPr>
+          <p:cNvSpPr>
+            <a:spLocks noGrp="1"/>
+          </p:cNvSpPr>
+          <p:nvPr>
+            <p:ph sz="half" idx="2"/>
+          </p:nvPr>
+        </p:nvSpPr>
+        <p:spPr/>
+        <p:txBody>
+          <a:bodyPr/>
+          <a:lstStyle/>
+          <a:p>
+            <a:endParaRPr lang="en-US"/>
+          </a:p>
+        </p:txBody>
+      </p:sp>
+      <p:sp>
+        <p:nvSpPr>
+          <p:cNvPr id="5" name="Date Placeholder 4">
+            <a:extLst>
+              <a:ext uri="{FF2B5EF4-FFF2-40B4-BE49-F238E27FC236}">
+                <a16:creationId xmlns:a16="http://schemas.microsoft.com/office/drawing/2014/main" id="{844FD32D-C90C-4501-B48A-558647525747}"/>
+              </a:ext>
+            </a:extLst>
+          </p:cNvPr>
+          <p:cNvSpPr>
+            <a:spLocks noGrp="1"/>
+          </p:cNvSpPr>
+          <p:nvPr>
+            <p:ph type="dt" sz="half" idx="10"/>
+          </p:nvPr>
+        </p:nvSpPr>
+        <p:spPr/>
+        <p:txBody>
+          <a:bodyPr/>
+          <a:lstStyle/>
+          <a:p>
+            <a:pPr>
+              <a:defRPr/>
+            </a:pPr>
+            <a:r>
+              <a:rPr lang="en-US"/>
+              <a:t>21/12/2020</a:t>
+            </a:r>
+          </a:p>
+        </p:txBody>
+      </p:sp>
+      <p:sp>
+        <p:nvSpPr>
+          <p:cNvPr id="6" name="Slide Number Placeholder 5">
+            <a:extLst>
+              <a:ext uri="{FF2B5EF4-FFF2-40B4-BE49-F238E27FC236}">
+                <a16:creationId xmlns:a16="http://schemas.microsoft.com/office/drawing/2014/main" id="{C9789A70-7713-4851-928C-43490BCD322F}"/>
+              </a:ext>
+            </a:extLst>
+          </p:cNvPr>
+          <p:cNvSpPr>
+            <a:spLocks noGrp="1"/>
+          </p:cNvSpPr>
+          <p:nvPr>
+            <p:ph type="sldNum" sz="quarter" idx="12"/>
+          </p:nvPr>
+        </p:nvSpPr>
+        <p:spPr/>
+        <p:txBody>
+          <a:bodyPr/>
+          <a:lstStyle/>
+          <a:p>
+            <a:pPr>
+              <a:defRPr/>
+            </a:pPr>
+            <a:fld id="{84877344-E1C7-49F4-9630-5A0F623202D9}" type="slidenum">
+              <a:rPr lang="en-US" altLang="en-US" smtClean="0"/>
+              <a:pPr>
+                <a:defRPr/>
+              </a:pPr>
+              <a:t>45</a:t>
+            </a:fld>
+            <a:endParaRPr lang="en-US" altLang="en-US"/>
+          </a:p>
+        </p:txBody>
+      </p:sp>
+      <p:sp>
+        <p:nvSpPr>
+          <p:cNvPr id="9" name="Content Placeholder 8">
+            <a:extLst>
+              <a:ext uri="{FF2B5EF4-FFF2-40B4-BE49-F238E27FC236}">
+                <a16:creationId xmlns:a16="http://schemas.microsoft.com/office/drawing/2014/main" id="{3C09F966-E911-45A8-9B6F-AED6C4398891}"/>
+              </a:ext>
+            </a:extLst>
+          </p:cNvPr>
+          <p:cNvSpPr>
+            <a:spLocks noGrp="1"/>
+          </p:cNvSpPr>
+          <p:nvPr>
+            <p:ph sz="half" idx="1"/>
+          </p:nvPr>
+        </p:nvSpPr>
+        <p:spPr/>
+        <p:txBody>
+          <a:bodyPr/>
+          <a:lstStyle/>
+          <a:p>
+            <a:endParaRPr lang="en-US"/>
+          </a:p>
+        </p:txBody>
+      </p:sp>
+    </p:spTree>
+    <p:extLst>
+      <p:ext uri="{BB962C8B-B14F-4D97-AF65-F5344CB8AC3E}">
+        <p14:creationId xmlns:p14="http://schemas.microsoft.com/office/powerpoint/2010/main" val="1989818190"/>
       </p:ext>
     </p:extLst>
   </p:cSld>

--- a/Lec-13-16-firmware-architecture.pptx
+++ b/Lec-13-16-firmware-architecture.pptx
@@ -5,7 +5,7 @@
     <p:sldMasterId id="2147483648" r:id="rId1"/>
   </p:sldMasterIdLst>
   <p:notesMasterIdLst>
-    <p:notesMasterId r:id="rId47"/>
+    <p:notesMasterId r:id="rId51"/>
   </p:notesMasterIdLst>
   <p:sldIdLst>
     <p:sldId id="337" r:id="rId2"/>
@@ -52,7 +52,11 @@
     <p:sldId id="392" r:id="rId43"/>
     <p:sldId id="393" r:id="rId44"/>
     <p:sldId id="394" r:id="rId45"/>
-    <p:sldId id="395" r:id="rId46"/>
+    <p:sldId id="396" r:id="rId46"/>
+    <p:sldId id="397" r:id="rId47"/>
+    <p:sldId id="398" r:id="rId48"/>
+    <p:sldId id="399" r:id="rId49"/>
+    <p:sldId id="400" r:id="rId50"/>
   </p:sldIdLst>
   <p:sldSz cx="9144000" cy="6858000" type="screen4x3"/>
   <p:notesSz cx="6858000" cy="9144000"/>
@@ -334,7 +338,7 @@
               <a:pPr>
                 <a:defRPr/>
               </a:pPr>
-              <a:t>2/12/2026</a:t>
+              <a:t>2/17/2026</a:t>
             </a:fld>
             <a:endParaRPr lang="en-US"/>
           </a:p>
@@ -21412,7 +21416,7 @@
     </p:tnLst>
     <p:bldLst>
       <p:bldP spid="9" grpId="0"/>
-      <p:bldP spid="12" grpId="0"/>
+      <p:bldP spid="12" grpId="0" animBg="1"/>
       <p:bldP spid="10" grpId="0"/>
       <p:bldP spid="13" grpId="0" build="p" animBg="1"/>
     </p:bldLst>
@@ -23217,6 +23221,9 @@
           <a:p>
             <a:r>
               <a:rPr lang="en-US" sz="2400" dirty="0">
+                <a:solidFill>
+                  <a:srgbClr val="FF0000"/>
+                </a:solidFill>
                 <a:sym typeface="Wingdings" panose="05000000000000000000" pitchFamily="2" charset="2"/>
               </a:rPr>
               <a:t>Application layer organization – how is the main logic implemented</a:t>
@@ -29328,7 +29335,7 @@
           <p:cNvPr id="2" name="Title 1">
             <a:extLst>
               <a:ext uri="{FF2B5EF4-FFF2-40B4-BE49-F238E27FC236}">
-                <a16:creationId xmlns:a16="http://schemas.microsoft.com/office/drawing/2014/main" id="{BC7C2CF1-D179-4E9B-AB23-86FEC0F4C19E}"/>
+                <a16:creationId xmlns:a16="http://schemas.microsoft.com/office/drawing/2014/main" id="{788A6C6C-26BA-4589-B379-D2F196B56147}"/>
               </a:ext>
             </a:extLst>
           </p:cNvPr>
@@ -29344,16 +29351,19 @@
           <a:bodyPr/>
           <a:lstStyle/>
           <a:p>
-            <a:endParaRPr lang="en-US"/>
+            <a:r>
+              <a:rPr lang="en-US" dirty="0"/>
+              <a:t>Where we are</a:t>
+            </a:r>
           </a:p>
         </p:txBody>
       </p:sp>
       <p:sp>
         <p:nvSpPr>
-          <p:cNvPr id="4" name="Content Placeholder 3">
+          <p:cNvPr id="5" name="Text Placeholder 4">
             <a:extLst>
               <a:ext uri="{FF2B5EF4-FFF2-40B4-BE49-F238E27FC236}">
-                <a16:creationId xmlns:a16="http://schemas.microsoft.com/office/drawing/2014/main" id="{17CEB6A9-1427-4AC7-9120-486A0E604CD2}"/>
+                <a16:creationId xmlns:a16="http://schemas.microsoft.com/office/drawing/2014/main" id="{34AFE50A-2F41-42E0-AF97-7F23144A5632}"/>
               </a:ext>
             </a:extLst>
           </p:cNvPr>
@@ -29361,24 +29371,120 @@
             <a:spLocks noGrp="1"/>
           </p:cNvSpPr>
           <p:nvPr>
-            <p:ph sz="half" idx="2"/>
+            <p:ph idx="1"/>
           </p:nvPr>
         </p:nvSpPr>
-        <p:spPr/>
+        <p:spPr>
+          <a:xfrm>
+            <a:off x="152400" y="1446211"/>
+            <a:ext cx="4546173" cy="5014912"/>
+          </a:xfrm>
+        </p:spPr>
         <p:txBody>
           <a:bodyPr/>
           <a:lstStyle/>
           <a:p>
-            <a:endParaRPr lang="en-US"/>
+            <a:r>
+              <a:rPr lang="en-US" sz="2400" dirty="0"/>
+              <a:t>Modeling </a:t>
+            </a:r>
+            <a:r>
+              <a:rPr lang="en-US" sz="2400" dirty="0">
+                <a:sym typeface="Wingdings" panose="05000000000000000000" pitchFamily="2" charset="2"/>
+              </a:rPr>
+              <a:t> correct behavior by ensuring we have ‘</a:t>
+            </a:r>
+            <a:r>
+              <a:rPr lang="en-US" sz="2400" dirty="0">
+                <a:solidFill>
+                  <a:srgbClr val="72C3E8"/>
+                </a:solidFill>
+                <a:sym typeface="Wingdings" panose="05000000000000000000" pitchFamily="2" charset="2"/>
+              </a:rPr>
+              <a:t>thought</a:t>
+            </a:r>
+            <a:r>
+              <a:rPr lang="en-US" sz="2400" dirty="0">
+                <a:sym typeface="Wingdings" panose="05000000000000000000" pitchFamily="2" charset="2"/>
+              </a:rPr>
+              <a:t>’ of all possibilities</a:t>
+            </a:r>
+          </a:p>
+          <a:p>
+            <a:r>
+              <a:rPr lang="en-US" sz="2400" dirty="0">
+                <a:sym typeface="Wingdings" panose="05000000000000000000" pitchFamily="2" charset="2"/>
+              </a:rPr>
+              <a:t>but </a:t>
+            </a:r>
+            <a:r>
+              <a:rPr lang="en-US" sz="2400" dirty="0">
+                <a:solidFill>
+                  <a:srgbClr val="72C3E8"/>
+                </a:solidFill>
+                <a:sym typeface="Wingdings" panose="05000000000000000000" pitchFamily="2" charset="2"/>
+              </a:rPr>
+              <a:t>not yet implemented</a:t>
+            </a:r>
+            <a:r>
+              <a:rPr lang="en-US" sz="2400" dirty="0">
+                <a:sym typeface="Wingdings" panose="05000000000000000000" pitchFamily="2" charset="2"/>
+              </a:rPr>
+              <a:t>!</a:t>
+            </a:r>
+          </a:p>
+          <a:p>
+            <a:r>
+              <a:rPr lang="en-US" sz="2400" dirty="0">
+                <a:sym typeface="Wingdings" panose="05000000000000000000" pitchFamily="2" charset="2"/>
+              </a:rPr>
+              <a:t>Firmware architecture (so far) </a:t>
+            </a:r>
+          </a:p>
+          <a:p>
+            <a:pPr lvl="1"/>
+            <a:r>
+              <a:rPr lang="en-US" sz="2000" dirty="0">
+                <a:solidFill>
+                  <a:srgbClr val="EA3F26"/>
+                </a:solidFill>
+                <a:sym typeface="Wingdings" panose="05000000000000000000" pitchFamily="2" charset="2"/>
+              </a:rPr>
+              <a:t>what</a:t>
+            </a:r>
+            <a:r>
+              <a:rPr lang="en-US" sz="2000" dirty="0">
+                <a:sym typeface="Wingdings" panose="05000000000000000000" pitchFamily="2" charset="2"/>
+              </a:rPr>
+              <a:t> pieces of code (loosely coupled, modules) do we need</a:t>
+            </a:r>
+          </a:p>
+          <a:p>
+            <a:pPr lvl="1"/>
+            <a:r>
+              <a:rPr lang="en-US" sz="2000" dirty="0">
+                <a:solidFill>
+                  <a:srgbClr val="EA3F26"/>
+                </a:solidFill>
+                <a:sym typeface="Wingdings" panose="05000000000000000000" pitchFamily="2" charset="2"/>
+              </a:rPr>
+              <a:t>how</a:t>
+            </a:r>
+            <a:r>
+              <a:rPr lang="en-US" sz="2000" dirty="0">
+                <a:sym typeface="Wingdings" panose="05000000000000000000" pitchFamily="2" charset="2"/>
+              </a:rPr>
+              <a:t> these pieces control each other</a:t>
+            </a:r>
           </a:p>
         </p:txBody>
       </p:sp>
       <p:sp>
         <p:nvSpPr>
-          <p:cNvPr id="5" name="Date Placeholder 4">
+          <p:cNvPr id="3" name="Date Placeholder 2">
             <a:extLst>
               <a:ext uri="{FF2B5EF4-FFF2-40B4-BE49-F238E27FC236}">
-                <a16:creationId xmlns:a16="http://schemas.microsoft.com/office/drawing/2014/main" id="{844FD32D-C90C-4501-B48A-558647525747}"/>
+                <a16:creationId xmlns:a16="http://schemas.microsoft.com/office/drawing/2014/main" id="{E710D959-B3FA-4F8D-8684-9AA768BF22FE}"/>
               </a:ext>
             </a:extLst>
           </p:cNvPr>
@@ -29406,10 +29512,10 @@
       </p:sp>
       <p:sp>
         <p:nvSpPr>
-          <p:cNvPr id="6" name="Slide Number Placeholder 5">
+          <p:cNvPr id="4" name="Slide Number Placeholder 3">
             <a:extLst>
               <a:ext uri="{FF2B5EF4-FFF2-40B4-BE49-F238E27FC236}">
-                <a16:creationId xmlns:a16="http://schemas.microsoft.com/office/drawing/2014/main" id="{C9789A70-7713-4851-928C-43490BCD322F}"/>
+                <a16:creationId xmlns:a16="http://schemas.microsoft.com/office/drawing/2014/main" id="{73F35DAB-48D3-4143-83FD-FB11C25BE874}"/>
               </a:ext>
             </a:extLst>
           </p:cNvPr>
@@ -29428,7 +29534,7 @@
             <a:pPr>
               <a:defRPr/>
             </a:pPr>
-            <a:fld id="{84877344-E1C7-49F4-9630-5A0F623202D9}" type="slidenum">
+            <a:fld id="{E79D9D01-1391-45E0-A9C5-C04635A43651}" type="slidenum">
               <a:rPr lang="en-US" altLang="en-US" smtClean="0"/>
               <a:pPr>
                 <a:defRPr/>
@@ -29439,12 +29545,804 @@
           </a:p>
         </p:txBody>
       </p:sp>
+      <p:pic>
+        <p:nvPicPr>
+          <p:cNvPr id="6" name="Picture 5">
+            <a:extLst>
+              <a:ext uri="{FF2B5EF4-FFF2-40B4-BE49-F238E27FC236}">
+                <a16:creationId xmlns:a16="http://schemas.microsoft.com/office/drawing/2014/main" id="{D879CD4A-3BAE-436E-B06C-2E7B3A9042DA}"/>
+              </a:ext>
+            </a:extLst>
+          </p:cNvPr>
+          <p:cNvPicPr>
+            <a:picLocks noChangeAspect="1"/>
+          </p:cNvPicPr>
+          <p:nvPr/>
+        </p:nvPicPr>
+        <p:blipFill>
+          <a:blip r:embed="rId2">
+            <a:alphaModFix/>
+          </a:blip>
+          <a:stretch>
+            <a:fillRect/>
+          </a:stretch>
+        </p:blipFill>
+        <p:spPr>
+          <a:xfrm>
+            <a:off x="4698573" y="1446211"/>
+            <a:ext cx="4293027" cy="3073151"/>
+          </a:xfrm>
+          <a:prstGeom prst="rect">
+            <a:avLst/>
+          </a:prstGeom>
+        </p:spPr>
+      </p:pic>
       <p:sp>
         <p:nvSpPr>
-          <p:cNvPr id="9" name="Content Placeholder 8">
+          <p:cNvPr id="9" name="Text Placeholder 4">
             <a:extLst>
               <a:ext uri="{FF2B5EF4-FFF2-40B4-BE49-F238E27FC236}">
-                <a16:creationId xmlns:a16="http://schemas.microsoft.com/office/drawing/2014/main" id="{3C09F966-E911-45A8-9B6F-AED6C4398891}"/>
+                <a16:creationId xmlns:a16="http://schemas.microsoft.com/office/drawing/2014/main" id="{1A5EFE70-BA98-490F-88B2-2C03F1670F81}"/>
+              </a:ext>
+            </a:extLst>
+          </p:cNvPr>
+          <p:cNvSpPr txBox="1">
+            <a:spLocks/>
+          </p:cNvSpPr>
+          <p:nvPr/>
+        </p:nvSpPr>
+        <p:spPr bwMode="auto">
+          <a:xfrm>
+            <a:off x="152400" y="4876799"/>
+            <a:ext cx="8839200" cy="1736723"/>
+          </a:xfrm>
+          <a:prstGeom prst="rect">
+            <a:avLst/>
+          </a:prstGeom>
+          <a:noFill/>
+          <a:ln>
+            <a:noFill/>
+          </a:ln>
+          <a:extLst>
+            <a:ext uri="{909E8E84-426E-40DD-AFC4-6F175D3DCCD1}">
+              <a14:hiddenFill xmlns:a14="http://schemas.microsoft.com/office/drawing/2010/main">
+                <a:solidFill>
+                  <a:srgbClr val="FFFFFF"/>
+                </a:solidFill>
+              </a14:hiddenFill>
+            </a:ext>
+            <a:ext uri="{91240B29-F687-4F45-9708-019B960494DF}">
+              <a14:hiddenLine xmlns:a14="http://schemas.microsoft.com/office/drawing/2010/main" w="9525">
+                <a:solidFill>
+                  <a:srgbClr val="000000"/>
+                </a:solidFill>
+                <a:miter lim="800000"/>
+                <a:headEnd/>
+                <a:tailEnd/>
+              </a14:hiddenLine>
+            </a:ext>
+          </a:extLst>
+        </p:spPr>
+        <p:txBody>
+          <a:bodyPr vert="horz" wrap="square" lIns="91440" tIns="45720" rIns="91440" bIns="45720" numCol="1" anchor="t" anchorCtr="0" compatLnSpc="1">
+            <a:prstTxWarp prst="textNoShape">
+              <a:avLst/>
+            </a:prstTxWarp>
+          </a:bodyPr>
+          <a:lstStyle>
+            <a:lvl1pPr marL="342900" indent="-342900" algn="l" rtl="0" eaLnBrk="0" fontAlgn="base" hangingPunct="0">
+              <a:spcBef>
+                <a:spcPct val="20000"/>
+              </a:spcBef>
+              <a:spcAft>
+                <a:spcPct val="0"/>
+              </a:spcAft>
+              <a:buFont typeface="Arial" panose="020B0604020202020204" pitchFamily="34" charset="0"/>
+              <a:buChar char="•"/>
+              <a:defRPr sz="3200" kern="1200">
+                <a:solidFill>
+                  <a:schemeClr val="tx1">
+                    <a:lumMod val="50000"/>
+                    <a:lumOff val="50000"/>
+                  </a:schemeClr>
+                </a:solidFill>
+                <a:latin typeface="+mn-lt"/>
+                <a:ea typeface="+mn-ea"/>
+                <a:cs typeface="+mn-cs"/>
+              </a:defRPr>
+            </a:lvl1pPr>
+            <a:lvl2pPr marL="742950" indent="-285750" algn="l" rtl="0" eaLnBrk="0" fontAlgn="base" hangingPunct="0">
+              <a:spcBef>
+                <a:spcPct val="20000"/>
+              </a:spcBef>
+              <a:spcAft>
+                <a:spcPct val="0"/>
+              </a:spcAft>
+              <a:buFont typeface="Arial" panose="020B0604020202020204" pitchFamily="34" charset="0"/>
+              <a:buChar char="–"/>
+              <a:defRPr sz="2800" kern="1200">
+                <a:solidFill>
+                  <a:schemeClr val="tx1">
+                    <a:lumMod val="50000"/>
+                    <a:lumOff val="50000"/>
+                  </a:schemeClr>
+                </a:solidFill>
+                <a:latin typeface="+mn-lt"/>
+                <a:ea typeface="+mn-ea"/>
+                <a:cs typeface="+mn-cs"/>
+              </a:defRPr>
+            </a:lvl2pPr>
+            <a:lvl3pPr marL="1143000" indent="-228600" algn="l" rtl="0" eaLnBrk="0" fontAlgn="base" hangingPunct="0">
+              <a:spcBef>
+                <a:spcPct val="20000"/>
+              </a:spcBef>
+              <a:spcAft>
+                <a:spcPct val="0"/>
+              </a:spcAft>
+              <a:buFont typeface="Arial" panose="020B0604020202020204" pitchFamily="34" charset="0"/>
+              <a:buChar char="•"/>
+              <a:defRPr sz="2400" kern="1200">
+                <a:solidFill>
+                  <a:schemeClr val="tx1">
+                    <a:lumMod val="50000"/>
+                    <a:lumOff val="50000"/>
+                  </a:schemeClr>
+                </a:solidFill>
+                <a:latin typeface="+mn-lt"/>
+                <a:ea typeface="+mn-ea"/>
+                <a:cs typeface="+mn-cs"/>
+              </a:defRPr>
+            </a:lvl3pPr>
+            <a:lvl4pPr marL="1600200" indent="-228600" algn="l" rtl="0" eaLnBrk="0" fontAlgn="base" hangingPunct="0">
+              <a:spcBef>
+                <a:spcPct val="20000"/>
+              </a:spcBef>
+              <a:spcAft>
+                <a:spcPct val="0"/>
+              </a:spcAft>
+              <a:buFont typeface="Arial" panose="020B0604020202020204" pitchFamily="34" charset="0"/>
+              <a:buChar char="–"/>
+              <a:defRPr sz="2000" kern="1200">
+                <a:solidFill>
+                  <a:schemeClr val="tx1">
+                    <a:lumMod val="50000"/>
+                    <a:lumOff val="50000"/>
+                  </a:schemeClr>
+                </a:solidFill>
+                <a:latin typeface="+mn-lt"/>
+                <a:ea typeface="+mn-ea"/>
+                <a:cs typeface="+mn-cs"/>
+              </a:defRPr>
+            </a:lvl4pPr>
+            <a:lvl5pPr marL="2057400" indent="-228600" algn="l" rtl="0" eaLnBrk="0" fontAlgn="base" hangingPunct="0">
+              <a:spcBef>
+                <a:spcPct val="20000"/>
+              </a:spcBef>
+              <a:spcAft>
+                <a:spcPct val="0"/>
+              </a:spcAft>
+              <a:buFont typeface="Arial" panose="020B0604020202020204" pitchFamily="34" charset="0"/>
+              <a:buChar char="»"/>
+              <a:defRPr sz="2000" kern="1200">
+                <a:solidFill>
+                  <a:schemeClr val="tx1">
+                    <a:lumMod val="50000"/>
+                    <a:lumOff val="50000"/>
+                  </a:schemeClr>
+                </a:solidFill>
+                <a:latin typeface="+mn-lt"/>
+                <a:ea typeface="+mn-ea"/>
+                <a:cs typeface="+mn-cs"/>
+              </a:defRPr>
+            </a:lvl5pPr>
+            <a:lvl6pPr marL="2514600" indent="-228600" algn="l" defTabSz="914400" rtl="0" eaLnBrk="1" latinLnBrk="0" hangingPunct="1">
+              <a:spcBef>
+                <a:spcPct val="20000"/>
+              </a:spcBef>
+              <a:buFont typeface="Arial" pitchFamily="34" charset="0"/>
+              <a:buChar char="•"/>
+              <a:defRPr sz="2000" kern="1200">
+                <a:solidFill>
+                  <a:schemeClr val="tx1"/>
+                </a:solidFill>
+                <a:latin typeface="+mn-lt"/>
+                <a:ea typeface="+mn-ea"/>
+                <a:cs typeface="+mn-cs"/>
+              </a:defRPr>
+            </a:lvl6pPr>
+            <a:lvl7pPr marL="2971800" indent="-228600" algn="l" defTabSz="914400" rtl="0" eaLnBrk="1" latinLnBrk="0" hangingPunct="1">
+              <a:spcBef>
+                <a:spcPct val="20000"/>
+              </a:spcBef>
+              <a:buFont typeface="Arial" pitchFamily="34" charset="0"/>
+              <a:buChar char="•"/>
+              <a:defRPr sz="2000" kern="1200">
+                <a:solidFill>
+                  <a:schemeClr val="tx1"/>
+                </a:solidFill>
+                <a:latin typeface="+mn-lt"/>
+                <a:ea typeface="+mn-ea"/>
+                <a:cs typeface="+mn-cs"/>
+              </a:defRPr>
+            </a:lvl7pPr>
+            <a:lvl8pPr marL="3429000" indent="-228600" algn="l" defTabSz="914400" rtl="0" eaLnBrk="1" latinLnBrk="0" hangingPunct="1">
+              <a:spcBef>
+                <a:spcPct val="20000"/>
+              </a:spcBef>
+              <a:buFont typeface="Arial" pitchFamily="34" charset="0"/>
+              <a:buChar char="•"/>
+              <a:defRPr sz="2000" kern="1200">
+                <a:solidFill>
+                  <a:schemeClr val="tx1"/>
+                </a:solidFill>
+                <a:latin typeface="+mn-lt"/>
+                <a:ea typeface="+mn-ea"/>
+                <a:cs typeface="+mn-cs"/>
+              </a:defRPr>
+            </a:lvl8pPr>
+            <a:lvl9pPr marL="3886200" indent="-228600" algn="l" defTabSz="914400" rtl="0" eaLnBrk="1" latinLnBrk="0" hangingPunct="1">
+              <a:spcBef>
+                <a:spcPct val="20000"/>
+              </a:spcBef>
+              <a:buFont typeface="Arial" pitchFamily="34" charset="0"/>
+              <a:buChar char="•"/>
+              <a:defRPr sz="2000" kern="1200">
+                <a:solidFill>
+                  <a:schemeClr val="tx1"/>
+                </a:solidFill>
+                <a:latin typeface="+mn-lt"/>
+                <a:ea typeface="+mn-ea"/>
+                <a:cs typeface="+mn-cs"/>
+              </a:defRPr>
+            </a:lvl9pPr>
+          </a:lstStyle>
+          <a:p>
+            <a:r>
+              <a:rPr lang="en-US" sz="2400" dirty="0">
+                <a:sym typeface="Wingdings" panose="05000000000000000000" pitchFamily="2" charset="2"/>
+              </a:rPr>
+              <a:t>What have we still not decided?</a:t>
+            </a:r>
+          </a:p>
+          <a:p>
+            <a:r>
+              <a:rPr lang="en-US" sz="2400" dirty="0">
+                <a:solidFill>
+                  <a:schemeClr val="bg1">
+                    <a:lumMod val="50000"/>
+                  </a:schemeClr>
+                </a:solidFill>
+                <a:sym typeface="Wingdings" panose="05000000000000000000" pitchFamily="2" charset="2"/>
+              </a:rPr>
+              <a:t>Application layer organization – how is the main logic implemented</a:t>
+            </a:r>
+          </a:p>
+          <a:p>
+            <a:r>
+              <a:rPr lang="en-US" sz="2400" dirty="0">
+                <a:solidFill>
+                  <a:srgbClr val="EA3F26"/>
+                </a:solidFill>
+                <a:sym typeface="Wingdings" panose="05000000000000000000" pitchFamily="2" charset="2"/>
+              </a:rPr>
+              <a:t>When </a:t>
+            </a:r>
+            <a:r>
+              <a:rPr lang="en-US" sz="2400" dirty="0">
+                <a:sym typeface="Wingdings" panose="05000000000000000000" pitchFamily="2" charset="2"/>
+              </a:rPr>
+              <a:t>do these pieces of code run?</a:t>
+            </a:r>
+          </a:p>
+        </p:txBody>
+      </p:sp>
+    </p:spTree>
+    <p:extLst>
+      <p:ext uri="{BB962C8B-B14F-4D97-AF65-F5344CB8AC3E}">
+        <p14:creationId xmlns:p14="http://schemas.microsoft.com/office/powerpoint/2010/main" val="795997019"/>
+      </p:ext>
+    </p:extLst>
+  </p:cSld>
+  <p:clrMapOvr>
+    <a:masterClrMapping/>
+  </p:clrMapOvr>
+  <p:timing>
+    <p:tnLst>
+      <p:par>
+        <p:cTn id="1" dur="indefinite" restart="never" nodeType="tmRoot">
+          <p:childTnLst>
+            <p:seq concurrent="1" nextAc="seek">
+              <p:cTn id="2" dur="indefinite" nodeType="mainSeq">
+                <p:childTnLst>
+                  <p:par>
+                    <p:cTn id="3" fill="hold">
+                      <p:stCondLst>
+                        <p:cond delay="indefinite"/>
+                      </p:stCondLst>
+                      <p:childTnLst>
+                        <p:par>
+                          <p:cTn id="4" fill="hold">
+                            <p:stCondLst>
+                              <p:cond delay="0"/>
+                            </p:stCondLst>
+                            <p:childTnLst>
+                              <p:par>
+                                <p:cTn id="5" presetID="1" presetClass="entr" presetSubtype="0" fill="hold" grpId="0" nodeType="clickEffect">
+                                  <p:stCondLst>
+                                    <p:cond delay="0"/>
+                                  </p:stCondLst>
+                                  <p:childTnLst>
+                                    <p:set>
+                                      <p:cBhvr>
+                                        <p:cTn id="6" dur="1" fill="hold">
+                                          <p:stCondLst>
+                                            <p:cond delay="0"/>
+                                          </p:stCondLst>
+                                        </p:cTn>
+                                        <p:tgtEl>
+                                          <p:spTgt spid="5">
+                                            <p:txEl>
+                                              <p:pRg st="0" end="0"/>
+                                            </p:txEl>
+                                          </p:spTgt>
+                                        </p:tgtEl>
+                                        <p:attrNameLst>
+                                          <p:attrName>style.visibility</p:attrName>
+                                        </p:attrNameLst>
+                                      </p:cBhvr>
+                                      <p:to>
+                                        <p:strVal val="visible"/>
+                                      </p:to>
+                                    </p:set>
+                                  </p:childTnLst>
+                                </p:cTn>
+                              </p:par>
+                            </p:childTnLst>
+                          </p:cTn>
+                        </p:par>
+                      </p:childTnLst>
+                    </p:cTn>
+                  </p:par>
+                  <p:par>
+                    <p:cTn id="7" fill="hold">
+                      <p:stCondLst>
+                        <p:cond delay="indefinite"/>
+                      </p:stCondLst>
+                      <p:childTnLst>
+                        <p:par>
+                          <p:cTn id="8" fill="hold">
+                            <p:stCondLst>
+                              <p:cond delay="0"/>
+                            </p:stCondLst>
+                            <p:childTnLst>
+                              <p:par>
+                                <p:cTn id="9" presetID="1" presetClass="entr" presetSubtype="0" fill="hold" grpId="0" nodeType="clickEffect">
+                                  <p:stCondLst>
+                                    <p:cond delay="0"/>
+                                  </p:stCondLst>
+                                  <p:childTnLst>
+                                    <p:set>
+                                      <p:cBhvr>
+                                        <p:cTn id="10" dur="1" fill="hold">
+                                          <p:stCondLst>
+                                            <p:cond delay="0"/>
+                                          </p:stCondLst>
+                                        </p:cTn>
+                                        <p:tgtEl>
+                                          <p:spTgt spid="5">
+                                            <p:txEl>
+                                              <p:pRg st="1" end="1"/>
+                                            </p:txEl>
+                                          </p:spTgt>
+                                        </p:tgtEl>
+                                        <p:attrNameLst>
+                                          <p:attrName>style.visibility</p:attrName>
+                                        </p:attrNameLst>
+                                      </p:cBhvr>
+                                      <p:to>
+                                        <p:strVal val="visible"/>
+                                      </p:to>
+                                    </p:set>
+                                  </p:childTnLst>
+                                </p:cTn>
+                              </p:par>
+                            </p:childTnLst>
+                          </p:cTn>
+                        </p:par>
+                      </p:childTnLst>
+                    </p:cTn>
+                  </p:par>
+                  <p:par>
+                    <p:cTn id="11" fill="hold">
+                      <p:stCondLst>
+                        <p:cond delay="indefinite"/>
+                      </p:stCondLst>
+                      <p:childTnLst>
+                        <p:par>
+                          <p:cTn id="12" fill="hold">
+                            <p:stCondLst>
+                              <p:cond delay="0"/>
+                            </p:stCondLst>
+                            <p:childTnLst>
+                              <p:par>
+                                <p:cTn id="13" presetID="1" presetClass="entr" presetSubtype="0" fill="hold" grpId="0" nodeType="clickEffect">
+                                  <p:stCondLst>
+                                    <p:cond delay="0"/>
+                                  </p:stCondLst>
+                                  <p:childTnLst>
+                                    <p:set>
+                                      <p:cBhvr>
+                                        <p:cTn id="14" dur="1" fill="hold">
+                                          <p:stCondLst>
+                                            <p:cond delay="0"/>
+                                          </p:stCondLst>
+                                        </p:cTn>
+                                        <p:tgtEl>
+                                          <p:spTgt spid="5">
+                                            <p:txEl>
+                                              <p:pRg st="2" end="2"/>
+                                            </p:txEl>
+                                          </p:spTgt>
+                                        </p:tgtEl>
+                                        <p:attrNameLst>
+                                          <p:attrName>style.visibility</p:attrName>
+                                        </p:attrNameLst>
+                                      </p:cBhvr>
+                                      <p:to>
+                                        <p:strVal val="visible"/>
+                                      </p:to>
+                                    </p:set>
+                                  </p:childTnLst>
+                                </p:cTn>
+                              </p:par>
+                            </p:childTnLst>
+                          </p:cTn>
+                        </p:par>
+                      </p:childTnLst>
+                    </p:cTn>
+                  </p:par>
+                  <p:par>
+                    <p:cTn id="15" fill="hold">
+                      <p:stCondLst>
+                        <p:cond delay="indefinite"/>
+                      </p:stCondLst>
+                      <p:childTnLst>
+                        <p:par>
+                          <p:cTn id="16" fill="hold">
+                            <p:stCondLst>
+                              <p:cond delay="0"/>
+                            </p:stCondLst>
+                            <p:childTnLst>
+                              <p:par>
+                                <p:cTn id="17" presetID="1" presetClass="entr" presetSubtype="0" fill="hold" grpId="0" nodeType="clickEffect">
+                                  <p:stCondLst>
+                                    <p:cond delay="0"/>
+                                  </p:stCondLst>
+                                  <p:childTnLst>
+                                    <p:set>
+                                      <p:cBhvr>
+                                        <p:cTn id="18" dur="1" fill="hold">
+                                          <p:stCondLst>
+                                            <p:cond delay="0"/>
+                                          </p:stCondLst>
+                                        </p:cTn>
+                                        <p:tgtEl>
+                                          <p:spTgt spid="5">
+                                            <p:txEl>
+                                              <p:pRg st="3" end="3"/>
+                                            </p:txEl>
+                                          </p:spTgt>
+                                        </p:tgtEl>
+                                        <p:attrNameLst>
+                                          <p:attrName>style.visibility</p:attrName>
+                                        </p:attrNameLst>
+                                      </p:cBhvr>
+                                      <p:to>
+                                        <p:strVal val="visible"/>
+                                      </p:to>
+                                    </p:set>
+                                  </p:childTnLst>
+                                </p:cTn>
+                              </p:par>
+                            </p:childTnLst>
+                          </p:cTn>
+                        </p:par>
+                      </p:childTnLst>
+                    </p:cTn>
+                  </p:par>
+                  <p:par>
+                    <p:cTn id="19" fill="hold">
+                      <p:stCondLst>
+                        <p:cond delay="indefinite"/>
+                      </p:stCondLst>
+                      <p:childTnLst>
+                        <p:par>
+                          <p:cTn id="20" fill="hold">
+                            <p:stCondLst>
+                              <p:cond delay="0"/>
+                            </p:stCondLst>
+                            <p:childTnLst>
+                              <p:par>
+                                <p:cTn id="21" presetID="1" presetClass="entr" presetSubtype="0" fill="hold" grpId="0" nodeType="clickEffect">
+                                  <p:stCondLst>
+                                    <p:cond delay="0"/>
+                                  </p:stCondLst>
+                                  <p:childTnLst>
+                                    <p:set>
+                                      <p:cBhvr>
+                                        <p:cTn id="22" dur="1" fill="hold">
+                                          <p:stCondLst>
+                                            <p:cond delay="0"/>
+                                          </p:stCondLst>
+                                        </p:cTn>
+                                        <p:tgtEl>
+                                          <p:spTgt spid="5">
+                                            <p:txEl>
+                                              <p:pRg st="4" end="4"/>
+                                            </p:txEl>
+                                          </p:spTgt>
+                                        </p:tgtEl>
+                                        <p:attrNameLst>
+                                          <p:attrName>style.visibility</p:attrName>
+                                        </p:attrNameLst>
+                                      </p:cBhvr>
+                                      <p:to>
+                                        <p:strVal val="visible"/>
+                                      </p:to>
+                                    </p:set>
+                                  </p:childTnLst>
+                                </p:cTn>
+                              </p:par>
+                            </p:childTnLst>
+                          </p:cTn>
+                        </p:par>
+                      </p:childTnLst>
+                    </p:cTn>
+                  </p:par>
+                  <p:par>
+                    <p:cTn id="23" fill="hold">
+                      <p:stCondLst>
+                        <p:cond delay="indefinite"/>
+                      </p:stCondLst>
+                      <p:childTnLst>
+                        <p:par>
+                          <p:cTn id="24" fill="hold">
+                            <p:stCondLst>
+                              <p:cond delay="0"/>
+                            </p:stCondLst>
+                            <p:childTnLst>
+                              <p:par>
+                                <p:cTn id="25" presetID="1" presetClass="entr" presetSubtype="0" fill="hold" nodeType="clickEffect">
+                                  <p:stCondLst>
+                                    <p:cond delay="0"/>
+                                  </p:stCondLst>
+                                  <p:childTnLst>
+                                    <p:set>
+                                      <p:cBhvr>
+                                        <p:cTn id="26" dur="1" fill="hold">
+                                          <p:stCondLst>
+                                            <p:cond delay="0"/>
+                                          </p:stCondLst>
+                                        </p:cTn>
+                                        <p:tgtEl>
+                                          <p:spTgt spid="6"/>
+                                        </p:tgtEl>
+                                        <p:attrNameLst>
+                                          <p:attrName>style.visibility</p:attrName>
+                                        </p:attrNameLst>
+                                      </p:cBhvr>
+                                      <p:to>
+                                        <p:strVal val="visible"/>
+                                      </p:to>
+                                    </p:set>
+                                  </p:childTnLst>
+                                </p:cTn>
+                              </p:par>
+                            </p:childTnLst>
+                          </p:cTn>
+                        </p:par>
+                      </p:childTnLst>
+                    </p:cTn>
+                  </p:par>
+                  <p:par>
+                    <p:cTn id="27" fill="hold">
+                      <p:stCondLst>
+                        <p:cond delay="indefinite"/>
+                      </p:stCondLst>
+                      <p:childTnLst>
+                        <p:par>
+                          <p:cTn id="28" fill="hold">
+                            <p:stCondLst>
+                              <p:cond delay="0"/>
+                            </p:stCondLst>
+                            <p:childTnLst>
+                              <p:par>
+                                <p:cTn id="29" presetID="1" presetClass="entr" presetSubtype="0" fill="hold" grpId="0" nodeType="clickEffect">
+                                  <p:stCondLst>
+                                    <p:cond delay="0"/>
+                                  </p:stCondLst>
+                                  <p:childTnLst>
+                                    <p:set>
+                                      <p:cBhvr>
+                                        <p:cTn id="30" dur="1" fill="hold">
+                                          <p:stCondLst>
+                                            <p:cond delay="0"/>
+                                          </p:stCondLst>
+                                        </p:cTn>
+                                        <p:tgtEl>
+                                          <p:spTgt spid="9">
+                                            <p:txEl>
+                                              <p:pRg st="0" end="0"/>
+                                            </p:txEl>
+                                          </p:spTgt>
+                                        </p:tgtEl>
+                                        <p:attrNameLst>
+                                          <p:attrName>style.visibility</p:attrName>
+                                        </p:attrNameLst>
+                                      </p:cBhvr>
+                                      <p:to>
+                                        <p:strVal val="visible"/>
+                                      </p:to>
+                                    </p:set>
+                                  </p:childTnLst>
+                                </p:cTn>
+                              </p:par>
+                            </p:childTnLst>
+                          </p:cTn>
+                        </p:par>
+                      </p:childTnLst>
+                    </p:cTn>
+                  </p:par>
+                  <p:par>
+                    <p:cTn id="31" fill="hold">
+                      <p:stCondLst>
+                        <p:cond delay="indefinite"/>
+                      </p:stCondLst>
+                      <p:childTnLst>
+                        <p:par>
+                          <p:cTn id="32" fill="hold">
+                            <p:stCondLst>
+                              <p:cond delay="0"/>
+                            </p:stCondLst>
+                            <p:childTnLst>
+                              <p:par>
+                                <p:cTn id="33" presetID="1" presetClass="entr" presetSubtype="0" fill="hold" grpId="0" nodeType="clickEffect">
+                                  <p:stCondLst>
+                                    <p:cond delay="0"/>
+                                  </p:stCondLst>
+                                  <p:childTnLst>
+                                    <p:set>
+                                      <p:cBhvr>
+                                        <p:cTn id="34" dur="1" fill="hold">
+                                          <p:stCondLst>
+                                            <p:cond delay="0"/>
+                                          </p:stCondLst>
+                                        </p:cTn>
+                                        <p:tgtEl>
+                                          <p:spTgt spid="9">
+                                            <p:txEl>
+                                              <p:pRg st="1" end="1"/>
+                                            </p:txEl>
+                                          </p:spTgt>
+                                        </p:tgtEl>
+                                        <p:attrNameLst>
+                                          <p:attrName>style.visibility</p:attrName>
+                                        </p:attrNameLst>
+                                      </p:cBhvr>
+                                      <p:to>
+                                        <p:strVal val="visible"/>
+                                      </p:to>
+                                    </p:set>
+                                  </p:childTnLst>
+                                </p:cTn>
+                              </p:par>
+                            </p:childTnLst>
+                          </p:cTn>
+                        </p:par>
+                      </p:childTnLst>
+                    </p:cTn>
+                  </p:par>
+                  <p:par>
+                    <p:cTn id="35" fill="hold">
+                      <p:stCondLst>
+                        <p:cond delay="indefinite"/>
+                      </p:stCondLst>
+                      <p:childTnLst>
+                        <p:par>
+                          <p:cTn id="36" fill="hold">
+                            <p:stCondLst>
+                              <p:cond delay="0"/>
+                            </p:stCondLst>
+                            <p:childTnLst>
+                              <p:par>
+                                <p:cTn id="37" presetID="1" presetClass="entr" presetSubtype="0" fill="hold" grpId="0" nodeType="clickEffect">
+                                  <p:stCondLst>
+                                    <p:cond delay="0"/>
+                                  </p:stCondLst>
+                                  <p:childTnLst>
+                                    <p:set>
+                                      <p:cBhvr>
+                                        <p:cTn id="38" dur="1" fill="hold">
+                                          <p:stCondLst>
+                                            <p:cond delay="0"/>
+                                          </p:stCondLst>
+                                        </p:cTn>
+                                        <p:tgtEl>
+                                          <p:spTgt spid="9">
+                                            <p:txEl>
+                                              <p:pRg st="2" end="2"/>
+                                            </p:txEl>
+                                          </p:spTgt>
+                                        </p:tgtEl>
+                                        <p:attrNameLst>
+                                          <p:attrName>style.visibility</p:attrName>
+                                        </p:attrNameLst>
+                                      </p:cBhvr>
+                                      <p:to>
+                                        <p:strVal val="visible"/>
+                                      </p:to>
+                                    </p:set>
+                                  </p:childTnLst>
+                                </p:cTn>
+                              </p:par>
+                            </p:childTnLst>
+                          </p:cTn>
+                        </p:par>
+                      </p:childTnLst>
+                    </p:cTn>
+                  </p:par>
+                </p:childTnLst>
+              </p:cTn>
+              <p:prevCondLst>
+                <p:cond evt="onPrev" delay="0">
+                  <p:tgtEl>
+                    <p:sldTgt/>
+                  </p:tgtEl>
+                </p:cond>
+              </p:prevCondLst>
+              <p:nextCondLst>
+                <p:cond evt="onNext" delay="0">
+                  <p:tgtEl>
+                    <p:sldTgt/>
+                  </p:tgtEl>
+                </p:cond>
+              </p:nextCondLst>
+            </p:seq>
+          </p:childTnLst>
+        </p:cTn>
+      </p:par>
+    </p:tnLst>
+    <p:bldLst>
+      <p:bldP spid="5" grpId="0" uiExpand="1" build="p"/>
+      <p:bldP spid="9" grpId="0" uiExpand="1" build="p"/>
+    </p:bldLst>
+  </p:timing>
+</p:sld>
+</file>
+
+<file path=ppt/slides/slide46.xml><?xml version="1.0" encoding="utf-8"?>
+<p:sld xmlns:a="http://schemas.openxmlformats.org/drawingml/2006/main" xmlns:r="http://schemas.openxmlformats.org/officeDocument/2006/relationships" xmlns:p="http://schemas.openxmlformats.org/presentationml/2006/main">
+  <p:cSld>
+    <p:spTree>
+      <p:nvGrpSpPr>
+        <p:cNvPr id="1" name=""/>
+        <p:cNvGrpSpPr/>
+        <p:nvPr/>
+      </p:nvGrpSpPr>
+      <p:grpSpPr>
+        <a:xfrm>
+          <a:off x="0" y="0"/>
+          <a:ext cx="0" cy="0"/>
+          <a:chOff x="0" y="0"/>
+          <a:chExt cx="0" cy="0"/>
+        </a:xfrm>
+      </p:grpSpPr>
+      <p:sp>
+        <p:nvSpPr>
+          <p:cNvPr id="2" name="Title 1">
+            <a:extLst>
+              <a:ext uri="{FF2B5EF4-FFF2-40B4-BE49-F238E27FC236}">
+                <a16:creationId xmlns:a16="http://schemas.microsoft.com/office/drawing/2014/main" id="{01A55A39-2E59-4324-9432-F30BDBC67527}"/>
               </a:ext>
             </a:extLst>
           </p:cNvPr>
@@ -29452,7 +30350,7 @@
             <a:spLocks noGrp="1"/>
           </p:cNvSpPr>
           <p:nvPr>
-            <p:ph sz="half" idx="1"/>
+            <p:ph type="title"/>
           </p:nvPr>
         </p:nvSpPr>
         <p:spPr/>
@@ -29460,20 +30358,2262 @@
           <a:bodyPr/>
           <a:lstStyle/>
           <a:p>
-            <a:endParaRPr lang="en-US"/>
+            <a:r>
+              <a:rPr lang="en-US" dirty="0"/>
+              <a:t>Execution model = Rules of Running</a:t>
+            </a:r>
+          </a:p>
+        </p:txBody>
+      </p:sp>
+      <p:sp>
+        <p:nvSpPr>
+          <p:cNvPr id="3" name="Content Placeholder 2">
+            <a:extLst>
+              <a:ext uri="{FF2B5EF4-FFF2-40B4-BE49-F238E27FC236}">
+                <a16:creationId xmlns:a16="http://schemas.microsoft.com/office/drawing/2014/main" id="{13E87F85-7A32-4F31-A667-BE0A589E80AB}"/>
+              </a:ext>
+            </a:extLst>
+          </p:cNvPr>
+          <p:cNvSpPr>
+            <a:spLocks noGrp="1"/>
+          </p:cNvSpPr>
+          <p:nvPr>
+            <p:ph idx="1"/>
+          </p:nvPr>
+        </p:nvSpPr>
+        <p:spPr/>
+        <p:txBody>
+          <a:bodyPr>
+            <a:normAutofit fontScale="77500" lnSpcReduction="20000"/>
+          </a:bodyPr>
+          <a:lstStyle/>
+          <a:p>
+            <a:pPr marL="0" indent="0">
+              <a:buNone/>
+            </a:pPr>
+            <a:r>
+              <a:rPr lang="en-US" dirty="0"/>
+              <a:t>An execution model defines how control flows through the system over time.</a:t>
+            </a:r>
+          </a:p>
+          <a:p>
+            <a:r>
+              <a:rPr lang="en-US" dirty="0"/>
+              <a:t>Where code runs (i.e. in what context)</a:t>
+            </a:r>
+          </a:p>
+          <a:p>
+            <a:r>
+              <a:rPr lang="en-US" dirty="0"/>
+              <a:t>When code runs?</a:t>
+            </a:r>
+          </a:p>
+          <a:p>
+            <a:pPr marL="0" indent="0">
+              <a:buNone/>
+            </a:pPr>
+            <a:endParaRPr lang="en-US" dirty="0"/>
+          </a:p>
+          <a:p>
+            <a:pPr>
+              <a:buFontTx/>
+              <a:buChar char="-"/>
+            </a:pPr>
+            <a:r>
+              <a:rPr lang="en-US" dirty="0"/>
+              <a:t>CPU performs one task at a time.</a:t>
+            </a:r>
+          </a:p>
+          <a:p>
+            <a:pPr>
+              <a:buFontTx/>
+              <a:buChar char="-"/>
+            </a:pPr>
+            <a:r>
+              <a:rPr lang="en-US" dirty="0"/>
+              <a:t>We create the illusion of multitasking by switching Contexts</a:t>
+            </a:r>
+          </a:p>
+          <a:p>
+            <a:pPr>
+              <a:buFontTx/>
+              <a:buChar char="-"/>
+            </a:pPr>
+            <a:r>
+              <a:rPr lang="en-US" dirty="0"/>
+              <a:t>A context is the snapshot of the CPU’s soul: its registers, its program counter, and its stack</a:t>
+            </a:r>
+          </a:p>
+          <a:p>
+            <a:pPr>
+              <a:buFontTx/>
+              <a:buChar char="-"/>
+            </a:pPr>
+            <a:r>
+              <a:rPr lang="en-US" dirty="0"/>
+              <a:t>When we switch tasks, we "freeze" one soul and "thaw" another</a:t>
+            </a:r>
+          </a:p>
+          <a:p>
+            <a:pPr>
+              <a:buFontTx/>
+              <a:buChar char="-"/>
+            </a:pPr>
+            <a:endParaRPr lang="en-US" dirty="0"/>
+          </a:p>
+          <a:p>
+            <a:pPr marL="0" indent="0">
+              <a:buNone/>
+            </a:pPr>
+            <a:r>
+              <a:rPr lang="en-US" dirty="0"/>
+              <a:t>Execution modeling is the management of CPU "Contexts" and the cost of switching between them</a:t>
+            </a:r>
+          </a:p>
+        </p:txBody>
+      </p:sp>
+      <p:sp>
+        <p:nvSpPr>
+          <p:cNvPr id="4" name="Date Placeholder 3">
+            <a:extLst>
+              <a:ext uri="{FF2B5EF4-FFF2-40B4-BE49-F238E27FC236}">
+                <a16:creationId xmlns:a16="http://schemas.microsoft.com/office/drawing/2014/main" id="{761F5C62-22F0-4636-90C7-8ACA9E30C100}"/>
+              </a:ext>
+            </a:extLst>
+          </p:cNvPr>
+          <p:cNvSpPr>
+            <a:spLocks noGrp="1"/>
+          </p:cNvSpPr>
+          <p:nvPr>
+            <p:ph type="dt" sz="half" idx="10"/>
+          </p:nvPr>
+        </p:nvSpPr>
+        <p:spPr/>
+        <p:txBody>
+          <a:bodyPr/>
+          <a:lstStyle/>
+          <a:p>
+            <a:pPr>
+              <a:defRPr/>
+            </a:pPr>
+            <a:r>
+              <a:rPr lang="en-US"/>
+              <a:t>21/12/2020</a:t>
+            </a:r>
+          </a:p>
+        </p:txBody>
+      </p:sp>
+      <p:sp>
+        <p:nvSpPr>
+          <p:cNvPr id="5" name="Slide Number Placeholder 4">
+            <a:extLst>
+              <a:ext uri="{FF2B5EF4-FFF2-40B4-BE49-F238E27FC236}">
+                <a16:creationId xmlns:a16="http://schemas.microsoft.com/office/drawing/2014/main" id="{9FE47492-95DE-4C55-8B62-F7535F3F4295}"/>
+              </a:ext>
+            </a:extLst>
+          </p:cNvPr>
+          <p:cNvSpPr>
+            <a:spLocks noGrp="1"/>
+          </p:cNvSpPr>
+          <p:nvPr>
+            <p:ph type="sldNum" sz="quarter" idx="12"/>
+          </p:nvPr>
+        </p:nvSpPr>
+        <p:spPr/>
+        <p:txBody>
+          <a:bodyPr/>
+          <a:lstStyle/>
+          <a:p>
+            <a:pPr>
+              <a:defRPr/>
+            </a:pPr>
+            <a:fld id="{CA887A73-1AE0-46F8-856A-18EA1CF30A1B}" type="slidenum">
+              <a:rPr lang="en-US" altLang="en-US" smtClean="0"/>
+              <a:pPr>
+                <a:defRPr/>
+              </a:pPr>
+              <a:t>46</a:t>
+            </a:fld>
+            <a:endParaRPr lang="en-US" altLang="en-US"/>
           </a:p>
         </p:txBody>
       </p:sp>
     </p:spTree>
     <p:extLst>
       <p:ext uri="{BB962C8B-B14F-4D97-AF65-F5344CB8AC3E}">
-        <p14:creationId xmlns:p14="http://schemas.microsoft.com/office/powerpoint/2010/main" val="1989818190"/>
+        <p14:creationId xmlns:p14="http://schemas.microsoft.com/office/powerpoint/2010/main" val="3891790397"/>
       </p:ext>
     </p:extLst>
   </p:cSld>
   <p:clrMapOvr>
     <a:masterClrMapping/>
   </p:clrMapOvr>
+  <p:timing>
+    <p:tnLst>
+      <p:par>
+        <p:cTn id="1" dur="indefinite" restart="never" nodeType="tmRoot">
+          <p:childTnLst>
+            <p:seq concurrent="1" nextAc="seek">
+              <p:cTn id="2" dur="indefinite" nodeType="mainSeq">
+                <p:childTnLst>
+                  <p:par>
+                    <p:cTn id="3" fill="hold">
+                      <p:stCondLst>
+                        <p:cond delay="indefinite"/>
+                      </p:stCondLst>
+                      <p:childTnLst>
+                        <p:par>
+                          <p:cTn id="4" fill="hold">
+                            <p:stCondLst>
+                              <p:cond delay="0"/>
+                            </p:stCondLst>
+                            <p:childTnLst>
+                              <p:par>
+                                <p:cTn id="5" presetID="1" presetClass="entr" presetSubtype="0" fill="hold" grpId="0" nodeType="clickEffect">
+                                  <p:stCondLst>
+                                    <p:cond delay="0"/>
+                                  </p:stCondLst>
+                                  <p:childTnLst>
+                                    <p:set>
+                                      <p:cBhvr>
+                                        <p:cTn id="6" dur="1" fill="hold">
+                                          <p:stCondLst>
+                                            <p:cond delay="0"/>
+                                          </p:stCondLst>
+                                        </p:cTn>
+                                        <p:tgtEl>
+                                          <p:spTgt spid="3">
+                                            <p:txEl>
+                                              <p:pRg st="0" end="0"/>
+                                            </p:txEl>
+                                          </p:spTgt>
+                                        </p:tgtEl>
+                                        <p:attrNameLst>
+                                          <p:attrName>style.visibility</p:attrName>
+                                        </p:attrNameLst>
+                                      </p:cBhvr>
+                                      <p:to>
+                                        <p:strVal val="visible"/>
+                                      </p:to>
+                                    </p:set>
+                                  </p:childTnLst>
+                                </p:cTn>
+                              </p:par>
+                            </p:childTnLst>
+                          </p:cTn>
+                        </p:par>
+                      </p:childTnLst>
+                    </p:cTn>
+                  </p:par>
+                  <p:par>
+                    <p:cTn id="7" fill="hold">
+                      <p:stCondLst>
+                        <p:cond delay="indefinite"/>
+                      </p:stCondLst>
+                      <p:childTnLst>
+                        <p:par>
+                          <p:cTn id="8" fill="hold">
+                            <p:stCondLst>
+                              <p:cond delay="0"/>
+                            </p:stCondLst>
+                            <p:childTnLst>
+                              <p:par>
+                                <p:cTn id="9" presetID="1" presetClass="entr" presetSubtype="0" fill="hold" grpId="0" nodeType="clickEffect">
+                                  <p:stCondLst>
+                                    <p:cond delay="0"/>
+                                  </p:stCondLst>
+                                  <p:childTnLst>
+                                    <p:set>
+                                      <p:cBhvr>
+                                        <p:cTn id="10" dur="1" fill="hold">
+                                          <p:stCondLst>
+                                            <p:cond delay="0"/>
+                                          </p:stCondLst>
+                                        </p:cTn>
+                                        <p:tgtEl>
+                                          <p:spTgt spid="3">
+                                            <p:txEl>
+                                              <p:pRg st="1" end="1"/>
+                                            </p:txEl>
+                                          </p:spTgt>
+                                        </p:tgtEl>
+                                        <p:attrNameLst>
+                                          <p:attrName>style.visibility</p:attrName>
+                                        </p:attrNameLst>
+                                      </p:cBhvr>
+                                      <p:to>
+                                        <p:strVal val="visible"/>
+                                      </p:to>
+                                    </p:set>
+                                  </p:childTnLst>
+                                </p:cTn>
+                              </p:par>
+                            </p:childTnLst>
+                          </p:cTn>
+                        </p:par>
+                      </p:childTnLst>
+                    </p:cTn>
+                  </p:par>
+                  <p:par>
+                    <p:cTn id="11" fill="hold">
+                      <p:stCondLst>
+                        <p:cond delay="indefinite"/>
+                      </p:stCondLst>
+                      <p:childTnLst>
+                        <p:par>
+                          <p:cTn id="12" fill="hold">
+                            <p:stCondLst>
+                              <p:cond delay="0"/>
+                            </p:stCondLst>
+                            <p:childTnLst>
+                              <p:par>
+                                <p:cTn id="13" presetID="1" presetClass="entr" presetSubtype="0" fill="hold" grpId="0" nodeType="clickEffect">
+                                  <p:stCondLst>
+                                    <p:cond delay="0"/>
+                                  </p:stCondLst>
+                                  <p:childTnLst>
+                                    <p:set>
+                                      <p:cBhvr>
+                                        <p:cTn id="14" dur="1" fill="hold">
+                                          <p:stCondLst>
+                                            <p:cond delay="0"/>
+                                          </p:stCondLst>
+                                        </p:cTn>
+                                        <p:tgtEl>
+                                          <p:spTgt spid="3">
+                                            <p:txEl>
+                                              <p:pRg st="2" end="2"/>
+                                            </p:txEl>
+                                          </p:spTgt>
+                                        </p:tgtEl>
+                                        <p:attrNameLst>
+                                          <p:attrName>style.visibility</p:attrName>
+                                        </p:attrNameLst>
+                                      </p:cBhvr>
+                                      <p:to>
+                                        <p:strVal val="visible"/>
+                                      </p:to>
+                                    </p:set>
+                                  </p:childTnLst>
+                                </p:cTn>
+                              </p:par>
+                            </p:childTnLst>
+                          </p:cTn>
+                        </p:par>
+                      </p:childTnLst>
+                    </p:cTn>
+                  </p:par>
+                  <p:par>
+                    <p:cTn id="15" fill="hold">
+                      <p:stCondLst>
+                        <p:cond delay="indefinite"/>
+                      </p:stCondLst>
+                      <p:childTnLst>
+                        <p:par>
+                          <p:cTn id="16" fill="hold">
+                            <p:stCondLst>
+                              <p:cond delay="0"/>
+                            </p:stCondLst>
+                            <p:childTnLst>
+                              <p:par>
+                                <p:cTn id="17" presetID="1" presetClass="entr" presetSubtype="0" fill="hold" grpId="0" nodeType="clickEffect">
+                                  <p:stCondLst>
+                                    <p:cond delay="0"/>
+                                  </p:stCondLst>
+                                  <p:childTnLst>
+                                    <p:set>
+                                      <p:cBhvr>
+                                        <p:cTn id="18" dur="1" fill="hold">
+                                          <p:stCondLst>
+                                            <p:cond delay="0"/>
+                                          </p:stCondLst>
+                                        </p:cTn>
+                                        <p:tgtEl>
+                                          <p:spTgt spid="3">
+                                            <p:txEl>
+                                              <p:pRg st="4" end="4"/>
+                                            </p:txEl>
+                                          </p:spTgt>
+                                        </p:tgtEl>
+                                        <p:attrNameLst>
+                                          <p:attrName>style.visibility</p:attrName>
+                                        </p:attrNameLst>
+                                      </p:cBhvr>
+                                      <p:to>
+                                        <p:strVal val="visible"/>
+                                      </p:to>
+                                    </p:set>
+                                  </p:childTnLst>
+                                </p:cTn>
+                              </p:par>
+                            </p:childTnLst>
+                          </p:cTn>
+                        </p:par>
+                      </p:childTnLst>
+                    </p:cTn>
+                  </p:par>
+                  <p:par>
+                    <p:cTn id="19" fill="hold">
+                      <p:stCondLst>
+                        <p:cond delay="indefinite"/>
+                      </p:stCondLst>
+                      <p:childTnLst>
+                        <p:par>
+                          <p:cTn id="20" fill="hold">
+                            <p:stCondLst>
+                              <p:cond delay="0"/>
+                            </p:stCondLst>
+                            <p:childTnLst>
+                              <p:par>
+                                <p:cTn id="21" presetID="1" presetClass="entr" presetSubtype="0" fill="hold" grpId="0" nodeType="clickEffect">
+                                  <p:stCondLst>
+                                    <p:cond delay="0"/>
+                                  </p:stCondLst>
+                                  <p:childTnLst>
+                                    <p:set>
+                                      <p:cBhvr>
+                                        <p:cTn id="22" dur="1" fill="hold">
+                                          <p:stCondLst>
+                                            <p:cond delay="0"/>
+                                          </p:stCondLst>
+                                        </p:cTn>
+                                        <p:tgtEl>
+                                          <p:spTgt spid="3">
+                                            <p:txEl>
+                                              <p:pRg st="5" end="5"/>
+                                            </p:txEl>
+                                          </p:spTgt>
+                                        </p:tgtEl>
+                                        <p:attrNameLst>
+                                          <p:attrName>style.visibility</p:attrName>
+                                        </p:attrNameLst>
+                                      </p:cBhvr>
+                                      <p:to>
+                                        <p:strVal val="visible"/>
+                                      </p:to>
+                                    </p:set>
+                                  </p:childTnLst>
+                                </p:cTn>
+                              </p:par>
+                            </p:childTnLst>
+                          </p:cTn>
+                        </p:par>
+                      </p:childTnLst>
+                    </p:cTn>
+                  </p:par>
+                  <p:par>
+                    <p:cTn id="23" fill="hold">
+                      <p:stCondLst>
+                        <p:cond delay="indefinite"/>
+                      </p:stCondLst>
+                      <p:childTnLst>
+                        <p:par>
+                          <p:cTn id="24" fill="hold">
+                            <p:stCondLst>
+                              <p:cond delay="0"/>
+                            </p:stCondLst>
+                            <p:childTnLst>
+                              <p:par>
+                                <p:cTn id="25" presetID="1" presetClass="entr" presetSubtype="0" fill="hold" grpId="0" nodeType="clickEffect">
+                                  <p:stCondLst>
+                                    <p:cond delay="0"/>
+                                  </p:stCondLst>
+                                  <p:childTnLst>
+                                    <p:set>
+                                      <p:cBhvr>
+                                        <p:cTn id="26" dur="1" fill="hold">
+                                          <p:stCondLst>
+                                            <p:cond delay="0"/>
+                                          </p:stCondLst>
+                                        </p:cTn>
+                                        <p:tgtEl>
+                                          <p:spTgt spid="3">
+                                            <p:txEl>
+                                              <p:pRg st="6" end="6"/>
+                                            </p:txEl>
+                                          </p:spTgt>
+                                        </p:tgtEl>
+                                        <p:attrNameLst>
+                                          <p:attrName>style.visibility</p:attrName>
+                                        </p:attrNameLst>
+                                      </p:cBhvr>
+                                      <p:to>
+                                        <p:strVal val="visible"/>
+                                      </p:to>
+                                    </p:set>
+                                  </p:childTnLst>
+                                </p:cTn>
+                              </p:par>
+                            </p:childTnLst>
+                          </p:cTn>
+                        </p:par>
+                      </p:childTnLst>
+                    </p:cTn>
+                  </p:par>
+                  <p:par>
+                    <p:cTn id="27" fill="hold">
+                      <p:stCondLst>
+                        <p:cond delay="indefinite"/>
+                      </p:stCondLst>
+                      <p:childTnLst>
+                        <p:par>
+                          <p:cTn id="28" fill="hold">
+                            <p:stCondLst>
+                              <p:cond delay="0"/>
+                            </p:stCondLst>
+                            <p:childTnLst>
+                              <p:par>
+                                <p:cTn id="29" presetID="1" presetClass="entr" presetSubtype="0" fill="hold" grpId="0" nodeType="clickEffect">
+                                  <p:stCondLst>
+                                    <p:cond delay="0"/>
+                                  </p:stCondLst>
+                                  <p:childTnLst>
+                                    <p:set>
+                                      <p:cBhvr>
+                                        <p:cTn id="30" dur="1" fill="hold">
+                                          <p:stCondLst>
+                                            <p:cond delay="0"/>
+                                          </p:stCondLst>
+                                        </p:cTn>
+                                        <p:tgtEl>
+                                          <p:spTgt spid="3">
+                                            <p:txEl>
+                                              <p:pRg st="7" end="7"/>
+                                            </p:txEl>
+                                          </p:spTgt>
+                                        </p:tgtEl>
+                                        <p:attrNameLst>
+                                          <p:attrName>style.visibility</p:attrName>
+                                        </p:attrNameLst>
+                                      </p:cBhvr>
+                                      <p:to>
+                                        <p:strVal val="visible"/>
+                                      </p:to>
+                                    </p:set>
+                                  </p:childTnLst>
+                                </p:cTn>
+                              </p:par>
+                            </p:childTnLst>
+                          </p:cTn>
+                        </p:par>
+                      </p:childTnLst>
+                    </p:cTn>
+                  </p:par>
+                  <p:par>
+                    <p:cTn id="31" fill="hold">
+                      <p:stCondLst>
+                        <p:cond delay="indefinite"/>
+                      </p:stCondLst>
+                      <p:childTnLst>
+                        <p:par>
+                          <p:cTn id="32" fill="hold">
+                            <p:stCondLst>
+                              <p:cond delay="0"/>
+                            </p:stCondLst>
+                            <p:childTnLst>
+                              <p:par>
+                                <p:cTn id="33" presetID="1" presetClass="entr" presetSubtype="0" fill="hold" grpId="0" nodeType="clickEffect">
+                                  <p:stCondLst>
+                                    <p:cond delay="0"/>
+                                  </p:stCondLst>
+                                  <p:childTnLst>
+                                    <p:set>
+                                      <p:cBhvr>
+                                        <p:cTn id="34" dur="1" fill="hold">
+                                          <p:stCondLst>
+                                            <p:cond delay="0"/>
+                                          </p:stCondLst>
+                                        </p:cTn>
+                                        <p:tgtEl>
+                                          <p:spTgt spid="3">
+                                            <p:txEl>
+                                              <p:pRg st="9" end="9"/>
+                                            </p:txEl>
+                                          </p:spTgt>
+                                        </p:tgtEl>
+                                        <p:attrNameLst>
+                                          <p:attrName>style.visibility</p:attrName>
+                                        </p:attrNameLst>
+                                      </p:cBhvr>
+                                      <p:to>
+                                        <p:strVal val="visible"/>
+                                      </p:to>
+                                    </p:set>
+                                  </p:childTnLst>
+                                </p:cTn>
+                              </p:par>
+                            </p:childTnLst>
+                          </p:cTn>
+                        </p:par>
+                      </p:childTnLst>
+                    </p:cTn>
+                  </p:par>
+                </p:childTnLst>
+              </p:cTn>
+              <p:prevCondLst>
+                <p:cond evt="onPrev" delay="0">
+                  <p:tgtEl>
+                    <p:sldTgt/>
+                  </p:tgtEl>
+                </p:cond>
+              </p:prevCondLst>
+              <p:nextCondLst>
+                <p:cond evt="onNext" delay="0">
+                  <p:tgtEl>
+                    <p:sldTgt/>
+                  </p:tgtEl>
+                </p:cond>
+              </p:nextCondLst>
+            </p:seq>
+          </p:childTnLst>
+        </p:cTn>
+      </p:par>
+    </p:tnLst>
+    <p:bldLst>
+      <p:bldP spid="3" grpId="0" build="p"/>
+    </p:bldLst>
+  </p:timing>
+</p:sld>
+</file>
+
+<file path=ppt/slides/slide47.xml><?xml version="1.0" encoding="utf-8"?>
+<p:sld xmlns:a="http://schemas.openxmlformats.org/drawingml/2006/main" xmlns:r="http://schemas.openxmlformats.org/officeDocument/2006/relationships" xmlns:p="http://schemas.openxmlformats.org/presentationml/2006/main">
+  <p:cSld>
+    <p:spTree>
+      <p:nvGrpSpPr>
+        <p:cNvPr id="1" name=""/>
+        <p:cNvGrpSpPr/>
+        <p:nvPr/>
+      </p:nvGrpSpPr>
+      <p:grpSpPr>
+        <a:xfrm>
+          <a:off x="0" y="0"/>
+          <a:ext cx="0" cy="0"/>
+          <a:chOff x="0" y="0"/>
+          <a:chExt cx="0" cy="0"/>
+        </a:xfrm>
+      </p:grpSpPr>
+      <p:sp>
+        <p:nvSpPr>
+          <p:cNvPr id="2" name="Title 1">
+            <a:extLst>
+              <a:ext uri="{FF2B5EF4-FFF2-40B4-BE49-F238E27FC236}">
+                <a16:creationId xmlns:a16="http://schemas.microsoft.com/office/drawing/2014/main" id="{01065865-7215-4589-9543-DAB6207E7643}"/>
+              </a:ext>
+            </a:extLst>
+          </p:cNvPr>
+          <p:cNvSpPr>
+            <a:spLocks noGrp="1"/>
+          </p:cNvSpPr>
+          <p:nvPr>
+            <p:ph type="title"/>
+          </p:nvPr>
+        </p:nvSpPr>
+        <p:spPr/>
+        <p:txBody>
+          <a:bodyPr/>
+          <a:lstStyle/>
+          <a:p>
+            <a:r>
+              <a:rPr lang="en-US" dirty="0"/>
+              <a:t>Models and contexts</a:t>
+            </a:r>
+          </a:p>
+        </p:txBody>
+      </p:sp>
+      <p:sp>
+        <p:nvSpPr>
+          <p:cNvPr id="3" name="Content Placeholder 2">
+            <a:extLst>
+              <a:ext uri="{FF2B5EF4-FFF2-40B4-BE49-F238E27FC236}">
+                <a16:creationId xmlns:a16="http://schemas.microsoft.com/office/drawing/2014/main" id="{7333657E-F754-4EF7-A04D-917E0D8C826C}"/>
+              </a:ext>
+            </a:extLst>
+          </p:cNvPr>
+          <p:cNvSpPr>
+            <a:spLocks noGrp="1"/>
+          </p:cNvSpPr>
+          <p:nvPr>
+            <p:ph idx="1"/>
+          </p:nvPr>
+        </p:nvSpPr>
+        <p:spPr/>
+        <p:txBody>
+          <a:bodyPr>
+            <a:normAutofit fontScale="92500" lnSpcReduction="20000"/>
+          </a:bodyPr>
+          <a:lstStyle/>
+          <a:p>
+            <a:r>
+              <a:rPr lang="en-US" dirty="0" err="1"/>
+              <a:t>Superloop</a:t>
+            </a:r>
+            <a:r>
+              <a:rPr lang="en-US" dirty="0"/>
+              <a:t>: everyone waits in a long line to run sequentially</a:t>
+            </a:r>
+          </a:p>
+          <a:p>
+            <a:r>
+              <a:rPr lang="en-US" dirty="0"/>
+              <a:t>Foreground/background: Loop + ISRs</a:t>
+            </a:r>
+          </a:p>
+          <a:p>
+            <a:r>
+              <a:rPr lang="en-US" dirty="0"/>
+              <a:t>Cooperative and preemptive multitasking</a:t>
+            </a:r>
+          </a:p>
+          <a:p>
+            <a:r>
+              <a:rPr lang="en-US" dirty="0"/>
+              <a:t>RTOS</a:t>
+            </a:r>
+          </a:p>
+          <a:p>
+            <a:endParaRPr lang="en-US" dirty="0"/>
+          </a:p>
+          <a:p>
+            <a:pPr marL="0" indent="0">
+              <a:buNone/>
+            </a:pPr>
+            <a:r>
+              <a:rPr lang="en-US" dirty="0"/>
+              <a:t>Contexts:</a:t>
+            </a:r>
+          </a:p>
+          <a:p>
+            <a:r>
+              <a:rPr lang="en-US" dirty="0"/>
+              <a:t>Main loop</a:t>
+            </a:r>
+          </a:p>
+          <a:p>
+            <a:r>
+              <a:rPr lang="en-US" dirty="0"/>
+              <a:t>Interrupt</a:t>
+            </a:r>
+          </a:p>
+          <a:p>
+            <a:r>
+              <a:rPr lang="en-US" dirty="0"/>
+              <a:t>Task (RTOS)</a:t>
+            </a:r>
+          </a:p>
+          <a:p>
+            <a:r>
+              <a:rPr lang="en-US" dirty="0"/>
+              <a:t>Deferred work</a:t>
+            </a:r>
+          </a:p>
+        </p:txBody>
+      </p:sp>
+      <p:sp>
+        <p:nvSpPr>
+          <p:cNvPr id="4" name="Date Placeholder 3">
+            <a:extLst>
+              <a:ext uri="{FF2B5EF4-FFF2-40B4-BE49-F238E27FC236}">
+                <a16:creationId xmlns:a16="http://schemas.microsoft.com/office/drawing/2014/main" id="{AEBB1B36-C9C1-44FE-8753-47DF89B209DC}"/>
+              </a:ext>
+            </a:extLst>
+          </p:cNvPr>
+          <p:cNvSpPr>
+            <a:spLocks noGrp="1"/>
+          </p:cNvSpPr>
+          <p:nvPr>
+            <p:ph type="dt" sz="half" idx="10"/>
+          </p:nvPr>
+        </p:nvSpPr>
+        <p:spPr/>
+        <p:txBody>
+          <a:bodyPr/>
+          <a:lstStyle/>
+          <a:p>
+            <a:pPr>
+              <a:defRPr/>
+            </a:pPr>
+            <a:r>
+              <a:rPr lang="en-US"/>
+              <a:t>21/12/2020</a:t>
+            </a:r>
+          </a:p>
+        </p:txBody>
+      </p:sp>
+      <p:sp>
+        <p:nvSpPr>
+          <p:cNvPr id="5" name="Slide Number Placeholder 4">
+            <a:extLst>
+              <a:ext uri="{FF2B5EF4-FFF2-40B4-BE49-F238E27FC236}">
+                <a16:creationId xmlns:a16="http://schemas.microsoft.com/office/drawing/2014/main" id="{F3FB0626-305B-4699-9725-2C5E6B0D1ACA}"/>
+              </a:ext>
+            </a:extLst>
+          </p:cNvPr>
+          <p:cNvSpPr>
+            <a:spLocks noGrp="1"/>
+          </p:cNvSpPr>
+          <p:nvPr>
+            <p:ph type="sldNum" sz="quarter" idx="12"/>
+          </p:nvPr>
+        </p:nvSpPr>
+        <p:spPr/>
+        <p:txBody>
+          <a:bodyPr/>
+          <a:lstStyle/>
+          <a:p>
+            <a:pPr>
+              <a:defRPr/>
+            </a:pPr>
+            <a:fld id="{CA887A73-1AE0-46F8-856A-18EA1CF30A1B}" type="slidenum">
+              <a:rPr lang="en-US" altLang="en-US" smtClean="0"/>
+              <a:pPr>
+                <a:defRPr/>
+              </a:pPr>
+              <a:t>47</a:t>
+            </a:fld>
+            <a:endParaRPr lang="en-US" altLang="en-US"/>
+          </a:p>
+        </p:txBody>
+      </p:sp>
+    </p:spTree>
+    <p:extLst>
+      <p:ext uri="{BB962C8B-B14F-4D97-AF65-F5344CB8AC3E}">
+        <p14:creationId xmlns:p14="http://schemas.microsoft.com/office/powerpoint/2010/main" val="1403958310"/>
+      </p:ext>
+    </p:extLst>
+  </p:cSld>
+  <p:clrMapOvr>
+    <a:masterClrMapping/>
+  </p:clrMapOvr>
+  <p:timing>
+    <p:tnLst>
+      <p:par>
+        <p:cTn id="1" dur="indefinite" restart="never" nodeType="tmRoot">
+          <p:childTnLst>
+            <p:seq concurrent="1" nextAc="seek">
+              <p:cTn id="2" dur="indefinite" nodeType="mainSeq">
+                <p:childTnLst>
+                  <p:par>
+                    <p:cTn id="3" fill="hold">
+                      <p:stCondLst>
+                        <p:cond delay="indefinite"/>
+                      </p:stCondLst>
+                      <p:childTnLst>
+                        <p:par>
+                          <p:cTn id="4" fill="hold">
+                            <p:stCondLst>
+                              <p:cond delay="0"/>
+                            </p:stCondLst>
+                            <p:childTnLst>
+                              <p:par>
+                                <p:cTn id="5" presetID="1" presetClass="entr" presetSubtype="0" fill="hold" grpId="0" nodeType="clickEffect">
+                                  <p:stCondLst>
+                                    <p:cond delay="0"/>
+                                  </p:stCondLst>
+                                  <p:childTnLst>
+                                    <p:set>
+                                      <p:cBhvr>
+                                        <p:cTn id="6" dur="1" fill="hold">
+                                          <p:stCondLst>
+                                            <p:cond delay="0"/>
+                                          </p:stCondLst>
+                                        </p:cTn>
+                                        <p:tgtEl>
+                                          <p:spTgt spid="3">
+                                            <p:txEl>
+                                              <p:pRg st="0" end="0"/>
+                                            </p:txEl>
+                                          </p:spTgt>
+                                        </p:tgtEl>
+                                        <p:attrNameLst>
+                                          <p:attrName>style.visibility</p:attrName>
+                                        </p:attrNameLst>
+                                      </p:cBhvr>
+                                      <p:to>
+                                        <p:strVal val="visible"/>
+                                      </p:to>
+                                    </p:set>
+                                  </p:childTnLst>
+                                </p:cTn>
+                              </p:par>
+                            </p:childTnLst>
+                          </p:cTn>
+                        </p:par>
+                      </p:childTnLst>
+                    </p:cTn>
+                  </p:par>
+                  <p:par>
+                    <p:cTn id="7" fill="hold">
+                      <p:stCondLst>
+                        <p:cond delay="indefinite"/>
+                      </p:stCondLst>
+                      <p:childTnLst>
+                        <p:par>
+                          <p:cTn id="8" fill="hold">
+                            <p:stCondLst>
+                              <p:cond delay="0"/>
+                            </p:stCondLst>
+                            <p:childTnLst>
+                              <p:par>
+                                <p:cTn id="9" presetID="1" presetClass="entr" presetSubtype="0" fill="hold" grpId="0" nodeType="clickEffect">
+                                  <p:stCondLst>
+                                    <p:cond delay="0"/>
+                                  </p:stCondLst>
+                                  <p:childTnLst>
+                                    <p:set>
+                                      <p:cBhvr>
+                                        <p:cTn id="10" dur="1" fill="hold">
+                                          <p:stCondLst>
+                                            <p:cond delay="0"/>
+                                          </p:stCondLst>
+                                        </p:cTn>
+                                        <p:tgtEl>
+                                          <p:spTgt spid="3">
+                                            <p:txEl>
+                                              <p:pRg st="1" end="1"/>
+                                            </p:txEl>
+                                          </p:spTgt>
+                                        </p:tgtEl>
+                                        <p:attrNameLst>
+                                          <p:attrName>style.visibility</p:attrName>
+                                        </p:attrNameLst>
+                                      </p:cBhvr>
+                                      <p:to>
+                                        <p:strVal val="visible"/>
+                                      </p:to>
+                                    </p:set>
+                                  </p:childTnLst>
+                                </p:cTn>
+                              </p:par>
+                            </p:childTnLst>
+                          </p:cTn>
+                        </p:par>
+                      </p:childTnLst>
+                    </p:cTn>
+                  </p:par>
+                  <p:par>
+                    <p:cTn id="11" fill="hold">
+                      <p:stCondLst>
+                        <p:cond delay="indefinite"/>
+                      </p:stCondLst>
+                      <p:childTnLst>
+                        <p:par>
+                          <p:cTn id="12" fill="hold">
+                            <p:stCondLst>
+                              <p:cond delay="0"/>
+                            </p:stCondLst>
+                            <p:childTnLst>
+                              <p:par>
+                                <p:cTn id="13" presetID="1" presetClass="entr" presetSubtype="0" fill="hold" grpId="0" nodeType="clickEffect">
+                                  <p:stCondLst>
+                                    <p:cond delay="0"/>
+                                  </p:stCondLst>
+                                  <p:childTnLst>
+                                    <p:set>
+                                      <p:cBhvr>
+                                        <p:cTn id="14" dur="1" fill="hold">
+                                          <p:stCondLst>
+                                            <p:cond delay="0"/>
+                                          </p:stCondLst>
+                                        </p:cTn>
+                                        <p:tgtEl>
+                                          <p:spTgt spid="3">
+                                            <p:txEl>
+                                              <p:pRg st="2" end="2"/>
+                                            </p:txEl>
+                                          </p:spTgt>
+                                        </p:tgtEl>
+                                        <p:attrNameLst>
+                                          <p:attrName>style.visibility</p:attrName>
+                                        </p:attrNameLst>
+                                      </p:cBhvr>
+                                      <p:to>
+                                        <p:strVal val="visible"/>
+                                      </p:to>
+                                    </p:set>
+                                  </p:childTnLst>
+                                </p:cTn>
+                              </p:par>
+                            </p:childTnLst>
+                          </p:cTn>
+                        </p:par>
+                      </p:childTnLst>
+                    </p:cTn>
+                  </p:par>
+                  <p:par>
+                    <p:cTn id="15" fill="hold">
+                      <p:stCondLst>
+                        <p:cond delay="indefinite"/>
+                      </p:stCondLst>
+                      <p:childTnLst>
+                        <p:par>
+                          <p:cTn id="16" fill="hold">
+                            <p:stCondLst>
+                              <p:cond delay="0"/>
+                            </p:stCondLst>
+                            <p:childTnLst>
+                              <p:par>
+                                <p:cTn id="17" presetID="1" presetClass="entr" presetSubtype="0" fill="hold" grpId="0" nodeType="clickEffect">
+                                  <p:stCondLst>
+                                    <p:cond delay="0"/>
+                                  </p:stCondLst>
+                                  <p:childTnLst>
+                                    <p:set>
+                                      <p:cBhvr>
+                                        <p:cTn id="18" dur="1" fill="hold">
+                                          <p:stCondLst>
+                                            <p:cond delay="0"/>
+                                          </p:stCondLst>
+                                        </p:cTn>
+                                        <p:tgtEl>
+                                          <p:spTgt spid="3">
+                                            <p:txEl>
+                                              <p:pRg st="3" end="3"/>
+                                            </p:txEl>
+                                          </p:spTgt>
+                                        </p:tgtEl>
+                                        <p:attrNameLst>
+                                          <p:attrName>style.visibility</p:attrName>
+                                        </p:attrNameLst>
+                                      </p:cBhvr>
+                                      <p:to>
+                                        <p:strVal val="visible"/>
+                                      </p:to>
+                                    </p:set>
+                                  </p:childTnLst>
+                                </p:cTn>
+                              </p:par>
+                            </p:childTnLst>
+                          </p:cTn>
+                        </p:par>
+                      </p:childTnLst>
+                    </p:cTn>
+                  </p:par>
+                  <p:par>
+                    <p:cTn id="19" fill="hold">
+                      <p:stCondLst>
+                        <p:cond delay="indefinite"/>
+                      </p:stCondLst>
+                      <p:childTnLst>
+                        <p:par>
+                          <p:cTn id="20" fill="hold">
+                            <p:stCondLst>
+                              <p:cond delay="0"/>
+                            </p:stCondLst>
+                            <p:childTnLst>
+                              <p:par>
+                                <p:cTn id="21" presetID="1" presetClass="entr" presetSubtype="0" fill="hold" grpId="0" nodeType="clickEffect">
+                                  <p:stCondLst>
+                                    <p:cond delay="0"/>
+                                  </p:stCondLst>
+                                  <p:childTnLst>
+                                    <p:set>
+                                      <p:cBhvr>
+                                        <p:cTn id="22" dur="1" fill="hold">
+                                          <p:stCondLst>
+                                            <p:cond delay="0"/>
+                                          </p:stCondLst>
+                                        </p:cTn>
+                                        <p:tgtEl>
+                                          <p:spTgt spid="3">
+                                            <p:txEl>
+                                              <p:pRg st="5" end="5"/>
+                                            </p:txEl>
+                                          </p:spTgt>
+                                        </p:tgtEl>
+                                        <p:attrNameLst>
+                                          <p:attrName>style.visibility</p:attrName>
+                                        </p:attrNameLst>
+                                      </p:cBhvr>
+                                      <p:to>
+                                        <p:strVal val="visible"/>
+                                      </p:to>
+                                    </p:set>
+                                  </p:childTnLst>
+                                </p:cTn>
+                              </p:par>
+                            </p:childTnLst>
+                          </p:cTn>
+                        </p:par>
+                      </p:childTnLst>
+                    </p:cTn>
+                  </p:par>
+                  <p:par>
+                    <p:cTn id="23" fill="hold">
+                      <p:stCondLst>
+                        <p:cond delay="indefinite"/>
+                      </p:stCondLst>
+                      <p:childTnLst>
+                        <p:par>
+                          <p:cTn id="24" fill="hold">
+                            <p:stCondLst>
+                              <p:cond delay="0"/>
+                            </p:stCondLst>
+                            <p:childTnLst>
+                              <p:par>
+                                <p:cTn id="25" presetID="1" presetClass="entr" presetSubtype="0" fill="hold" grpId="0" nodeType="clickEffect">
+                                  <p:stCondLst>
+                                    <p:cond delay="0"/>
+                                  </p:stCondLst>
+                                  <p:childTnLst>
+                                    <p:set>
+                                      <p:cBhvr>
+                                        <p:cTn id="26" dur="1" fill="hold">
+                                          <p:stCondLst>
+                                            <p:cond delay="0"/>
+                                          </p:stCondLst>
+                                        </p:cTn>
+                                        <p:tgtEl>
+                                          <p:spTgt spid="3">
+                                            <p:txEl>
+                                              <p:pRg st="6" end="6"/>
+                                            </p:txEl>
+                                          </p:spTgt>
+                                        </p:tgtEl>
+                                        <p:attrNameLst>
+                                          <p:attrName>style.visibility</p:attrName>
+                                        </p:attrNameLst>
+                                      </p:cBhvr>
+                                      <p:to>
+                                        <p:strVal val="visible"/>
+                                      </p:to>
+                                    </p:set>
+                                  </p:childTnLst>
+                                </p:cTn>
+                              </p:par>
+                            </p:childTnLst>
+                          </p:cTn>
+                        </p:par>
+                      </p:childTnLst>
+                    </p:cTn>
+                  </p:par>
+                  <p:par>
+                    <p:cTn id="27" fill="hold">
+                      <p:stCondLst>
+                        <p:cond delay="indefinite"/>
+                      </p:stCondLst>
+                      <p:childTnLst>
+                        <p:par>
+                          <p:cTn id="28" fill="hold">
+                            <p:stCondLst>
+                              <p:cond delay="0"/>
+                            </p:stCondLst>
+                            <p:childTnLst>
+                              <p:par>
+                                <p:cTn id="29" presetID="1" presetClass="entr" presetSubtype="0" fill="hold" grpId="0" nodeType="clickEffect">
+                                  <p:stCondLst>
+                                    <p:cond delay="0"/>
+                                  </p:stCondLst>
+                                  <p:childTnLst>
+                                    <p:set>
+                                      <p:cBhvr>
+                                        <p:cTn id="30" dur="1" fill="hold">
+                                          <p:stCondLst>
+                                            <p:cond delay="0"/>
+                                          </p:stCondLst>
+                                        </p:cTn>
+                                        <p:tgtEl>
+                                          <p:spTgt spid="3">
+                                            <p:txEl>
+                                              <p:pRg st="7" end="7"/>
+                                            </p:txEl>
+                                          </p:spTgt>
+                                        </p:tgtEl>
+                                        <p:attrNameLst>
+                                          <p:attrName>style.visibility</p:attrName>
+                                        </p:attrNameLst>
+                                      </p:cBhvr>
+                                      <p:to>
+                                        <p:strVal val="visible"/>
+                                      </p:to>
+                                    </p:set>
+                                  </p:childTnLst>
+                                </p:cTn>
+                              </p:par>
+                            </p:childTnLst>
+                          </p:cTn>
+                        </p:par>
+                      </p:childTnLst>
+                    </p:cTn>
+                  </p:par>
+                  <p:par>
+                    <p:cTn id="31" fill="hold">
+                      <p:stCondLst>
+                        <p:cond delay="indefinite"/>
+                      </p:stCondLst>
+                      <p:childTnLst>
+                        <p:par>
+                          <p:cTn id="32" fill="hold">
+                            <p:stCondLst>
+                              <p:cond delay="0"/>
+                            </p:stCondLst>
+                            <p:childTnLst>
+                              <p:par>
+                                <p:cTn id="33" presetID="1" presetClass="entr" presetSubtype="0" fill="hold" grpId="0" nodeType="clickEffect">
+                                  <p:stCondLst>
+                                    <p:cond delay="0"/>
+                                  </p:stCondLst>
+                                  <p:childTnLst>
+                                    <p:set>
+                                      <p:cBhvr>
+                                        <p:cTn id="34" dur="1" fill="hold">
+                                          <p:stCondLst>
+                                            <p:cond delay="0"/>
+                                          </p:stCondLst>
+                                        </p:cTn>
+                                        <p:tgtEl>
+                                          <p:spTgt spid="3">
+                                            <p:txEl>
+                                              <p:pRg st="8" end="8"/>
+                                            </p:txEl>
+                                          </p:spTgt>
+                                        </p:tgtEl>
+                                        <p:attrNameLst>
+                                          <p:attrName>style.visibility</p:attrName>
+                                        </p:attrNameLst>
+                                      </p:cBhvr>
+                                      <p:to>
+                                        <p:strVal val="visible"/>
+                                      </p:to>
+                                    </p:set>
+                                  </p:childTnLst>
+                                </p:cTn>
+                              </p:par>
+                            </p:childTnLst>
+                          </p:cTn>
+                        </p:par>
+                      </p:childTnLst>
+                    </p:cTn>
+                  </p:par>
+                  <p:par>
+                    <p:cTn id="35" fill="hold">
+                      <p:stCondLst>
+                        <p:cond delay="indefinite"/>
+                      </p:stCondLst>
+                      <p:childTnLst>
+                        <p:par>
+                          <p:cTn id="36" fill="hold">
+                            <p:stCondLst>
+                              <p:cond delay="0"/>
+                            </p:stCondLst>
+                            <p:childTnLst>
+                              <p:par>
+                                <p:cTn id="37" presetID="1" presetClass="entr" presetSubtype="0" fill="hold" grpId="0" nodeType="clickEffect">
+                                  <p:stCondLst>
+                                    <p:cond delay="0"/>
+                                  </p:stCondLst>
+                                  <p:childTnLst>
+                                    <p:set>
+                                      <p:cBhvr>
+                                        <p:cTn id="38" dur="1" fill="hold">
+                                          <p:stCondLst>
+                                            <p:cond delay="0"/>
+                                          </p:stCondLst>
+                                        </p:cTn>
+                                        <p:tgtEl>
+                                          <p:spTgt spid="3">
+                                            <p:txEl>
+                                              <p:pRg st="9" end="9"/>
+                                            </p:txEl>
+                                          </p:spTgt>
+                                        </p:tgtEl>
+                                        <p:attrNameLst>
+                                          <p:attrName>style.visibility</p:attrName>
+                                        </p:attrNameLst>
+                                      </p:cBhvr>
+                                      <p:to>
+                                        <p:strVal val="visible"/>
+                                      </p:to>
+                                    </p:set>
+                                  </p:childTnLst>
+                                </p:cTn>
+                              </p:par>
+                            </p:childTnLst>
+                          </p:cTn>
+                        </p:par>
+                      </p:childTnLst>
+                    </p:cTn>
+                  </p:par>
+                </p:childTnLst>
+              </p:cTn>
+              <p:prevCondLst>
+                <p:cond evt="onPrev" delay="0">
+                  <p:tgtEl>
+                    <p:sldTgt/>
+                  </p:tgtEl>
+                </p:cond>
+              </p:prevCondLst>
+              <p:nextCondLst>
+                <p:cond evt="onNext" delay="0">
+                  <p:tgtEl>
+                    <p:sldTgt/>
+                  </p:tgtEl>
+                </p:cond>
+              </p:nextCondLst>
+            </p:seq>
+          </p:childTnLst>
+        </p:cTn>
+      </p:par>
+    </p:tnLst>
+    <p:bldLst>
+      <p:bldP spid="3" grpId="0" build="p"/>
+    </p:bldLst>
+  </p:timing>
+</p:sld>
+</file>
+
+<file path=ppt/slides/slide48.xml><?xml version="1.0" encoding="utf-8"?>
+<p:sld xmlns:a="http://schemas.openxmlformats.org/drawingml/2006/main" xmlns:r="http://schemas.openxmlformats.org/officeDocument/2006/relationships" xmlns:p="http://schemas.openxmlformats.org/presentationml/2006/main">
+  <p:cSld>
+    <p:spTree>
+      <p:nvGrpSpPr>
+        <p:cNvPr id="1" name=""/>
+        <p:cNvGrpSpPr/>
+        <p:nvPr/>
+      </p:nvGrpSpPr>
+      <p:grpSpPr>
+        <a:xfrm>
+          <a:off x="0" y="0"/>
+          <a:ext cx="0" cy="0"/>
+          <a:chOff x="0" y="0"/>
+          <a:chExt cx="0" cy="0"/>
+        </a:xfrm>
+      </p:grpSpPr>
+      <p:sp>
+        <p:nvSpPr>
+          <p:cNvPr id="2" name="Title 1">
+            <a:extLst>
+              <a:ext uri="{FF2B5EF4-FFF2-40B4-BE49-F238E27FC236}">
+                <a16:creationId xmlns:a16="http://schemas.microsoft.com/office/drawing/2014/main" id="{55546CB7-615B-458C-A721-119388AF00BF}"/>
+              </a:ext>
+            </a:extLst>
+          </p:cNvPr>
+          <p:cNvSpPr>
+            <a:spLocks noGrp="1"/>
+          </p:cNvSpPr>
+          <p:nvPr>
+            <p:ph type="title"/>
+          </p:nvPr>
+        </p:nvSpPr>
+        <p:spPr/>
+        <p:txBody>
+          <a:bodyPr/>
+          <a:lstStyle/>
+          <a:p>
+            <a:r>
+              <a:rPr lang="en-US" dirty="0"/>
+              <a:t>The </a:t>
+            </a:r>
+            <a:r>
+              <a:rPr lang="en-US" dirty="0" err="1"/>
+              <a:t>superloop</a:t>
+            </a:r>
+            <a:endParaRPr lang="en-US" dirty="0"/>
+          </a:p>
+        </p:txBody>
+      </p:sp>
+      <p:sp>
+        <p:nvSpPr>
+          <p:cNvPr id="3" name="Content Placeholder 2">
+            <a:extLst>
+              <a:ext uri="{FF2B5EF4-FFF2-40B4-BE49-F238E27FC236}">
+                <a16:creationId xmlns:a16="http://schemas.microsoft.com/office/drawing/2014/main" id="{45050AB8-6806-4E12-AE68-E4800B57550C}"/>
+              </a:ext>
+            </a:extLst>
+          </p:cNvPr>
+          <p:cNvSpPr>
+            <a:spLocks noGrp="1"/>
+          </p:cNvSpPr>
+          <p:nvPr>
+            <p:ph idx="1"/>
+          </p:nvPr>
+        </p:nvSpPr>
+        <p:spPr/>
+        <p:txBody>
+          <a:bodyPr/>
+          <a:lstStyle/>
+          <a:p>
+            <a:r>
+              <a:rPr lang="en-US" dirty="0"/>
+              <a:t>Deterministic, simple</a:t>
+            </a:r>
+          </a:p>
+          <a:p>
+            <a:r>
+              <a:rPr lang="en-US" dirty="0"/>
+              <a:t>Context shared throughout</a:t>
+            </a:r>
+          </a:p>
+          <a:p>
+            <a:endParaRPr lang="en-US" dirty="0"/>
+          </a:p>
+          <a:p>
+            <a:r>
+              <a:rPr lang="en-US" dirty="0"/>
+              <a:t>Hard to scale</a:t>
+            </a:r>
+          </a:p>
+          <a:p>
+            <a:r>
+              <a:rPr lang="en-US" dirty="0"/>
+              <a:t>Blocking breaks all timing constraints</a:t>
+            </a:r>
+          </a:p>
+          <a:p>
+            <a:endParaRPr lang="en-US" dirty="0"/>
+          </a:p>
+          <a:p>
+            <a:r>
+              <a:rPr lang="en-US" dirty="0"/>
+              <a:t>Improvement: loop + ISR</a:t>
+            </a:r>
+          </a:p>
+          <a:p>
+            <a:r>
+              <a:rPr lang="en-US" dirty="0"/>
+              <a:t>Still sequential</a:t>
+            </a:r>
+          </a:p>
+          <a:p>
+            <a:pPr marL="0" indent="0">
+              <a:buNone/>
+            </a:pPr>
+            <a:endParaRPr lang="en-US" dirty="0"/>
+          </a:p>
+        </p:txBody>
+      </p:sp>
+      <p:sp>
+        <p:nvSpPr>
+          <p:cNvPr id="4" name="Date Placeholder 3">
+            <a:extLst>
+              <a:ext uri="{FF2B5EF4-FFF2-40B4-BE49-F238E27FC236}">
+                <a16:creationId xmlns:a16="http://schemas.microsoft.com/office/drawing/2014/main" id="{7EDB062E-2CAB-477F-B76F-85EA5CF8B1AB}"/>
+              </a:ext>
+            </a:extLst>
+          </p:cNvPr>
+          <p:cNvSpPr>
+            <a:spLocks noGrp="1"/>
+          </p:cNvSpPr>
+          <p:nvPr>
+            <p:ph type="dt" sz="half" idx="10"/>
+          </p:nvPr>
+        </p:nvSpPr>
+        <p:spPr/>
+        <p:txBody>
+          <a:bodyPr/>
+          <a:lstStyle/>
+          <a:p>
+            <a:pPr>
+              <a:defRPr/>
+            </a:pPr>
+            <a:r>
+              <a:rPr lang="en-US"/>
+              <a:t>21/12/2020</a:t>
+            </a:r>
+          </a:p>
+        </p:txBody>
+      </p:sp>
+      <p:sp>
+        <p:nvSpPr>
+          <p:cNvPr id="5" name="Slide Number Placeholder 4">
+            <a:extLst>
+              <a:ext uri="{FF2B5EF4-FFF2-40B4-BE49-F238E27FC236}">
+                <a16:creationId xmlns:a16="http://schemas.microsoft.com/office/drawing/2014/main" id="{F249C9FB-F82F-4876-80C8-23094081E546}"/>
+              </a:ext>
+            </a:extLst>
+          </p:cNvPr>
+          <p:cNvSpPr>
+            <a:spLocks noGrp="1"/>
+          </p:cNvSpPr>
+          <p:nvPr>
+            <p:ph type="sldNum" sz="quarter" idx="12"/>
+          </p:nvPr>
+        </p:nvSpPr>
+        <p:spPr/>
+        <p:txBody>
+          <a:bodyPr/>
+          <a:lstStyle/>
+          <a:p>
+            <a:pPr>
+              <a:defRPr/>
+            </a:pPr>
+            <a:fld id="{CA887A73-1AE0-46F8-856A-18EA1CF30A1B}" type="slidenum">
+              <a:rPr lang="en-US" altLang="en-US" smtClean="0"/>
+              <a:pPr>
+                <a:defRPr/>
+              </a:pPr>
+              <a:t>48</a:t>
+            </a:fld>
+            <a:endParaRPr lang="en-US" altLang="en-US"/>
+          </a:p>
+        </p:txBody>
+      </p:sp>
+      <p:pic>
+        <p:nvPicPr>
+          <p:cNvPr id="7" name="Picture 6">
+            <a:extLst>
+              <a:ext uri="{FF2B5EF4-FFF2-40B4-BE49-F238E27FC236}">
+                <a16:creationId xmlns:a16="http://schemas.microsoft.com/office/drawing/2014/main" id="{B7052C9E-9AD1-44D6-B57A-C9FE5A50B982}"/>
+              </a:ext>
+            </a:extLst>
+          </p:cNvPr>
+          <p:cNvPicPr>
+            <a:picLocks noChangeAspect="1"/>
+          </p:cNvPicPr>
+          <p:nvPr/>
+        </p:nvPicPr>
+        <p:blipFill>
+          <a:blip r:embed="rId2"/>
+          <a:stretch>
+            <a:fillRect/>
+          </a:stretch>
+        </p:blipFill>
+        <p:spPr>
+          <a:xfrm>
+            <a:off x="5562600" y="1524000"/>
+            <a:ext cx="3259667" cy="2133600"/>
+          </a:xfrm>
+          <a:prstGeom prst="rect">
+            <a:avLst/>
+          </a:prstGeom>
+        </p:spPr>
+      </p:pic>
+    </p:spTree>
+    <p:extLst>
+      <p:ext uri="{BB962C8B-B14F-4D97-AF65-F5344CB8AC3E}">
+        <p14:creationId xmlns:p14="http://schemas.microsoft.com/office/powerpoint/2010/main" val="750325942"/>
+      </p:ext>
+    </p:extLst>
+  </p:cSld>
+  <p:clrMapOvr>
+    <a:masterClrMapping/>
+  </p:clrMapOvr>
+  <p:timing>
+    <p:tnLst>
+      <p:par>
+        <p:cTn id="1" dur="indefinite" restart="never" nodeType="tmRoot">
+          <p:childTnLst>
+            <p:seq concurrent="1" nextAc="seek">
+              <p:cTn id="2" dur="indefinite" nodeType="mainSeq">
+                <p:childTnLst>
+                  <p:par>
+                    <p:cTn id="3" fill="hold">
+                      <p:stCondLst>
+                        <p:cond delay="indefinite"/>
+                      </p:stCondLst>
+                      <p:childTnLst>
+                        <p:par>
+                          <p:cTn id="4" fill="hold">
+                            <p:stCondLst>
+                              <p:cond delay="0"/>
+                            </p:stCondLst>
+                            <p:childTnLst>
+                              <p:par>
+                                <p:cTn id="5" presetID="1" presetClass="entr" presetSubtype="0" fill="hold" grpId="0" nodeType="clickEffect">
+                                  <p:stCondLst>
+                                    <p:cond delay="0"/>
+                                  </p:stCondLst>
+                                  <p:childTnLst>
+                                    <p:set>
+                                      <p:cBhvr>
+                                        <p:cTn id="6" dur="1" fill="hold">
+                                          <p:stCondLst>
+                                            <p:cond delay="0"/>
+                                          </p:stCondLst>
+                                        </p:cTn>
+                                        <p:tgtEl>
+                                          <p:spTgt spid="3">
+                                            <p:txEl>
+                                              <p:pRg st="0" end="0"/>
+                                            </p:txEl>
+                                          </p:spTgt>
+                                        </p:tgtEl>
+                                        <p:attrNameLst>
+                                          <p:attrName>style.visibility</p:attrName>
+                                        </p:attrNameLst>
+                                      </p:cBhvr>
+                                      <p:to>
+                                        <p:strVal val="visible"/>
+                                      </p:to>
+                                    </p:set>
+                                  </p:childTnLst>
+                                </p:cTn>
+                              </p:par>
+                            </p:childTnLst>
+                          </p:cTn>
+                        </p:par>
+                      </p:childTnLst>
+                    </p:cTn>
+                  </p:par>
+                  <p:par>
+                    <p:cTn id="7" fill="hold">
+                      <p:stCondLst>
+                        <p:cond delay="indefinite"/>
+                      </p:stCondLst>
+                      <p:childTnLst>
+                        <p:par>
+                          <p:cTn id="8" fill="hold">
+                            <p:stCondLst>
+                              <p:cond delay="0"/>
+                            </p:stCondLst>
+                            <p:childTnLst>
+                              <p:par>
+                                <p:cTn id="9" presetID="1" presetClass="entr" presetSubtype="0" fill="hold" grpId="0" nodeType="clickEffect">
+                                  <p:stCondLst>
+                                    <p:cond delay="0"/>
+                                  </p:stCondLst>
+                                  <p:childTnLst>
+                                    <p:set>
+                                      <p:cBhvr>
+                                        <p:cTn id="10" dur="1" fill="hold">
+                                          <p:stCondLst>
+                                            <p:cond delay="0"/>
+                                          </p:stCondLst>
+                                        </p:cTn>
+                                        <p:tgtEl>
+                                          <p:spTgt spid="3">
+                                            <p:txEl>
+                                              <p:pRg st="1" end="1"/>
+                                            </p:txEl>
+                                          </p:spTgt>
+                                        </p:tgtEl>
+                                        <p:attrNameLst>
+                                          <p:attrName>style.visibility</p:attrName>
+                                        </p:attrNameLst>
+                                      </p:cBhvr>
+                                      <p:to>
+                                        <p:strVal val="visible"/>
+                                      </p:to>
+                                    </p:set>
+                                  </p:childTnLst>
+                                </p:cTn>
+                              </p:par>
+                            </p:childTnLst>
+                          </p:cTn>
+                        </p:par>
+                      </p:childTnLst>
+                    </p:cTn>
+                  </p:par>
+                  <p:par>
+                    <p:cTn id="11" fill="hold">
+                      <p:stCondLst>
+                        <p:cond delay="indefinite"/>
+                      </p:stCondLst>
+                      <p:childTnLst>
+                        <p:par>
+                          <p:cTn id="12" fill="hold">
+                            <p:stCondLst>
+                              <p:cond delay="0"/>
+                            </p:stCondLst>
+                            <p:childTnLst>
+                              <p:par>
+                                <p:cTn id="13" presetID="1" presetClass="entr" presetSubtype="0" fill="hold" grpId="0" nodeType="clickEffect">
+                                  <p:stCondLst>
+                                    <p:cond delay="0"/>
+                                  </p:stCondLst>
+                                  <p:childTnLst>
+                                    <p:set>
+                                      <p:cBhvr>
+                                        <p:cTn id="14" dur="1" fill="hold">
+                                          <p:stCondLst>
+                                            <p:cond delay="0"/>
+                                          </p:stCondLst>
+                                        </p:cTn>
+                                        <p:tgtEl>
+                                          <p:spTgt spid="3">
+                                            <p:txEl>
+                                              <p:pRg st="3" end="3"/>
+                                            </p:txEl>
+                                          </p:spTgt>
+                                        </p:tgtEl>
+                                        <p:attrNameLst>
+                                          <p:attrName>style.visibility</p:attrName>
+                                        </p:attrNameLst>
+                                      </p:cBhvr>
+                                      <p:to>
+                                        <p:strVal val="visible"/>
+                                      </p:to>
+                                    </p:set>
+                                  </p:childTnLst>
+                                </p:cTn>
+                              </p:par>
+                            </p:childTnLst>
+                          </p:cTn>
+                        </p:par>
+                      </p:childTnLst>
+                    </p:cTn>
+                  </p:par>
+                  <p:par>
+                    <p:cTn id="15" fill="hold">
+                      <p:stCondLst>
+                        <p:cond delay="indefinite"/>
+                      </p:stCondLst>
+                      <p:childTnLst>
+                        <p:par>
+                          <p:cTn id="16" fill="hold">
+                            <p:stCondLst>
+                              <p:cond delay="0"/>
+                            </p:stCondLst>
+                            <p:childTnLst>
+                              <p:par>
+                                <p:cTn id="17" presetID="1" presetClass="entr" presetSubtype="0" fill="hold" grpId="0" nodeType="clickEffect">
+                                  <p:stCondLst>
+                                    <p:cond delay="0"/>
+                                  </p:stCondLst>
+                                  <p:childTnLst>
+                                    <p:set>
+                                      <p:cBhvr>
+                                        <p:cTn id="18" dur="1" fill="hold">
+                                          <p:stCondLst>
+                                            <p:cond delay="0"/>
+                                          </p:stCondLst>
+                                        </p:cTn>
+                                        <p:tgtEl>
+                                          <p:spTgt spid="3">
+                                            <p:txEl>
+                                              <p:pRg st="4" end="4"/>
+                                            </p:txEl>
+                                          </p:spTgt>
+                                        </p:tgtEl>
+                                        <p:attrNameLst>
+                                          <p:attrName>style.visibility</p:attrName>
+                                        </p:attrNameLst>
+                                      </p:cBhvr>
+                                      <p:to>
+                                        <p:strVal val="visible"/>
+                                      </p:to>
+                                    </p:set>
+                                  </p:childTnLst>
+                                </p:cTn>
+                              </p:par>
+                            </p:childTnLst>
+                          </p:cTn>
+                        </p:par>
+                      </p:childTnLst>
+                    </p:cTn>
+                  </p:par>
+                  <p:par>
+                    <p:cTn id="19" fill="hold">
+                      <p:stCondLst>
+                        <p:cond delay="indefinite"/>
+                      </p:stCondLst>
+                      <p:childTnLst>
+                        <p:par>
+                          <p:cTn id="20" fill="hold">
+                            <p:stCondLst>
+                              <p:cond delay="0"/>
+                            </p:stCondLst>
+                            <p:childTnLst>
+                              <p:par>
+                                <p:cTn id="21" presetID="1" presetClass="entr" presetSubtype="0" fill="hold" grpId="0" nodeType="clickEffect">
+                                  <p:stCondLst>
+                                    <p:cond delay="0"/>
+                                  </p:stCondLst>
+                                  <p:childTnLst>
+                                    <p:set>
+                                      <p:cBhvr>
+                                        <p:cTn id="22" dur="1" fill="hold">
+                                          <p:stCondLst>
+                                            <p:cond delay="0"/>
+                                          </p:stCondLst>
+                                        </p:cTn>
+                                        <p:tgtEl>
+                                          <p:spTgt spid="3">
+                                            <p:txEl>
+                                              <p:pRg st="6" end="6"/>
+                                            </p:txEl>
+                                          </p:spTgt>
+                                        </p:tgtEl>
+                                        <p:attrNameLst>
+                                          <p:attrName>style.visibility</p:attrName>
+                                        </p:attrNameLst>
+                                      </p:cBhvr>
+                                      <p:to>
+                                        <p:strVal val="visible"/>
+                                      </p:to>
+                                    </p:set>
+                                  </p:childTnLst>
+                                </p:cTn>
+                              </p:par>
+                            </p:childTnLst>
+                          </p:cTn>
+                        </p:par>
+                      </p:childTnLst>
+                    </p:cTn>
+                  </p:par>
+                  <p:par>
+                    <p:cTn id="23" fill="hold">
+                      <p:stCondLst>
+                        <p:cond delay="indefinite"/>
+                      </p:stCondLst>
+                      <p:childTnLst>
+                        <p:par>
+                          <p:cTn id="24" fill="hold">
+                            <p:stCondLst>
+                              <p:cond delay="0"/>
+                            </p:stCondLst>
+                            <p:childTnLst>
+                              <p:par>
+                                <p:cTn id="25" presetID="1" presetClass="entr" presetSubtype="0" fill="hold" grpId="0" nodeType="clickEffect">
+                                  <p:stCondLst>
+                                    <p:cond delay="0"/>
+                                  </p:stCondLst>
+                                  <p:childTnLst>
+                                    <p:set>
+                                      <p:cBhvr>
+                                        <p:cTn id="26" dur="1" fill="hold">
+                                          <p:stCondLst>
+                                            <p:cond delay="0"/>
+                                          </p:stCondLst>
+                                        </p:cTn>
+                                        <p:tgtEl>
+                                          <p:spTgt spid="3">
+                                            <p:txEl>
+                                              <p:pRg st="7" end="7"/>
+                                            </p:txEl>
+                                          </p:spTgt>
+                                        </p:tgtEl>
+                                        <p:attrNameLst>
+                                          <p:attrName>style.visibility</p:attrName>
+                                        </p:attrNameLst>
+                                      </p:cBhvr>
+                                      <p:to>
+                                        <p:strVal val="visible"/>
+                                      </p:to>
+                                    </p:set>
+                                  </p:childTnLst>
+                                </p:cTn>
+                              </p:par>
+                            </p:childTnLst>
+                          </p:cTn>
+                        </p:par>
+                      </p:childTnLst>
+                    </p:cTn>
+                  </p:par>
+                </p:childTnLst>
+              </p:cTn>
+              <p:prevCondLst>
+                <p:cond evt="onPrev" delay="0">
+                  <p:tgtEl>
+                    <p:sldTgt/>
+                  </p:tgtEl>
+                </p:cond>
+              </p:prevCondLst>
+              <p:nextCondLst>
+                <p:cond evt="onNext" delay="0">
+                  <p:tgtEl>
+                    <p:sldTgt/>
+                  </p:tgtEl>
+                </p:cond>
+              </p:nextCondLst>
+            </p:seq>
+          </p:childTnLst>
+        </p:cTn>
+      </p:par>
+    </p:tnLst>
+    <p:bldLst>
+      <p:bldP spid="3" grpId="0" build="p"/>
+    </p:bldLst>
+  </p:timing>
+</p:sld>
+</file>
+
+<file path=ppt/slides/slide49.xml><?xml version="1.0" encoding="utf-8"?>
+<p:sld xmlns:a="http://schemas.openxmlformats.org/drawingml/2006/main" xmlns:r="http://schemas.openxmlformats.org/officeDocument/2006/relationships" xmlns:p="http://schemas.openxmlformats.org/presentationml/2006/main">
+  <p:cSld>
+    <p:spTree>
+      <p:nvGrpSpPr>
+        <p:cNvPr id="1" name=""/>
+        <p:cNvGrpSpPr/>
+        <p:nvPr/>
+      </p:nvGrpSpPr>
+      <p:grpSpPr>
+        <a:xfrm>
+          <a:off x="0" y="0"/>
+          <a:ext cx="0" cy="0"/>
+          <a:chOff x="0" y="0"/>
+          <a:chExt cx="0" cy="0"/>
+        </a:xfrm>
+      </p:grpSpPr>
+      <p:sp>
+        <p:nvSpPr>
+          <p:cNvPr id="2" name="Title 1">
+            <a:extLst>
+              <a:ext uri="{FF2B5EF4-FFF2-40B4-BE49-F238E27FC236}">
+                <a16:creationId xmlns:a16="http://schemas.microsoft.com/office/drawing/2014/main" id="{36054EB6-81B8-4351-9BCD-9D09EC3779DF}"/>
+              </a:ext>
+            </a:extLst>
+          </p:cNvPr>
+          <p:cNvSpPr>
+            <a:spLocks noGrp="1"/>
+          </p:cNvSpPr>
+          <p:nvPr>
+            <p:ph type="title"/>
+          </p:nvPr>
+        </p:nvSpPr>
+        <p:spPr/>
+        <p:txBody>
+          <a:bodyPr/>
+          <a:lstStyle/>
+          <a:p>
+            <a:r>
+              <a:rPr lang="en-US" dirty="0"/>
+              <a:t>Multitasking</a:t>
+            </a:r>
+          </a:p>
+        </p:txBody>
+      </p:sp>
+      <p:sp>
+        <p:nvSpPr>
+          <p:cNvPr id="3" name="Content Placeholder 2">
+            <a:extLst>
+              <a:ext uri="{FF2B5EF4-FFF2-40B4-BE49-F238E27FC236}">
+                <a16:creationId xmlns:a16="http://schemas.microsoft.com/office/drawing/2014/main" id="{6D2DB0A3-41F3-49D8-8617-F9C07F11D194}"/>
+              </a:ext>
+            </a:extLst>
+          </p:cNvPr>
+          <p:cNvSpPr>
+            <a:spLocks noGrp="1"/>
+          </p:cNvSpPr>
+          <p:nvPr>
+            <p:ph idx="1"/>
+          </p:nvPr>
+        </p:nvSpPr>
+        <p:spPr/>
+        <p:txBody>
+          <a:bodyPr/>
+          <a:lstStyle/>
+          <a:p>
+            <a:r>
+              <a:rPr lang="en-US" dirty="0"/>
+              <a:t>Illusion of parallel execution</a:t>
+            </a:r>
+          </a:p>
+          <a:p>
+            <a:r>
+              <a:rPr lang="en-US" dirty="0"/>
+              <a:t>Cooperative: tasks yield voluntarily to the next task</a:t>
+            </a:r>
+          </a:p>
+          <a:p>
+            <a:r>
+              <a:rPr lang="en-US" dirty="0"/>
+              <a:t>Preemptive: Scheduler starts and stops tasks</a:t>
+            </a:r>
+          </a:p>
+          <a:p>
+            <a:r>
+              <a:rPr lang="en-US" dirty="0"/>
+              <a:t>Idea of priority</a:t>
+            </a:r>
+          </a:p>
+        </p:txBody>
+      </p:sp>
+      <p:sp>
+        <p:nvSpPr>
+          <p:cNvPr id="4" name="Date Placeholder 3">
+            <a:extLst>
+              <a:ext uri="{FF2B5EF4-FFF2-40B4-BE49-F238E27FC236}">
+                <a16:creationId xmlns:a16="http://schemas.microsoft.com/office/drawing/2014/main" id="{954955BF-6403-4EFB-9086-54095161FA3F}"/>
+              </a:ext>
+            </a:extLst>
+          </p:cNvPr>
+          <p:cNvSpPr>
+            <a:spLocks noGrp="1"/>
+          </p:cNvSpPr>
+          <p:nvPr>
+            <p:ph type="dt" sz="half" idx="10"/>
+          </p:nvPr>
+        </p:nvSpPr>
+        <p:spPr/>
+        <p:txBody>
+          <a:bodyPr/>
+          <a:lstStyle/>
+          <a:p>
+            <a:pPr>
+              <a:defRPr/>
+            </a:pPr>
+            <a:r>
+              <a:rPr lang="en-US"/>
+              <a:t>21/12/2020</a:t>
+            </a:r>
+          </a:p>
+        </p:txBody>
+      </p:sp>
+      <p:sp>
+        <p:nvSpPr>
+          <p:cNvPr id="5" name="Slide Number Placeholder 4">
+            <a:extLst>
+              <a:ext uri="{FF2B5EF4-FFF2-40B4-BE49-F238E27FC236}">
+                <a16:creationId xmlns:a16="http://schemas.microsoft.com/office/drawing/2014/main" id="{378A32AE-E16E-4ABB-8149-57167CC25F23}"/>
+              </a:ext>
+            </a:extLst>
+          </p:cNvPr>
+          <p:cNvSpPr>
+            <a:spLocks noGrp="1"/>
+          </p:cNvSpPr>
+          <p:nvPr>
+            <p:ph type="sldNum" sz="quarter" idx="12"/>
+          </p:nvPr>
+        </p:nvSpPr>
+        <p:spPr/>
+        <p:txBody>
+          <a:bodyPr/>
+          <a:lstStyle/>
+          <a:p>
+            <a:pPr>
+              <a:defRPr/>
+            </a:pPr>
+            <a:fld id="{CA887A73-1AE0-46F8-856A-18EA1CF30A1B}" type="slidenum">
+              <a:rPr lang="en-US" altLang="en-US" smtClean="0"/>
+              <a:pPr>
+                <a:defRPr/>
+              </a:pPr>
+              <a:t>49</a:t>
+            </a:fld>
+            <a:endParaRPr lang="en-US" altLang="en-US"/>
+          </a:p>
+        </p:txBody>
+      </p:sp>
+    </p:spTree>
+    <p:extLst>
+      <p:ext uri="{BB962C8B-B14F-4D97-AF65-F5344CB8AC3E}">
+        <p14:creationId xmlns:p14="http://schemas.microsoft.com/office/powerpoint/2010/main" val="4214147737"/>
+      </p:ext>
+    </p:extLst>
+  </p:cSld>
+  <p:clrMapOvr>
+    <a:masterClrMapping/>
+  </p:clrMapOvr>
+  <p:timing>
+    <p:tnLst>
+      <p:par>
+        <p:cTn id="1" dur="indefinite" restart="never" nodeType="tmRoot">
+          <p:childTnLst>
+            <p:seq concurrent="1" nextAc="seek">
+              <p:cTn id="2" dur="indefinite" nodeType="mainSeq">
+                <p:childTnLst>
+                  <p:par>
+                    <p:cTn id="3" fill="hold">
+                      <p:stCondLst>
+                        <p:cond delay="indefinite"/>
+                      </p:stCondLst>
+                      <p:childTnLst>
+                        <p:par>
+                          <p:cTn id="4" fill="hold">
+                            <p:stCondLst>
+                              <p:cond delay="0"/>
+                            </p:stCondLst>
+                            <p:childTnLst>
+                              <p:par>
+                                <p:cTn id="5" presetID="1" presetClass="entr" presetSubtype="0" fill="hold" grpId="0" nodeType="clickEffect">
+                                  <p:stCondLst>
+                                    <p:cond delay="0"/>
+                                  </p:stCondLst>
+                                  <p:childTnLst>
+                                    <p:set>
+                                      <p:cBhvr>
+                                        <p:cTn id="6" dur="1" fill="hold">
+                                          <p:stCondLst>
+                                            <p:cond delay="0"/>
+                                          </p:stCondLst>
+                                        </p:cTn>
+                                        <p:tgtEl>
+                                          <p:spTgt spid="3">
+                                            <p:txEl>
+                                              <p:pRg st="0" end="0"/>
+                                            </p:txEl>
+                                          </p:spTgt>
+                                        </p:tgtEl>
+                                        <p:attrNameLst>
+                                          <p:attrName>style.visibility</p:attrName>
+                                        </p:attrNameLst>
+                                      </p:cBhvr>
+                                      <p:to>
+                                        <p:strVal val="visible"/>
+                                      </p:to>
+                                    </p:set>
+                                  </p:childTnLst>
+                                </p:cTn>
+                              </p:par>
+                            </p:childTnLst>
+                          </p:cTn>
+                        </p:par>
+                      </p:childTnLst>
+                    </p:cTn>
+                  </p:par>
+                  <p:par>
+                    <p:cTn id="7" fill="hold">
+                      <p:stCondLst>
+                        <p:cond delay="indefinite"/>
+                      </p:stCondLst>
+                      <p:childTnLst>
+                        <p:par>
+                          <p:cTn id="8" fill="hold">
+                            <p:stCondLst>
+                              <p:cond delay="0"/>
+                            </p:stCondLst>
+                            <p:childTnLst>
+                              <p:par>
+                                <p:cTn id="9" presetID="1" presetClass="entr" presetSubtype="0" fill="hold" grpId="0" nodeType="clickEffect">
+                                  <p:stCondLst>
+                                    <p:cond delay="0"/>
+                                  </p:stCondLst>
+                                  <p:childTnLst>
+                                    <p:set>
+                                      <p:cBhvr>
+                                        <p:cTn id="10" dur="1" fill="hold">
+                                          <p:stCondLst>
+                                            <p:cond delay="0"/>
+                                          </p:stCondLst>
+                                        </p:cTn>
+                                        <p:tgtEl>
+                                          <p:spTgt spid="3">
+                                            <p:txEl>
+                                              <p:pRg st="1" end="1"/>
+                                            </p:txEl>
+                                          </p:spTgt>
+                                        </p:tgtEl>
+                                        <p:attrNameLst>
+                                          <p:attrName>style.visibility</p:attrName>
+                                        </p:attrNameLst>
+                                      </p:cBhvr>
+                                      <p:to>
+                                        <p:strVal val="visible"/>
+                                      </p:to>
+                                    </p:set>
+                                  </p:childTnLst>
+                                </p:cTn>
+                              </p:par>
+                            </p:childTnLst>
+                          </p:cTn>
+                        </p:par>
+                      </p:childTnLst>
+                    </p:cTn>
+                  </p:par>
+                  <p:par>
+                    <p:cTn id="11" fill="hold">
+                      <p:stCondLst>
+                        <p:cond delay="indefinite"/>
+                      </p:stCondLst>
+                      <p:childTnLst>
+                        <p:par>
+                          <p:cTn id="12" fill="hold">
+                            <p:stCondLst>
+                              <p:cond delay="0"/>
+                            </p:stCondLst>
+                            <p:childTnLst>
+                              <p:par>
+                                <p:cTn id="13" presetID="1" presetClass="entr" presetSubtype="0" fill="hold" grpId="0" nodeType="clickEffect">
+                                  <p:stCondLst>
+                                    <p:cond delay="0"/>
+                                  </p:stCondLst>
+                                  <p:childTnLst>
+                                    <p:set>
+                                      <p:cBhvr>
+                                        <p:cTn id="14" dur="1" fill="hold">
+                                          <p:stCondLst>
+                                            <p:cond delay="0"/>
+                                          </p:stCondLst>
+                                        </p:cTn>
+                                        <p:tgtEl>
+                                          <p:spTgt spid="3">
+                                            <p:txEl>
+                                              <p:pRg st="2" end="2"/>
+                                            </p:txEl>
+                                          </p:spTgt>
+                                        </p:tgtEl>
+                                        <p:attrNameLst>
+                                          <p:attrName>style.visibility</p:attrName>
+                                        </p:attrNameLst>
+                                      </p:cBhvr>
+                                      <p:to>
+                                        <p:strVal val="visible"/>
+                                      </p:to>
+                                    </p:set>
+                                  </p:childTnLst>
+                                </p:cTn>
+                              </p:par>
+                            </p:childTnLst>
+                          </p:cTn>
+                        </p:par>
+                      </p:childTnLst>
+                    </p:cTn>
+                  </p:par>
+                  <p:par>
+                    <p:cTn id="15" fill="hold">
+                      <p:stCondLst>
+                        <p:cond delay="indefinite"/>
+                      </p:stCondLst>
+                      <p:childTnLst>
+                        <p:par>
+                          <p:cTn id="16" fill="hold">
+                            <p:stCondLst>
+                              <p:cond delay="0"/>
+                            </p:stCondLst>
+                            <p:childTnLst>
+                              <p:par>
+                                <p:cTn id="17" presetID="1" presetClass="entr" presetSubtype="0" fill="hold" grpId="0" nodeType="clickEffect">
+                                  <p:stCondLst>
+                                    <p:cond delay="0"/>
+                                  </p:stCondLst>
+                                  <p:childTnLst>
+                                    <p:set>
+                                      <p:cBhvr>
+                                        <p:cTn id="18" dur="1" fill="hold">
+                                          <p:stCondLst>
+                                            <p:cond delay="0"/>
+                                          </p:stCondLst>
+                                        </p:cTn>
+                                        <p:tgtEl>
+                                          <p:spTgt spid="3">
+                                            <p:txEl>
+                                              <p:pRg st="3" end="3"/>
+                                            </p:txEl>
+                                          </p:spTgt>
+                                        </p:tgtEl>
+                                        <p:attrNameLst>
+                                          <p:attrName>style.visibility</p:attrName>
+                                        </p:attrNameLst>
+                                      </p:cBhvr>
+                                      <p:to>
+                                        <p:strVal val="visible"/>
+                                      </p:to>
+                                    </p:set>
+                                  </p:childTnLst>
+                                </p:cTn>
+                              </p:par>
+                            </p:childTnLst>
+                          </p:cTn>
+                        </p:par>
+                      </p:childTnLst>
+                    </p:cTn>
+                  </p:par>
+                </p:childTnLst>
+              </p:cTn>
+              <p:prevCondLst>
+                <p:cond evt="onPrev" delay="0">
+                  <p:tgtEl>
+                    <p:sldTgt/>
+                  </p:tgtEl>
+                </p:cond>
+              </p:prevCondLst>
+              <p:nextCondLst>
+                <p:cond evt="onNext" delay="0">
+                  <p:tgtEl>
+                    <p:sldTgt/>
+                  </p:tgtEl>
+                </p:cond>
+              </p:nextCondLst>
+            </p:seq>
+          </p:childTnLst>
+        </p:cTn>
+      </p:par>
+    </p:tnLst>
+    <p:bldLst>
+      <p:bldP spid="3" grpId="0" build="p"/>
+    </p:bldLst>
+  </p:timing>
 </p:sld>
 </file>
 
